--- a/ipsa/slides/dictionaries.pptx
+++ b/ipsa/slides/dictionaries.pptx
@@ -5,7 +5,7 @@
     <p:sldMasterId id="2147483648" r:id="rId1"/>
   </p:sldMasterIdLst>
   <p:notesMasterIdLst>
-    <p:notesMasterId r:id="rId22"/>
+    <p:notesMasterId r:id="rId23"/>
   </p:notesMasterIdLst>
   <p:sldIdLst>
     <p:sldId id="476" r:id="rId2"/>
@@ -14,20 +14,21 @@
     <p:sldId id="562" r:id="rId5"/>
     <p:sldId id="568" r:id="rId6"/>
     <p:sldId id="558" r:id="rId7"/>
-    <p:sldId id="561" r:id="rId8"/>
-    <p:sldId id="545" r:id="rId9"/>
-    <p:sldId id="550" r:id="rId10"/>
-    <p:sldId id="559" r:id="rId11"/>
-    <p:sldId id="569" r:id="rId12"/>
-    <p:sldId id="546" r:id="rId13"/>
-    <p:sldId id="555" r:id="rId14"/>
-    <p:sldId id="551" r:id="rId15"/>
-    <p:sldId id="563" r:id="rId16"/>
-    <p:sldId id="565" r:id="rId17"/>
-    <p:sldId id="566" r:id="rId18"/>
-    <p:sldId id="567" r:id="rId19"/>
-    <p:sldId id="544" r:id="rId20"/>
-    <p:sldId id="557" r:id="rId21"/>
+    <p:sldId id="570" r:id="rId8"/>
+    <p:sldId id="561" r:id="rId9"/>
+    <p:sldId id="545" r:id="rId10"/>
+    <p:sldId id="550" r:id="rId11"/>
+    <p:sldId id="559" r:id="rId12"/>
+    <p:sldId id="569" r:id="rId13"/>
+    <p:sldId id="546" r:id="rId14"/>
+    <p:sldId id="555" r:id="rId15"/>
+    <p:sldId id="551" r:id="rId16"/>
+    <p:sldId id="563" r:id="rId17"/>
+    <p:sldId id="565" r:id="rId18"/>
+    <p:sldId id="566" r:id="rId19"/>
+    <p:sldId id="567" r:id="rId20"/>
+    <p:sldId id="544" r:id="rId21"/>
+    <p:sldId id="557" r:id="rId22"/>
   </p:sldIdLst>
   <p:sldSz cx="12192000" cy="6858000"/>
   <p:notesSz cx="6858000" cy="9144000"/>
@@ -556,7 +557,7 @@
           <a:p>
             <a:fld id="{FB1A172F-81D4-4DC4-9113-1DBD56EC3646}" type="datetimeFigureOut">
               <a:rPr lang="en-US" smtClean="0"/>
-              <a:t>2/21/2022</a:t>
+              <a:t>11/19/2022</a:t>
             </a:fld>
             <a:endParaRPr lang="en-US"/>
           </a:p>
@@ -984,7 +985,7 @@
           <a:p>
             <a:fld id="{CD563DD8-32AB-41BE-B1C6-8EAC45222ACE}" type="slidenum">
               <a:rPr lang="en-US" smtClean="0"/>
-              <a:t>13</a:t>
+              <a:t>14</a:t>
             </a:fld>
             <a:endParaRPr lang="en-US"/>
           </a:p>
@@ -1092,7 +1093,7 @@
           <a:p>
             <a:fld id="{CD563DD8-32AB-41BE-B1C6-8EAC45222ACE}" type="slidenum">
               <a:rPr lang="en-US" smtClean="0"/>
-              <a:t>14</a:t>
+              <a:t>15</a:t>
             </a:fld>
             <a:endParaRPr lang="en-US"/>
           </a:p>
@@ -1368,7 +1369,7 @@
           <a:p>
             <a:fld id="{CD563DD8-32AB-41BE-B1C6-8EAC45222ACE}" type="slidenum">
               <a:rPr lang="en-US" smtClean="0"/>
-              <a:t>17</a:t>
+              <a:t>18</a:t>
             </a:fld>
             <a:endParaRPr lang="en-US"/>
           </a:p>
@@ -1452,7 +1453,7 @@
           <a:p>
             <a:fld id="{CD563DD8-32AB-41BE-B1C6-8EAC45222ACE}" type="slidenum">
               <a:rPr lang="en-US" smtClean="0"/>
-              <a:t>18</a:t>
+              <a:t>19</a:t>
             </a:fld>
             <a:endParaRPr lang="en-US"/>
           </a:p>
@@ -1963,7 +1964,7 @@
           <a:p>
             <a:fld id="{CD563DD8-32AB-41BE-B1C6-8EAC45222ACE}" type="slidenum">
               <a:rPr lang="en-US" smtClean="0"/>
-              <a:t>7</a:t>
+              <a:t>8</a:t>
             </a:fld>
             <a:endParaRPr lang="en-US"/>
           </a:p>
@@ -2072,7 +2073,7 @@
           <a:p>
             <a:fld id="{CD563DD8-32AB-41BE-B1C6-8EAC45222ACE}" type="slidenum">
               <a:rPr lang="en-US" smtClean="0"/>
-              <a:t>9</a:t>
+              <a:t>10</a:t>
             </a:fld>
             <a:endParaRPr lang="en-US"/>
           </a:p>
@@ -2188,7 +2189,7 @@
           <a:p>
             <a:fld id="{CD563DD8-32AB-41BE-B1C6-8EAC45222ACE}" type="slidenum">
               <a:rPr lang="en-US" smtClean="0"/>
-              <a:t>10</a:t>
+              <a:t>11</a:t>
             </a:fld>
             <a:endParaRPr lang="en-US"/>
           </a:p>
@@ -2363,7 +2364,7 @@
           <a:p>
             <a:fld id="{CD563DD8-32AB-41BE-B1C6-8EAC45222ACE}" type="slidenum">
               <a:rPr lang="en-US" smtClean="0"/>
-              <a:t>11</a:t>
+              <a:t>12</a:t>
             </a:fld>
             <a:endParaRPr lang="en-US"/>
           </a:p>
@@ -2486,7 +2487,7 @@
           <a:p>
             <a:fld id="{CD563DD8-32AB-41BE-B1C6-8EAC45222ACE}" type="slidenum">
               <a:rPr lang="en-US" smtClean="0"/>
-              <a:t>12</a:t>
+              <a:t>13</a:t>
             </a:fld>
             <a:endParaRPr lang="en-US"/>
           </a:p>
@@ -2642,7 +2643,7 @@
           <a:p>
             <a:fld id="{0560A9CD-0304-4E0B-9E82-E7E0115DE05B}" type="datetimeFigureOut">
               <a:rPr lang="en-US" smtClean="0"/>
-              <a:t>2/21/2022</a:t>
+              <a:t>11/19/2022</a:t>
             </a:fld>
             <a:endParaRPr lang="en-US"/>
           </a:p>
@@ -2810,7 +2811,7 @@
           <a:p>
             <a:fld id="{0560A9CD-0304-4E0B-9E82-E7E0115DE05B}" type="datetimeFigureOut">
               <a:rPr lang="en-US" smtClean="0"/>
-              <a:t>2/21/2022</a:t>
+              <a:t>11/19/2022</a:t>
             </a:fld>
             <a:endParaRPr lang="en-US"/>
           </a:p>
@@ -2988,7 +2989,7 @@
           <a:p>
             <a:fld id="{0560A9CD-0304-4E0B-9E82-E7E0115DE05B}" type="datetimeFigureOut">
               <a:rPr lang="en-US" smtClean="0"/>
-              <a:t>2/21/2022</a:t>
+              <a:t>11/19/2022</a:t>
             </a:fld>
             <a:endParaRPr lang="en-US"/>
           </a:p>
@@ -3165,7 +3166,7 @@
           <a:p>
             <a:fld id="{0560A9CD-0304-4E0B-9E82-E7E0115DE05B}" type="datetimeFigureOut">
               <a:rPr lang="en-US" smtClean="0"/>
-              <a:t>2/21/2022</a:t>
+              <a:t>11/19/2022</a:t>
             </a:fld>
             <a:endParaRPr lang="en-US"/>
           </a:p>
@@ -3410,7 +3411,7 @@
           <a:p>
             <a:fld id="{0560A9CD-0304-4E0B-9E82-E7E0115DE05B}" type="datetimeFigureOut">
               <a:rPr lang="en-US" smtClean="0"/>
-              <a:t>2/21/2022</a:t>
+              <a:t>11/19/2022</a:t>
             </a:fld>
             <a:endParaRPr lang="en-US"/>
           </a:p>
@@ -3639,7 +3640,7 @@
           <a:p>
             <a:fld id="{0560A9CD-0304-4E0B-9E82-E7E0115DE05B}" type="datetimeFigureOut">
               <a:rPr lang="en-US" smtClean="0"/>
-              <a:t>2/21/2022</a:t>
+              <a:t>11/19/2022</a:t>
             </a:fld>
             <a:endParaRPr lang="en-US"/>
           </a:p>
@@ -4003,7 +4004,7 @@
           <a:p>
             <a:fld id="{0560A9CD-0304-4E0B-9E82-E7E0115DE05B}" type="datetimeFigureOut">
               <a:rPr lang="en-US" smtClean="0"/>
-              <a:t>2/21/2022</a:t>
+              <a:t>11/19/2022</a:t>
             </a:fld>
             <a:endParaRPr lang="en-US"/>
           </a:p>
@@ -4120,7 +4121,7 @@
           <a:p>
             <a:fld id="{0560A9CD-0304-4E0B-9E82-E7E0115DE05B}" type="datetimeFigureOut">
               <a:rPr lang="en-US" smtClean="0"/>
-              <a:t>2/21/2022</a:t>
+              <a:t>11/19/2022</a:t>
             </a:fld>
             <a:endParaRPr lang="en-US"/>
           </a:p>
@@ -4215,7 +4216,7 @@
           <a:p>
             <a:fld id="{0560A9CD-0304-4E0B-9E82-E7E0115DE05B}" type="datetimeFigureOut">
               <a:rPr lang="en-US" smtClean="0"/>
-              <a:t>2/21/2022</a:t>
+              <a:t>11/19/2022</a:t>
             </a:fld>
             <a:endParaRPr lang="en-US"/>
           </a:p>
@@ -4490,7 +4491,7 @@
           <a:p>
             <a:fld id="{0560A9CD-0304-4E0B-9E82-E7E0115DE05B}" type="datetimeFigureOut">
               <a:rPr lang="en-US" smtClean="0"/>
-              <a:t>2/21/2022</a:t>
+              <a:t>11/19/2022</a:t>
             </a:fld>
             <a:endParaRPr lang="en-US"/>
           </a:p>
@@ -4742,7 +4743,7 @@
           <a:p>
             <a:fld id="{0560A9CD-0304-4E0B-9E82-E7E0115DE05B}" type="datetimeFigureOut">
               <a:rPr lang="en-US" smtClean="0"/>
-              <a:t>2/21/2022</a:t>
+              <a:t>11/19/2022</a:t>
             </a:fld>
             <a:endParaRPr lang="en-US"/>
           </a:p>
@@ -4953,7 +4954,7 @@
           <a:p>
             <a:fld id="{0560A9CD-0304-4E0B-9E82-E7E0115DE05B}" type="datetimeFigureOut">
               <a:rPr lang="en-US" smtClean="0"/>
-              <a:t>2/21/2022</a:t>
+              <a:t>11/19/2022</a:t>
             </a:fld>
             <a:endParaRPr lang="en-US"/>
           </a:p>
@@ -5472,376 +5473,6 @@
     <p:bg>
       <p:bgPr>
         <a:solidFill>
-          <a:schemeClr val="accent6">
-            <a:lumMod val="20000"/>
-            <a:lumOff val="80000"/>
-          </a:schemeClr>
-        </a:solidFill>
-        <a:effectLst/>
-      </p:bgPr>
-    </p:bg>
-    <p:spTree>
-      <p:nvGrpSpPr>
-        <p:cNvPr id="1" name=""/>
-        <p:cNvGrpSpPr/>
-        <p:nvPr/>
-      </p:nvGrpSpPr>
-      <p:grpSpPr>
-        <a:xfrm>
-          <a:off x="0" y="0"/>
-          <a:ext cx="0" cy="0"/>
-          <a:chOff x="0" y="0"/>
-          <a:chExt cx="0" cy="0"/>
-        </a:xfrm>
-      </p:grpSpPr>
-      <p:sp>
-        <p:nvSpPr>
-          <p:cNvPr id="2" name="Title 1"/>
-          <p:cNvSpPr>
-            <a:spLocks noGrp="1"/>
-          </p:cNvSpPr>
-          <p:nvPr>
-            <p:ph type="title"/>
-          </p:nvPr>
-        </p:nvSpPr>
-        <p:spPr/>
-        <p:txBody>
-          <a:bodyPr/>
-          <a:lstStyle/>
-          <a:p>
-            <a:r>
-              <a:rPr lang="da-DK" dirty="0" err="1"/>
-              <a:t>Question</a:t>
-            </a:r>
-            <a:r>
-              <a:rPr lang="da-DK" dirty="0"/>
-              <a:t> – </a:t>
-            </a:r>
-            <a:r>
-              <a:rPr lang="da-DK" dirty="0" err="1"/>
-              <a:t>What</a:t>
-            </a:r>
-            <a:r>
-              <a:rPr lang="da-DK" dirty="0"/>
-              <a:t> </a:t>
-            </a:r>
-            <a:r>
-              <a:rPr lang="da-DK" dirty="0" err="1"/>
-              <a:t>value</a:t>
-            </a:r>
-            <a:r>
-              <a:rPr lang="da-DK" dirty="0"/>
-              <a:t> has the </a:t>
-            </a:r>
-            <a:r>
-              <a:rPr lang="da-DK" dirty="0" err="1"/>
-              <a:t>expression</a:t>
-            </a:r>
-            <a:r>
-              <a:rPr lang="da-DK" dirty="0"/>
-              <a:t> ?</a:t>
-            </a:r>
-            <a:endParaRPr lang="en-US" dirty="0"/>
-          </a:p>
-        </p:txBody>
-      </p:sp>
-      <p:sp>
-        <p:nvSpPr>
-          <p:cNvPr id="3" name="Content Placeholder 2"/>
-          <p:cNvSpPr>
-            <a:spLocks noGrp="1"/>
-          </p:cNvSpPr>
-          <p:nvPr>
-            <p:ph idx="1"/>
-          </p:nvPr>
-        </p:nvSpPr>
-        <p:spPr>
-          <a:xfrm>
-            <a:off x="2909371" y="1880709"/>
-            <a:ext cx="6983776" cy="4351338"/>
-          </a:xfrm>
-        </p:spPr>
-        <p:txBody>
-          <a:bodyPr>
-            <a:normAutofit/>
-          </a:bodyPr>
-          <a:lstStyle/>
-          <a:p>
-            <a:pPr marL="0" indent="0">
-              <a:buNone/>
-            </a:pPr>
-            <a:r>
-              <a:rPr lang="en-US" dirty="0">
-                <a:latin typeface="Courier New" panose="02070309020205020404" pitchFamily="49" charset="0"/>
-                <a:cs typeface="Courier New" panose="02070309020205020404" pitchFamily="49" charset="0"/>
-              </a:rPr>
-              <a:t>sorted( { 5, 5.5, 5.0, '5' } )</a:t>
-            </a:r>
-          </a:p>
-          <a:p>
-            <a:endParaRPr lang="da-DK" dirty="0"/>
-          </a:p>
-          <a:p>
-            <a:pPr marL="514350" indent="-514350">
-              <a:buFont typeface="+mj-lt"/>
-              <a:buAutoNum type="alphaLcParenR"/>
-            </a:pPr>
-            <a:r>
-              <a:rPr lang="en-US" dirty="0"/>
-              <a:t> </a:t>
-            </a:r>
-            <a:r>
-              <a:rPr lang="en-US" dirty="0">
-                <a:latin typeface="Courier New" panose="02070309020205020404" pitchFamily="49" charset="0"/>
-                <a:cs typeface="Courier New" panose="02070309020205020404" pitchFamily="49" charset="0"/>
-              </a:rPr>
-              <a:t>{'5', 5, 5.0, 5.5}</a:t>
-            </a:r>
-          </a:p>
-          <a:p>
-            <a:pPr marL="514350" indent="-514350">
-              <a:buFont typeface="+mj-lt"/>
-              <a:buAutoNum type="alphaLcParenR"/>
-            </a:pPr>
-            <a:r>
-              <a:rPr lang="en-US" dirty="0"/>
-              <a:t> </a:t>
-            </a:r>
-            <a:r>
-              <a:rPr lang="en-US" dirty="0">
-                <a:latin typeface="Courier New" panose="02070309020205020404" pitchFamily="49" charset="0"/>
-                <a:cs typeface="Courier New" panose="02070309020205020404" pitchFamily="49" charset="0"/>
-              </a:rPr>
-              <a:t>{5, 5.5}</a:t>
-            </a:r>
-          </a:p>
-          <a:p>
-            <a:pPr marL="514350" indent="-514350">
-              <a:buFont typeface="+mj-lt"/>
-              <a:buAutoNum type="alphaLcParenR"/>
-            </a:pPr>
-            <a:r>
-              <a:rPr lang="en-US" dirty="0"/>
-              <a:t> </a:t>
-            </a:r>
-            <a:r>
-              <a:rPr lang="en-US" dirty="0">
-                <a:latin typeface="Courier New" panose="02070309020205020404" pitchFamily="49" charset="0"/>
-                <a:cs typeface="Courier New" panose="02070309020205020404" pitchFamily="49" charset="0"/>
-              </a:rPr>
-              <a:t>['5', 5.0, 5.5]</a:t>
-            </a:r>
-          </a:p>
-          <a:p>
-            <a:pPr marL="514350" indent="-514350">
-              <a:buFont typeface="+mj-lt"/>
-              <a:buAutoNum type="alphaLcParenR"/>
-            </a:pPr>
-            <a:r>
-              <a:rPr lang="en-US" dirty="0"/>
-              <a:t> </a:t>
-            </a:r>
-            <a:r>
-              <a:rPr lang="en-US" dirty="0">
-                <a:latin typeface="Courier New" panose="02070309020205020404" pitchFamily="49" charset="0"/>
-                <a:cs typeface="Courier New" panose="02070309020205020404" pitchFamily="49" charset="0"/>
-              </a:rPr>
-              <a:t>['5', 5, 5.5]</a:t>
-            </a:r>
-          </a:p>
-          <a:p>
-            <a:pPr marL="514350" indent="-514350">
-              <a:buFont typeface="+mj-lt"/>
-              <a:buAutoNum type="alphaLcParenR"/>
-            </a:pPr>
-            <a:r>
-              <a:rPr lang="da-DK" dirty="0"/>
-              <a:t> </a:t>
-            </a:r>
-            <a:r>
-              <a:rPr lang="da-DK" dirty="0" err="1"/>
-              <a:t>TypeError</a:t>
-            </a:r>
-            <a:endParaRPr lang="da-DK" dirty="0"/>
-          </a:p>
-          <a:p>
-            <a:pPr marL="514350" indent="-514350">
-              <a:buFont typeface="+mj-lt"/>
-              <a:buAutoNum type="alphaLcParenR"/>
-            </a:pPr>
-            <a:r>
-              <a:rPr lang="da-DK" dirty="0"/>
-              <a:t> </a:t>
-            </a:r>
-            <a:r>
-              <a:rPr lang="da-DK" dirty="0" err="1"/>
-              <a:t>Don’t</a:t>
-            </a:r>
-            <a:r>
-              <a:rPr lang="da-DK" dirty="0"/>
-              <a:t> know</a:t>
-            </a:r>
-          </a:p>
-        </p:txBody>
-      </p:sp>
-      <p:sp>
-        <p:nvSpPr>
-          <p:cNvPr id="4" name="Smiley Face 3"/>
-          <p:cNvSpPr/>
-          <p:nvPr/>
-        </p:nvSpPr>
-        <p:spPr>
-          <a:xfrm>
-            <a:off x="2390158" y="5018667"/>
-            <a:ext cx="374567" cy="363338"/>
-          </a:xfrm>
-          <a:prstGeom prst="smileyFace">
-            <a:avLst>
-              <a:gd name="adj" fmla="val -4653"/>
-            </a:avLst>
-          </a:prstGeom>
-          <a:solidFill>
-            <a:srgbClr val="FFFF00"/>
-          </a:solidFill>
-          <a:ln>
-            <a:solidFill>
-              <a:schemeClr val="tx1">
-                <a:lumMod val="95000"/>
-                <a:lumOff val="5000"/>
-              </a:schemeClr>
-            </a:solidFill>
-          </a:ln>
-        </p:spPr>
-        <p:style>
-          <a:lnRef idx="2">
-            <a:schemeClr val="accent1">
-              <a:shade val="50000"/>
-            </a:schemeClr>
-          </a:lnRef>
-          <a:fillRef idx="1">
-            <a:schemeClr val="accent1"/>
-          </a:fillRef>
-          <a:effectRef idx="0">
-            <a:schemeClr val="accent1"/>
-          </a:effectRef>
-          <a:fontRef idx="minor">
-            <a:schemeClr val="lt1"/>
-          </a:fontRef>
-        </p:style>
-        <p:txBody>
-          <a:bodyPr rtlCol="0" anchor="ctr"/>
-          <a:lstStyle/>
-          <a:p>
-            <a:pPr algn="ctr"/>
-            <a:endParaRPr lang="en-US" dirty="0"/>
-          </a:p>
-        </p:txBody>
-      </p:sp>
-    </p:spTree>
-    <p:extLst>
-      <p:ext uri="{BB962C8B-B14F-4D97-AF65-F5344CB8AC3E}">
-        <p14:creationId xmlns:p14="http://schemas.microsoft.com/office/powerpoint/2010/main" val="2705371955"/>
-      </p:ext>
-    </p:extLst>
-  </p:cSld>
-  <p:clrMapOvr>
-    <a:masterClrMapping/>
-  </p:clrMapOvr>
-  <p:timing>
-    <p:tnLst>
-      <p:par>
-        <p:cTn id="1" dur="indefinite" restart="never" nodeType="tmRoot">
-          <p:childTnLst>
-            <p:seq concurrent="1" nextAc="seek">
-              <p:cTn id="2" dur="indefinite" nodeType="mainSeq">
-                <p:childTnLst>
-                  <p:par>
-                    <p:cTn id="3" fill="hold">
-                      <p:stCondLst>
-                        <p:cond delay="indefinite"/>
-                      </p:stCondLst>
-                      <p:childTnLst>
-                        <p:par>
-                          <p:cTn id="4" fill="hold">
-                            <p:stCondLst>
-                              <p:cond delay="0"/>
-                            </p:stCondLst>
-                            <p:childTnLst>
-                              <p:par>
-                                <p:cTn id="5" presetID="10" presetClass="entr" presetSubtype="0" fill="hold" grpId="0" nodeType="clickEffect">
-                                  <p:stCondLst>
-                                    <p:cond delay="0"/>
-                                  </p:stCondLst>
-                                  <p:childTnLst>
-                                    <p:set>
-                                      <p:cBhvr>
-                                        <p:cTn id="6" dur="1" fill="hold">
-                                          <p:stCondLst>
-                                            <p:cond delay="0"/>
-                                          </p:stCondLst>
-                                        </p:cTn>
-                                        <p:tgtEl>
-                                          <p:spTgt spid="4"/>
-                                        </p:tgtEl>
-                                        <p:attrNameLst>
-                                          <p:attrName>style.visibility</p:attrName>
-                                        </p:attrNameLst>
-                                      </p:cBhvr>
-                                      <p:to>
-                                        <p:strVal val="visible"/>
-                                      </p:to>
-                                    </p:set>
-                                    <p:animEffect transition="in" filter="fade">
-                                      <p:cBhvr>
-                                        <p:cTn id="7" dur="500"/>
-                                        <p:tgtEl>
-                                          <p:spTgt spid="4"/>
-                                        </p:tgtEl>
-                                      </p:cBhvr>
-                                    </p:animEffect>
-                                  </p:childTnLst>
-                                </p:cTn>
-                              </p:par>
-                            </p:childTnLst>
-                          </p:cTn>
-                        </p:par>
-                      </p:childTnLst>
-                    </p:cTn>
-                  </p:par>
-                </p:childTnLst>
-              </p:cTn>
-              <p:prevCondLst>
-                <p:cond evt="onPrev" delay="0">
-                  <p:tgtEl>
-                    <p:sldTgt/>
-                  </p:tgtEl>
-                </p:cond>
-              </p:prevCondLst>
-              <p:nextCondLst>
-                <p:cond evt="onNext" delay="0">
-                  <p:tgtEl>
-                    <p:sldTgt/>
-                  </p:tgtEl>
-                </p:cond>
-              </p:nextCondLst>
-            </p:seq>
-          </p:childTnLst>
-        </p:cTn>
-      </p:par>
-    </p:tnLst>
-    <p:bldLst>
-      <p:bldP spid="4" grpId="0" animBg="1"/>
-    </p:bldLst>
-  </p:timing>
-</p:sld>
-</file>
-
-<file path=ppt/slides/slide11.xml><?xml version="1.0" encoding="utf-8"?>
-<p:sld xmlns:a="http://schemas.openxmlformats.org/drawingml/2006/main" xmlns:r="http://schemas.openxmlformats.org/officeDocument/2006/relationships" xmlns:p="http://schemas.openxmlformats.org/presentationml/2006/main">
-  <p:cSld>
-    <p:bg>
-      <p:bgPr>
-        <a:solidFill>
           <a:schemeClr val="bg1"/>
         </a:solidFill>
         <a:effectLst/>
@@ -5883,7 +5514,15 @@
           <a:p>
             <a:r>
               <a:rPr lang="en-US" dirty="0"/>
-              <a:t>Sets of (frozen) sets</a:t>
+              <a:t>Sets (set and </a:t>
+            </a:r>
+            <a:r>
+              <a:rPr lang="en-US" dirty="0" err="1"/>
+              <a:t>frozenset</a:t>
+            </a:r>
+            <a:r>
+              <a:rPr lang="en-US" dirty="0"/>
+              <a:t>)</a:t>
             </a:r>
           </a:p>
         </p:txBody>
@@ -5900,8 +5539,8 @@
         </p:nvSpPr>
         <p:spPr>
           <a:xfrm>
-            <a:off x="453661" y="1280160"/>
-            <a:ext cx="11647351" cy="1325563"/>
+            <a:off x="544649" y="1331478"/>
+            <a:ext cx="7256084" cy="2601934"/>
           </a:xfrm>
         </p:spPr>
         <p:txBody>
@@ -5910,21 +5549,106 @@
           </a:bodyPr>
           <a:lstStyle/>
           <a:p>
+            <a:pPr marL="0" indent="0" algn="ctr">
+              <a:buNone/>
+            </a:pPr>
+            <a:r>
+              <a:rPr lang="en-US" dirty="0">
+                <a:solidFill>
+                  <a:srgbClr val="C00000"/>
+                </a:solidFill>
+                <a:latin typeface="Courier New" panose="02070309020205020404" pitchFamily="49" charset="0"/>
+                <a:cs typeface="Courier New" panose="02070309020205020404" pitchFamily="49" charset="0"/>
+              </a:rPr>
+              <a:t>{</a:t>
+            </a:r>
+            <a:r>
+              <a:rPr lang="en-US" i="1" dirty="0">
+                <a:cs typeface="Courier New" panose="02070309020205020404" pitchFamily="49" charset="0"/>
+              </a:rPr>
+              <a:t>value</a:t>
+            </a:r>
+            <a:r>
+              <a:rPr lang="en-US" baseline="-25000" dirty="0">
+                <a:cs typeface="Courier New" panose="02070309020205020404" pitchFamily="49" charset="0"/>
+              </a:rPr>
+              <a:t>1</a:t>
+            </a:r>
+            <a:r>
+              <a:rPr lang="en-US" dirty="0">
+                <a:solidFill>
+                  <a:srgbClr val="C00000"/>
+                </a:solidFill>
+                <a:latin typeface="Courier New" panose="02070309020205020404" pitchFamily="49" charset="0"/>
+                <a:cs typeface="Courier New" panose="02070309020205020404" pitchFamily="49" charset="0"/>
+              </a:rPr>
+              <a:t>,</a:t>
+            </a:r>
+            <a:r>
+              <a:rPr lang="en-US" dirty="0">
+                <a:latin typeface="Courier New" panose="02070309020205020404" pitchFamily="49" charset="0"/>
+                <a:cs typeface="Courier New" panose="02070309020205020404" pitchFamily="49" charset="0"/>
+              </a:rPr>
+              <a:t> ...</a:t>
+            </a:r>
+            <a:r>
+              <a:rPr lang="en-US" dirty="0">
+                <a:solidFill>
+                  <a:srgbClr val="C00000"/>
+                </a:solidFill>
+                <a:latin typeface="Courier New" panose="02070309020205020404" pitchFamily="49" charset="0"/>
+                <a:cs typeface="Courier New" panose="02070309020205020404" pitchFamily="49" charset="0"/>
+              </a:rPr>
+              <a:t>,</a:t>
+            </a:r>
+            <a:r>
+              <a:rPr lang="en-US" dirty="0">
+                <a:latin typeface="Courier New" panose="02070309020205020404" pitchFamily="49" charset="0"/>
+                <a:cs typeface="Courier New" panose="02070309020205020404" pitchFamily="49" charset="0"/>
+              </a:rPr>
+              <a:t> </a:t>
+            </a:r>
+            <a:r>
+              <a:rPr lang="en-US" i="1" dirty="0" err="1">
+                <a:cs typeface="Courier New" panose="02070309020205020404" pitchFamily="49" charset="0"/>
+              </a:rPr>
+              <a:t>value</a:t>
+            </a:r>
+            <a:r>
+              <a:rPr lang="en-US" i="1" baseline="-25000" dirty="0" err="1">
+                <a:cs typeface="Courier New" panose="02070309020205020404" pitchFamily="49" charset="0"/>
+              </a:rPr>
+              <a:t>k</a:t>
+            </a:r>
+            <a:r>
+              <a:rPr lang="en-US" baseline="-25000" dirty="0">
+                <a:cs typeface="Courier New" panose="02070309020205020404" pitchFamily="49" charset="0"/>
+              </a:rPr>
+              <a:t> </a:t>
+            </a:r>
+            <a:r>
+              <a:rPr lang="en-US" dirty="0">
+                <a:solidFill>
+                  <a:srgbClr val="C00000"/>
+                </a:solidFill>
+                <a:latin typeface="Courier New" panose="02070309020205020404" pitchFamily="49" charset="0"/>
+                <a:cs typeface="Courier New" panose="02070309020205020404" pitchFamily="49" charset="0"/>
+              </a:rPr>
+              <a:t>}</a:t>
+            </a:r>
+            <a:endParaRPr lang="da-DK" dirty="0"/>
+          </a:p>
+          <a:p>
             <a:r>
               <a:rPr lang="da-DK" dirty="0"/>
-              <a:t>Sets </a:t>
-            </a:r>
-            <a:r>
-              <a:rPr lang="da-DK" dirty="0" err="1"/>
-              <a:t>are</a:t>
-            </a:r>
-            <a:r>
-              <a:rPr lang="da-DK" dirty="0"/>
-              <a:t> mutable, i.e. </a:t>
-            </a:r>
-            <a:r>
-              <a:rPr lang="da-DK" dirty="0" err="1"/>
-              <a:t>cannot</a:t>
+              <a:t>Values of type </a:t>
+            </a:r>
+            <a:r>
+              <a:rPr lang="da-DK" dirty="0">
+                <a:latin typeface="Courier New" panose="02070309020205020404" pitchFamily="49" charset="0"/>
+                <a:cs typeface="Courier New" panose="02070309020205020404" pitchFamily="49" charset="0"/>
+              </a:rPr>
+              <a:t>set</a:t>
             </a:r>
             <a:r>
               <a:rPr lang="da-DK" dirty="0"/>
@@ -5932,7 +5656,23 @@
             </a:r>
             <a:r>
               <a:rPr lang="da-DK" dirty="0" err="1"/>
-              <a:t>be</a:t>
+              <a:t>represent</a:t>
+            </a:r>
+            <a:r>
+              <a:rPr lang="da-DK" dirty="0"/>
+              <a:t> mutable sets, </a:t>
+            </a:r>
+            <a:r>
+              <a:rPr lang="da-DK" dirty="0" err="1"/>
+              <a:t>where</a:t>
+            </a:r>
+            <a:r>
+              <a:rPr lang="da-DK" dirty="0"/>
+              <a:t> ”==” elements </a:t>
+            </a:r>
+            <a:r>
+              <a:rPr lang="da-DK" dirty="0" err="1"/>
+              <a:t>only</a:t>
             </a:r>
             <a:r>
               <a:rPr lang="da-DK" dirty="0"/>
@@ -5940,15 +5680,7 @@
             </a:r>
             <a:r>
               <a:rPr lang="da-DK" dirty="0" err="1"/>
-              <a:t>used</a:t>
-            </a:r>
-            <a:r>
-              <a:rPr lang="da-DK" dirty="0"/>
-              <a:t> as </a:t>
-            </a:r>
-            <a:r>
-              <a:rPr lang="da-DK" dirty="0" err="1"/>
-              <a:t>dictionary</a:t>
+              <a:t>appear</a:t>
             </a:r>
             <a:r>
               <a:rPr lang="da-DK" dirty="0"/>
@@ -5956,27 +5688,140 @@
             </a:r>
             <a:r>
               <a:rPr lang="da-DK" dirty="0" err="1"/>
-              <a:t>keys</a:t>
-            </a:r>
+              <a:t>once</a:t>
+            </a:r>
+            <a:endParaRPr lang="da-DK" dirty="0"/>
+          </a:p>
+          <a:p>
             <a:r>
               <a:rPr lang="da-DK" dirty="0"/>
-              <a:t> or elements in sets</a:t>
-            </a:r>
-          </a:p>
-          <a:p>
+              <a:t>Do </a:t>
+            </a:r>
+            <a:r>
+              <a:rPr lang="da-DK" b="1" dirty="0"/>
+              <a:t>not</a:t>
+            </a:r>
+            <a:r>
+              <a:rPr lang="da-DK" dirty="0"/>
+              <a:t> support: </a:t>
+            </a:r>
             <a:r>
               <a:rPr lang="da-DK" dirty="0" err="1"/>
-              <a:t>Frozen</a:t>
+              <a:t>indexing</a:t>
             </a:r>
             <a:r>
               <a:rPr lang="da-DK" dirty="0"/>
-              <a:t> sets </a:t>
+              <a:t>, </a:t>
             </a:r>
             <a:r>
               <a:rPr lang="da-DK" dirty="0" err="1"/>
-              <a:t>can</a:t>
-            </a:r>
+              <a:t>slicing</a:t>
+            </a:r>
+            <a:r>
+              <a:rPr lang="da-DK" dirty="0"/>
+              <a:t> </a:t>
+            </a:r>
+          </a:p>
+          <a:p>
+            <a:r>
+              <a:rPr lang="da-DK" dirty="0" err="1">
+                <a:latin typeface="Courier New" panose="02070309020205020404" pitchFamily="49" charset="0"/>
+                <a:cs typeface="Courier New" panose="02070309020205020404" pitchFamily="49" charset="0"/>
+              </a:rPr>
+              <a:t>frozenset</a:t>
+            </a:r>
+            <a:r>
+              <a:rPr lang="da-DK" dirty="0"/>
+              <a:t> is an </a:t>
+            </a:r>
+            <a:r>
+              <a:rPr lang="da-DK" dirty="0" err="1"/>
+              <a:t>immutable</a:t>
+            </a:r>
+            <a:r>
+              <a:rPr lang="da-DK" dirty="0"/>
+              <a:t> version of </a:t>
+            </a:r>
+            <a:r>
+              <a:rPr lang="da-DK" dirty="0">
+                <a:latin typeface="Courier New" panose="02070309020205020404" pitchFamily="49" charset="0"/>
+                <a:cs typeface="Courier New" panose="02070309020205020404" pitchFamily="49" charset="0"/>
+              </a:rPr>
+              <a:t>set</a:t>
+            </a:r>
+            <a:endParaRPr lang="en-US" dirty="0">
+              <a:latin typeface="Courier New" panose="02070309020205020404" pitchFamily="49" charset="0"/>
+              <a:cs typeface="Courier New" panose="02070309020205020404" pitchFamily="49" charset="0"/>
+            </a:endParaRPr>
+          </a:p>
+          <a:p>
             <a:endParaRPr lang="en-US" dirty="0"/>
+          </a:p>
+        </p:txBody>
+      </p:sp>
+      <p:sp>
+        <p:nvSpPr>
+          <p:cNvPr id="4" name="Rectangle 3">
+            <a:hlinkClick r:id="rId3"/>
+          </p:cNvPr>
+          <p:cNvSpPr/>
+          <p:nvPr/>
+        </p:nvSpPr>
+        <p:spPr>
+          <a:xfrm>
+            <a:off x="4956364" y="6140151"/>
+            <a:ext cx="7144648" cy="646331"/>
+          </a:xfrm>
+          <a:prstGeom prst="rect">
+            <a:avLst/>
+          </a:prstGeom>
+        </p:spPr>
+        <p:txBody>
+          <a:bodyPr wrap="none">
+            <a:spAutoFit/>
+          </a:bodyPr>
+          <a:lstStyle/>
+          <a:p>
+            <a:pPr algn="r"/>
+            <a:r>
+              <a:rPr lang="en-US" dirty="0">
+                <a:solidFill>
+                  <a:schemeClr val="bg2">
+                    <a:lumMod val="50000"/>
+                  </a:schemeClr>
+                </a:solidFill>
+                <a:hlinkClick r:id="rId3"/>
+              </a:rPr>
+              <a:t>https://docs.python.org/3/tutorial/datastructures.html#sets</a:t>
+            </a:r>
+            <a:endParaRPr lang="en-US" dirty="0">
+              <a:solidFill>
+                <a:schemeClr val="bg2">
+                  <a:lumMod val="50000"/>
+                </a:schemeClr>
+              </a:solidFill>
+            </a:endParaRPr>
+          </a:p>
+          <a:p>
+            <a:pPr algn="r"/>
+            <a:r>
+              <a:rPr lang="en-US" dirty="0">
+                <a:solidFill>
+                  <a:schemeClr val="bg2">
+                    <a:lumMod val="50000"/>
+                  </a:schemeClr>
+                </a:solidFill>
+                <a:hlinkClick r:id="rId4"/>
+              </a:rPr>
+              <a:t>https://docs.python.org/3/library/stdtypes.html#set-types-set-frozenset</a:t>
+            </a:r>
+            <a:endParaRPr lang="en-US" dirty="0">
+              <a:solidFill>
+                <a:schemeClr val="bg2">
+                  <a:lumMod val="50000"/>
+                </a:schemeClr>
+              </a:solidFill>
+            </a:endParaRPr>
           </a:p>
         </p:txBody>
       </p:sp>
@@ -6175,6 +6020,2704 @@
       </p:sp>
       <p:graphicFrame>
         <p:nvGraphicFramePr>
+          <p:cNvPr id="6" name="Table 5"/>
+          <p:cNvGraphicFramePr>
+            <a:graphicFrameLocks noGrp="1"/>
+          </p:cNvGraphicFramePr>
+          <p:nvPr>
+            <p:extLst>
+              <p:ext uri="{D42A27DB-BD31-4B8C-83A1-F6EECF244321}">
+                <p14:modId xmlns:p14="http://schemas.microsoft.com/office/powerpoint/2010/main" val="4034325222"/>
+              </p:ext>
+            </p:extLst>
+          </p:nvPr>
+        </p:nvGraphicFramePr>
+        <p:xfrm>
+          <a:off x="7809018" y="259290"/>
+          <a:ext cx="4210384" cy="5815440"/>
+        </p:xfrm>
+        <a:graphic>
+          <a:graphicData uri="http://schemas.openxmlformats.org/drawingml/2006/table">
+            <a:tbl>
+              <a:tblPr firstRow="1" bandRow="1">
+                <a:tableStyleId>{7E9639D4-E3E2-4D34-9284-5A2195B3D0D7}</a:tableStyleId>
+              </a:tblPr>
+              <a:tblGrid>
+                <a:gridCol w="1456168">
+                  <a:extLst>
+                    <a:ext uri="{9D8B030D-6E8A-4147-A177-3AD203B41FA5}">
+                      <a16:colId xmlns:a16="http://schemas.microsoft.com/office/drawing/2014/main" val="2809744555"/>
+                    </a:ext>
+                  </a:extLst>
+                </a:gridCol>
+                <a:gridCol w="2754216">
+                  <a:extLst>
+                    <a:ext uri="{9D8B030D-6E8A-4147-A177-3AD203B41FA5}">
+                      <a16:colId xmlns:a16="http://schemas.microsoft.com/office/drawing/2014/main" val="2466915433"/>
+                    </a:ext>
+                  </a:extLst>
+                </a:gridCol>
+              </a:tblGrid>
+              <a:tr h="343924">
+                <a:tc>
+                  <a:txBody>
+                    <a:bodyPr/>
+                    <a:lstStyle/>
+                    <a:p>
+                      <a:pPr algn="l"/>
+                      <a:r>
+                        <a:rPr lang="da-DK" dirty="0"/>
+                        <a:t>Operation</a:t>
+                      </a:r>
+                      <a:endParaRPr lang="en-US" dirty="0"/>
+                    </a:p>
+                  </a:txBody>
+                  <a:tcPr marT="36000" marB="36000" anchor="ctr">
+                    <a:lnR w="12700" cap="flat" cmpd="sng" algn="ctr">
+                      <a:noFill/>
+                      <a:prstDash val="solid"/>
+                      <a:round/>
+                      <a:headEnd type="none" w="med" len="med"/>
+                      <a:tailEnd type="none" w="med" len="med"/>
+                    </a:lnR>
+                    <a:solidFill>
+                      <a:schemeClr val="accent1">
+                        <a:lumMod val="50000"/>
+                      </a:schemeClr>
+                    </a:solidFill>
+                  </a:tcPr>
+                </a:tc>
+                <a:tc>
+                  <a:txBody>
+                    <a:bodyPr/>
+                    <a:lstStyle/>
+                    <a:p>
+                      <a:pPr algn="l"/>
+                      <a:r>
+                        <a:rPr lang="da-DK" dirty="0" err="1"/>
+                        <a:t>Description</a:t>
+                      </a:r>
+                      <a:endParaRPr lang="en-US" dirty="0"/>
+                    </a:p>
+                  </a:txBody>
+                  <a:tcPr marT="36000" marB="36000" anchor="ctr">
+                    <a:lnL w="12700" cap="flat" cmpd="sng" algn="ctr">
+                      <a:noFill/>
+                      <a:prstDash val="solid"/>
+                      <a:round/>
+                      <a:headEnd type="none" w="med" len="med"/>
+                      <a:tailEnd type="none" w="med" len="med"/>
+                    </a:lnL>
+                    <a:solidFill>
+                      <a:schemeClr val="accent1">
+                        <a:lumMod val="50000"/>
+                      </a:schemeClr>
+                    </a:solidFill>
+                  </a:tcPr>
+                </a:tc>
+                <a:extLst>
+                  <a:ext uri="{0D108BD9-81ED-4DB2-BD59-A6C34878D82A}">
+                    <a16:rowId xmlns:a16="http://schemas.microsoft.com/office/drawing/2014/main" val="3977041741"/>
+                  </a:ext>
+                </a:extLst>
+              </a:tr>
+              <a:tr h="343924">
+                <a:tc>
+                  <a:txBody>
+                    <a:bodyPr/>
+                    <a:lstStyle/>
+                    <a:p>
+                      <a:pPr algn="l"/>
+                      <a:r>
+                        <a:rPr lang="en-US" dirty="0"/>
+                        <a:t>S | T</a:t>
+                      </a:r>
+                    </a:p>
+                  </a:txBody>
+                  <a:tcPr marT="36000" marB="36000" anchor="ctr">
+                    <a:lnR w="12700" cap="flat" cmpd="sng" algn="ctr">
+                      <a:noFill/>
+                      <a:prstDash val="solid"/>
+                      <a:round/>
+                      <a:headEnd type="none" w="med" len="med"/>
+                      <a:tailEnd type="none" w="med" len="med"/>
+                    </a:lnR>
+                    <a:solidFill>
+                      <a:schemeClr val="accent5">
+                        <a:lumMod val="20000"/>
+                        <a:lumOff val="80000"/>
+                      </a:schemeClr>
+                    </a:solidFill>
+                  </a:tcPr>
+                </a:tc>
+                <a:tc>
+                  <a:txBody>
+                    <a:bodyPr/>
+                    <a:lstStyle/>
+                    <a:p>
+                      <a:pPr algn="l"/>
+                      <a:r>
+                        <a:rPr lang="da-DK" dirty="0"/>
+                        <a:t>Set union</a:t>
+                      </a:r>
+                      <a:endParaRPr lang="en-US" dirty="0"/>
+                    </a:p>
+                  </a:txBody>
+                  <a:tcPr marT="36000" marB="36000" anchor="ctr">
+                    <a:lnL w="12700" cap="flat" cmpd="sng" algn="ctr">
+                      <a:noFill/>
+                      <a:prstDash val="solid"/>
+                      <a:round/>
+                      <a:headEnd type="none" w="med" len="med"/>
+                      <a:tailEnd type="none" w="med" len="med"/>
+                    </a:lnL>
+                    <a:solidFill>
+                      <a:schemeClr val="accent5">
+                        <a:lumMod val="20000"/>
+                        <a:lumOff val="80000"/>
+                      </a:schemeClr>
+                    </a:solidFill>
+                  </a:tcPr>
+                </a:tc>
+                <a:extLst>
+                  <a:ext uri="{0D108BD9-81ED-4DB2-BD59-A6C34878D82A}">
+                    <a16:rowId xmlns:a16="http://schemas.microsoft.com/office/drawing/2014/main" val="3534776293"/>
+                  </a:ext>
+                </a:extLst>
+              </a:tr>
+              <a:tr h="343924">
+                <a:tc>
+                  <a:txBody>
+                    <a:bodyPr/>
+                    <a:lstStyle/>
+                    <a:p>
+                      <a:pPr algn="l"/>
+                      <a:r>
+                        <a:rPr lang="da-DK" dirty="0"/>
+                        <a:t>S</a:t>
+                      </a:r>
+                      <a:r>
+                        <a:rPr lang="da-DK" baseline="0" dirty="0"/>
+                        <a:t> &amp; T</a:t>
+                      </a:r>
+                      <a:endParaRPr lang="en-US" dirty="0"/>
+                    </a:p>
+                  </a:txBody>
+                  <a:tcPr marT="36000" marB="36000" anchor="ctr">
+                    <a:lnR w="12700" cap="flat" cmpd="sng" algn="ctr">
+                      <a:noFill/>
+                      <a:prstDash val="solid"/>
+                      <a:round/>
+                      <a:headEnd type="none" w="med" len="med"/>
+                      <a:tailEnd type="none" w="med" len="med"/>
+                    </a:lnR>
+                    <a:solidFill>
+                      <a:schemeClr val="accent5">
+                        <a:lumMod val="20000"/>
+                        <a:lumOff val="80000"/>
+                      </a:schemeClr>
+                    </a:solidFill>
+                  </a:tcPr>
+                </a:tc>
+                <a:tc>
+                  <a:txBody>
+                    <a:bodyPr/>
+                    <a:lstStyle/>
+                    <a:p>
+                      <a:pPr algn="l"/>
+                      <a:r>
+                        <a:rPr lang="da-DK" dirty="0"/>
+                        <a:t>Set </a:t>
+                      </a:r>
+                      <a:r>
+                        <a:rPr lang="da-DK" dirty="0" err="1"/>
+                        <a:t>intersection</a:t>
+                      </a:r>
+                      <a:endParaRPr lang="en-US" dirty="0"/>
+                    </a:p>
+                  </a:txBody>
+                  <a:tcPr marT="36000" marB="36000" anchor="ctr">
+                    <a:lnL w="12700" cap="flat" cmpd="sng" algn="ctr">
+                      <a:noFill/>
+                      <a:prstDash val="solid"/>
+                      <a:round/>
+                      <a:headEnd type="none" w="med" len="med"/>
+                      <a:tailEnd type="none" w="med" len="med"/>
+                    </a:lnL>
+                    <a:solidFill>
+                      <a:schemeClr val="accent5">
+                        <a:lumMod val="20000"/>
+                        <a:lumOff val="80000"/>
+                      </a:schemeClr>
+                    </a:solidFill>
+                  </a:tcPr>
+                </a:tc>
+                <a:extLst>
+                  <a:ext uri="{0D108BD9-81ED-4DB2-BD59-A6C34878D82A}">
+                    <a16:rowId xmlns:a16="http://schemas.microsoft.com/office/drawing/2014/main" val="417430621"/>
+                  </a:ext>
+                </a:extLst>
+              </a:tr>
+              <a:tr h="343924">
+                <a:tc>
+                  <a:txBody>
+                    <a:bodyPr/>
+                    <a:lstStyle/>
+                    <a:p>
+                      <a:pPr algn="l"/>
+                      <a:r>
+                        <a:rPr lang="da-DK" noProof="0" dirty="0"/>
+                        <a:t>S</a:t>
+                      </a:r>
+                      <a:r>
+                        <a:rPr lang="da-DK" baseline="0" noProof="0" dirty="0"/>
+                        <a:t> – T</a:t>
+                      </a:r>
+                      <a:endParaRPr lang="en-US" noProof="0" dirty="0"/>
+                    </a:p>
+                  </a:txBody>
+                  <a:tcPr marT="36000" marB="36000" anchor="ctr">
+                    <a:lnR w="12700" cap="flat" cmpd="sng" algn="ctr">
+                      <a:noFill/>
+                      <a:prstDash val="solid"/>
+                      <a:round/>
+                      <a:headEnd type="none" w="med" len="med"/>
+                      <a:tailEnd type="none" w="med" len="med"/>
+                    </a:lnR>
+                    <a:solidFill>
+                      <a:schemeClr val="accent5">
+                        <a:lumMod val="20000"/>
+                        <a:lumOff val="80000"/>
+                      </a:schemeClr>
+                    </a:solidFill>
+                  </a:tcPr>
+                </a:tc>
+                <a:tc>
+                  <a:txBody>
+                    <a:bodyPr/>
+                    <a:lstStyle/>
+                    <a:p>
+                      <a:pPr algn="l"/>
+                      <a:r>
+                        <a:rPr lang="da-DK" dirty="0"/>
+                        <a:t>Set</a:t>
+                      </a:r>
+                      <a:r>
+                        <a:rPr lang="da-DK" baseline="0" dirty="0"/>
+                        <a:t> difference</a:t>
+                      </a:r>
+                      <a:endParaRPr lang="en-US" dirty="0"/>
+                    </a:p>
+                  </a:txBody>
+                  <a:tcPr marT="36000" marB="36000" anchor="ctr">
+                    <a:lnL w="12700" cap="flat" cmpd="sng" algn="ctr">
+                      <a:noFill/>
+                      <a:prstDash val="solid"/>
+                      <a:round/>
+                      <a:headEnd type="none" w="med" len="med"/>
+                      <a:tailEnd type="none" w="med" len="med"/>
+                    </a:lnL>
+                    <a:solidFill>
+                      <a:schemeClr val="accent5">
+                        <a:lumMod val="20000"/>
+                        <a:lumOff val="80000"/>
+                      </a:schemeClr>
+                    </a:solidFill>
+                  </a:tcPr>
+                </a:tc>
+                <a:extLst>
+                  <a:ext uri="{0D108BD9-81ED-4DB2-BD59-A6C34878D82A}">
+                    <a16:rowId xmlns:a16="http://schemas.microsoft.com/office/drawing/2014/main" val="1404964847"/>
+                  </a:ext>
+                </a:extLst>
+              </a:tr>
+              <a:tr h="343924">
+                <a:tc>
+                  <a:txBody>
+                    <a:bodyPr/>
+                    <a:lstStyle/>
+                    <a:p>
+                      <a:pPr algn="l"/>
+                      <a:r>
+                        <a:rPr lang="en-US" dirty="0"/>
+                        <a:t>S</a:t>
+                      </a:r>
+                      <a:r>
+                        <a:rPr lang="en-US" baseline="0" dirty="0"/>
+                        <a:t> ^ T</a:t>
+                      </a:r>
+                      <a:r>
+                        <a:rPr lang="en-US" dirty="0"/>
+                        <a:t> </a:t>
+                      </a:r>
+                    </a:p>
+                  </a:txBody>
+                  <a:tcPr marT="36000" marB="36000" anchor="ctr">
+                    <a:lnR w="12700" cap="flat" cmpd="sng" algn="ctr">
+                      <a:noFill/>
+                      <a:prstDash val="solid"/>
+                      <a:round/>
+                      <a:headEnd type="none" w="med" len="med"/>
+                      <a:tailEnd type="none" w="med" len="med"/>
+                    </a:lnR>
+                    <a:solidFill>
+                      <a:schemeClr val="accent5">
+                        <a:lumMod val="20000"/>
+                        <a:lumOff val="80000"/>
+                      </a:schemeClr>
+                    </a:solidFill>
+                  </a:tcPr>
+                </a:tc>
+                <a:tc>
+                  <a:txBody>
+                    <a:bodyPr/>
+                    <a:lstStyle/>
+                    <a:p>
+                      <a:pPr algn="l"/>
+                      <a:r>
+                        <a:rPr lang="da-DK" dirty="0" err="1"/>
+                        <a:t>Symmetric</a:t>
+                      </a:r>
+                      <a:r>
+                        <a:rPr lang="da-DK" dirty="0"/>
+                        <a:t> difference</a:t>
+                      </a:r>
+                      <a:endParaRPr lang="en-US" dirty="0"/>
+                    </a:p>
+                  </a:txBody>
+                  <a:tcPr marT="36000" marB="36000" anchor="ctr">
+                    <a:lnL w="12700" cap="flat" cmpd="sng" algn="ctr">
+                      <a:noFill/>
+                      <a:prstDash val="solid"/>
+                      <a:round/>
+                      <a:headEnd type="none" w="med" len="med"/>
+                      <a:tailEnd type="none" w="med" len="med"/>
+                    </a:lnL>
+                    <a:solidFill>
+                      <a:schemeClr val="accent5">
+                        <a:lumMod val="20000"/>
+                        <a:lumOff val="80000"/>
+                      </a:schemeClr>
+                    </a:solidFill>
+                  </a:tcPr>
+                </a:tc>
+                <a:extLst>
+                  <a:ext uri="{0D108BD9-81ED-4DB2-BD59-A6C34878D82A}">
+                    <a16:rowId xmlns:a16="http://schemas.microsoft.com/office/drawing/2014/main" val="2204015044"/>
+                  </a:ext>
+                </a:extLst>
+              </a:tr>
+              <a:tr h="601866">
+                <a:tc>
+                  <a:txBody>
+                    <a:bodyPr/>
+                    <a:lstStyle/>
+                    <a:p>
+                      <a:pPr algn="l"/>
+                      <a:r>
+                        <a:rPr lang="da-DK" dirty="0"/>
+                        <a:t>set()</a:t>
+                      </a:r>
+                      <a:endParaRPr lang="en-US" dirty="0"/>
+                    </a:p>
+                  </a:txBody>
+                  <a:tcPr marT="36000" marB="36000" anchor="ctr">
+                    <a:lnR w="12700" cap="flat" cmpd="sng" algn="ctr">
+                      <a:noFill/>
+                      <a:prstDash val="solid"/>
+                      <a:round/>
+                      <a:headEnd type="none" w="med" len="med"/>
+                      <a:tailEnd type="none" w="med" len="med"/>
+                    </a:lnR>
+                    <a:solidFill>
+                      <a:schemeClr val="accent5">
+                        <a:lumMod val="20000"/>
+                        <a:lumOff val="80000"/>
+                      </a:schemeClr>
+                    </a:solidFill>
+                  </a:tcPr>
+                </a:tc>
+                <a:tc>
+                  <a:txBody>
+                    <a:bodyPr/>
+                    <a:lstStyle/>
+                    <a:p>
+                      <a:pPr algn="l"/>
+                      <a:r>
+                        <a:rPr lang="da-DK" dirty="0" err="1"/>
+                        <a:t>Empty</a:t>
+                      </a:r>
+                      <a:r>
+                        <a:rPr lang="da-DK" dirty="0"/>
+                        <a:t> set</a:t>
+                      </a:r>
+                    </a:p>
+                    <a:p>
+                      <a:pPr marL="0" marR="0" lvl="0" indent="0" algn="l" defTabSz="914400" rtl="0" eaLnBrk="1" fontAlgn="auto" latinLnBrk="0" hangingPunct="1">
+                        <a:lnSpc>
+                          <a:spcPct val="100000"/>
+                        </a:lnSpc>
+                        <a:spcBef>
+                          <a:spcPts val="0"/>
+                        </a:spcBef>
+                        <a:spcAft>
+                          <a:spcPts val="0"/>
+                        </a:spcAft>
+                        <a:buClrTx/>
+                        <a:buSzTx/>
+                        <a:buFontTx/>
+                        <a:buNone/>
+                        <a:tabLst/>
+                        <a:defRPr/>
+                      </a:pPr>
+                      <a:r>
+                        <a:rPr lang="da-DK" dirty="0"/>
+                        <a:t>( {} =</a:t>
+                      </a:r>
+                      <a:r>
+                        <a:rPr lang="da-DK" baseline="0" dirty="0"/>
+                        <a:t> </a:t>
+                      </a:r>
+                      <a:r>
+                        <a:rPr lang="da-DK" dirty="0" err="1"/>
+                        <a:t>empty</a:t>
+                      </a:r>
+                      <a:r>
+                        <a:rPr lang="da-DK" dirty="0"/>
+                        <a:t> </a:t>
+                      </a:r>
+                      <a:r>
+                        <a:rPr lang="da-DK" dirty="0" err="1"/>
+                        <a:t>dictionary</a:t>
+                      </a:r>
+                      <a:r>
+                        <a:rPr lang="da-DK" dirty="0"/>
+                        <a:t>        )</a:t>
+                      </a:r>
+                    </a:p>
+                  </a:txBody>
+                  <a:tcPr marT="36000" marB="36000" anchor="ctr">
+                    <a:lnL w="12700" cap="flat" cmpd="sng" algn="ctr">
+                      <a:noFill/>
+                      <a:prstDash val="solid"/>
+                      <a:round/>
+                      <a:headEnd type="none" w="med" len="med"/>
+                      <a:tailEnd type="none" w="med" len="med"/>
+                    </a:lnL>
+                    <a:solidFill>
+                      <a:schemeClr val="accent5">
+                        <a:lumMod val="20000"/>
+                        <a:lumOff val="80000"/>
+                      </a:schemeClr>
+                    </a:solidFill>
+                  </a:tcPr>
+                </a:tc>
+                <a:extLst>
+                  <a:ext uri="{0D108BD9-81ED-4DB2-BD59-A6C34878D82A}">
+                    <a16:rowId xmlns:a16="http://schemas.microsoft.com/office/drawing/2014/main" val="2272057999"/>
+                  </a:ext>
+                </a:extLst>
+              </a:tr>
+              <a:tr h="343924">
+                <a:tc>
+                  <a:txBody>
+                    <a:bodyPr/>
+                    <a:lstStyle/>
+                    <a:p>
+                      <a:pPr algn="l"/>
+                      <a:r>
+                        <a:rPr lang="da-DK" dirty="0"/>
+                        <a:t>set(L)</a:t>
+                      </a:r>
+                      <a:endParaRPr lang="en-US" dirty="0"/>
+                    </a:p>
+                  </a:txBody>
+                  <a:tcPr marT="36000" marB="36000" anchor="ctr">
+                    <a:lnR w="12700" cap="flat" cmpd="sng" algn="ctr">
+                      <a:noFill/>
+                      <a:prstDash val="solid"/>
+                      <a:round/>
+                      <a:headEnd type="none" w="med" len="med"/>
+                      <a:tailEnd type="none" w="med" len="med"/>
+                    </a:lnR>
+                    <a:solidFill>
+                      <a:schemeClr val="accent5">
+                        <a:lumMod val="20000"/>
+                        <a:lumOff val="80000"/>
+                      </a:schemeClr>
+                    </a:solidFill>
+                  </a:tcPr>
+                </a:tc>
+                <a:tc>
+                  <a:txBody>
+                    <a:bodyPr/>
+                    <a:lstStyle/>
+                    <a:p>
+                      <a:pPr marL="0" marR="0" lvl="0" indent="0" algn="l" defTabSz="914400" rtl="0" eaLnBrk="1" fontAlgn="auto" latinLnBrk="0" hangingPunct="1">
+                        <a:lnSpc>
+                          <a:spcPct val="100000"/>
+                        </a:lnSpc>
+                        <a:spcBef>
+                          <a:spcPts val="0"/>
+                        </a:spcBef>
+                        <a:spcAft>
+                          <a:spcPts val="0"/>
+                        </a:spcAft>
+                        <a:buClrTx/>
+                        <a:buSzTx/>
+                        <a:buFontTx/>
+                        <a:buNone/>
+                        <a:tabLst/>
+                        <a:defRPr/>
+                      </a:pPr>
+                      <a:r>
+                        <a:rPr lang="da-DK" dirty="0" err="1"/>
+                        <a:t>Create</a:t>
+                      </a:r>
+                      <a:r>
+                        <a:rPr lang="da-DK" baseline="0" dirty="0"/>
+                        <a:t> set from </a:t>
+                      </a:r>
+                      <a:r>
+                        <a:rPr lang="da-DK" dirty="0"/>
+                        <a:t>list</a:t>
+                      </a:r>
+                    </a:p>
+                  </a:txBody>
+                  <a:tcPr marT="36000" marB="36000" anchor="ctr">
+                    <a:lnL w="12700" cap="flat" cmpd="sng" algn="ctr">
+                      <a:noFill/>
+                      <a:prstDash val="solid"/>
+                      <a:round/>
+                      <a:headEnd type="none" w="med" len="med"/>
+                      <a:tailEnd type="none" w="med" len="med"/>
+                    </a:lnL>
+                    <a:solidFill>
+                      <a:schemeClr val="accent5">
+                        <a:lumMod val="20000"/>
+                        <a:lumOff val="80000"/>
+                      </a:schemeClr>
+                    </a:solidFill>
+                  </a:tcPr>
+                </a:tc>
+                <a:extLst>
+                  <a:ext uri="{0D108BD9-81ED-4DB2-BD59-A6C34878D82A}">
+                    <a16:rowId xmlns:a16="http://schemas.microsoft.com/office/drawing/2014/main" val="2902168935"/>
+                  </a:ext>
+                </a:extLst>
+              </a:tr>
+              <a:tr h="343924">
+                <a:tc>
+                  <a:txBody>
+                    <a:bodyPr/>
+                    <a:lstStyle/>
+                    <a:p>
+                      <a:pPr algn="l"/>
+                      <a:r>
+                        <a:rPr lang="da-DK" dirty="0"/>
+                        <a:t>x in S</a:t>
+                      </a:r>
+                      <a:endParaRPr lang="en-US" dirty="0"/>
+                    </a:p>
+                  </a:txBody>
+                  <a:tcPr marT="36000" marB="36000" anchor="ctr">
+                    <a:lnR w="12700" cap="flat" cmpd="sng" algn="ctr">
+                      <a:noFill/>
+                      <a:prstDash val="solid"/>
+                      <a:round/>
+                      <a:headEnd type="none" w="med" len="med"/>
+                      <a:tailEnd type="none" w="med" len="med"/>
+                    </a:lnR>
+                    <a:solidFill>
+                      <a:schemeClr val="accent5">
+                        <a:lumMod val="20000"/>
+                        <a:lumOff val="80000"/>
+                      </a:schemeClr>
+                    </a:solidFill>
+                  </a:tcPr>
+                </a:tc>
+                <a:tc>
+                  <a:txBody>
+                    <a:bodyPr/>
+                    <a:lstStyle/>
+                    <a:p>
+                      <a:pPr marL="0" marR="0" lvl="0" indent="0" algn="l" defTabSz="914400" rtl="0" eaLnBrk="1" fontAlgn="auto" latinLnBrk="0" hangingPunct="1">
+                        <a:lnSpc>
+                          <a:spcPct val="100000"/>
+                        </a:lnSpc>
+                        <a:spcBef>
+                          <a:spcPts val="0"/>
+                        </a:spcBef>
+                        <a:spcAft>
+                          <a:spcPts val="0"/>
+                        </a:spcAft>
+                        <a:buClrTx/>
+                        <a:buSzTx/>
+                        <a:buFontTx/>
+                        <a:buNone/>
+                        <a:tabLst/>
+                        <a:defRPr/>
+                      </a:pPr>
+                      <a:r>
+                        <a:rPr lang="da-DK" dirty="0"/>
+                        <a:t>Membership</a:t>
+                      </a:r>
+                    </a:p>
+                  </a:txBody>
+                  <a:tcPr marT="36000" marB="36000" anchor="ctr">
+                    <a:lnL w="12700" cap="flat" cmpd="sng" algn="ctr">
+                      <a:noFill/>
+                      <a:prstDash val="solid"/>
+                      <a:round/>
+                      <a:headEnd type="none" w="med" len="med"/>
+                      <a:tailEnd type="none" w="med" len="med"/>
+                    </a:lnL>
+                    <a:solidFill>
+                      <a:schemeClr val="accent5">
+                        <a:lumMod val="20000"/>
+                        <a:lumOff val="80000"/>
+                      </a:schemeClr>
+                    </a:solidFill>
+                  </a:tcPr>
+                </a:tc>
+                <a:extLst>
+                  <a:ext uri="{0D108BD9-81ED-4DB2-BD59-A6C34878D82A}">
+                    <a16:rowId xmlns:a16="http://schemas.microsoft.com/office/drawing/2014/main" val="2663688801"/>
+                  </a:ext>
+                </a:extLst>
+              </a:tr>
+              <a:tr h="343924">
+                <a:tc>
+                  <a:txBody>
+                    <a:bodyPr/>
+                    <a:lstStyle/>
+                    <a:p>
+                      <a:pPr algn="l"/>
+                      <a:r>
+                        <a:rPr lang="da-DK" dirty="0"/>
+                        <a:t>x not in S</a:t>
+                      </a:r>
+                      <a:endParaRPr lang="en-US" dirty="0"/>
+                    </a:p>
+                  </a:txBody>
+                  <a:tcPr marT="36000" marB="36000" anchor="ctr">
+                    <a:lnR w="12700" cap="flat" cmpd="sng" algn="ctr">
+                      <a:noFill/>
+                      <a:prstDash val="solid"/>
+                      <a:round/>
+                      <a:headEnd type="none" w="med" len="med"/>
+                      <a:tailEnd type="none" w="med" len="med"/>
+                    </a:lnR>
+                    <a:solidFill>
+                      <a:schemeClr val="accent5">
+                        <a:lumMod val="20000"/>
+                        <a:lumOff val="80000"/>
+                      </a:schemeClr>
+                    </a:solidFill>
+                  </a:tcPr>
+                </a:tc>
+                <a:tc>
+                  <a:txBody>
+                    <a:bodyPr/>
+                    <a:lstStyle/>
+                    <a:p>
+                      <a:pPr marL="0" marR="0" lvl="0" indent="0" algn="l" defTabSz="914400" rtl="0" eaLnBrk="1" fontAlgn="auto" latinLnBrk="0" hangingPunct="1">
+                        <a:lnSpc>
+                          <a:spcPct val="100000"/>
+                        </a:lnSpc>
+                        <a:spcBef>
+                          <a:spcPts val="0"/>
+                        </a:spcBef>
+                        <a:spcAft>
+                          <a:spcPts val="0"/>
+                        </a:spcAft>
+                        <a:buClrTx/>
+                        <a:buSzTx/>
+                        <a:buFontTx/>
+                        <a:buNone/>
+                        <a:tabLst/>
+                        <a:defRPr/>
+                      </a:pPr>
+                      <a:r>
+                        <a:rPr lang="da-DK" dirty="0"/>
+                        <a:t>Non-</a:t>
+                      </a:r>
+                      <a:r>
+                        <a:rPr lang="da-DK" dirty="0" err="1"/>
+                        <a:t>membership</a:t>
+                      </a:r>
+                      <a:endParaRPr lang="da-DK" dirty="0"/>
+                    </a:p>
+                  </a:txBody>
+                  <a:tcPr marT="36000" marB="36000" anchor="ctr">
+                    <a:lnL w="12700" cap="flat" cmpd="sng" algn="ctr">
+                      <a:noFill/>
+                      <a:prstDash val="solid"/>
+                      <a:round/>
+                      <a:headEnd type="none" w="med" len="med"/>
+                      <a:tailEnd type="none" w="med" len="med"/>
+                    </a:lnL>
+                    <a:solidFill>
+                      <a:schemeClr val="accent5">
+                        <a:lumMod val="20000"/>
+                        <a:lumOff val="80000"/>
+                      </a:schemeClr>
+                    </a:solidFill>
+                  </a:tcPr>
+                </a:tc>
+                <a:extLst>
+                  <a:ext uri="{0D108BD9-81ED-4DB2-BD59-A6C34878D82A}">
+                    <a16:rowId xmlns:a16="http://schemas.microsoft.com/office/drawing/2014/main" val="656953840"/>
+                  </a:ext>
+                </a:extLst>
+              </a:tr>
+              <a:tr h="343924">
+                <a:tc>
+                  <a:txBody>
+                    <a:bodyPr/>
+                    <a:lstStyle/>
+                    <a:p>
+                      <a:pPr algn="l"/>
+                      <a:r>
+                        <a:rPr lang="da-DK" dirty="0" err="1"/>
+                        <a:t>S.isdisjoint</a:t>
+                      </a:r>
+                      <a:r>
+                        <a:rPr lang="da-DK" dirty="0"/>
+                        <a:t>(T)</a:t>
+                      </a:r>
+                      <a:endParaRPr lang="en-US" dirty="0"/>
+                    </a:p>
+                  </a:txBody>
+                  <a:tcPr marT="36000" marB="36000" anchor="ctr">
+                    <a:lnR w="12700" cap="flat" cmpd="sng" algn="ctr">
+                      <a:noFill/>
+                      <a:prstDash val="solid"/>
+                      <a:round/>
+                      <a:headEnd type="none" w="med" len="med"/>
+                      <a:tailEnd type="none" w="med" len="med"/>
+                    </a:lnR>
+                    <a:solidFill>
+                      <a:schemeClr val="accent5">
+                        <a:lumMod val="20000"/>
+                        <a:lumOff val="80000"/>
+                      </a:schemeClr>
+                    </a:solidFill>
+                  </a:tcPr>
+                </a:tc>
+                <a:tc>
+                  <a:txBody>
+                    <a:bodyPr/>
+                    <a:lstStyle/>
+                    <a:p>
+                      <a:pPr marL="0" marR="0" lvl="0" indent="0" algn="l" defTabSz="914400" rtl="0" eaLnBrk="1" fontAlgn="auto" latinLnBrk="0" hangingPunct="1">
+                        <a:lnSpc>
+                          <a:spcPct val="100000"/>
+                        </a:lnSpc>
+                        <a:spcBef>
+                          <a:spcPts val="0"/>
+                        </a:spcBef>
+                        <a:spcAft>
+                          <a:spcPts val="0"/>
+                        </a:spcAft>
+                        <a:buClrTx/>
+                        <a:buSzTx/>
+                        <a:buFontTx/>
+                        <a:buNone/>
+                        <a:tabLst/>
+                        <a:defRPr/>
+                      </a:pPr>
+                      <a:r>
+                        <a:rPr lang="da-DK" dirty="0"/>
+                        <a:t>Disjoint</a:t>
+                      </a:r>
+                      <a:r>
+                        <a:rPr lang="da-DK" baseline="0" dirty="0"/>
+                        <a:t> sets</a:t>
+                      </a:r>
+                      <a:endParaRPr lang="da-DK" dirty="0"/>
+                    </a:p>
+                  </a:txBody>
+                  <a:tcPr marT="36000" marB="36000" anchor="ctr">
+                    <a:lnL w="12700" cap="flat" cmpd="sng" algn="ctr">
+                      <a:noFill/>
+                      <a:prstDash val="solid"/>
+                      <a:round/>
+                      <a:headEnd type="none" w="med" len="med"/>
+                      <a:tailEnd type="none" w="med" len="med"/>
+                    </a:lnL>
+                    <a:solidFill>
+                      <a:schemeClr val="accent5">
+                        <a:lumMod val="20000"/>
+                        <a:lumOff val="80000"/>
+                      </a:schemeClr>
+                    </a:solidFill>
+                  </a:tcPr>
+                </a:tc>
+                <a:extLst>
+                  <a:ext uri="{0D108BD9-81ED-4DB2-BD59-A6C34878D82A}">
+                    <a16:rowId xmlns:a16="http://schemas.microsoft.com/office/drawing/2014/main" val="4130000869"/>
+                  </a:ext>
+                </a:extLst>
+              </a:tr>
+              <a:tr h="343924">
+                <a:tc>
+                  <a:txBody>
+                    <a:bodyPr/>
+                    <a:lstStyle/>
+                    <a:p>
+                      <a:pPr algn="l"/>
+                      <a:r>
+                        <a:rPr lang="da-DK" dirty="0"/>
+                        <a:t>S &lt;= T</a:t>
+                      </a:r>
+                      <a:endParaRPr lang="en-US" dirty="0"/>
+                    </a:p>
+                  </a:txBody>
+                  <a:tcPr marT="36000" marB="36000" anchor="ctr">
+                    <a:lnR w="12700" cap="flat" cmpd="sng" algn="ctr">
+                      <a:noFill/>
+                      <a:prstDash val="solid"/>
+                      <a:round/>
+                      <a:headEnd type="none" w="med" len="med"/>
+                      <a:tailEnd type="none" w="med" len="med"/>
+                    </a:lnR>
+                    <a:solidFill>
+                      <a:schemeClr val="accent5">
+                        <a:lumMod val="20000"/>
+                        <a:lumOff val="80000"/>
+                      </a:schemeClr>
+                    </a:solidFill>
+                  </a:tcPr>
+                </a:tc>
+                <a:tc>
+                  <a:txBody>
+                    <a:bodyPr/>
+                    <a:lstStyle/>
+                    <a:p>
+                      <a:pPr marL="0" marR="0" lvl="0" indent="0" algn="l" defTabSz="914400" rtl="0" eaLnBrk="1" fontAlgn="auto" latinLnBrk="0" hangingPunct="1">
+                        <a:lnSpc>
+                          <a:spcPct val="100000"/>
+                        </a:lnSpc>
+                        <a:spcBef>
+                          <a:spcPts val="0"/>
+                        </a:spcBef>
+                        <a:spcAft>
+                          <a:spcPts val="0"/>
+                        </a:spcAft>
+                        <a:buClrTx/>
+                        <a:buSzTx/>
+                        <a:buFontTx/>
+                        <a:buNone/>
+                        <a:tabLst/>
+                        <a:defRPr/>
+                      </a:pPr>
+                      <a:r>
+                        <a:rPr lang="da-DK" dirty="0" err="1"/>
+                        <a:t>Subset</a:t>
+                      </a:r>
+                      <a:endParaRPr lang="da-DK" dirty="0"/>
+                    </a:p>
+                  </a:txBody>
+                  <a:tcPr marT="36000" marB="36000" anchor="ctr">
+                    <a:lnL w="12700" cap="flat" cmpd="sng" algn="ctr">
+                      <a:noFill/>
+                      <a:prstDash val="solid"/>
+                      <a:round/>
+                      <a:headEnd type="none" w="med" len="med"/>
+                      <a:tailEnd type="none" w="med" len="med"/>
+                    </a:lnL>
+                    <a:solidFill>
+                      <a:schemeClr val="accent5">
+                        <a:lumMod val="20000"/>
+                        <a:lumOff val="80000"/>
+                      </a:schemeClr>
+                    </a:solidFill>
+                  </a:tcPr>
+                </a:tc>
+                <a:extLst>
+                  <a:ext uri="{0D108BD9-81ED-4DB2-BD59-A6C34878D82A}">
+                    <a16:rowId xmlns:a16="http://schemas.microsoft.com/office/drawing/2014/main" val="1118768313"/>
+                  </a:ext>
+                </a:extLst>
+              </a:tr>
+              <a:tr h="343924">
+                <a:tc>
+                  <a:txBody>
+                    <a:bodyPr/>
+                    <a:lstStyle/>
+                    <a:p>
+                      <a:pPr algn="l"/>
+                      <a:r>
+                        <a:rPr lang="da-DK" dirty="0"/>
+                        <a:t>S &lt; T</a:t>
+                      </a:r>
+                    </a:p>
+                  </a:txBody>
+                  <a:tcPr marT="36000" marB="36000" anchor="ctr">
+                    <a:lnR w="12700" cap="flat" cmpd="sng" algn="ctr">
+                      <a:noFill/>
+                      <a:prstDash val="solid"/>
+                      <a:round/>
+                      <a:headEnd type="none" w="med" len="med"/>
+                      <a:tailEnd type="none" w="med" len="med"/>
+                    </a:lnR>
+                    <a:solidFill>
+                      <a:schemeClr val="accent5">
+                        <a:lumMod val="20000"/>
+                        <a:lumOff val="80000"/>
+                      </a:schemeClr>
+                    </a:solidFill>
+                  </a:tcPr>
+                </a:tc>
+                <a:tc>
+                  <a:txBody>
+                    <a:bodyPr/>
+                    <a:lstStyle/>
+                    <a:p>
+                      <a:pPr marL="0" marR="0" lvl="0" indent="0" algn="l" defTabSz="914400" rtl="0" eaLnBrk="1" fontAlgn="auto" latinLnBrk="0" hangingPunct="1">
+                        <a:lnSpc>
+                          <a:spcPct val="100000"/>
+                        </a:lnSpc>
+                        <a:spcBef>
+                          <a:spcPts val="0"/>
+                        </a:spcBef>
+                        <a:spcAft>
+                          <a:spcPts val="0"/>
+                        </a:spcAft>
+                        <a:buClrTx/>
+                        <a:buSzTx/>
+                        <a:buFontTx/>
+                        <a:buNone/>
+                        <a:tabLst/>
+                        <a:defRPr/>
+                      </a:pPr>
+                      <a:r>
+                        <a:rPr lang="da-DK" dirty="0"/>
+                        <a:t>Proper </a:t>
+                      </a:r>
+                      <a:r>
+                        <a:rPr lang="da-DK" dirty="0" err="1"/>
+                        <a:t>subset</a:t>
+                      </a:r>
+                      <a:endParaRPr lang="da-DK" dirty="0"/>
+                    </a:p>
+                  </a:txBody>
+                  <a:tcPr marT="36000" marB="36000" anchor="ctr">
+                    <a:lnL w="12700" cap="flat" cmpd="sng" algn="ctr">
+                      <a:noFill/>
+                      <a:prstDash val="solid"/>
+                      <a:round/>
+                      <a:headEnd type="none" w="med" len="med"/>
+                      <a:tailEnd type="none" w="med" len="med"/>
+                    </a:lnL>
+                    <a:solidFill>
+                      <a:schemeClr val="accent5">
+                        <a:lumMod val="20000"/>
+                        <a:lumOff val="80000"/>
+                      </a:schemeClr>
+                    </a:solidFill>
+                  </a:tcPr>
+                </a:tc>
+                <a:extLst>
+                  <a:ext uri="{0D108BD9-81ED-4DB2-BD59-A6C34878D82A}">
+                    <a16:rowId xmlns:a16="http://schemas.microsoft.com/office/drawing/2014/main" val="1938806693"/>
+                  </a:ext>
+                </a:extLst>
+              </a:tr>
+              <a:tr h="343924">
+                <a:tc>
+                  <a:txBody>
+                    <a:bodyPr/>
+                    <a:lstStyle/>
+                    <a:p>
+                      <a:pPr algn="l"/>
+                      <a:r>
+                        <a:rPr lang="da-DK" dirty="0"/>
+                        <a:t>S</a:t>
+                      </a:r>
+                      <a:r>
+                        <a:rPr lang="da-DK" baseline="0" dirty="0"/>
+                        <a:t> &gt;= T</a:t>
+                      </a:r>
+                      <a:endParaRPr lang="en-US" dirty="0"/>
+                    </a:p>
+                  </a:txBody>
+                  <a:tcPr marT="36000" marB="36000" anchor="ctr">
+                    <a:lnR w="12700" cap="flat" cmpd="sng" algn="ctr">
+                      <a:noFill/>
+                      <a:prstDash val="solid"/>
+                      <a:round/>
+                      <a:headEnd type="none" w="med" len="med"/>
+                      <a:tailEnd type="none" w="med" len="med"/>
+                    </a:lnR>
+                    <a:solidFill>
+                      <a:schemeClr val="accent5">
+                        <a:lumMod val="20000"/>
+                        <a:lumOff val="80000"/>
+                      </a:schemeClr>
+                    </a:solidFill>
+                  </a:tcPr>
+                </a:tc>
+                <a:tc>
+                  <a:txBody>
+                    <a:bodyPr/>
+                    <a:lstStyle/>
+                    <a:p>
+                      <a:pPr marL="0" marR="0" lvl="0" indent="0" algn="l" defTabSz="914400" rtl="0" eaLnBrk="1" fontAlgn="auto" latinLnBrk="0" hangingPunct="1">
+                        <a:lnSpc>
+                          <a:spcPct val="100000"/>
+                        </a:lnSpc>
+                        <a:spcBef>
+                          <a:spcPts val="0"/>
+                        </a:spcBef>
+                        <a:spcAft>
+                          <a:spcPts val="0"/>
+                        </a:spcAft>
+                        <a:buClrTx/>
+                        <a:buSzTx/>
+                        <a:buFontTx/>
+                        <a:buNone/>
+                        <a:tabLst/>
+                        <a:defRPr/>
+                      </a:pPr>
+                      <a:r>
+                        <a:rPr lang="da-DK" dirty="0"/>
+                        <a:t>Superset</a:t>
+                      </a:r>
+                    </a:p>
+                  </a:txBody>
+                  <a:tcPr marT="36000" marB="36000" anchor="ctr">
+                    <a:lnL w="12700" cap="flat" cmpd="sng" algn="ctr">
+                      <a:noFill/>
+                      <a:prstDash val="solid"/>
+                      <a:round/>
+                      <a:headEnd type="none" w="med" len="med"/>
+                      <a:tailEnd type="none" w="med" len="med"/>
+                    </a:lnL>
+                    <a:solidFill>
+                      <a:schemeClr val="accent5">
+                        <a:lumMod val="20000"/>
+                        <a:lumOff val="80000"/>
+                      </a:schemeClr>
+                    </a:solidFill>
+                  </a:tcPr>
+                </a:tc>
+                <a:extLst>
+                  <a:ext uri="{0D108BD9-81ED-4DB2-BD59-A6C34878D82A}">
+                    <a16:rowId xmlns:a16="http://schemas.microsoft.com/office/drawing/2014/main" val="1298946107"/>
+                  </a:ext>
+                </a:extLst>
+              </a:tr>
+              <a:tr h="343924">
+                <a:tc>
+                  <a:txBody>
+                    <a:bodyPr/>
+                    <a:lstStyle/>
+                    <a:p>
+                      <a:pPr algn="l"/>
+                      <a:r>
+                        <a:rPr lang="da-DK" dirty="0"/>
+                        <a:t>S</a:t>
+                      </a:r>
+                      <a:r>
+                        <a:rPr lang="da-DK" baseline="0" dirty="0"/>
+                        <a:t> &gt; T</a:t>
+                      </a:r>
+                      <a:endParaRPr lang="en-US" dirty="0"/>
+                    </a:p>
+                  </a:txBody>
+                  <a:tcPr marT="36000" marB="36000" anchor="ctr">
+                    <a:lnR w="12700" cap="flat" cmpd="sng" algn="ctr">
+                      <a:noFill/>
+                      <a:prstDash val="solid"/>
+                      <a:round/>
+                      <a:headEnd type="none" w="med" len="med"/>
+                      <a:tailEnd type="none" w="med" len="med"/>
+                    </a:lnR>
+                    <a:solidFill>
+                      <a:schemeClr val="accent5">
+                        <a:lumMod val="20000"/>
+                        <a:lumOff val="80000"/>
+                      </a:schemeClr>
+                    </a:solidFill>
+                  </a:tcPr>
+                </a:tc>
+                <a:tc>
+                  <a:txBody>
+                    <a:bodyPr/>
+                    <a:lstStyle/>
+                    <a:p>
+                      <a:pPr marL="0" marR="0" lvl="0" indent="0" algn="l" defTabSz="914400" rtl="0" eaLnBrk="1" fontAlgn="auto" latinLnBrk="0" hangingPunct="1">
+                        <a:lnSpc>
+                          <a:spcPct val="100000"/>
+                        </a:lnSpc>
+                        <a:spcBef>
+                          <a:spcPts val="0"/>
+                        </a:spcBef>
+                        <a:spcAft>
+                          <a:spcPts val="0"/>
+                        </a:spcAft>
+                        <a:buClrTx/>
+                        <a:buSzTx/>
+                        <a:buFontTx/>
+                        <a:buNone/>
+                        <a:tabLst/>
+                        <a:defRPr/>
+                      </a:pPr>
+                      <a:r>
+                        <a:rPr lang="da-DK" dirty="0"/>
+                        <a:t>Proper superset</a:t>
+                      </a:r>
+                    </a:p>
+                  </a:txBody>
+                  <a:tcPr marT="36000" marB="36000" anchor="ctr">
+                    <a:lnL w="12700" cap="flat" cmpd="sng" algn="ctr">
+                      <a:noFill/>
+                      <a:prstDash val="solid"/>
+                      <a:round/>
+                      <a:headEnd type="none" w="med" len="med"/>
+                      <a:tailEnd type="none" w="med" len="med"/>
+                    </a:lnL>
+                    <a:solidFill>
+                      <a:schemeClr val="accent5">
+                        <a:lumMod val="20000"/>
+                        <a:lumOff val="80000"/>
+                      </a:schemeClr>
+                    </a:solidFill>
+                  </a:tcPr>
+                </a:tc>
+                <a:extLst>
+                  <a:ext uri="{0D108BD9-81ED-4DB2-BD59-A6C34878D82A}">
+                    <a16:rowId xmlns:a16="http://schemas.microsoft.com/office/drawing/2014/main" val="1426242016"/>
+                  </a:ext>
+                </a:extLst>
+              </a:tr>
+              <a:tr h="343924">
+                <a:tc>
+                  <a:txBody>
+                    <a:bodyPr/>
+                    <a:lstStyle/>
+                    <a:p>
+                      <a:pPr algn="l"/>
+                      <a:r>
+                        <a:rPr lang="da-DK" dirty="0"/>
+                        <a:t>len(S)</a:t>
+                      </a:r>
+                      <a:endParaRPr lang="en-US" dirty="0"/>
+                    </a:p>
+                  </a:txBody>
+                  <a:tcPr marT="36000" marB="36000" anchor="ctr">
+                    <a:lnR w="12700" cap="flat" cmpd="sng" algn="ctr">
+                      <a:noFill/>
+                      <a:prstDash val="solid"/>
+                      <a:round/>
+                      <a:headEnd type="none" w="med" len="med"/>
+                      <a:tailEnd type="none" w="med" len="med"/>
+                    </a:lnR>
+                    <a:solidFill>
+                      <a:schemeClr val="accent5">
+                        <a:lumMod val="20000"/>
+                        <a:lumOff val="80000"/>
+                      </a:schemeClr>
+                    </a:solidFill>
+                  </a:tcPr>
+                </a:tc>
+                <a:tc>
+                  <a:txBody>
+                    <a:bodyPr/>
+                    <a:lstStyle/>
+                    <a:p>
+                      <a:pPr marL="0" marR="0" lvl="0" indent="0" algn="l" defTabSz="914400" rtl="0" eaLnBrk="1" fontAlgn="auto" latinLnBrk="0" hangingPunct="1">
+                        <a:lnSpc>
+                          <a:spcPct val="100000"/>
+                        </a:lnSpc>
+                        <a:spcBef>
+                          <a:spcPts val="0"/>
+                        </a:spcBef>
+                        <a:spcAft>
+                          <a:spcPts val="0"/>
+                        </a:spcAft>
+                        <a:buClrTx/>
+                        <a:buSzTx/>
+                        <a:buFontTx/>
+                        <a:buNone/>
+                        <a:tabLst/>
+                        <a:defRPr/>
+                      </a:pPr>
+                      <a:r>
+                        <a:rPr lang="da-DK" dirty="0" err="1"/>
+                        <a:t>Size</a:t>
+                      </a:r>
+                      <a:r>
+                        <a:rPr lang="da-DK" baseline="0" dirty="0"/>
+                        <a:t> of S</a:t>
+                      </a:r>
+                      <a:endParaRPr lang="da-DK" dirty="0"/>
+                    </a:p>
+                  </a:txBody>
+                  <a:tcPr marT="36000" marB="36000" anchor="ctr">
+                    <a:lnL w="12700" cap="flat" cmpd="sng" algn="ctr">
+                      <a:noFill/>
+                      <a:prstDash val="solid"/>
+                      <a:round/>
+                      <a:headEnd type="none" w="med" len="med"/>
+                      <a:tailEnd type="none" w="med" len="med"/>
+                    </a:lnL>
+                    <a:solidFill>
+                      <a:schemeClr val="accent5">
+                        <a:lumMod val="20000"/>
+                        <a:lumOff val="80000"/>
+                      </a:schemeClr>
+                    </a:solidFill>
+                  </a:tcPr>
+                </a:tc>
+                <a:extLst>
+                  <a:ext uri="{0D108BD9-81ED-4DB2-BD59-A6C34878D82A}">
+                    <a16:rowId xmlns:a16="http://schemas.microsoft.com/office/drawing/2014/main" val="2763438099"/>
+                  </a:ext>
+                </a:extLst>
+              </a:tr>
+              <a:tr h="343924">
+                <a:tc>
+                  <a:txBody>
+                    <a:bodyPr/>
+                    <a:lstStyle/>
+                    <a:p>
+                      <a:pPr algn="l"/>
+                      <a:r>
+                        <a:rPr lang="en-US" dirty="0" err="1"/>
+                        <a:t>S.add</a:t>
+                      </a:r>
+                      <a:r>
+                        <a:rPr lang="en-US" dirty="0"/>
+                        <a:t>(x)</a:t>
+                      </a:r>
+                    </a:p>
+                  </a:txBody>
+                  <a:tcPr marT="36000" marB="36000" anchor="ctr">
+                    <a:lnR w="12700" cap="flat" cmpd="sng" algn="ctr">
+                      <a:noFill/>
+                      <a:prstDash val="solid"/>
+                      <a:round/>
+                      <a:headEnd type="none" w="med" len="med"/>
+                      <a:tailEnd type="none" w="med" len="med"/>
+                    </a:lnR>
+                    <a:solidFill>
+                      <a:schemeClr val="accent5">
+                        <a:lumMod val="20000"/>
+                        <a:lumOff val="80000"/>
+                      </a:schemeClr>
+                    </a:solidFill>
+                  </a:tcPr>
+                </a:tc>
+                <a:tc>
+                  <a:txBody>
+                    <a:bodyPr/>
+                    <a:lstStyle/>
+                    <a:p>
+                      <a:pPr marL="0" marR="0" lvl="0" indent="0" algn="l" defTabSz="914400" rtl="0" eaLnBrk="1" fontAlgn="auto" latinLnBrk="0" hangingPunct="1">
+                        <a:lnSpc>
+                          <a:spcPct val="100000"/>
+                        </a:lnSpc>
+                        <a:spcBef>
+                          <a:spcPts val="0"/>
+                        </a:spcBef>
+                        <a:spcAft>
+                          <a:spcPts val="0"/>
+                        </a:spcAft>
+                        <a:buClrTx/>
+                        <a:buSzTx/>
+                        <a:buFontTx/>
+                        <a:buNone/>
+                        <a:tabLst/>
+                        <a:defRPr/>
+                      </a:pPr>
+                      <a:r>
+                        <a:rPr lang="da-DK" dirty="0" err="1"/>
+                        <a:t>Add</a:t>
+                      </a:r>
+                      <a:r>
+                        <a:rPr lang="da-DK" dirty="0"/>
+                        <a:t> x to </a:t>
+                      </a:r>
+                      <a:r>
+                        <a:rPr lang="da-DK" baseline="0" dirty="0"/>
+                        <a:t>S (not </a:t>
+                      </a:r>
+                      <a:r>
+                        <a:rPr lang="da-DK" baseline="0" dirty="0" err="1"/>
+                        <a:t>frozenset</a:t>
+                      </a:r>
+                      <a:r>
+                        <a:rPr lang="da-DK" baseline="0" dirty="0"/>
+                        <a:t>)</a:t>
+                      </a:r>
+                      <a:endParaRPr lang="da-DK" dirty="0"/>
+                    </a:p>
+                  </a:txBody>
+                  <a:tcPr marT="36000" marB="36000" anchor="ctr">
+                    <a:lnL w="12700" cap="flat" cmpd="sng" algn="ctr">
+                      <a:noFill/>
+                      <a:prstDash val="solid"/>
+                      <a:round/>
+                      <a:headEnd type="none" w="med" len="med"/>
+                      <a:tailEnd type="none" w="med" len="med"/>
+                    </a:lnL>
+                    <a:solidFill>
+                      <a:schemeClr val="accent5">
+                        <a:lumMod val="20000"/>
+                        <a:lumOff val="80000"/>
+                      </a:schemeClr>
+                    </a:solidFill>
+                  </a:tcPr>
+                </a:tc>
+                <a:extLst>
+                  <a:ext uri="{0D108BD9-81ED-4DB2-BD59-A6C34878D82A}">
+                    <a16:rowId xmlns:a16="http://schemas.microsoft.com/office/drawing/2014/main" val="3544584568"/>
+                  </a:ext>
+                </a:extLst>
+              </a:tr>
+            </a:tbl>
+          </a:graphicData>
+        </a:graphic>
+      </p:graphicFrame>
+      <p:graphicFrame>
+        <p:nvGraphicFramePr>
+          <p:cNvPr id="7" name="Table 6"/>
+          <p:cNvGraphicFramePr>
+            <a:graphicFrameLocks noGrp="1"/>
+          </p:cNvGraphicFramePr>
+          <p:nvPr>
+            <p:extLst>
+              <p:ext uri="{D42A27DB-BD31-4B8C-83A1-F6EECF244321}">
+                <p14:modId xmlns:p14="http://schemas.microsoft.com/office/powerpoint/2010/main" val="2070398239"/>
+              </p:ext>
+            </p:extLst>
+          </p:nvPr>
+        </p:nvGraphicFramePr>
+        <p:xfrm>
+          <a:off x="544649" y="3910308"/>
+          <a:ext cx="6957838" cy="2109702"/>
+        </p:xfrm>
+        <a:graphic>
+          <a:graphicData uri="http://schemas.openxmlformats.org/drawingml/2006/table">
+            <a:tbl>
+              <a:tblPr firstRow="1" bandRow="1">
+                <a:tableStyleId>{5C22544A-7EE6-4342-B048-85BDC9FD1C3A}</a:tableStyleId>
+              </a:tblPr>
+              <a:tblGrid>
+                <a:gridCol w="3492000">
+                  <a:extLst>
+                    <a:ext uri="{9D8B030D-6E8A-4147-A177-3AD203B41FA5}">
+                      <a16:colId xmlns:a16="http://schemas.microsoft.com/office/drawing/2014/main" val="1873682825"/>
+                    </a:ext>
+                  </a:extLst>
+                </a:gridCol>
+                <a:gridCol w="3465838">
+                  <a:extLst>
+                    <a:ext uri="{9D8B030D-6E8A-4147-A177-3AD203B41FA5}">
+                      <a16:colId xmlns:a16="http://schemas.microsoft.com/office/drawing/2014/main" val="3534283587"/>
+                    </a:ext>
+                  </a:extLst>
+                </a:gridCol>
+              </a:tblGrid>
+              <a:tr h="216156">
+                <a:tc gridSpan="2">
+                  <a:txBody>
+                    <a:bodyPr/>
+                    <a:lstStyle/>
+                    <a:p>
+                      <a:r>
+                        <a:rPr lang="da-DK" sz="1800" b="1" dirty="0" err="1">
+                          <a:latin typeface="Courier New" panose="02070309020205020404" pitchFamily="49" charset="0"/>
+                          <a:cs typeface="Courier New" panose="02070309020205020404" pitchFamily="49" charset="0"/>
+                        </a:rPr>
+                        <a:t>Python</a:t>
+                      </a:r>
+                      <a:r>
+                        <a:rPr lang="da-DK" sz="1800" b="1" dirty="0">
+                          <a:latin typeface="Courier New" panose="02070309020205020404" pitchFamily="49" charset="0"/>
+                          <a:cs typeface="Courier New" panose="02070309020205020404" pitchFamily="49" charset="0"/>
+                        </a:rPr>
+                        <a:t> </a:t>
+                      </a:r>
+                      <a:r>
+                        <a:rPr lang="da-DK" sz="1800" b="1" dirty="0" err="1">
+                          <a:latin typeface="Courier New" panose="02070309020205020404" pitchFamily="49" charset="0"/>
+                          <a:cs typeface="Courier New" panose="02070309020205020404" pitchFamily="49" charset="0"/>
+                        </a:rPr>
+                        <a:t>shell</a:t>
+                      </a:r>
+                      <a:endParaRPr lang="da-DK" sz="1800" b="1" dirty="0">
+                        <a:latin typeface="Courier New" panose="02070309020205020404" pitchFamily="49" charset="0"/>
+                        <a:cs typeface="Courier New" panose="02070309020205020404" pitchFamily="49" charset="0"/>
+                      </a:endParaRPr>
+                    </a:p>
+                  </a:txBody>
+                  <a:tcPr anchor="ctr">
+                    <a:lnL w="6350" cap="flat" cmpd="sng" algn="ctr">
+                      <a:solidFill>
+                        <a:schemeClr val="tx1"/>
+                      </a:solidFill>
+                      <a:prstDash val="solid"/>
+                      <a:round/>
+                      <a:headEnd type="none" w="med" len="med"/>
+                      <a:tailEnd type="none" w="med" len="med"/>
+                    </a:lnL>
+                    <a:lnR w="6350" cap="flat" cmpd="sng" algn="ctr">
+                      <a:solidFill>
+                        <a:schemeClr val="tx1"/>
+                      </a:solidFill>
+                      <a:prstDash val="solid"/>
+                      <a:round/>
+                      <a:headEnd type="none" w="med" len="med"/>
+                      <a:tailEnd type="none" w="med" len="med"/>
+                    </a:lnR>
+                    <a:lnT w="6350" cap="flat" cmpd="sng" algn="ctr">
+                      <a:solidFill>
+                        <a:schemeClr val="tx1"/>
+                      </a:solidFill>
+                      <a:prstDash val="solid"/>
+                      <a:round/>
+                      <a:headEnd type="none" w="med" len="med"/>
+                      <a:tailEnd type="none" w="med" len="med"/>
+                    </a:lnT>
+                    <a:lnB w="6350" cap="flat" cmpd="sng" algn="ctr">
+                      <a:solidFill>
+                        <a:schemeClr val="tx1"/>
+                      </a:solidFill>
+                      <a:prstDash val="solid"/>
+                      <a:round/>
+                      <a:headEnd type="none" w="med" len="med"/>
+                      <a:tailEnd type="none" w="med" len="med"/>
+                    </a:lnB>
+                    <a:lnTlToBr w="12700" cmpd="sng">
+                      <a:noFill/>
+                      <a:prstDash val="solid"/>
+                    </a:lnTlToBr>
+                    <a:lnBlToTr w="12700" cmpd="sng">
+                      <a:noFill/>
+                      <a:prstDash val="solid"/>
+                    </a:lnBlToTr>
+                    <a:solidFill>
+                      <a:srgbClr val="C00000"/>
+                    </a:solidFill>
+                  </a:tcPr>
+                </a:tc>
+                <a:tc hMerge="1">
+                  <a:txBody>
+                    <a:bodyPr/>
+                    <a:lstStyle/>
+                    <a:p>
+                      <a:endParaRPr lang="en-US"/>
+                    </a:p>
+                  </a:txBody>
+                  <a:tcPr/>
+                </a:tc>
+                <a:extLst>
+                  <a:ext uri="{0D108BD9-81ED-4DB2-BD59-A6C34878D82A}">
+                    <a16:rowId xmlns:a16="http://schemas.microsoft.com/office/drawing/2014/main" val="3330819881"/>
+                  </a:ext>
+                </a:extLst>
+              </a:tr>
+              <a:tr h="1743942">
+                <a:tc>
+                  <a:txBody>
+                    <a:bodyPr/>
+                    <a:lstStyle/>
+                    <a:p>
+                      <a:pPr marL="266700" indent="-266700">
+                        <a:buClr>
+                          <a:srgbClr val="C00000"/>
+                        </a:buClr>
+                        <a:buSzPct val="100000"/>
+                        <a:buFont typeface="Courier New" panose="02070309020205020404" pitchFamily="49" charset="0"/>
+                        <a:buChar char="&gt;"/>
+                      </a:pPr>
+                      <a:r>
+                        <a:rPr lang="pt-BR" sz="1800" b="1" baseline="0" dirty="0">
+                          <a:latin typeface="Courier New" panose="02070309020205020404" pitchFamily="49" charset="0"/>
+                          <a:cs typeface="Courier New" panose="02070309020205020404" pitchFamily="49" charset="0"/>
+                        </a:rPr>
+                        <a:t>S = {2, 5, 'a', 'c'}</a:t>
+                      </a:r>
+                    </a:p>
+                    <a:p>
+                      <a:pPr marL="266700" indent="-266700">
+                        <a:buClr>
+                          <a:srgbClr val="C00000"/>
+                        </a:buClr>
+                        <a:buSzPct val="100000"/>
+                        <a:buFont typeface="Courier New" panose="02070309020205020404" pitchFamily="49" charset="0"/>
+                        <a:buChar char="&gt;"/>
+                      </a:pPr>
+                      <a:r>
+                        <a:rPr lang="pt-BR" sz="1800" b="1" baseline="0" dirty="0">
+                          <a:latin typeface="Courier New" panose="02070309020205020404" pitchFamily="49" charset="0"/>
+                          <a:cs typeface="Courier New" panose="02070309020205020404" pitchFamily="49" charset="0"/>
+                        </a:rPr>
+                        <a:t>T = {3, 4, 5, 'c'}</a:t>
+                      </a:r>
+                    </a:p>
+                    <a:p>
+                      <a:pPr marL="266700" indent="-266700">
+                        <a:buClr>
+                          <a:srgbClr val="C00000"/>
+                        </a:buClr>
+                        <a:buSzPct val="100000"/>
+                        <a:buFont typeface="Courier New" panose="02070309020205020404" pitchFamily="49" charset="0"/>
+                        <a:buChar char="&gt;"/>
+                      </a:pPr>
+                      <a:r>
+                        <a:rPr lang="pt-BR" sz="1800" b="1" baseline="0" dirty="0">
+                          <a:latin typeface="Courier New" panose="02070309020205020404" pitchFamily="49" charset="0"/>
+                          <a:cs typeface="Courier New" panose="02070309020205020404" pitchFamily="49" charset="0"/>
+                        </a:rPr>
+                        <a:t>S | T</a:t>
+                      </a:r>
+                    </a:p>
+                    <a:p>
+                      <a:pPr marL="266700" indent="-266700">
+                        <a:buClr>
+                          <a:schemeClr val="accent1">
+                            <a:lumMod val="50000"/>
+                          </a:schemeClr>
+                        </a:buClr>
+                        <a:buSzPct val="120000"/>
+                        <a:buFont typeface="Courier New" panose="02070309020205020404" pitchFamily="49" charset="0"/>
+                        <a:buChar char="|"/>
+                      </a:pPr>
+                      <a:r>
+                        <a:rPr lang="pt-BR" sz="1800" b="1" baseline="0" dirty="0">
+                          <a:latin typeface="Courier New" panose="02070309020205020404" pitchFamily="49" charset="0"/>
+                          <a:cs typeface="Courier New" panose="02070309020205020404" pitchFamily="49" charset="0"/>
+                        </a:rPr>
+                        <a:t>{2, 3, 4, 5, 'a', 'c'}</a:t>
+                      </a:r>
+                    </a:p>
+                    <a:p>
+                      <a:pPr marL="266700" indent="-266700">
+                        <a:buClr>
+                          <a:srgbClr val="C00000"/>
+                        </a:buClr>
+                        <a:buSzPct val="100000"/>
+                        <a:buFont typeface="Courier New" panose="02070309020205020404" pitchFamily="49" charset="0"/>
+                        <a:buChar char="&gt;"/>
+                      </a:pPr>
+                      <a:r>
+                        <a:rPr lang="pt-BR" sz="1800" b="1" baseline="0" dirty="0">
+                          <a:latin typeface="Courier New" panose="02070309020205020404" pitchFamily="49" charset="0"/>
+                          <a:cs typeface="Courier New" panose="02070309020205020404" pitchFamily="49" charset="0"/>
+                        </a:rPr>
+                        <a:t>S &amp; T</a:t>
+                      </a:r>
+                    </a:p>
+                    <a:p>
+                      <a:pPr marL="266700" indent="-266700">
+                        <a:buClr>
+                          <a:schemeClr val="accent1">
+                            <a:lumMod val="50000"/>
+                          </a:schemeClr>
+                        </a:buClr>
+                        <a:buSzPct val="120000"/>
+                        <a:buFont typeface="Courier New" panose="02070309020205020404" pitchFamily="49" charset="0"/>
+                        <a:buChar char="|"/>
+                      </a:pPr>
+                      <a:r>
+                        <a:rPr lang="pt-BR" sz="1800" b="1" baseline="0" dirty="0">
+                          <a:latin typeface="Courier New" panose="02070309020205020404" pitchFamily="49" charset="0"/>
+                          <a:cs typeface="Courier New" panose="02070309020205020404" pitchFamily="49" charset="0"/>
+                        </a:rPr>
+                        <a:t>{5, 'c'}</a:t>
+                      </a:r>
+                    </a:p>
+                  </a:txBody>
+                  <a:tcPr>
+                    <a:lnL w="6350" cap="flat" cmpd="sng" algn="ctr">
+                      <a:solidFill>
+                        <a:schemeClr val="tx1"/>
+                      </a:solidFill>
+                      <a:prstDash val="solid"/>
+                      <a:round/>
+                      <a:headEnd type="none" w="med" len="med"/>
+                      <a:tailEnd type="none" w="med" len="med"/>
+                    </a:lnL>
+                    <a:lnR w="6350" cap="flat" cmpd="sng" algn="ctr">
+                      <a:solidFill>
+                        <a:schemeClr val="tx1"/>
+                      </a:solidFill>
+                      <a:prstDash val="solid"/>
+                      <a:round/>
+                      <a:headEnd type="none" w="med" len="med"/>
+                      <a:tailEnd type="none" w="med" len="med"/>
+                    </a:lnR>
+                    <a:lnT w="6350" cap="flat" cmpd="sng" algn="ctr">
+                      <a:solidFill>
+                        <a:schemeClr val="tx1"/>
+                      </a:solidFill>
+                      <a:prstDash val="solid"/>
+                      <a:round/>
+                      <a:headEnd type="none" w="med" len="med"/>
+                      <a:tailEnd type="none" w="med" len="med"/>
+                    </a:lnT>
+                    <a:lnB w="6350" cap="flat" cmpd="sng" algn="ctr">
+                      <a:solidFill>
+                        <a:schemeClr val="tx1"/>
+                      </a:solidFill>
+                      <a:prstDash val="solid"/>
+                      <a:round/>
+                      <a:headEnd type="none" w="med" len="med"/>
+                      <a:tailEnd type="none" w="med" len="med"/>
+                    </a:lnB>
+                    <a:lnTlToBr w="12700" cmpd="sng">
+                      <a:noFill/>
+                      <a:prstDash val="solid"/>
+                    </a:lnTlToBr>
+                    <a:lnBlToTr w="12700" cmpd="sng">
+                      <a:noFill/>
+                      <a:prstDash val="solid"/>
+                    </a:lnBlToTr>
+                    <a:solidFill>
+                      <a:schemeClr val="accent5">
+                        <a:lumMod val="20000"/>
+                        <a:lumOff val="80000"/>
+                      </a:schemeClr>
+                    </a:solidFill>
+                  </a:tcPr>
+                </a:tc>
+                <a:tc>
+                  <a:txBody>
+                    <a:bodyPr/>
+                    <a:lstStyle/>
+                    <a:p>
+                      <a:pPr marL="266700" indent="-266700">
+                        <a:buClr>
+                          <a:srgbClr val="C00000"/>
+                        </a:buClr>
+                        <a:buSzPct val="100000"/>
+                        <a:buFont typeface="Courier New" panose="02070309020205020404" pitchFamily="49" charset="0"/>
+                        <a:buChar char="&gt;"/>
+                      </a:pPr>
+                      <a:r>
+                        <a:rPr lang="pt-BR" sz="1800" b="1" baseline="0" dirty="0">
+                          <a:latin typeface="Courier New" panose="02070309020205020404" pitchFamily="49" charset="0"/>
+                          <a:cs typeface="Courier New" panose="02070309020205020404" pitchFamily="49" charset="0"/>
+                        </a:rPr>
+                        <a:t>S ^ T</a:t>
+                      </a:r>
+                    </a:p>
+                    <a:p>
+                      <a:pPr marL="266700" indent="-266700">
+                        <a:buClr>
+                          <a:schemeClr val="accent1">
+                            <a:lumMod val="50000"/>
+                          </a:schemeClr>
+                        </a:buClr>
+                        <a:buSzPct val="120000"/>
+                        <a:buFont typeface="Courier New" panose="02070309020205020404" pitchFamily="49" charset="0"/>
+                        <a:buChar char="|"/>
+                      </a:pPr>
+                      <a:r>
+                        <a:rPr lang="pt-BR" sz="1800" b="1" baseline="0" dirty="0">
+                          <a:latin typeface="Courier New" panose="02070309020205020404" pitchFamily="49" charset="0"/>
+                          <a:cs typeface="Courier New" panose="02070309020205020404" pitchFamily="49" charset="0"/>
+                        </a:rPr>
+                        <a:t>{2, 3, 4, 'a'}</a:t>
+                      </a:r>
+                    </a:p>
+                    <a:p>
+                      <a:pPr marL="266700" indent="-266700">
+                        <a:buClr>
+                          <a:srgbClr val="C00000"/>
+                        </a:buClr>
+                        <a:buSzPct val="100000"/>
+                        <a:buFont typeface="Courier New" panose="02070309020205020404" pitchFamily="49" charset="0"/>
+                        <a:buChar char="&gt;"/>
+                      </a:pPr>
+                      <a:r>
+                        <a:rPr lang="pt-BR" sz="1800" b="1" baseline="0" dirty="0">
+                          <a:latin typeface="Courier New" panose="02070309020205020404" pitchFamily="49" charset="0"/>
+                          <a:cs typeface="Courier New" panose="02070309020205020404" pitchFamily="49" charset="0"/>
+                        </a:rPr>
+                        <a:t>S - T</a:t>
+                      </a:r>
+                    </a:p>
+                    <a:p>
+                      <a:pPr marL="266700" indent="-266700">
+                        <a:buClr>
+                          <a:schemeClr val="accent1">
+                            <a:lumMod val="50000"/>
+                          </a:schemeClr>
+                        </a:buClr>
+                        <a:buSzPct val="120000"/>
+                        <a:buFont typeface="Courier New" panose="02070309020205020404" pitchFamily="49" charset="0"/>
+                        <a:buChar char="|"/>
+                      </a:pPr>
+                      <a:r>
+                        <a:rPr lang="pt-BR" sz="1800" b="1" baseline="0" dirty="0">
+                          <a:latin typeface="Courier New" panose="02070309020205020404" pitchFamily="49" charset="0"/>
+                          <a:cs typeface="Courier New" panose="02070309020205020404" pitchFamily="49" charset="0"/>
+                        </a:rPr>
+                        <a:t>{2, 'a'}</a:t>
+                      </a:r>
+                      <a:r>
+                        <a:rPr lang="en-US" sz="1800" b="1" baseline="0" dirty="0">
+                          <a:latin typeface="Courier New" panose="02070309020205020404" pitchFamily="49" charset="0"/>
+                          <a:cs typeface="Courier New" panose="02070309020205020404" pitchFamily="49" charset="0"/>
+                        </a:rPr>
+                        <a:t> </a:t>
+                      </a:r>
+                      <a:endParaRPr lang="pt-BR" sz="1800" b="1" baseline="0" dirty="0">
+                        <a:latin typeface="Courier New" panose="02070309020205020404" pitchFamily="49" charset="0"/>
+                        <a:cs typeface="Courier New" panose="02070309020205020404" pitchFamily="49" charset="0"/>
+                      </a:endParaRPr>
+                    </a:p>
+                    <a:p>
+                      <a:pPr marL="266700" indent="-266700">
+                        <a:buClr>
+                          <a:srgbClr val="C00000"/>
+                        </a:buClr>
+                        <a:buSzPct val="100000"/>
+                        <a:buFont typeface="Courier New" panose="02070309020205020404" pitchFamily="49" charset="0"/>
+                        <a:buChar char="&gt;"/>
+                      </a:pPr>
+                      <a:r>
+                        <a:rPr lang="en-US" sz="1800" b="1" baseline="0" dirty="0">
+                          <a:latin typeface="Courier New" panose="02070309020205020404" pitchFamily="49" charset="0"/>
+                          <a:cs typeface="Courier New" panose="02070309020205020404" pitchFamily="49" charset="0"/>
+                        </a:rPr>
+                        <a:t>{4, </a:t>
+                      </a:r>
+                      <a:r>
+                        <a:rPr lang="en-US" sz="1800" b="1" baseline="0" dirty="0">
+                          <a:solidFill>
+                            <a:srgbClr val="C00000"/>
+                          </a:solidFill>
+                          <a:latin typeface="Courier New" panose="02070309020205020404" pitchFamily="49" charset="0"/>
+                          <a:cs typeface="Courier New" panose="02070309020205020404" pitchFamily="49" charset="0"/>
+                        </a:rPr>
+                        <a:t>5</a:t>
+                      </a:r>
+                      <a:r>
+                        <a:rPr lang="en-US" sz="1800" b="1" baseline="0" dirty="0">
+                          <a:latin typeface="Courier New" panose="02070309020205020404" pitchFamily="49" charset="0"/>
+                          <a:cs typeface="Courier New" panose="02070309020205020404" pitchFamily="49" charset="0"/>
+                        </a:rPr>
+                        <a:t>, </a:t>
+                      </a:r>
+                      <a:r>
+                        <a:rPr lang="en-US" sz="1800" b="1" baseline="0" dirty="0">
+                          <a:solidFill>
+                            <a:srgbClr val="C00000"/>
+                          </a:solidFill>
+                          <a:latin typeface="Courier New" panose="02070309020205020404" pitchFamily="49" charset="0"/>
+                          <a:cs typeface="Courier New" panose="02070309020205020404" pitchFamily="49" charset="0"/>
+                        </a:rPr>
+                        <a:t>5.0</a:t>
+                      </a:r>
+                      <a:r>
+                        <a:rPr lang="en-US" sz="1800" b="1" baseline="0" dirty="0">
+                          <a:latin typeface="Courier New" panose="02070309020205020404" pitchFamily="49" charset="0"/>
+                          <a:cs typeface="Courier New" panose="02070309020205020404" pitchFamily="49" charset="0"/>
+                        </a:rPr>
+                        <a:t>, 5.1}</a:t>
+                      </a:r>
+                    </a:p>
+                    <a:p>
+                      <a:pPr marL="266700" indent="-266700">
+                        <a:buClr>
+                          <a:schemeClr val="accent1">
+                            <a:lumMod val="50000"/>
+                          </a:schemeClr>
+                        </a:buClr>
+                        <a:buSzPct val="120000"/>
+                        <a:buFont typeface="Courier New" panose="02070309020205020404" pitchFamily="49" charset="0"/>
+                        <a:buChar char="|"/>
+                      </a:pPr>
+                      <a:r>
+                        <a:rPr lang="en-US" sz="1800" b="1" baseline="0" dirty="0">
+                          <a:latin typeface="Courier New" panose="02070309020205020404" pitchFamily="49" charset="0"/>
+                          <a:cs typeface="Courier New" panose="02070309020205020404" pitchFamily="49" charset="0"/>
+                        </a:rPr>
+                        <a:t>{4, </a:t>
+                      </a:r>
+                      <a:r>
+                        <a:rPr lang="en-US" sz="1800" b="1" baseline="0" dirty="0">
+                          <a:solidFill>
+                            <a:srgbClr val="C00000"/>
+                          </a:solidFill>
+                          <a:latin typeface="Courier New" panose="02070309020205020404" pitchFamily="49" charset="0"/>
+                          <a:cs typeface="Courier New" panose="02070309020205020404" pitchFamily="49" charset="0"/>
+                        </a:rPr>
+                        <a:t>5</a:t>
+                      </a:r>
+                      <a:r>
+                        <a:rPr lang="en-US" sz="1800" b="1" baseline="0" dirty="0">
+                          <a:latin typeface="Courier New" panose="02070309020205020404" pitchFamily="49" charset="0"/>
+                          <a:cs typeface="Courier New" panose="02070309020205020404" pitchFamily="49" charset="0"/>
+                        </a:rPr>
+                        <a:t>, 5.1}</a:t>
+                      </a:r>
+                      <a:endParaRPr lang="pt-BR" sz="1800" b="1" baseline="0" dirty="0">
+                        <a:latin typeface="Courier New" panose="02070309020205020404" pitchFamily="49" charset="0"/>
+                        <a:cs typeface="Courier New" panose="02070309020205020404" pitchFamily="49" charset="0"/>
+                      </a:endParaRPr>
+                    </a:p>
+                  </a:txBody>
+                  <a:tcPr>
+                    <a:lnL w="6350" cap="flat" cmpd="sng" algn="ctr">
+                      <a:solidFill>
+                        <a:schemeClr val="tx1"/>
+                      </a:solidFill>
+                      <a:prstDash val="solid"/>
+                      <a:round/>
+                      <a:headEnd type="none" w="med" len="med"/>
+                      <a:tailEnd type="none" w="med" len="med"/>
+                    </a:lnL>
+                    <a:lnR w="6350" cap="flat" cmpd="sng" algn="ctr">
+                      <a:solidFill>
+                        <a:schemeClr val="tx1"/>
+                      </a:solidFill>
+                      <a:prstDash val="solid"/>
+                      <a:round/>
+                      <a:headEnd type="none" w="med" len="med"/>
+                      <a:tailEnd type="none" w="med" len="med"/>
+                    </a:lnR>
+                    <a:lnT w="6350" cap="flat" cmpd="sng" algn="ctr">
+                      <a:solidFill>
+                        <a:schemeClr val="tx1"/>
+                      </a:solidFill>
+                      <a:prstDash val="solid"/>
+                      <a:round/>
+                      <a:headEnd type="none" w="med" len="med"/>
+                      <a:tailEnd type="none" w="med" len="med"/>
+                    </a:lnT>
+                    <a:lnB w="6350" cap="flat" cmpd="sng" algn="ctr">
+                      <a:solidFill>
+                        <a:schemeClr val="tx1"/>
+                      </a:solidFill>
+                      <a:prstDash val="solid"/>
+                      <a:round/>
+                      <a:headEnd type="none" w="med" len="med"/>
+                      <a:tailEnd type="none" w="med" len="med"/>
+                    </a:lnB>
+                    <a:lnTlToBr w="12700" cmpd="sng">
+                      <a:noFill/>
+                      <a:prstDash val="solid"/>
+                    </a:lnTlToBr>
+                    <a:lnBlToTr w="12700" cmpd="sng">
+                      <a:noFill/>
+                      <a:prstDash val="solid"/>
+                    </a:lnBlToTr>
+                    <a:solidFill>
+                      <a:schemeClr val="accent5">
+                        <a:lumMod val="20000"/>
+                        <a:lumOff val="80000"/>
+                      </a:schemeClr>
+                    </a:solidFill>
+                  </a:tcPr>
+                </a:tc>
+                <a:extLst>
+                  <a:ext uri="{0D108BD9-81ED-4DB2-BD59-A6C34878D82A}">
+                    <a16:rowId xmlns:a16="http://schemas.microsoft.com/office/drawing/2014/main" val="4112970457"/>
+                  </a:ext>
+                </a:extLst>
+              </a:tr>
+            </a:tbl>
+          </a:graphicData>
+        </a:graphic>
+      </p:graphicFrame>
+      <p:pic>
+        <p:nvPicPr>
+          <p:cNvPr id="8" name="Picture 7"/>
+          <p:cNvPicPr>
+            <a:picLocks noChangeAspect="1"/>
+          </p:cNvPicPr>
+          <p:nvPr/>
+        </p:nvPicPr>
+        <p:blipFill>
+          <a:blip r:embed="rId5" cstate="print">
+            <a:extLst>
+              <a:ext uri="{28A0092B-C50C-407E-A947-70E740481C1C}">
+                <a14:useLocalDpi xmlns:a14="http://schemas.microsoft.com/office/drawing/2010/main" val="0"/>
+              </a:ext>
+            </a:extLst>
+          </a:blip>
+          <a:stretch>
+            <a:fillRect/>
+          </a:stretch>
+        </p:blipFill>
+        <p:spPr>
+          <a:xfrm>
+            <a:off x="6644605" y="5494989"/>
+            <a:ext cx="487666" cy="405904"/>
+          </a:xfrm>
+          <a:prstGeom prst="rect">
+            <a:avLst/>
+          </a:prstGeom>
+        </p:spPr>
+      </p:pic>
+      <p:pic>
+        <p:nvPicPr>
+          <p:cNvPr id="9" name="Picture 8"/>
+          <p:cNvPicPr>
+            <a:picLocks noChangeAspect="1"/>
+          </p:cNvPicPr>
+          <p:nvPr/>
+        </p:nvPicPr>
+        <p:blipFill>
+          <a:blip r:embed="rId5" cstate="print">
+            <a:extLst>
+              <a:ext uri="{28A0092B-C50C-407E-A947-70E740481C1C}">
+                <a14:useLocalDpi xmlns:a14="http://schemas.microsoft.com/office/drawing/2010/main" val="0"/>
+              </a:ext>
+            </a:extLst>
+          </a:blip>
+          <a:stretch>
+            <a:fillRect/>
+          </a:stretch>
+        </p:blipFill>
+        <p:spPr>
+          <a:xfrm>
+            <a:off x="11454617" y="2260893"/>
+            <a:ext cx="350511" cy="291744"/>
+          </a:xfrm>
+          <a:prstGeom prst="rect">
+            <a:avLst/>
+          </a:prstGeom>
+        </p:spPr>
+      </p:pic>
+    </p:spTree>
+    <p:extLst>
+      <p:ext uri="{BB962C8B-B14F-4D97-AF65-F5344CB8AC3E}">
+        <p14:creationId xmlns:p14="http://schemas.microsoft.com/office/powerpoint/2010/main" val="3852152376"/>
+      </p:ext>
+    </p:extLst>
+  </p:cSld>
+  <p:clrMapOvr>
+    <a:masterClrMapping/>
+  </p:clrMapOvr>
+  <mc:AlternateContent xmlns:mc="http://schemas.openxmlformats.org/markup-compatibility/2006" xmlns:p14="http://schemas.microsoft.com/office/powerpoint/2010/main">
+    <mc:Choice Requires="p14">
+      <p:transition p14:dur="10"/>
+    </mc:Choice>
+    <mc:Fallback xmlns="">
+      <p:transition/>
+    </mc:Fallback>
+  </mc:AlternateContent>
+</p:sld>
+</file>
+
+<file path=ppt/slides/slide11.xml><?xml version="1.0" encoding="utf-8"?>
+<p:sld xmlns:a="http://schemas.openxmlformats.org/drawingml/2006/main" xmlns:r="http://schemas.openxmlformats.org/officeDocument/2006/relationships" xmlns:p="http://schemas.openxmlformats.org/presentationml/2006/main">
+  <p:cSld>
+    <p:bg>
+      <p:bgPr>
+        <a:solidFill>
+          <a:schemeClr val="accent6">
+            <a:lumMod val="20000"/>
+            <a:lumOff val="80000"/>
+          </a:schemeClr>
+        </a:solidFill>
+        <a:effectLst/>
+      </p:bgPr>
+    </p:bg>
+    <p:spTree>
+      <p:nvGrpSpPr>
+        <p:cNvPr id="1" name=""/>
+        <p:cNvGrpSpPr/>
+        <p:nvPr/>
+      </p:nvGrpSpPr>
+      <p:grpSpPr>
+        <a:xfrm>
+          <a:off x="0" y="0"/>
+          <a:ext cx="0" cy="0"/>
+          <a:chOff x="0" y="0"/>
+          <a:chExt cx="0" cy="0"/>
+        </a:xfrm>
+      </p:grpSpPr>
+      <p:sp>
+        <p:nvSpPr>
+          <p:cNvPr id="2" name="Title 1"/>
+          <p:cNvSpPr>
+            <a:spLocks noGrp="1"/>
+          </p:cNvSpPr>
+          <p:nvPr>
+            <p:ph type="title"/>
+          </p:nvPr>
+        </p:nvSpPr>
+        <p:spPr/>
+        <p:txBody>
+          <a:bodyPr/>
+          <a:lstStyle/>
+          <a:p>
+            <a:r>
+              <a:rPr lang="da-DK" dirty="0" err="1"/>
+              <a:t>Question</a:t>
+            </a:r>
+            <a:r>
+              <a:rPr lang="da-DK" dirty="0"/>
+              <a:t> – </a:t>
+            </a:r>
+            <a:r>
+              <a:rPr lang="da-DK" dirty="0" err="1"/>
+              <a:t>What</a:t>
+            </a:r>
+            <a:r>
+              <a:rPr lang="da-DK" dirty="0"/>
+              <a:t> </a:t>
+            </a:r>
+            <a:r>
+              <a:rPr lang="da-DK" dirty="0" err="1"/>
+              <a:t>value</a:t>
+            </a:r>
+            <a:r>
+              <a:rPr lang="da-DK" dirty="0"/>
+              <a:t> has the </a:t>
+            </a:r>
+            <a:r>
+              <a:rPr lang="da-DK" dirty="0" err="1"/>
+              <a:t>expression</a:t>
+            </a:r>
+            <a:r>
+              <a:rPr lang="da-DK" dirty="0"/>
+              <a:t> ?</a:t>
+            </a:r>
+            <a:endParaRPr lang="en-US" dirty="0"/>
+          </a:p>
+        </p:txBody>
+      </p:sp>
+      <p:sp>
+        <p:nvSpPr>
+          <p:cNvPr id="3" name="Content Placeholder 2"/>
+          <p:cNvSpPr>
+            <a:spLocks noGrp="1"/>
+          </p:cNvSpPr>
+          <p:nvPr>
+            <p:ph idx="1"/>
+          </p:nvPr>
+        </p:nvSpPr>
+        <p:spPr>
+          <a:xfrm>
+            <a:off x="2909371" y="1880709"/>
+            <a:ext cx="6983776" cy="4351338"/>
+          </a:xfrm>
+        </p:spPr>
+        <p:txBody>
+          <a:bodyPr>
+            <a:normAutofit/>
+          </a:bodyPr>
+          <a:lstStyle/>
+          <a:p>
+            <a:pPr marL="0" indent="0">
+              <a:buNone/>
+            </a:pPr>
+            <a:r>
+              <a:rPr lang="en-US" dirty="0">
+                <a:latin typeface="Courier New" panose="02070309020205020404" pitchFamily="49" charset="0"/>
+                <a:cs typeface="Courier New" panose="02070309020205020404" pitchFamily="49" charset="0"/>
+              </a:rPr>
+              <a:t>sorted( { 5, 5.5, 5.0, '5' } )</a:t>
+            </a:r>
+          </a:p>
+          <a:p>
+            <a:endParaRPr lang="da-DK" dirty="0"/>
+          </a:p>
+          <a:p>
+            <a:pPr marL="514350" indent="-514350">
+              <a:buFont typeface="+mj-lt"/>
+              <a:buAutoNum type="alphaLcParenR"/>
+            </a:pPr>
+            <a:r>
+              <a:rPr lang="en-US" dirty="0"/>
+              <a:t> </a:t>
+            </a:r>
+            <a:r>
+              <a:rPr lang="en-US" dirty="0">
+                <a:latin typeface="Courier New" panose="02070309020205020404" pitchFamily="49" charset="0"/>
+                <a:cs typeface="Courier New" panose="02070309020205020404" pitchFamily="49" charset="0"/>
+              </a:rPr>
+              <a:t>{'5', 5, 5.0, 5.5}</a:t>
+            </a:r>
+          </a:p>
+          <a:p>
+            <a:pPr marL="514350" indent="-514350">
+              <a:buFont typeface="+mj-lt"/>
+              <a:buAutoNum type="alphaLcParenR"/>
+            </a:pPr>
+            <a:r>
+              <a:rPr lang="en-US" dirty="0"/>
+              <a:t> </a:t>
+            </a:r>
+            <a:r>
+              <a:rPr lang="en-US" dirty="0">
+                <a:latin typeface="Courier New" panose="02070309020205020404" pitchFamily="49" charset="0"/>
+                <a:cs typeface="Courier New" panose="02070309020205020404" pitchFamily="49" charset="0"/>
+              </a:rPr>
+              <a:t>{5, 5.5}</a:t>
+            </a:r>
+          </a:p>
+          <a:p>
+            <a:pPr marL="514350" indent="-514350">
+              <a:buFont typeface="+mj-lt"/>
+              <a:buAutoNum type="alphaLcParenR"/>
+            </a:pPr>
+            <a:r>
+              <a:rPr lang="en-US" dirty="0"/>
+              <a:t> </a:t>
+            </a:r>
+            <a:r>
+              <a:rPr lang="en-US" dirty="0">
+                <a:latin typeface="Courier New" panose="02070309020205020404" pitchFamily="49" charset="0"/>
+                <a:cs typeface="Courier New" panose="02070309020205020404" pitchFamily="49" charset="0"/>
+              </a:rPr>
+              <a:t>['5', 5.0, 5.5]</a:t>
+            </a:r>
+          </a:p>
+          <a:p>
+            <a:pPr marL="514350" indent="-514350">
+              <a:buFont typeface="+mj-lt"/>
+              <a:buAutoNum type="alphaLcParenR"/>
+            </a:pPr>
+            <a:r>
+              <a:rPr lang="en-US" dirty="0"/>
+              <a:t> </a:t>
+            </a:r>
+            <a:r>
+              <a:rPr lang="en-US" dirty="0">
+                <a:latin typeface="Courier New" panose="02070309020205020404" pitchFamily="49" charset="0"/>
+                <a:cs typeface="Courier New" panose="02070309020205020404" pitchFamily="49" charset="0"/>
+              </a:rPr>
+              <a:t>['5', 5, 5.5]</a:t>
+            </a:r>
+          </a:p>
+          <a:p>
+            <a:pPr marL="514350" indent="-514350">
+              <a:buFont typeface="+mj-lt"/>
+              <a:buAutoNum type="alphaLcParenR"/>
+            </a:pPr>
+            <a:r>
+              <a:rPr lang="da-DK" dirty="0"/>
+              <a:t> </a:t>
+            </a:r>
+            <a:r>
+              <a:rPr lang="da-DK" dirty="0" err="1"/>
+              <a:t>TypeError</a:t>
+            </a:r>
+            <a:endParaRPr lang="da-DK" dirty="0"/>
+          </a:p>
+          <a:p>
+            <a:pPr marL="514350" indent="-514350">
+              <a:buFont typeface="+mj-lt"/>
+              <a:buAutoNum type="alphaLcParenR"/>
+            </a:pPr>
+            <a:r>
+              <a:rPr lang="da-DK" dirty="0"/>
+              <a:t> </a:t>
+            </a:r>
+            <a:r>
+              <a:rPr lang="da-DK" dirty="0" err="1"/>
+              <a:t>Don’t</a:t>
+            </a:r>
+            <a:r>
+              <a:rPr lang="da-DK" dirty="0"/>
+              <a:t> know</a:t>
+            </a:r>
+          </a:p>
+        </p:txBody>
+      </p:sp>
+      <p:sp>
+        <p:nvSpPr>
+          <p:cNvPr id="4" name="Smiley Face 3"/>
+          <p:cNvSpPr/>
+          <p:nvPr/>
+        </p:nvSpPr>
+        <p:spPr>
+          <a:xfrm>
+            <a:off x="2390158" y="5018667"/>
+            <a:ext cx="374567" cy="363338"/>
+          </a:xfrm>
+          <a:prstGeom prst="smileyFace">
+            <a:avLst>
+              <a:gd name="adj" fmla="val -4653"/>
+            </a:avLst>
+          </a:prstGeom>
+          <a:solidFill>
+            <a:srgbClr val="FFFF00"/>
+          </a:solidFill>
+          <a:ln>
+            <a:solidFill>
+              <a:schemeClr val="tx1">
+                <a:lumMod val="95000"/>
+                <a:lumOff val="5000"/>
+              </a:schemeClr>
+            </a:solidFill>
+          </a:ln>
+        </p:spPr>
+        <p:style>
+          <a:lnRef idx="2">
+            <a:schemeClr val="accent1">
+              <a:shade val="50000"/>
+            </a:schemeClr>
+          </a:lnRef>
+          <a:fillRef idx="1">
+            <a:schemeClr val="accent1"/>
+          </a:fillRef>
+          <a:effectRef idx="0">
+            <a:schemeClr val="accent1"/>
+          </a:effectRef>
+          <a:fontRef idx="minor">
+            <a:schemeClr val="lt1"/>
+          </a:fontRef>
+        </p:style>
+        <p:txBody>
+          <a:bodyPr rtlCol="0" anchor="ctr"/>
+          <a:lstStyle/>
+          <a:p>
+            <a:pPr algn="ctr"/>
+            <a:endParaRPr lang="en-US" dirty="0"/>
+          </a:p>
+        </p:txBody>
+      </p:sp>
+    </p:spTree>
+    <p:extLst>
+      <p:ext uri="{BB962C8B-B14F-4D97-AF65-F5344CB8AC3E}">
+        <p14:creationId xmlns:p14="http://schemas.microsoft.com/office/powerpoint/2010/main" val="2705371955"/>
+      </p:ext>
+    </p:extLst>
+  </p:cSld>
+  <p:clrMapOvr>
+    <a:masterClrMapping/>
+  </p:clrMapOvr>
+  <p:timing>
+    <p:tnLst>
+      <p:par>
+        <p:cTn id="1" dur="indefinite" restart="never" nodeType="tmRoot">
+          <p:childTnLst>
+            <p:seq concurrent="1" nextAc="seek">
+              <p:cTn id="2" dur="indefinite" nodeType="mainSeq">
+                <p:childTnLst>
+                  <p:par>
+                    <p:cTn id="3" fill="hold">
+                      <p:stCondLst>
+                        <p:cond delay="indefinite"/>
+                      </p:stCondLst>
+                      <p:childTnLst>
+                        <p:par>
+                          <p:cTn id="4" fill="hold">
+                            <p:stCondLst>
+                              <p:cond delay="0"/>
+                            </p:stCondLst>
+                            <p:childTnLst>
+                              <p:par>
+                                <p:cTn id="5" presetID="10" presetClass="entr" presetSubtype="0" fill="hold" grpId="0" nodeType="clickEffect">
+                                  <p:stCondLst>
+                                    <p:cond delay="0"/>
+                                  </p:stCondLst>
+                                  <p:childTnLst>
+                                    <p:set>
+                                      <p:cBhvr>
+                                        <p:cTn id="6" dur="1" fill="hold">
+                                          <p:stCondLst>
+                                            <p:cond delay="0"/>
+                                          </p:stCondLst>
+                                        </p:cTn>
+                                        <p:tgtEl>
+                                          <p:spTgt spid="4"/>
+                                        </p:tgtEl>
+                                        <p:attrNameLst>
+                                          <p:attrName>style.visibility</p:attrName>
+                                        </p:attrNameLst>
+                                      </p:cBhvr>
+                                      <p:to>
+                                        <p:strVal val="visible"/>
+                                      </p:to>
+                                    </p:set>
+                                    <p:animEffect transition="in" filter="fade">
+                                      <p:cBhvr>
+                                        <p:cTn id="7" dur="500"/>
+                                        <p:tgtEl>
+                                          <p:spTgt spid="4"/>
+                                        </p:tgtEl>
+                                      </p:cBhvr>
+                                    </p:animEffect>
+                                  </p:childTnLst>
+                                </p:cTn>
+                              </p:par>
+                            </p:childTnLst>
+                          </p:cTn>
+                        </p:par>
+                      </p:childTnLst>
+                    </p:cTn>
+                  </p:par>
+                </p:childTnLst>
+              </p:cTn>
+              <p:prevCondLst>
+                <p:cond evt="onPrev" delay="0">
+                  <p:tgtEl>
+                    <p:sldTgt/>
+                  </p:tgtEl>
+                </p:cond>
+              </p:prevCondLst>
+              <p:nextCondLst>
+                <p:cond evt="onNext" delay="0">
+                  <p:tgtEl>
+                    <p:sldTgt/>
+                  </p:tgtEl>
+                </p:cond>
+              </p:nextCondLst>
+            </p:seq>
+          </p:childTnLst>
+        </p:cTn>
+      </p:par>
+    </p:tnLst>
+    <p:bldLst>
+      <p:bldP spid="4" grpId="0" animBg="1"/>
+    </p:bldLst>
+  </p:timing>
+</p:sld>
+</file>
+
+<file path=ppt/slides/slide12.xml><?xml version="1.0" encoding="utf-8"?>
+<p:sld xmlns:a="http://schemas.openxmlformats.org/drawingml/2006/main" xmlns:r="http://schemas.openxmlformats.org/officeDocument/2006/relationships" xmlns:p="http://schemas.openxmlformats.org/presentationml/2006/main">
+  <p:cSld>
+    <p:bg>
+      <p:bgPr>
+        <a:solidFill>
+          <a:schemeClr val="bg1"/>
+        </a:solidFill>
+        <a:effectLst/>
+      </p:bgPr>
+    </p:bg>
+    <p:spTree>
+      <p:nvGrpSpPr>
+        <p:cNvPr id="1" name=""/>
+        <p:cNvGrpSpPr/>
+        <p:nvPr/>
+      </p:nvGrpSpPr>
+      <p:grpSpPr>
+        <a:xfrm>
+          <a:off x="0" y="0"/>
+          <a:ext cx="0" cy="0"/>
+          <a:chOff x="0" y="0"/>
+          <a:chExt cx="0" cy="0"/>
+        </a:xfrm>
+      </p:grpSpPr>
+      <p:sp>
+        <p:nvSpPr>
+          <p:cNvPr id="2" name="Title 1"/>
+          <p:cNvSpPr>
+            <a:spLocks noGrp="1"/>
+          </p:cNvSpPr>
+          <p:nvPr>
+            <p:ph type="title"/>
+          </p:nvPr>
+        </p:nvSpPr>
+        <p:spPr>
+          <a:xfrm>
+            <a:off x="345337" y="118513"/>
+            <a:ext cx="6543101" cy="1325563"/>
+          </a:xfrm>
+        </p:spPr>
+        <p:txBody>
+          <a:bodyPr/>
+          <a:lstStyle/>
+          <a:p>
+            <a:r>
+              <a:rPr lang="en-US" dirty="0"/>
+              <a:t>Sets of (frozen) sets</a:t>
+            </a:r>
+          </a:p>
+        </p:txBody>
+      </p:sp>
+      <p:sp>
+        <p:nvSpPr>
+          <p:cNvPr id="3" name="Content Placeholder 2"/>
+          <p:cNvSpPr>
+            <a:spLocks noGrp="1"/>
+          </p:cNvSpPr>
+          <p:nvPr>
+            <p:ph idx="1"/>
+          </p:nvPr>
+        </p:nvSpPr>
+        <p:spPr>
+          <a:xfrm>
+            <a:off x="453661" y="1280160"/>
+            <a:ext cx="11647351" cy="1325563"/>
+          </a:xfrm>
+        </p:spPr>
+        <p:txBody>
+          <a:bodyPr>
+            <a:normAutofit/>
+          </a:bodyPr>
+          <a:lstStyle/>
+          <a:p>
+            <a:r>
+              <a:rPr lang="da-DK" dirty="0"/>
+              <a:t>Sets </a:t>
+            </a:r>
+            <a:r>
+              <a:rPr lang="da-DK" dirty="0" err="1"/>
+              <a:t>are</a:t>
+            </a:r>
+            <a:r>
+              <a:rPr lang="da-DK" dirty="0"/>
+              <a:t> mutable, i.e. </a:t>
+            </a:r>
+            <a:r>
+              <a:rPr lang="da-DK" dirty="0" err="1"/>
+              <a:t>cannot</a:t>
+            </a:r>
+            <a:r>
+              <a:rPr lang="da-DK" dirty="0"/>
+              <a:t> </a:t>
+            </a:r>
+            <a:r>
+              <a:rPr lang="da-DK" dirty="0" err="1"/>
+              <a:t>be</a:t>
+            </a:r>
+            <a:r>
+              <a:rPr lang="da-DK" dirty="0"/>
+              <a:t> </a:t>
+            </a:r>
+            <a:r>
+              <a:rPr lang="da-DK" dirty="0" err="1"/>
+              <a:t>used</a:t>
+            </a:r>
+            <a:r>
+              <a:rPr lang="da-DK" dirty="0"/>
+              <a:t> as </a:t>
+            </a:r>
+            <a:r>
+              <a:rPr lang="da-DK" dirty="0" err="1"/>
+              <a:t>dictionary</a:t>
+            </a:r>
+            <a:r>
+              <a:rPr lang="da-DK" dirty="0"/>
+              <a:t> </a:t>
+            </a:r>
+            <a:r>
+              <a:rPr lang="da-DK" dirty="0" err="1"/>
+              <a:t>keys</a:t>
+            </a:r>
+            <a:r>
+              <a:rPr lang="da-DK" dirty="0"/>
+              <a:t> or elements in sets</a:t>
+            </a:r>
+          </a:p>
+          <a:p>
+            <a:r>
+              <a:rPr lang="da-DK" dirty="0" err="1"/>
+              <a:t>Frozen</a:t>
+            </a:r>
+            <a:r>
+              <a:rPr lang="da-DK" dirty="0"/>
+              <a:t> sets </a:t>
+            </a:r>
+            <a:r>
+              <a:rPr lang="da-DK" dirty="0" err="1"/>
+              <a:t>can</a:t>
+            </a:r>
+            <a:endParaRPr lang="en-US" dirty="0"/>
+          </a:p>
+        </p:txBody>
+      </p:sp>
+      <p:sp>
+        <p:nvSpPr>
+          <p:cNvPr id="5" name="Content Placeholder 2"/>
+          <p:cNvSpPr txBox="1">
+            <a:spLocks/>
+          </p:cNvSpPr>
+          <p:nvPr/>
+        </p:nvSpPr>
+        <p:spPr>
+          <a:xfrm>
+            <a:off x="6423183" y="561820"/>
+            <a:ext cx="5677829" cy="4351338"/>
+          </a:xfrm>
+          <a:prstGeom prst="rect">
+            <a:avLst/>
+          </a:prstGeom>
+        </p:spPr>
+        <p:txBody>
+          <a:bodyPr vert="horz" lIns="91440" tIns="45720" rIns="91440" bIns="45720" rtlCol="0">
+            <a:normAutofit/>
+          </a:bodyPr>
+          <a:lstStyle>
+            <a:lvl1pPr marL="357188" indent="-357188" algn="l" defTabSz="914400" rtl="0" eaLnBrk="1" latinLnBrk="0" hangingPunct="1">
+              <a:lnSpc>
+                <a:spcPct val="90000"/>
+              </a:lnSpc>
+              <a:spcBef>
+                <a:spcPts val="1000"/>
+              </a:spcBef>
+              <a:buClr>
+                <a:srgbClr val="C00000"/>
+              </a:buClr>
+              <a:buFont typeface="Wingdings" panose="05000000000000000000" pitchFamily="2" charset="2"/>
+              <a:buChar char="§"/>
+              <a:defRPr sz="2800" kern="1200">
+                <a:solidFill>
+                  <a:schemeClr val="tx1"/>
+                </a:solidFill>
+                <a:latin typeface="+mn-lt"/>
+                <a:ea typeface="+mn-ea"/>
+                <a:cs typeface="+mn-cs"/>
+              </a:defRPr>
+            </a:lvl1pPr>
+            <a:lvl2pPr marL="685800" indent="-228600" algn="l" defTabSz="914400" rtl="0" eaLnBrk="1" latinLnBrk="0" hangingPunct="1">
+              <a:lnSpc>
+                <a:spcPct val="90000"/>
+              </a:lnSpc>
+              <a:spcBef>
+                <a:spcPts val="500"/>
+              </a:spcBef>
+              <a:buFont typeface="Arial" panose="020B0604020202020204" pitchFamily="34" charset="0"/>
+              <a:buChar char="•"/>
+              <a:defRPr sz="2400" kern="1200">
+                <a:solidFill>
+                  <a:schemeClr val="tx1"/>
+                </a:solidFill>
+                <a:latin typeface="+mn-lt"/>
+                <a:ea typeface="+mn-ea"/>
+                <a:cs typeface="+mn-cs"/>
+              </a:defRPr>
+            </a:lvl2pPr>
+            <a:lvl3pPr marL="1143000" indent="-228600" algn="l" defTabSz="914400" rtl="0" eaLnBrk="1" latinLnBrk="0" hangingPunct="1">
+              <a:lnSpc>
+                <a:spcPct val="90000"/>
+              </a:lnSpc>
+              <a:spcBef>
+                <a:spcPts val="500"/>
+              </a:spcBef>
+              <a:buFont typeface="Arial" panose="020B0604020202020204" pitchFamily="34" charset="0"/>
+              <a:buChar char="•"/>
+              <a:defRPr sz="2000" kern="1200">
+                <a:solidFill>
+                  <a:schemeClr val="tx1"/>
+                </a:solidFill>
+                <a:latin typeface="+mn-lt"/>
+                <a:ea typeface="+mn-ea"/>
+                <a:cs typeface="+mn-cs"/>
+              </a:defRPr>
+            </a:lvl3pPr>
+            <a:lvl4pPr marL="1600200" indent="-228600" algn="l" defTabSz="914400" rtl="0" eaLnBrk="1" latinLnBrk="0" hangingPunct="1">
+              <a:lnSpc>
+                <a:spcPct val="90000"/>
+              </a:lnSpc>
+              <a:spcBef>
+                <a:spcPts val="500"/>
+              </a:spcBef>
+              <a:buFont typeface="Arial" panose="020B0604020202020204" pitchFamily="34" charset="0"/>
+              <a:buChar char="•"/>
+              <a:defRPr sz="1800" kern="1200">
+                <a:solidFill>
+                  <a:schemeClr val="tx1"/>
+                </a:solidFill>
+                <a:latin typeface="+mn-lt"/>
+                <a:ea typeface="+mn-ea"/>
+                <a:cs typeface="+mn-cs"/>
+              </a:defRPr>
+            </a:lvl4pPr>
+            <a:lvl5pPr marL="2057400" indent="-228600" algn="l" defTabSz="914400" rtl="0" eaLnBrk="1" latinLnBrk="0" hangingPunct="1">
+              <a:lnSpc>
+                <a:spcPct val="90000"/>
+              </a:lnSpc>
+              <a:spcBef>
+                <a:spcPts val="500"/>
+              </a:spcBef>
+              <a:buFont typeface="Arial" panose="020B0604020202020204" pitchFamily="34" charset="0"/>
+              <a:buChar char="•"/>
+              <a:defRPr sz="1800" kern="1200">
+                <a:solidFill>
+                  <a:schemeClr val="tx1"/>
+                </a:solidFill>
+                <a:latin typeface="+mn-lt"/>
+                <a:ea typeface="+mn-ea"/>
+                <a:cs typeface="+mn-cs"/>
+              </a:defRPr>
+            </a:lvl5pPr>
+            <a:lvl6pPr marL="2514600" indent="-228600" algn="l" defTabSz="914400" rtl="0" eaLnBrk="1" latinLnBrk="0" hangingPunct="1">
+              <a:lnSpc>
+                <a:spcPct val="90000"/>
+              </a:lnSpc>
+              <a:spcBef>
+                <a:spcPts val="500"/>
+              </a:spcBef>
+              <a:buFont typeface="Arial" panose="020B0604020202020204" pitchFamily="34" charset="0"/>
+              <a:buChar char="•"/>
+              <a:defRPr sz="1800" kern="1200">
+                <a:solidFill>
+                  <a:schemeClr val="tx1"/>
+                </a:solidFill>
+                <a:latin typeface="+mn-lt"/>
+                <a:ea typeface="+mn-ea"/>
+                <a:cs typeface="+mn-cs"/>
+              </a:defRPr>
+            </a:lvl6pPr>
+            <a:lvl7pPr marL="2971800" indent="-228600" algn="l" defTabSz="914400" rtl="0" eaLnBrk="1" latinLnBrk="0" hangingPunct="1">
+              <a:lnSpc>
+                <a:spcPct val="90000"/>
+              </a:lnSpc>
+              <a:spcBef>
+                <a:spcPts val="500"/>
+              </a:spcBef>
+              <a:buFont typeface="Arial" panose="020B0604020202020204" pitchFamily="34" charset="0"/>
+              <a:buChar char="•"/>
+              <a:defRPr sz="1800" kern="1200">
+                <a:solidFill>
+                  <a:schemeClr val="tx1"/>
+                </a:solidFill>
+                <a:latin typeface="+mn-lt"/>
+                <a:ea typeface="+mn-ea"/>
+                <a:cs typeface="+mn-cs"/>
+              </a:defRPr>
+            </a:lvl7pPr>
+            <a:lvl8pPr marL="3429000" indent="-228600" algn="l" defTabSz="914400" rtl="0" eaLnBrk="1" latinLnBrk="0" hangingPunct="1">
+              <a:lnSpc>
+                <a:spcPct val="90000"/>
+              </a:lnSpc>
+              <a:spcBef>
+                <a:spcPts val="500"/>
+              </a:spcBef>
+              <a:buFont typeface="Arial" panose="020B0604020202020204" pitchFamily="34" charset="0"/>
+              <a:buChar char="•"/>
+              <a:defRPr sz="1800" kern="1200">
+                <a:solidFill>
+                  <a:schemeClr val="tx1"/>
+                </a:solidFill>
+                <a:latin typeface="+mn-lt"/>
+                <a:ea typeface="+mn-ea"/>
+                <a:cs typeface="+mn-cs"/>
+              </a:defRPr>
+            </a:lvl8pPr>
+            <a:lvl9pPr marL="3886200" indent="-228600" algn="l" defTabSz="914400" rtl="0" eaLnBrk="1" latinLnBrk="0" hangingPunct="1">
+              <a:lnSpc>
+                <a:spcPct val="90000"/>
+              </a:lnSpc>
+              <a:spcBef>
+                <a:spcPts val="500"/>
+              </a:spcBef>
+              <a:buFont typeface="Arial" panose="020B0604020202020204" pitchFamily="34" charset="0"/>
+              <a:buChar char="•"/>
+              <a:defRPr sz="1800" kern="1200">
+                <a:solidFill>
+                  <a:schemeClr val="tx1"/>
+                </a:solidFill>
+                <a:latin typeface="+mn-lt"/>
+                <a:ea typeface="+mn-ea"/>
+                <a:cs typeface="+mn-cs"/>
+              </a:defRPr>
+            </a:lvl9pPr>
+          </a:lstStyle>
+          <a:p>
+            <a:endParaRPr lang="en-US" dirty="0"/>
+          </a:p>
+        </p:txBody>
+      </p:sp>
+      <p:graphicFrame>
+        <p:nvGraphicFramePr>
           <p:cNvPr id="7" name="Table 6"/>
           <p:cNvGraphicFramePr>
             <a:graphicFrameLocks noGrp="1"/>
@@ -7114,7 +9657,7 @@
 </p:sld>
 </file>
 
-<file path=ppt/slides/slide12.xml><?xml version="1.0" encoding="utf-8"?>
+<file path=ppt/slides/slide13.xml><?xml version="1.0" encoding="utf-8"?>
 <p:sld xmlns:a="http://schemas.openxmlformats.org/drawingml/2006/main" xmlns:r="http://schemas.openxmlformats.org/officeDocument/2006/relationships" xmlns:p="http://schemas.openxmlformats.org/presentationml/2006/main">
   <p:cSld>
     <p:spTree>
@@ -8091,7 +10634,7 @@
 </p:sld>
 </file>
 
-<file path=ppt/slides/slide13.xml><?xml version="1.0" encoding="utf-8"?>
+<file path=ppt/slides/slide14.xml><?xml version="1.0" encoding="utf-8"?>
 <p:sld xmlns:a="http://schemas.openxmlformats.org/drawingml/2006/main" xmlns:r="http://schemas.openxmlformats.org/officeDocument/2006/relationships" xmlns:p="http://schemas.openxmlformats.org/presentationml/2006/main">
   <p:cSld>
     <p:spTree>
@@ -8470,7 +11013,7 @@
               <a:t>hashable</a:t>
             </a:r>
             <a:r>
-              <a:rPr lang="da-DK"/>
+              <a:rPr lang="da-DK" dirty="0"/>
               <a:t>. In </a:t>
             </a:r>
             <a:r>
@@ -8650,7 +11193,7 @@
 </p:sld>
 </file>
 
-<file path=ppt/slides/slide14.xml><?xml version="1.0" encoding="utf-8"?>
+<file path=ppt/slides/slide15.xml><?xml version="1.0" encoding="utf-8"?>
 <p:sld xmlns:a="http://schemas.openxmlformats.org/drawingml/2006/main" xmlns:r="http://schemas.openxmlformats.org/officeDocument/2006/relationships" xmlns:p="http://schemas.openxmlformats.org/presentationml/2006/main">
   <p:cSld>
     <p:bg>
@@ -10454,7 +12997,7 @@
 </p:sld>
 </file>
 
-<file path=ppt/slides/slide15.xml><?xml version="1.0" encoding="utf-8"?>
+<file path=ppt/slides/slide16.xml><?xml version="1.0" encoding="utf-8"?>
 <p:sld xmlns:a="http://schemas.openxmlformats.org/drawingml/2006/main" xmlns:r="http://schemas.openxmlformats.org/officeDocument/2006/relationships" xmlns:p="http://schemas.openxmlformats.org/presentationml/2006/main">
   <p:cSld>
     <p:spTree>
@@ -10909,7 +13452,7 @@
 </p:sld>
 </file>
 
-<file path=ppt/slides/slide16.xml><?xml version="1.0" encoding="utf-8"?>
+<file path=ppt/slides/slide17.xml><?xml version="1.0" encoding="utf-8"?>
 <p:sld xmlns:a="http://schemas.openxmlformats.org/drawingml/2006/main" xmlns:r="http://schemas.openxmlformats.org/officeDocument/2006/relationships" xmlns:p="http://schemas.openxmlformats.org/presentationml/2006/main">
   <p:cSld>
     <p:spTree>
@@ -11929,7 +14472,7 @@
 </p:sld>
 </file>
 
-<file path=ppt/slides/slide17.xml><?xml version="1.0" encoding="utf-8"?>
+<file path=ppt/slides/slide18.xml><?xml version="1.0" encoding="utf-8"?>
 <p:sld xmlns:a="http://schemas.openxmlformats.org/drawingml/2006/main" xmlns:r="http://schemas.openxmlformats.org/officeDocument/2006/relationships" xmlns:p="http://schemas.openxmlformats.org/presentationml/2006/main">
   <p:cSld>
     <p:spTree>
@@ -13024,7 +15567,7 @@
 </p:sld>
 </file>
 
-<file path=ppt/slides/slide18.xml><?xml version="1.0" encoding="utf-8"?>
+<file path=ppt/slides/slide19.xml><?xml version="1.0" encoding="utf-8"?>
 <p:sld xmlns:a="http://schemas.openxmlformats.org/drawingml/2006/main" xmlns:r="http://schemas.openxmlformats.org/officeDocument/2006/relationships" xmlns:p="http://schemas.openxmlformats.org/presentationml/2006/main">
   <p:cSld>
     <p:spTree>
@@ -14396,551 +16939,6 @@
     <p:extLst>
       <p:ext uri="{BB962C8B-B14F-4D97-AF65-F5344CB8AC3E}">
         <p14:creationId xmlns:p14="http://schemas.microsoft.com/office/powerpoint/2010/main" val="976103109"/>
-      </p:ext>
-    </p:extLst>
-  </p:cSld>
-  <p:clrMapOvr>
-    <a:masterClrMapping/>
-  </p:clrMapOvr>
-</p:sld>
-</file>
-
-<file path=ppt/slides/slide19.xml><?xml version="1.0" encoding="utf-8"?>
-<p:sld xmlns:a="http://schemas.openxmlformats.org/drawingml/2006/main" xmlns:r="http://schemas.openxmlformats.org/officeDocument/2006/relationships" xmlns:p="http://schemas.openxmlformats.org/presentationml/2006/main">
-  <p:cSld>
-    <p:spTree>
-      <p:nvGrpSpPr>
-        <p:cNvPr id="1" name=""/>
-        <p:cNvGrpSpPr/>
-        <p:nvPr/>
-      </p:nvGrpSpPr>
-      <p:grpSpPr>
-        <a:xfrm>
-          <a:off x="0" y="0"/>
-          <a:ext cx="0" cy="0"/>
-          <a:chOff x="0" y="0"/>
-          <a:chExt cx="0" cy="0"/>
-        </a:xfrm>
-      </p:grpSpPr>
-      <p:sp>
-        <p:nvSpPr>
-          <p:cNvPr id="4" name="Rectangle 3"/>
-          <p:cNvSpPr/>
-          <p:nvPr/>
-        </p:nvSpPr>
-        <p:spPr>
-          <a:xfrm>
-            <a:off x="228600" y="280445"/>
-            <a:ext cx="11730789" cy="6370721"/>
-          </a:xfrm>
-          <a:prstGeom prst="rect">
-            <a:avLst/>
-          </a:prstGeom>
-          <a:solidFill>
-            <a:schemeClr val="accent6">
-              <a:lumMod val="20000"/>
-              <a:lumOff val="80000"/>
-            </a:schemeClr>
-          </a:solidFill>
-          <a:ln>
-            <a:solidFill>
-              <a:schemeClr val="tx1"/>
-            </a:solidFill>
-          </a:ln>
-        </p:spPr>
-        <p:style>
-          <a:lnRef idx="2">
-            <a:schemeClr val="accent1">
-              <a:shade val="50000"/>
-            </a:schemeClr>
-          </a:lnRef>
-          <a:fillRef idx="1">
-            <a:schemeClr val="accent1"/>
-          </a:fillRef>
-          <a:effectRef idx="0">
-            <a:schemeClr val="accent1"/>
-          </a:effectRef>
-          <a:fontRef idx="minor">
-            <a:schemeClr val="lt1"/>
-          </a:fontRef>
-        </p:style>
-        <p:txBody>
-          <a:bodyPr rtlCol="0" anchor="ctr"/>
-          <a:lstStyle/>
-          <a:p>
-            <a:pPr algn="ctr"/>
-            <a:endParaRPr lang="en-US"/>
-          </a:p>
-        </p:txBody>
-      </p:sp>
-      <p:sp>
-        <p:nvSpPr>
-          <p:cNvPr id="2" name="Title 1"/>
-          <p:cNvSpPr>
-            <a:spLocks noGrp="1"/>
-          </p:cNvSpPr>
-          <p:nvPr>
-            <p:ph type="title"/>
-          </p:nvPr>
-        </p:nvSpPr>
-        <p:spPr/>
-        <p:txBody>
-          <a:bodyPr/>
-          <a:lstStyle/>
-          <a:p>
-            <a:r>
-              <a:rPr lang="en-US" dirty="0" err="1"/>
-              <a:t>Handin</a:t>
-            </a:r>
-            <a:r>
-              <a:rPr lang="en-US" dirty="0"/>
-              <a:t> 3 &amp; 4 – Triplet distance (Dobson, 1975)</a:t>
-            </a:r>
-          </a:p>
-        </p:txBody>
-      </p:sp>
-      <p:sp>
-        <p:nvSpPr>
-          <p:cNvPr id="3" name="Content Placeholder 2"/>
-          <p:cNvSpPr>
-            <a:spLocks noGrp="1"/>
-          </p:cNvSpPr>
-          <p:nvPr>
-            <p:ph idx="1"/>
-          </p:nvPr>
-        </p:nvSpPr>
-        <p:spPr>
-          <a:xfrm>
-            <a:off x="2550622" y="2141034"/>
-            <a:ext cx="7258396" cy="4367357"/>
-          </a:xfrm>
-        </p:spPr>
-        <p:txBody>
-          <a:bodyPr>
-            <a:normAutofit fontScale="47500" lnSpcReduction="20000"/>
-          </a:bodyPr>
-          <a:lstStyle/>
-          <a:p>
-            <a:pPr marL="0" indent="0">
-              <a:spcBef>
-                <a:spcPts val="600"/>
-              </a:spcBef>
-              <a:buNone/>
-            </a:pPr>
-            <a:r>
-              <a:rPr lang="en-US" dirty="0">
-                <a:latin typeface="Courier New" panose="02070309020205020404" pitchFamily="49" charset="0"/>
-                <a:cs typeface="Courier New" panose="02070309020205020404" pitchFamily="49" charset="0"/>
-              </a:rPr>
-              <a:t>((('A','F'),'B'),('D',('C','E')))   (((('D','A'),'B'),'F'),('C','E'))</a:t>
-            </a:r>
-          </a:p>
-          <a:p>
-            <a:pPr marL="0" indent="0">
-              <a:spcBef>
-                <a:spcPts val="600"/>
-              </a:spcBef>
-              <a:buNone/>
-            </a:pPr>
-            <a:endParaRPr lang="en-US" dirty="0">
-              <a:latin typeface="Courier New" panose="02070309020205020404" pitchFamily="49" charset="0"/>
-              <a:cs typeface="Courier New" panose="02070309020205020404" pitchFamily="49" charset="0"/>
-            </a:endParaRPr>
-          </a:p>
-          <a:p>
-            <a:pPr marL="0" indent="0">
-              <a:spcBef>
-                <a:spcPts val="600"/>
-              </a:spcBef>
-              <a:buNone/>
-            </a:pPr>
-            <a:r>
-              <a:rPr lang="en-US" dirty="0">
-                <a:latin typeface="Courier New" panose="02070309020205020404" pitchFamily="49" charset="0"/>
-                <a:cs typeface="Courier New" panose="02070309020205020404" pitchFamily="49" charset="0"/>
-              </a:rPr>
-              <a:t>              (a)                                     (b)</a:t>
-            </a:r>
-          </a:p>
-          <a:p>
-            <a:pPr marL="0" indent="0">
-              <a:spcBef>
-                <a:spcPts val="600"/>
-              </a:spcBef>
-              <a:buNone/>
-            </a:pPr>
-            <a:endParaRPr lang="en-US" dirty="0">
-              <a:latin typeface="Courier New" panose="02070309020205020404" pitchFamily="49" charset="0"/>
-              <a:cs typeface="Courier New" panose="02070309020205020404" pitchFamily="49" charset="0"/>
-            </a:endParaRPr>
-          </a:p>
-          <a:p>
-            <a:pPr marL="0" indent="0">
-              <a:spcBef>
-                <a:spcPts val="600"/>
-              </a:spcBef>
-              <a:buNone/>
-            </a:pPr>
-            <a:r>
-              <a:rPr lang="en-US" dirty="0">
-                <a:latin typeface="Courier New" panose="02070309020205020404" pitchFamily="49" charset="0"/>
-                <a:cs typeface="Courier New" panose="02070309020205020404" pitchFamily="49" charset="0"/>
-              </a:rPr>
-              <a:t>               /\                                      /\</a:t>
-            </a:r>
-          </a:p>
-          <a:p>
-            <a:pPr marL="0" indent="0">
-              <a:spcBef>
-                <a:spcPts val="600"/>
-              </a:spcBef>
-              <a:buNone/>
-            </a:pPr>
-            <a:r>
-              <a:rPr lang="en-US" dirty="0">
-                <a:latin typeface="Courier New" panose="02070309020205020404" pitchFamily="49" charset="0"/>
-                <a:cs typeface="Courier New" panose="02070309020205020404" pitchFamily="49" charset="0"/>
-              </a:rPr>
-              <a:t>              /  \                                    /  \</a:t>
-            </a:r>
-          </a:p>
-          <a:p>
-            <a:pPr marL="0" indent="0">
-              <a:spcBef>
-                <a:spcPts val="600"/>
-              </a:spcBef>
-              <a:buNone/>
-            </a:pPr>
-            <a:r>
-              <a:rPr lang="en-US" dirty="0">
-                <a:latin typeface="Courier New" panose="02070309020205020404" pitchFamily="49" charset="0"/>
-                <a:cs typeface="Courier New" panose="02070309020205020404" pitchFamily="49" charset="0"/>
-              </a:rPr>
-              <a:t>             /    \                                  /    \</a:t>
-            </a:r>
-          </a:p>
-          <a:p>
-            <a:pPr marL="0" indent="0">
-              <a:spcBef>
-                <a:spcPts val="600"/>
-              </a:spcBef>
-              <a:buNone/>
-            </a:pPr>
-            <a:r>
-              <a:rPr lang="en-US" dirty="0">
-                <a:latin typeface="Courier New" panose="02070309020205020404" pitchFamily="49" charset="0"/>
-                <a:cs typeface="Courier New" panose="02070309020205020404" pitchFamily="49" charset="0"/>
-              </a:rPr>
-              <a:t>            /      \                                /      \</a:t>
-            </a:r>
-          </a:p>
-          <a:p>
-            <a:pPr marL="0" indent="0">
-              <a:spcBef>
-                <a:spcPts val="600"/>
-              </a:spcBef>
-              <a:buNone/>
-            </a:pPr>
-            <a:r>
-              <a:rPr lang="en-US" dirty="0">
-                <a:latin typeface="Courier New" panose="02070309020205020404" pitchFamily="49" charset="0"/>
-                <a:cs typeface="Courier New" panose="02070309020205020404" pitchFamily="49" charset="0"/>
-              </a:rPr>
-              <a:t>           /        \                              /        \</a:t>
-            </a:r>
-          </a:p>
-          <a:p>
-            <a:pPr marL="0" indent="0">
-              <a:spcBef>
-                <a:spcPts val="600"/>
-              </a:spcBef>
-              <a:buNone/>
-            </a:pPr>
-            <a:r>
-              <a:rPr lang="en-US" dirty="0">
-                <a:latin typeface="Courier New" panose="02070309020205020404" pitchFamily="49" charset="0"/>
-                <a:cs typeface="Courier New" panose="02070309020205020404" pitchFamily="49" charset="0"/>
-              </a:rPr>
-              <a:t>          /          \                            /          \</a:t>
-            </a:r>
-          </a:p>
-          <a:p>
-            <a:pPr marL="0" indent="0">
-              <a:spcBef>
-                <a:spcPts val="600"/>
-              </a:spcBef>
-              <a:buNone/>
-            </a:pPr>
-            <a:r>
-              <a:rPr lang="en-US" dirty="0">
-                <a:latin typeface="Courier New" panose="02070309020205020404" pitchFamily="49" charset="0"/>
-                <a:cs typeface="Courier New" panose="02070309020205020404" pitchFamily="49" charset="0"/>
-              </a:rPr>
-              <a:t>         /\          /\                          /\          /\</a:t>
-            </a:r>
-          </a:p>
-          <a:p>
-            <a:pPr marL="0" indent="0">
-              <a:spcBef>
-                <a:spcPts val="600"/>
-              </a:spcBef>
-              <a:buNone/>
-            </a:pPr>
-            <a:r>
-              <a:rPr lang="en-US" dirty="0">
-                <a:latin typeface="Courier New" panose="02070309020205020404" pitchFamily="49" charset="0"/>
-                <a:cs typeface="Courier New" panose="02070309020205020404" pitchFamily="49" charset="0"/>
-              </a:rPr>
-              <a:t>        /  \        /  \                        /  \        /  \</a:t>
-            </a:r>
-          </a:p>
-          <a:p>
-            <a:pPr marL="0" indent="0">
-              <a:spcBef>
-                <a:spcPts val="600"/>
-              </a:spcBef>
-              <a:buNone/>
-            </a:pPr>
-            <a:r>
-              <a:rPr lang="en-US" dirty="0">
-                <a:latin typeface="Courier New" panose="02070309020205020404" pitchFamily="49" charset="0"/>
-                <a:cs typeface="Courier New" panose="02070309020205020404" pitchFamily="49" charset="0"/>
-              </a:rPr>
-              <a:t>       /    \      /    \                      /    \     'C'  'E'</a:t>
-            </a:r>
-          </a:p>
-          <a:p>
-            <a:pPr marL="0" indent="0">
-              <a:spcBef>
-                <a:spcPts val="600"/>
-              </a:spcBef>
-              <a:buNone/>
-            </a:pPr>
-            <a:r>
-              <a:rPr lang="en-US" dirty="0">
-                <a:latin typeface="Courier New" panose="02070309020205020404" pitchFamily="49" charset="0"/>
-                <a:cs typeface="Courier New" panose="02070309020205020404" pitchFamily="49" charset="0"/>
-              </a:rPr>
-              <a:t>      /\    'B'  'D'    /\                    /      \</a:t>
-            </a:r>
-          </a:p>
-          <a:p>
-            <a:pPr marL="0" indent="0">
-              <a:spcBef>
-                <a:spcPts val="600"/>
-              </a:spcBef>
-              <a:buNone/>
-            </a:pPr>
-            <a:r>
-              <a:rPr lang="en-US" dirty="0">
-                <a:latin typeface="Courier New" panose="02070309020205020404" pitchFamily="49" charset="0"/>
-                <a:cs typeface="Courier New" panose="02070309020205020404" pitchFamily="49" charset="0"/>
-              </a:rPr>
-              <a:t>     /  \              /  \                  /\      'F'</a:t>
-            </a:r>
-          </a:p>
-          <a:p>
-            <a:pPr marL="0" indent="0">
-              <a:spcBef>
-                <a:spcPts val="600"/>
-              </a:spcBef>
-              <a:buNone/>
-            </a:pPr>
-            <a:r>
-              <a:rPr lang="en-US" dirty="0">
-                <a:latin typeface="Courier New" panose="02070309020205020404" pitchFamily="49" charset="0"/>
-                <a:cs typeface="Courier New" panose="02070309020205020404" pitchFamily="49" charset="0"/>
-              </a:rPr>
-              <a:t>   'A'  'F'          'C'  'E'               /  \</a:t>
-            </a:r>
-          </a:p>
-          <a:p>
-            <a:pPr marL="0" indent="0">
-              <a:spcBef>
-                <a:spcPts val="600"/>
-              </a:spcBef>
-              <a:buNone/>
-            </a:pPr>
-            <a:r>
-              <a:rPr lang="en-US" dirty="0">
-                <a:latin typeface="Courier New" panose="02070309020205020404" pitchFamily="49" charset="0"/>
-                <a:cs typeface="Courier New" panose="02070309020205020404" pitchFamily="49" charset="0"/>
-              </a:rPr>
-              <a:t>                                           /    \</a:t>
-            </a:r>
-          </a:p>
-          <a:p>
-            <a:pPr marL="0" indent="0">
-              <a:spcBef>
-                <a:spcPts val="600"/>
-              </a:spcBef>
-              <a:buNone/>
-            </a:pPr>
-            <a:r>
-              <a:rPr lang="en-US" dirty="0">
-                <a:latin typeface="Courier New" panose="02070309020205020404" pitchFamily="49" charset="0"/>
-                <a:cs typeface="Courier New" panose="02070309020205020404" pitchFamily="49" charset="0"/>
-              </a:rPr>
-              <a:t>                                          /\    'B'</a:t>
-            </a:r>
-          </a:p>
-          <a:p>
-            <a:pPr marL="0" indent="0">
-              <a:spcBef>
-                <a:spcPts val="600"/>
-              </a:spcBef>
-              <a:buNone/>
-            </a:pPr>
-            <a:r>
-              <a:rPr lang="en-US" dirty="0">
-                <a:latin typeface="Courier New" panose="02070309020205020404" pitchFamily="49" charset="0"/>
-                <a:cs typeface="Courier New" panose="02070309020205020404" pitchFamily="49" charset="0"/>
-              </a:rPr>
-              <a:t>                                         /  \</a:t>
-            </a:r>
-          </a:p>
-          <a:p>
-            <a:pPr marL="0" indent="0">
-              <a:spcBef>
-                <a:spcPts val="600"/>
-              </a:spcBef>
-              <a:buNone/>
-            </a:pPr>
-            <a:r>
-              <a:rPr lang="en-US" dirty="0">
-                <a:latin typeface="Courier New" panose="02070309020205020404" pitchFamily="49" charset="0"/>
-                <a:cs typeface="Courier New" panose="02070309020205020404" pitchFamily="49" charset="0"/>
-              </a:rPr>
-              <a:t>                                       'D'  'A'</a:t>
-            </a:r>
-          </a:p>
-        </p:txBody>
-      </p:sp>
-      <p:sp>
-        <p:nvSpPr>
-          <p:cNvPr id="8" name="TextBox 7"/>
-          <p:cNvSpPr txBox="1"/>
-          <p:nvPr/>
-        </p:nvSpPr>
-        <p:spPr>
-          <a:xfrm>
-            <a:off x="5169823" y="3180908"/>
-            <a:ext cx="2019993" cy="1384995"/>
-          </a:xfrm>
-          <a:prstGeom prst="rect">
-            <a:avLst/>
-          </a:prstGeom>
-          <a:noFill/>
-        </p:spPr>
-        <p:txBody>
-          <a:bodyPr wrap="square" rtlCol="0">
-            <a:spAutoFit/>
-          </a:bodyPr>
-          <a:lstStyle/>
-          <a:p>
-            <a:pPr algn="ctr"/>
-            <a:r>
-              <a:rPr lang="da-DK" sz="2800" dirty="0">
-                <a:solidFill>
-                  <a:srgbClr val="C00000"/>
-                </a:solidFill>
-              </a:rPr>
-              <a:t>How </a:t>
-            </a:r>
-            <a:r>
-              <a:rPr lang="da-DK" sz="2800" dirty="0" err="1">
-                <a:solidFill>
-                  <a:srgbClr val="C00000"/>
-                </a:solidFill>
-              </a:rPr>
-              <a:t>similar</a:t>
-            </a:r>
-            <a:r>
-              <a:rPr lang="da-DK" sz="2800" dirty="0">
-                <a:solidFill>
-                  <a:srgbClr val="C00000"/>
-                </a:solidFill>
-              </a:rPr>
-              <a:t> </a:t>
-            </a:r>
-            <a:r>
-              <a:rPr lang="da-DK" sz="2800" dirty="0" err="1">
-                <a:solidFill>
-                  <a:srgbClr val="C00000"/>
-                </a:solidFill>
-              </a:rPr>
-              <a:t>are</a:t>
-            </a:r>
-            <a:r>
-              <a:rPr lang="da-DK" sz="2800" dirty="0">
-                <a:solidFill>
-                  <a:srgbClr val="C00000"/>
-                </a:solidFill>
-              </a:rPr>
-              <a:t> the </a:t>
-            </a:r>
-            <a:r>
-              <a:rPr lang="da-DK" sz="2800" dirty="0" err="1">
-                <a:solidFill>
-                  <a:srgbClr val="C00000"/>
-                </a:solidFill>
-              </a:rPr>
-              <a:t>trees</a:t>
-            </a:r>
-            <a:r>
-              <a:rPr lang="da-DK" sz="2800" dirty="0">
-                <a:solidFill>
-                  <a:srgbClr val="C00000"/>
-                </a:solidFill>
-              </a:rPr>
-              <a:t> ?</a:t>
-            </a:r>
-            <a:endParaRPr lang="en-US" sz="2800" dirty="0">
-              <a:solidFill>
-                <a:srgbClr val="C00000"/>
-              </a:solidFill>
-            </a:endParaRPr>
-          </a:p>
-        </p:txBody>
-      </p:sp>
-      <p:sp>
-        <p:nvSpPr>
-          <p:cNvPr id="10" name="Rectangle 9"/>
-          <p:cNvSpPr/>
-          <p:nvPr/>
-        </p:nvSpPr>
-        <p:spPr>
-          <a:xfrm>
-            <a:off x="9278454" y="6210447"/>
-            <a:ext cx="2594043" cy="369332"/>
-          </a:xfrm>
-          <a:prstGeom prst="rect">
-            <a:avLst/>
-          </a:prstGeom>
-        </p:spPr>
-        <p:txBody>
-          <a:bodyPr wrap="none">
-            <a:spAutoFit/>
-          </a:bodyPr>
-          <a:lstStyle/>
-          <a:p>
-            <a:r>
-              <a:rPr lang="en-US" dirty="0">
-                <a:solidFill>
-                  <a:schemeClr val="bg2">
-                    <a:lumMod val="50000"/>
-                  </a:schemeClr>
-                </a:solidFill>
-              </a:rPr>
-              <a:t>arxiv.org/abs/1706.10284</a:t>
-            </a:r>
-          </a:p>
-        </p:txBody>
-      </p:sp>
-    </p:spTree>
-    <p:extLst>
-      <p:ext uri="{BB962C8B-B14F-4D97-AF65-F5344CB8AC3E}">
-        <p14:creationId xmlns:p14="http://schemas.microsoft.com/office/powerpoint/2010/main" val="336411019"/>
       </p:ext>
     </p:extLst>
   </p:cSld>
@@ -16318,6 +18316,551 @@
 </file>
 
 <file path=ppt/slides/slide20.xml><?xml version="1.0" encoding="utf-8"?>
+<p:sld xmlns:a="http://schemas.openxmlformats.org/drawingml/2006/main" xmlns:r="http://schemas.openxmlformats.org/officeDocument/2006/relationships" xmlns:p="http://schemas.openxmlformats.org/presentationml/2006/main">
+  <p:cSld>
+    <p:spTree>
+      <p:nvGrpSpPr>
+        <p:cNvPr id="1" name=""/>
+        <p:cNvGrpSpPr/>
+        <p:nvPr/>
+      </p:nvGrpSpPr>
+      <p:grpSpPr>
+        <a:xfrm>
+          <a:off x="0" y="0"/>
+          <a:ext cx="0" cy="0"/>
+          <a:chOff x="0" y="0"/>
+          <a:chExt cx="0" cy="0"/>
+        </a:xfrm>
+      </p:grpSpPr>
+      <p:sp>
+        <p:nvSpPr>
+          <p:cNvPr id="4" name="Rectangle 3"/>
+          <p:cNvSpPr/>
+          <p:nvPr/>
+        </p:nvSpPr>
+        <p:spPr>
+          <a:xfrm>
+            <a:off x="228600" y="280445"/>
+            <a:ext cx="11730789" cy="6370721"/>
+          </a:xfrm>
+          <a:prstGeom prst="rect">
+            <a:avLst/>
+          </a:prstGeom>
+          <a:solidFill>
+            <a:schemeClr val="accent6">
+              <a:lumMod val="20000"/>
+              <a:lumOff val="80000"/>
+            </a:schemeClr>
+          </a:solidFill>
+          <a:ln>
+            <a:solidFill>
+              <a:schemeClr val="tx1"/>
+            </a:solidFill>
+          </a:ln>
+        </p:spPr>
+        <p:style>
+          <a:lnRef idx="2">
+            <a:schemeClr val="accent1">
+              <a:shade val="50000"/>
+            </a:schemeClr>
+          </a:lnRef>
+          <a:fillRef idx="1">
+            <a:schemeClr val="accent1"/>
+          </a:fillRef>
+          <a:effectRef idx="0">
+            <a:schemeClr val="accent1"/>
+          </a:effectRef>
+          <a:fontRef idx="minor">
+            <a:schemeClr val="lt1"/>
+          </a:fontRef>
+        </p:style>
+        <p:txBody>
+          <a:bodyPr rtlCol="0" anchor="ctr"/>
+          <a:lstStyle/>
+          <a:p>
+            <a:pPr algn="ctr"/>
+            <a:endParaRPr lang="en-US"/>
+          </a:p>
+        </p:txBody>
+      </p:sp>
+      <p:sp>
+        <p:nvSpPr>
+          <p:cNvPr id="2" name="Title 1"/>
+          <p:cNvSpPr>
+            <a:spLocks noGrp="1"/>
+          </p:cNvSpPr>
+          <p:nvPr>
+            <p:ph type="title"/>
+          </p:nvPr>
+        </p:nvSpPr>
+        <p:spPr/>
+        <p:txBody>
+          <a:bodyPr/>
+          <a:lstStyle/>
+          <a:p>
+            <a:r>
+              <a:rPr lang="en-US" dirty="0" err="1"/>
+              <a:t>Handin</a:t>
+            </a:r>
+            <a:r>
+              <a:rPr lang="en-US" dirty="0"/>
+              <a:t> 3 &amp; 4 – Triplet distance (Dobson, 1975)</a:t>
+            </a:r>
+          </a:p>
+        </p:txBody>
+      </p:sp>
+      <p:sp>
+        <p:nvSpPr>
+          <p:cNvPr id="3" name="Content Placeholder 2"/>
+          <p:cNvSpPr>
+            <a:spLocks noGrp="1"/>
+          </p:cNvSpPr>
+          <p:nvPr>
+            <p:ph idx="1"/>
+          </p:nvPr>
+        </p:nvSpPr>
+        <p:spPr>
+          <a:xfrm>
+            <a:off x="2550622" y="2141034"/>
+            <a:ext cx="7258396" cy="4367357"/>
+          </a:xfrm>
+        </p:spPr>
+        <p:txBody>
+          <a:bodyPr>
+            <a:normAutofit fontScale="47500" lnSpcReduction="20000"/>
+          </a:bodyPr>
+          <a:lstStyle/>
+          <a:p>
+            <a:pPr marL="0" indent="0">
+              <a:spcBef>
+                <a:spcPts val="600"/>
+              </a:spcBef>
+              <a:buNone/>
+            </a:pPr>
+            <a:r>
+              <a:rPr lang="en-US" dirty="0">
+                <a:latin typeface="Courier New" panose="02070309020205020404" pitchFamily="49" charset="0"/>
+                <a:cs typeface="Courier New" panose="02070309020205020404" pitchFamily="49" charset="0"/>
+              </a:rPr>
+              <a:t>((('A','F'),'B'),('D',('C','E')))   (((('D','A'),'B'),'F'),('C','E'))</a:t>
+            </a:r>
+          </a:p>
+          <a:p>
+            <a:pPr marL="0" indent="0">
+              <a:spcBef>
+                <a:spcPts val="600"/>
+              </a:spcBef>
+              <a:buNone/>
+            </a:pPr>
+            <a:endParaRPr lang="en-US" dirty="0">
+              <a:latin typeface="Courier New" panose="02070309020205020404" pitchFamily="49" charset="0"/>
+              <a:cs typeface="Courier New" panose="02070309020205020404" pitchFamily="49" charset="0"/>
+            </a:endParaRPr>
+          </a:p>
+          <a:p>
+            <a:pPr marL="0" indent="0">
+              <a:spcBef>
+                <a:spcPts val="600"/>
+              </a:spcBef>
+              <a:buNone/>
+            </a:pPr>
+            <a:r>
+              <a:rPr lang="en-US" dirty="0">
+                <a:latin typeface="Courier New" panose="02070309020205020404" pitchFamily="49" charset="0"/>
+                <a:cs typeface="Courier New" panose="02070309020205020404" pitchFamily="49" charset="0"/>
+              </a:rPr>
+              <a:t>              (a)                                     (b)</a:t>
+            </a:r>
+          </a:p>
+          <a:p>
+            <a:pPr marL="0" indent="0">
+              <a:spcBef>
+                <a:spcPts val="600"/>
+              </a:spcBef>
+              <a:buNone/>
+            </a:pPr>
+            <a:endParaRPr lang="en-US" dirty="0">
+              <a:latin typeface="Courier New" panose="02070309020205020404" pitchFamily="49" charset="0"/>
+              <a:cs typeface="Courier New" panose="02070309020205020404" pitchFamily="49" charset="0"/>
+            </a:endParaRPr>
+          </a:p>
+          <a:p>
+            <a:pPr marL="0" indent="0">
+              <a:spcBef>
+                <a:spcPts val="600"/>
+              </a:spcBef>
+              <a:buNone/>
+            </a:pPr>
+            <a:r>
+              <a:rPr lang="en-US" dirty="0">
+                <a:latin typeface="Courier New" panose="02070309020205020404" pitchFamily="49" charset="0"/>
+                <a:cs typeface="Courier New" panose="02070309020205020404" pitchFamily="49" charset="0"/>
+              </a:rPr>
+              <a:t>               /\                                      /\</a:t>
+            </a:r>
+          </a:p>
+          <a:p>
+            <a:pPr marL="0" indent="0">
+              <a:spcBef>
+                <a:spcPts val="600"/>
+              </a:spcBef>
+              <a:buNone/>
+            </a:pPr>
+            <a:r>
+              <a:rPr lang="en-US" dirty="0">
+                <a:latin typeface="Courier New" panose="02070309020205020404" pitchFamily="49" charset="0"/>
+                <a:cs typeface="Courier New" panose="02070309020205020404" pitchFamily="49" charset="0"/>
+              </a:rPr>
+              <a:t>              /  \                                    /  \</a:t>
+            </a:r>
+          </a:p>
+          <a:p>
+            <a:pPr marL="0" indent="0">
+              <a:spcBef>
+                <a:spcPts val="600"/>
+              </a:spcBef>
+              <a:buNone/>
+            </a:pPr>
+            <a:r>
+              <a:rPr lang="en-US" dirty="0">
+                <a:latin typeface="Courier New" panose="02070309020205020404" pitchFamily="49" charset="0"/>
+                <a:cs typeface="Courier New" panose="02070309020205020404" pitchFamily="49" charset="0"/>
+              </a:rPr>
+              <a:t>             /    \                                  /    \</a:t>
+            </a:r>
+          </a:p>
+          <a:p>
+            <a:pPr marL="0" indent="0">
+              <a:spcBef>
+                <a:spcPts val="600"/>
+              </a:spcBef>
+              <a:buNone/>
+            </a:pPr>
+            <a:r>
+              <a:rPr lang="en-US" dirty="0">
+                <a:latin typeface="Courier New" panose="02070309020205020404" pitchFamily="49" charset="0"/>
+                <a:cs typeface="Courier New" panose="02070309020205020404" pitchFamily="49" charset="0"/>
+              </a:rPr>
+              <a:t>            /      \                                /      \</a:t>
+            </a:r>
+          </a:p>
+          <a:p>
+            <a:pPr marL="0" indent="0">
+              <a:spcBef>
+                <a:spcPts val="600"/>
+              </a:spcBef>
+              <a:buNone/>
+            </a:pPr>
+            <a:r>
+              <a:rPr lang="en-US" dirty="0">
+                <a:latin typeface="Courier New" panose="02070309020205020404" pitchFamily="49" charset="0"/>
+                <a:cs typeface="Courier New" panose="02070309020205020404" pitchFamily="49" charset="0"/>
+              </a:rPr>
+              <a:t>           /        \                              /        \</a:t>
+            </a:r>
+          </a:p>
+          <a:p>
+            <a:pPr marL="0" indent="0">
+              <a:spcBef>
+                <a:spcPts val="600"/>
+              </a:spcBef>
+              <a:buNone/>
+            </a:pPr>
+            <a:r>
+              <a:rPr lang="en-US" dirty="0">
+                <a:latin typeface="Courier New" panose="02070309020205020404" pitchFamily="49" charset="0"/>
+                <a:cs typeface="Courier New" panose="02070309020205020404" pitchFamily="49" charset="0"/>
+              </a:rPr>
+              <a:t>          /          \                            /          \</a:t>
+            </a:r>
+          </a:p>
+          <a:p>
+            <a:pPr marL="0" indent="0">
+              <a:spcBef>
+                <a:spcPts val="600"/>
+              </a:spcBef>
+              <a:buNone/>
+            </a:pPr>
+            <a:r>
+              <a:rPr lang="en-US" dirty="0">
+                <a:latin typeface="Courier New" panose="02070309020205020404" pitchFamily="49" charset="0"/>
+                <a:cs typeface="Courier New" panose="02070309020205020404" pitchFamily="49" charset="0"/>
+              </a:rPr>
+              <a:t>         /\          /\                          /\          /\</a:t>
+            </a:r>
+          </a:p>
+          <a:p>
+            <a:pPr marL="0" indent="0">
+              <a:spcBef>
+                <a:spcPts val="600"/>
+              </a:spcBef>
+              <a:buNone/>
+            </a:pPr>
+            <a:r>
+              <a:rPr lang="en-US" dirty="0">
+                <a:latin typeface="Courier New" panose="02070309020205020404" pitchFamily="49" charset="0"/>
+                <a:cs typeface="Courier New" panose="02070309020205020404" pitchFamily="49" charset="0"/>
+              </a:rPr>
+              <a:t>        /  \        /  \                        /  \        /  \</a:t>
+            </a:r>
+          </a:p>
+          <a:p>
+            <a:pPr marL="0" indent="0">
+              <a:spcBef>
+                <a:spcPts val="600"/>
+              </a:spcBef>
+              <a:buNone/>
+            </a:pPr>
+            <a:r>
+              <a:rPr lang="en-US" dirty="0">
+                <a:latin typeface="Courier New" panose="02070309020205020404" pitchFamily="49" charset="0"/>
+                <a:cs typeface="Courier New" panose="02070309020205020404" pitchFamily="49" charset="0"/>
+              </a:rPr>
+              <a:t>       /    \      /    \                      /    \     'C'  'E'</a:t>
+            </a:r>
+          </a:p>
+          <a:p>
+            <a:pPr marL="0" indent="0">
+              <a:spcBef>
+                <a:spcPts val="600"/>
+              </a:spcBef>
+              <a:buNone/>
+            </a:pPr>
+            <a:r>
+              <a:rPr lang="en-US" dirty="0">
+                <a:latin typeface="Courier New" panose="02070309020205020404" pitchFamily="49" charset="0"/>
+                <a:cs typeface="Courier New" panose="02070309020205020404" pitchFamily="49" charset="0"/>
+              </a:rPr>
+              <a:t>      /\    'B'  'D'    /\                    /      \</a:t>
+            </a:r>
+          </a:p>
+          <a:p>
+            <a:pPr marL="0" indent="0">
+              <a:spcBef>
+                <a:spcPts val="600"/>
+              </a:spcBef>
+              <a:buNone/>
+            </a:pPr>
+            <a:r>
+              <a:rPr lang="en-US" dirty="0">
+                <a:latin typeface="Courier New" panose="02070309020205020404" pitchFamily="49" charset="0"/>
+                <a:cs typeface="Courier New" panose="02070309020205020404" pitchFamily="49" charset="0"/>
+              </a:rPr>
+              <a:t>     /  \              /  \                  /\      'F'</a:t>
+            </a:r>
+          </a:p>
+          <a:p>
+            <a:pPr marL="0" indent="0">
+              <a:spcBef>
+                <a:spcPts val="600"/>
+              </a:spcBef>
+              <a:buNone/>
+            </a:pPr>
+            <a:r>
+              <a:rPr lang="en-US" dirty="0">
+                <a:latin typeface="Courier New" panose="02070309020205020404" pitchFamily="49" charset="0"/>
+                <a:cs typeface="Courier New" panose="02070309020205020404" pitchFamily="49" charset="0"/>
+              </a:rPr>
+              <a:t>   'A'  'F'          'C'  'E'               /  \</a:t>
+            </a:r>
+          </a:p>
+          <a:p>
+            <a:pPr marL="0" indent="0">
+              <a:spcBef>
+                <a:spcPts val="600"/>
+              </a:spcBef>
+              <a:buNone/>
+            </a:pPr>
+            <a:r>
+              <a:rPr lang="en-US" dirty="0">
+                <a:latin typeface="Courier New" panose="02070309020205020404" pitchFamily="49" charset="0"/>
+                <a:cs typeface="Courier New" panose="02070309020205020404" pitchFamily="49" charset="0"/>
+              </a:rPr>
+              <a:t>                                           /    \</a:t>
+            </a:r>
+          </a:p>
+          <a:p>
+            <a:pPr marL="0" indent="0">
+              <a:spcBef>
+                <a:spcPts val="600"/>
+              </a:spcBef>
+              <a:buNone/>
+            </a:pPr>
+            <a:r>
+              <a:rPr lang="en-US" dirty="0">
+                <a:latin typeface="Courier New" panose="02070309020205020404" pitchFamily="49" charset="0"/>
+                <a:cs typeface="Courier New" panose="02070309020205020404" pitchFamily="49" charset="0"/>
+              </a:rPr>
+              <a:t>                                          /\    'B'</a:t>
+            </a:r>
+          </a:p>
+          <a:p>
+            <a:pPr marL="0" indent="0">
+              <a:spcBef>
+                <a:spcPts val="600"/>
+              </a:spcBef>
+              <a:buNone/>
+            </a:pPr>
+            <a:r>
+              <a:rPr lang="en-US" dirty="0">
+                <a:latin typeface="Courier New" panose="02070309020205020404" pitchFamily="49" charset="0"/>
+                <a:cs typeface="Courier New" panose="02070309020205020404" pitchFamily="49" charset="0"/>
+              </a:rPr>
+              <a:t>                                         /  \</a:t>
+            </a:r>
+          </a:p>
+          <a:p>
+            <a:pPr marL="0" indent="0">
+              <a:spcBef>
+                <a:spcPts val="600"/>
+              </a:spcBef>
+              <a:buNone/>
+            </a:pPr>
+            <a:r>
+              <a:rPr lang="en-US" dirty="0">
+                <a:latin typeface="Courier New" panose="02070309020205020404" pitchFamily="49" charset="0"/>
+                <a:cs typeface="Courier New" panose="02070309020205020404" pitchFamily="49" charset="0"/>
+              </a:rPr>
+              <a:t>                                       'D'  'A'</a:t>
+            </a:r>
+          </a:p>
+        </p:txBody>
+      </p:sp>
+      <p:sp>
+        <p:nvSpPr>
+          <p:cNvPr id="8" name="TextBox 7"/>
+          <p:cNvSpPr txBox="1"/>
+          <p:nvPr/>
+        </p:nvSpPr>
+        <p:spPr>
+          <a:xfrm>
+            <a:off x="5169823" y="3180908"/>
+            <a:ext cx="2019993" cy="1384995"/>
+          </a:xfrm>
+          <a:prstGeom prst="rect">
+            <a:avLst/>
+          </a:prstGeom>
+          <a:noFill/>
+        </p:spPr>
+        <p:txBody>
+          <a:bodyPr wrap="square" rtlCol="0">
+            <a:spAutoFit/>
+          </a:bodyPr>
+          <a:lstStyle/>
+          <a:p>
+            <a:pPr algn="ctr"/>
+            <a:r>
+              <a:rPr lang="da-DK" sz="2800" dirty="0">
+                <a:solidFill>
+                  <a:srgbClr val="C00000"/>
+                </a:solidFill>
+              </a:rPr>
+              <a:t>How </a:t>
+            </a:r>
+            <a:r>
+              <a:rPr lang="da-DK" sz="2800" dirty="0" err="1">
+                <a:solidFill>
+                  <a:srgbClr val="C00000"/>
+                </a:solidFill>
+              </a:rPr>
+              <a:t>similar</a:t>
+            </a:r>
+            <a:r>
+              <a:rPr lang="da-DK" sz="2800" dirty="0">
+                <a:solidFill>
+                  <a:srgbClr val="C00000"/>
+                </a:solidFill>
+              </a:rPr>
+              <a:t> </a:t>
+            </a:r>
+            <a:r>
+              <a:rPr lang="da-DK" sz="2800" dirty="0" err="1">
+                <a:solidFill>
+                  <a:srgbClr val="C00000"/>
+                </a:solidFill>
+              </a:rPr>
+              <a:t>are</a:t>
+            </a:r>
+            <a:r>
+              <a:rPr lang="da-DK" sz="2800" dirty="0">
+                <a:solidFill>
+                  <a:srgbClr val="C00000"/>
+                </a:solidFill>
+              </a:rPr>
+              <a:t> the </a:t>
+            </a:r>
+            <a:r>
+              <a:rPr lang="da-DK" sz="2800" dirty="0" err="1">
+                <a:solidFill>
+                  <a:srgbClr val="C00000"/>
+                </a:solidFill>
+              </a:rPr>
+              <a:t>trees</a:t>
+            </a:r>
+            <a:r>
+              <a:rPr lang="da-DK" sz="2800" dirty="0">
+                <a:solidFill>
+                  <a:srgbClr val="C00000"/>
+                </a:solidFill>
+              </a:rPr>
+              <a:t> ?</a:t>
+            </a:r>
+            <a:endParaRPr lang="en-US" sz="2800" dirty="0">
+              <a:solidFill>
+                <a:srgbClr val="C00000"/>
+              </a:solidFill>
+            </a:endParaRPr>
+          </a:p>
+        </p:txBody>
+      </p:sp>
+      <p:sp>
+        <p:nvSpPr>
+          <p:cNvPr id="10" name="Rectangle 9"/>
+          <p:cNvSpPr/>
+          <p:nvPr/>
+        </p:nvSpPr>
+        <p:spPr>
+          <a:xfrm>
+            <a:off x="9278454" y="6210447"/>
+            <a:ext cx="2594043" cy="369332"/>
+          </a:xfrm>
+          <a:prstGeom prst="rect">
+            <a:avLst/>
+          </a:prstGeom>
+        </p:spPr>
+        <p:txBody>
+          <a:bodyPr wrap="none">
+            <a:spAutoFit/>
+          </a:bodyPr>
+          <a:lstStyle/>
+          <a:p>
+            <a:r>
+              <a:rPr lang="en-US" dirty="0">
+                <a:solidFill>
+                  <a:schemeClr val="bg2">
+                    <a:lumMod val="50000"/>
+                  </a:schemeClr>
+                </a:solidFill>
+              </a:rPr>
+              <a:t>arxiv.org/abs/1706.10284</a:t>
+            </a:r>
+          </a:p>
+        </p:txBody>
+      </p:sp>
+    </p:spTree>
+    <p:extLst>
+      <p:ext uri="{BB962C8B-B14F-4D97-AF65-F5344CB8AC3E}">
+        <p14:creationId xmlns:p14="http://schemas.microsoft.com/office/powerpoint/2010/main" val="336411019"/>
+      </p:ext>
+    </p:extLst>
+  </p:cSld>
+  <p:clrMapOvr>
+    <a:masterClrMapping/>
+  </p:clrMapOvr>
+</p:sld>
+</file>
+
+<file path=ppt/slides/slide21.xml><?xml version="1.0" encoding="utf-8"?>
 <p:sld xmlns:a="http://schemas.openxmlformats.org/drawingml/2006/main" xmlns:r="http://schemas.openxmlformats.org/officeDocument/2006/relationships" xmlns:p="http://schemas.openxmlformats.org/presentationml/2006/main">
   <p:cSld>
     <p:spTree>
@@ -23481,6 +26024,931 @@
       </p:grpSpPr>
       <p:sp>
         <p:nvSpPr>
+          <p:cNvPr id="2" name="Title 1">
+            <a:extLst>
+              <a:ext uri="{FF2B5EF4-FFF2-40B4-BE49-F238E27FC236}">
+                <a16:creationId xmlns:a16="http://schemas.microsoft.com/office/drawing/2014/main" id="{8623EDFC-B053-459E-B2F3-941E1219354B}"/>
+              </a:ext>
+            </a:extLst>
+          </p:cNvPr>
+          <p:cNvSpPr>
+            <a:spLocks noGrp="1"/>
+          </p:cNvSpPr>
+          <p:nvPr>
+            <p:ph type="title"/>
+          </p:nvPr>
+        </p:nvSpPr>
+        <p:spPr/>
+        <p:txBody>
+          <a:bodyPr/>
+          <a:lstStyle/>
+          <a:p>
+            <a:r>
+              <a:rPr lang="da-DK" dirty="0" err="1"/>
+              <a:t>Tuples</a:t>
+            </a:r>
+            <a:r>
+              <a:rPr lang="da-DK" dirty="0"/>
+              <a:t> as </a:t>
+            </a:r>
+            <a:r>
+              <a:rPr lang="da-DK" dirty="0" err="1"/>
+              <a:t>dictionary</a:t>
+            </a:r>
+            <a:r>
+              <a:rPr lang="da-DK" dirty="0"/>
+              <a:t> </a:t>
+            </a:r>
+            <a:r>
+              <a:rPr lang="da-DK" dirty="0" err="1"/>
+              <a:t>keys</a:t>
+            </a:r>
+            <a:endParaRPr lang="da-DK" dirty="0"/>
+          </a:p>
+        </p:txBody>
+      </p:sp>
+      <p:sp>
+        <p:nvSpPr>
+          <p:cNvPr id="3" name="Content Placeholder 2">
+            <a:extLst>
+              <a:ext uri="{FF2B5EF4-FFF2-40B4-BE49-F238E27FC236}">
+                <a16:creationId xmlns:a16="http://schemas.microsoft.com/office/drawing/2014/main" id="{51842941-8C40-4A22-AD1A-10553578AAC3}"/>
+              </a:ext>
+            </a:extLst>
+          </p:cNvPr>
+          <p:cNvSpPr>
+            <a:spLocks noGrp="1"/>
+          </p:cNvSpPr>
+          <p:nvPr>
+            <p:ph idx="1"/>
+          </p:nvPr>
+        </p:nvSpPr>
+        <p:spPr>
+          <a:xfrm>
+            <a:off x="838200" y="1551305"/>
+            <a:ext cx="11140440" cy="554991"/>
+          </a:xfrm>
+        </p:spPr>
+        <p:txBody>
+          <a:bodyPr/>
+          <a:lstStyle/>
+          <a:p>
+            <a:r>
+              <a:rPr lang="en-US" dirty="0"/>
+              <a:t>A tuple can be used as a dictionary key, and parenthesis can be omitted</a:t>
+            </a:r>
+          </a:p>
+        </p:txBody>
+      </p:sp>
+      <p:graphicFrame>
+        <p:nvGraphicFramePr>
+          <p:cNvPr id="4" name="Table 3">
+            <a:extLst>
+              <a:ext uri="{FF2B5EF4-FFF2-40B4-BE49-F238E27FC236}">
+                <a16:creationId xmlns:a16="http://schemas.microsoft.com/office/drawing/2014/main" id="{AEB6031F-8EF4-4630-91A6-9B0A0C740B6D}"/>
+              </a:ext>
+            </a:extLst>
+          </p:cNvPr>
+          <p:cNvGraphicFramePr>
+            <a:graphicFrameLocks noGrp="1"/>
+          </p:cNvGraphicFramePr>
+          <p:nvPr>
+            <p:extLst>
+              <p:ext uri="{D42A27DB-BD31-4B8C-83A1-F6EECF244321}">
+                <p14:modId xmlns:p14="http://schemas.microsoft.com/office/powerpoint/2010/main" val="2995402468"/>
+              </p:ext>
+            </p:extLst>
+          </p:nvPr>
+        </p:nvGraphicFramePr>
+        <p:xfrm>
+          <a:off x="1638935" y="2106296"/>
+          <a:ext cx="8914130" cy="4572000"/>
+        </p:xfrm>
+        <a:graphic>
+          <a:graphicData uri="http://schemas.openxmlformats.org/drawingml/2006/table">
+            <a:tbl>
+              <a:tblPr firstRow="1" bandRow="1">
+                <a:tableStyleId>{5C22544A-7EE6-4342-B048-85BDC9FD1C3A}</a:tableStyleId>
+              </a:tblPr>
+              <a:tblGrid>
+                <a:gridCol w="8914130">
+                  <a:extLst>
+                    <a:ext uri="{9D8B030D-6E8A-4147-A177-3AD203B41FA5}">
+                      <a16:colId xmlns:a16="http://schemas.microsoft.com/office/drawing/2014/main" val="1873682825"/>
+                    </a:ext>
+                  </a:extLst>
+                </a:gridCol>
+              </a:tblGrid>
+              <a:tr h="220507">
+                <a:tc>
+                  <a:txBody>
+                    <a:bodyPr/>
+                    <a:lstStyle/>
+                    <a:p>
+                      <a:r>
+                        <a:rPr lang="da-DK" sz="1800" b="1" dirty="0">
+                          <a:latin typeface="Courier New" panose="02070309020205020404" pitchFamily="49" charset="0"/>
+                          <a:cs typeface="Courier New" panose="02070309020205020404" pitchFamily="49" charset="0"/>
+                        </a:rPr>
+                        <a:t>Python </a:t>
+                      </a:r>
+                      <a:r>
+                        <a:rPr lang="da-DK" sz="1800" b="1" dirty="0" err="1">
+                          <a:latin typeface="Courier New" panose="02070309020205020404" pitchFamily="49" charset="0"/>
+                          <a:cs typeface="Courier New" panose="02070309020205020404" pitchFamily="49" charset="0"/>
+                        </a:rPr>
+                        <a:t>shell</a:t>
+                      </a:r>
+                      <a:r>
+                        <a:rPr lang="da-DK" sz="1800" b="1" dirty="0">
+                          <a:latin typeface="Courier New" panose="02070309020205020404" pitchFamily="49" charset="0"/>
+                          <a:cs typeface="Courier New" panose="02070309020205020404" pitchFamily="49" charset="0"/>
+                        </a:rPr>
+                        <a:t> -</a:t>
+                      </a:r>
+                    </a:p>
+                  </a:txBody>
+                  <a:tcPr anchor="ctr">
+                    <a:lnL w="6350" cap="flat" cmpd="sng" algn="ctr">
+                      <a:solidFill>
+                        <a:schemeClr val="tx1"/>
+                      </a:solidFill>
+                      <a:prstDash val="solid"/>
+                      <a:round/>
+                      <a:headEnd type="none" w="med" len="med"/>
+                      <a:tailEnd type="none" w="med" len="med"/>
+                    </a:lnL>
+                    <a:lnR w="6350" cap="flat" cmpd="sng" algn="ctr">
+                      <a:solidFill>
+                        <a:schemeClr val="tx1"/>
+                      </a:solidFill>
+                      <a:prstDash val="solid"/>
+                      <a:round/>
+                      <a:headEnd type="none" w="med" len="med"/>
+                      <a:tailEnd type="none" w="med" len="med"/>
+                    </a:lnR>
+                    <a:lnT w="6350" cap="flat" cmpd="sng" algn="ctr">
+                      <a:solidFill>
+                        <a:schemeClr val="tx1"/>
+                      </a:solidFill>
+                      <a:prstDash val="solid"/>
+                      <a:round/>
+                      <a:headEnd type="none" w="med" len="med"/>
+                      <a:tailEnd type="none" w="med" len="med"/>
+                    </a:lnT>
+                    <a:lnB w="6350" cap="flat" cmpd="sng" algn="ctr">
+                      <a:solidFill>
+                        <a:schemeClr val="tx1"/>
+                      </a:solidFill>
+                      <a:prstDash val="solid"/>
+                      <a:round/>
+                      <a:headEnd type="none" w="med" len="med"/>
+                      <a:tailEnd type="none" w="med" len="med"/>
+                    </a:lnB>
+                    <a:lnTlToBr w="12700" cmpd="sng">
+                      <a:noFill/>
+                      <a:prstDash val="solid"/>
+                    </a:lnTlToBr>
+                    <a:lnBlToTr w="12700" cmpd="sng">
+                      <a:noFill/>
+                      <a:prstDash val="solid"/>
+                    </a:lnBlToTr>
+                    <a:solidFill>
+                      <a:srgbClr val="C00000"/>
+                    </a:solidFill>
+                  </a:tcPr>
+                </a:tc>
+                <a:extLst>
+                  <a:ext uri="{0D108BD9-81ED-4DB2-BD59-A6C34878D82A}">
+                    <a16:rowId xmlns:a16="http://schemas.microsoft.com/office/drawing/2014/main" val="3330819881"/>
+                  </a:ext>
+                </a:extLst>
+              </a:tr>
+              <a:tr h="1212792">
+                <a:tc>
+                  <a:txBody>
+                    <a:bodyPr/>
+                    <a:lstStyle/>
+                    <a:p>
+                      <a:pPr marL="266700" indent="-266700">
+                        <a:buClr>
+                          <a:srgbClr val="C00000"/>
+                        </a:buClr>
+                        <a:buSzPct val="100000"/>
+                        <a:buFont typeface="Courier New" panose="02070309020205020404" pitchFamily="49" charset="0"/>
+                        <a:buChar char="&gt;"/>
+                      </a:pPr>
+                      <a:r>
+                        <a:rPr lang="pt-BR" sz="1800" b="1" baseline="0" dirty="0">
+                          <a:latin typeface="Courier New" panose="02070309020205020404" pitchFamily="49" charset="0"/>
+                          <a:cs typeface="Courier New" panose="02070309020205020404" pitchFamily="49" charset="0"/>
+                        </a:rPr>
+                        <a:t>d = {</a:t>
+                      </a:r>
+                      <a:r>
+                        <a:rPr lang="pt-BR" sz="1800" b="1" baseline="0" dirty="0">
+                          <a:solidFill>
+                            <a:srgbClr val="C00000"/>
+                          </a:solidFill>
+                          <a:latin typeface="Courier New" panose="02070309020205020404" pitchFamily="49" charset="0"/>
+                          <a:cs typeface="Courier New" panose="02070309020205020404" pitchFamily="49" charset="0"/>
+                        </a:rPr>
+                        <a:t>(</a:t>
+                      </a:r>
+                      <a:r>
+                        <a:rPr lang="pt-BR" sz="1800" b="1" baseline="0" dirty="0">
+                          <a:latin typeface="Courier New" panose="02070309020205020404" pitchFamily="49" charset="0"/>
+                          <a:cs typeface="Courier New" panose="02070309020205020404" pitchFamily="49" charset="0"/>
+                        </a:rPr>
+                        <a:t>'a', 1</a:t>
+                      </a:r>
+                      <a:r>
+                        <a:rPr lang="pt-BR" sz="1800" b="1" baseline="0" dirty="0">
+                          <a:solidFill>
+                            <a:srgbClr val="C00000"/>
+                          </a:solidFill>
+                          <a:latin typeface="Courier New" panose="02070309020205020404" pitchFamily="49" charset="0"/>
+                          <a:cs typeface="Courier New" panose="02070309020205020404" pitchFamily="49" charset="0"/>
+                        </a:rPr>
+                        <a:t>)</a:t>
+                      </a:r>
+                      <a:r>
+                        <a:rPr lang="pt-BR" sz="1800" b="1" baseline="0" dirty="0">
+                          <a:latin typeface="Courier New" panose="02070309020205020404" pitchFamily="49" charset="0"/>
+                          <a:cs typeface="Courier New" panose="02070309020205020404" pitchFamily="49" charset="0"/>
+                        </a:rPr>
+                        <a:t>: 7, </a:t>
+                      </a:r>
+                      <a:r>
+                        <a:rPr lang="pt-BR" sz="1800" b="1" baseline="0" dirty="0">
+                          <a:solidFill>
+                            <a:srgbClr val="C00000"/>
+                          </a:solidFill>
+                          <a:latin typeface="Courier New" panose="02070309020205020404" pitchFamily="49" charset="0"/>
+                          <a:cs typeface="Courier New" panose="02070309020205020404" pitchFamily="49" charset="0"/>
+                        </a:rPr>
+                        <a:t>(</a:t>
+                      </a:r>
+                      <a:r>
+                        <a:rPr lang="pt-BR" sz="1800" b="1" baseline="0" dirty="0">
+                          <a:latin typeface="Courier New" panose="02070309020205020404" pitchFamily="49" charset="0"/>
+                          <a:cs typeface="Courier New" panose="02070309020205020404" pitchFamily="49" charset="0"/>
+                        </a:rPr>
+                        <a:t>'b', 2</a:t>
+                      </a:r>
+                      <a:r>
+                        <a:rPr lang="pt-BR" sz="1800" b="1" baseline="0" dirty="0">
+                          <a:solidFill>
+                            <a:srgbClr val="C00000"/>
+                          </a:solidFill>
+                          <a:latin typeface="Courier New" panose="02070309020205020404" pitchFamily="49" charset="0"/>
+                          <a:cs typeface="Courier New" panose="02070309020205020404" pitchFamily="49" charset="0"/>
+                        </a:rPr>
+                        <a:t>)</a:t>
+                      </a:r>
+                      <a:r>
+                        <a:rPr lang="pt-BR" sz="1800" b="1" baseline="0" dirty="0">
+                          <a:latin typeface="Courier New" panose="02070309020205020404" pitchFamily="49" charset="0"/>
+                          <a:cs typeface="Courier New" panose="02070309020205020404" pitchFamily="49" charset="0"/>
+                        </a:rPr>
+                        <a:t>: 42}</a:t>
+                      </a:r>
+                    </a:p>
+                    <a:p>
+                      <a:pPr marL="266700" indent="-266700">
+                        <a:buClr>
+                          <a:srgbClr val="C00000"/>
+                        </a:buClr>
+                        <a:buSzPct val="100000"/>
+                        <a:buFont typeface="Courier New" panose="02070309020205020404" pitchFamily="49" charset="0"/>
+                        <a:buChar char="&gt;"/>
+                      </a:pPr>
+                      <a:r>
+                        <a:rPr lang="pt-BR" sz="1800" b="1" baseline="0" dirty="0">
+                          <a:latin typeface="Courier New" panose="02070309020205020404" pitchFamily="49" charset="0"/>
+                          <a:cs typeface="Courier New" panose="02070309020205020404" pitchFamily="49" charset="0"/>
+                        </a:rPr>
+                        <a:t>d</a:t>
+                      </a:r>
+                      <a:r>
+                        <a:rPr lang="pt-BR" sz="1800" b="1" baseline="0" dirty="0">
+                          <a:solidFill>
+                            <a:schemeClr val="accent5"/>
+                          </a:solidFill>
+                          <a:latin typeface="Courier New" panose="02070309020205020404" pitchFamily="49" charset="0"/>
+                          <a:cs typeface="Courier New" panose="02070309020205020404" pitchFamily="49" charset="0"/>
+                        </a:rPr>
+                        <a:t>[</a:t>
+                      </a:r>
+                      <a:r>
+                        <a:rPr lang="pt-BR" sz="1800" b="1" baseline="0" dirty="0">
+                          <a:solidFill>
+                            <a:srgbClr val="C00000"/>
+                          </a:solidFill>
+                          <a:latin typeface="Courier New" panose="02070309020205020404" pitchFamily="49" charset="0"/>
+                          <a:cs typeface="Courier New" panose="02070309020205020404" pitchFamily="49" charset="0"/>
+                        </a:rPr>
+                        <a:t>(</a:t>
+                      </a:r>
+                      <a:r>
+                        <a:rPr lang="pt-BR" sz="1800" b="1" baseline="0" dirty="0">
+                          <a:latin typeface="Courier New" panose="02070309020205020404" pitchFamily="49" charset="0"/>
+                          <a:cs typeface="Courier New" panose="02070309020205020404" pitchFamily="49" charset="0"/>
+                        </a:rPr>
+                        <a:t>'b', 2</a:t>
+                      </a:r>
+                      <a:r>
+                        <a:rPr lang="pt-BR" sz="1800" b="1" baseline="0" dirty="0">
+                          <a:solidFill>
+                            <a:srgbClr val="C00000"/>
+                          </a:solidFill>
+                          <a:latin typeface="Courier New" panose="02070309020205020404" pitchFamily="49" charset="0"/>
+                          <a:cs typeface="Courier New" panose="02070309020205020404" pitchFamily="49" charset="0"/>
+                        </a:rPr>
+                        <a:t>)</a:t>
+                      </a:r>
+                      <a:r>
+                        <a:rPr lang="pt-BR" sz="1800" b="1" baseline="0" dirty="0">
+                          <a:solidFill>
+                            <a:schemeClr val="accent5"/>
+                          </a:solidFill>
+                          <a:latin typeface="Courier New" panose="02070309020205020404" pitchFamily="49" charset="0"/>
+                          <a:cs typeface="Courier New" panose="02070309020205020404" pitchFamily="49" charset="0"/>
+                        </a:rPr>
+                        <a:t>]</a:t>
+                      </a:r>
+                    </a:p>
+                    <a:p>
+                      <a:pPr marL="266700" indent="-266700">
+                        <a:buClr>
+                          <a:schemeClr val="accent1">
+                            <a:lumMod val="50000"/>
+                          </a:schemeClr>
+                        </a:buClr>
+                        <a:buSzPct val="120000"/>
+                        <a:buFont typeface="Courier New" panose="02070309020205020404" pitchFamily="49" charset="0"/>
+                        <a:buChar char="|"/>
+                      </a:pPr>
+                      <a:r>
+                        <a:rPr lang="pt-BR" sz="1800" b="1" baseline="0" dirty="0">
+                          <a:latin typeface="Courier New" panose="02070309020205020404" pitchFamily="49" charset="0"/>
+                          <a:cs typeface="Courier New" panose="02070309020205020404" pitchFamily="49" charset="0"/>
+                        </a:rPr>
+                        <a:t>42</a:t>
+                      </a:r>
+                    </a:p>
+                    <a:p>
+                      <a:pPr marL="266700" marR="0" lvl="0" indent="-266700" algn="l" defTabSz="914400" rtl="0" eaLnBrk="1" fontAlgn="auto" latinLnBrk="0" hangingPunct="1">
+                        <a:lnSpc>
+                          <a:spcPct val="100000"/>
+                        </a:lnSpc>
+                        <a:spcBef>
+                          <a:spcPts val="0"/>
+                        </a:spcBef>
+                        <a:spcAft>
+                          <a:spcPts val="0"/>
+                        </a:spcAft>
+                        <a:buClr>
+                          <a:srgbClr val="C00000"/>
+                        </a:buClr>
+                        <a:buSzPct val="100000"/>
+                        <a:buFont typeface="Courier New" panose="02070309020205020404" pitchFamily="49" charset="0"/>
+                        <a:buChar char="&gt;"/>
+                        <a:tabLst/>
+                        <a:defRPr/>
+                      </a:pPr>
+                      <a:r>
+                        <a:rPr lang="pt-BR" sz="1800" b="1" baseline="0" dirty="0">
+                          <a:latin typeface="Courier New" panose="02070309020205020404" pitchFamily="49" charset="0"/>
+                          <a:cs typeface="Courier New" panose="02070309020205020404" pitchFamily="49" charset="0"/>
+                        </a:rPr>
+                        <a:t>d</a:t>
+                      </a:r>
+                      <a:r>
+                        <a:rPr lang="pt-BR" sz="1800" b="1" baseline="0" dirty="0">
+                          <a:solidFill>
+                            <a:schemeClr val="accent5"/>
+                          </a:solidFill>
+                          <a:latin typeface="Courier New" panose="02070309020205020404" pitchFamily="49" charset="0"/>
+                          <a:cs typeface="Courier New" panose="02070309020205020404" pitchFamily="49" charset="0"/>
+                        </a:rPr>
+                        <a:t>[</a:t>
+                      </a:r>
+                      <a:r>
+                        <a:rPr lang="pt-BR" sz="1800" b="1" baseline="0" dirty="0">
+                          <a:latin typeface="Courier New" panose="02070309020205020404" pitchFamily="49" charset="0"/>
+                          <a:cs typeface="Courier New" panose="02070309020205020404" pitchFamily="49" charset="0"/>
+                        </a:rPr>
+                        <a:t>'b', 2</a:t>
+                      </a:r>
+                      <a:r>
+                        <a:rPr lang="pt-BR" sz="1800" b="1" baseline="0" dirty="0">
+                          <a:solidFill>
+                            <a:schemeClr val="accent5"/>
+                          </a:solidFill>
+                          <a:latin typeface="Courier New" panose="02070309020205020404" pitchFamily="49" charset="0"/>
+                          <a:cs typeface="Courier New" panose="02070309020205020404" pitchFamily="49" charset="0"/>
+                        </a:rPr>
+                        <a:t>]</a:t>
+                      </a:r>
+                      <a:r>
+                        <a:rPr lang="pt-BR" sz="1800" b="1" baseline="0" dirty="0">
+                          <a:latin typeface="Courier New" panose="02070309020205020404" pitchFamily="49" charset="0"/>
+                          <a:cs typeface="Courier New" panose="02070309020205020404" pitchFamily="49" charset="0"/>
+                        </a:rPr>
+                        <a:t> </a:t>
+                      </a:r>
+                      <a:r>
+                        <a:rPr lang="pt-BR" sz="1800" b="1" baseline="0" dirty="0">
+                          <a:solidFill>
+                            <a:schemeClr val="bg1">
+                              <a:lumMod val="50000"/>
+                            </a:schemeClr>
+                          </a:solidFill>
+                          <a:latin typeface="Courier New" panose="02070309020205020404" pitchFamily="49" charset="0"/>
+                          <a:cs typeface="Courier New" panose="02070309020205020404" pitchFamily="49" charset="0"/>
+                        </a:rPr>
+                        <a:t> # same as above, parenthesis omitted</a:t>
+                      </a:r>
+                      <a:endParaRPr lang="pt-BR" sz="1800" b="1" baseline="0" dirty="0">
+                        <a:latin typeface="Courier New" panose="02070309020205020404" pitchFamily="49" charset="0"/>
+                        <a:cs typeface="Courier New" panose="02070309020205020404" pitchFamily="49" charset="0"/>
+                      </a:endParaRPr>
+                    </a:p>
+                    <a:p>
+                      <a:pPr marL="266700" indent="-266700">
+                        <a:buClr>
+                          <a:schemeClr val="accent1">
+                            <a:lumMod val="50000"/>
+                          </a:schemeClr>
+                        </a:buClr>
+                        <a:buSzPct val="120000"/>
+                        <a:buFont typeface="Courier New" panose="02070309020205020404" pitchFamily="49" charset="0"/>
+                        <a:buChar char="|"/>
+                      </a:pPr>
+                      <a:r>
+                        <a:rPr lang="pt-BR" sz="1800" b="1" baseline="0" dirty="0">
+                          <a:latin typeface="Courier New" panose="02070309020205020404" pitchFamily="49" charset="0"/>
+                          <a:cs typeface="Courier New" panose="02070309020205020404" pitchFamily="49" charset="0"/>
+                        </a:rPr>
+                        <a:t>42</a:t>
+                      </a:r>
+                    </a:p>
+                    <a:p>
+                      <a:pPr marL="266700" indent="-266700">
+                        <a:buClr>
+                          <a:srgbClr val="C00000"/>
+                        </a:buClr>
+                        <a:buSzPct val="100000"/>
+                        <a:buFont typeface="Courier New" panose="02070309020205020404" pitchFamily="49" charset="0"/>
+                        <a:buChar char="&gt;"/>
+                      </a:pPr>
+                      <a:r>
+                        <a:rPr lang="it-IT" sz="1800" b="1" baseline="0" dirty="0">
+                          <a:latin typeface="Courier New" panose="02070309020205020404" pitchFamily="49" charset="0"/>
+                          <a:cs typeface="Courier New" panose="02070309020205020404" pitchFamily="49" charset="0"/>
+                        </a:rPr>
+                        <a:t>T = [[None, None], [42, None]]</a:t>
+                      </a:r>
+                      <a:r>
+                        <a:rPr lang="pt-BR" sz="1800" b="1" baseline="0" dirty="0">
+                          <a:solidFill>
+                            <a:schemeClr val="bg1">
+                              <a:lumMod val="50000"/>
+                            </a:schemeClr>
+                          </a:solidFill>
+                          <a:latin typeface="Courier New" panose="02070309020205020404" pitchFamily="49" charset="0"/>
+                          <a:cs typeface="Courier New" panose="02070309020205020404" pitchFamily="49" charset="0"/>
+                        </a:rPr>
+                        <a:t>  # 2D table as lists-of-lists</a:t>
+                      </a:r>
+                      <a:endParaRPr lang="it-IT" sz="1800" b="1" baseline="0" dirty="0">
+                        <a:latin typeface="Courier New" panose="02070309020205020404" pitchFamily="49" charset="0"/>
+                        <a:cs typeface="Courier New" panose="02070309020205020404" pitchFamily="49" charset="0"/>
+                      </a:endParaRPr>
+                    </a:p>
+                    <a:p>
+                      <a:pPr marL="266700" marR="0" lvl="0" indent="-266700" algn="l" defTabSz="914400" rtl="0" eaLnBrk="1" fontAlgn="auto" latinLnBrk="0" hangingPunct="1">
+                        <a:lnSpc>
+                          <a:spcPct val="100000"/>
+                        </a:lnSpc>
+                        <a:spcBef>
+                          <a:spcPts val="0"/>
+                        </a:spcBef>
+                        <a:spcAft>
+                          <a:spcPts val="0"/>
+                        </a:spcAft>
+                        <a:buClr>
+                          <a:srgbClr val="C00000"/>
+                        </a:buClr>
+                        <a:buSzPct val="100000"/>
+                        <a:buFont typeface="Courier New" panose="02070309020205020404" pitchFamily="49" charset="0"/>
+                        <a:buChar char="&gt;"/>
+                        <a:tabLst/>
+                        <a:defRPr/>
+                      </a:pPr>
+                      <a:r>
+                        <a:rPr lang="pt-BR" sz="1800" b="1" baseline="0" dirty="0">
+                          <a:latin typeface="Courier New" panose="02070309020205020404" pitchFamily="49" charset="0"/>
+                          <a:cs typeface="Courier New" panose="02070309020205020404" pitchFamily="49" charset="0"/>
+                        </a:rPr>
+                        <a:t>T[1][0]</a:t>
+                      </a:r>
+                    </a:p>
+                    <a:p>
+                      <a:pPr marL="266700" indent="-266700">
+                        <a:buClr>
+                          <a:schemeClr val="accent1">
+                            <a:lumMod val="50000"/>
+                          </a:schemeClr>
+                        </a:buClr>
+                        <a:buSzPct val="120000"/>
+                        <a:buFont typeface="Courier New" panose="02070309020205020404" pitchFamily="49" charset="0"/>
+                        <a:buChar char="|"/>
+                      </a:pPr>
+                      <a:r>
+                        <a:rPr lang="pt-BR" sz="1800" b="1" baseline="0" dirty="0">
+                          <a:latin typeface="Courier New" panose="02070309020205020404" pitchFamily="49" charset="0"/>
+                          <a:cs typeface="Courier New" panose="02070309020205020404" pitchFamily="49" charset="0"/>
+                        </a:rPr>
+                        <a:t>42</a:t>
+                      </a:r>
+                    </a:p>
+                    <a:p>
+                      <a:pPr marL="266700" marR="0" lvl="0" indent="-266700" algn="l" defTabSz="914400" rtl="0" eaLnBrk="1" fontAlgn="auto" latinLnBrk="0" hangingPunct="1">
+                        <a:lnSpc>
+                          <a:spcPct val="100000"/>
+                        </a:lnSpc>
+                        <a:spcBef>
+                          <a:spcPts val="0"/>
+                        </a:spcBef>
+                        <a:spcAft>
+                          <a:spcPts val="0"/>
+                        </a:spcAft>
+                        <a:buClr>
+                          <a:srgbClr val="C00000"/>
+                        </a:buClr>
+                        <a:buSzPct val="100000"/>
+                        <a:buFont typeface="Courier New" panose="02070309020205020404" pitchFamily="49" charset="0"/>
+                        <a:buChar char="&gt;"/>
+                        <a:tabLst/>
+                        <a:defRPr/>
+                      </a:pPr>
+                      <a:r>
+                        <a:rPr lang="pt-BR" sz="1800" b="1" baseline="0" dirty="0">
+                          <a:latin typeface="Courier New" panose="02070309020205020404" pitchFamily="49" charset="0"/>
+                          <a:cs typeface="Courier New" panose="02070309020205020404" pitchFamily="49" charset="0"/>
+                        </a:rPr>
+                        <a:t>T[1, 0]  </a:t>
+                      </a:r>
+                      <a:r>
+                        <a:rPr lang="pt-BR" sz="1800" b="1" baseline="0" dirty="0">
+                          <a:solidFill>
+                            <a:schemeClr val="bg1">
+                              <a:lumMod val="50000"/>
+                            </a:schemeClr>
+                          </a:solidFill>
+                          <a:latin typeface="Courier New" panose="02070309020205020404" pitchFamily="49" charset="0"/>
+                          <a:cs typeface="Courier New" panose="02070309020205020404" pitchFamily="49" charset="0"/>
+                        </a:rPr>
+                        <a:t># wrong, T is a list (of lists)</a:t>
+                      </a:r>
+                      <a:endParaRPr lang="pt-BR" sz="1800" b="1" baseline="0" dirty="0">
+                        <a:latin typeface="Courier New" panose="02070309020205020404" pitchFamily="49" charset="0"/>
+                        <a:cs typeface="Courier New" panose="02070309020205020404" pitchFamily="49" charset="0"/>
+                      </a:endParaRPr>
+                    </a:p>
+                    <a:p>
+                      <a:pPr marL="266700" indent="-266700">
+                        <a:buClr>
+                          <a:schemeClr val="accent1">
+                            <a:lumMod val="50000"/>
+                          </a:schemeClr>
+                        </a:buClr>
+                        <a:buSzPct val="120000"/>
+                        <a:buFont typeface="Courier New" panose="02070309020205020404" pitchFamily="49" charset="0"/>
+                        <a:buChar char="|"/>
+                      </a:pPr>
+                      <a:r>
+                        <a:rPr lang="en-US" sz="1800" b="1" baseline="0" dirty="0" err="1">
+                          <a:latin typeface="Courier New" panose="02070309020205020404" pitchFamily="49" charset="0"/>
+                          <a:cs typeface="Courier New" panose="02070309020205020404" pitchFamily="49" charset="0"/>
+                        </a:rPr>
+                        <a:t>TypeError</a:t>
+                      </a:r>
+                      <a:r>
+                        <a:rPr lang="en-US" sz="1800" b="1" baseline="0" dirty="0">
+                          <a:latin typeface="Courier New" panose="02070309020205020404" pitchFamily="49" charset="0"/>
+                          <a:cs typeface="Courier New" panose="02070309020205020404" pitchFamily="49" charset="0"/>
+                        </a:rPr>
+                        <a:t>: list indices must be integers or slices, not tuple</a:t>
+                      </a:r>
+                      <a:endParaRPr lang="pt-BR" sz="1800" b="1" baseline="0" dirty="0">
+                        <a:latin typeface="Courier New" panose="02070309020205020404" pitchFamily="49" charset="0"/>
+                        <a:cs typeface="Courier New" panose="02070309020205020404" pitchFamily="49" charset="0"/>
+                      </a:endParaRPr>
+                    </a:p>
+                    <a:p>
+                      <a:pPr marL="266700" indent="-266700">
+                        <a:buClr>
+                          <a:srgbClr val="C00000"/>
+                        </a:buClr>
+                        <a:buSzPct val="100000"/>
+                        <a:buFont typeface="Courier New" panose="02070309020205020404" pitchFamily="49" charset="0"/>
+                        <a:buChar char="&gt;"/>
+                      </a:pPr>
+                      <a:r>
+                        <a:rPr lang="pt-BR" sz="1800" b="1" baseline="0" dirty="0">
+                          <a:latin typeface="Courier New" panose="02070309020205020404" pitchFamily="49" charset="0"/>
+                          <a:cs typeface="Courier New" panose="02070309020205020404" pitchFamily="49" charset="0"/>
+                        </a:rPr>
+                        <a:t>T = {</a:t>
+                      </a:r>
+                      <a:r>
+                        <a:rPr lang="pt-BR" sz="1800" b="1" baseline="0" dirty="0">
+                          <a:solidFill>
+                            <a:srgbClr val="C00000"/>
+                          </a:solidFill>
+                          <a:latin typeface="Courier New" panose="02070309020205020404" pitchFamily="49" charset="0"/>
+                          <a:cs typeface="Courier New" panose="02070309020205020404" pitchFamily="49" charset="0"/>
+                        </a:rPr>
+                        <a:t>(</a:t>
+                      </a:r>
+                      <a:r>
+                        <a:rPr lang="pt-BR" sz="1800" b="1" baseline="0" dirty="0">
+                          <a:latin typeface="Courier New" panose="02070309020205020404" pitchFamily="49" charset="0"/>
+                          <a:cs typeface="Courier New" panose="02070309020205020404" pitchFamily="49" charset="0"/>
+                        </a:rPr>
+                        <a:t>1, 0</a:t>
+                      </a:r>
+                      <a:r>
+                        <a:rPr lang="pt-BR" sz="1800" b="1" baseline="0" dirty="0">
+                          <a:solidFill>
+                            <a:srgbClr val="C00000"/>
+                          </a:solidFill>
+                          <a:latin typeface="Courier New" panose="02070309020205020404" pitchFamily="49" charset="0"/>
+                          <a:cs typeface="Courier New" panose="02070309020205020404" pitchFamily="49" charset="0"/>
+                        </a:rPr>
+                        <a:t>)</a:t>
+                      </a:r>
+                      <a:r>
+                        <a:rPr lang="pt-BR" sz="1800" b="1" baseline="0" dirty="0">
+                          <a:latin typeface="Courier New" panose="02070309020205020404" pitchFamily="49" charset="0"/>
+                          <a:cs typeface="Courier New" panose="02070309020205020404" pitchFamily="49" charset="0"/>
+                        </a:rPr>
+                        <a:t>: 42}</a:t>
+                      </a:r>
+                      <a:r>
+                        <a:rPr lang="pt-BR" sz="1800" b="1" baseline="0" dirty="0">
+                          <a:solidFill>
+                            <a:schemeClr val="bg1">
+                              <a:lumMod val="50000"/>
+                            </a:schemeClr>
+                          </a:solidFill>
+                          <a:latin typeface="Courier New" panose="02070309020205020404" pitchFamily="49" charset="0"/>
+                          <a:cs typeface="Courier New" panose="02070309020205020404" pitchFamily="49" charset="0"/>
+                        </a:rPr>
+                        <a:t>  # 2D table as dictionary</a:t>
+                      </a:r>
+                      <a:endParaRPr lang="pt-BR" sz="1800" b="1" baseline="0" dirty="0">
+                        <a:latin typeface="Courier New" panose="02070309020205020404" pitchFamily="49" charset="0"/>
+                        <a:cs typeface="Courier New" panose="02070309020205020404" pitchFamily="49" charset="0"/>
+                      </a:endParaRPr>
+                    </a:p>
+                    <a:p>
+                      <a:pPr marL="266700" indent="-266700">
+                        <a:buClr>
+                          <a:srgbClr val="C00000"/>
+                        </a:buClr>
+                        <a:buSzPct val="100000"/>
+                        <a:buFont typeface="Courier New" panose="02070309020205020404" pitchFamily="49" charset="0"/>
+                        <a:buChar char="&gt;"/>
+                      </a:pPr>
+                      <a:r>
+                        <a:rPr lang="pt-BR" sz="1800" b="1" baseline="0" dirty="0">
+                          <a:latin typeface="Courier New" panose="02070309020205020404" pitchFamily="49" charset="0"/>
+                          <a:cs typeface="Courier New" panose="02070309020205020404" pitchFamily="49" charset="0"/>
+                        </a:rPr>
+                        <a:t>T</a:t>
+                      </a:r>
+                      <a:r>
+                        <a:rPr lang="pt-BR" sz="1800" b="1" baseline="0" dirty="0">
+                          <a:solidFill>
+                            <a:schemeClr val="accent5"/>
+                          </a:solidFill>
+                          <a:latin typeface="Courier New" panose="02070309020205020404" pitchFamily="49" charset="0"/>
+                          <a:cs typeface="Courier New" panose="02070309020205020404" pitchFamily="49" charset="0"/>
+                        </a:rPr>
+                        <a:t>[</a:t>
+                      </a:r>
+                      <a:r>
+                        <a:rPr lang="pt-BR" sz="1800" b="1" baseline="0" dirty="0">
+                          <a:latin typeface="Courier New" panose="02070309020205020404" pitchFamily="49" charset="0"/>
+                          <a:cs typeface="Courier New" panose="02070309020205020404" pitchFamily="49" charset="0"/>
+                        </a:rPr>
+                        <a:t>1, 0</a:t>
+                      </a:r>
+                      <a:r>
+                        <a:rPr lang="pt-BR" sz="1800" b="1" baseline="0" dirty="0">
+                          <a:solidFill>
+                            <a:schemeClr val="accent5"/>
+                          </a:solidFill>
+                          <a:latin typeface="Courier New" panose="02070309020205020404" pitchFamily="49" charset="0"/>
+                          <a:cs typeface="Courier New" panose="02070309020205020404" pitchFamily="49" charset="0"/>
+                        </a:rPr>
+                        <a:t>]</a:t>
+                      </a:r>
+                      <a:r>
+                        <a:rPr lang="pt-BR" sz="1800" b="1" baseline="0" dirty="0">
+                          <a:latin typeface="Courier New" panose="02070309020205020404" pitchFamily="49" charset="0"/>
+                          <a:cs typeface="Courier New" panose="02070309020205020404" pitchFamily="49" charset="0"/>
+                        </a:rPr>
+                        <a:t>  </a:t>
+                      </a:r>
+                      <a:r>
+                        <a:rPr lang="pt-BR" sz="1800" b="1" baseline="0" dirty="0">
+                          <a:solidFill>
+                            <a:schemeClr val="bg1">
+                              <a:lumMod val="50000"/>
+                            </a:schemeClr>
+                          </a:solidFill>
+                          <a:latin typeface="Courier New" panose="02070309020205020404" pitchFamily="49" charset="0"/>
+                          <a:cs typeface="Courier New" panose="02070309020205020404" pitchFamily="49" charset="0"/>
+                        </a:rPr>
+                        <a:t># dictionary lookup with tuple (1, 0) as key</a:t>
+                      </a:r>
+                      <a:endParaRPr lang="pt-BR" sz="1800" b="1" baseline="0" dirty="0">
+                        <a:latin typeface="Courier New" panose="02070309020205020404" pitchFamily="49" charset="0"/>
+                        <a:cs typeface="Courier New" panose="02070309020205020404" pitchFamily="49" charset="0"/>
+                      </a:endParaRPr>
+                    </a:p>
+                    <a:p>
+                      <a:pPr marL="266700" indent="-266700">
+                        <a:buClr>
+                          <a:schemeClr val="accent1">
+                            <a:lumMod val="50000"/>
+                          </a:schemeClr>
+                        </a:buClr>
+                        <a:buSzPct val="120000"/>
+                        <a:buFont typeface="Courier New" panose="02070309020205020404" pitchFamily="49" charset="0"/>
+                        <a:buChar char="|"/>
+                      </a:pPr>
+                      <a:r>
+                        <a:rPr lang="pt-BR" sz="1800" b="1" baseline="0" dirty="0">
+                          <a:latin typeface="Courier New" panose="02070309020205020404" pitchFamily="49" charset="0"/>
+                          <a:cs typeface="Courier New" panose="02070309020205020404" pitchFamily="49" charset="0"/>
+                        </a:rPr>
+                        <a:t>42</a:t>
+                      </a:r>
+                    </a:p>
+                    <a:p>
+                      <a:pPr marL="266700" indent="-266700">
+                        <a:buClr>
+                          <a:srgbClr val="C00000"/>
+                        </a:buClr>
+                        <a:buSzPct val="100000"/>
+                        <a:buFont typeface="Courier New" panose="02070309020205020404" pitchFamily="49" charset="0"/>
+                        <a:buChar char="&gt;"/>
+                      </a:pPr>
+                      <a:r>
+                        <a:rPr lang="pt-BR" sz="1800" b="1" baseline="0" dirty="0">
+                          <a:latin typeface="Courier New" panose="02070309020205020404" pitchFamily="49" charset="0"/>
+                          <a:cs typeface="Courier New" panose="02070309020205020404" pitchFamily="49" charset="0"/>
+                        </a:rPr>
+                        <a:t>T[1][0]  </a:t>
+                      </a:r>
+                      <a:r>
+                        <a:rPr lang="pt-BR" sz="1800" b="1" baseline="0" dirty="0">
+                          <a:solidFill>
+                            <a:schemeClr val="bg1">
+                              <a:lumMod val="50000"/>
+                            </a:schemeClr>
+                          </a:solidFill>
+                          <a:latin typeface="Courier New" panose="02070309020205020404" pitchFamily="49" charset="0"/>
+                          <a:cs typeface="Courier New" panose="02070309020205020404" pitchFamily="49" charset="0"/>
+                        </a:rPr>
+                        <a:t># wrong, T has only one key = the tuple (1, 0)</a:t>
+                      </a:r>
+                      <a:endParaRPr lang="pt-BR" sz="1800" b="1" baseline="0" dirty="0">
+                        <a:latin typeface="Courier New" panose="02070309020205020404" pitchFamily="49" charset="0"/>
+                        <a:cs typeface="Courier New" panose="02070309020205020404" pitchFamily="49" charset="0"/>
+                      </a:endParaRPr>
+                    </a:p>
+                    <a:p>
+                      <a:pPr marL="266700" indent="-266700">
+                        <a:buClr>
+                          <a:schemeClr val="accent1">
+                            <a:lumMod val="50000"/>
+                          </a:schemeClr>
+                        </a:buClr>
+                        <a:buSzPct val="120000"/>
+                        <a:buFont typeface="Courier New" panose="02070309020205020404" pitchFamily="49" charset="0"/>
+                        <a:buChar char="|"/>
+                      </a:pPr>
+                      <a:r>
+                        <a:rPr lang="pt-BR" sz="1800" b="1" baseline="0" dirty="0">
+                          <a:latin typeface="Courier New" panose="02070309020205020404" pitchFamily="49" charset="0"/>
+                          <a:cs typeface="Courier New" panose="02070309020205020404" pitchFamily="49" charset="0"/>
+                        </a:rPr>
+                        <a:t>KeyError: 1</a:t>
+                      </a:r>
+                    </a:p>
+                  </a:txBody>
+                  <a:tcPr>
+                    <a:lnL w="6350" cap="flat" cmpd="sng" algn="ctr">
+                      <a:solidFill>
+                        <a:schemeClr val="tx1"/>
+                      </a:solidFill>
+                      <a:prstDash val="solid"/>
+                      <a:round/>
+                      <a:headEnd type="none" w="med" len="med"/>
+                      <a:tailEnd type="none" w="med" len="med"/>
+                    </a:lnL>
+                    <a:lnR w="6350" cap="flat" cmpd="sng" algn="ctr">
+                      <a:solidFill>
+                        <a:schemeClr val="tx1"/>
+                      </a:solidFill>
+                      <a:prstDash val="solid"/>
+                      <a:round/>
+                      <a:headEnd type="none" w="med" len="med"/>
+                      <a:tailEnd type="none" w="med" len="med"/>
+                    </a:lnR>
+                    <a:lnT w="6350" cap="flat" cmpd="sng" algn="ctr">
+                      <a:solidFill>
+                        <a:schemeClr val="tx1"/>
+                      </a:solidFill>
+                      <a:prstDash val="solid"/>
+                      <a:round/>
+                      <a:headEnd type="none" w="med" len="med"/>
+                      <a:tailEnd type="none" w="med" len="med"/>
+                    </a:lnT>
+                    <a:lnB w="6350" cap="flat" cmpd="sng" algn="ctr">
+                      <a:solidFill>
+                        <a:schemeClr val="tx1"/>
+                      </a:solidFill>
+                      <a:prstDash val="solid"/>
+                      <a:round/>
+                      <a:headEnd type="none" w="med" len="med"/>
+                      <a:tailEnd type="none" w="med" len="med"/>
+                    </a:lnB>
+                    <a:lnTlToBr w="12700" cmpd="sng">
+                      <a:noFill/>
+                      <a:prstDash val="solid"/>
+                    </a:lnTlToBr>
+                    <a:lnBlToTr w="12700" cmpd="sng">
+                      <a:noFill/>
+                      <a:prstDash val="solid"/>
+                    </a:lnBlToTr>
+                    <a:solidFill>
+                      <a:schemeClr val="accent5">
+                        <a:lumMod val="20000"/>
+                        <a:lumOff val="80000"/>
+                      </a:schemeClr>
+                    </a:solidFill>
+                  </a:tcPr>
+                </a:tc>
+                <a:extLst>
+                  <a:ext uri="{0D108BD9-81ED-4DB2-BD59-A6C34878D82A}">
+                    <a16:rowId xmlns:a16="http://schemas.microsoft.com/office/drawing/2014/main" val="4112970457"/>
+                  </a:ext>
+                </a:extLst>
+              </a:tr>
+            </a:tbl>
+          </a:graphicData>
+        </a:graphic>
+      </p:graphicFrame>
+    </p:spTree>
+    <p:extLst>
+      <p:ext uri="{BB962C8B-B14F-4D97-AF65-F5344CB8AC3E}">
+        <p14:creationId xmlns:p14="http://schemas.microsoft.com/office/powerpoint/2010/main" val="2133287186"/>
+      </p:ext>
+    </p:extLst>
+  </p:cSld>
+  <p:clrMapOvr>
+    <a:masterClrMapping/>
+  </p:clrMapOvr>
+</p:sld>
+</file>
+
+<file path=ppt/slides/slide8.xml><?xml version="1.0" encoding="utf-8"?>
+<p:sld xmlns:a="http://schemas.openxmlformats.org/drawingml/2006/main" xmlns:r="http://schemas.openxmlformats.org/officeDocument/2006/relationships" xmlns:p="http://schemas.openxmlformats.org/presentationml/2006/main">
+  <p:cSld>
+    <p:spTree>
+      <p:nvGrpSpPr>
+        <p:cNvPr id="1" name=""/>
+        <p:cNvGrpSpPr/>
+        <p:nvPr/>
+      </p:nvGrpSpPr>
+      <p:grpSpPr>
+        <a:xfrm>
+          <a:off x="0" y="0"/>
+          <a:ext cx="0" cy="0"/>
+          <a:chOff x="0" y="0"/>
+          <a:chExt cx="0" cy="0"/>
+        </a:xfrm>
+      </p:grpSpPr>
+      <p:sp>
+        <p:nvSpPr>
           <p:cNvPr id="2" name="Title 1"/>
           <p:cNvSpPr>
             <a:spLocks noGrp="1"/>
@@ -24286,7 +27754,7 @@
 </p:sld>
 </file>
 
-<file path=ppt/slides/slide8.xml><?xml version="1.0" encoding="utf-8"?>
+<file path=ppt/slides/slide9.xml><?xml version="1.0" encoding="utf-8"?>
 <p:sld xmlns:a="http://schemas.openxmlformats.org/drawingml/2006/main" xmlns:r="http://schemas.openxmlformats.org/officeDocument/2006/relationships" xmlns:p="http://schemas.openxmlformats.org/presentationml/2006/main">
   <p:cSld>
     <p:spTree>
@@ -25045,2548 +28513,6 @@
   <p:clrMapOvr>
     <a:masterClrMapping/>
   </p:clrMapOvr>
-</p:sld>
-</file>
-
-<file path=ppt/slides/slide9.xml><?xml version="1.0" encoding="utf-8"?>
-<p:sld xmlns:a="http://schemas.openxmlformats.org/drawingml/2006/main" xmlns:r="http://schemas.openxmlformats.org/officeDocument/2006/relationships" xmlns:p="http://schemas.openxmlformats.org/presentationml/2006/main">
-  <p:cSld>
-    <p:bg>
-      <p:bgPr>
-        <a:solidFill>
-          <a:schemeClr val="bg1"/>
-        </a:solidFill>
-        <a:effectLst/>
-      </p:bgPr>
-    </p:bg>
-    <p:spTree>
-      <p:nvGrpSpPr>
-        <p:cNvPr id="1" name=""/>
-        <p:cNvGrpSpPr/>
-        <p:nvPr/>
-      </p:nvGrpSpPr>
-      <p:grpSpPr>
-        <a:xfrm>
-          <a:off x="0" y="0"/>
-          <a:ext cx="0" cy="0"/>
-          <a:chOff x="0" y="0"/>
-          <a:chExt cx="0" cy="0"/>
-        </a:xfrm>
-      </p:grpSpPr>
-      <p:sp>
-        <p:nvSpPr>
-          <p:cNvPr id="2" name="Title 1"/>
-          <p:cNvSpPr>
-            <a:spLocks noGrp="1"/>
-          </p:cNvSpPr>
-          <p:nvPr>
-            <p:ph type="title"/>
-          </p:nvPr>
-        </p:nvSpPr>
-        <p:spPr>
-          <a:xfrm>
-            <a:off x="345337" y="118513"/>
-            <a:ext cx="6543101" cy="1325563"/>
-          </a:xfrm>
-        </p:spPr>
-        <p:txBody>
-          <a:bodyPr/>
-          <a:lstStyle/>
-          <a:p>
-            <a:r>
-              <a:rPr lang="en-US" dirty="0"/>
-              <a:t>Sets (set and </a:t>
-            </a:r>
-            <a:r>
-              <a:rPr lang="en-US" dirty="0" err="1"/>
-              <a:t>frozenset</a:t>
-            </a:r>
-            <a:r>
-              <a:rPr lang="en-US" dirty="0"/>
-              <a:t>)</a:t>
-            </a:r>
-          </a:p>
-        </p:txBody>
-      </p:sp>
-      <p:sp>
-        <p:nvSpPr>
-          <p:cNvPr id="3" name="Content Placeholder 2"/>
-          <p:cNvSpPr>
-            <a:spLocks noGrp="1"/>
-          </p:cNvSpPr>
-          <p:nvPr>
-            <p:ph idx="1"/>
-          </p:nvPr>
-        </p:nvSpPr>
-        <p:spPr>
-          <a:xfrm>
-            <a:off x="544649" y="1331478"/>
-            <a:ext cx="7256084" cy="2601934"/>
-          </a:xfrm>
-        </p:spPr>
-        <p:txBody>
-          <a:bodyPr>
-            <a:normAutofit/>
-          </a:bodyPr>
-          <a:lstStyle/>
-          <a:p>
-            <a:pPr marL="0" indent="0" algn="ctr">
-              <a:buNone/>
-            </a:pPr>
-            <a:r>
-              <a:rPr lang="en-US" dirty="0">
-                <a:solidFill>
-                  <a:srgbClr val="C00000"/>
-                </a:solidFill>
-                <a:latin typeface="Courier New" panose="02070309020205020404" pitchFamily="49" charset="0"/>
-                <a:cs typeface="Courier New" panose="02070309020205020404" pitchFamily="49" charset="0"/>
-              </a:rPr>
-              <a:t>{</a:t>
-            </a:r>
-            <a:r>
-              <a:rPr lang="en-US" i="1" dirty="0">
-                <a:cs typeface="Courier New" panose="02070309020205020404" pitchFamily="49" charset="0"/>
-              </a:rPr>
-              <a:t>value</a:t>
-            </a:r>
-            <a:r>
-              <a:rPr lang="en-US" baseline="-25000" dirty="0">
-                <a:cs typeface="Courier New" panose="02070309020205020404" pitchFamily="49" charset="0"/>
-              </a:rPr>
-              <a:t>1</a:t>
-            </a:r>
-            <a:r>
-              <a:rPr lang="en-US" dirty="0">
-                <a:solidFill>
-                  <a:srgbClr val="C00000"/>
-                </a:solidFill>
-                <a:latin typeface="Courier New" panose="02070309020205020404" pitchFamily="49" charset="0"/>
-                <a:cs typeface="Courier New" panose="02070309020205020404" pitchFamily="49" charset="0"/>
-              </a:rPr>
-              <a:t>,</a:t>
-            </a:r>
-            <a:r>
-              <a:rPr lang="en-US" dirty="0">
-                <a:latin typeface="Courier New" panose="02070309020205020404" pitchFamily="49" charset="0"/>
-                <a:cs typeface="Courier New" panose="02070309020205020404" pitchFamily="49" charset="0"/>
-              </a:rPr>
-              <a:t> ...</a:t>
-            </a:r>
-            <a:r>
-              <a:rPr lang="en-US" dirty="0">
-                <a:solidFill>
-                  <a:srgbClr val="C00000"/>
-                </a:solidFill>
-                <a:latin typeface="Courier New" panose="02070309020205020404" pitchFamily="49" charset="0"/>
-                <a:cs typeface="Courier New" panose="02070309020205020404" pitchFamily="49" charset="0"/>
-              </a:rPr>
-              <a:t>,</a:t>
-            </a:r>
-            <a:r>
-              <a:rPr lang="en-US" dirty="0">
-                <a:latin typeface="Courier New" panose="02070309020205020404" pitchFamily="49" charset="0"/>
-                <a:cs typeface="Courier New" panose="02070309020205020404" pitchFamily="49" charset="0"/>
-              </a:rPr>
-              <a:t> </a:t>
-            </a:r>
-            <a:r>
-              <a:rPr lang="en-US" i="1" dirty="0" err="1">
-                <a:cs typeface="Courier New" panose="02070309020205020404" pitchFamily="49" charset="0"/>
-              </a:rPr>
-              <a:t>value</a:t>
-            </a:r>
-            <a:r>
-              <a:rPr lang="en-US" i="1" baseline="-25000" dirty="0" err="1">
-                <a:cs typeface="Courier New" panose="02070309020205020404" pitchFamily="49" charset="0"/>
-              </a:rPr>
-              <a:t>k</a:t>
-            </a:r>
-            <a:r>
-              <a:rPr lang="en-US" baseline="-25000" dirty="0">
-                <a:cs typeface="Courier New" panose="02070309020205020404" pitchFamily="49" charset="0"/>
-              </a:rPr>
-              <a:t> </a:t>
-            </a:r>
-            <a:r>
-              <a:rPr lang="en-US" dirty="0">
-                <a:solidFill>
-                  <a:srgbClr val="C00000"/>
-                </a:solidFill>
-                <a:latin typeface="Courier New" panose="02070309020205020404" pitchFamily="49" charset="0"/>
-                <a:cs typeface="Courier New" panose="02070309020205020404" pitchFamily="49" charset="0"/>
-              </a:rPr>
-              <a:t>}</a:t>
-            </a:r>
-            <a:endParaRPr lang="da-DK" dirty="0"/>
-          </a:p>
-          <a:p>
-            <a:r>
-              <a:rPr lang="da-DK" dirty="0"/>
-              <a:t>Values of type </a:t>
-            </a:r>
-            <a:r>
-              <a:rPr lang="da-DK" dirty="0">
-                <a:latin typeface="Courier New" panose="02070309020205020404" pitchFamily="49" charset="0"/>
-                <a:cs typeface="Courier New" panose="02070309020205020404" pitchFamily="49" charset="0"/>
-              </a:rPr>
-              <a:t>set</a:t>
-            </a:r>
-            <a:r>
-              <a:rPr lang="da-DK" dirty="0"/>
-              <a:t> </a:t>
-            </a:r>
-            <a:r>
-              <a:rPr lang="da-DK" dirty="0" err="1"/>
-              <a:t>represent</a:t>
-            </a:r>
-            <a:r>
-              <a:rPr lang="da-DK" dirty="0"/>
-              <a:t> mutable sets, </a:t>
-            </a:r>
-            <a:r>
-              <a:rPr lang="da-DK" dirty="0" err="1"/>
-              <a:t>where</a:t>
-            </a:r>
-            <a:r>
-              <a:rPr lang="da-DK" dirty="0"/>
-              <a:t> ”==” elements </a:t>
-            </a:r>
-            <a:r>
-              <a:rPr lang="da-DK" dirty="0" err="1"/>
-              <a:t>only</a:t>
-            </a:r>
-            <a:r>
-              <a:rPr lang="da-DK" dirty="0"/>
-              <a:t> </a:t>
-            </a:r>
-            <a:r>
-              <a:rPr lang="da-DK" dirty="0" err="1"/>
-              <a:t>appear</a:t>
-            </a:r>
-            <a:r>
-              <a:rPr lang="da-DK" dirty="0"/>
-              <a:t> </a:t>
-            </a:r>
-            <a:r>
-              <a:rPr lang="da-DK" dirty="0" err="1"/>
-              <a:t>once</a:t>
-            </a:r>
-            <a:endParaRPr lang="da-DK" dirty="0"/>
-          </a:p>
-          <a:p>
-            <a:r>
-              <a:rPr lang="da-DK" dirty="0"/>
-              <a:t>Do </a:t>
-            </a:r>
-            <a:r>
-              <a:rPr lang="da-DK" b="1" dirty="0"/>
-              <a:t>not</a:t>
-            </a:r>
-            <a:r>
-              <a:rPr lang="da-DK" dirty="0"/>
-              <a:t> support: </a:t>
-            </a:r>
-            <a:r>
-              <a:rPr lang="da-DK" dirty="0" err="1"/>
-              <a:t>indexing</a:t>
-            </a:r>
-            <a:r>
-              <a:rPr lang="da-DK" dirty="0"/>
-              <a:t>, </a:t>
-            </a:r>
-            <a:r>
-              <a:rPr lang="da-DK" dirty="0" err="1"/>
-              <a:t>slicing</a:t>
-            </a:r>
-            <a:r>
-              <a:rPr lang="da-DK" dirty="0"/>
-              <a:t> </a:t>
-            </a:r>
-          </a:p>
-          <a:p>
-            <a:r>
-              <a:rPr lang="da-DK" dirty="0" err="1">
-                <a:latin typeface="Courier New" panose="02070309020205020404" pitchFamily="49" charset="0"/>
-                <a:cs typeface="Courier New" panose="02070309020205020404" pitchFamily="49" charset="0"/>
-              </a:rPr>
-              <a:t>frozenset</a:t>
-            </a:r>
-            <a:r>
-              <a:rPr lang="da-DK" dirty="0"/>
-              <a:t> is an </a:t>
-            </a:r>
-            <a:r>
-              <a:rPr lang="da-DK" dirty="0" err="1"/>
-              <a:t>immutable</a:t>
-            </a:r>
-            <a:r>
-              <a:rPr lang="da-DK" dirty="0"/>
-              <a:t> version of </a:t>
-            </a:r>
-            <a:r>
-              <a:rPr lang="da-DK" dirty="0">
-                <a:latin typeface="Courier New" panose="02070309020205020404" pitchFamily="49" charset="0"/>
-                <a:cs typeface="Courier New" panose="02070309020205020404" pitchFamily="49" charset="0"/>
-              </a:rPr>
-              <a:t>set</a:t>
-            </a:r>
-            <a:endParaRPr lang="en-US" dirty="0">
-              <a:latin typeface="Courier New" panose="02070309020205020404" pitchFamily="49" charset="0"/>
-              <a:cs typeface="Courier New" panose="02070309020205020404" pitchFamily="49" charset="0"/>
-            </a:endParaRPr>
-          </a:p>
-          <a:p>
-            <a:endParaRPr lang="en-US" dirty="0"/>
-          </a:p>
-        </p:txBody>
-      </p:sp>
-      <p:sp>
-        <p:nvSpPr>
-          <p:cNvPr id="4" name="Rectangle 3">
-            <a:hlinkClick r:id="rId3"/>
-          </p:cNvPr>
-          <p:cNvSpPr/>
-          <p:nvPr/>
-        </p:nvSpPr>
-        <p:spPr>
-          <a:xfrm>
-            <a:off x="4956364" y="6140151"/>
-            <a:ext cx="7144648" cy="646331"/>
-          </a:xfrm>
-          <a:prstGeom prst="rect">
-            <a:avLst/>
-          </a:prstGeom>
-        </p:spPr>
-        <p:txBody>
-          <a:bodyPr wrap="none">
-            <a:spAutoFit/>
-          </a:bodyPr>
-          <a:lstStyle/>
-          <a:p>
-            <a:pPr algn="r"/>
-            <a:r>
-              <a:rPr lang="en-US" dirty="0">
-                <a:solidFill>
-                  <a:schemeClr val="bg2">
-                    <a:lumMod val="50000"/>
-                  </a:schemeClr>
-                </a:solidFill>
-                <a:hlinkClick r:id="rId3"/>
-              </a:rPr>
-              <a:t>https://docs.python.org/3/tutorial/datastructures.html#sets</a:t>
-            </a:r>
-            <a:endParaRPr lang="en-US" dirty="0">
-              <a:solidFill>
-                <a:schemeClr val="bg2">
-                  <a:lumMod val="50000"/>
-                </a:schemeClr>
-              </a:solidFill>
-            </a:endParaRPr>
-          </a:p>
-          <a:p>
-            <a:pPr algn="r"/>
-            <a:r>
-              <a:rPr lang="en-US" dirty="0">
-                <a:solidFill>
-                  <a:schemeClr val="bg2">
-                    <a:lumMod val="50000"/>
-                  </a:schemeClr>
-                </a:solidFill>
-                <a:hlinkClick r:id="rId4"/>
-              </a:rPr>
-              <a:t>https://docs.python.org/3/library/stdtypes.html#set-types-set-frozenset</a:t>
-            </a:r>
-            <a:endParaRPr lang="en-US" dirty="0">
-              <a:solidFill>
-                <a:schemeClr val="bg2">
-                  <a:lumMod val="50000"/>
-                </a:schemeClr>
-              </a:solidFill>
-            </a:endParaRPr>
-          </a:p>
-        </p:txBody>
-      </p:sp>
-      <p:sp>
-        <p:nvSpPr>
-          <p:cNvPr id="5" name="Content Placeholder 2"/>
-          <p:cNvSpPr txBox="1">
-            <a:spLocks/>
-          </p:cNvSpPr>
-          <p:nvPr/>
-        </p:nvSpPr>
-        <p:spPr>
-          <a:xfrm>
-            <a:off x="6423183" y="561820"/>
-            <a:ext cx="5677829" cy="4351338"/>
-          </a:xfrm>
-          <a:prstGeom prst="rect">
-            <a:avLst/>
-          </a:prstGeom>
-        </p:spPr>
-        <p:txBody>
-          <a:bodyPr vert="horz" lIns="91440" tIns="45720" rIns="91440" bIns="45720" rtlCol="0">
-            <a:normAutofit/>
-          </a:bodyPr>
-          <a:lstStyle>
-            <a:lvl1pPr marL="357188" indent="-357188" algn="l" defTabSz="914400" rtl="0" eaLnBrk="1" latinLnBrk="0" hangingPunct="1">
-              <a:lnSpc>
-                <a:spcPct val="90000"/>
-              </a:lnSpc>
-              <a:spcBef>
-                <a:spcPts val="1000"/>
-              </a:spcBef>
-              <a:buClr>
-                <a:srgbClr val="C00000"/>
-              </a:buClr>
-              <a:buFont typeface="Wingdings" panose="05000000000000000000" pitchFamily="2" charset="2"/>
-              <a:buChar char="§"/>
-              <a:defRPr sz="2800" kern="1200">
-                <a:solidFill>
-                  <a:schemeClr val="tx1"/>
-                </a:solidFill>
-                <a:latin typeface="+mn-lt"/>
-                <a:ea typeface="+mn-ea"/>
-                <a:cs typeface="+mn-cs"/>
-              </a:defRPr>
-            </a:lvl1pPr>
-            <a:lvl2pPr marL="685800" indent="-228600" algn="l" defTabSz="914400" rtl="0" eaLnBrk="1" latinLnBrk="0" hangingPunct="1">
-              <a:lnSpc>
-                <a:spcPct val="90000"/>
-              </a:lnSpc>
-              <a:spcBef>
-                <a:spcPts val="500"/>
-              </a:spcBef>
-              <a:buFont typeface="Arial" panose="020B0604020202020204" pitchFamily="34" charset="0"/>
-              <a:buChar char="•"/>
-              <a:defRPr sz="2400" kern="1200">
-                <a:solidFill>
-                  <a:schemeClr val="tx1"/>
-                </a:solidFill>
-                <a:latin typeface="+mn-lt"/>
-                <a:ea typeface="+mn-ea"/>
-                <a:cs typeface="+mn-cs"/>
-              </a:defRPr>
-            </a:lvl2pPr>
-            <a:lvl3pPr marL="1143000" indent="-228600" algn="l" defTabSz="914400" rtl="0" eaLnBrk="1" latinLnBrk="0" hangingPunct="1">
-              <a:lnSpc>
-                <a:spcPct val="90000"/>
-              </a:lnSpc>
-              <a:spcBef>
-                <a:spcPts val="500"/>
-              </a:spcBef>
-              <a:buFont typeface="Arial" panose="020B0604020202020204" pitchFamily="34" charset="0"/>
-              <a:buChar char="•"/>
-              <a:defRPr sz="2000" kern="1200">
-                <a:solidFill>
-                  <a:schemeClr val="tx1"/>
-                </a:solidFill>
-                <a:latin typeface="+mn-lt"/>
-                <a:ea typeface="+mn-ea"/>
-                <a:cs typeface="+mn-cs"/>
-              </a:defRPr>
-            </a:lvl3pPr>
-            <a:lvl4pPr marL="1600200" indent="-228600" algn="l" defTabSz="914400" rtl="0" eaLnBrk="1" latinLnBrk="0" hangingPunct="1">
-              <a:lnSpc>
-                <a:spcPct val="90000"/>
-              </a:lnSpc>
-              <a:spcBef>
-                <a:spcPts val="500"/>
-              </a:spcBef>
-              <a:buFont typeface="Arial" panose="020B0604020202020204" pitchFamily="34" charset="0"/>
-              <a:buChar char="•"/>
-              <a:defRPr sz="1800" kern="1200">
-                <a:solidFill>
-                  <a:schemeClr val="tx1"/>
-                </a:solidFill>
-                <a:latin typeface="+mn-lt"/>
-                <a:ea typeface="+mn-ea"/>
-                <a:cs typeface="+mn-cs"/>
-              </a:defRPr>
-            </a:lvl4pPr>
-            <a:lvl5pPr marL="2057400" indent="-228600" algn="l" defTabSz="914400" rtl="0" eaLnBrk="1" latinLnBrk="0" hangingPunct="1">
-              <a:lnSpc>
-                <a:spcPct val="90000"/>
-              </a:lnSpc>
-              <a:spcBef>
-                <a:spcPts val="500"/>
-              </a:spcBef>
-              <a:buFont typeface="Arial" panose="020B0604020202020204" pitchFamily="34" charset="0"/>
-              <a:buChar char="•"/>
-              <a:defRPr sz="1800" kern="1200">
-                <a:solidFill>
-                  <a:schemeClr val="tx1"/>
-                </a:solidFill>
-                <a:latin typeface="+mn-lt"/>
-                <a:ea typeface="+mn-ea"/>
-                <a:cs typeface="+mn-cs"/>
-              </a:defRPr>
-            </a:lvl5pPr>
-            <a:lvl6pPr marL="2514600" indent="-228600" algn="l" defTabSz="914400" rtl="0" eaLnBrk="1" latinLnBrk="0" hangingPunct="1">
-              <a:lnSpc>
-                <a:spcPct val="90000"/>
-              </a:lnSpc>
-              <a:spcBef>
-                <a:spcPts val="500"/>
-              </a:spcBef>
-              <a:buFont typeface="Arial" panose="020B0604020202020204" pitchFamily="34" charset="0"/>
-              <a:buChar char="•"/>
-              <a:defRPr sz="1800" kern="1200">
-                <a:solidFill>
-                  <a:schemeClr val="tx1"/>
-                </a:solidFill>
-                <a:latin typeface="+mn-lt"/>
-                <a:ea typeface="+mn-ea"/>
-                <a:cs typeface="+mn-cs"/>
-              </a:defRPr>
-            </a:lvl6pPr>
-            <a:lvl7pPr marL="2971800" indent="-228600" algn="l" defTabSz="914400" rtl="0" eaLnBrk="1" latinLnBrk="0" hangingPunct="1">
-              <a:lnSpc>
-                <a:spcPct val="90000"/>
-              </a:lnSpc>
-              <a:spcBef>
-                <a:spcPts val="500"/>
-              </a:spcBef>
-              <a:buFont typeface="Arial" panose="020B0604020202020204" pitchFamily="34" charset="0"/>
-              <a:buChar char="•"/>
-              <a:defRPr sz="1800" kern="1200">
-                <a:solidFill>
-                  <a:schemeClr val="tx1"/>
-                </a:solidFill>
-                <a:latin typeface="+mn-lt"/>
-                <a:ea typeface="+mn-ea"/>
-                <a:cs typeface="+mn-cs"/>
-              </a:defRPr>
-            </a:lvl7pPr>
-            <a:lvl8pPr marL="3429000" indent="-228600" algn="l" defTabSz="914400" rtl="0" eaLnBrk="1" latinLnBrk="0" hangingPunct="1">
-              <a:lnSpc>
-                <a:spcPct val="90000"/>
-              </a:lnSpc>
-              <a:spcBef>
-                <a:spcPts val="500"/>
-              </a:spcBef>
-              <a:buFont typeface="Arial" panose="020B0604020202020204" pitchFamily="34" charset="0"/>
-              <a:buChar char="•"/>
-              <a:defRPr sz="1800" kern="1200">
-                <a:solidFill>
-                  <a:schemeClr val="tx1"/>
-                </a:solidFill>
-                <a:latin typeface="+mn-lt"/>
-                <a:ea typeface="+mn-ea"/>
-                <a:cs typeface="+mn-cs"/>
-              </a:defRPr>
-            </a:lvl8pPr>
-            <a:lvl9pPr marL="3886200" indent="-228600" algn="l" defTabSz="914400" rtl="0" eaLnBrk="1" latinLnBrk="0" hangingPunct="1">
-              <a:lnSpc>
-                <a:spcPct val="90000"/>
-              </a:lnSpc>
-              <a:spcBef>
-                <a:spcPts val="500"/>
-              </a:spcBef>
-              <a:buFont typeface="Arial" panose="020B0604020202020204" pitchFamily="34" charset="0"/>
-              <a:buChar char="•"/>
-              <a:defRPr sz="1800" kern="1200">
-                <a:solidFill>
-                  <a:schemeClr val="tx1"/>
-                </a:solidFill>
-                <a:latin typeface="+mn-lt"/>
-                <a:ea typeface="+mn-ea"/>
-                <a:cs typeface="+mn-cs"/>
-              </a:defRPr>
-            </a:lvl9pPr>
-          </a:lstStyle>
-          <a:p>
-            <a:endParaRPr lang="en-US" dirty="0"/>
-          </a:p>
-        </p:txBody>
-      </p:sp>
-      <p:graphicFrame>
-        <p:nvGraphicFramePr>
-          <p:cNvPr id="6" name="Table 5"/>
-          <p:cNvGraphicFramePr>
-            <a:graphicFrameLocks noGrp="1"/>
-          </p:cNvGraphicFramePr>
-          <p:nvPr>
-            <p:extLst>
-              <p:ext uri="{D42A27DB-BD31-4B8C-83A1-F6EECF244321}">
-                <p14:modId xmlns:p14="http://schemas.microsoft.com/office/powerpoint/2010/main" val="4034325222"/>
-              </p:ext>
-            </p:extLst>
-          </p:nvPr>
-        </p:nvGraphicFramePr>
-        <p:xfrm>
-          <a:off x="7809018" y="259290"/>
-          <a:ext cx="4210384" cy="5815440"/>
-        </p:xfrm>
-        <a:graphic>
-          <a:graphicData uri="http://schemas.openxmlformats.org/drawingml/2006/table">
-            <a:tbl>
-              <a:tblPr firstRow="1" bandRow="1">
-                <a:tableStyleId>{7E9639D4-E3E2-4D34-9284-5A2195B3D0D7}</a:tableStyleId>
-              </a:tblPr>
-              <a:tblGrid>
-                <a:gridCol w="1456168">
-                  <a:extLst>
-                    <a:ext uri="{9D8B030D-6E8A-4147-A177-3AD203B41FA5}">
-                      <a16:colId xmlns:a16="http://schemas.microsoft.com/office/drawing/2014/main" val="2809744555"/>
-                    </a:ext>
-                  </a:extLst>
-                </a:gridCol>
-                <a:gridCol w="2754216">
-                  <a:extLst>
-                    <a:ext uri="{9D8B030D-6E8A-4147-A177-3AD203B41FA5}">
-                      <a16:colId xmlns:a16="http://schemas.microsoft.com/office/drawing/2014/main" val="2466915433"/>
-                    </a:ext>
-                  </a:extLst>
-                </a:gridCol>
-              </a:tblGrid>
-              <a:tr h="343924">
-                <a:tc>
-                  <a:txBody>
-                    <a:bodyPr/>
-                    <a:lstStyle/>
-                    <a:p>
-                      <a:pPr algn="l"/>
-                      <a:r>
-                        <a:rPr lang="da-DK" dirty="0"/>
-                        <a:t>Operation</a:t>
-                      </a:r>
-                      <a:endParaRPr lang="en-US" dirty="0"/>
-                    </a:p>
-                  </a:txBody>
-                  <a:tcPr marT="36000" marB="36000" anchor="ctr">
-                    <a:lnR w="12700" cap="flat" cmpd="sng" algn="ctr">
-                      <a:noFill/>
-                      <a:prstDash val="solid"/>
-                      <a:round/>
-                      <a:headEnd type="none" w="med" len="med"/>
-                      <a:tailEnd type="none" w="med" len="med"/>
-                    </a:lnR>
-                    <a:solidFill>
-                      <a:schemeClr val="accent1">
-                        <a:lumMod val="50000"/>
-                      </a:schemeClr>
-                    </a:solidFill>
-                  </a:tcPr>
-                </a:tc>
-                <a:tc>
-                  <a:txBody>
-                    <a:bodyPr/>
-                    <a:lstStyle/>
-                    <a:p>
-                      <a:pPr algn="l"/>
-                      <a:r>
-                        <a:rPr lang="da-DK" dirty="0" err="1"/>
-                        <a:t>Description</a:t>
-                      </a:r>
-                      <a:endParaRPr lang="en-US" dirty="0"/>
-                    </a:p>
-                  </a:txBody>
-                  <a:tcPr marT="36000" marB="36000" anchor="ctr">
-                    <a:lnL w="12700" cap="flat" cmpd="sng" algn="ctr">
-                      <a:noFill/>
-                      <a:prstDash val="solid"/>
-                      <a:round/>
-                      <a:headEnd type="none" w="med" len="med"/>
-                      <a:tailEnd type="none" w="med" len="med"/>
-                    </a:lnL>
-                    <a:solidFill>
-                      <a:schemeClr val="accent1">
-                        <a:lumMod val="50000"/>
-                      </a:schemeClr>
-                    </a:solidFill>
-                  </a:tcPr>
-                </a:tc>
-                <a:extLst>
-                  <a:ext uri="{0D108BD9-81ED-4DB2-BD59-A6C34878D82A}">
-                    <a16:rowId xmlns:a16="http://schemas.microsoft.com/office/drawing/2014/main" val="3977041741"/>
-                  </a:ext>
-                </a:extLst>
-              </a:tr>
-              <a:tr h="343924">
-                <a:tc>
-                  <a:txBody>
-                    <a:bodyPr/>
-                    <a:lstStyle/>
-                    <a:p>
-                      <a:pPr algn="l"/>
-                      <a:r>
-                        <a:rPr lang="en-US" dirty="0"/>
-                        <a:t>S | T</a:t>
-                      </a:r>
-                    </a:p>
-                  </a:txBody>
-                  <a:tcPr marT="36000" marB="36000" anchor="ctr">
-                    <a:lnR w="12700" cap="flat" cmpd="sng" algn="ctr">
-                      <a:noFill/>
-                      <a:prstDash val="solid"/>
-                      <a:round/>
-                      <a:headEnd type="none" w="med" len="med"/>
-                      <a:tailEnd type="none" w="med" len="med"/>
-                    </a:lnR>
-                    <a:solidFill>
-                      <a:schemeClr val="accent5">
-                        <a:lumMod val="20000"/>
-                        <a:lumOff val="80000"/>
-                      </a:schemeClr>
-                    </a:solidFill>
-                  </a:tcPr>
-                </a:tc>
-                <a:tc>
-                  <a:txBody>
-                    <a:bodyPr/>
-                    <a:lstStyle/>
-                    <a:p>
-                      <a:pPr algn="l"/>
-                      <a:r>
-                        <a:rPr lang="da-DK" dirty="0"/>
-                        <a:t>Set union</a:t>
-                      </a:r>
-                      <a:endParaRPr lang="en-US" dirty="0"/>
-                    </a:p>
-                  </a:txBody>
-                  <a:tcPr marT="36000" marB="36000" anchor="ctr">
-                    <a:lnL w="12700" cap="flat" cmpd="sng" algn="ctr">
-                      <a:noFill/>
-                      <a:prstDash val="solid"/>
-                      <a:round/>
-                      <a:headEnd type="none" w="med" len="med"/>
-                      <a:tailEnd type="none" w="med" len="med"/>
-                    </a:lnL>
-                    <a:solidFill>
-                      <a:schemeClr val="accent5">
-                        <a:lumMod val="20000"/>
-                        <a:lumOff val="80000"/>
-                      </a:schemeClr>
-                    </a:solidFill>
-                  </a:tcPr>
-                </a:tc>
-                <a:extLst>
-                  <a:ext uri="{0D108BD9-81ED-4DB2-BD59-A6C34878D82A}">
-                    <a16:rowId xmlns:a16="http://schemas.microsoft.com/office/drawing/2014/main" val="3534776293"/>
-                  </a:ext>
-                </a:extLst>
-              </a:tr>
-              <a:tr h="343924">
-                <a:tc>
-                  <a:txBody>
-                    <a:bodyPr/>
-                    <a:lstStyle/>
-                    <a:p>
-                      <a:pPr algn="l"/>
-                      <a:r>
-                        <a:rPr lang="da-DK" dirty="0"/>
-                        <a:t>S</a:t>
-                      </a:r>
-                      <a:r>
-                        <a:rPr lang="da-DK" baseline="0" dirty="0"/>
-                        <a:t> &amp; T</a:t>
-                      </a:r>
-                      <a:endParaRPr lang="en-US" dirty="0"/>
-                    </a:p>
-                  </a:txBody>
-                  <a:tcPr marT="36000" marB="36000" anchor="ctr">
-                    <a:lnR w="12700" cap="flat" cmpd="sng" algn="ctr">
-                      <a:noFill/>
-                      <a:prstDash val="solid"/>
-                      <a:round/>
-                      <a:headEnd type="none" w="med" len="med"/>
-                      <a:tailEnd type="none" w="med" len="med"/>
-                    </a:lnR>
-                    <a:solidFill>
-                      <a:schemeClr val="accent5">
-                        <a:lumMod val="20000"/>
-                        <a:lumOff val="80000"/>
-                      </a:schemeClr>
-                    </a:solidFill>
-                  </a:tcPr>
-                </a:tc>
-                <a:tc>
-                  <a:txBody>
-                    <a:bodyPr/>
-                    <a:lstStyle/>
-                    <a:p>
-                      <a:pPr algn="l"/>
-                      <a:r>
-                        <a:rPr lang="da-DK" dirty="0"/>
-                        <a:t>Set </a:t>
-                      </a:r>
-                      <a:r>
-                        <a:rPr lang="da-DK" dirty="0" err="1"/>
-                        <a:t>intersection</a:t>
-                      </a:r>
-                      <a:endParaRPr lang="en-US" dirty="0"/>
-                    </a:p>
-                  </a:txBody>
-                  <a:tcPr marT="36000" marB="36000" anchor="ctr">
-                    <a:lnL w="12700" cap="flat" cmpd="sng" algn="ctr">
-                      <a:noFill/>
-                      <a:prstDash val="solid"/>
-                      <a:round/>
-                      <a:headEnd type="none" w="med" len="med"/>
-                      <a:tailEnd type="none" w="med" len="med"/>
-                    </a:lnL>
-                    <a:solidFill>
-                      <a:schemeClr val="accent5">
-                        <a:lumMod val="20000"/>
-                        <a:lumOff val="80000"/>
-                      </a:schemeClr>
-                    </a:solidFill>
-                  </a:tcPr>
-                </a:tc>
-                <a:extLst>
-                  <a:ext uri="{0D108BD9-81ED-4DB2-BD59-A6C34878D82A}">
-                    <a16:rowId xmlns:a16="http://schemas.microsoft.com/office/drawing/2014/main" val="417430621"/>
-                  </a:ext>
-                </a:extLst>
-              </a:tr>
-              <a:tr h="343924">
-                <a:tc>
-                  <a:txBody>
-                    <a:bodyPr/>
-                    <a:lstStyle/>
-                    <a:p>
-                      <a:pPr algn="l"/>
-                      <a:r>
-                        <a:rPr lang="da-DK" noProof="0" dirty="0"/>
-                        <a:t>S</a:t>
-                      </a:r>
-                      <a:r>
-                        <a:rPr lang="da-DK" baseline="0" noProof="0" dirty="0"/>
-                        <a:t> – T</a:t>
-                      </a:r>
-                      <a:endParaRPr lang="en-US" noProof="0" dirty="0"/>
-                    </a:p>
-                  </a:txBody>
-                  <a:tcPr marT="36000" marB="36000" anchor="ctr">
-                    <a:lnR w="12700" cap="flat" cmpd="sng" algn="ctr">
-                      <a:noFill/>
-                      <a:prstDash val="solid"/>
-                      <a:round/>
-                      <a:headEnd type="none" w="med" len="med"/>
-                      <a:tailEnd type="none" w="med" len="med"/>
-                    </a:lnR>
-                    <a:solidFill>
-                      <a:schemeClr val="accent5">
-                        <a:lumMod val="20000"/>
-                        <a:lumOff val="80000"/>
-                      </a:schemeClr>
-                    </a:solidFill>
-                  </a:tcPr>
-                </a:tc>
-                <a:tc>
-                  <a:txBody>
-                    <a:bodyPr/>
-                    <a:lstStyle/>
-                    <a:p>
-                      <a:pPr algn="l"/>
-                      <a:r>
-                        <a:rPr lang="da-DK" dirty="0"/>
-                        <a:t>Set</a:t>
-                      </a:r>
-                      <a:r>
-                        <a:rPr lang="da-DK" baseline="0" dirty="0"/>
-                        <a:t> difference</a:t>
-                      </a:r>
-                      <a:endParaRPr lang="en-US" dirty="0"/>
-                    </a:p>
-                  </a:txBody>
-                  <a:tcPr marT="36000" marB="36000" anchor="ctr">
-                    <a:lnL w="12700" cap="flat" cmpd="sng" algn="ctr">
-                      <a:noFill/>
-                      <a:prstDash val="solid"/>
-                      <a:round/>
-                      <a:headEnd type="none" w="med" len="med"/>
-                      <a:tailEnd type="none" w="med" len="med"/>
-                    </a:lnL>
-                    <a:solidFill>
-                      <a:schemeClr val="accent5">
-                        <a:lumMod val="20000"/>
-                        <a:lumOff val="80000"/>
-                      </a:schemeClr>
-                    </a:solidFill>
-                  </a:tcPr>
-                </a:tc>
-                <a:extLst>
-                  <a:ext uri="{0D108BD9-81ED-4DB2-BD59-A6C34878D82A}">
-                    <a16:rowId xmlns:a16="http://schemas.microsoft.com/office/drawing/2014/main" val="1404964847"/>
-                  </a:ext>
-                </a:extLst>
-              </a:tr>
-              <a:tr h="343924">
-                <a:tc>
-                  <a:txBody>
-                    <a:bodyPr/>
-                    <a:lstStyle/>
-                    <a:p>
-                      <a:pPr algn="l"/>
-                      <a:r>
-                        <a:rPr lang="en-US" dirty="0"/>
-                        <a:t>S</a:t>
-                      </a:r>
-                      <a:r>
-                        <a:rPr lang="en-US" baseline="0" dirty="0"/>
-                        <a:t> ^ T</a:t>
-                      </a:r>
-                      <a:r>
-                        <a:rPr lang="en-US" dirty="0"/>
-                        <a:t> </a:t>
-                      </a:r>
-                    </a:p>
-                  </a:txBody>
-                  <a:tcPr marT="36000" marB="36000" anchor="ctr">
-                    <a:lnR w="12700" cap="flat" cmpd="sng" algn="ctr">
-                      <a:noFill/>
-                      <a:prstDash val="solid"/>
-                      <a:round/>
-                      <a:headEnd type="none" w="med" len="med"/>
-                      <a:tailEnd type="none" w="med" len="med"/>
-                    </a:lnR>
-                    <a:solidFill>
-                      <a:schemeClr val="accent5">
-                        <a:lumMod val="20000"/>
-                        <a:lumOff val="80000"/>
-                      </a:schemeClr>
-                    </a:solidFill>
-                  </a:tcPr>
-                </a:tc>
-                <a:tc>
-                  <a:txBody>
-                    <a:bodyPr/>
-                    <a:lstStyle/>
-                    <a:p>
-                      <a:pPr algn="l"/>
-                      <a:r>
-                        <a:rPr lang="da-DK" dirty="0" err="1"/>
-                        <a:t>Symmetric</a:t>
-                      </a:r>
-                      <a:r>
-                        <a:rPr lang="da-DK" dirty="0"/>
-                        <a:t> difference</a:t>
-                      </a:r>
-                      <a:endParaRPr lang="en-US" dirty="0"/>
-                    </a:p>
-                  </a:txBody>
-                  <a:tcPr marT="36000" marB="36000" anchor="ctr">
-                    <a:lnL w="12700" cap="flat" cmpd="sng" algn="ctr">
-                      <a:noFill/>
-                      <a:prstDash val="solid"/>
-                      <a:round/>
-                      <a:headEnd type="none" w="med" len="med"/>
-                      <a:tailEnd type="none" w="med" len="med"/>
-                    </a:lnL>
-                    <a:solidFill>
-                      <a:schemeClr val="accent5">
-                        <a:lumMod val="20000"/>
-                        <a:lumOff val="80000"/>
-                      </a:schemeClr>
-                    </a:solidFill>
-                  </a:tcPr>
-                </a:tc>
-                <a:extLst>
-                  <a:ext uri="{0D108BD9-81ED-4DB2-BD59-A6C34878D82A}">
-                    <a16:rowId xmlns:a16="http://schemas.microsoft.com/office/drawing/2014/main" val="2204015044"/>
-                  </a:ext>
-                </a:extLst>
-              </a:tr>
-              <a:tr h="601866">
-                <a:tc>
-                  <a:txBody>
-                    <a:bodyPr/>
-                    <a:lstStyle/>
-                    <a:p>
-                      <a:pPr algn="l"/>
-                      <a:r>
-                        <a:rPr lang="da-DK" dirty="0"/>
-                        <a:t>set()</a:t>
-                      </a:r>
-                      <a:endParaRPr lang="en-US" dirty="0"/>
-                    </a:p>
-                  </a:txBody>
-                  <a:tcPr marT="36000" marB="36000" anchor="ctr">
-                    <a:lnR w="12700" cap="flat" cmpd="sng" algn="ctr">
-                      <a:noFill/>
-                      <a:prstDash val="solid"/>
-                      <a:round/>
-                      <a:headEnd type="none" w="med" len="med"/>
-                      <a:tailEnd type="none" w="med" len="med"/>
-                    </a:lnR>
-                    <a:solidFill>
-                      <a:schemeClr val="accent5">
-                        <a:lumMod val="20000"/>
-                        <a:lumOff val="80000"/>
-                      </a:schemeClr>
-                    </a:solidFill>
-                  </a:tcPr>
-                </a:tc>
-                <a:tc>
-                  <a:txBody>
-                    <a:bodyPr/>
-                    <a:lstStyle/>
-                    <a:p>
-                      <a:pPr algn="l"/>
-                      <a:r>
-                        <a:rPr lang="da-DK" dirty="0" err="1"/>
-                        <a:t>Empty</a:t>
-                      </a:r>
-                      <a:r>
-                        <a:rPr lang="da-DK" dirty="0"/>
-                        <a:t> set</a:t>
-                      </a:r>
-                    </a:p>
-                    <a:p>
-                      <a:pPr marL="0" marR="0" lvl="0" indent="0" algn="l" defTabSz="914400" rtl="0" eaLnBrk="1" fontAlgn="auto" latinLnBrk="0" hangingPunct="1">
-                        <a:lnSpc>
-                          <a:spcPct val="100000"/>
-                        </a:lnSpc>
-                        <a:spcBef>
-                          <a:spcPts val="0"/>
-                        </a:spcBef>
-                        <a:spcAft>
-                          <a:spcPts val="0"/>
-                        </a:spcAft>
-                        <a:buClrTx/>
-                        <a:buSzTx/>
-                        <a:buFontTx/>
-                        <a:buNone/>
-                        <a:tabLst/>
-                        <a:defRPr/>
-                      </a:pPr>
-                      <a:r>
-                        <a:rPr lang="da-DK" dirty="0"/>
-                        <a:t>( {} =</a:t>
-                      </a:r>
-                      <a:r>
-                        <a:rPr lang="da-DK" baseline="0" dirty="0"/>
-                        <a:t> </a:t>
-                      </a:r>
-                      <a:r>
-                        <a:rPr lang="da-DK" dirty="0" err="1"/>
-                        <a:t>empty</a:t>
-                      </a:r>
-                      <a:r>
-                        <a:rPr lang="da-DK" dirty="0"/>
-                        <a:t> </a:t>
-                      </a:r>
-                      <a:r>
-                        <a:rPr lang="da-DK" dirty="0" err="1"/>
-                        <a:t>dictionary</a:t>
-                      </a:r>
-                      <a:r>
-                        <a:rPr lang="da-DK" dirty="0"/>
-                        <a:t>        )</a:t>
-                      </a:r>
-                    </a:p>
-                  </a:txBody>
-                  <a:tcPr marT="36000" marB="36000" anchor="ctr">
-                    <a:lnL w="12700" cap="flat" cmpd="sng" algn="ctr">
-                      <a:noFill/>
-                      <a:prstDash val="solid"/>
-                      <a:round/>
-                      <a:headEnd type="none" w="med" len="med"/>
-                      <a:tailEnd type="none" w="med" len="med"/>
-                    </a:lnL>
-                    <a:solidFill>
-                      <a:schemeClr val="accent5">
-                        <a:lumMod val="20000"/>
-                        <a:lumOff val="80000"/>
-                      </a:schemeClr>
-                    </a:solidFill>
-                  </a:tcPr>
-                </a:tc>
-                <a:extLst>
-                  <a:ext uri="{0D108BD9-81ED-4DB2-BD59-A6C34878D82A}">
-                    <a16:rowId xmlns:a16="http://schemas.microsoft.com/office/drawing/2014/main" val="2272057999"/>
-                  </a:ext>
-                </a:extLst>
-              </a:tr>
-              <a:tr h="343924">
-                <a:tc>
-                  <a:txBody>
-                    <a:bodyPr/>
-                    <a:lstStyle/>
-                    <a:p>
-                      <a:pPr algn="l"/>
-                      <a:r>
-                        <a:rPr lang="da-DK" dirty="0"/>
-                        <a:t>set(L)</a:t>
-                      </a:r>
-                      <a:endParaRPr lang="en-US" dirty="0"/>
-                    </a:p>
-                  </a:txBody>
-                  <a:tcPr marT="36000" marB="36000" anchor="ctr">
-                    <a:lnR w="12700" cap="flat" cmpd="sng" algn="ctr">
-                      <a:noFill/>
-                      <a:prstDash val="solid"/>
-                      <a:round/>
-                      <a:headEnd type="none" w="med" len="med"/>
-                      <a:tailEnd type="none" w="med" len="med"/>
-                    </a:lnR>
-                    <a:solidFill>
-                      <a:schemeClr val="accent5">
-                        <a:lumMod val="20000"/>
-                        <a:lumOff val="80000"/>
-                      </a:schemeClr>
-                    </a:solidFill>
-                  </a:tcPr>
-                </a:tc>
-                <a:tc>
-                  <a:txBody>
-                    <a:bodyPr/>
-                    <a:lstStyle/>
-                    <a:p>
-                      <a:pPr marL="0" marR="0" lvl="0" indent="0" algn="l" defTabSz="914400" rtl="0" eaLnBrk="1" fontAlgn="auto" latinLnBrk="0" hangingPunct="1">
-                        <a:lnSpc>
-                          <a:spcPct val="100000"/>
-                        </a:lnSpc>
-                        <a:spcBef>
-                          <a:spcPts val="0"/>
-                        </a:spcBef>
-                        <a:spcAft>
-                          <a:spcPts val="0"/>
-                        </a:spcAft>
-                        <a:buClrTx/>
-                        <a:buSzTx/>
-                        <a:buFontTx/>
-                        <a:buNone/>
-                        <a:tabLst/>
-                        <a:defRPr/>
-                      </a:pPr>
-                      <a:r>
-                        <a:rPr lang="da-DK" dirty="0" err="1"/>
-                        <a:t>Create</a:t>
-                      </a:r>
-                      <a:r>
-                        <a:rPr lang="da-DK" baseline="0" dirty="0"/>
-                        <a:t> set from </a:t>
-                      </a:r>
-                      <a:r>
-                        <a:rPr lang="da-DK" dirty="0"/>
-                        <a:t>list</a:t>
-                      </a:r>
-                    </a:p>
-                  </a:txBody>
-                  <a:tcPr marT="36000" marB="36000" anchor="ctr">
-                    <a:lnL w="12700" cap="flat" cmpd="sng" algn="ctr">
-                      <a:noFill/>
-                      <a:prstDash val="solid"/>
-                      <a:round/>
-                      <a:headEnd type="none" w="med" len="med"/>
-                      <a:tailEnd type="none" w="med" len="med"/>
-                    </a:lnL>
-                    <a:solidFill>
-                      <a:schemeClr val="accent5">
-                        <a:lumMod val="20000"/>
-                        <a:lumOff val="80000"/>
-                      </a:schemeClr>
-                    </a:solidFill>
-                  </a:tcPr>
-                </a:tc>
-                <a:extLst>
-                  <a:ext uri="{0D108BD9-81ED-4DB2-BD59-A6C34878D82A}">
-                    <a16:rowId xmlns:a16="http://schemas.microsoft.com/office/drawing/2014/main" val="2902168935"/>
-                  </a:ext>
-                </a:extLst>
-              </a:tr>
-              <a:tr h="343924">
-                <a:tc>
-                  <a:txBody>
-                    <a:bodyPr/>
-                    <a:lstStyle/>
-                    <a:p>
-                      <a:pPr algn="l"/>
-                      <a:r>
-                        <a:rPr lang="da-DK" dirty="0"/>
-                        <a:t>x in S</a:t>
-                      </a:r>
-                      <a:endParaRPr lang="en-US" dirty="0"/>
-                    </a:p>
-                  </a:txBody>
-                  <a:tcPr marT="36000" marB="36000" anchor="ctr">
-                    <a:lnR w="12700" cap="flat" cmpd="sng" algn="ctr">
-                      <a:noFill/>
-                      <a:prstDash val="solid"/>
-                      <a:round/>
-                      <a:headEnd type="none" w="med" len="med"/>
-                      <a:tailEnd type="none" w="med" len="med"/>
-                    </a:lnR>
-                    <a:solidFill>
-                      <a:schemeClr val="accent5">
-                        <a:lumMod val="20000"/>
-                        <a:lumOff val="80000"/>
-                      </a:schemeClr>
-                    </a:solidFill>
-                  </a:tcPr>
-                </a:tc>
-                <a:tc>
-                  <a:txBody>
-                    <a:bodyPr/>
-                    <a:lstStyle/>
-                    <a:p>
-                      <a:pPr marL="0" marR="0" lvl="0" indent="0" algn="l" defTabSz="914400" rtl="0" eaLnBrk="1" fontAlgn="auto" latinLnBrk="0" hangingPunct="1">
-                        <a:lnSpc>
-                          <a:spcPct val="100000"/>
-                        </a:lnSpc>
-                        <a:spcBef>
-                          <a:spcPts val="0"/>
-                        </a:spcBef>
-                        <a:spcAft>
-                          <a:spcPts val="0"/>
-                        </a:spcAft>
-                        <a:buClrTx/>
-                        <a:buSzTx/>
-                        <a:buFontTx/>
-                        <a:buNone/>
-                        <a:tabLst/>
-                        <a:defRPr/>
-                      </a:pPr>
-                      <a:r>
-                        <a:rPr lang="da-DK" dirty="0"/>
-                        <a:t>Membership</a:t>
-                      </a:r>
-                    </a:p>
-                  </a:txBody>
-                  <a:tcPr marT="36000" marB="36000" anchor="ctr">
-                    <a:lnL w="12700" cap="flat" cmpd="sng" algn="ctr">
-                      <a:noFill/>
-                      <a:prstDash val="solid"/>
-                      <a:round/>
-                      <a:headEnd type="none" w="med" len="med"/>
-                      <a:tailEnd type="none" w="med" len="med"/>
-                    </a:lnL>
-                    <a:solidFill>
-                      <a:schemeClr val="accent5">
-                        <a:lumMod val="20000"/>
-                        <a:lumOff val="80000"/>
-                      </a:schemeClr>
-                    </a:solidFill>
-                  </a:tcPr>
-                </a:tc>
-                <a:extLst>
-                  <a:ext uri="{0D108BD9-81ED-4DB2-BD59-A6C34878D82A}">
-                    <a16:rowId xmlns:a16="http://schemas.microsoft.com/office/drawing/2014/main" val="2663688801"/>
-                  </a:ext>
-                </a:extLst>
-              </a:tr>
-              <a:tr h="343924">
-                <a:tc>
-                  <a:txBody>
-                    <a:bodyPr/>
-                    <a:lstStyle/>
-                    <a:p>
-                      <a:pPr algn="l"/>
-                      <a:r>
-                        <a:rPr lang="da-DK" dirty="0"/>
-                        <a:t>x not in S</a:t>
-                      </a:r>
-                      <a:endParaRPr lang="en-US" dirty="0"/>
-                    </a:p>
-                  </a:txBody>
-                  <a:tcPr marT="36000" marB="36000" anchor="ctr">
-                    <a:lnR w="12700" cap="flat" cmpd="sng" algn="ctr">
-                      <a:noFill/>
-                      <a:prstDash val="solid"/>
-                      <a:round/>
-                      <a:headEnd type="none" w="med" len="med"/>
-                      <a:tailEnd type="none" w="med" len="med"/>
-                    </a:lnR>
-                    <a:solidFill>
-                      <a:schemeClr val="accent5">
-                        <a:lumMod val="20000"/>
-                        <a:lumOff val="80000"/>
-                      </a:schemeClr>
-                    </a:solidFill>
-                  </a:tcPr>
-                </a:tc>
-                <a:tc>
-                  <a:txBody>
-                    <a:bodyPr/>
-                    <a:lstStyle/>
-                    <a:p>
-                      <a:pPr marL="0" marR="0" lvl="0" indent="0" algn="l" defTabSz="914400" rtl="0" eaLnBrk="1" fontAlgn="auto" latinLnBrk="0" hangingPunct="1">
-                        <a:lnSpc>
-                          <a:spcPct val="100000"/>
-                        </a:lnSpc>
-                        <a:spcBef>
-                          <a:spcPts val="0"/>
-                        </a:spcBef>
-                        <a:spcAft>
-                          <a:spcPts val="0"/>
-                        </a:spcAft>
-                        <a:buClrTx/>
-                        <a:buSzTx/>
-                        <a:buFontTx/>
-                        <a:buNone/>
-                        <a:tabLst/>
-                        <a:defRPr/>
-                      </a:pPr>
-                      <a:r>
-                        <a:rPr lang="da-DK" dirty="0"/>
-                        <a:t>Non-</a:t>
-                      </a:r>
-                      <a:r>
-                        <a:rPr lang="da-DK" dirty="0" err="1"/>
-                        <a:t>membership</a:t>
-                      </a:r>
-                      <a:endParaRPr lang="da-DK" dirty="0"/>
-                    </a:p>
-                  </a:txBody>
-                  <a:tcPr marT="36000" marB="36000" anchor="ctr">
-                    <a:lnL w="12700" cap="flat" cmpd="sng" algn="ctr">
-                      <a:noFill/>
-                      <a:prstDash val="solid"/>
-                      <a:round/>
-                      <a:headEnd type="none" w="med" len="med"/>
-                      <a:tailEnd type="none" w="med" len="med"/>
-                    </a:lnL>
-                    <a:solidFill>
-                      <a:schemeClr val="accent5">
-                        <a:lumMod val="20000"/>
-                        <a:lumOff val="80000"/>
-                      </a:schemeClr>
-                    </a:solidFill>
-                  </a:tcPr>
-                </a:tc>
-                <a:extLst>
-                  <a:ext uri="{0D108BD9-81ED-4DB2-BD59-A6C34878D82A}">
-                    <a16:rowId xmlns:a16="http://schemas.microsoft.com/office/drawing/2014/main" val="656953840"/>
-                  </a:ext>
-                </a:extLst>
-              </a:tr>
-              <a:tr h="343924">
-                <a:tc>
-                  <a:txBody>
-                    <a:bodyPr/>
-                    <a:lstStyle/>
-                    <a:p>
-                      <a:pPr algn="l"/>
-                      <a:r>
-                        <a:rPr lang="da-DK" dirty="0" err="1"/>
-                        <a:t>S.isdisjoint</a:t>
-                      </a:r>
-                      <a:r>
-                        <a:rPr lang="da-DK" dirty="0"/>
-                        <a:t>(T)</a:t>
-                      </a:r>
-                      <a:endParaRPr lang="en-US" dirty="0"/>
-                    </a:p>
-                  </a:txBody>
-                  <a:tcPr marT="36000" marB="36000" anchor="ctr">
-                    <a:lnR w="12700" cap="flat" cmpd="sng" algn="ctr">
-                      <a:noFill/>
-                      <a:prstDash val="solid"/>
-                      <a:round/>
-                      <a:headEnd type="none" w="med" len="med"/>
-                      <a:tailEnd type="none" w="med" len="med"/>
-                    </a:lnR>
-                    <a:solidFill>
-                      <a:schemeClr val="accent5">
-                        <a:lumMod val="20000"/>
-                        <a:lumOff val="80000"/>
-                      </a:schemeClr>
-                    </a:solidFill>
-                  </a:tcPr>
-                </a:tc>
-                <a:tc>
-                  <a:txBody>
-                    <a:bodyPr/>
-                    <a:lstStyle/>
-                    <a:p>
-                      <a:pPr marL="0" marR="0" lvl="0" indent="0" algn="l" defTabSz="914400" rtl="0" eaLnBrk="1" fontAlgn="auto" latinLnBrk="0" hangingPunct="1">
-                        <a:lnSpc>
-                          <a:spcPct val="100000"/>
-                        </a:lnSpc>
-                        <a:spcBef>
-                          <a:spcPts val="0"/>
-                        </a:spcBef>
-                        <a:spcAft>
-                          <a:spcPts val="0"/>
-                        </a:spcAft>
-                        <a:buClrTx/>
-                        <a:buSzTx/>
-                        <a:buFontTx/>
-                        <a:buNone/>
-                        <a:tabLst/>
-                        <a:defRPr/>
-                      </a:pPr>
-                      <a:r>
-                        <a:rPr lang="da-DK" dirty="0"/>
-                        <a:t>Disjoint</a:t>
-                      </a:r>
-                      <a:r>
-                        <a:rPr lang="da-DK" baseline="0" dirty="0"/>
-                        <a:t> sets</a:t>
-                      </a:r>
-                      <a:endParaRPr lang="da-DK" dirty="0"/>
-                    </a:p>
-                  </a:txBody>
-                  <a:tcPr marT="36000" marB="36000" anchor="ctr">
-                    <a:lnL w="12700" cap="flat" cmpd="sng" algn="ctr">
-                      <a:noFill/>
-                      <a:prstDash val="solid"/>
-                      <a:round/>
-                      <a:headEnd type="none" w="med" len="med"/>
-                      <a:tailEnd type="none" w="med" len="med"/>
-                    </a:lnL>
-                    <a:solidFill>
-                      <a:schemeClr val="accent5">
-                        <a:lumMod val="20000"/>
-                        <a:lumOff val="80000"/>
-                      </a:schemeClr>
-                    </a:solidFill>
-                  </a:tcPr>
-                </a:tc>
-                <a:extLst>
-                  <a:ext uri="{0D108BD9-81ED-4DB2-BD59-A6C34878D82A}">
-                    <a16:rowId xmlns:a16="http://schemas.microsoft.com/office/drawing/2014/main" val="4130000869"/>
-                  </a:ext>
-                </a:extLst>
-              </a:tr>
-              <a:tr h="343924">
-                <a:tc>
-                  <a:txBody>
-                    <a:bodyPr/>
-                    <a:lstStyle/>
-                    <a:p>
-                      <a:pPr algn="l"/>
-                      <a:r>
-                        <a:rPr lang="da-DK" dirty="0"/>
-                        <a:t>S &lt;= T</a:t>
-                      </a:r>
-                      <a:endParaRPr lang="en-US" dirty="0"/>
-                    </a:p>
-                  </a:txBody>
-                  <a:tcPr marT="36000" marB="36000" anchor="ctr">
-                    <a:lnR w="12700" cap="flat" cmpd="sng" algn="ctr">
-                      <a:noFill/>
-                      <a:prstDash val="solid"/>
-                      <a:round/>
-                      <a:headEnd type="none" w="med" len="med"/>
-                      <a:tailEnd type="none" w="med" len="med"/>
-                    </a:lnR>
-                    <a:solidFill>
-                      <a:schemeClr val="accent5">
-                        <a:lumMod val="20000"/>
-                        <a:lumOff val="80000"/>
-                      </a:schemeClr>
-                    </a:solidFill>
-                  </a:tcPr>
-                </a:tc>
-                <a:tc>
-                  <a:txBody>
-                    <a:bodyPr/>
-                    <a:lstStyle/>
-                    <a:p>
-                      <a:pPr marL="0" marR="0" lvl="0" indent="0" algn="l" defTabSz="914400" rtl="0" eaLnBrk="1" fontAlgn="auto" latinLnBrk="0" hangingPunct="1">
-                        <a:lnSpc>
-                          <a:spcPct val="100000"/>
-                        </a:lnSpc>
-                        <a:spcBef>
-                          <a:spcPts val="0"/>
-                        </a:spcBef>
-                        <a:spcAft>
-                          <a:spcPts val="0"/>
-                        </a:spcAft>
-                        <a:buClrTx/>
-                        <a:buSzTx/>
-                        <a:buFontTx/>
-                        <a:buNone/>
-                        <a:tabLst/>
-                        <a:defRPr/>
-                      </a:pPr>
-                      <a:r>
-                        <a:rPr lang="da-DK" dirty="0" err="1"/>
-                        <a:t>Subset</a:t>
-                      </a:r>
-                      <a:endParaRPr lang="da-DK" dirty="0"/>
-                    </a:p>
-                  </a:txBody>
-                  <a:tcPr marT="36000" marB="36000" anchor="ctr">
-                    <a:lnL w="12700" cap="flat" cmpd="sng" algn="ctr">
-                      <a:noFill/>
-                      <a:prstDash val="solid"/>
-                      <a:round/>
-                      <a:headEnd type="none" w="med" len="med"/>
-                      <a:tailEnd type="none" w="med" len="med"/>
-                    </a:lnL>
-                    <a:solidFill>
-                      <a:schemeClr val="accent5">
-                        <a:lumMod val="20000"/>
-                        <a:lumOff val="80000"/>
-                      </a:schemeClr>
-                    </a:solidFill>
-                  </a:tcPr>
-                </a:tc>
-                <a:extLst>
-                  <a:ext uri="{0D108BD9-81ED-4DB2-BD59-A6C34878D82A}">
-                    <a16:rowId xmlns:a16="http://schemas.microsoft.com/office/drawing/2014/main" val="1118768313"/>
-                  </a:ext>
-                </a:extLst>
-              </a:tr>
-              <a:tr h="343924">
-                <a:tc>
-                  <a:txBody>
-                    <a:bodyPr/>
-                    <a:lstStyle/>
-                    <a:p>
-                      <a:pPr algn="l"/>
-                      <a:r>
-                        <a:rPr lang="da-DK" dirty="0"/>
-                        <a:t>S &lt; T</a:t>
-                      </a:r>
-                    </a:p>
-                  </a:txBody>
-                  <a:tcPr marT="36000" marB="36000" anchor="ctr">
-                    <a:lnR w="12700" cap="flat" cmpd="sng" algn="ctr">
-                      <a:noFill/>
-                      <a:prstDash val="solid"/>
-                      <a:round/>
-                      <a:headEnd type="none" w="med" len="med"/>
-                      <a:tailEnd type="none" w="med" len="med"/>
-                    </a:lnR>
-                    <a:solidFill>
-                      <a:schemeClr val="accent5">
-                        <a:lumMod val="20000"/>
-                        <a:lumOff val="80000"/>
-                      </a:schemeClr>
-                    </a:solidFill>
-                  </a:tcPr>
-                </a:tc>
-                <a:tc>
-                  <a:txBody>
-                    <a:bodyPr/>
-                    <a:lstStyle/>
-                    <a:p>
-                      <a:pPr marL="0" marR="0" lvl="0" indent="0" algn="l" defTabSz="914400" rtl="0" eaLnBrk="1" fontAlgn="auto" latinLnBrk="0" hangingPunct="1">
-                        <a:lnSpc>
-                          <a:spcPct val="100000"/>
-                        </a:lnSpc>
-                        <a:spcBef>
-                          <a:spcPts val="0"/>
-                        </a:spcBef>
-                        <a:spcAft>
-                          <a:spcPts val="0"/>
-                        </a:spcAft>
-                        <a:buClrTx/>
-                        <a:buSzTx/>
-                        <a:buFontTx/>
-                        <a:buNone/>
-                        <a:tabLst/>
-                        <a:defRPr/>
-                      </a:pPr>
-                      <a:r>
-                        <a:rPr lang="da-DK" dirty="0"/>
-                        <a:t>Proper </a:t>
-                      </a:r>
-                      <a:r>
-                        <a:rPr lang="da-DK" dirty="0" err="1"/>
-                        <a:t>subset</a:t>
-                      </a:r>
-                      <a:endParaRPr lang="da-DK" dirty="0"/>
-                    </a:p>
-                  </a:txBody>
-                  <a:tcPr marT="36000" marB="36000" anchor="ctr">
-                    <a:lnL w="12700" cap="flat" cmpd="sng" algn="ctr">
-                      <a:noFill/>
-                      <a:prstDash val="solid"/>
-                      <a:round/>
-                      <a:headEnd type="none" w="med" len="med"/>
-                      <a:tailEnd type="none" w="med" len="med"/>
-                    </a:lnL>
-                    <a:solidFill>
-                      <a:schemeClr val="accent5">
-                        <a:lumMod val="20000"/>
-                        <a:lumOff val="80000"/>
-                      </a:schemeClr>
-                    </a:solidFill>
-                  </a:tcPr>
-                </a:tc>
-                <a:extLst>
-                  <a:ext uri="{0D108BD9-81ED-4DB2-BD59-A6C34878D82A}">
-                    <a16:rowId xmlns:a16="http://schemas.microsoft.com/office/drawing/2014/main" val="1938806693"/>
-                  </a:ext>
-                </a:extLst>
-              </a:tr>
-              <a:tr h="343924">
-                <a:tc>
-                  <a:txBody>
-                    <a:bodyPr/>
-                    <a:lstStyle/>
-                    <a:p>
-                      <a:pPr algn="l"/>
-                      <a:r>
-                        <a:rPr lang="da-DK" dirty="0"/>
-                        <a:t>S</a:t>
-                      </a:r>
-                      <a:r>
-                        <a:rPr lang="da-DK" baseline="0" dirty="0"/>
-                        <a:t> &gt;= T</a:t>
-                      </a:r>
-                      <a:endParaRPr lang="en-US" dirty="0"/>
-                    </a:p>
-                  </a:txBody>
-                  <a:tcPr marT="36000" marB="36000" anchor="ctr">
-                    <a:lnR w="12700" cap="flat" cmpd="sng" algn="ctr">
-                      <a:noFill/>
-                      <a:prstDash val="solid"/>
-                      <a:round/>
-                      <a:headEnd type="none" w="med" len="med"/>
-                      <a:tailEnd type="none" w="med" len="med"/>
-                    </a:lnR>
-                    <a:solidFill>
-                      <a:schemeClr val="accent5">
-                        <a:lumMod val="20000"/>
-                        <a:lumOff val="80000"/>
-                      </a:schemeClr>
-                    </a:solidFill>
-                  </a:tcPr>
-                </a:tc>
-                <a:tc>
-                  <a:txBody>
-                    <a:bodyPr/>
-                    <a:lstStyle/>
-                    <a:p>
-                      <a:pPr marL="0" marR="0" lvl="0" indent="0" algn="l" defTabSz="914400" rtl="0" eaLnBrk="1" fontAlgn="auto" latinLnBrk="0" hangingPunct="1">
-                        <a:lnSpc>
-                          <a:spcPct val="100000"/>
-                        </a:lnSpc>
-                        <a:spcBef>
-                          <a:spcPts val="0"/>
-                        </a:spcBef>
-                        <a:spcAft>
-                          <a:spcPts val="0"/>
-                        </a:spcAft>
-                        <a:buClrTx/>
-                        <a:buSzTx/>
-                        <a:buFontTx/>
-                        <a:buNone/>
-                        <a:tabLst/>
-                        <a:defRPr/>
-                      </a:pPr>
-                      <a:r>
-                        <a:rPr lang="da-DK" dirty="0"/>
-                        <a:t>Superset</a:t>
-                      </a:r>
-                    </a:p>
-                  </a:txBody>
-                  <a:tcPr marT="36000" marB="36000" anchor="ctr">
-                    <a:lnL w="12700" cap="flat" cmpd="sng" algn="ctr">
-                      <a:noFill/>
-                      <a:prstDash val="solid"/>
-                      <a:round/>
-                      <a:headEnd type="none" w="med" len="med"/>
-                      <a:tailEnd type="none" w="med" len="med"/>
-                    </a:lnL>
-                    <a:solidFill>
-                      <a:schemeClr val="accent5">
-                        <a:lumMod val="20000"/>
-                        <a:lumOff val="80000"/>
-                      </a:schemeClr>
-                    </a:solidFill>
-                  </a:tcPr>
-                </a:tc>
-                <a:extLst>
-                  <a:ext uri="{0D108BD9-81ED-4DB2-BD59-A6C34878D82A}">
-                    <a16:rowId xmlns:a16="http://schemas.microsoft.com/office/drawing/2014/main" val="1298946107"/>
-                  </a:ext>
-                </a:extLst>
-              </a:tr>
-              <a:tr h="343924">
-                <a:tc>
-                  <a:txBody>
-                    <a:bodyPr/>
-                    <a:lstStyle/>
-                    <a:p>
-                      <a:pPr algn="l"/>
-                      <a:r>
-                        <a:rPr lang="da-DK" dirty="0"/>
-                        <a:t>S</a:t>
-                      </a:r>
-                      <a:r>
-                        <a:rPr lang="da-DK" baseline="0" dirty="0"/>
-                        <a:t> &gt; T</a:t>
-                      </a:r>
-                      <a:endParaRPr lang="en-US" dirty="0"/>
-                    </a:p>
-                  </a:txBody>
-                  <a:tcPr marT="36000" marB="36000" anchor="ctr">
-                    <a:lnR w="12700" cap="flat" cmpd="sng" algn="ctr">
-                      <a:noFill/>
-                      <a:prstDash val="solid"/>
-                      <a:round/>
-                      <a:headEnd type="none" w="med" len="med"/>
-                      <a:tailEnd type="none" w="med" len="med"/>
-                    </a:lnR>
-                    <a:solidFill>
-                      <a:schemeClr val="accent5">
-                        <a:lumMod val="20000"/>
-                        <a:lumOff val="80000"/>
-                      </a:schemeClr>
-                    </a:solidFill>
-                  </a:tcPr>
-                </a:tc>
-                <a:tc>
-                  <a:txBody>
-                    <a:bodyPr/>
-                    <a:lstStyle/>
-                    <a:p>
-                      <a:pPr marL="0" marR="0" lvl="0" indent="0" algn="l" defTabSz="914400" rtl="0" eaLnBrk="1" fontAlgn="auto" latinLnBrk="0" hangingPunct="1">
-                        <a:lnSpc>
-                          <a:spcPct val="100000"/>
-                        </a:lnSpc>
-                        <a:spcBef>
-                          <a:spcPts val="0"/>
-                        </a:spcBef>
-                        <a:spcAft>
-                          <a:spcPts val="0"/>
-                        </a:spcAft>
-                        <a:buClrTx/>
-                        <a:buSzTx/>
-                        <a:buFontTx/>
-                        <a:buNone/>
-                        <a:tabLst/>
-                        <a:defRPr/>
-                      </a:pPr>
-                      <a:r>
-                        <a:rPr lang="da-DK" dirty="0"/>
-                        <a:t>Proper superset</a:t>
-                      </a:r>
-                    </a:p>
-                  </a:txBody>
-                  <a:tcPr marT="36000" marB="36000" anchor="ctr">
-                    <a:lnL w="12700" cap="flat" cmpd="sng" algn="ctr">
-                      <a:noFill/>
-                      <a:prstDash val="solid"/>
-                      <a:round/>
-                      <a:headEnd type="none" w="med" len="med"/>
-                      <a:tailEnd type="none" w="med" len="med"/>
-                    </a:lnL>
-                    <a:solidFill>
-                      <a:schemeClr val="accent5">
-                        <a:lumMod val="20000"/>
-                        <a:lumOff val="80000"/>
-                      </a:schemeClr>
-                    </a:solidFill>
-                  </a:tcPr>
-                </a:tc>
-                <a:extLst>
-                  <a:ext uri="{0D108BD9-81ED-4DB2-BD59-A6C34878D82A}">
-                    <a16:rowId xmlns:a16="http://schemas.microsoft.com/office/drawing/2014/main" val="1426242016"/>
-                  </a:ext>
-                </a:extLst>
-              </a:tr>
-              <a:tr h="343924">
-                <a:tc>
-                  <a:txBody>
-                    <a:bodyPr/>
-                    <a:lstStyle/>
-                    <a:p>
-                      <a:pPr algn="l"/>
-                      <a:r>
-                        <a:rPr lang="da-DK" dirty="0"/>
-                        <a:t>len(S)</a:t>
-                      </a:r>
-                      <a:endParaRPr lang="en-US" dirty="0"/>
-                    </a:p>
-                  </a:txBody>
-                  <a:tcPr marT="36000" marB="36000" anchor="ctr">
-                    <a:lnR w="12700" cap="flat" cmpd="sng" algn="ctr">
-                      <a:noFill/>
-                      <a:prstDash val="solid"/>
-                      <a:round/>
-                      <a:headEnd type="none" w="med" len="med"/>
-                      <a:tailEnd type="none" w="med" len="med"/>
-                    </a:lnR>
-                    <a:solidFill>
-                      <a:schemeClr val="accent5">
-                        <a:lumMod val="20000"/>
-                        <a:lumOff val="80000"/>
-                      </a:schemeClr>
-                    </a:solidFill>
-                  </a:tcPr>
-                </a:tc>
-                <a:tc>
-                  <a:txBody>
-                    <a:bodyPr/>
-                    <a:lstStyle/>
-                    <a:p>
-                      <a:pPr marL="0" marR="0" lvl="0" indent="0" algn="l" defTabSz="914400" rtl="0" eaLnBrk="1" fontAlgn="auto" latinLnBrk="0" hangingPunct="1">
-                        <a:lnSpc>
-                          <a:spcPct val="100000"/>
-                        </a:lnSpc>
-                        <a:spcBef>
-                          <a:spcPts val="0"/>
-                        </a:spcBef>
-                        <a:spcAft>
-                          <a:spcPts val="0"/>
-                        </a:spcAft>
-                        <a:buClrTx/>
-                        <a:buSzTx/>
-                        <a:buFontTx/>
-                        <a:buNone/>
-                        <a:tabLst/>
-                        <a:defRPr/>
-                      </a:pPr>
-                      <a:r>
-                        <a:rPr lang="da-DK" dirty="0" err="1"/>
-                        <a:t>Size</a:t>
-                      </a:r>
-                      <a:r>
-                        <a:rPr lang="da-DK" baseline="0" dirty="0"/>
-                        <a:t> of S</a:t>
-                      </a:r>
-                      <a:endParaRPr lang="da-DK" dirty="0"/>
-                    </a:p>
-                  </a:txBody>
-                  <a:tcPr marT="36000" marB="36000" anchor="ctr">
-                    <a:lnL w="12700" cap="flat" cmpd="sng" algn="ctr">
-                      <a:noFill/>
-                      <a:prstDash val="solid"/>
-                      <a:round/>
-                      <a:headEnd type="none" w="med" len="med"/>
-                      <a:tailEnd type="none" w="med" len="med"/>
-                    </a:lnL>
-                    <a:solidFill>
-                      <a:schemeClr val="accent5">
-                        <a:lumMod val="20000"/>
-                        <a:lumOff val="80000"/>
-                      </a:schemeClr>
-                    </a:solidFill>
-                  </a:tcPr>
-                </a:tc>
-                <a:extLst>
-                  <a:ext uri="{0D108BD9-81ED-4DB2-BD59-A6C34878D82A}">
-                    <a16:rowId xmlns:a16="http://schemas.microsoft.com/office/drawing/2014/main" val="2763438099"/>
-                  </a:ext>
-                </a:extLst>
-              </a:tr>
-              <a:tr h="343924">
-                <a:tc>
-                  <a:txBody>
-                    <a:bodyPr/>
-                    <a:lstStyle/>
-                    <a:p>
-                      <a:pPr algn="l"/>
-                      <a:r>
-                        <a:rPr lang="en-US" dirty="0" err="1"/>
-                        <a:t>S.add</a:t>
-                      </a:r>
-                      <a:r>
-                        <a:rPr lang="en-US" dirty="0"/>
-                        <a:t>(x)</a:t>
-                      </a:r>
-                    </a:p>
-                  </a:txBody>
-                  <a:tcPr marT="36000" marB="36000" anchor="ctr">
-                    <a:lnR w="12700" cap="flat" cmpd="sng" algn="ctr">
-                      <a:noFill/>
-                      <a:prstDash val="solid"/>
-                      <a:round/>
-                      <a:headEnd type="none" w="med" len="med"/>
-                      <a:tailEnd type="none" w="med" len="med"/>
-                    </a:lnR>
-                    <a:solidFill>
-                      <a:schemeClr val="accent5">
-                        <a:lumMod val="20000"/>
-                        <a:lumOff val="80000"/>
-                      </a:schemeClr>
-                    </a:solidFill>
-                  </a:tcPr>
-                </a:tc>
-                <a:tc>
-                  <a:txBody>
-                    <a:bodyPr/>
-                    <a:lstStyle/>
-                    <a:p>
-                      <a:pPr marL="0" marR="0" lvl="0" indent="0" algn="l" defTabSz="914400" rtl="0" eaLnBrk="1" fontAlgn="auto" latinLnBrk="0" hangingPunct="1">
-                        <a:lnSpc>
-                          <a:spcPct val="100000"/>
-                        </a:lnSpc>
-                        <a:spcBef>
-                          <a:spcPts val="0"/>
-                        </a:spcBef>
-                        <a:spcAft>
-                          <a:spcPts val="0"/>
-                        </a:spcAft>
-                        <a:buClrTx/>
-                        <a:buSzTx/>
-                        <a:buFontTx/>
-                        <a:buNone/>
-                        <a:tabLst/>
-                        <a:defRPr/>
-                      </a:pPr>
-                      <a:r>
-                        <a:rPr lang="da-DK" dirty="0" err="1"/>
-                        <a:t>Add</a:t>
-                      </a:r>
-                      <a:r>
-                        <a:rPr lang="da-DK" dirty="0"/>
-                        <a:t> x to </a:t>
-                      </a:r>
-                      <a:r>
-                        <a:rPr lang="da-DK" baseline="0" dirty="0"/>
-                        <a:t>S (not </a:t>
-                      </a:r>
-                      <a:r>
-                        <a:rPr lang="da-DK" baseline="0" dirty="0" err="1"/>
-                        <a:t>frozenset</a:t>
-                      </a:r>
-                      <a:r>
-                        <a:rPr lang="da-DK" baseline="0" dirty="0"/>
-                        <a:t>)</a:t>
-                      </a:r>
-                      <a:endParaRPr lang="da-DK" dirty="0"/>
-                    </a:p>
-                  </a:txBody>
-                  <a:tcPr marT="36000" marB="36000" anchor="ctr">
-                    <a:lnL w="12700" cap="flat" cmpd="sng" algn="ctr">
-                      <a:noFill/>
-                      <a:prstDash val="solid"/>
-                      <a:round/>
-                      <a:headEnd type="none" w="med" len="med"/>
-                      <a:tailEnd type="none" w="med" len="med"/>
-                    </a:lnL>
-                    <a:solidFill>
-                      <a:schemeClr val="accent5">
-                        <a:lumMod val="20000"/>
-                        <a:lumOff val="80000"/>
-                      </a:schemeClr>
-                    </a:solidFill>
-                  </a:tcPr>
-                </a:tc>
-                <a:extLst>
-                  <a:ext uri="{0D108BD9-81ED-4DB2-BD59-A6C34878D82A}">
-                    <a16:rowId xmlns:a16="http://schemas.microsoft.com/office/drawing/2014/main" val="3544584568"/>
-                  </a:ext>
-                </a:extLst>
-              </a:tr>
-            </a:tbl>
-          </a:graphicData>
-        </a:graphic>
-      </p:graphicFrame>
-      <p:graphicFrame>
-        <p:nvGraphicFramePr>
-          <p:cNvPr id="7" name="Table 6"/>
-          <p:cNvGraphicFramePr>
-            <a:graphicFrameLocks noGrp="1"/>
-          </p:cNvGraphicFramePr>
-          <p:nvPr>
-            <p:extLst>
-              <p:ext uri="{D42A27DB-BD31-4B8C-83A1-F6EECF244321}">
-                <p14:modId xmlns:p14="http://schemas.microsoft.com/office/powerpoint/2010/main" val="2070398239"/>
-              </p:ext>
-            </p:extLst>
-          </p:nvPr>
-        </p:nvGraphicFramePr>
-        <p:xfrm>
-          <a:off x="544649" y="3910308"/>
-          <a:ext cx="6957838" cy="2109702"/>
-        </p:xfrm>
-        <a:graphic>
-          <a:graphicData uri="http://schemas.openxmlformats.org/drawingml/2006/table">
-            <a:tbl>
-              <a:tblPr firstRow="1" bandRow="1">
-                <a:tableStyleId>{5C22544A-7EE6-4342-B048-85BDC9FD1C3A}</a:tableStyleId>
-              </a:tblPr>
-              <a:tblGrid>
-                <a:gridCol w="3492000">
-                  <a:extLst>
-                    <a:ext uri="{9D8B030D-6E8A-4147-A177-3AD203B41FA5}">
-                      <a16:colId xmlns:a16="http://schemas.microsoft.com/office/drawing/2014/main" val="1873682825"/>
-                    </a:ext>
-                  </a:extLst>
-                </a:gridCol>
-                <a:gridCol w="3465838">
-                  <a:extLst>
-                    <a:ext uri="{9D8B030D-6E8A-4147-A177-3AD203B41FA5}">
-                      <a16:colId xmlns:a16="http://schemas.microsoft.com/office/drawing/2014/main" val="3534283587"/>
-                    </a:ext>
-                  </a:extLst>
-                </a:gridCol>
-              </a:tblGrid>
-              <a:tr h="216156">
-                <a:tc gridSpan="2">
-                  <a:txBody>
-                    <a:bodyPr/>
-                    <a:lstStyle/>
-                    <a:p>
-                      <a:r>
-                        <a:rPr lang="da-DK" sz="1800" b="1" dirty="0" err="1">
-                          <a:latin typeface="Courier New" panose="02070309020205020404" pitchFamily="49" charset="0"/>
-                          <a:cs typeface="Courier New" panose="02070309020205020404" pitchFamily="49" charset="0"/>
-                        </a:rPr>
-                        <a:t>Python</a:t>
-                      </a:r>
-                      <a:r>
-                        <a:rPr lang="da-DK" sz="1800" b="1" dirty="0">
-                          <a:latin typeface="Courier New" panose="02070309020205020404" pitchFamily="49" charset="0"/>
-                          <a:cs typeface="Courier New" panose="02070309020205020404" pitchFamily="49" charset="0"/>
-                        </a:rPr>
-                        <a:t> </a:t>
-                      </a:r>
-                      <a:r>
-                        <a:rPr lang="da-DK" sz="1800" b="1" dirty="0" err="1">
-                          <a:latin typeface="Courier New" panose="02070309020205020404" pitchFamily="49" charset="0"/>
-                          <a:cs typeface="Courier New" panose="02070309020205020404" pitchFamily="49" charset="0"/>
-                        </a:rPr>
-                        <a:t>shell</a:t>
-                      </a:r>
-                      <a:endParaRPr lang="da-DK" sz="1800" b="1" dirty="0">
-                        <a:latin typeface="Courier New" panose="02070309020205020404" pitchFamily="49" charset="0"/>
-                        <a:cs typeface="Courier New" panose="02070309020205020404" pitchFamily="49" charset="0"/>
-                      </a:endParaRPr>
-                    </a:p>
-                  </a:txBody>
-                  <a:tcPr anchor="ctr">
-                    <a:lnL w="6350" cap="flat" cmpd="sng" algn="ctr">
-                      <a:solidFill>
-                        <a:schemeClr val="tx1"/>
-                      </a:solidFill>
-                      <a:prstDash val="solid"/>
-                      <a:round/>
-                      <a:headEnd type="none" w="med" len="med"/>
-                      <a:tailEnd type="none" w="med" len="med"/>
-                    </a:lnL>
-                    <a:lnR w="6350" cap="flat" cmpd="sng" algn="ctr">
-                      <a:solidFill>
-                        <a:schemeClr val="tx1"/>
-                      </a:solidFill>
-                      <a:prstDash val="solid"/>
-                      <a:round/>
-                      <a:headEnd type="none" w="med" len="med"/>
-                      <a:tailEnd type="none" w="med" len="med"/>
-                    </a:lnR>
-                    <a:lnT w="6350" cap="flat" cmpd="sng" algn="ctr">
-                      <a:solidFill>
-                        <a:schemeClr val="tx1"/>
-                      </a:solidFill>
-                      <a:prstDash val="solid"/>
-                      <a:round/>
-                      <a:headEnd type="none" w="med" len="med"/>
-                      <a:tailEnd type="none" w="med" len="med"/>
-                    </a:lnT>
-                    <a:lnB w="6350" cap="flat" cmpd="sng" algn="ctr">
-                      <a:solidFill>
-                        <a:schemeClr val="tx1"/>
-                      </a:solidFill>
-                      <a:prstDash val="solid"/>
-                      <a:round/>
-                      <a:headEnd type="none" w="med" len="med"/>
-                      <a:tailEnd type="none" w="med" len="med"/>
-                    </a:lnB>
-                    <a:lnTlToBr w="12700" cmpd="sng">
-                      <a:noFill/>
-                      <a:prstDash val="solid"/>
-                    </a:lnTlToBr>
-                    <a:lnBlToTr w="12700" cmpd="sng">
-                      <a:noFill/>
-                      <a:prstDash val="solid"/>
-                    </a:lnBlToTr>
-                    <a:solidFill>
-                      <a:srgbClr val="C00000"/>
-                    </a:solidFill>
-                  </a:tcPr>
-                </a:tc>
-                <a:tc hMerge="1">
-                  <a:txBody>
-                    <a:bodyPr/>
-                    <a:lstStyle/>
-                    <a:p>
-                      <a:endParaRPr lang="en-US"/>
-                    </a:p>
-                  </a:txBody>
-                  <a:tcPr/>
-                </a:tc>
-                <a:extLst>
-                  <a:ext uri="{0D108BD9-81ED-4DB2-BD59-A6C34878D82A}">
-                    <a16:rowId xmlns:a16="http://schemas.microsoft.com/office/drawing/2014/main" val="3330819881"/>
-                  </a:ext>
-                </a:extLst>
-              </a:tr>
-              <a:tr h="1743942">
-                <a:tc>
-                  <a:txBody>
-                    <a:bodyPr/>
-                    <a:lstStyle/>
-                    <a:p>
-                      <a:pPr marL="266700" indent="-266700">
-                        <a:buClr>
-                          <a:srgbClr val="C00000"/>
-                        </a:buClr>
-                        <a:buSzPct val="100000"/>
-                        <a:buFont typeface="Courier New" panose="02070309020205020404" pitchFamily="49" charset="0"/>
-                        <a:buChar char="&gt;"/>
-                      </a:pPr>
-                      <a:r>
-                        <a:rPr lang="pt-BR" sz="1800" b="1" baseline="0" dirty="0">
-                          <a:latin typeface="Courier New" panose="02070309020205020404" pitchFamily="49" charset="0"/>
-                          <a:cs typeface="Courier New" panose="02070309020205020404" pitchFamily="49" charset="0"/>
-                        </a:rPr>
-                        <a:t>S = {2, 5, 'a', 'c'}</a:t>
-                      </a:r>
-                    </a:p>
-                    <a:p>
-                      <a:pPr marL="266700" indent="-266700">
-                        <a:buClr>
-                          <a:srgbClr val="C00000"/>
-                        </a:buClr>
-                        <a:buSzPct val="100000"/>
-                        <a:buFont typeface="Courier New" panose="02070309020205020404" pitchFamily="49" charset="0"/>
-                        <a:buChar char="&gt;"/>
-                      </a:pPr>
-                      <a:r>
-                        <a:rPr lang="pt-BR" sz="1800" b="1" baseline="0" dirty="0">
-                          <a:latin typeface="Courier New" panose="02070309020205020404" pitchFamily="49" charset="0"/>
-                          <a:cs typeface="Courier New" panose="02070309020205020404" pitchFamily="49" charset="0"/>
-                        </a:rPr>
-                        <a:t>T = {3, 4, 5, 'c'}</a:t>
-                      </a:r>
-                    </a:p>
-                    <a:p>
-                      <a:pPr marL="266700" indent="-266700">
-                        <a:buClr>
-                          <a:srgbClr val="C00000"/>
-                        </a:buClr>
-                        <a:buSzPct val="100000"/>
-                        <a:buFont typeface="Courier New" panose="02070309020205020404" pitchFamily="49" charset="0"/>
-                        <a:buChar char="&gt;"/>
-                      </a:pPr>
-                      <a:r>
-                        <a:rPr lang="pt-BR" sz="1800" b="1" baseline="0" dirty="0">
-                          <a:latin typeface="Courier New" panose="02070309020205020404" pitchFamily="49" charset="0"/>
-                          <a:cs typeface="Courier New" panose="02070309020205020404" pitchFamily="49" charset="0"/>
-                        </a:rPr>
-                        <a:t>S | T</a:t>
-                      </a:r>
-                    </a:p>
-                    <a:p>
-                      <a:pPr marL="266700" indent="-266700">
-                        <a:buClr>
-                          <a:schemeClr val="accent1">
-                            <a:lumMod val="50000"/>
-                          </a:schemeClr>
-                        </a:buClr>
-                        <a:buSzPct val="120000"/>
-                        <a:buFont typeface="Courier New" panose="02070309020205020404" pitchFamily="49" charset="0"/>
-                        <a:buChar char="|"/>
-                      </a:pPr>
-                      <a:r>
-                        <a:rPr lang="pt-BR" sz="1800" b="1" baseline="0" dirty="0">
-                          <a:latin typeface="Courier New" panose="02070309020205020404" pitchFamily="49" charset="0"/>
-                          <a:cs typeface="Courier New" panose="02070309020205020404" pitchFamily="49" charset="0"/>
-                        </a:rPr>
-                        <a:t>{2, 3, 4, 5, 'a', 'c'}</a:t>
-                      </a:r>
-                    </a:p>
-                    <a:p>
-                      <a:pPr marL="266700" indent="-266700">
-                        <a:buClr>
-                          <a:srgbClr val="C00000"/>
-                        </a:buClr>
-                        <a:buSzPct val="100000"/>
-                        <a:buFont typeface="Courier New" panose="02070309020205020404" pitchFamily="49" charset="0"/>
-                        <a:buChar char="&gt;"/>
-                      </a:pPr>
-                      <a:r>
-                        <a:rPr lang="pt-BR" sz="1800" b="1" baseline="0" dirty="0">
-                          <a:latin typeface="Courier New" panose="02070309020205020404" pitchFamily="49" charset="0"/>
-                          <a:cs typeface="Courier New" panose="02070309020205020404" pitchFamily="49" charset="0"/>
-                        </a:rPr>
-                        <a:t>S &amp; T</a:t>
-                      </a:r>
-                    </a:p>
-                    <a:p>
-                      <a:pPr marL="266700" indent="-266700">
-                        <a:buClr>
-                          <a:schemeClr val="accent1">
-                            <a:lumMod val="50000"/>
-                          </a:schemeClr>
-                        </a:buClr>
-                        <a:buSzPct val="120000"/>
-                        <a:buFont typeface="Courier New" panose="02070309020205020404" pitchFamily="49" charset="0"/>
-                        <a:buChar char="|"/>
-                      </a:pPr>
-                      <a:r>
-                        <a:rPr lang="pt-BR" sz="1800" b="1" baseline="0" dirty="0">
-                          <a:latin typeface="Courier New" panose="02070309020205020404" pitchFamily="49" charset="0"/>
-                          <a:cs typeface="Courier New" panose="02070309020205020404" pitchFamily="49" charset="0"/>
-                        </a:rPr>
-                        <a:t>{5, 'c'}</a:t>
-                      </a:r>
-                    </a:p>
-                  </a:txBody>
-                  <a:tcPr>
-                    <a:lnL w="6350" cap="flat" cmpd="sng" algn="ctr">
-                      <a:solidFill>
-                        <a:schemeClr val="tx1"/>
-                      </a:solidFill>
-                      <a:prstDash val="solid"/>
-                      <a:round/>
-                      <a:headEnd type="none" w="med" len="med"/>
-                      <a:tailEnd type="none" w="med" len="med"/>
-                    </a:lnL>
-                    <a:lnR w="6350" cap="flat" cmpd="sng" algn="ctr">
-                      <a:solidFill>
-                        <a:schemeClr val="tx1"/>
-                      </a:solidFill>
-                      <a:prstDash val="solid"/>
-                      <a:round/>
-                      <a:headEnd type="none" w="med" len="med"/>
-                      <a:tailEnd type="none" w="med" len="med"/>
-                    </a:lnR>
-                    <a:lnT w="6350" cap="flat" cmpd="sng" algn="ctr">
-                      <a:solidFill>
-                        <a:schemeClr val="tx1"/>
-                      </a:solidFill>
-                      <a:prstDash val="solid"/>
-                      <a:round/>
-                      <a:headEnd type="none" w="med" len="med"/>
-                      <a:tailEnd type="none" w="med" len="med"/>
-                    </a:lnT>
-                    <a:lnB w="6350" cap="flat" cmpd="sng" algn="ctr">
-                      <a:solidFill>
-                        <a:schemeClr val="tx1"/>
-                      </a:solidFill>
-                      <a:prstDash val="solid"/>
-                      <a:round/>
-                      <a:headEnd type="none" w="med" len="med"/>
-                      <a:tailEnd type="none" w="med" len="med"/>
-                    </a:lnB>
-                    <a:lnTlToBr w="12700" cmpd="sng">
-                      <a:noFill/>
-                      <a:prstDash val="solid"/>
-                    </a:lnTlToBr>
-                    <a:lnBlToTr w="12700" cmpd="sng">
-                      <a:noFill/>
-                      <a:prstDash val="solid"/>
-                    </a:lnBlToTr>
-                    <a:solidFill>
-                      <a:schemeClr val="accent5">
-                        <a:lumMod val="20000"/>
-                        <a:lumOff val="80000"/>
-                      </a:schemeClr>
-                    </a:solidFill>
-                  </a:tcPr>
-                </a:tc>
-                <a:tc>
-                  <a:txBody>
-                    <a:bodyPr/>
-                    <a:lstStyle/>
-                    <a:p>
-                      <a:pPr marL="266700" indent="-266700">
-                        <a:buClr>
-                          <a:srgbClr val="C00000"/>
-                        </a:buClr>
-                        <a:buSzPct val="100000"/>
-                        <a:buFont typeface="Courier New" panose="02070309020205020404" pitchFamily="49" charset="0"/>
-                        <a:buChar char="&gt;"/>
-                      </a:pPr>
-                      <a:r>
-                        <a:rPr lang="pt-BR" sz="1800" b="1" baseline="0" dirty="0">
-                          <a:latin typeface="Courier New" panose="02070309020205020404" pitchFamily="49" charset="0"/>
-                          <a:cs typeface="Courier New" panose="02070309020205020404" pitchFamily="49" charset="0"/>
-                        </a:rPr>
-                        <a:t>S ^ T</a:t>
-                      </a:r>
-                    </a:p>
-                    <a:p>
-                      <a:pPr marL="266700" indent="-266700">
-                        <a:buClr>
-                          <a:schemeClr val="accent1">
-                            <a:lumMod val="50000"/>
-                          </a:schemeClr>
-                        </a:buClr>
-                        <a:buSzPct val="120000"/>
-                        <a:buFont typeface="Courier New" panose="02070309020205020404" pitchFamily="49" charset="0"/>
-                        <a:buChar char="|"/>
-                      </a:pPr>
-                      <a:r>
-                        <a:rPr lang="pt-BR" sz="1800" b="1" baseline="0" dirty="0">
-                          <a:latin typeface="Courier New" panose="02070309020205020404" pitchFamily="49" charset="0"/>
-                          <a:cs typeface="Courier New" panose="02070309020205020404" pitchFamily="49" charset="0"/>
-                        </a:rPr>
-                        <a:t>{2, 3, 4, 'a'}</a:t>
-                      </a:r>
-                    </a:p>
-                    <a:p>
-                      <a:pPr marL="266700" indent="-266700">
-                        <a:buClr>
-                          <a:srgbClr val="C00000"/>
-                        </a:buClr>
-                        <a:buSzPct val="100000"/>
-                        <a:buFont typeface="Courier New" panose="02070309020205020404" pitchFamily="49" charset="0"/>
-                        <a:buChar char="&gt;"/>
-                      </a:pPr>
-                      <a:r>
-                        <a:rPr lang="pt-BR" sz="1800" b="1" baseline="0" dirty="0">
-                          <a:latin typeface="Courier New" panose="02070309020205020404" pitchFamily="49" charset="0"/>
-                          <a:cs typeface="Courier New" panose="02070309020205020404" pitchFamily="49" charset="0"/>
-                        </a:rPr>
-                        <a:t>S - T</a:t>
-                      </a:r>
-                    </a:p>
-                    <a:p>
-                      <a:pPr marL="266700" indent="-266700">
-                        <a:buClr>
-                          <a:schemeClr val="accent1">
-                            <a:lumMod val="50000"/>
-                          </a:schemeClr>
-                        </a:buClr>
-                        <a:buSzPct val="120000"/>
-                        <a:buFont typeface="Courier New" panose="02070309020205020404" pitchFamily="49" charset="0"/>
-                        <a:buChar char="|"/>
-                      </a:pPr>
-                      <a:r>
-                        <a:rPr lang="pt-BR" sz="1800" b="1" baseline="0" dirty="0">
-                          <a:latin typeface="Courier New" panose="02070309020205020404" pitchFamily="49" charset="0"/>
-                          <a:cs typeface="Courier New" panose="02070309020205020404" pitchFamily="49" charset="0"/>
-                        </a:rPr>
-                        <a:t>{2, 'a'}</a:t>
-                      </a:r>
-                      <a:r>
-                        <a:rPr lang="en-US" sz="1800" b="1" baseline="0" dirty="0">
-                          <a:latin typeface="Courier New" panose="02070309020205020404" pitchFamily="49" charset="0"/>
-                          <a:cs typeface="Courier New" panose="02070309020205020404" pitchFamily="49" charset="0"/>
-                        </a:rPr>
-                        <a:t> </a:t>
-                      </a:r>
-                      <a:endParaRPr lang="pt-BR" sz="1800" b="1" baseline="0" dirty="0">
-                        <a:latin typeface="Courier New" panose="02070309020205020404" pitchFamily="49" charset="0"/>
-                        <a:cs typeface="Courier New" panose="02070309020205020404" pitchFamily="49" charset="0"/>
-                      </a:endParaRPr>
-                    </a:p>
-                    <a:p>
-                      <a:pPr marL="266700" indent="-266700">
-                        <a:buClr>
-                          <a:srgbClr val="C00000"/>
-                        </a:buClr>
-                        <a:buSzPct val="100000"/>
-                        <a:buFont typeface="Courier New" panose="02070309020205020404" pitchFamily="49" charset="0"/>
-                        <a:buChar char="&gt;"/>
-                      </a:pPr>
-                      <a:r>
-                        <a:rPr lang="en-US" sz="1800" b="1" baseline="0" dirty="0">
-                          <a:latin typeface="Courier New" panose="02070309020205020404" pitchFamily="49" charset="0"/>
-                          <a:cs typeface="Courier New" panose="02070309020205020404" pitchFamily="49" charset="0"/>
-                        </a:rPr>
-                        <a:t>{4, </a:t>
-                      </a:r>
-                      <a:r>
-                        <a:rPr lang="en-US" sz="1800" b="1" baseline="0" dirty="0">
-                          <a:solidFill>
-                            <a:srgbClr val="C00000"/>
-                          </a:solidFill>
-                          <a:latin typeface="Courier New" panose="02070309020205020404" pitchFamily="49" charset="0"/>
-                          <a:cs typeface="Courier New" panose="02070309020205020404" pitchFamily="49" charset="0"/>
-                        </a:rPr>
-                        <a:t>5</a:t>
-                      </a:r>
-                      <a:r>
-                        <a:rPr lang="en-US" sz="1800" b="1" baseline="0" dirty="0">
-                          <a:latin typeface="Courier New" panose="02070309020205020404" pitchFamily="49" charset="0"/>
-                          <a:cs typeface="Courier New" panose="02070309020205020404" pitchFamily="49" charset="0"/>
-                        </a:rPr>
-                        <a:t>, </a:t>
-                      </a:r>
-                      <a:r>
-                        <a:rPr lang="en-US" sz="1800" b="1" baseline="0" dirty="0">
-                          <a:solidFill>
-                            <a:srgbClr val="C00000"/>
-                          </a:solidFill>
-                          <a:latin typeface="Courier New" panose="02070309020205020404" pitchFamily="49" charset="0"/>
-                          <a:cs typeface="Courier New" panose="02070309020205020404" pitchFamily="49" charset="0"/>
-                        </a:rPr>
-                        <a:t>5.0</a:t>
-                      </a:r>
-                      <a:r>
-                        <a:rPr lang="en-US" sz="1800" b="1" baseline="0" dirty="0">
-                          <a:latin typeface="Courier New" panose="02070309020205020404" pitchFamily="49" charset="0"/>
-                          <a:cs typeface="Courier New" panose="02070309020205020404" pitchFamily="49" charset="0"/>
-                        </a:rPr>
-                        <a:t>, 5.1}</a:t>
-                      </a:r>
-                    </a:p>
-                    <a:p>
-                      <a:pPr marL="266700" indent="-266700">
-                        <a:buClr>
-                          <a:schemeClr val="accent1">
-                            <a:lumMod val="50000"/>
-                          </a:schemeClr>
-                        </a:buClr>
-                        <a:buSzPct val="120000"/>
-                        <a:buFont typeface="Courier New" panose="02070309020205020404" pitchFamily="49" charset="0"/>
-                        <a:buChar char="|"/>
-                      </a:pPr>
-                      <a:r>
-                        <a:rPr lang="en-US" sz="1800" b="1" baseline="0" dirty="0">
-                          <a:latin typeface="Courier New" panose="02070309020205020404" pitchFamily="49" charset="0"/>
-                          <a:cs typeface="Courier New" panose="02070309020205020404" pitchFamily="49" charset="0"/>
-                        </a:rPr>
-                        <a:t>{4, </a:t>
-                      </a:r>
-                      <a:r>
-                        <a:rPr lang="en-US" sz="1800" b="1" baseline="0" dirty="0">
-                          <a:solidFill>
-                            <a:srgbClr val="C00000"/>
-                          </a:solidFill>
-                          <a:latin typeface="Courier New" panose="02070309020205020404" pitchFamily="49" charset="0"/>
-                          <a:cs typeface="Courier New" panose="02070309020205020404" pitchFamily="49" charset="0"/>
-                        </a:rPr>
-                        <a:t>5</a:t>
-                      </a:r>
-                      <a:r>
-                        <a:rPr lang="en-US" sz="1800" b="1" baseline="0" dirty="0">
-                          <a:latin typeface="Courier New" panose="02070309020205020404" pitchFamily="49" charset="0"/>
-                          <a:cs typeface="Courier New" panose="02070309020205020404" pitchFamily="49" charset="0"/>
-                        </a:rPr>
-                        <a:t>, 5.1}</a:t>
-                      </a:r>
-                      <a:endParaRPr lang="pt-BR" sz="1800" b="1" baseline="0" dirty="0">
-                        <a:latin typeface="Courier New" panose="02070309020205020404" pitchFamily="49" charset="0"/>
-                        <a:cs typeface="Courier New" panose="02070309020205020404" pitchFamily="49" charset="0"/>
-                      </a:endParaRPr>
-                    </a:p>
-                  </a:txBody>
-                  <a:tcPr>
-                    <a:lnL w="6350" cap="flat" cmpd="sng" algn="ctr">
-                      <a:solidFill>
-                        <a:schemeClr val="tx1"/>
-                      </a:solidFill>
-                      <a:prstDash val="solid"/>
-                      <a:round/>
-                      <a:headEnd type="none" w="med" len="med"/>
-                      <a:tailEnd type="none" w="med" len="med"/>
-                    </a:lnL>
-                    <a:lnR w="6350" cap="flat" cmpd="sng" algn="ctr">
-                      <a:solidFill>
-                        <a:schemeClr val="tx1"/>
-                      </a:solidFill>
-                      <a:prstDash val="solid"/>
-                      <a:round/>
-                      <a:headEnd type="none" w="med" len="med"/>
-                      <a:tailEnd type="none" w="med" len="med"/>
-                    </a:lnR>
-                    <a:lnT w="6350" cap="flat" cmpd="sng" algn="ctr">
-                      <a:solidFill>
-                        <a:schemeClr val="tx1"/>
-                      </a:solidFill>
-                      <a:prstDash val="solid"/>
-                      <a:round/>
-                      <a:headEnd type="none" w="med" len="med"/>
-                      <a:tailEnd type="none" w="med" len="med"/>
-                    </a:lnT>
-                    <a:lnB w="6350" cap="flat" cmpd="sng" algn="ctr">
-                      <a:solidFill>
-                        <a:schemeClr val="tx1"/>
-                      </a:solidFill>
-                      <a:prstDash val="solid"/>
-                      <a:round/>
-                      <a:headEnd type="none" w="med" len="med"/>
-                      <a:tailEnd type="none" w="med" len="med"/>
-                    </a:lnB>
-                    <a:lnTlToBr w="12700" cmpd="sng">
-                      <a:noFill/>
-                      <a:prstDash val="solid"/>
-                    </a:lnTlToBr>
-                    <a:lnBlToTr w="12700" cmpd="sng">
-                      <a:noFill/>
-                      <a:prstDash val="solid"/>
-                    </a:lnBlToTr>
-                    <a:solidFill>
-                      <a:schemeClr val="accent5">
-                        <a:lumMod val="20000"/>
-                        <a:lumOff val="80000"/>
-                      </a:schemeClr>
-                    </a:solidFill>
-                  </a:tcPr>
-                </a:tc>
-                <a:extLst>
-                  <a:ext uri="{0D108BD9-81ED-4DB2-BD59-A6C34878D82A}">
-                    <a16:rowId xmlns:a16="http://schemas.microsoft.com/office/drawing/2014/main" val="4112970457"/>
-                  </a:ext>
-                </a:extLst>
-              </a:tr>
-            </a:tbl>
-          </a:graphicData>
-        </a:graphic>
-      </p:graphicFrame>
-      <p:pic>
-        <p:nvPicPr>
-          <p:cNvPr id="8" name="Picture 7"/>
-          <p:cNvPicPr>
-            <a:picLocks noChangeAspect="1"/>
-          </p:cNvPicPr>
-          <p:nvPr/>
-        </p:nvPicPr>
-        <p:blipFill>
-          <a:blip r:embed="rId5" cstate="print">
-            <a:extLst>
-              <a:ext uri="{28A0092B-C50C-407E-A947-70E740481C1C}">
-                <a14:useLocalDpi xmlns:a14="http://schemas.microsoft.com/office/drawing/2010/main" val="0"/>
-              </a:ext>
-            </a:extLst>
-          </a:blip>
-          <a:stretch>
-            <a:fillRect/>
-          </a:stretch>
-        </p:blipFill>
-        <p:spPr>
-          <a:xfrm>
-            <a:off x="6644605" y="5494989"/>
-            <a:ext cx="487666" cy="405904"/>
-          </a:xfrm>
-          <a:prstGeom prst="rect">
-            <a:avLst/>
-          </a:prstGeom>
-        </p:spPr>
-      </p:pic>
-      <p:pic>
-        <p:nvPicPr>
-          <p:cNvPr id="9" name="Picture 8"/>
-          <p:cNvPicPr>
-            <a:picLocks noChangeAspect="1"/>
-          </p:cNvPicPr>
-          <p:nvPr/>
-        </p:nvPicPr>
-        <p:blipFill>
-          <a:blip r:embed="rId5" cstate="print">
-            <a:extLst>
-              <a:ext uri="{28A0092B-C50C-407E-A947-70E740481C1C}">
-                <a14:useLocalDpi xmlns:a14="http://schemas.microsoft.com/office/drawing/2010/main" val="0"/>
-              </a:ext>
-            </a:extLst>
-          </a:blip>
-          <a:stretch>
-            <a:fillRect/>
-          </a:stretch>
-        </p:blipFill>
-        <p:spPr>
-          <a:xfrm>
-            <a:off x="11454617" y="2260893"/>
-            <a:ext cx="350511" cy="291744"/>
-          </a:xfrm>
-          <a:prstGeom prst="rect">
-            <a:avLst/>
-          </a:prstGeom>
-        </p:spPr>
-      </p:pic>
-    </p:spTree>
-    <p:extLst>
-      <p:ext uri="{BB962C8B-B14F-4D97-AF65-F5344CB8AC3E}">
-        <p14:creationId xmlns:p14="http://schemas.microsoft.com/office/powerpoint/2010/main" val="3852152376"/>
-      </p:ext>
-    </p:extLst>
-  </p:cSld>
-  <p:clrMapOvr>
-    <a:masterClrMapping/>
-  </p:clrMapOvr>
-  <mc:AlternateContent xmlns:mc="http://schemas.openxmlformats.org/markup-compatibility/2006" xmlns:p14="http://schemas.microsoft.com/office/powerpoint/2010/main">
-    <mc:Choice Requires="p14">
-      <p:transition p14:dur="10"/>
-    </mc:Choice>
-    <mc:Fallback xmlns="">
-      <p:transition/>
-    </mc:Fallback>
-  </mc:AlternateContent>
 </p:sld>
 </file>
 

--- a/ipsa/slides/dictionaries.pptx
+++ b/ipsa/slides/dictionaries.pptx
@@ -138,7 +138,7 @@
 <file path=ppt/revisionInfo.xml><?xml version="1.0" encoding="utf-8"?>
 <p1510:revInfo xmlns:a="http://schemas.openxmlformats.org/drawingml/2006/main" xmlns:r="http://schemas.openxmlformats.org/officeDocument/2006/relationships" xmlns:p1510="http://schemas.microsoft.com/office/powerpoint/2015/10/main">
   <p1510:revLst>
-    <p1510:client id="{AEFD98B7-9159-4FE3-84D8-FAE8F6B9861E}" v="29" dt="2022-02-19T10:49:59.423"/>
+    <p1510:client id="{3A49286A-3992-4B37-8BB5-DA83FEA0A6BC}" v="3" dt="2023-02-15T07:54:42.002"/>
   </p1510:revLst>
 </p1510:revInfo>
 </file>
@@ -360,6 +360,159 @@
     </pc:docChg>
   </pc:docChgLst>
   <pc:docChgLst>
+    <pc:chgData name="Gerth Stølting Brodal" userId="04ef4784-6591-4f86-a140-f5c3b108582a" providerId="ADAL" clId="{3A49286A-3992-4B37-8BB5-DA83FEA0A6BC}"/>
+    <pc:docChg chg="undo custSel modSld">
+      <pc:chgData name="Gerth Stølting Brodal" userId="04ef4784-6591-4f86-a140-f5c3b108582a" providerId="ADAL" clId="{3A49286A-3992-4B37-8BB5-DA83FEA0A6BC}" dt="2023-02-15T07:56:10.301" v="219" actId="20577"/>
+      <pc:docMkLst>
+        <pc:docMk/>
+      </pc:docMkLst>
+      <pc:sldChg chg="modSp mod">
+        <pc:chgData name="Gerth Stølting Brodal" userId="04ef4784-6591-4f86-a140-f5c3b108582a" providerId="ADAL" clId="{3A49286A-3992-4B37-8BB5-DA83FEA0A6BC}" dt="2023-02-15T07:26:17.322" v="42" actId="207"/>
+        <pc:sldMkLst>
+          <pc:docMk/>
+          <pc:sldMk cId="2460918877" sldId="545"/>
+        </pc:sldMkLst>
+        <pc:graphicFrameChg chg="modGraphic">
+          <ac:chgData name="Gerth Stølting Brodal" userId="04ef4784-6591-4f86-a140-f5c3b108582a" providerId="ADAL" clId="{3A49286A-3992-4B37-8BB5-DA83FEA0A6BC}" dt="2023-02-15T07:26:17.322" v="42" actId="207"/>
+          <ac:graphicFrameMkLst>
+            <pc:docMk/>
+            <pc:sldMk cId="2460918877" sldId="545"/>
+            <ac:graphicFrameMk id="14" creationId="{00000000-0000-0000-0000-000000000000}"/>
+          </ac:graphicFrameMkLst>
+        </pc:graphicFrameChg>
+      </pc:sldChg>
+      <pc:sldChg chg="modSp mod">
+        <pc:chgData name="Gerth Stølting Brodal" userId="04ef4784-6591-4f86-a140-f5c3b108582a" providerId="ADAL" clId="{3A49286A-3992-4B37-8BB5-DA83FEA0A6BC}" dt="2023-02-15T07:35:23.247" v="50" actId="313"/>
+        <pc:sldMkLst>
+          <pc:docMk/>
+          <pc:sldMk cId="2822266895" sldId="546"/>
+        </pc:sldMkLst>
+        <pc:graphicFrameChg chg="modGraphic">
+          <ac:chgData name="Gerth Stølting Brodal" userId="04ef4784-6591-4f86-a140-f5c3b108582a" providerId="ADAL" clId="{3A49286A-3992-4B37-8BB5-DA83FEA0A6BC}" dt="2023-02-15T07:35:23.247" v="50" actId="313"/>
+          <ac:graphicFrameMkLst>
+            <pc:docMk/>
+            <pc:sldMk cId="2822266895" sldId="546"/>
+            <ac:graphicFrameMk id="5" creationId="{00000000-0000-0000-0000-000000000000}"/>
+          </ac:graphicFrameMkLst>
+        </pc:graphicFrameChg>
+      </pc:sldChg>
+      <pc:sldChg chg="modSp mod">
+        <pc:chgData name="Gerth Stølting Brodal" userId="04ef4784-6591-4f86-a140-f5c3b108582a" providerId="ADAL" clId="{3A49286A-3992-4B37-8BB5-DA83FEA0A6BC}" dt="2023-02-15T07:07:54.666" v="2" actId="20577"/>
+        <pc:sldMkLst>
+          <pc:docMk/>
+          <pc:sldMk cId="58256463" sldId="548"/>
+        </pc:sldMkLst>
+        <pc:spChg chg="mod">
+          <ac:chgData name="Gerth Stølting Brodal" userId="04ef4784-6591-4f86-a140-f5c3b108582a" providerId="ADAL" clId="{3A49286A-3992-4B37-8BB5-DA83FEA0A6BC}" dt="2023-02-15T07:07:54.666" v="2" actId="20577"/>
+          <ac:spMkLst>
+            <pc:docMk/>
+            <pc:sldMk cId="58256463" sldId="548"/>
+            <ac:spMk id="3" creationId="{00000000-0000-0000-0000-000000000000}"/>
+          </ac:spMkLst>
+        </pc:spChg>
+      </pc:sldChg>
+      <pc:sldChg chg="modSp mod">
+        <pc:chgData name="Gerth Stølting Brodal" userId="04ef4784-6591-4f86-a140-f5c3b108582a" providerId="ADAL" clId="{3A49286A-3992-4B37-8BB5-DA83FEA0A6BC}" dt="2023-02-15T07:56:10.301" v="219" actId="20577"/>
+        <pc:sldMkLst>
+          <pc:docMk/>
+          <pc:sldMk cId="3852152376" sldId="550"/>
+        </pc:sldMkLst>
+        <pc:graphicFrameChg chg="modGraphic">
+          <ac:chgData name="Gerth Stølting Brodal" userId="04ef4784-6591-4f86-a140-f5c3b108582a" providerId="ADAL" clId="{3A49286A-3992-4B37-8BB5-DA83FEA0A6BC}" dt="2023-02-15T07:56:10.301" v="219" actId="20577"/>
+          <ac:graphicFrameMkLst>
+            <pc:docMk/>
+            <pc:sldMk cId="3852152376" sldId="550"/>
+            <ac:graphicFrameMk id="6" creationId="{00000000-0000-0000-0000-000000000000}"/>
+          </ac:graphicFrameMkLst>
+        </pc:graphicFrameChg>
+      </pc:sldChg>
+      <pc:sldChg chg="modSp mod modNotesTx">
+        <pc:chgData name="Gerth Stølting Brodal" userId="04ef4784-6591-4f86-a140-f5c3b108582a" providerId="ADAL" clId="{3A49286A-3992-4B37-8BB5-DA83FEA0A6BC}" dt="2023-02-15T07:13:19.465" v="34" actId="313"/>
+        <pc:sldMkLst>
+          <pc:docMk/>
+          <pc:sldMk cId="2739811714" sldId="554"/>
+        </pc:sldMkLst>
+        <pc:graphicFrameChg chg="modGraphic">
+          <ac:chgData name="Gerth Stølting Brodal" userId="04ef4784-6591-4f86-a140-f5c3b108582a" providerId="ADAL" clId="{3A49286A-3992-4B37-8BB5-DA83FEA0A6BC}" dt="2023-02-15T07:13:19.465" v="34" actId="313"/>
+          <ac:graphicFrameMkLst>
+            <pc:docMk/>
+            <pc:sldMk cId="2739811714" sldId="554"/>
+            <ac:graphicFrameMk id="9" creationId="{00000000-0000-0000-0000-000000000000}"/>
+          </ac:graphicFrameMkLst>
+        </pc:graphicFrameChg>
+      </pc:sldChg>
+      <pc:sldChg chg="modSp mod modNotesTx">
+        <pc:chgData name="Gerth Stølting Brodal" userId="04ef4784-6591-4f86-a140-f5c3b108582a" providerId="ADAL" clId="{3A49286A-3992-4B37-8BB5-DA83FEA0A6BC}" dt="2023-02-15T07:40:12.317" v="108" actId="20577"/>
+        <pc:sldMkLst>
+          <pc:docMk/>
+          <pc:sldMk cId="1145811308" sldId="555"/>
+        </pc:sldMkLst>
+        <pc:spChg chg="mod">
+          <ac:chgData name="Gerth Stølting Brodal" userId="04ef4784-6591-4f86-a140-f5c3b108582a" providerId="ADAL" clId="{3A49286A-3992-4B37-8BB5-DA83FEA0A6BC}" dt="2023-02-15T07:36:07.663" v="52" actId="20577"/>
+          <ac:spMkLst>
+            <pc:docMk/>
+            <pc:sldMk cId="1145811308" sldId="555"/>
+            <ac:spMk id="3" creationId="{00000000-0000-0000-0000-000000000000}"/>
+          </ac:spMkLst>
+        </pc:spChg>
+      </pc:sldChg>
+      <pc:sldChg chg="modSp mod">
+        <pc:chgData name="Gerth Stølting Brodal" userId="04ef4784-6591-4f86-a140-f5c3b108582a" providerId="ADAL" clId="{3A49286A-3992-4B37-8BB5-DA83FEA0A6BC}" dt="2023-02-15T07:23:46.419" v="37" actId="313"/>
+        <pc:sldMkLst>
+          <pc:docMk/>
+          <pc:sldMk cId="2970082559" sldId="561"/>
+        </pc:sldMkLst>
+        <pc:graphicFrameChg chg="modGraphic">
+          <ac:chgData name="Gerth Stølting Brodal" userId="04ef4784-6591-4f86-a140-f5c3b108582a" providerId="ADAL" clId="{3A49286A-3992-4B37-8BB5-DA83FEA0A6BC}" dt="2023-02-15T07:23:46.419" v="37" actId="313"/>
+          <ac:graphicFrameMkLst>
+            <pc:docMk/>
+            <pc:sldMk cId="2970082559" sldId="561"/>
+            <ac:graphicFrameMk id="16" creationId="{00000000-0000-0000-0000-000000000000}"/>
+          </ac:graphicFrameMkLst>
+        </pc:graphicFrameChg>
+      </pc:sldChg>
+      <pc:sldChg chg="addSp modSp mod modAnim">
+        <pc:chgData name="Gerth Stølting Brodal" userId="04ef4784-6591-4f86-a140-f5c3b108582a" providerId="ADAL" clId="{3A49286A-3992-4B37-8BB5-DA83FEA0A6BC}" dt="2023-02-15T07:54:42.002" v="211"/>
+        <pc:sldMkLst>
+          <pc:docMk/>
+          <pc:sldMk cId="630244301" sldId="566"/>
+        </pc:sldMkLst>
+        <pc:spChg chg="mod">
+          <ac:chgData name="Gerth Stølting Brodal" userId="04ef4784-6591-4f86-a140-f5c3b108582a" providerId="ADAL" clId="{3A49286A-3992-4B37-8BB5-DA83FEA0A6BC}" dt="2023-02-15T07:54:19.957" v="209" actId="1037"/>
+          <ac:spMkLst>
+            <pc:docMk/>
+            <pc:sldMk cId="630244301" sldId="566"/>
+            <ac:spMk id="2" creationId="{00000000-0000-0000-0000-000000000000}"/>
+          </ac:spMkLst>
+        </pc:spChg>
+        <pc:spChg chg="add mod">
+          <ac:chgData name="Gerth Stølting Brodal" userId="04ef4784-6591-4f86-a140-f5c3b108582a" providerId="ADAL" clId="{3A49286A-3992-4B37-8BB5-DA83FEA0A6BC}" dt="2023-02-15T07:54:39.447" v="210" actId="164"/>
+          <ac:spMkLst>
+            <pc:docMk/>
+            <pc:sldMk cId="630244301" sldId="566"/>
+            <ac:spMk id="4" creationId="{D7E080DF-C0C5-20D2-33A0-8827EF54D731}"/>
+          </ac:spMkLst>
+        </pc:spChg>
+        <pc:grpChg chg="add mod">
+          <ac:chgData name="Gerth Stølting Brodal" userId="04ef4784-6591-4f86-a140-f5c3b108582a" providerId="ADAL" clId="{3A49286A-3992-4B37-8BB5-DA83FEA0A6BC}" dt="2023-02-15T07:54:39.447" v="210" actId="164"/>
+          <ac:grpSpMkLst>
+            <pc:docMk/>
+            <pc:sldMk cId="630244301" sldId="566"/>
+            <ac:grpSpMk id="10" creationId="{1B0019EB-33BE-97BA-7C06-038561597A77}"/>
+          </ac:grpSpMkLst>
+        </pc:grpChg>
+        <pc:picChg chg="add mod">
+          <ac:chgData name="Gerth Stølting Brodal" userId="04ef4784-6591-4f86-a140-f5c3b108582a" providerId="ADAL" clId="{3A49286A-3992-4B37-8BB5-DA83FEA0A6BC}" dt="2023-02-15T07:54:39.447" v="210" actId="164"/>
+          <ac:picMkLst>
+            <pc:docMk/>
+            <pc:sldMk cId="630244301" sldId="566"/>
+            <ac:picMk id="7" creationId="{CA096CE3-516F-E1E8-40C5-CB86C3E9C347}"/>
+          </ac:picMkLst>
+        </pc:picChg>
+      </pc:sldChg>
+    </pc:docChg>
+  </pc:docChgLst>
+  <pc:docChgLst>
     <pc:chgData name="Gerth Stølting Brodal" userId="04ef4784-6591-4f86-a140-f5c3b108582a" providerId="ADAL" clId="{B701DC40-6812-41B8-B173-57A8218FDEAC}"/>
     <pc:docChg chg="undo custSel modSld">
       <pc:chgData name="Gerth Stølting Brodal" userId="04ef4784-6591-4f86-a140-f5c3b108582a" providerId="ADAL" clId="{B701DC40-6812-41B8-B173-57A8218FDEAC}" dt="2021-02-17T11:31:35.212" v="503"/>
@@ -557,7 +710,7 @@
           <a:p>
             <a:fld id="{FB1A172F-81D4-4DC4-9113-1DBD56EC3646}" type="datetimeFigureOut">
               <a:rPr lang="en-US" smtClean="0"/>
-              <a:t>11/19/2022</a:t>
+              <a:t>2/15/2023</a:t>
             </a:fld>
             <a:endParaRPr lang="en-US"/>
           </a:p>
@@ -964,6 +1117,13 @@
               <a:rPr lang="en-US" dirty="0" err="1"/>
               <a:t>hashable</a:t>
             </a:r>
+            <a:endParaRPr lang="en-US" dirty="0"/>
+          </a:p>
+          <a:p>
+            <a:r>
+              <a:rPr lang="en-US" dirty="0"/>
+              <a:t>Each new Python execution selects a new hash function</a:t>
+            </a:r>
             <a:endParaRPr lang="da-DK" dirty="0"/>
           </a:p>
         </p:txBody>
@@ -1648,6 +1808,57 @@
               <a:rPr lang="en-US" b="0" baseline="0" dirty="0"/>
               <a:t> object, you need to convert to a list first then.</a:t>
             </a:r>
+          </a:p>
+          <a:p>
+            <a:endParaRPr lang="en-US" b="0" baseline="0" dirty="0"/>
+          </a:p>
+          <a:p>
+            <a:r>
+              <a:rPr lang="en-US" b="0" dirty="0"/>
+              <a:t>d = {'a':1, 'b':2}</a:t>
+            </a:r>
+          </a:p>
+          <a:p>
+            <a:r>
+              <a:rPr lang="en-US" b="0" dirty="0"/>
+              <a:t>k = </a:t>
+            </a:r>
+            <a:r>
+              <a:rPr lang="en-US" b="0" dirty="0" err="1"/>
+              <a:t>d.keys</a:t>
+            </a:r>
+            <a:r>
+              <a:rPr lang="en-US" b="0" dirty="0"/>
+              <a:t>()</a:t>
+            </a:r>
+          </a:p>
+          <a:p>
+            <a:r>
+              <a:rPr lang="en-US" b="0" dirty="0"/>
+              <a:t>d['c'] = 3</a:t>
+            </a:r>
+          </a:p>
+          <a:p>
+            <a:r>
+              <a:rPr lang="en-US" b="0" dirty="0"/>
+              <a:t>k</a:t>
+            </a:r>
+          </a:p>
+          <a:p>
+            <a:r>
+              <a:rPr lang="en-US" b="0" dirty="0"/>
+              <a:t>&gt;&gt;&gt; </a:t>
+            </a:r>
+            <a:r>
+              <a:rPr lang="en-US" b="0" dirty="0" err="1"/>
+              <a:t>dict_keys</a:t>
+            </a:r>
+            <a:r>
+              <a:rPr lang="en-US" b="0" dirty="0"/>
+              <a:t>(['a', 'b', 'c'])</a:t>
+            </a:r>
+          </a:p>
+          <a:p>
             <a:endParaRPr lang="en-US" b="0" dirty="0"/>
           </a:p>
         </p:txBody>
@@ -2643,7 +2854,7 @@
           <a:p>
             <a:fld id="{0560A9CD-0304-4E0B-9E82-E7E0115DE05B}" type="datetimeFigureOut">
               <a:rPr lang="en-US" smtClean="0"/>
-              <a:t>11/19/2022</a:t>
+              <a:t>2/15/2023</a:t>
             </a:fld>
             <a:endParaRPr lang="en-US"/>
           </a:p>
@@ -2811,7 +3022,7 @@
           <a:p>
             <a:fld id="{0560A9CD-0304-4E0B-9E82-E7E0115DE05B}" type="datetimeFigureOut">
               <a:rPr lang="en-US" smtClean="0"/>
-              <a:t>11/19/2022</a:t>
+              <a:t>2/15/2023</a:t>
             </a:fld>
             <a:endParaRPr lang="en-US"/>
           </a:p>
@@ -2989,7 +3200,7 @@
           <a:p>
             <a:fld id="{0560A9CD-0304-4E0B-9E82-E7E0115DE05B}" type="datetimeFigureOut">
               <a:rPr lang="en-US" smtClean="0"/>
-              <a:t>11/19/2022</a:t>
+              <a:t>2/15/2023</a:t>
             </a:fld>
             <a:endParaRPr lang="en-US"/>
           </a:p>
@@ -3166,7 +3377,7 @@
           <a:p>
             <a:fld id="{0560A9CD-0304-4E0B-9E82-E7E0115DE05B}" type="datetimeFigureOut">
               <a:rPr lang="en-US" smtClean="0"/>
-              <a:t>11/19/2022</a:t>
+              <a:t>2/15/2023</a:t>
             </a:fld>
             <a:endParaRPr lang="en-US"/>
           </a:p>
@@ -3411,7 +3622,7 @@
           <a:p>
             <a:fld id="{0560A9CD-0304-4E0B-9E82-E7E0115DE05B}" type="datetimeFigureOut">
               <a:rPr lang="en-US" smtClean="0"/>
-              <a:t>11/19/2022</a:t>
+              <a:t>2/15/2023</a:t>
             </a:fld>
             <a:endParaRPr lang="en-US"/>
           </a:p>
@@ -3640,7 +3851,7 @@
           <a:p>
             <a:fld id="{0560A9CD-0304-4E0B-9E82-E7E0115DE05B}" type="datetimeFigureOut">
               <a:rPr lang="en-US" smtClean="0"/>
-              <a:t>11/19/2022</a:t>
+              <a:t>2/15/2023</a:t>
             </a:fld>
             <a:endParaRPr lang="en-US"/>
           </a:p>
@@ -4004,7 +4215,7 @@
           <a:p>
             <a:fld id="{0560A9CD-0304-4E0B-9E82-E7E0115DE05B}" type="datetimeFigureOut">
               <a:rPr lang="en-US" smtClean="0"/>
-              <a:t>11/19/2022</a:t>
+              <a:t>2/15/2023</a:t>
             </a:fld>
             <a:endParaRPr lang="en-US"/>
           </a:p>
@@ -4121,7 +4332,7 @@
           <a:p>
             <a:fld id="{0560A9CD-0304-4E0B-9E82-E7E0115DE05B}" type="datetimeFigureOut">
               <a:rPr lang="en-US" smtClean="0"/>
-              <a:t>11/19/2022</a:t>
+              <a:t>2/15/2023</a:t>
             </a:fld>
             <a:endParaRPr lang="en-US"/>
           </a:p>
@@ -4216,7 +4427,7 @@
           <a:p>
             <a:fld id="{0560A9CD-0304-4E0B-9E82-E7E0115DE05B}" type="datetimeFigureOut">
               <a:rPr lang="en-US" smtClean="0"/>
-              <a:t>11/19/2022</a:t>
+              <a:t>2/15/2023</a:t>
             </a:fld>
             <a:endParaRPr lang="en-US"/>
           </a:p>
@@ -4491,7 +4702,7 @@
           <a:p>
             <a:fld id="{0560A9CD-0304-4E0B-9E82-E7E0115DE05B}" type="datetimeFigureOut">
               <a:rPr lang="en-US" smtClean="0"/>
-              <a:t>11/19/2022</a:t>
+              <a:t>2/15/2023</a:t>
             </a:fld>
             <a:endParaRPr lang="en-US"/>
           </a:p>
@@ -4743,7 +4954,7 @@
           <a:p>
             <a:fld id="{0560A9CD-0304-4E0B-9E82-E7E0115DE05B}" type="datetimeFigureOut">
               <a:rPr lang="en-US" smtClean="0"/>
-              <a:t>11/19/2022</a:t>
+              <a:t>2/15/2023</a:t>
             </a:fld>
             <a:endParaRPr lang="en-US"/>
           </a:p>
@@ -4954,7 +5165,7 @@
           <a:p>
             <a:fld id="{0560A9CD-0304-4E0B-9E82-E7E0115DE05B}" type="datetimeFigureOut">
               <a:rPr lang="en-US" smtClean="0"/>
-              <a:t>11/19/2022</a:t>
+              <a:t>2/15/2023</a:t>
             </a:fld>
             <a:endParaRPr lang="en-US"/>
           </a:p>
@@ -6027,7 +6238,7 @@
           <p:nvPr>
             <p:extLst>
               <p:ext uri="{D42A27DB-BD31-4B8C-83A1-F6EECF244321}">
-                <p14:modId xmlns:p14="http://schemas.microsoft.com/office/powerpoint/2010/main" val="4034325222"/>
+                <p14:modId xmlns:p14="http://schemas.microsoft.com/office/powerpoint/2010/main" val="3373263642"/>
               </p:ext>
             </p:extLst>
           </p:nvPr>
@@ -6579,9 +6790,10 @@
                         <a:t> set from </a:t>
                       </a:r>
                       <a:r>
-                        <a:rPr lang="da-DK" dirty="0"/>
-                        <a:t>list</a:t>
-                      </a:r>
+                        <a:rPr lang="da-DK"/>
+                        <a:t>sequence</a:t>
+                      </a:r>
+                      <a:endParaRPr lang="da-DK" dirty="0"/>
                     </a:p>
                   </a:txBody>
                   <a:tcPr marT="36000" marB="36000" anchor="ctr">
@@ -10115,7 +10327,7 @@
           <p:nvPr>
             <p:extLst>
               <p:ext uri="{D42A27DB-BD31-4B8C-83A1-F6EECF244321}">
-                <p14:modId xmlns:p14="http://schemas.microsoft.com/office/powerpoint/2010/main" val="4273871745"/>
+                <p14:modId xmlns:p14="http://schemas.microsoft.com/office/powerpoint/2010/main" val="4163633843"/>
               </p:ext>
             </p:extLst>
           </p:nvPr>
@@ -10409,7 +10621,7 @@
                           <a:latin typeface="Courier New" panose="02070309020205020404" pitchFamily="49" charset="0"/>
                           <a:cs typeface="Courier New" panose="02070309020205020404" pitchFamily="49" charset="0"/>
                         </a:rPr>
-                        <a:t>{('a',('b','c')),('a',('c','b')),('b',('a','c')),...,('c',('b','a’))}</a:t>
+                        <a:t>{('a',('b','c')),('a',('c','b')),('b',('a','c')),...,('c',('b','a'))}</a:t>
                       </a:r>
                     </a:p>
                     <a:p>
@@ -10554,7 +10766,7 @@
                           <a:latin typeface="Courier New" panose="02070309020205020404" pitchFamily="49" charset="0"/>
                           <a:cs typeface="Courier New" panose="02070309020205020404" pitchFamily="49" charset="0"/>
                         </a:rPr>
-                        <a:t>{('c',('b','a')),('c',('a','b')),('a',('c','b’)),...,('b',('a','c'))}</a:t>
+                        <a:t>{('c',('b','a')),('c',('a','b')),('a',('c','b')),...,('b',('a','c'))}</a:t>
                       </a:r>
                     </a:p>
                   </a:txBody>
@@ -10813,31 +11025,11 @@
                   </a:schemeClr>
                 </a:solidFill>
               </a:rPr>
-              <a:t>__</a:t>
-            </a:r>
-            <a:r>
-              <a:rPr lang="en-US" dirty="0" err="1">
-                <a:solidFill>
-                  <a:schemeClr val="accent1">
-                    <a:lumMod val="50000"/>
-                  </a:schemeClr>
-                </a:solidFill>
-              </a:rPr>
-              <a:t>eq</a:t>
-            </a:r>
-            <a:r>
-              <a:rPr lang="en-US" dirty="0">
-                <a:solidFill>
-                  <a:schemeClr val="accent1">
-                    <a:lumMod val="50000"/>
-                  </a:schemeClr>
-                </a:solidFill>
-              </a:rPr>
-              <a:t>__() </a:t>
+              <a:t>__eq__() </a:t>
             </a:r>
             <a:r>
               <a:rPr lang="en-US" dirty="0"/>
-              <a:t>method to check for equality with “==”.</a:t>
+              <a:t>method to check for equality with “==”</a:t>
             </a:r>
             <a:br>
               <a:rPr lang="en-US" dirty="0"/>
@@ -11094,15 +11286,7 @@
             </a:r>
             <a:r>
               <a:rPr lang="da-DK" dirty="0"/>
-              <a:t> </a:t>
-            </a:r>
-            <a:r>
-              <a:rPr lang="da-DK" dirty="0" err="1"/>
-              <a:t>like</a:t>
-            </a:r>
-            <a:r>
-              <a:rPr lang="da-DK" dirty="0"/>
-              <a:t> </a:t>
+              <a:t> like </a:t>
             </a:r>
             <a:r>
               <a:rPr lang="da-DK" dirty="0">
@@ -11171,7 +11355,7 @@
             </a:r>
             <a:r>
               <a:rPr lang="da-DK" dirty="0"/>
-              <a:t> in a set.</a:t>
+              <a:t> in a set</a:t>
             </a:r>
             <a:endParaRPr lang="en-US" dirty="0"/>
           </a:p>
@@ -14501,7 +14685,7 @@
         </p:nvSpPr>
         <p:spPr>
           <a:xfrm>
-            <a:off x="838200" y="221432"/>
+            <a:off x="282142" y="221432"/>
             <a:ext cx="10644051" cy="1325563"/>
           </a:xfrm>
         </p:spPr>
@@ -15554,6 +15738,164 @@
           </a:fontRef>
         </p:style>
       </p:cxnSp>
+      <p:grpSp>
+        <p:nvGrpSpPr>
+          <p:cNvPr id="10" name="Group 9">
+            <a:extLst>
+              <a:ext uri="{FF2B5EF4-FFF2-40B4-BE49-F238E27FC236}">
+                <a16:creationId xmlns:a16="http://schemas.microsoft.com/office/drawing/2014/main" id="{1B0019EB-33BE-97BA-7C06-038561597A77}"/>
+              </a:ext>
+            </a:extLst>
+          </p:cNvPr>
+          <p:cNvGrpSpPr/>
+          <p:nvPr/>
+        </p:nvGrpSpPr>
+        <p:grpSpPr>
+          <a:xfrm>
+            <a:off x="10407887" y="13330"/>
+            <a:ext cx="1992836" cy="1200329"/>
+            <a:chOff x="10407887" y="13330"/>
+            <a:chExt cx="1992836" cy="1200329"/>
+          </a:xfrm>
+        </p:grpSpPr>
+        <p:sp>
+          <p:nvSpPr>
+            <p:cNvPr id="4" name="TextBox 3">
+              <a:extLst>
+                <a:ext uri="{FF2B5EF4-FFF2-40B4-BE49-F238E27FC236}">
+                  <a16:creationId xmlns:a16="http://schemas.microsoft.com/office/drawing/2014/main" id="{D7E080DF-C0C5-20D2-33A0-8827EF54D731}"/>
+                </a:ext>
+              </a:extLst>
+            </p:cNvPr>
+            <p:cNvSpPr txBox="1"/>
+            <p:nvPr/>
+          </p:nvSpPr>
+          <p:spPr>
+            <a:xfrm>
+              <a:off x="10563778" y="13330"/>
+              <a:ext cx="1836945" cy="1200329"/>
+            </a:xfrm>
+            <a:prstGeom prst="rect">
+              <a:avLst/>
+            </a:prstGeom>
+            <a:noFill/>
+          </p:spPr>
+          <p:txBody>
+            <a:bodyPr wrap="square" rtlCol="0">
+              <a:spAutoFit/>
+            </a:bodyPr>
+            <a:lstStyle/>
+            <a:p>
+              <a:pPr algn="ctr">
+                <a:spcAft>
+                  <a:spcPts val="600"/>
+                </a:spcAft>
+              </a:pPr>
+              <a:r>
+                <a:rPr lang="da-DK" dirty="0" err="1">
+                  <a:solidFill>
+                    <a:srgbClr val="C00000"/>
+                  </a:solidFill>
+                </a:rPr>
+                <a:t>Since</a:t>
+              </a:r>
+              <a:br>
+                <a:rPr lang="da-DK" dirty="0">
+                  <a:solidFill>
+                    <a:srgbClr val="C00000"/>
+                  </a:solidFill>
+                </a:rPr>
+              </a:br>
+              <a:r>
+                <a:rPr lang="da-DK" dirty="0">
+                  <a:solidFill>
+                    <a:srgbClr val="C00000"/>
+                  </a:solidFill>
+                </a:rPr>
+                <a:t>Python 3.7 </a:t>
+              </a:r>
+              <a:r>
+                <a:rPr lang="da-DK" dirty="0">
+                  <a:solidFill>
+                    <a:srgbClr val="C00000"/>
+                  </a:solidFill>
+                  <a:latin typeface="Courier New" panose="02070309020205020404" pitchFamily="49" charset="0"/>
+                  <a:cs typeface="Courier New" panose="02070309020205020404" pitchFamily="49" charset="0"/>
+                </a:rPr>
+                <a:t>dataclass</a:t>
+              </a:r>
+              <a:br>
+                <a:rPr lang="da-DK" dirty="0">
+                  <a:solidFill>
+                    <a:srgbClr val="C00000"/>
+                  </a:solidFill>
+                </a:rPr>
+              </a:br>
+              <a:r>
+                <a:rPr lang="da-DK" dirty="0" err="1">
+                  <a:solidFill>
+                    <a:srgbClr val="C00000"/>
+                  </a:solidFill>
+                </a:rPr>
+                <a:t>better</a:t>
+              </a:r>
+              <a:r>
+                <a:rPr lang="da-DK" dirty="0">
+                  <a:solidFill>
+                    <a:srgbClr val="C00000"/>
+                  </a:solidFill>
+                </a:rPr>
+                <a:t> </a:t>
+              </a:r>
+              <a:r>
+                <a:rPr lang="da-DK" dirty="0" err="1">
+                  <a:solidFill>
+                    <a:srgbClr val="C00000"/>
+                  </a:solidFill>
+                </a:rPr>
+                <a:t>choice</a:t>
+              </a:r>
+              <a:endParaRPr lang="da-DK" dirty="0"/>
+            </a:p>
+          </p:txBody>
+        </p:sp>
+        <p:pic>
+          <p:nvPicPr>
+            <p:cNvPr id="7" name="Picture 6">
+              <a:extLst>
+                <a:ext uri="{FF2B5EF4-FFF2-40B4-BE49-F238E27FC236}">
+                  <a16:creationId xmlns:a16="http://schemas.microsoft.com/office/drawing/2014/main" id="{CA096CE3-516F-E1E8-40C5-CB86C3E9C347}"/>
+                </a:ext>
+              </a:extLst>
+            </p:cNvPr>
+            <p:cNvPicPr>
+              <a:picLocks noChangeAspect="1"/>
+            </p:cNvPicPr>
+            <p:nvPr/>
+          </p:nvPicPr>
+          <p:blipFill>
+            <a:blip r:embed="rId3" cstate="print">
+              <a:extLst>
+                <a:ext uri="{28A0092B-C50C-407E-A947-70E740481C1C}">
+                  <a14:useLocalDpi xmlns:a14="http://schemas.microsoft.com/office/drawing/2010/main" val="0"/>
+                </a:ext>
+              </a:extLst>
+            </a:blip>
+            <a:stretch>
+              <a:fillRect/>
+            </a:stretch>
+          </p:blipFill>
+          <p:spPr>
+            <a:xfrm>
+              <a:off x="10407887" y="155895"/>
+              <a:ext cx="487666" cy="405904"/>
+            </a:xfrm>
+            <a:prstGeom prst="rect">
+              <a:avLst/>
+            </a:prstGeom>
+          </p:spPr>
+        </p:pic>
+      </p:grpSp>
     </p:spTree>
     <p:extLst>
       <p:ext uri="{BB962C8B-B14F-4D97-AF65-F5344CB8AC3E}">
@@ -15564,6 +15906,89 @@
   <p:clrMapOvr>
     <a:masterClrMapping/>
   </p:clrMapOvr>
+  <p:timing>
+    <p:tnLst>
+      <p:par>
+        <p:cTn id="1" dur="indefinite" restart="never" nodeType="tmRoot">
+          <p:childTnLst>
+            <p:seq concurrent="1" nextAc="seek">
+              <p:cTn id="2" dur="indefinite" nodeType="mainSeq">
+                <p:childTnLst>
+                  <p:par>
+                    <p:cTn id="3" fill="hold">
+                      <p:stCondLst>
+                        <p:cond delay="indefinite"/>
+                      </p:stCondLst>
+                      <p:childTnLst>
+                        <p:par>
+                          <p:cTn id="4" fill="hold">
+                            <p:stCondLst>
+                              <p:cond delay="0"/>
+                            </p:stCondLst>
+                            <p:childTnLst>
+                              <p:par>
+                                <p:cTn id="5" presetID="10" presetClass="entr" presetSubtype="0" fill="hold" nodeType="clickEffect">
+                                  <p:stCondLst>
+                                    <p:cond delay="0"/>
+                                  </p:stCondLst>
+                                  <p:childTnLst>
+                                    <p:set>
+                                      <p:cBhvr>
+                                        <p:cTn id="6" dur="1" fill="hold">
+                                          <p:stCondLst>
+                                            <p:cond delay="0"/>
+                                          </p:stCondLst>
+                                        </p:cTn>
+                                        <p:tgtEl>
+                                          <p:spTgt spid="10"/>
+                                        </p:tgtEl>
+                                        <p:attrNameLst>
+                                          <p:attrName>style.visibility</p:attrName>
+                                        </p:attrNameLst>
+                                      </p:cBhvr>
+                                      <p:to>
+                                        <p:strVal val="visible"/>
+                                      </p:to>
+                                    </p:set>
+                                    <p:animEffect transition="in" filter="fade">
+                                      <p:cBhvr>
+                                        <p:cTn id="7" dur="500"/>
+                                        <p:tgtEl>
+                                          <p:spTgt spid="10"/>
+                                        </p:tgtEl>
+                                      </p:cBhvr>
+                                    </p:animEffect>
+                                  </p:childTnLst>
+                                </p:cTn>
+                              </p:par>
+                            </p:childTnLst>
+                          </p:cTn>
+                        </p:par>
+                      </p:childTnLst>
+                    </p:cTn>
+                  </p:par>
+                </p:childTnLst>
+              </p:cTn>
+              <p:prevCondLst>
+                <p:cond evt="onPrev" delay="0">
+                  <p:tgtEl>
+                    <p:sldTgt/>
+                  </p:tgtEl>
+                </p:cond>
+              </p:prevCondLst>
+              <p:nextCondLst>
+                <p:cond evt="onNext" delay="0">
+                  <p:tgtEl>
+                    <p:sldTgt/>
+                  </p:tgtEl>
+                </p:cond>
+              </p:nextCondLst>
+            </p:seq>
+          </p:childTnLst>
+        </p:cTn>
+      </p:par>
+    </p:tnLst>
+  </p:timing>
 </p:sld>
 </file>
 
@@ -17383,15 +17808,7 @@
             </a:r>
             <a:r>
               <a:rPr lang="da-DK" dirty="0"/>
-              <a:t>. </a:t>
-            </a:r>
-            <a:r>
-              <a:rPr lang="da-DK" dirty="0" err="1"/>
-              <a:t>Key</a:t>
-            </a:r>
-            <a:r>
-              <a:rPr lang="da-DK" dirty="0"/>
-              <a:t> must </a:t>
+              <a:t>. Key must </a:t>
             </a:r>
             <a:r>
               <a:rPr lang="da-DK" dirty="0" err="1"/>
@@ -17399,7 +17816,7 @@
             </a:r>
             <a:r>
               <a:rPr lang="da-DK" dirty="0"/>
-              <a:t> present </a:t>
+              <a:t> present, </a:t>
             </a:r>
             <a:r>
               <a:rPr lang="da-DK" dirty="0" err="1"/>
@@ -17423,7 +17840,7 @@
             </a:r>
             <a:r>
               <a:rPr lang="da-DK" dirty="0"/>
-              <a:t>. </a:t>
+              <a:t> </a:t>
             </a:r>
           </a:p>
           <a:p>
@@ -17522,7 +17939,15 @@
             </a:r>
             <a:r>
               <a:rPr lang="da-DK" dirty="0"/>
-              <a:t> if present.</a:t>
+              <a:t> </a:t>
+            </a:r>
+            <a:r>
+              <a:rPr lang="da-DK" dirty="0" err="1"/>
+              <a:t>if</a:t>
+            </a:r>
+            <a:r>
+              <a:rPr lang="da-DK" dirty="0"/>
+              <a:t> present</a:t>
             </a:r>
             <a:endParaRPr lang="da-DK" dirty="0">
               <a:latin typeface="Courier New" panose="02070309020205020404" pitchFamily="49" charset="0"/>
@@ -21044,7 +21469,7 @@
           <p:nvPr>
             <p:extLst>
               <p:ext uri="{D42A27DB-BD31-4B8C-83A1-F6EECF244321}">
-                <p14:modId xmlns:p14="http://schemas.microsoft.com/office/powerpoint/2010/main" val="912404070"/>
+                <p14:modId xmlns:p14="http://schemas.microsoft.com/office/powerpoint/2010/main" val="105213090"/>
               </p:ext>
             </p:extLst>
           </p:nvPr>
@@ -21690,7 +22115,7 @@
                           <a:latin typeface="Courier New" panose="02070309020205020404" pitchFamily="49" charset="0"/>
                           <a:cs typeface="Courier New" panose="02070309020205020404" pitchFamily="49" charset="0"/>
                         </a:rPr>
-                        <a:t>	print("Key", key, "has value", </a:t>
+                        <a:t>	print('Key', key, 'has value', </a:t>
                       </a:r>
                       <a:r>
                         <a:rPr lang="en-US" sz="1600" b="1" baseline="0" dirty="0" err="1">
@@ -27166,7 +27591,7 @@
           <p:nvPr>
             <p:extLst>
               <p:ext uri="{D42A27DB-BD31-4B8C-83A1-F6EECF244321}">
-                <p14:modId xmlns:p14="http://schemas.microsoft.com/office/powerpoint/2010/main" val="1687379835"/>
+                <p14:modId xmlns:p14="http://schemas.microsoft.com/office/powerpoint/2010/main" val="3785027373"/>
               </p:ext>
             </p:extLst>
           </p:nvPr>
@@ -27301,7 +27726,7 @@
                           <a:latin typeface="Courier New" panose="02070309020205020404" pitchFamily="49" charset="0"/>
                           <a:cs typeface="Courier New" panose="02070309020205020404" pitchFamily="49" charset="0"/>
                         </a:rPr>
-                        <a:t>d = {'d': 1, 'c': 2, 'b': 3, 'a':4}</a:t>
+                        <a:t>d = {'d': 1, 'c': 2, 'b': 3, 'a': 4}</a:t>
                       </a:r>
                     </a:p>
                     <a:p>
@@ -28192,7 +28617,7 @@
           <p:nvPr>
             <p:extLst>
               <p:ext uri="{D42A27DB-BD31-4B8C-83A1-F6EECF244321}">
-                <p14:modId xmlns:p14="http://schemas.microsoft.com/office/powerpoint/2010/main" val="2848112837"/>
+                <p14:modId xmlns:p14="http://schemas.microsoft.com/office/powerpoint/2010/main" val="1047587422"/>
               </p:ext>
             </p:extLst>
           </p:nvPr>
@@ -28410,10 +28835,81 @@
                       </a:pPr>
                       <a:r>
                         <a:rPr lang="pt-BR" sz="1800" b="1" baseline="0" dirty="0">
-                          <a:latin typeface="Courier New" panose="02070309020205020404" pitchFamily="49" charset="0"/>
-                          <a:cs typeface="Courier New" panose="02070309020205020404" pitchFamily="49" charset="0"/>
-                        </a:rPr>
-                        <a:t>{name: idx for idx, name in enumerate(names, start=1)}</a:t>
+                          <a:solidFill>
+                            <a:srgbClr val="C00000"/>
+                          </a:solidFill>
+                          <a:latin typeface="Courier New" panose="02070309020205020404" pitchFamily="49" charset="0"/>
+                          <a:cs typeface="Courier New" panose="02070309020205020404" pitchFamily="49" charset="0"/>
+                        </a:rPr>
+                        <a:t>{</a:t>
+                      </a:r>
+                      <a:r>
+                        <a:rPr lang="pt-BR" sz="1800" b="1" baseline="0" dirty="0">
+                          <a:latin typeface="Courier New" panose="02070309020205020404" pitchFamily="49" charset="0"/>
+                          <a:cs typeface="Courier New" panose="02070309020205020404" pitchFamily="49" charset="0"/>
+                        </a:rPr>
+                        <a:t>name</a:t>
+                      </a:r>
+                      <a:r>
+                        <a:rPr lang="pt-BR" sz="1800" b="1" baseline="0" dirty="0">
+                          <a:solidFill>
+                            <a:srgbClr val="C00000"/>
+                          </a:solidFill>
+                          <a:latin typeface="Courier New" panose="02070309020205020404" pitchFamily="49" charset="0"/>
+                          <a:cs typeface="Courier New" panose="02070309020205020404" pitchFamily="49" charset="0"/>
+                        </a:rPr>
+                        <a:t>:</a:t>
+                      </a:r>
+                      <a:r>
+                        <a:rPr lang="pt-BR" sz="1800" b="1" baseline="0" dirty="0">
+                          <a:latin typeface="Courier New" panose="02070309020205020404" pitchFamily="49" charset="0"/>
+                          <a:cs typeface="Courier New" panose="02070309020205020404" pitchFamily="49" charset="0"/>
+                        </a:rPr>
+                        <a:t> idx </a:t>
+                      </a:r>
+                      <a:r>
+                        <a:rPr lang="pt-BR" sz="1800" b="1" baseline="0" dirty="0">
+                          <a:solidFill>
+                            <a:srgbClr val="C00000"/>
+                          </a:solidFill>
+                          <a:latin typeface="Courier New" panose="02070309020205020404" pitchFamily="49" charset="0"/>
+                          <a:cs typeface="Courier New" panose="02070309020205020404" pitchFamily="49" charset="0"/>
+                        </a:rPr>
+                        <a:t>for</a:t>
+                      </a:r>
+                      <a:r>
+                        <a:rPr lang="pt-BR" sz="1800" b="1" baseline="0" dirty="0">
+                          <a:latin typeface="Courier New" panose="02070309020205020404" pitchFamily="49" charset="0"/>
+                          <a:cs typeface="Courier New" panose="02070309020205020404" pitchFamily="49" charset="0"/>
+                        </a:rPr>
+                        <a:t> idx, name </a:t>
+                      </a:r>
+                      <a:r>
+                        <a:rPr lang="pt-BR" sz="1800" b="1" baseline="0" dirty="0">
+                          <a:solidFill>
+                            <a:srgbClr val="C00000"/>
+                          </a:solidFill>
+                          <a:latin typeface="Courier New" panose="02070309020205020404" pitchFamily="49" charset="0"/>
+                          <a:cs typeface="Courier New" panose="02070309020205020404" pitchFamily="49" charset="0"/>
+                        </a:rPr>
+                        <a:t>in</a:t>
+                      </a:r>
+                      <a:r>
+                        <a:rPr lang="pt-BR" sz="1800" b="1" baseline="0" dirty="0">
+                          <a:latin typeface="Courier New" panose="02070309020205020404" pitchFamily="49" charset="0"/>
+                          <a:cs typeface="Courier New" panose="02070309020205020404" pitchFamily="49" charset="0"/>
+                        </a:rPr>
+                        <a:t> enumerate(names, start=1)</a:t>
+                      </a:r>
+                      <a:r>
+                        <a:rPr lang="pt-BR" sz="1800" b="1" baseline="0" dirty="0">
+                          <a:solidFill>
+                            <a:srgbClr val="C00000"/>
+                          </a:solidFill>
+                          <a:latin typeface="Courier New" panose="02070309020205020404" pitchFamily="49" charset="0"/>
+                          <a:cs typeface="Courier New" panose="02070309020205020404" pitchFamily="49" charset="0"/>
+                        </a:rPr>
+                        <a:t>}</a:t>
                       </a:r>
                     </a:p>
                     <a:p>
@@ -28428,16 +28924,12 @@
                         <a:buChar char="|"/>
                       </a:pPr>
                       <a:r>
-                        <a:rPr lang="pt-BR" sz="1800" b="1" baseline="0">
+                        <a:rPr lang="pt-BR" sz="1800" b="1" baseline="0" dirty="0">
                           <a:latin typeface="Courier New" panose="02070309020205020404" pitchFamily="49" charset="0"/>
                           <a:cs typeface="Courier New" panose="02070309020205020404" pitchFamily="49" charset="0"/>
                         </a:rPr>
                         <a:t>{'Mickey': 1, 'Donald': 2, 'Scrooge': 3}</a:t>
                       </a:r>
-                      <a:endParaRPr lang="pt-BR" sz="1800" b="1" baseline="0" dirty="0">
-                        <a:latin typeface="Courier New" panose="02070309020205020404" pitchFamily="49" charset="0"/>
-                        <a:cs typeface="Courier New" panose="02070309020205020404" pitchFamily="49" charset="0"/>
-                      </a:endParaRPr>
                     </a:p>
                   </a:txBody>
                   <a:tcPr>

--- a/ipsa/slides/dictionaries.pptx
+++ b/ipsa/slides/dictionaries.pptx
@@ -362,7 +362,7 @@
   <pc:docChgLst>
     <pc:chgData name="Gerth Stølting Brodal" userId="04ef4784-6591-4f86-a140-f5c3b108582a" providerId="ADAL" clId="{3A49286A-3992-4B37-8BB5-DA83FEA0A6BC}"/>
     <pc:docChg chg="undo custSel modSld">
-      <pc:chgData name="Gerth Stølting Brodal" userId="04ef4784-6591-4f86-a140-f5c3b108582a" providerId="ADAL" clId="{3A49286A-3992-4B37-8BB5-DA83FEA0A6BC}" dt="2023-02-15T07:56:10.301" v="219" actId="20577"/>
+      <pc:chgData name="Gerth Stølting Brodal" userId="04ef4784-6591-4f86-a140-f5c3b108582a" providerId="ADAL" clId="{3A49286A-3992-4B37-8BB5-DA83FEA0A6BC}" dt="2023-02-19T17:48:21.019" v="243" actId="20577"/>
       <pc:docMkLst>
         <pc:docMk/>
       </pc:docMkLst>
@@ -411,8 +411,8 @@
           </ac:spMkLst>
         </pc:spChg>
       </pc:sldChg>
-      <pc:sldChg chg="modSp mod">
-        <pc:chgData name="Gerth Stølting Brodal" userId="04ef4784-6591-4f86-a140-f5c3b108582a" providerId="ADAL" clId="{3A49286A-3992-4B37-8BB5-DA83FEA0A6BC}" dt="2023-02-15T07:56:10.301" v="219" actId="20577"/>
+      <pc:sldChg chg="modSp mod modNotesTx">
+        <pc:chgData name="Gerth Stølting Brodal" userId="04ef4784-6591-4f86-a140-f5c3b108582a" providerId="ADAL" clId="{3A49286A-3992-4B37-8BB5-DA83FEA0A6BC}" dt="2023-02-19T17:36:19.328" v="242" actId="20577"/>
         <pc:sldMkLst>
           <pc:docMk/>
           <pc:sldMk cId="3852152376" sldId="550"/>
@@ -472,7 +472,7 @@
         </pc:graphicFrameChg>
       </pc:sldChg>
       <pc:sldChg chg="addSp modSp mod modAnim">
-        <pc:chgData name="Gerth Stølting Brodal" userId="04ef4784-6591-4f86-a140-f5c3b108582a" providerId="ADAL" clId="{3A49286A-3992-4B37-8BB5-DA83FEA0A6BC}" dt="2023-02-15T07:54:42.002" v="211"/>
+        <pc:chgData name="Gerth Stølting Brodal" userId="04ef4784-6591-4f86-a140-f5c3b108582a" providerId="ADAL" clId="{3A49286A-3992-4B37-8BB5-DA83FEA0A6BC}" dt="2023-02-19T17:48:21.019" v="243" actId="20577"/>
         <pc:sldMkLst>
           <pc:docMk/>
           <pc:sldMk cId="630244301" sldId="566"/>
@@ -501,6 +501,14 @@
             <ac:grpSpMk id="10" creationId="{1B0019EB-33BE-97BA-7C06-038561597A77}"/>
           </ac:grpSpMkLst>
         </pc:grpChg>
+        <pc:graphicFrameChg chg="modGraphic">
+          <ac:chgData name="Gerth Stølting Brodal" userId="04ef4784-6591-4f86-a140-f5c3b108582a" providerId="ADAL" clId="{3A49286A-3992-4B37-8BB5-DA83FEA0A6BC}" dt="2023-02-19T17:48:21.019" v="243" actId="20577"/>
+          <ac:graphicFrameMkLst>
+            <pc:docMk/>
+            <pc:sldMk cId="630244301" sldId="566"/>
+            <ac:graphicFrameMk id="5" creationId="{00000000-0000-0000-0000-000000000000}"/>
+          </ac:graphicFrameMkLst>
+        </pc:graphicFrameChg>
         <pc:picChg chg="add mod">
           <ac:chgData name="Gerth Stølting Brodal" userId="04ef4784-6591-4f86-a140-f5c3b108582a" providerId="ADAL" clId="{3A49286A-3992-4B37-8BB5-DA83FEA0A6BC}" dt="2023-02-15T07:54:39.447" v="210" actId="164"/>
           <ac:picMkLst>
@@ -710,7 +718,7 @@
           <a:p>
             <a:fld id="{FB1A172F-81D4-4DC4-9113-1DBD56EC3646}" type="datetimeFigureOut">
               <a:rPr lang="en-US" smtClean="0"/>
-              <a:t>2/15/2023</a:t>
+              <a:t>2/19/2023</a:t>
             </a:fld>
             <a:endParaRPr lang="en-US"/>
           </a:p>
@@ -2265,6 +2273,44 @@
               <a:t> since they need to be immutable</a:t>
             </a:r>
           </a:p>
+          <a:p>
+            <a:endParaRPr lang="en-US" dirty="0"/>
+          </a:p>
+          <a:p>
+            <a:endParaRPr lang="en-US" dirty="0"/>
+          </a:p>
+          <a:p>
+            <a:r>
+              <a:rPr lang="en-US" dirty="0" err="1"/>
+              <a:t>timeit.timeit</a:t>
+            </a:r>
+            <a:r>
+              <a:rPr lang="en-US" dirty="0"/>
+              <a:t>('-1 in L', setup='L = list(range(10_000_000))', number = 100)</a:t>
+            </a:r>
+          </a:p>
+          <a:p>
+            <a:r>
+              <a:rPr lang="en-US" dirty="0"/>
+              <a:t>4.7</a:t>
+            </a:r>
+          </a:p>
+          <a:p>
+            <a:r>
+              <a:rPr lang="en-US" dirty="0" err="1"/>
+              <a:t>timeit.timeit</a:t>
+            </a:r>
+            <a:r>
+              <a:rPr lang="en-US" dirty="0"/>
+              <a:t>('-1 in L', setup='L = set(range(10_000_000))', number = 100)</a:t>
+            </a:r>
+          </a:p>
+          <a:p>
+            <a:r>
+              <a:rPr lang="en-US" dirty="0"/>
+              <a:t>5.2e-06</a:t>
+            </a:r>
+          </a:p>
         </p:txBody>
       </p:sp>
       <p:sp>
@@ -2854,7 +2900,7 @@
           <a:p>
             <a:fld id="{0560A9CD-0304-4E0B-9E82-E7E0115DE05B}" type="datetimeFigureOut">
               <a:rPr lang="en-US" smtClean="0"/>
-              <a:t>2/15/2023</a:t>
+              <a:t>2/19/2023</a:t>
             </a:fld>
             <a:endParaRPr lang="en-US"/>
           </a:p>
@@ -3022,7 +3068,7 @@
           <a:p>
             <a:fld id="{0560A9CD-0304-4E0B-9E82-E7E0115DE05B}" type="datetimeFigureOut">
               <a:rPr lang="en-US" smtClean="0"/>
-              <a:t>2/15/2023</a:t>
+              <a:t>2/19/2023</a:t>
             </a:fld>
             <a:endParaRPr lang="en-US"/>
           </a:p>
@@ -3200,7 +3246,7 @@
           <a:p>
             <a:fld id="{0560A9CD-0304-4E0B-9E82-E7E0115DE05B}" type="datetimeFigureOut">
               <a:rPr lang="en-US" smtClean="0"/>
-              <a:t>2/15/2023</a:t>
+              <a:t>2/19/2023</a:t>
             </a:fld>
             <a:endParaRPr lang="en-US"/>
           </a:p>
@@ -3377,7 +3423,7 @@
           <a:p>
             <a:fld id="{0560A9CD-0304-4E0B-9E82-E7E0115DE05B}" type="datetimeFigureOut">
               <a:rPr lang="en-US" smtClean="0"/>
-              <a:t>2/15/2023</a:t>
+              <a:t>2/19/2023</a:t>
             </a:fld>
             <a:endParaRPr lang="en-US"/>
           </a:p>
@@ -3622,7 +3668,7 @@
           <a:p>
             <a:fld id="{0560A9CD-0304-4E0B-9E82-E7E0115DE05B}" type="datetimeFigureOut">
               <a:rPr lang="en-US" smtClean="0"/>
-              <a:t>2/15/2023</a:t>
+              <a:t>2/19/2023</a:t>
             </a:fld>
             <a:endParaRPr lang="en-US"/>
           </a:p>
@@ -3851,7 +3897,7 @@
           <a:p>
             <a:fld id="{0560A9CD-0304-4E0B-9E82-E7E0115DE05B}" type="datetimeFigureOut">
               <a:rPr lang="en-US" smtClean="0"/>
-              <a:t>2/15/2023</a:t>
+              <a:t>2/19/2023</a:t>
             </a:fld>
             <a:endParaRPr lang="en-US"/>
           </a:p>
@@ -4215,7 +4261,7 @@
           <a:p>
             <a:fld id="{0560A9CD-0304-4E0B-9E82-E7E0115DE05B}" type="datetimeFigureOut">
               <a:rPr lang="en-US" smtClean="0"/>
-              <a:t>2/15/2023</a:t>
+              <a:t>2/19/2023</a:t>
             </a:fld>
             <a:endParaRPr lang="en-US"/>
           </a:p>
@@ -4332,7 +4378,7 @@
           <a:p>
             <a:fld id="{0560A9CD-0304-4E0B-9E82-E7E0115DE05B}" type="datetimeFigureOut">
               <a:rPr lang="en-US" smtClean="0"/>
-              <a:t>2/15/2023</a:t>
+              <a:t>2/19/2023</a:t>
             </a:fld>
             <a:endParaRPr lang="en-US"/>
           </a:p>
@@ -4427,7 +4473,7 @@
           <a:p>
             <a:fld id="{0560A9CD-0304-4E0B-9E82-E7E0115DE05B}" type="datetimeFigureOut">
               <a:rPr lang="en-US" smtClean="0"/>
-              <a:t>2/15/2023</a:t>
+              <a:t>2/19/2023</a:t>
             </a:fld>
             <a:endParaRPr lang="en-US"/>
           </a:p>
@@ -4702,7 +4748,7 @@
           <a:p>
             <a:fld id="{0560A9CD-0304-4E0B-9E82-E7E0115DE05B}" type="datetimeFigureOut">
               <a:rPr lang="en-US" smtClean="0"/>
-              <a:t>2/15/2023</a:t>
+              <a:t>2/19/2023</a:t>
             </a:fld>
             <a:endParaRPr lang="en-US"/>
           </a:p>
@@ -4954,7 +5000,7 @@
           <a:p>
             <a:fld id="{0560A9CD-0304-4E0B-9E82-E7E0115DE05B}" type="datetimeFigureOut">
               <a:rPr lang="en-US" smtClean="0"/>
-              <a:t>2/15/2023</a:t>
+              <a:t>2/19/2023</a:t>
             </a:fld>
             <a:endParaRPr lang="en-US"/>
           </a:p>
@@ -5165,7 +5211,7 @@
           <a:p>
             <a:fld id="{0560A9CD-0304-4E0B-9E82-E7E0115DE05B}" type="datetimeFigureOut">
               <a:rPr lang="en-US" smtClean="0"/>
-              <a:t>2/15/2023</a:t>
+              <a:t>2/19/2023</a:t>
             </a:fld>
             <a:endParaRPr lang="en-US"/>
           </a:p>
@@ -14850,7 +14896,7 @@
           <p:nvPr>
             <p:extLst>
               <p:ext uri="{D42A27DB-BD31-4B8C-83A1-F6EECF244321}">
-                <p14:modId xmlns:p14="http://schemas.microsoft.com/office/powerpoint/2010/main" val="327416076"/>
+                <p14:modId xmlns:p14="http://schemas.microsoft.com/office/powerpoint/2010/main" val="55929096"/>
               </p:ext>
             </p:extLst>
           </p:nvPr>
@@ -15473,7 +15519,26 @@
                           <a:latin typeface="Courier New" panose="02070309020205020404" pitchFamily="49" charset="0"/>
                           <a:cs typeface="Courier New" panose="02070309020205020404" pitchFamily="49" charset="0"/>
                         </a:rPr>
-                        <a:t>person[1] </a:t>
+                        <a:t>person[1</a:t>
+                      </a:r>
+                      <a:r>
+                        <a:rPr lang="pt-BR" sz="1800" b="1" baseline="0">
+                          <a:latin typeface="Courier New" panose="02070309020205020404" pitchFamily="49" charset="0"/>
+                          <a:cs typeface="Courier New" panose="02070309020205020404" pitchFamily="49" charset="0"/>
+                        </a:rPr>
+                        <a:t>]  </a:t>
+                      </a:r>
+                      <a:r>
+                        <a:rPr lang="pt-BR" sz="1800" b="1" baseline="0">
+                          <a:solidFill>
+                            <a:schemeClr val="bg1">
+                              <a:lumMod val="50000"/>
+                            </a:schemeClr>
+                          </a:solidFill>
+                          <a:latin typeface="Courier New" panose="02070309020205020404" pitchFamily="49" charset="0"/>
+                          <a:cs typeface="Courier New" panose="02070309020205020404" pitchFamily="49" charset="0"/>
+                        </a:rPr>
+                        <a:t># </a:t>
                       </a:r>
                       <a:r>
                         <a:rPr lang="pt-BR" sz="1800" b="1" baseline="0" dirty="0">
@@ -15485,7 +15550,7 @@
                           <a:latin typeface="Courier New" panose="02070309020205020404" pitchFamily="49" charset="0"/>
                           <a:cs typeface="Courier New" panose="02070309020205020404" pitchFamily="49" charset="0"/>
                         </a:rPr>
-                        <a:t># still possible</a:t>
+                        <a:t>still possible</a:t>
                       </a:r>
                       <a:endParaRPr lang="pt-BR" sz="1800" b="1" baseline="0" dirty="0">
                         <a:latin typeface="Courier New" panose="02070309020205020404" pitchFamily="49" charset="0"/>

--- a/ipsa/slides/dictionaries.pptx
+++ b/ipsa/slides/dictionaries.pptx
@@ -362,7 +362,7 @@
   <pc:docChgLst>
     <pc:chgData name="Gerth Stølting Brodal" userId="04ef4784-6591-4f86-a140-f5c3b108582a" providerId="ADAL" clId="{3A49286A-3992-4B37-8BB5-DA83FEA0A6BC}"/>
     <pc:docChg chg="undo custSel modSld">
-      <pc:chgData name="Gerth Stølting Brodal" userId="04ef4784-6591-4f86-a140-f5c3b108582a" providerId="ADAL" clId="{3A49286A-3992-4B37-8BB5-DA83FEA0A6BC}" dt="2023-02-19T17:48:21.019" v="243" actId="20577"/>
+      <pc:chgData name="Gerth Stølting Brodal" userId="04ef4784-6591-4f86-a140-f5c3b108582a" providerId="ADAL" clId="{3A49286A-3992-4B37-8BB5-DA83FEA0A6BC}" dt="2023-02-20T07:48:51.581" v="249"/>
       <pc:docMkLst>
         <pc:docMk/>
       </pc:docMkLst>
@@ -412,13 +412,13 @@
         </pc:spChg>
       </pc:sldChg>
       <pc:sldChg chg="modSp mod modNotesTx">
-        <pc:chgData name="Gerth Stølting Brodal" userId="04ef4784-6591-4f86-a140-f5c3b108582a" providerId="ADAL" clId="{3A49286A-3992-4B37-8BB5-DA83FEA0A6BC}" dt="2023-02-19T17:36:19.328" v="242" actId="20577"/>
+        <pc:chgData name="Gerth Stølting Brodal" userId="04ef4784-6591-4f86-a140-f5c3b108582a" providerId="ADAL" clId="{3A49286A-3992-4B37-8BB5-DA83FEA0A6BC}" dt="2023-02-20T07:48:51.581" v="249"/>
         <pc:sldMkLst>
           <pc:docMk/>
           <pc:sldMk cId="3852152376" sldId="550"/>
         </pc:sldMkLst>
         <pc:graphicFrameChg chg="modGraphic">
-          <ac:chgData name="Gerth Stølting Brodal" userId="04ef4784-6591-4f86-a140-f5c3b108582a" providerId="ADAL" clId="{3A49286A-3992-4B37-8BB5-DA83FEA0A6BC}" dt="2023-02-15T07:56:10.301" v="219" actId="20577"/>
+          <ac:chgData name="Gerth Stølting Brodal" userId="04ef4784-6591-4f86-a140-f5c3b108582a" providerId="ADAL" clId="{3A49286A-3992-4B37-8BB5-DA83FEA0A6BC}" dt="2023-02-20T07:44:26.230" v="247" actId="20577"/>
           <ac:graphicFrameMkLst>
             <pc:docMk/>
             <pc:sldMk cId="3852152376" sldId="550"/>
@@ -2274,6 +2274,47 @@
             </a:r>
           </a:p>
           <a:p>
+            <a:endParaRPr lang="en-US" dirty="0"/>
+          </a:p>
+          <a:p>
+            <a:r>
+              <a:rPr lang="en-US" dirty="0" err="1"/>
+              <a:t>frozenset</a:t>
+            </a:r>
+            <a:r>
+              <a:rPr lang="en-US" dirty="0"/>
+              <a:t>([1,2]) | set([3,4])</a:t>
+            </a:r>
+          </a:p>
+          <a:p>
+            <a:r>
+              <a:rPr lang="en-US" dirty="0" err="1"/>
+              <a:t>frozenset</a:t>
+            </a:r>
+            <a:r>
+              <a:rPr lang="en-US" dirty="0"/>
+              <a:t>({1, 2, 3, 4})</a:t>
+            </a:r>
+          </a:p>
+          <a:p>
+            <a:r>
+              <a:rPr lang="en-US" dirty="0"/>
+              <a:t>set([3,4]) | </a:t>
+            </a:r>
+            <a:r>
+              <a:rPr lang="en-US" dirty="0" err="1"/>
+              <a:t>frozenset</a:t>
+            </a:r>
+            <a:r>
+              <a:rPr lang="en-US" dirty="0"/>
+              <a:t>([1,2])</a:t>
+            </a:r>
+          </a:p>
+          <a:p>
+            <a:r>
+              <a:rPr lang="en-US"/>
+              <a:t>{1, 2, 3, 4}</a:t>
+            </a:r>
             <a:endParaRPr lang="en-US" dirty="0"/>
           </a:p>
           <a:p>
@@ -6284,7 +6325,7 @@
           <p:nvPr>
             <p:extLst>
               <p:ext uri="{D42A27DB-BD31-4B8C-83A1-F6EECF244321}">
-                <p14:modId xmlns:p14="http://schemas.microsoft.com/office/powerpoint/2010/main" val="3373263642"/>
+                <p14:modId xmlns:p14="http://schemas.microsoft.com/office/powerpoint/2010/main" val="4275193753"/>
               </p:ext>
             </p:extLst>
           </p:nvPr>

--- a/ipsa/slides/dictionaries.pptx
+++ b/ipsa/slides/dictionaries.pptx
@@ -5,7 +5,7 @@
     <p:sldMasterId id="2147483648" r:id="rId1"/>
   </p:sldMasterIdLst>
   <p:notesMasterIdLst>
-    <p:notesMasterId r:id="rId23"/>
+    <p:notesMasterId r:id="rId24"/>
   </p:notesMasterIdLst>
   <p:sldIdLst>
     <p:sldId id="476" r:id="rId2"/>
@@ -23,12 +23,13 @@
     <p:sldId id="546" r:id="rId14"/>
     <p:sldId id="555" r:id="rId15"/>
     <p:sldId id="551" r:id="rId16"/>
-    <p:sldId id="563" r:id="rId17"/>
-    <p:sldId id="565" r:id="rId18"/>
-    <p:sldId id="566" r:id="rId19"/>
-    <p:sldId id="567" r:id="rId20"/>
-    <p:sldId id="544" r:id="rId21"/>
-    <p:sldId id="557" r:id="rId22"/>
+    <p:sldId id="513" r:id="rId17"/>
+    <p:sldId id="563" r:id="rId18"/>
+    <p:sldId id="565" r:id="rId19"/>
+    <p:sldId id="566" r:id="rId20"/>
+    <p:sldId id="567" r:id="rId21"/>
+    <p:sldId id="544" r:id="rId22"/>
+    <p:sldId id="557" r:id="rId23"/>
   </p:sldIdLst>
   <p:sldSz cx="12192000" cy="6858000"/>
   <p:notesSz cx="6858000" cy="9144000"/>
@@ -138,13 +139,205 @@
 <file path=ppt/revisionInfo.xml><?xml version="1.0" encoding="utf-8"?>
 <p1510:revInfo xmlns:a="http://schemas.openxmlformats.org/drawingml/2006/main" xmlns:r="http://schemas.openxmlformats.org/officeDocument/2006/relationships" xmlns:p1510="http://schemas.microsoft.com/office/powerpoint/2015/10/main">
   <p1510:revLst>
-    <p1510:client id="{3A49286A-3992-4B37-8BB5-DA83FEA0A6BC}" v="3" dt="2023-02-15T07:54:42.002"/>
+    <p1510:client id="{32A0BADB-2EDA-40A0-B15A-8D58BACC3113}" v="7" dt="2023-07-15T12:37:48.766"/>
   </p1510:revLst>
 </p1510:revInfo>
 </file>
 
 <file path=ppt/changesInfos/changesInfo1.xml><?xml version="1.0" encoding="utf-8"?>
 <pc:chgInfo xmlns:a="http://schemas.openxmlformats.org/drawingml/2006/main" xmlns:r="http://schemas.openxmlformats.org/officeDocument/2006/relationships" xmlns:ac="http://schemas.microsoft.com/office/drawing/2013/main/command" xmlns:pc="http://schemas.microsoft.com/office/powerpoint/2013/main/command">
+  <pc:docChgLst>
+    <pc:chgData name="Gerth Stølting Brodal" userId="04ef4784-6591-4f86-a140-f5c3b108582a" providerId="ADAL" clId="{32A0BADB-2EDA-40A0-B15A-8D58BACC3113}"/>
+    <pc:docChg chg="undo custSel addSld modSld">
+      <pc:chgData name="Gerth Stølting Brodal" userId="04ef4784-6591-4f86-a140-f5c3b108582a" providerId="ADAL" clId="{32A0BADB-2EDA-40A0-B15A-8D58BACC3113}" dt="2023-07-15T12:39:46.204" v="340" actId="1076"/>
+      <pc:docMkLst>
+        <pc:docMk/>
+      </pc:docMkLst>
+      <pc:sldChg chg="addSp delSp modSp add mod">
+        <pc:chgData name="Gerth Stølting Brodal" userId="04ef4784-6591-4f86-a140-f5c3b108582a" providerId="ADAL" clId="{32A0BADB-2EDA-40A0-B15A-8D58BACC3113}" dt="2023-07-15T12:39:46.204" v="340" actId="1076"/>
+        <pc:sldMkLst>
+          <pc:docMk/>
+          <pc:sldMk cId="637895129" sldId="513"/>
+        </pc:sldMkLst>
+        <pc:spChg chg="mod">
+          <ac:chgData name="Gerth Stølting Brodal" userId="04ef4784-6591-4f86-a140-f5c3b108582a" providerId="ADAL" clId="{32A0BADB-2EDA-40A0-B15A-8D58BACC3113}" dt="2023-07-15T12:08:42.602" v="65" actId="1076"/>
+          <ac:spMkLst>
+            <pc:docMk/>
+            <pc:sldMk cId="637895129" sldId="513"/>
+            <ac:spMk id="6" creationId="{00000000-0000-0000-0000-000000000000}"/>
+          </ac:spMkLst>
+        </pc:spChg>
+        <pc:spChg chg="del">
+          <ac:chgData name="Gerth Stølting Brodal" userId="04ef4784-6591-4f86-a140-f5c3b108582a" providerId="ADAL" clId="{32A0BADB-2EDA-40A0-B15A-8D58BACC3113}" dt="2023-07-15T11:51:08.087" v="45" actId="478"/>
+          <ac:spMkLst>
+            <pc:docMk/>
+            <pc:sldMk cId="637895129" sldId="513"/>
+            <ac:spMk id="7" creationId="{00000000-0000-0000-0000-000000000000}"/>
+          </ac:spMkLst>
+        </pc:spChg>
+        <pc:spChg chg="mod">
+          <ac:chgData name="Gerth Stølting Brodal" userId="04ef4784-6591-4f86-a140-f5c3b108582a" providerId="ADAL" clId="{32A0BADB-2EDA-40A0-B15A-8D58BACC3113}" dt="2023-07-15T12:23:48.689" v="185" actId="1076"/>
+          <ac:spMkLst>
+            <pc:docMk/>
+            <pc:sldMk cId="637895129" sldId="513"/>
+            <ac:spMk id="9" creationId="{00000000-0000-0000-0000-000000000000}"/>
+          </ac:spMkLst>
+        </pc:spChg>
+        <pc:spChg chg="mod">
+          <ac:chgData name="Gerth Stølting Brodal" userId="04ef4784-6591-4f86-a140-f5c3b108582a" providerId="ADAL" clId="{32A0BADB-2EDA-40A0-B15A-8D58BACC3113}" dt="2023-07-15T12:37:11.308" v="281" actId="1035"/>
+          <ac:spMkLst>
+            <pc:docMk/>
+            <pc:sldMk cId="637895129" sldId="513"/>
+            <ac:spMk id="11" creationId="{00000000-0000-0000-0000-000000000000}"/>
+          </ac:spMkLst>
+        </pc:spChg>
+        <pc:spChg chg="add mod">
+          <ac:chgData name="Gerth Stølting Brodal" userId="04ef4784-6591-4f86-a140-f5c3b108582a" providerId="ADAL" clId="{32A0BADB-2EDA-40A0-B15A-8D58BACC3113}" dt="2023-07-15T12:39:41.762" v="339" actId="14100"/>
+          <ac:spMkLst>
+            <pc:docMk/>
+            <pc:sldMk cId="637895129" sldId="513"/>
+            <ac:spMk id="39" creationId="{ACD34319-F395-A2F2-21A5-0C7A1D6F137B}"/>
+          </ac:spMkLst>
+        </pc:spChg>
+        <pc:grpChg chg="del">
+          <ac:chgData name="Gerth Stølting Brodal" userId="04ef4784-6591-4f86-a140-f5c3b108582a" providerId="ADAL" clId="{32A0BADB-2EDA-40A0-B15A-8D58BACC3113}" dt="2023-07-15T12:08:19.020" v="61" actId="478"/>
+          <ac:grpSpMkLst>
+            <pc:docMk/>
+            <pc:sldMk cId="637895129" sldId="513"/>
+            <ac:grpSpMk id="14" creationId="{00000000-0000-0000-0000-000000000000}"/>
+          </ac:grpSpMkLst>
+        </pc:grpChg>
+        <pc:grpChg chg="del">
+          <ac:chgData name="Gerth Stølting Brodal" userId="04ef4784-6591-4f86-a140-f5c3b108582a" providerId="ADAL" clId="{32A0BADB-2EDA-40A0-B15A-8D58BACC3113}" dt="2023-07-15T12:08:19.020" v="61" actId="478"/>
+          <ac:grpSpMkLst>
+            <pc:docMk/>
+            <pc:sldMk cId="637895129" sldId="513"/>
+            <ac:grpSpMk id="18" creationId="{00000000-0000-0000-0000-000000000000}"/>
+          </ac:grpSpMkLst>
+        </pc:grpChg>
+        <pc:grpChg chg="del">
+          <ac:chgData name="Gerth Stølting Brodal" userId="04ef4784-6591-4f86-a140-f5c3b108582a" providerId="ADAL" clId="{32A0BADB-2EDA-40A0-B15A-8D58BACC3113}" dt="2023-07-15T12:08:19.020" v="61" actId="478"/>
+          <ac:grpSpMkLst>
+            <pc:docMk/>
+            <pc:sldMk cId="637895129" sldId="513"/>
+            <ac:grpSpMk id="22" creationId="{00000000-0000-0000-0000-000000000000}"/>
+          </ac:grpSpMkLst>
+        </pc:grpChg>
+        <pc:grpChg chg="add mod">
+          <ac:chgData name="Gerth Stølting Brodal" userId="04ef4784-6591-4f86-a140-f5c3b108582a" providerId="ADAL" clId="{32A0BADB-2EDA-40A0-B15A-8D58BACC3113}" dt="2023-07-15T12:23:54.878" v="186" actId="1076"/>
+          <ac:grpSpMkLst>
+            <pc:docMk/>
+            <pc:sldMk cId="637895129" sldId="513"/>
+            <ac:grpSpMk id="26" creationId="{E3C1A19D-FB28-1700-35F0-784951085ABA}"/>
+          </ac:grpSpMkLst>
+        </pc:grpChg>
+        <pc:grpChg chg="add mod">
+          <ac:chgData name="Gerth Stølting Brodal" userId="04ef4784-6591-4f86-a140-f5c3b108582a" providerId="ADAL" clId="{32A0BADB-2EDA-40A0-B15A-8D58BACC3113}" dt="2023-07-15T12:35:06.081" v="263" actId="1076"/>
+          <ac:grpSpMkLst>
+            <pc:docMk/>
+            <pc:sldMk cId="637895129" sldId="513"/>
+            <ac:grpSpMk id="29" creationId="{8FDA7B88-B8CF-2A93-2D59-BA63F35D6ED6}"/>
+          </ac:grpSpMkLst>
+        </pc:grpChg>
+        <pc:graphicFrameChg chg="mod modGraphic">
+          <ac:chgData name="Gerth Stølting Brodal" userId="04ef4784-6591-4f86-a140-f5c3b108582a" providerId="ADAL" clId="{32A0BADB-2EDA-40A0-B15A-8D58BACC3113}" dt="2023-07-15T12:37:36.901" v="282" actId="1076"/>
+          <ac:graphicFrameMkLst>
+            <pc:docMk/>
+            <pc:sldMk cId="637895129" sldId="513"/>
+            <ac:graphicFrameMk id="4" creationId="{00000000-0000-0000-0000-000000000000}"/>
+          </ac:graphicFrameMkLst>
+        </pc:graphicFrameChg>
+        <pc:picChg chg="add del mod ord">
+          <ac:chgData name="Gerth Stølting Brodal" userId="04ef4784-6591-4f86-a140-f5c3b108582a" providerId="ADAL" clId="{32A0BADB-2EDA-40A0-B15A-8D58BACC3113}" dt="2023-07-15T12:16:25.576" v="108" actId="478"/>
+          <ac:picMkLst>
+            <pc:docMk/>
+            <pc:sldMk cId="637895129" sldId="513"/>
+            <ac:picMk id="3" creationId="{70D15267-92F9-E093-1DC1-49EE8FFBC329}"/>
+          </ac:picMkLst>
+        </pc:picChg>
+        <pc:picChg chg="add del">
+          <ac:chgData name="Gerth Stølting Brodal" userId="04ef4784-6591-4f86-a140-f5c3b108582a" providerId="ADAL" clId="{32A0BADB-2EDA-40A0-B15A-8D58BACC3113}" dt="2023-07-15T11:50:07.879" v="34" actId="478"/>
+          <ac:picMkLst>
+            <pc:docMk/>
+            <pc:sldMk cId="637895129" sldId="513"/>
+            <ac:picMk id="5" creationId="{00000000-0000-0000-0000-000000000000}"/>
+          </ac:picMkLst>
+        </pc:picChg>
+        <pc:picChg chg="del mod">
+          <ac:chgData name="Gerth Stølting Brodal" userId="04ef4784-6591-4f86-a140-f5c3b108582a" providerId="ADAL" clId="{32A0BADB-2EDA-40A0-B15A-8D58BACC3113}" dt="2023-07-15T12:08:29.049" v="63" actId="478"/>
+          <ac:picMkLst>
+            <pc:docMk/>
+            <pc:sldMk cId="637895129" sldId="513"/>
+            <ac:picMk id="13" creationId="{00000000-0000-0000-0000-000000000000}"/>
+          </ac:picMkLst>
+        </pc:picChg>
+        <pc:picChg chg="add del mod ord">
+          <ac:chgData name="Gerth Stølting Brodal" userId="04ef4784-6591-4f86-a140-f5c3b108582a" providerId="ADAL" clId="{32A0BADB-2EDA-40A0-B15A-8D58BACC3113}" dt="2023-07-15T12:23:16.361" v="176" actId="478"/>
+          <ac:picMkLst>
+            <pc:docMk/>
+            <pc:sldMk cId="637895129" sldId="513"/>
+            <ac:picMk id="28" creationId="{10BCC1E6-0D85-851F-035F-996FC83899B0}"/>
+          </ac:picMkLst>
+        </pc:picChg>
+        <pc:picChg chg="add del mod">
+          <ac:chgData name="Gerth Stølting Brodal" userId="04ef4784-6591-4f86-a140-f5c3b108582a" providerId="ADAL" clId="{32A0BADB-2EDA-40A0-B15A-8D58BACC3113}" dt="2023-07-15T12:23:14.530" v="175" actId="478"/>
+          <ac:picMkLst>
+            <pc:docMk/>
+            <pc:sldMk cId="637895129" sldId="513"/>
+            <ac:picMk id="32" creationId="{0E5F171E-5ED5-B7A9-9094-A5A86D1BC5BD}"/>
+          </ac:picMkLst>
+        </pc:picChg>
+        <pc:picChg chg="add del mod ord">
+          <ac:chgData name="Gerth Stølting Brodal" userId="04ef4784-6591-4f86-a140-f5c3b108582a" providerId="ADAL" clId="{32A0BADB-2EDA-40A0-B15A-8D58BACC3113}" dt="2023-07-15T12:34:37.489" v="257" actId="478"/>
+          <ac:picMkLst>
+            <pc:docMk/>
+            <pc:sldMk cId="637895129" sldId="513"/>
+            <ac:picMk id="34" creationId="{0B1E8B60-8FC4-B7E7-A4F4-73DB1F3620E8}"/>
+          </ac:picMkLst>
+        </pc:picChg>
+        <pc:picChg chg="add mod ord">
+          <ac:chgData name="Gerth Stølting Brodal" userId="04ef4784-6591-4f86-a140-f5c3b108582a" providerId="ADAL" clId="{32A0BADB-2EDA-40A0-B15A-8D58BACC3113}" dt="2023-07-15T12:34:52.228" v="262" actId="167"/>
+          <ac:picMkLst>
+            <pc:docMk/>
+            <pc:sldMk cId="637895129" sldId="513"/>
+            <ac:picMk id="36" creationId="{16C84B83-BFE6-47C5-BD02-806A3BA394E1}"/>
+          </ac:picMkLst>
+        </pc:picChg>
+        <pc:picChg chg="add mod">
+          <ac:chgData name="Gerth Stølting Brodal" userId="04ef4784-6591-4f86-a140-f5c3b108582a" providerId="ADAL" clId="{32A0BADB-2EDA-40A0-B15A-8D58BACC3113}" dt="2023-07-15T12:39:46.204" v="340" actId="1076"/>
+          <ac:picMkLst>
+            <pc:docMk/>
+            <pc:sldMk cId="637895129" sldId="513"/>
+            <ac:picMk id="37" creationId="{18308946-9027-9C8F-1D78-27AF5CA9EF40}"/>
+          </ac:picMkLst>
+        </pc:picChg>
+        <pc:cxnChg chg="del">
+          <ac:chgData name="Gerth Stølting Brodal" userId="04ef4784-6591-4f86-a140-f5c3b108582a" providerId="ADAL" clId="{32A0BADB-2EDA-40A0-B15A-8D58BACC3113}" dt="2023-07-15T11:51:08.087" v="45" actId="478"/>
+          <ac:cxnSpMkLst>
+            <pc:docMk/>
+            <pc:sldMk cId="637895129" sldId="513"/>
+            <ac:cxnSpMk id="8" creationId="{00000000-0000-0000-0000-000000000000}"/>
+          </ac:cxnSpMkLst>
+        </pc:cxnChg>
+        <pc:cxnChg chg="mod">
+          <ac:chgData name="Gerth Stølting Brodal" userId="04ef4784-6591-4f86-a140-f5c3b108582a" providerId="ADAL" clId="{32A0BADB-2EDA-40A0-B15A-8D58BACC3113}" dt="2023-07-15T12:17:21.740" v="159" actId="14100"/>
+          <ac:cxnSpMkLst>
+            <pc:docMk/>
+            <pc:sldMk cId="637895129" sldId="513"/>
+            <ac:cxnSpMk id="10" creationId="{00000000-0000-0000-0000-000000000000}"/>
+          </ac:cxnSpMkLst>
+        </pc:cxnChg>
+        <pc:cxnChg chg="mod">
+          <ac:chgData name="Gerth Stølting Brodal" userId="04ef4784-6591-4f86-a140-f5c3b108582a" providerId="ADAL" clId="{32A0BADB-2EDA-40A0-B15A-8D58BACC3113}" dt="2023-07-15T12:30:57.573" v="251" actId="1076"/>
+          <ac:cxnSpMkLst>
+            <pc:docMk/>
+            <pc:sldMk cId="637895129" sldId="513"/>
+            <ac:cxnSpMk id="12" creationId="{00000000-0000-0000-0000-000000000000}"/>
+          </ac:cxnSpMkLst>
+        </pc:cxnChg>
+      </pc:sldChg>
+    </pc:docChg>
+  </pc:docChgLst>
   <pc:docChgLst>
     <pc:chgData name="Gerth Stølting Brodal" userId="04ef4784-6591-4f86-a140-f5c3b108582a" providerId="ADAL" clId="{AEFD98B7-9159-4FE3-84D8-FAE8F6B9861E}"/>
     <pc:docChg chg="undo custSel addSld modSld sldOrd">
@@ -718,7 +911,7 @@
           <a:p>
             <a:fld id="{FB1A172F-81D4-4DC4-9113-1DBD56EC3646}" type="datetimeFigureOut">
               <a:rPr lang="en-US" smtClean="0"/>
-              <a:t>2/19/2023</a:t>
+              <a:t>7/15/2023</a:t>
             </a:fld>
             <a:endParaRPr lang="en-US"/>
           </a:p>
@@ -1537,7 +1730,7 @@
           <a:p>
             <a:fld id="{CD563DD8-32AB-41BE-B1C6-8EAC45222ACE}" type="slidenum">
               <a:rPr lang="en-US" smtClean="0"/>
-              <a:t>18</a:t>
+              <a:t>19</a:t>
             </a:fld>
             <a:endParaRPr lang="en-US"/>
           </a:p>
@@ -1621,7 +1814,7 @@
           <a:p>
             <a:fld id="{CD563DD8-32AB-41BE-B1C6-8EAC45222ACE}" type="slidenum">
               <a:rPr lang="en-US" smtClean="0"/>
-              <a:t>19</a:t>
+              <a:t>20</a:t>
             </a:fld>
             <a:endParaRPr lang="en-US"/>
           </a:p>
@@ -2941,7 +3134,7 @@
           <a:p>
             <a:fld id="{0560A9CD-0304-4E0B-9E82-E7E0115DE05B}" type="datetimeFigureOut">
               <a:rPr lang="en-US" smtClean="0"/>
-              <a:t>2/19/2023</a:t>
+              <a:t>7/15/2023</a:t>
             </a:fld>
             <a:endParaRPr lang="en-US"/>
           </a:p>
@@ -3109,7 +3302,7 @@
           <a:p>
             <a:fld id="{0560A9CD-0304-4E0B-9E82-E7E0115DE05B}" type="datetimeFigureOut">
               <a:rPr lang="en-US" smtClean="0"/>
-              <a:t>2/19/2023</a:t>
+              <a:t>7/15/2023</a:t>
             </a:fld>
             <a:endParaRPr lang="en-US"/>
           </a:p>
@@ -3287,7 +3480,7 @@
           <a:p>
             <a:fld id="{0560A9CD-0304-4E0B-9E82-E7E0115DE05B}" type="datetimeFigureOut">
               <a:rPr lang="en-US" smtClean="0"/>
-              <a:t>2/19/2023</a:t>
+              <a:t>7/15/2023</a:t>
             </a:fld>
             <a:endParaRPr lang="en-US"/>
           </a:p>
@@ -3464,7 +3657,7 @@
           <a:p>
             <a:fld id="{0560A9CD-0304-4E0B-9E82-E7E0115DE05B}" type="datetimeFigureOut">
               <a:rPr lang="en-US" smtClean="0"/>
-              <a:t>2/19/2023</a:t>
+              <a:t>7/15/2023</a:t>
             </a:fld>
             <a:endParaRPr lang="en-US"/>
           </a:p>
@@ -3709,7 +3902,7 @@
           <a:p>
             <a:fld id="{0560A9CD-0304-4E0B-9E82-E7E0115DE05B}" type="datetimeFigureOut">
               <a:rPr lang="en-US" smtClean="0"/>
-              <a:t>2/19/2023</a:t>
+              <a:t>7/15/2023</a:t>
             </a:fld>
             <a:endParaRPr lang="en-US"/>
           </a:p>
@@ -3938,7 +4131,7 @@
           <a:p>
             <a:fld id="{0560A9CD-0304-4E0B-9E82-E7E0115DE05B}" type="datetimeFigureOut">
               <a:rPr lang="en-US" smtClean="0"/>
-              <a:t>2/19/2023</a:t>
+              <a:t>7/15/2023</a:t>
             </a:fld>
             <a:endParaRPr lang="en-US"/>
           </a:p>
@@ -4302,7 +4495,7 @@
           <a:p>
             <a:fld id="{0560A9CD-0304-4E0B-9E82-E7E0115DE05B}" type="datetimeFigureOut">
               <a:rPr lang="en-US" smtClean="0"/>
-              <a:t>2/19/2023</a:t>
+              <a:t>7/15/2023</a:t>
             </a:fld>
             <a:endParaRPr lang="en-US"/>
           </a:p>
@@ -4419,7 +4612,7 @@
           <a:p>
             <a:fld id="{0560A9CD-0304-4E0B-9E82-E7E0115DE05B}" type="datetimeFigureOut">
               <a:rPr lang="en-US" smtClean="0"/>
-              <a:t>2/19/2023</a:t>
+              <a:t>7/15/2023</a:t>
             </a:fld>
             <a:endParaRPr lang="en-US"/>
           </a:p>
@@ -4514,7 +4707,7 @@
           <a:p>
             <a:fld id="{0560A9CD-0304-4E0B-9E82-E7E0115DE05B}" type="datetimeFigureOut">
               <a:rPr lang="en-US" smtClean="0"/>
-              <a:t>2/19/2023</a:t>
+              <a:t>7/15/2023</a:t>
             </a:fld>
             <a:endParaRPr lang="en-US"/>
           </a:p>
@@ -4789,7 +4982,7 @@
           <a:p>
             <a:fld id="{0560A9CD-0304-4E0B-9E82-E7E0115DE05B}" type="datetimeFigureOut">
               <a:rPr lang="en-US" smtClean="0"/>
-              <a:t>2/19/2023</a:t>
+              <a:t>7/15/2023</a:t>
             </a:fld>
             <a:endParaRPr lang="en-US"/>
           </a:p>
@@ -5041,7 +5234,7 @@
           <a:p>
             <a:fld id="{0560A9CD-0304-4E0B-9E82-E7E0115DE05B}" type="datetimeFigureOut">
               <a:rPr lang="en-US" smtClean="0"/>
-              <a:t>2/19/2023</a:t>
+              <a:t>7/15/2023</a:t>
             </a:fld>
             <a:endParaRPr lang="en-US"/>
           </a:p>
@@ -5252,7 +5445,7 @@
           <a:p>
             <a:fld id="{0560A9CD-0304-4E0B-9E82-E7E0115DE05B}" type="datetimeFigureOut">
               <a:rPr lang="en-US" smtClean="0"/>
-              <a:t>2/19/2023</a:t>
+              <a:t>7/15/2023</a:t>
             </a:fld>
             <a:endParaRPr lang="en-US"/>
           </a:p>
@@ -13285,6 +13478,1410 @@
           <a:chExt cx="0" cy="0"/>
         </a:xfrm>
       </p:grpSpPr>
+      <p:pic>
+        <p:nvPicPr>
+          <p:cNvPr id="36" name="Picture 35">
+            <a:extLst>
+              <a:ext uri="{FF2B5EF4-FFF2-40B4-BE49-F238E27FC236}">
+                <a16:creationId xmlns:a16="http://schemas.microsoft.com/office/drawing/2014/main" id="{16C84B83-BFE6-47C5-BD02-806A3BA394E1}"/>
+              </a:ext>
+            </a:extLst>
+          </p:cNvPr>
+          <p:cNvPicPr>
+            <a:picLocks noChangeAspect="1"/>
+          </p:cNvPicPr>
+          <p:nvPr/>
+        </p:nvPicPr>
+        <p:blipFill>
+          <a:blip r:embed="rId2"/>
+          <a:stretch>
+            <a:fillRect/>
+          </a:stretch>
+        </p:blipFill>
+        <p:spPr>
+          <a:xfrm>
+            <a:off x="165233" y="837761"/>
+            <a:ext cx="5731742" cy="5952533"/>
+          </a:xfrm>
+          <a:prstGeom prst="rect">
+            <a:avLst/>
+          </a:prstGeom>
+        </p:spPr>
+      </p:pic>
+      <p:graphicFrame>
+        <p:nvGraphicFramePr>
+          <p:cNvPr id="4" name="Table 3"/>
+          <p:cNvGraphicFramePr>
+            <a:graphicFrameLocks noGrp="1"/>
+          </p:cNvGraphicFramePr>
+          <p:nvPr>
+            <p:extLst>
+              <p:ext uri="{D42A27DB-BD31-4B8C-83A1-F6EECF244321}">
+                <p14:modId xmlns:p14="http://schemas.microsoft.com/office/powerpoint/2010/main" val="4216984500"/>
+              </p:ext>
+            </p:extLst>
+          </p:nvPr>
+        </p:nvGraphicFramePr>
+        <p:xfrm>
+          <a:off x="6361988" y="151852"/>
+          <a:ext cx="5711201" cy="6050280"/>
+        </p:xfrm>
+        <a:graphic>
+          <a:graphicData uri="http://schemas.openxmlformats.org/drawingml/2006/table">
+            <a:tbl>
+              <a:tblPr firstRow="1" bandRow="1">
+                <a:tableStyleId>{5C22544A-7EE6-4342-B048-85BDC9FD1C3A}</a:tableStyleId>
+              </a:tblPr>
+              <a:tblGrid>
+                <a:gridCol w="5711201">
+                  <a:extLst>
+                    <a:ext uri="{9D8B030D-6E8A-4147-A177-3AD203B41FA5}">
+                      <a16:colId xmlns:a16="http://schemas.microsoft.com/office/drawing/2014/main" val="1873682825"/>
+                    </a:ext>
+                  </a:extLst>
+                </a:gridCol>
+              </a:tblGrid>
+              <a:tr h="252238">
+                <a:tc>
+                  <a:txBody>
+                    <a:bodyPr/>
+                    <a:lstStyle/>
+                    <a:p>
+                      <a:r>
+                        <a:rPr lang="da-DK" sz="1200" b="1" dirty="0">
+                          <a:latin typeface="Courier New" panose="02070309020205020404" pitchFamily="49" charset="0"/>
+                          <a:cs typeface="Courier New" panose="02070309020205020404" pitchFamily="49" charset="0"/>
+                        </a:rPr>
+                        <a:t>in.py</a:t>
+                      </a:r>
+                    </a:p>
+                  </a:txBody>
+                  <a:tcPr anchor="ctr">
+                    <a:lnL w="6350" cap="flat" cmpd="sng" algn="ctr">
+                      <a:solidFill>
+                        <a:schemeClr val="tx1"/>
+                      </a:solidFill>
+                      <a:prstDash val="solid"/>
+                      <a:round/>
+                      <a:headEnd type="none" w="med" len="med"/>
+                      <a:tailEnd type="none" w="med" len="med"/>
+                    </a:lnL>
+                    <a:lnR w="6350" cap="flat" cmpd="sng" algn="ctr">
+                      <a:solidFill>
+                        <a:schemeClr val="tx1"/>
+                      </a:solidFill>
+                      <a:prstDash val="solid"/>
+                      <a:round/>
+                      <a:headEnd type="none" w="med" len="med"/>
+                      <a:tailEnd type="none" w="med" len="med"/>
+                    </a:lnR>
+                    <a:lnT w="6350" cap="flat" cmpd="sng" algn="ctr">
+                      <a:solidFill>
+                        <a:schemeClr val="tx1"/>
+                      </a:solidFill>
+                      <a:prstDash val="solid"/>
+                      <a:round/>
+                      <a:headEnd type="none" w="med" len="med"/>
+                      <a:tailEnd type="none" w="med" len="med"/>
+                    </a:lnT>
+                    <a:lnB w="6350" cap="flat" cmpd="sng" algn="ctr">
+                      <a:solidFill>
+                        <a:schemeClr val="tx1"/>
+                      </a:solidFill>
+                      <a:prstDash val="solid"/>
+                      <a:round/>
+                      <a:headEnd type="none" w="med" len="med"/>
+                      <a:tailEnd type="none" w="med" len="med"/>
+                    </a:lnB>
+                    <a:lnTlToBr w="12700" cmpd="sng">
+                      <a:noFill/>
+                      <a:prstDash val="solid"/>
+                    </a:lnTlToBr>
+                    <a:lnBlToTr w="12700" cmpd="sng">
+                      <a:noFill/>
+                      <a:prstDash val="solid"/>
+                    </a:lnBlToTr>
+                    <a:solidFill>
+                      <a:srgbClr val="C00000"/>
+                    </a:solidFill>
+                  </a:tcPr>
+                </a:tc>
+                <a:extLst>
+                  <a:ext uri="{0D108BD9-81ED-4DB2-BD59-A6C34878D82A}">
+                    <a16:rowId xmlns:a16="http://schemas.microsoft.com/office/drawing/2014/main" val="3330819881"/>
+                  </a:ext>
+                </a:extLst>
+              </a:tr>
+              <a:tr h="2101987">
+                <a:tc>
+                  <a:txBody>
+                    <a:bodyPr/>
+                    <a:lstStyle/>
+                    <a:p>
+                      <a:r>
+                        <a:rPr lang="en-US" sz="1200" b="1" dirty="0">
+                          <a:latin typeface="Courier New" panose="02070309020205020404" pitchFamily="49" charset="0"/>
+                          <a:cs typeface="Courier New" panose="02070309020205020404" pitchFamily="49" charset="0"/>
+                        </a:rPr>
+                        <a:t>from random import shuffle, choices</a:t>
+                      </a:r>
+                    </a:p>
+                    <a:p>
+                      <a:r>
+                        <a:rPr lang="en-US" sz="1200" b="1" dirty="0">
+                          <a:latin typeface="Courier New" panose="02070309020205020404" pitchFamily="49" charset="0"/>
+                          <a:cs typeface="Courier New" panose="02070309020205020404" pitchFamily="49" charset="0"/>
+                        </a:rPr>
+                        <a:t>from time import time</a:t>
+                      </a:r>
+                    </a:p>
+                    <a:p>
+                      <a:pPr>
+                        <a:spcAft>
+                          <a:spcPts val="600"/>
+                        </a:spcAft>
+                      </a:pPr>
+                      <a:r>
+                        <a:rPr lang="en-US" sz="1200" b="1" dirty="0">
+                          <a:latin typeface="Courier New" panose="02070309020205020404" pitchFamily="49" charset="0"/>
+                          <a:cs typeface="Courier New" panose="02070309020205020404" pitchFamily="49" charset="0"/>
+                        </a:rPr>
+                        <a:t>import </a:t>
+                      </a:r>
+                      <a:r>
+                        <a:rPr lang="en-US" sz="1200" b="1" dirty="0" err="1">
+                          <a:latin typeface="Courier New" panose="02070309020205020404" pitchFamily="49" charset="0"/>
+                          <a:cs typeface="Courier New" panose="02070309020205020404" pitchFamily="49" charset="0"/>
+                        </a:rPr>
+                        <a:t>matplotlib.pyplot</a:t>
+                      </a:r>
+                      <a:r>
+                        <a:rPr lang="en-US" sz="1200" b="1" dirty="0">
+                          <a:latin typeface="Courier New" panose="02070309020205020404" pitchFamily="49" charset="0"/>
+                          <a:cs typeface="Courier New" panose="02070309020205020404" pitchFamily="49" charset="0"/>
+                        </a:rPr>
+                        <a:t> as </a:t>
+                      </a:r>
+                      <a:r>
+                        <a:rPr lang="en-US" sz="1200" b="1" dirty="0" err="1">
+                          <a:latin typeface="Courier New" panose="02070309020205020404" pitchFamily="49" charset="0"/>
+                          <a:cs typeface="Courier New" panose="02070309020205020404" pitchFamily="49" charset="0"/>
+                        </a:rPr>
+                        <a:t>plt</a:t>
+                      </a:r>
+                      <a:endParaRPr lang="en-US" sz="1200" b="1" dirty="0">
+                        <a:latin typeface="Courier New" panose="02070309020205020404" pitchFamily="49" charset="0"/>
+                        <a:cs typeface="Courier New" panose="02070309020205020404" pitchFamily="49" charset="0"/>
+                      </a:endParaRPr>
+                    </a:p>
+                    <a:p>
+                      <a:r>
+                        <a:rPr lang="en-US" sz="1200" b="1" dirty="0" err="1">
+                          <a:solidFill>
+                            <a:srgbClr val="3383BA"/>
+                          </a:solidFill>
+                          <a:latin typeface="Courier New" panose="02070309020205020404" pitchFamily="49" charset="0"/>
+                          <a:cs typeface="Courier New" panose="02070309020205020404" pitchFamily="49" charset="0"/>
+                        </a:rPr>
+                        <a:t>time_L</a:t>
+                      </a:r>
+                      <a:r>
+                        <a:rPr lang="en-US" sz="1200" b="1" dirty="0">
+                          <a:latin typeface="Courier New" panose="02070309020205020404" pitchFamily="49" charset="0"/>
+                          <a:cs typeface="Courier New" panose="02070309020205020404" pitchFamily="49" charset="0"/>
+                        </a:rPr>
+                        <a:t> = []</a:t>
+                      </a:r>
+                    </a:p>
+                    <a:p>
+                      <a:r>
+                        <a:rPr lang="en-US" sz="1200" b="1" dirty="0" err="1">
+                          <a:solidFill>
+                            <a:srgbClr val="FF7E0B"/>
+                          </a:solidFill>
+                          <a:latin typeface="Courier New" panose="02070309020205020404" pitchFamily="49" charset="0"/>
+                          <a:cs typeface="Courier New" panose="02070309020205020404" pitchFamily="49" charset="0"/>
+                        </a:rPr>
+                        <a:t>time_S</a:t>
+                      </a:r>
+                      <a:r>
+                        <a:rPr lang="en-US" sz="1200" b="1" dirty="0">
+                          <a:solidFill>
+                            <a:srgbClr val="FF7E0B"/>
+                          </a:solidFill>
+                          <a:latin typeface="Courier New" panose="02070309020205020404" pitchFamily="49" charset="0"/>
+                          <a:cs typeface="Courier New" panose="02070309020205020404" pitchFamily="49" charset="0"/>
+                        </a:rPr>
+                        <a:t> </a:t>
+                      </a:r>
+                      <a:r>
+                        <a:rPr lang="en-US" sz="1200" b="1" dirty="0">
+                          <a:latin typeface="Courier New" panose="02070309020205020404" pitchFamily="49" charset="0"/>
+                          <a:cs typeface="Courier New" panose="02070309020205020404" pitchFamily="49" charset="0"/>
+                        </a:rPr>
+                        <a:t>= []</a:t>
+                      </a:r>
+                    </a:p>
+                    <a:p>
+                      <a:pPr>
+                        <a:spcAft>
+                          <a:spcPts val="600"/>
+                        </a:spcAft>
+                      </a:pPr>
+                      <a:r>
+                        <a:rPr lang="en-US" sz="1200" b="1" dirty="0" err="1">
+                          <a:solidFill>
+                            <a:srgbClr val="249D24"/>
+                          </a:solidFill>
+                          <a:latin typeface="Courier New" panose="02070309020205020404" pitchFamily="49" charset="0"/>
+                          <a:cs typeface="Courier New" panose="02070309020205020404" pitchFamily="49" charset="0"/>
+                        </a:rPr>
+                        <a:t>time_D</a:t>
+                      </a:r>
+                      <a:r>
+                        <a:rPr lang="en-US" sz="1200" b="1" dirty="0">
+                          <a:solidFill>
+                            <a:srgbClr val="249D24"/>
+                          </a:solidFill>
+                          <a:latin typeface="Courier New" panose="02070309020205020404" pitchFamily="49" charset="0"/>
+                          <a:cs typeface="Courier New" panose="02070309020205020404" pitchFamily="49" charset="0"/>
+                        </a:rPr>
+                        <a:t> </a:t>
+                      </a:r>
+                      <a:r>
+                        <a:rPr lang="en-US" sz="1200" b="1" dirty="0">
+                          <a:latin typeface="Courier New" panose="02070309020205020404" pitchFamily="49" charset="0"/>
+                          <a:cs typeface="Courier New" panose="02070309020205020404" pitchFamily="49" charset="0"/>
+                        </a:rPr>
+                        <a:t>= []</a:t>
+                      </a:r>
+                    </a:p>
+                    <a:p>
+                      <a:pPr>
+                        <a:spcAft>
+                          <a:spcPts val="600"/>
+                        </a:spcAft>
+                      </a:pPr>
+                      <a:r>
+                        <a:rPr lang="en-US" sz="1200" b="1" dirty="0">
+                          <a:latin typeface="Courier New" panose="02070309020205020404" pitchFamily="49" charset="0"/>
+                          <a:cs typeface="Courier New" panose="02070309020205020404" pitchFamily="49" charset="0"/>
+                        </a:rPr>
+                        <a:t>ns = [1, *range(100, 2001, 100)]</a:t>
+                      </a:r>
+                    </a:p>
+                    <a:p>
+                      <a:r>
+                        <a:rPr lang="en-US" sz="1200" b="1" dirty="0">
+                          <a:latin typeface="Courier New" panose="02070309020205020404" pitchFamily="49" charset="0"/>
+                          <a:cs typeface="Courier New" panose="02070309020205020404" pitchFamily="49" charset="0"/>
+                        </a:rPr>
+                        <a:t>for n in ns:</a:t>
+                      </a:r>
+                    </a:p>
+                    <a:p>
+                      <a:r>
+                        <a:rPr lang="en-US" sz="1200" b="1" dirty="0">
+                          <a:latin typeface="Courier New" panose="02070309020205020404" pitchFamily="49" charset="0"/>
+                          <a:cs typeface="Courier New" panose="02070309020205020404" pitchFamily="49" charset="0"/>
+                        </a:rPr>
+                        <a:t>    print(f'{n = }')</a:t>
+                      </a:r>
+                    </a:p>
+                    <a:p>
+                      <a:r>
+                        <a:rPr lang="en-US" sz="1200" b="1" dirty="0">
+                          <a:latin typeface="Courier New" panose="02070309020205020404" pitchFamily="49" charset="0"/>
+                          <a:cs typeface="Courier New" panose="02070309020205020404" pitchFamily="49" charset="0"/>
+                        </a:rPr>
+                        <a:t>    </a:t>
+                      </a:r>
+                      <a:r>
+                        <a:rPr lang="en-US" sz="1200" b="1" dirty="0">
+                          <a:solidFill>
+                            <a:srgbClr val="3383BA"/>
+                          </a:solidFill>
+                          <a:latin typeface="Courier New" panose="02070309020205020404" pitchFamily="49" charset="0"/>
+                          <a:cs typeface="Courier New" panose="02070309020205020404" pitchFamily="49" charset="0"/>
+                        </a:rPr>
+                        <a:t>L</a:t>
+                      </a:r>
+                      <a:r>
+                        <a:rPr lang="en-US" sz="1200" b="1" dirty="0">
+                          <a:latin typeface="Courier New" panose="02070309020205020404" pitchFamily="49" charset="0"/>
+                          <a:cs typeface="Courier New" panose="02070309020205020404" pitchFamily="49" charset="0"/>
+                        </a:rPr>
+                        <a:t> = list(range(n))</a:t>
+                      </a:r>
+                    </a:p>
+                    <a:p>
+                      <a:r>
+                        <a:rPr lang="en-US" sz="1200" b="1" dirty="0">
+                          <a:latin typeface="Courier New" panose="02070309020205020404" pitchFamily="49" charset="0"/>
+                          <a:cs typeface="Courier New" panose="02070309020205020404" pitchFamily="49" charset="0"/>
+                        </a:rPr>
+                        <a:t>    shuffle(</a:t>
+                      </a:r>
+                      <a:r>
+                        <a:rPr lang="en-US" sz="1200" b="1" dirty="0">
+                          <a:solidFill>
+                            <a:srgbClr val="3383BA"/>
+                          </a:solidFill>
+                          <a:latin typeface="Courier New" panose="02070309020205020404" pitchFamily="49" charset="0"/>
+                          <a:cs typeface="Courier New" panose="02070309020205020404" pitchFamily="49" charset="0"/>
+                        </a:rPr>
+                        <a:t>L</a:t>
+                      </a:r>
+                      <a:r>
+                        <a:rPr lang="en-US" sz="1200" b="1" dirty="0">
+                          <a:latin typeface="Courier New" panose="02070309020205020404" pitchFamily="49" charset="0"/>
+                          <a:cs typeface="Courier New" panose="02070309020205020404" pitchFamily="49" charset="0"/>
+                        </a:rPr>
+                        <a:t>)</a:t>
+                      </a:r>
+                    </a:p>
+                    <a:p>
+                      <a:r>
+                        <a:rPr lang="en-US" sz="1200" b="1" dirty="0">
+                          <a:latin typeface="Courier New" panose="02070309020205020404" pitchFamily="49" charset="0"/>
+                          <a:cs typeface="Courier New" panose="02070309020205020404" pitchFamily="49" charset="0"/>
+                        </a:rPr>
+                        <a:t>    </a:t>
+                      </a:r>
+                      <a:r>
+                        <a:rPr lang="en-US" sz="1200" b="1" dirty="0">
+                          <a:solidFill>
+                            <a:srgbClr val="FFC000"/>
+                          </a:solidFill>
+                          <a:latin typeface="Courier New" panose="02070309020205020404" pitchFamily="49" charset="0"/>
+                          <a:cs typeface="Courier New" panose="02070309020205020404" pitchFamily="49" charset="0"/>
+                        </a:rPr>
+                        <a:t>S</a:t>
+                      </a:r>
+                      <a:r>
+                        <a:rPr lang="en-US" sz="1200" b="1" dirty="0">
+                          <a:latin typeface="Courier New" panose="02070309020205020404" pitchFamily="49" charset="0"/>
+                          <a:cs typeface="Courier New" panose="02070309020205020404" pitchFamily="49" charset="0"/>
+                        </a:rPr>
+                        <a:t> = set(</a:t>
+                      </a:r>
+                      <a:r>
+                        <a:rPr lang="en-US" sz="1200" b="1" dirty="0">
+                          <a:solidFill>
+                            <a:srgbClr val="3383BA"/>
+                          </a:solidFill>
+                          <a:latin typeface="Courier New" panose="02070309020205020404" pitchFamily="49" charset="0"/>
+                          <a:cs typeface="Courier New" panose="02070309020205020404" pitchFamily="49" charset="0"/>
+                        </a:rPr>
+                        <a:t>L</a:t>
+                      </a:r>
+                      <a:r>
+                        <a:rPr lang="en-US" sz="1200" b="1" dirty="0">
+                          <a:latin typeface="Courier New" panose="02070309020205020404" pitchFamily="49" charset="0"/>
+                          <a:cs typeface="Courier New" panose="02070309020205020404" pitchFamily="49" charset="0"/>
+                        </a:rPr>
+                        <a:t>)</a:t>
+                      </a:r>
+                    </a:p>
+                    <a:p>
+                      <a:pPr>
+                        <a:spcAft>
+                          <a:spcPts val="600"/>
+                        </a:spcAft>
+                      </a:pPr>
+                      <a:r>
+                        <a:rPr lang="en-US" sz="1200" b="1" dirty="0">
+                          <a:latin typeface="Courier New" panose="02070309020205020404" pitchFamily="49" charset="0"/>
+                          <a:cs typeface="Courier New" panose="02070309020205020404" pitchFamily="49" charset="0"/>
+                        </a:rPr>
+                        <a:t>    </a:t>
+                      </a:r>
+                      <a:r>
+                        <a:rPr lang="en-US" sz="1200" b="1" dirty="0">
+                          <a:solidFill>
+                            <a:srgbClr val="249D24"/>
+                          </a:solidFill>
+                          <a:latin typeface="Courier New" panose="02070309020205020404" pitchFamily="49" charset="0"/>
+                          <a:cs typeface="Courier New" panose="02070309020205020404" pitchFamily="49" charset="0"/>
+                        </a:rPr>
+                        <a:t>D</a:t>
+                      </a:r>
+                      <a:r>
+                        <a:rPr lang="en-US" sz="1200" b="1" dirty="0">
+                          <a:latin typeface="Courier New" panose="02070309020205020404" pitchFamily="49" charset="0"/>
+                          <a:cs typeface="Courier New" panose="02070309020205020404" pitchFamily="49" charset="0"/>
+                        </a:rPr>
+                        <a:t> = {value: 42 for value in </a:t>
+                      </a:r>
+                      <a:r>
+                        <a:rPr lang="en-US" sz="1200" b="1" dirty="0">
+                          <a:solidFill>
+                            <a:srgbClr val="3383BA"/>
+                          </a:solidFill>
+                          <a:latin typeface="Courier New" panose="02070309020205020404" pitchFamily="49" charset="0"/>
+                          <a:cs typeface="Courier New" panose="02070309020205020404" pitchFamily="49" charset="0"/>
+                        </a:rPr>
+                        <a:t>L</a:t>
+                      </a:r>
+                      <a:r>
+                        <a:rPr lang="en-US" sz="1200" b="1" dirty="0">
+                          <a:latin typeface="Courier New" panose="02070309020205020404" pitchFamily="49" charset="0"/>
+                          <a:cs typeface="Courier New" panose="02070309020205020404" pitchFamily="49" charset="0"/>
+                        </a:rPr>
+                        <a:t>}</a:t>
+                      </a:r>
+                    </a:p>
+                    <a:p>
+                      <a:r>
+                        <a:rPr lang="en-US" sz="1200" b="1" dirty="0">
+                          <a:latin typeface="Courier New" panose="02070309020205020404" pitchFamily="49" charset="0"/>
+                          <a:cs typeface="Courier New" panose="02070309020205020404" pitchFamily="49" charset="0"/>
+                        </a:rPr>
+                        <a:t>    queries = choices(</a:t>
+                      </a:r>
+                      <a:r>
+                        <a:rPr lang="en-US" sz="1200" b="1" dirty="0">
+                          <a:solidFill>
+                            <a:srgbClr val="3383BA"/>
+                          </a:solidFill>
+                          <a:latin typeface="Courier New" panose="02070309020205020404" pitchFamily="49" charset="0"/>
+                          <a:cs typeface="Courier New" panose="02070309020205020404" pitchFamily="49" charset="0"/>
+                        </a:rPr>
+                        <a:t>L</a:t>
+                      </a:r>
+                      <a:r>
+                        <a:rPr lang="en-US" sz="1200" b="1" dirty="0">
+                          <a:latin typeface="Courier New" panose="02070309020205020404" pitchFamily="49" charset="0"/>
+                          <a:cs typeface="Courier New" panose="02070309020205020404" pitchFamily="49" charset="0"/>
+                        </a:rPr>
+                        <a:t>, k=1_000_000)</a:t>
+                      </a:r>
+                    </a:p>
+                    <a:p>
+                      <a:r>
+                        <a:rPr lang="en-US" sz="1200" b="1" dirty="0">
+                          <a:latin typeface="Courier New" panose="02070309020205020404" pitchFamily="49" charset="0"/>
+                          <a:cs typeface="Courier New" panose="02070309020205020404" pitchFamily="49" charset="0"/>
+                        </a:rPr>
+                        <a:t>    for X, times in [(</a:t>
+                      </a:r>
+                      <a:r>
+                        <a:rPr lang="en-US" sz="1200" b="1" dirty="0">
+                          <a:solidFill>
+                            <a:srgbClr val="3383BA"/>
+                          </a:solidFill>
+                          <a:latin typeface="Courier New" panose="02070309020205020404" pitchFamily="49" charset="0"/>
+                          <a:cs typeface="Courier New" panose="02070309020205020404" pitchFamily="49" charset="0"/>
+                        </a:rPr>
+                        <a:t>L</a:t>
+                      </a:r>
+                      <a:r>
+                        <a:rPr lang="en-US" sz="1200" b="1" dirty="0">
+                          <a:latin typeface="Courier New" panose="02070309020205020404" pitchFamily="49" charset="0"/>
+                          <a:cs typeface="Courier New" panose="02070309020205020404" pitchFamily="49" charset="0"/>
+                        </a:rPr>
+                        <a:t>, </a:t>
+                      </a:r>
+                      <a:r>
+                        <a:rPr lang="en-US" sz="1200" b="1" dirty="0" err="1">
+                          <a:solidFill>
+                            <a:srgbClr val="3383BA"/>
+                          </a:solidFill>
+                          <a:latin typeface="Courier New" panose="02070309020205020404" pitchFamily="49" charset="0"/>
+                          <a:cs typeface="Courier New" panose="02070309020205020404" pitchFamily="49" charset="0"/>
+                        </a:rPr>
+                        <a:t>time_L</a:t>
+                      </a:r>
+                      <a:r>
+                        <a:rPr lang="en-US" sz="1200" b="1" dirty="0">
+                          <a:latin typeface="Courier New" panose="02070309020205020404" pitchFamily="49" charset="0"/>
+                          <a:cs typeface="Courier New" panose="02070309020205020404" pitchFamily="49" charset="0"/>
+                        </a:rPr>
+                        <a:t>), (</a:t>
+                      </a:r>
+                      <a:r>
+                        <a:rPr lang="en-US" sz="1200" b="1" dirty="0">
+                          <a:solidFill>
+                            <a:srgbClr val="FFC000"/>
+                          </a:solidFill>
+                          <a:latin typeface="Courier New" panose="02070309020205020404" pitchFamily="49" charset="0"/>
+                          <a:cs typeface="Courier New" panose="02070309020205020404" pitchFamily="49" charset="0"/>
+                        </a:rPr>
+                        <a:t>S</a:t>
+                      </a:r>
+                      <a:r>
+                        <a:rPr lang="en-US" sz="1200" b="1" dirty="0">
+                          <a:latin typeface="Courier New" panose="02070309020205020404" pitchFamily="49" charset="0"/>
+                          <a:cs typeface="Courier New" panose="02070309020205020404" pitchFamily="49" charset="0"/>
+                        </a:rPr>
+                        <a:t>, </a:t>
+                      </a:r>
+                      <a:r>
+                        <a:rPr lang="en-US" sz="1200" b="1" dirty="0" err="1">
+                          <a:solidFill>
+                            <a:srgbClr val="FFC000"/>
+                          </a:solidFill>
+                          <a:latin typeface="Courier New" panose="02070309020205020404" pitchFamily="49" charset="0"/>
+                          <a:cs typeface="Courier New" panose="02070309020205020404" pitchFamily="49" charset="0"/>
+                        </a:rPr>
+                        <a:t>time_S</a:t>
+                      </a:r>
+                      <a:r>
+                        <a:rPr lang="en-US" sz="1200" b="1" dirty="0">
+                          <a:latin typeface="Courier New" panose="02070309020205020404" pitchFamily="49" charset="0"/>
+                          <a:cs typeface="Courier New" panose="02070309020205020404" pitchFamily="49" charset="0"/>
+                        </a:rPr>
+                        <a:t>), (</a:t>
+                      </a:r>
+                      <a:r>
+                        <a:rPr lang="en-US" sz="1200" b="1" dirty="0">
+                          <a:solidFill>
+                            <a:srgbClr val="249D24"/>
+                          </a:solidFill>
+                          <a:latin typeface="Courier New" panose="02070309020205020404" pitchFamily="49" charset="0"/>
+                          <a:cs typeface="Courier New" panose="02070309020205020404" pitchFamily="49" charset="0"/>
+                        </a:rPr>
+                        <a:t>D</a:t>
+                      </a:r>
+                      <a:r>
+                        <a:rPr lang="en-US" sz="1200" b="1" dirty="0">
+                          <a:latin typeface="Courier New" panose="02070309020205020404" pitchFamily="49" charset="0"/>
+                          <a:cs typeface="Courier New" panose="02070309020205020404" pitchFamily="49" charset="0"/>
+                        </a:rPr>
+                        <a:t>, </a:t>
+                      </a:r>
+                      <a:r>
+                        <a:rPr lang="en-US" sz="1200" b="1" dirty="0" err="1">
+                          <a:solidFill>
+                            <a:srgbClr val="249D24"/>
+                          </a:solidFill>
+                          <a:latin typeface="Courier New" panose="02070309020205020404" pitchFamily="49" charset="0"/>
+                          <a:cs typeface="Courier New" panose="02070309020205020404" pitchFamily="49" charset="0"/>
+                        </a:rPr>
+                        <a:t>time_D</a:t>
+                      </a:r>
+                      <a:r>
+                        <a:rPr lang="en-US" sz="1200" b="1" dirty="0">
+                          <a:latin typeface="Courier New" panose="02070309020205020404" pitchFamily="49" charset="0"/>
+                          <a:cs typeface="Courier New" panose="02070309020205020404" pitchFamily="49" charset="0"/>
+                        </a:rPr>
+                        <a:t>)]:</a:t>
+                      </a:r>
+                    </a:p>
+                    <a:p>
+                      <a:r>
+                        <a:rPr lang="en-US" sz="1200" b="1" dirty="0">
+                          <a:latin typeface="Courier New" panose="02070309020205020404" pitchFamily="49" charset="0"/>
+                          <a:cs typeface="Courier New" panose="02070309020205020404" pitchFamily="49" charset="0"/>
+                        </a:rPr>
+                        <a:t>        count = 0</a:t>
+                      </a:r>
+                    </a:p>
+                    <a:p>
+                      <a:r>
+                        <a:rPr lang="en-US" sz="1200" b="1" dirty="0">
+                          <a:latin typeface="Courier New" panose="02070309020205020404" pitchFamily="49" charset="0"/>
+                          <a:cs typeface="Courier New" panose="02070309020205020404" pitchFamily="49" charset="0"/>
+                        </a:rPr>
+                        <a:t>        start = time()</a:t>
+                      </a:r>
+                    </a:p>
+                    <a:p>
+                      <a:r>
+                        <a:rPr lang="en-US" sz="1200" b="1" dirty="0">
+                          <a:latin typeface="Courier New" panose="02070309020205020404" pitchFamily="49" charset="0"/>
+                          <a:cs typeface="Courier New" panose="02070309020205020404" pitchFamily="49" charset="0"/>
+                        </a:rPr>
+                        <a:t>        for q in queries:</a:t>
+                      </a:r>
+                    </a:p>
+                    <a:p>
+                      <a:r>
+                        <a:rPr lang="en-US" sz="1200" b="1" dirty="0">
+                          <a:latin typeface="Courier New" panose="02070309020205020404" pitchFamily="49" charset="0"/>
+                          <a:cs typeface="Courier New" panose="02070309020205020404" pitchFamily="49" charset="0"/>
+                        </a:rPr>
+                        <a:t>            if q </a:t>
+                      </a:r>
+                      <a:r>
+                        <a:rPr lang="en-US" sz="1200" b="1" dirty="0">
+                          <a:solidFill>
+                            <a:srgbClr val="C00000"/>
+                          </a:solidFill>
+                          <a:latin typeface="Courier New" panose="02070309020205020404" pitchFamily="49" charset="0"/>
+                          <a:cs typeface="Courier New" panose="02070309020205020404" pitchFamily="49" charset="0"/>
+                        </a:rPr>
+                        <a:t>in</a:t>
+                      </a:r>
+                      <a:r>
+                        <a:rPr lang="en-US" sz="1200" b="1" dirty="0">
+                          <a:latin typeface="Courier New" panose="02070309020205020404" pitchFamily="49" charset="0"/>
+                          <a:cs typeface="Courier New" panose="02070309020205020404" pitchFamily="49" charset="0"/>
+                        </a:rPr>
+                        <a:t> X:</a:t>
+                      </a:r>
+                    </a:p>
+                    <a:p>
+                      <a:r>
+                        <a:rPr lang="en-US" sz="1200" b="1" dirty="0">
+                          <a:latin typeface="Courier New" panose="02070309020205020404" pitchFamily="49" charset="0"/>
+                          <a:cs typeface="Courier New" panose="02070309020205020404" pitchFamily="49" charset="0"/>
+                        </a:rPr>
+                        <a:t>                count +=1    </a:t>
+                      </a:r>
+                    </a:p>
+                    <a:p>
+                      <a:r>
+                        <a:rPr lang="en-US" sz="1200" b="1" dirty="0">
+                          <a:latin typeface="Courier New" panose="02070309020205020404" pitchFamily="49" charset="0"/>
+                          <a:cs typeface="Courier New" panose="02070309020205020404" pitchFamily="49" charset="0"/>
+                        </a:rPr>
+                        <a:t>        end = time()</a:t>
+                      </a:r>
+                    </a:p>
+                    <a:p>
+                      <a:pPr>
+                        <a:spcAft>
+                          <a:spcPts val="600"/>
+                        </a:spcAft>
+                      </a:pPr>
+                      <a:r>
+                        <a:rPr lang="en-US" sz="1200" b="1" dirty="0">
+                          <a:latin typeface="Courier New" panose="02070309020205020404" pitchFamily="49" charset="0"/>
+                          <a:cs typeface="Courier New" panose="02070309020205020404" pitchFamily="49" charset="0"/>
+                        </a:rPr>
+                        <a:t>        </a:t>
+                      </a:r>
+                      <a:r>
+                        <a:rPr lang="en-US" sz="1200" b="1" dirty="0" err="1">
+                          <a:latin typeface="Courier New" panose="02070309020205020404" pitchFamily="49" charset="0"/>
+                          <a:cs typeface="Courier New" panose="02070309020205020404" pitchFamily="49" charset="0"/>
+                        </a:rPr>
+                        <a:t>times.append</a:t>
+                      </a:r>
+                      <a:r>
+                        <a:rPr lang="en-US" sz="1200" b="1" dirty="0">
+                          <a:latin typeface="Courier New" panose="02070309020205020404" pitchFamily="49" charset="0"/>
+                          <a:cs typeface="Courier New" panose="02070309020205020404" pitchFamily="49" charset="0"/>
+                        </a:rPr>
+                        <a:t>((end - start) / </a:t>
+                      </a:r>
+                      <a:r>
+                        <a:rPr lang="en-US" sz="1200" b="1" dirty="0" err="1">
+                          <a:latin typeface="Courier New" panose="02070309020205020404" pitchFamily="49" charset="0"/>
+                          <a:cs typeface="Courier New" panose="02070309020205020404" pitchFamily="49" charset="0"/>
+                        </a:rPr>
+                        <a:t>len</a:t>
+                      </a:r>
+                      <a:r>
+                        <a:rPr lang="en-US" sz="1200" b="1" dirty="0">
+                          <a:latin typeface="Courier New" panose="02070309020205020404" pitchFamily="49" charset="0"/>
+                          <a:cs typeface="Courier New" panose="02070309020205020404" pitchFamily="49" charset="0"/>
+                        </a:rPr>
+                        <a:t>(queries))</a:t>
+                      </a:r>
+                    </a:p>
+                    <a:p>
+                      <a:r>
+                        <a:rPr lang="en-US" sz="1200" b="1" dirty="0" err="1">
+                          <a:latin typeface="Courier New" panose="02070309020205020404" pitchFamily="49" charset="0"/>
+                          <a:cs typeface="Courier New" panose="02070309020205020404" pitchFamily="49" charset="0"/>
+                        </a:rPr>
+                        <a:t>plt.plot</a:t>
+                      </a:r>
+                      <a:r>
+                        <a:rPr lang="en-US" sz="1200" b="1" dirty="0">
+                          <a:latin typeface="Courier New" panose="02070309020205020404" pitchFamily="49" charset="0"/>
+                          <a:cs typeface="Courier New" panose="02070309020205020404" pitchFamily="49" charset="0"/>
+                        </a:rPr>
+                        <a:t>(ns, </a:t>
+                      </a:r>
+                      <a:r>
+                        <a:rPr lang="en-US" sz="1200" b="1" dirty="0" err="1">
+                          <a:solidFill>
+                            <a:srgbClr val="3383BA"/>
+                          </a:solidFill>
+                          <a:latin typeface="Courier New" panose="02070309020205020404" pitchFamily="49" charset="0"/>
+                          <a:cs typeface="Courier New" panose="02070309020205020404" pitchFamily="49" charset="0"/>
+                        </a:rPr>
+                        <a:t>time_L</a:t>
+                      </a:r>
+                      <a:r>
+                        <a:rPr lang="en-US" sz="1200" b="1" dirty="0">
+                          <a:latin typeface="Courier New" panose="02070309020205020404" pitchFamily="49" charset="0"/>
+                          <a:cs typeface="Courier New" panose="02070309020205020404" pitchFamily="49" charset="0"/>
+                        </a:rPr>
+                        <a:t>, '.-', label='list')</a:t>
+                      </a:r>
+                    </a:p>
+                    <a:p>
+                      <a:r>
+                        <a:rPr lang="en-US" sz="1200" b="1" dirty="0" err="1">
+                          <a:latin typeface="Courier New" panose="02070309020205020404" pitchFamily="49" charset="0"/>
+                          <a:cs typeface="Courier New" panose="02070309020205020404" pitchFamily="49" charset="0"/>
+                        </a:rPr>
+                        <a:t>plt.plot</a:t>
+                      </a:r>
+                      <a:r>
+                        <a:rPr lang="en-US" sz="1200" b="1" dirty="0">
+                          <a:latin typeface="Courier New" panose="02070309020205020404" pitchFamily="49" charset="0"/>
+                          <a:cs typeface="Courier New" panose="02070309020205020404" pitchFamily="49" charset="0"/>
+                        </a:rPr>
+                        <a:t>(ns, </a:t>
+                      </a:r>
+                      <a:r>
+                        <a:rPr lang="en-US" sz="1200" b="1" dirty="0" err="1">
+                          <a:solidFill>
+                            <a:srgbClr val="FFC000"/>
+                          </a:solidFill>
+                          <a:latin typeface="Courier New" panose="02070309020205020404" pitchFamily="49" charset="0"/>
+                          <a:cs typeface="Courier New" panose="02070309020205020404" pitchFamily="49" charset="0"/>
+                        </a:rPr>
+                        <a:t>time_S</a:t>
+                      </a:r>
+                      <a:r>
+                        <a:rPr lang="en-US" sz="1200" b="1" dirty="0">
+                          <a:latin typeface="Courier New" panose="02070309020205020404" pitchFamily="49" charset="0"/>
+                          <a:cs typeface="Courier New" panose="02070309020205020404" pitchFamily="49" charset="0"/>
+                        </a:rPr>
+                        <a:t>, '.-', label='set')</a:t>
+                      </a:r>
+                    </a:p>
+                    <a:p>
+                      <a:r>
+                        <a:rPr lang="en-US" sz="1200" b="1" dirty="0" err="1">
+                          <a:latin typeface="Courier New" panose="02070309020205020404" pitchFamily="49" charset="0"/>
+                          <a:cs typeface="Courier New" panose="02070309020205020404" pitchFamily="49" charset="0"/>
+                        </a:rPr>
+                        <a:t>plt.plot</a:t>
+                      </a:r>
+                      <a:r>
+                        <a:rPr lang="en-US" sz="1200" b="1" dirty="0">
+                          <a:latin typeface="Courier New" panose="02070309020205020404" pitchFamily="49" charset="0"/>
+                          <a:cs typeface="Courier New" panose="02070309020205020404" pitchFamily="49" charset="0"/>
+                        </a:rPr>
+                        <a:t>(ns, </a:t>
+                      </a:r>
+                      <a:r>
+                        <a:rPr lang="en-US" sz="1200" b="1" dirty="0" err="1">
+                          <a:solidFill>
+                            <a:srgbClr val="249D24"/>
+                          </a:solidFill>
+                          <a:latin typeface="Courier New" panose="02070309020205020404" pitchFamily="49" charset="0"/>
+                          <a:cs typeface="Courier New" panose="02070309020205020404" pitchFamily="49" charset="0"/>
+                        </a:rPr>
+                        <a:t>time_D</a:t>
+                      </a:r>
+                      <a:r>
+                        <a:rPr lang="en-US" sz="1200" b="1" dirty="0">
+                          <a:latin typeface="Courier New" panose="02070309020205020404" pitchFamily="49" charset="0"/>
+                          <a:cs typeface="Courier New" panose="02070309020205020404" pitchFamily="49" charset="0"/>
+                        </a:rPr>
+                        <a:t>, '.-', label='</a:t>
+                      </a:r>
+                      <a:r>
+                        <a:rPr lang="en-US" sz="1200" b="1" dirty="0" err="1">
+                          <a:latin typeface="Courier New" panose="02070309020205020404" pitchFamily="49" charset="0"/>
+                          <a:cs typeface="Courier New" panose="02070309020205020404" pitchFamily="49" charset="0"/>
+                        </a:rPr>
+                        <a:t>dict</a:t>
+                      </a:r>
+                      <a:r>
+                        <a:rPr lang="en-US" sz="1200" b="1" dirty="0">
+                          <a:latin typeface="Courier New" panose="02070309020205020404" pitchFamily="49" charset="0"/>
+                          <a:cs typeface="Courier New" panose="02070309020205020404" pitchFamily="49" charset="0"/>
+                        </a:rPr>
+                        <a:t>')</a:t>
+                      </a:r>
+                    </a:p>
+                    <a:p>
+                      <a:r>
+                        <a:rPr lang="en-US" sz="1200" b="1" dirty="0" err="1">
+                          <a:latin typeface="Courier New" panose="02070309020205020404" pitchFamily="49" charset="0"/>
+                          <a:cs typeface="Courier New" panose="02070309020205020404" pitchFamily="49" charset="0"/>
+                        </a:rPr>
+                        <a:t>plt.xlabel</a:t>
+                      </a:r>
+                      <a:r>
+                        <a:rPr lang="en-US" sz="1200" b="1" dirty="0">
+                          <a:latin typeface="Courier New" panose="02070309020205020404" pitchFamily="49" charset="0"/>
+                          <a:cs typeface="Courier New" panose="02070309020205020404" pitchFamily="49" charset="0"/>
+                        </a:rPr>
+                        <a:t>('Size of list/set/</a:t>
+                      </a:r>
+                      <a:r>
+                        <a:rPr lang="en-US" sz="1200" b="1" dirty="0" err="1">
+                          <a:latin typeface="Courier New" panose="02070309020205020404" pitchFamily="49" charset="0"/>
+                          <a:cs typeface="Courier New" panose="02070309020205020404" pitchFamily="49" charset="0"/>
+                        </a:rPr>
+                        <a:t>dict</a:t>
+                      </a:r>
+                      <a:r>
+                        <a:rPr lang="en-US" sz="1200" b="1" dirty="0">
+                          <a:latin typeface="Courier New" panose="02070309020205020404" pitchFamily="49" charset="0"/>
+                          <a:cs typeface="Courier New" panose="02070309020205020404" pitchFamily="49" charset="0"/>
+                        </a:rPr>
+                        <a:t> (n)')</a:t>
+                      </a:r>
+                    </a:p>
+                    <a:p>
+                      <a:r>
+                        <a:rPr lang="en-US" sz="1200" b="1" dirty="0" err="1">
+                          <a:latin typeface="Courier New" panose="02070309020205020404" pitchFamily="49" charset="0"/>
+                          <a:cs typeface="Courier New" panose="02070309020205020404" pitchFamily="49" charset="0"/>
+                        </a:rPr>
+                        <a:t>plt.ylabel</a:t>
+                      </a:r>
+                      <a:r>
+                        <a:rPr lang="en-US" sz="1200" b="1" dirty="0">
+                          <a:latin typeface="Courier New" panose="02070309020205020404" pitchFamily="49" charset="0"/>
+                          <a:cs typeface="Courier New" panose="02070309020205020404" pitchFamily="49" charset="0"/>
+                        </a:rPr>
+                        <a:t>("Average query time for 'in' (seconds)")</a:t>
+                      </a:r>
+                    </a:p>
+                    <a:p>
+                      <a:r>
+                        <a:rPr lang="en-US" sz="1200" b="1" dirty="0" err="1">
+                          <a:latin typeface="Courier New" panose="02070309020205020404" pitchFamily="49" charset="0"/>
+                          <a:cs typeface="Courier New" panose="02070309020205020404" pitchFamily="49" charset="0"/>
+                        </a:rPr>
+                        <a:t>plt.legend</a:t>
+                      </a:r>
+                      <a:r>
+                        <a:rPr lang="en-US" sz="1200" b="1" dirty="0">
+                          <a:latin typeface="Courier New" panose="02070309020205020404" pitchFamily="49" charset="0"/>
+                          <a:cs typeface="Courier New" panose="02070309020205020404" pitchFamily="49" charset="0"/>
+                        </a:rPr>
+                        <a:t>()</a:t>
+                      </a:r>
+                    </a:p>
+                    <a:p>
+                      <a:r>
+                        <a:rPr lang="en-US" sz="1200" b="1" dirty="0" err="1">
+                          <a:latin typeface="Courier New" panose="02070309020205020404" pitchFamily="49" charset="0"/>
+                          <a:cs typeface="Courier New" panose="02070309020205020404" pitchFamily="49" charset="0"/>
+                        </a:rPr>
+                        <a:t>plt.show</a:t>
+                      </a:r>
+                      <a:r>
+                        <a:rPr lang="en-US" sz="1200" b="1" dirty="0">
+                          <a:latin typeface="Courier New" panose="02070309020205020404" pitchFamily="49" charset="0"/>
+                          <a:cs typeface="Courier New" panose="02070309020205020404" pitchFamily="49" charset="0"/>
+                        </a:rPr>
+                        <a:t>()</a:t>
+                      </a:r>
+                    </a:p>
+                  </a:txBody>
+                  <a:tcPr>
+                    <a:lnL w="6350" cap="flat" cmpd="sng" algn="ctr">
+                      <a:solidFill>
+                        <a:schemeClr val="tx1"/>
+                      </a:solidFill>
+                      <a:prstDash val="solid"/>
+                      <a:round/>
+                      <a:headEnd type="none" w="med" len="med"/>
+                      <a:tailEnd type="none" w="med" len="med"/>
+                    </a:lnL>
+                    <a:lnR w="6350" cap="flat" cmpd="sng" algn="ctr">
+                      <a:solidFill>
+                        <a:schemeClr val="tx1"/>
+                      </a:solidFill>
+                      <a:prstDash val="solid"/>
+                      <a:round/>
+                      <a:headEnd type="none" w="med" len="med"/>
+                      <a:tailEnd type="none" w="med" len="med"/>
+                    </a:lnR>
+                    <a:lnT w="6350" cap="flat" cmpd="sng" algn="ctr">
+                      <a:solidFill>
+                        <a:schemeClr val="tx1"/>
+                      </a:solidFill>
+                      <a:prstDash val="solid"/>
+                      <a:round/>
+                      <a:headEnd type="none" w="med" len="med"/>
+                      <a:tailEnd type="none" w="med" len="med"/>
+                    </a:lnT>
+                    <a:lnB w="6350" cap="flat" cmpd="sng" algn="ctr">
+                      <a:solidFill>
+                        <a:schemeClr val="tx1"/>
+                      </a:solidFill>
+                      <a:prstDash val="solid"/>
+                      <a:round/>
+                      <a:headEnd type="none" w="med" len="med"/>
+                      <a:tailEnd type="none" w="med" len="med"/>
+                    </a:lnB>
+                    <a:lnTlToBr w="12700" cmpd="sng">
+                      <a:noFill/>
+                      <a:prstDash val="solid"/>
+                    </a:lnTlToBr>
+                    <a:lnBlToTr w="12700" cmpd="sng">
+                      <a:noFill/>
+                      <a:prstDash val="solid"/>
+                    </a:lnBlToTr>
+                    <a:solidFill>
+                      <a:schemeClr val="accent5">
+                        <a:lumMod val="20000"/>
+                        <a:lumOff val="80000"/>
+                      </a:schemeClr>
+                    </a:solidFill>
+                  </a:tcPr>
+                </a:tc>
+                <a:extLst>
+                  <a:ext uri="{0D108BD9-81ED-4DB2-BD59-A6C34878D82A}">
+                    <a16:rowId xmlns:a16="http://schemas.microsoft.com/office/drawing/2014/main" val="4112970457"/>
+                  </a:ext>
+                </a:extLst>
+              </a:tr>
+            </a:tbl>
+          </a:graphicData>
+        </a:graphic>
+      </p:graphicFrame>
+      <p:sp>
+        <p:nvSpPr>
+          <p:cNvPr id="6" name="Title 1"/>
+          <p:cNvSpPr>
+            <a:spLocks noGrp="1"/>
+          </p:cNvSpPr>
+          <p:nvPr>
+            <p:ph type="title"/>
+          </p:nvPr>
+        </p:nvSpPr>
+        <p:spPr>
+          <a:xfrm>
+            <a:off x="264227" y="151852"/>
+            <a:ext cx="5293424" cy="685909"/>
+          </a:xfrm>
+        </p:spPr>
+        <p:txBody>
+          <a:bodyPr>
+            <a:normAutofit fontScale="90000"/>
+          </a:bodyPr>
+          <a:lstStyle/>
+          <a:p>
+            <a:r>
+              <a:rPr lang="en-US" dirty="0"/>
+              <a:t>Membership queries  </a:t>
+            </a:r>
+            <a:r>
+              <a:rPr lang="en-US" dirty="0">
+                <a:latin typeface="Courier New" panose="02070309020205020404" pitchFamily="49" charset="0"/>
+                <a:cs typeface="Courier New" panose="02070309020205020404" pitchFamily="49" charset="0"/>
+              </a:rPr>
+              <a:t>in</a:t>
+            </a:r>
+          </a:p>
+        </p:txBody>
+      </p:sp>
+      <p:grpSp>
+        <p:nvGrpSpPr>
+          <p:cNvPr id="26" name="Group 25">
+            <a:extLst>
+              <a:ext uri="{FF2B5EF4-FFF2-40B4-BE49-F238E27FC236}">
+                <a16:creationId xmlns:a16="http://schemas.microsoft.com/office/drawing/2014/main" id="{E3C1A19D-FB28-1700-35F0-784951085ABA}"/>
+              </a:ext>
+            </a:extLst>
+          </p:cNvPr>
+          <p:cNvGrpSpPr/>
+          <p:nvPr/>
+        </p:nvGrpSpPr>
+        <p:grpSpPr>
+          <a:xfrm>
+            <a:off x="2974411" y="4675084"/>
+            <a:ext cx="2398104" cy="1224328"/>
+            <a:chOff x="2699112" y="4475843"/>
+            <a:chExt cx="2398104" cy="1224328"/>
+          </a:xfrm>
+        </p:grpSpPr>
+        <p:sp>
+          <p:nvSpPr>
+            <p:cNvPr id="9" name="TextBox 8"/>
+            <p:cNvSpPr txBox="1"/>
+            <p:nvPr/>
+          </p:nvSpPr>
+          <p:spPr>
+            <a:xfrm>
+              <a:off x="2699112" y="4475843"/>
+              <a:ext cx="2398104" cy="923330"/>
+            </a:xfrm>
+            <a:prstGeom prst="rect">
+              <a:avLst/>
+            </a:prstGeom>
+            <a:noFill/>
+          </p:spPr>
+          <p:txBody>
+            <a:bodyPr wrap="square" rtlCol="0">
+              <a:spAutoFit/>
+            </a:bodyPr>
+            <a:lstStyle/>
+            <a:p>
+              <a:pPr algn="ctr"/>
+              <a:r>
+                <a:rPr lang="en-US" dirty="0">
+                  <a:solidFill>
+                    <a:srgbClr val="C00000"/>
+                  </a:solidFill>
+                </a:rPr>
+                <a:t>Sets and dictionaries constant time </a:t>
+              </a:r>
+              <a:r>
+                <a:rPr lang="en-US" dirty="0">
+                  <a:solidFill>
+                    <a:srgbClr val="C00000"/>
+                  </a:solidFill>
+                  <a:latin typeface="Courier New" panose="02070309020205020404" pitchFamily="49" charset="0"/>
+                  <a:cs typeface="Courier New" panose="02070309020205020404" pitchFamily="49" charset="0"/>
+                </a:rPr>
+                <a:t>in</a:t>
+              </a:r>
+            </a:p>
+            <a:p>
+              <a:pPr algn="ctr"/>
+              <a:r>
+                <a:rPr lang="en-US" dirty="0">
+                  <a:solidFill>
+                    <a:srgbClr val="C00000"/>
+                  </a:solidFill>
+                </a:rPr>
+                <a:t>≈ 1∙10</a:t>
+              </a:r>
+              <a:r>
+                <a:rPr lang="en-US" baseline="30000" dirty="0">
+                  <a:solidFill>
+                    <a:srgbClr val="C00000"/>
+                  </a:solidFill>
+                </a:rPr>
+                <a:t>-7 </a:t>
+              </a:r>
+              <a:r>
+                <a:rPr lang="en-US" dirty="0">
+                  <a:solidFill>
+                    <a:srgbClr val="C00000"/>
+                  </a:solidFill>
+                </a:rPr>
+                <a:t>sec</a:t>
+              </a:r>
+            </a:p>
+          </p:txBody>
+        </p:sp>
+        <p:cxnSp>
+          <p:nvCxnSpPr>
+            <p:cNvPr id="10" name="Straight Arrow Connector 9"/>
+            <p:cNvCxnSpPr>
+              <a:cxnSpLocks/>
+            </p:cNvCxnSpPr>
+            <p:nvPr/>
+          </p:nvCxnSpPr>
+          <p:spPr>
+            <a:xfrm>
+              <a:off x="3898164" y="5416360"/>
+              <a:ext cx="0" cy="283811"/>
+            </a:xfrm>
+            <a:prstGeom prst="straightConnector1">
+              <a:avLst/>
+            </a:prstGeom>
+            <a:ln>
+              <a:solidFill>
+                <a:srgbClr val="C00000"/>
+              </a:solidFill>
+              <a:tailEnd type="triangle"/>
+            </a:ln>
+          </p:spPr>
+          <p:style>
+            <a:lnRef idx="1">
+              <a:schemeClr val="accent1"/>
+            </a:lnRef>
+            <a:fillRef idx="0">
+              <a:schemeClr val="accent1"/>
+            </a:fillRef>
+            <a:effectRef idx="0">
+              <a:schemeClr val="accent1"/>
+            </a:effectRef>
+            <a:fontRef idx="minor">
+              <a:schemeClr val="tx1"/>
+            </a:fontRef>
+          </p:style>
+        </p:cxnSp>
+      </p:grpSp>
+      <p:grpSp>
+        <p:nvGrpSpPr>
+          <p:cNvPr id="29" name="Group 28">
+            <a:extLst>
+              <a:ext uri="{FF2B5EF4-FFF2-40B4-BE49-F238E27FC236}">
+                <a16:creationId xmlns:a16="http://schemas.microsoft.com/office/drawing/2014/main" id="{8FDA7B88-B8CF-2A93-2D59-BA63F35D6ED6}"/>
+              </a:ext>
+            </a:extLst>
+          </p:cNvPr>
+          <p:cNvGrpSpPr/>
+          <p:nvPr/>
+        </p:nvGrpSpPr>
+        <p:grpSpPr>
+          <a:xfrm>
+            <a:off x="2205761" y="1346594"/>
+            <a:ext cx="2600340" cy="1145072"/>
+            <a:chOff x="4857007" y="1508966"/>
+            <a:chExt cx="1567543" cy="1145072"/>
+          </a:xfrm>
+        </p:grpSpPr>
+        <p:sp>
+          <p:nvSpPr>
+            <p:cNvPr id="11" name="TextBox 10"/>
+            <p:cNvSpPr txBox="1"/>
+            <p:nvPr/>
+          </p:nvSpPr>
+          <p:spPr>
+            <a:xfrm>
+              <a:off x="4857007" y="1508966"/>
+              <a:ext cx="1567543" cy="923330"/>
+            </a:xfrm>
+            <a:prstGeom prst="rect">
+              <a:avLst/>
+            </a:prstGeom>
+            <a:noFill/>
+          </p:spPr>
+          <p:txBody>
+            <a:bodyPr wrap="square" rtlCol="0">
+              <a:spAutoFit/>
+            </a:bodyPr>
+            <a:lstStyle/>
+            <a:p>
+              <a:pPr algn="ctr"/>
+              <a:r>
+                <a:rPr lang="en-US" dirty="0">
+                  <a:solidFill>
+                    <a:srgbClr val="C00000"/>
+                  </a:solidFill>
+                </a:rPr>
+                <a:t>Lists</a:t>
+              </a:r>
+            </a:p>
+            <a:p>
+              <a:pPr algn="ctr"/>
+              <a:r>
+                <a:rPr lang="en-US" dirty="0">
+                  <a:solidFill>
+                    <a:srgbClr val="C00000"/>
+                  </a:solidFill>
+                </a:rPr>
+                <a:t>linear time </a:t>
+              </a:r>
+              <a:r>
+                <a:rPr lang="en-US" dirty="0">
+                  <a:solidFill>
+                    <a:srgbClr val="C00000"/>
+                  </a:solidFill>
+                  <a:latin typeface="Courier New" panose="02070309020205020404" pitchFamily="49" charset="0"/>
+                  <a:cs typeface="Courier New" panose="02070309020205020404" pitchFamily="49" charset="0"/>
+                </a:rPr>
+                <a:t>in</a:t>
+              </a:r>
+            </a:p>
+            <a:p>
+              <a:pPr algn="ctr"/>
+              <a:r>
+                <a:rPr lang="en-US" dirty="0">
+                  <a:solidFill>
+                    <a:srgbClr val="C00000"/>
+                  </a:solidFill>
+                </a:rPr>
+                <a:t>≈ 3∙10</a:t>
+              </a:r>
+              <a:r>
+                <a:rPr lang="en-US" baseline="30000" dirty="0">
+                  <a:solidFill>
+                    <a:srgbClr val="C00000"/>
+                  </a:solidFill>
+                </a:rPr>
+                <a:t>-9</a:t>
+              </a:r>
+              <a:r>
+                <a:rPr lang="en-US" dirty="0">
+                  <a:solidFill>
+                    <a:srgbClr val="C00000"/>
+                  </a:solidFill>
+                </a:rPr>
+                <a:t> ∙ n</a:t>
+              </a:r>
+              <a:endParaRPr lang="en-US" baseline="30000" dirty="0">
+                <a:solidFill>
+                  <a:srgbClr val="C00000"/>
+                </a:solidFill>
+              </a:endParaRPr>
+            </a:p>
+          </p:txBody>
+        </p:sp>
+        <p:cxnSp>
+          <p:nvCxnSpPr>
+            <p:cNvPr id="12" name="Straight Arrow Connector 11"/>
+            <p:cNvCxnSpPr/>
+            <p:nvPr/>
+          </p:nvCxnSpPr>
+          <p:spPr>
+            <a:xfrm>
+              <a:off x="5769980" y="2403874"/>
+              <a:ext cx="269175" cy="250164"/>
+            </a:xfrm>
+            <a:prstGeom prst="straightConnector1">
+              <a:avLst/>
+            </a:prstGeom>
+            <a:ln>
+              <a:solidFill>
+                <a:srgbClr val="C00000"/>
+              </a:solidFill>
+              <a:tailEnd type="triangle"/>
+            </a:ln>
+          </p:spPr>
+          <p:style>
+            <a:lnRef idx="1">
+              <a:schemeClr val="accent1"/>
+            </a:lnRef>
+            <a:fillRef idx="0">
+              <a:schemeClr val="accent1"/>
+            </a:fillRef>
+            <a:effectRef idx="0">
+              <a:schemeClr val="accent1"/>
+            </a:effectRef>
+            <a:fontRef idx="minor">
+              <a:schemeClr val="tx1"/>
+            </a:fontRef>
+          </p:style>
+        </p:cxnSp>
+      </p:grpSp>
+      <p:pic>
+        <p:nvPicPr>
+          <p:cNvPr id="37" name="Picture 36">
+            <a:extLst>
+              <a:ext uri="{FF2B5EF4-FFF2-40B4-BE49-F238E27FC236}">
+                <a16:creationId xmlns:a16="http://schemas.microsoft.com/office/drawing/2014/main" id="{18308946-9027-9C8F-1D78-27AF5CA9EF40}"/>
+              </a:ext>
+            </a:extLst>
+          </p:cNvPr>
+          <p:cNvPicPr>
+            <a:picLocks noChangeAspect="1"/>
+          </p:cNvPicPr>
+          <p:nvPr/>
+        </p:nvPicPr>
+        <p:blipFill>
+          <a:blip r:embed="rId3" cstate="print">
+            <a:extLst>
+              <a:ext uri="{28A0092B-C50C-407E-A947-70E740481C1C}">
+                <a14:useLocalDpi xmlns:a14="http://schemas.microsoft.com/office/drawing/2010/main" val="0"/>
+              </a:ext>
+            </a:extLst>
+          </a:blip>
+          <a:stretch>
+            <a:fillRect/>
+          </a:stretch>
+        </p:blipFill>
+        <p:spPr>
+          <a:xfrm>
+            <a:off x="6442835" y="6319657"/>
+            <a:ext cx="487666" cy="405904"/>
+          </a:xfrm>
+          <a:prstGeom prst="rect">
+            <a:avLst/>
+          </a:prstGeom>
+        </p:spPr>
+      </p:pic>
+      <p:sp>
+        <p:nvSpPr>
+          <p:cNvPr id="39" name="TextBox 38">
+            <a:extLst>
+              <a:ext uri="{FF2B5EF4-FFF2-40B4-BE49-F238E27FC236}">
+                <a16:creationId xmlns:a16="http://schemas.microsoft.com/office/drawing/2014/main" id="{ACD34319-F395-A2F2-21A5-0C7A1D6F137B}"/>
+              </a:ext>
+            </a:extLst>
+          </p:cNvPr>
+          <p:cNvSpPr txBox="1"/>
+          <p:nvPr/>
+        </p:nvSpPr>
+        <p:spPr>
+          <a:xfrm>
+            <a:off x="6960093" y="6291777"/>
+            <a:ext cx="5231907" cy="461665"/>
+          </a:xfrm>
+          <a:prstGeom prst="rect">
+            <a:avLst/>
+          </a:prstGeom>
+          <a:noFill/>
+        </p:spPr>
+        <p:txBody>
+          <a:bodyPr wrap="square">
+            <a:spAutoFit/>
+          </a:bodyPr>
+          <a:lstStyle/>
+          <a:p>
+            <a:r>
+              <a:rPr lang="da-DK" sz="2400" dirty="0" err="1"/>
+              <a:t>Avoid</a:t>
+            </a:r>
+            <a:r>
+              <a:rPr lang="da-DK" sz="2400" dirty="0"/>
+              <a:t> </a:t>
+            </a:r>
+            <a:r>
+              <a:rPr lang="da-DK" sz="2400" dirty="0" err="1"/>
+              <a:t>using</a:t>
+            </a:r>
+            <a:r>
+              <a:rPr lang="da-DK" sz="2400" dirty="0"/>
+              <a:t> </a:t>
+            </a:r>
+            <a:r>
+              <a:rPr lang="da-DK" sz="2400" b="1" dirty="0">
+                <a:solidFill>
+                  <a:srgbClr val="C00000"/>
+                </a:solidFill>
+                <a:latin typeface="Courier New" panose="02070309020205020404" pitchFamily="49" charset="0"/>
+                <a:cs typeface="Courier New" panose="02070309020205020404" pitchFamily="49" charset="0"/>
+              </a:rPr>
+              <a:t>in</a:t>
+            </a:r>
+            <a:r>
+              <a:rPr lang="da-DK" sz="2400" dirty="0"/>
+              <a:t> </a:t>
+            </a:r>
+            <a:r>
+              <a:rPr lang="da-DK" sz="2400" dirty="0" err="1"/>
+              <a:t>repeatedly</a:t>
+            </a:r>
+            <a:r>
+              <a:rPr lang="da-DK" sz="2400" dirty="0"/>
+              <a:t> on long lists</a:t>
+            </a:r>
+            <a:endParaRPr lang="en-US" sz="2400" dirty="0"/>
+          </a:p>
+        </p:txBody>
+      </p:sp>
+    </p:spTree>
+    <p:extLst>
+      <p:ext uri="{BB962C8B-B14F-4D97-AF65-F5344CB8AC3E}">
+        <p14:creationId xmlns:p14="http://schemas.microsoft.com/office/powerpoint/2010/main" val="637895129"/>
+      </p:ext>
+    </p:extLst>
+  </p:cSld>
+  <p:clrMapOvr>
+    <a:masterClrMapping/>
+  </p:clrMapOvr>
+</p:sld>
+</file>
+
+<file path=ppt/slides/slide17.xml><?xml version="1.0" encoding="utf-8"?>
+<p:sld xmlns:a="http://schemas.openxmlformats.org/drawingml/2006/main" xmlns:r="http://schemas.openxmlformats.org/officeDocument/2006/relationships" xmlns:p="http://schemas.openxmlformats.org/presentationml/2006/main">
+  <p:cSld>
+    <p:spTree>
+      <p:nvGrpSpPr>
+        <p:cNvPr id="1" name=""/>
+        <p:cNvGrpSpPr/>
+        <p:nvPr/>
+      </p:nvGrpSpPr>
+      <p:grpSpPr>
+        <a:xfrm>
+          <a:off x="0" y="0"/>
+          <a:ext cx="0" cy="0"/>
+          <a:chOff x="0" y="0"/>
+          <a:chExt cx="0" cy="0"/>
+        </a:xfrm>
+      </p:grpSpPr>
       <p:sp>
         <p:nvSpPr>
           <p:cNvPr id="2" name="Title 1"/>
@@ -13723,7 +15320,7 @@
 </p:sld>
 </file>
 
-<file path=ppt/slides/slide17.xml><?xml version="1.0" encoding="utf-8"?>
+<file path=ppt/slides/slide18.xml><?xml version="1.0" encoding="utf-8"?>
 <p:sld xmlns:a="http://schemas.openxmlformats.org/drawingml/2006/main" xmlns:r="http://schemas.openxmlformats.org/officeDocument/2006/relationships" xmlns:p="http://schemas.openxmlformats.org/presentationml/2006/main">
   <p:cSld>
     <p:spTree>
@@ -14743,7 +16340,7 @@
 </p:sld>
 </file>
 
-<file path=ppt/slides/slide18.xml><?xml version="1.0" encoding="utf-8"?>
+<file path=ppt/slides/slide19.xml><?xml version="1.0" encoding="utf-8"?>
 <p:sld xmlns:a="http://schemas.openxmlformats.org/drawingml/2006/main" xmlns:r="http://schemas.openxmlformats.org/officeDocument/2006/relationships" xmlns:p="http://schemas.openxmlformats.org/presentationml/2006/main">
   <p:cSld>
     <p:spTree>
@@ -16098,1387 +17695,6 @@
 </p:sld>
 </file>
 
-<file path=ppt/slides/slide19.xml><?xml version="1.0" encoding="utf-8"?>
-<p:sld xmlns:a="http://schemas.openxmlformats.org/drawingml/2006/main" xmlns:r="http://schemas.openxmlformats.org/officeDocument/2006/relationships" xmlns:p="http://schemas.openxmlformats.org/presentationml/2006/main">
-  <p:cSld>
-    <p:spTree>
-      <p:nvGrpSpPr>
-        <p:cNvPr id="1" name=""/>
-        <p:cNvGrpSpPr/>
-        <p:nvPr/>
-      </p:nvGrpSpPr>
-      <p:grpSpPr>
-        <a:xfrm>
-          <a:off x="0" y="0"/>
-          <a:ext cx="0" cy="0"/>
-          <a:chOff x="0" y="0"/>
-          <a:chExt cx="0" cy="0"/>
-        </a:xfrm>
-      </p:grpSpPr>
-      <p:sp>
-        <p:nvSpPr>
-          <p:cNvPr id="2" name="Title 1"/>
-          <p:cNvSpPr>
-            <a:spLocks noGrp="1"/>
-          </p:cNvSpPr>
-          <p:nvPr>
-            <p:ph type="title"/>
-          </p:nvPr>
-        </p:nvSpPr>
-        <p:spPr>
-          <a:xfrm>
-            <a:off x="838200" y="221432"/>
-            <a:ext cx="10644051" cy="1325563"/>
-          </a:xfrm>
-        </p:spPr>
-        <p:txBody>
-          <a:bodyPr/>
-          <a:lstStyle/>
-          <a:p>
-            <a:r>
-              <a:rPr lang="da-DK" dirty="0" err="1">
-                <a:latin typeface="Courier New" panose="02070309020205020404" pitchFamily="49" charset="0"/>
-                <a:cs typeface="Courier New" panose="02070309020205020404" pitchFamily="49" charset="0"/>
-              </a:rPr>
-              <a:t>Counter</a:t>
-            </a:r>
-            <a:r>
-              <a:rPr lang="da-DK" dirty="0">
-                <a:latin typeface="+mn-lt"/>
-                <a:cs typeface="Courier New" panose="02070309020205020404" pitchFamily="49" charset="0"/>
-              </a:rPr>
-              <a:t> – </a:t>
-            </a:r>
-            <a:r>
-              <a:rPr lang="da-DK" dirty="0" err="1">
-                <a:latin typeface="+mn-lt"/>
-                <a:cs typeface="Courier New" panose="02070309020205020404" pitchFamily="49" charset="0"/>
-              </a:rPr>
-              <a:t>dictionaries</a:t>
-            </a:r>
-            <a:r>
-              <a:rPr lang="da-DK" dirty="0">
-                <a:latin typeface="+mn-lt"/>
-                <a:cs typeface="Courier New" panose="02070309020205020404" pitchFamily="49" charset="0"/>
-              </a:rPr>
-              <a:t> for </a:t>
-            </a:r>
-            <a:r>
-              <a:rPr lang="da-DK" dirty="0" err="1">
-                <a:latin typeface="+mn-lt"/>
-                <a:cs typeface="Courier New" panose="02070309020205020404" pitchFamily="49" charset="0"/>
-              </a:rPr>
-              <a:t>counting</a:t>
-            </a:r>
-            <a:endParaRPr lang="en-US" dirty="0">
-              <a:latin typeface="+mn-lt"/>
-              <a:cs typeface="Courier New" panose="02070309020205020404" pitchFamily="49" charset="0"/>
-            </a:endParaRPr>
-          </a:p>
-        </p:txBody>
-      </p:sp>
-      <p:graphicFrame>
-        <p:nvGraphicFramePr>
-          <p:cNvPr id="5" name="Table 4"/>
-          <p:cNvGraphicFramePr>
-            <a:graphicFrameLocks noGrp="1"/>
-          </p:cNvGraphicFramePr>
-          <p:nvPr>
-            <p:extLst>
-              <p:ext uri="{D42A27DB-BD31-4B8C-83A1-F6EECF244321}">
-                <p14:modId xmlns:p14="http://schemas.microsoft.com/office/powerpoint/2010/main" val="4073213014"/>
-              </p:ext>
-            </p:extLst>
-          </p:nvPr>
-        </p:nvGraphicFramePr>
-        <p:xfrm>
-          <a:off x="237308" y="1546995"/>
-          <a:ext cx="11717383" cy="4922520"/>
-        </p:xfrm>
-        <a:graphic>
-          <a:graphicData uri="http://schemas.openxmlformats.org/drawingml/2006/table">
-            <a:tbl>
-              <a:tblPr firstRow="1" bandRow="1">
-                <a:tableStyleId>{5C22544A-7EE6-4342-B048-85BDC9FD1C3A}</a:tableStyleId>
-              </a:tblPr>
-              <a:tblGrid>
-                <a:gridCol w="11717383">
-                  <a:extLst>
-                    <a:ext uri="{9D8B030D-6E8A-4147-A177-3AD203B41FA5}">
-                      <a16:colId xmlns:a16="http://schemas.microsoft.com/office/drawing/2014/main" val="1873682825"/>
-                    </a:ext>
-                  </a:extLst>
-                </a:gridCol>
-              </a:tblGrid>
-              <a:tr h="213807">
-                <a:tc>
-                  <a:txBody>
-                    <a:bodyPr/>
-                    <a:lstStyle/>
-                    <a:p>
-                      <a:r>
-                        <a:rPr lang="da-DK" sz="1800" b="1" dirty="0" err="1">
-                          <a:latin typeface="Courier New" panose="02070309020205020404" pitchFamily="49" charset="0"/>
-                          <a:cs typeface="Courier New" panose="02070309020205020404" pitchFamily="49" charset="0"/>
-                        </a:rPr>
-                        <a:t>Python</a:t>
-                      </a:r>
-                      <a:r>
-                        <a:rPr lang="da-DK" sz="1800" b="1" dirty="0">
-                          <a:latin typeface="Courier New" panose="02070309020205020404" pitchFamily="49" charset="0"/>
-                          <a:cs typeface="Courier New" panose="02070309020205020404" pitchFamily="49" charset="0"/>
-                        </a:rPr>
-                        <a:t> </a:t>
-                      </a:r>
-                      <a:r>
-                        <a:rPr lang="da-DK" sz="1800" b="1" dirty="0" err="1">
-                          <a:latin typeface="Courier New" panose="02070309020205020404" pitchFamily="49" charset="0"/>
-                          <a:cs typeface="Courier New" panose="02070309020205020404" pitchFamily="49" charset="0"/>
-                        </a:rPr>
-                        <a:t>shell</a:t>
-                      </a:r>
-                      <a:endParaRPr lang="da-DK" sz="1800" b="1" dirty="0">
-                        <a:latin typeface="Courier New" panose="02070309020205020404" pitchFamily="49" charset="0"/>
-                        <a:cs typeface="Courier New" panose="02070309020205020404" pitchFamily="49" charset="0"/>
-                      </a:endParaRPr>
-                    </a:p>
-                  </a:txBody>
-                  <a:tcPr anchor="ctr">
-                    <a:lnL w="6350" cap="flat" cmpd="sng" algn="ctr">
-                      <a:solidFill>
-                        <a:schemeClr val="tx1"/>
-                      </a:solidFill>
-                      <a:prstDash val="solid"/>
-                      <a:round/>
-                      <a:headEnd type="none" w="med" len="med"/>
-                      <a:tailEnd type="none" w="med" len="med"/>
-                    </a:lnL>
-                    <a:lnR w="6350" cap="flat" cmpd="sng" algn="ctr">
-                      <a:solidFill>
-                        <a:schemeClr val="tx1"/>
-                      </a:solidFill>
-                      <a:prstDash val="solid"/>
-                      <a:round/>
-                      <a:headEnd type="none" w="med" len="med"/>
-                      <a:tailEnd type="none" w="med" len="med"/>
-                    </a:lnR>
-                    <a:lnT w="6350" cap="flat" cmpd="sng" algn="ctr">
-                      <a:solidFill>
-                        <a:schemeClr val="tx1"/>
-                      </a:solidFill>
-                      <a:prstDash val="solid"/>
-                      <a:round/>
-                      <a:headEnd type="none" w="med" len="med"/>
-                      <a:tailEnd type="none" w="med" len="med"/>
-                    </a:lnT>
-                    <a:lnB w="6350" cap="flat" cmpd="sng" algn="ctr">
-                      <a:solidFill>
-                        <a:schemeClr val="tx1"/>
-                      </a:solidFill>
-                      <a:prstDash val="solid"/>
-                      <a:round/>
-                      <a:headEnd type="none" w="med" len="med"/>
-                      <a:tailEnd type="none" w="med" len="med"/>
-                    </a:lnB>
-                    <a:lnTlToBr w="12700" cmpd="sng">
-                      <a:noFill/>
-                      <a:prstDash val="solid"/>
-                    </a:lnTlToBr>
-                    <a:lnBlToTr w="12700" cmpd="sng">
-                      <a:noFill/>
-                      <a:prstDash val="solid"/>
-                    </a:lnBlToTr>
-                    <a:solidFill>
-                      <a:srgbClr val="C00000"/>
-                    </a:solidFill>
-                  </a:tcPr>
-                </a:tc>
-                <a:extLst>
-                  <a:ext uri="{0D108BD9-81ED-4DB2-BD59-A6C34878D82A}">
-                    <a16:rowId xmlns:a16="http://schemas.microsoft.com/office/drawing/2014/main" val="3330819881"/>
-                  </a:ext>
-                </a:extLst>
-              </a:tr>
-              <a:tr h="2364992">
-                <a:tc>
-                  <a:txBody>
-                    <a:bodyPr/>
-                    <a:lstStyle/>
-                    <a:p>
-                      <a:pPr marL="266700" indent="-266700">
-                        <a:buClr>
-                          <a:srgbClr val="C00000"/>
-                        </a:buClr>
-                        <a:buSzPct val="100000"/>
-                        <a:buFont typeface="Courier New" panose="02070309020205020404" pitchFamily="49" charset="0"/>
-                        <a:buChar char="&gt;"/>
-                      </a:pPr>
-                      <a:r>
-                        <a:rPr lang="pt-BR" sz="1800" b="1" baseline="0" dirty="0">
-                          <a:latin typeface="Courier New" panose="02070309020205020404" pitchFamily="49" charset="0"/>
-                          <a:cs typeface="Courier New" panose="02070309020205020404" pitchFamily="49" charset="0"/>
-                        </a:rPr>
-                        <a:t>from </a:t>
-                      </a:r>
-                      <a:r>
-                        <a:rPr lang="pt-BR" sz="1800" b="1" baseline="0" dirty="0">
-                          <a:solidFill>
-                            <a:srgbClr val="C00000"/>
-                          </a:solidFill>
-                          <a:latin typeface="Courier New" panose="02070309020205020404" pitchFamily="49" charset="0"/>
-                          <a:cs typeface="Courier New" panose="02070309020205020404" pitchFamily="49" charset="0"/>
-                        </a:rPr>
-                        <a:t>collections</a:t>
-                      </a:r>
-                      <a:r>
-                        <a:rPr lang="pt-BR" sz="1800" b="1" baseline="0" dirty="0">
-                          <a:latin typeface="Courier New" panose="02070309020205020404" pitchFamily="49" charset="0"/>
-                          <a:cs typeface="Courier New" panose="02070309020205020404" pitchFamily="49" charset="0"/>
-                        </a:rPr>
-                        <a:t> import </a:t>
-                      </a:r>
-                      <a:r>
-                        <a:rPr lang="pt-BR" sz="1800" b="1" baseline="0" dirty="0">
-                          <a:solidFill>
-                            <a:srgbClr val="C00000"/>
-                          </a:solidFill>
-                          <a:latin typeface="Courier New" panose="02070309020205020404" pitchFamily="49" charset="0"/>
-                          <a:cs typeface="Courier New" panose="02070309020205020404" pitchFamily="49" charset="0"/>
-                        </a:rPr>
-                        <a:t>Counter</a:t>
-                      </a:r>
-                    </a:p>
-                    <a:p>
-                      <a:pPr marL="266700" indent="-266700">
-                        <a:buClr>
-                          <a:srgbClr val="C00000"/>
-                        </a:buClr>
-                        <a:buSzPct val="100000"/>
-                        <a:buFont typeface="Courier New" panose="02070309020205020404" pitchFamily="49" charset="0"/>
-                        <a:buChar char="&gt;"/>
-                      </a:pPr>
-                      <a:r>
-                        <a:rPr lang="pt-BR" sz="1800" b="1" baseline="0" dirty="0">
-                          <a:solidFill>
-                            <a:schemeClr val="tx1"/>
-                          </a:solidFill>
-                          <a:latin typeface="Courier New" panose="02070309020205020404" pitchFamily="49" charset="0"/>
-                          <a:cs typeface="Courier New" panose="02070309020205020404" pitchFamily="49" charset="0"/>
-                        </a:rPr>
-                        <a:t>fq = </a:t>
-                      </a:r>
-                      <a:r>
-                        <a:rPr lang="pt-BR" sz="1800" b="1" baseline="0" dirty="0">
-                          <a:solidFill>
-                            <a:srgbClr val="C00000"/>
-                          </a:solidFill>
-                          <a:latin typeface="Courier New" panose="02070309020205020404" pitchFamily="49" charset="0"/>
-                          <a:cs typeface="Courier New" panose="02070309020205020404" pitchFamily="49" charset="0"/>
-                        </a:rPr>
-                        <a:t>Counter</a:t>
-                      </a:r>
-                      <a:r>
-                        <a:rPr lang="pt-BR" sz="1800" b="1" baseline="0" dirty="0">
-                          <a:latin typeface="Courier New" panose="02070309020205020404" pitchFamily="49" charset="0"/>
-                          <a:cs typeface="Courier New" panose="02070309020205020404" pitchFamily="49" charset="0"/>
-                        </a:rPr>
-                        <a:t>('abracadabra')  </a:t>
-                      </a:r>
-                      <a:r>
-                        <a:rPr lang="pt-BR" sz="1800" b="1" baseline="0" dirty="0">
-                          <a:solidFill>
-                            <a:schemeClr val="bg1">
-                              <a:lumMod val="50000"/>
-                            </a:schemeClr>
-                          </a:solidFill>
-                          <a:latin typeface="Courier New" panose="02070309020205020404" pitchFamily="49" charset="0"/>
-                          <a:cs typeface="Courier New" panose="02070309020205020404" pitchFamily="49" charset="0"/>
-                        </a:rPr>
-                        <a:t># create new counter from a sequence</a:t>
-                      </a:r>
-                    </a:p>
-                    <a:p>
-                      <a:pPr marL="266700" indent="-266700">
-                        <a:buClr>
-                          <a:srgbClr val="C00000"/>
-                        </a:buClr>
-                        <a:buSzPct val="100000"/>
-                        <a:buFont typeface="Courier New" panose="02070309020205020404" pitchFamily="49" charset="0"/>
-                        <a:buChar char="&gt;"/>
-                      </a:pPr>
-                      <a:r>
-                        <a:rPr lang="pt-BR" sz="1800" b="1" baseline="0" dirty="0">
-                          <a:solidFill>
-                            <a:schemeClr val="tx1"/>
-                          </a:solidFill>
-                          <a:latin typeface="Courier New" panose="02070309020205020404" pitchFamily="49" charset="0"/>
-                          <a:cs typeface="Courier New" panose="02070309020205020404" pitchFamily="49" charset="0"/>
-                        </a:rPr>
-                        <a:t>fq</a:t>
-                      </a:r>
-                    </a:p>
-                    <a:p>
-                      <a:pPr marL="266700" marR="0" lvl="0" indent="-266700" algn="l" defTabSz="914400" rtl="0" eaLnBrk="1" fontAlgn="auto" latinLnBrk="0" hangingPunct="1">
-                        <a:lnSpc>
-                          <a:spcPct val="100000"/>
-                        </a:lnSpc>
-                        <a:spcBef>
-                          <a:spcPts val="0"/>
-                        </a:spcBef>
-                        <a:spcAft>
-                          <a:spcPts val="0"/>
-                        </a:spcAft>
-                        <a:buClr>
-                          <a:schemeClr val="accent1">
-                            <a:lumMod val="50000"/>
-                          </a:schemeClr>
-                        </a:buClr>
-                        <a:buSzPct val="120000"/>
-                        <a:buFont typeface="Courier New" panose="02070309020205020404" pitchFamily="49" charset="0"/>
-                        <a:buChar char="|"/>
-                        <a:tabLst/>
-                        <a:defRPr/>
-                      </a:pPr>
-                      <a:r>
-                        <a:rPr lang="pt-BR" sz="1800" b="1" baseline="0" dirty="0">
-                          <a:solidFill>
-                            <a:srgbClr val="C00000"/>
-                          </a:solidFill>
-                          <a:latin typeface="Courier New" panose="02070309020205020404" pitchFamily="49" charset="0"/>
-                          <a:cs typeface="Courier New" panose="02070309020205020404" pitchFamily="49" charset="0"/>
-                        </a:rPr>
-                        <a:t>Counter</a:t>
-                      </a:r>
-                      <a:r>
-                        <a:rPr lang="pt-BR" sz="1800" b="1" baseline="0" dirty="0">
-                          <a:latin typeface="Courier New" panose="02070309020205020404" pitchFamily="49" charset="0"/>
-                          <a:cs typeface="Courier New" panose="02070309020205020404" pitchFamily="49" charset="0"/>
-                        </a:rPr>
-                        <a:t>({'a': 5, 'b': 2, 'r': 2, 'c': 1, 'd': 1})</a:t>
-                      </a:r>
-                      <a:r>
-                        <a:rPr lang="pt-BR" sz="1800" b="1" baseline="0" dirty="0">
-                          <a:solidFill>
-                            <a:schemeClr val="bg1">
-                              <a:lumMod val="50000"/>
-                            </a:schemeClr>
-                          </a:solidFill>
-                          <a:latin typeface="Courier New" panose="02070309020205020404" pitchFamily="49" charset="0"/>
-                          <a:cs typeface="Courier New" panose="02070309020205020404" pitchFamily="49" charset="0"/>
-                        </a:rPr>
-                        <a:t>  # frequencies of the letters</a:t>
-                      </a:r>
-                    </a:p>
-                    <a:p>
-                      <a:pPr marL="266700" indent="-266700">
-                        <a:buClr>
-                          <a:srgbClr val="C00000"/>
-                        </a:buClr>
-                        <a:buSzPct val="100000"/>
-                        <a:buFont typeface="Courier New" panose="02070309020205020404" pitchFamily="49" charset="0"/>
-                        <a:buChar char="&gt;"/>
-                      </a:pPr>
-                      <a:r>
-                        <a:rPr lang="en-US" sz="1800" b="1" baseline="0" dirty="0" err="1">
-                          <a:latin typeface="Courier New" panose="02070309020205020404" pitchFamily="49" charset="0"/>
-                          <a:cs typeface="Courier New" panose="02070309020205020404" pitchFamily="49" charset="0"/>
-                        </a:rPr>
-                        <a:t>fq</a:t>
-                      </a:r>
-                      <a:r>
-                        <a:rPr lang="en-US" sz="1800" b="1" baseline="0" dirty="0">
-                          <a:latin typeface="Courier New" panose="02070309020205020404" pitchFamily="49" charset="0"/>
-                          <a:cs typeface="Courier New" panose="02070309020205020404" pitchFamily="49" charset="0"/>
-                        </a:rPr>
-                        <a:t>['a']</a:t>
-                      </a:r>
-                      <a:endParaRPr lang="pt-BR" sz="1800" b="1" baseline="0" dirty="0">
-                        <a:solidFill>
-                          <a:schemeClr val="bg1">
-                            <a:lumMod val="50000"/>
-                          </a:schemeClr>
-                        </a:solidFill>
-                        <a:latin typeface="Courier New" panose="02070309020205020404" pitchFamily="49" charset="0"/>
-                        <a:cs typeface="Courier New" panose="02070309020205020404" pitchFamily="49" charset="0"/>
-                      </a:endParaRPr>
-                    </a:p>
-                    <a:p>
-                      <a:pPr marL="266700" marR="0" lvl="0" indent="-266700" algn="l" defTabSz="914400" rtl="0" eaLnBrk="1" fontAlgn="auto" latinLnBrk="0" hangingPunct="1">
-                        <a:lnSpc>
-                          <a:spcPct val="100000"/>
-                        </a:lnSpc>
-                        <a:spcBef>
-                          <a:spcPts val="0"/>
-                        </a:spcBef>
-                        <a:spcAft>
-                          <a:spcPts val="0"/>
-                        </a:spcAft>
-                        <a:buClr>
-                          <a:schemeClr val="accent1">
-                            <a:lumMod val="50000"/>
-                          </a:schemeClr>
-                        </a:buClr>
-                        <a:buSzPct val="120000"/>
-                        <a:buFont typeface="Courier New" panose="02070309020205020404" pitchFamily="49" charset="0"/>
-                        <a:buChar char="|"/>
-                        <a:tabLst/>
-                        <a:defRPr/>
-                      </a:pPr>
-                      <a:r>
-                        <a:rPr lang="pt-BR" sz="1800" b="1" baseline="0" dirty="0">
-                          <a:latin typeface="Courier New" panose="02070309020205020404" pitchFamily="49" charset="0"/>
-                          <a:cs typeface="Courier New" panose="02070309020205020404" pitchFamily="49" charset="0"/>
-                        </a:rPr>
-                        <a:t>5</a:t>
-                      </a:r>
-                    </a:p>
-                    <a:p>
-                      <a:pPr marL="266700" indent="-266700">
-                        <a:buClr>
-                          <a:srgbClr val="C00000"/>
-                        </a:buClr>
-                        <a:buSzPct val="100000"/>
-                        <a:buFont typeface="Courier New" panose="02070309020205020404" pitchFamily="49" charset="0"/>
-                        <a:buChar char="&gt;"/>
-                      </a:pPr>
-                      <a:r>
-                        <a:rPr lang="en-US" sz="1800" b="1" baseline="0" dirty="0" err="1">
-                          <a:latin typeface="Courier New" panose="02070309020205020404" pitchFamily="49" charset="0"/>
-                          <a:cs typeface="Courier New" panose="02070309020205020404" pitchFamily="49" charset="0"/>
-                        </a:rPr>
-                        <a:t>fq.most_common</a:t>
-                      </a:r>
-                      <a:r>
-                        <a:rPr lang="en-US" sz="1800" b="1" baseline="0" dirty="0">
-                          <a:latin typeface="Courier New" panose="02070309020205020404" pitchFamily="49" charset="0"/>
-                          <a:cs typeface="Courier New" panose="02070309020205020404" pitchFamily="49" charset="0"/>
-                        </a:rPr>
-                        <a:t>(3)</a:t>
-                      </a:r>
-                    </a:p>
-                    <a:p>
-                      <a:pPr marL="266700" marR="0" lvl="0" indent="-266700" algn="l" defTabSz="914400" rtl="0" eaLnBrk="1" fontAlgn="auto" latinLnBrk="0" hangingPunct="1">
-                        <a:lnSpc>
-                          <a:spcPct val="100000"/>
-                        </a:lnSpc>
-                        <a:spcBef>
-                          <a:spcPts val="0"/>
-                        </a:spcBef>
-                        <a:spcAft>
-                          <a:spcPts val="0"/>
-                        </a:spcAft>
-                        <a:buClr>
-                          <a:schemeClr val="accent1">
-                            <a:lumMod val="50000"/>
-                          </a:schemeClr>
-                        </a:buClr>
-                        <a:buSzPct val="120000"/>
-                        <a:buFont typeface="Courier New" panose="02070309020205020404" pitchFamily="49" charset="0"/>
-                        <a:buChar char="|"/>
-                        <a:tabLst/>
-                        <a:defRPr/>
-                      </a:pPr>
-                      <a:r>
-                        <a:rPr lang="en-US" sz="1800" b="1" baseline="0" dirty="0">
-                          <a:latin typeface="Courier New" panose="02070309020205020404" pitchFamily="49" charset="0"/>
-                          <a:cs typeface="Courier New" panose="02070309020205020404" pitchFamily="49" charset="0"/>
-                        </a:rPr>
-                        <a:t>[('a', 5), ('b', 2), ('r', 2)]</a:t>
-                      </a:r>
-                      <a:endParaRPr lang="pt-BR" sz="1800" b="1" baseline="0" dirty="0">
-                        <a:latin typeface="Courier New" panose="02070309020205020404" pitchFamily="49" charset="0"/>
-                        <a:cs typeface="Courier New" panose="02070309020205020404" pitchFamily="49" charset="0"/>
-                      </a:endParaRPr>
-                    </a:p>
-                    <a:p>
-                      <a:pPr marL="266700" indent="-266700">
-                        <a:buClr>
-                          <a:srgbClr val="C00000"/>
-                        </a:buClr>
-                        <a:buSzPct val="100000"/>
-                        <a:buFont typeface="Courier New" panose="02070309020205020404" pitchFamily="49" charset="0"/>
-                        <a:buChar char="&gt;"/>
-                      </a:pPr>
-                      <a:r>
-                        <a:rPr lang="en-US" sz="1800" b="1" baseline="0" dirty="0">
-                          <a:latin typeface="Courier New" panose="02070309020205020404" pitchFamily="49" charset="0"/>
-                          <a:cs typeface="Courier New" panose="02070309020205020404" pitchFamily="49" charset="0"/>
-                        </a:rPr>
-                        <a:t>f</a:t>
-                      </a:r>
-                      <a:r>
-                        <a:rPr lang="da-DK" sz="1800" b="1" baseline="0" dirty="0">
-                          <a:latin typeface="Courier New" panose="02070309020205020404" pitchFamily="49" charset="0"/>
-                          <a:cs typeface="Courier New" panose="02070309020205020404" pitchFamily="49" charset="0"/>
-                        </a:rPr>
-                        <a:t>q['x'] += 5  </a:t>
-                      </a:r>
-                      <a:r>
-                        <a:rPr lang="da-DK" sz="1800" b="1" baseline="0" dirty="0">
-                          <a:solidFill>
-                            <a:schemeClr val="bg1">
-                              <a:lumMod val="50000"/>
-                            </a:schemeClr>
-                          </a:solidFill>
-                          <a:latin typeface="Courier New" panose="02070309020205020404" pitchFamily="49" charset="0"/>
-                          <a:cs typeface="Courier New" panose="02070309020205020404" pitchFamily="49" charset="0"/>
-                        </a:rPr>
-                        <a:t># </a:t>
-                      </a:r>
-                      <a:r>
-                        <a:rPr lang="da-DK" sz="1800" b="1" baseline="0" dirty="0" err="1">
-                          <a:solidFill>
-                            <a:schemeClr val="bg1">
-                              <a:lumMod val="50000"/>
-                            </a:schemeClr>
-                          </a:solidFill>
-                          <a:latin typeface="Courier New" panose="02070309020205020404" pitchFamily="49" charset="0"/>
-                          <a:cs typeface="Courier New" panose="02070309020205020404" pitchFamily="49" charset="0"/>
-                        </a:rPr>
-                        <a:t>increase</a:t>
-                      </a:r>
-                      <a:r>
-                        <a:rPr lang="da-DK" sz="1800" b="1" baseline="0" dirty="0">
-                          <a:solidFill>
-                            <a:schemeClr val="bg1">
-                              <a:lumMod val="50000"/>
-                            </a:schemeClr>
-                          </a:solidFill>
-                          <a:latin typeface="Courier New" panose="02070309020205020404" pitchFamily="49" charset="0"/>
-                          <a:cs typeface="Courier New" panose="02070309020205020404" pitchFamily="49" charset="0"/>
-                        </a:rPr>
-                        <a:t> </a:t>
-                      </a:r>
-                      <a:r>
-                        <a:rPr lang="da-DK" sz="1800" b="1" baseline="0" dirty="0" err="1">
-                          <a:solidFill>
-                            <a:schemeClr val="bg1">
-                              <a:lumMod val="50000"/>
-                            </a:schemeClr>
-                          </a:solidFill>
-                          <a:latin typeface="Courier New" panose="02070309020205020404" pitchFamily="49" charset="0"/>
-                          <a:cs typeface="Courier New" panose="02070309020205020404" pitchFamily="49" charset="0"/>
-                        </a:rPr>
-                        <a:t>count</a:t>
-                      </a:r>
-                      <a:r>
-                        <a:rPr lang="da-DK" sz="1800" b="1" baseline="0" dirty="0">
-                          <a:solidFill>
-                            <a:schemeClr val="bg1">
-                              <a:lumMod val="50000"/>
-                            </a:schemeClr>
-                          </a:solidFill>
-                          <a:latin typeface="Courier New" panose="02070309020205020404" pitchFamily="49" charset="0"/>
-                          <a:cs typeface="Courier New" panose="02070309020205020404" pitchFamily="49" charset="0"/>
-                        </a:rPr>
-                        <a:t> of 'x', </a:t>
-                      </a:r>
-                      <a:r>
-                        <a:rPr lang="da-DK" sz="1800" b="1" baseline="0" dirty="0" err="1">
-                          <a:solidFill>
-                            <a:schemeClr val="bg1">
-                              <a:lumMod val="50000"/>
-                            </a:schemeClr>
-                          </a:solidFill>
-                          <a:latin typeface="Courier New" panose="02070309020205020404" pitchFamily="49" charset="0"/>
-                          <a:cs typeface="Courier New" panose="02070309020205020404" pitchFamily="49" charset="0"/>
-                        </a:rPr>
-                        <a:t>also</a:t>
-                      </a:r>
-                      <a:r>
-                        <a:rPr lang="da-DK" sz="1800" b="1" baseline="0" dirty="0">
-                          <a:solidFill>
-                            <a:schemeClr val="bg1">
-                              <a:lumMod val="50000"/>
-                            </a:schemeClr>
-                          </a:solidFill>
-                          <a:latin typeface="Courier New" panose="02070309020205020404" pitchFamily="49" charset="0"/>
-                          <a:cs typeface="Courier New" panose="02070309020205020404" pitchFamily="49" charset="0"/>
-                        </a:rPr>
-                        <a:t> valid if 'x' not in </a:t>
-                      </a:r>
-                      <a:r>
-                        <a:rPr lang="da-DK" sz="1800" b="1" baseline="0" dirty="0" err="1">
-                          <a:solidFill>
-                            <a:schemeClr val="bg1">
-                              <a:lumMod val="50000"/>
-                            </a:schemeClr>
-                          </a:solidFill>
-                          <a:latin typeface="Courier New" panose="02070309020205020404" pitchFamily="49" charset="0"/>
-                          <a:cs typeface="Courier New" panose="02070309020205020404" pitchFamily="49" charset="0"/>
-                        </a:rPr>
-                        <a:t>Counter</a:t>
-                      </a:r>
-                      <a:r>
-                        <a:rPr lang="da-DK" sz="1800" b="1" baseline="0" dirty="0">
-                          <a:solidFill>
-                            <a:schemeClr val="bg1">
-                              <a:lumMod val="50000"/>
-                            </a:schemeClr>
-                          </a:solidFill>
-                          <a:latin typeface="Courier New" panose="02070309020205020404" pitchFamily="49" charset="0"/>
-                          <a:cs typeface="Courier New" panose="02070309020205020404" pitchFamily="49" charset="0"/>
-                        </a:rPr>
-                        <a:t> </a:t>
-                      </a:r>
-                      <a:r>
-                        <a:rPr lang="da-DK" sz="1800" b="1" baseline="0" dirty="0" err="1">
-                          <a:solidFill>
-                            <a:schemeClr val="bg1">
-                              <a:lumMod val="50000"/>
-                            </a:schemeClr>
-                          </a:solidFill>
-                          <a:latin typeface="Courier New" panose="02070309020205020404" pitchFamily="49" charset="0"/>
-                          <a:cs typeface="Courier New" panose="02070309020205020404" pitchFamily="49" charset="0"/>
-                        </a:rPr>
-                        <a:t>yet</a:t>
-                      </a:r>
-                      <a:endParaRPr lang="da-DK" sz="1800" b="1" baseline="0" dirty="0">
-                        <a:solidFill>
-                          <a:schemeClr val="tx1"/>
-                        </a:solidFill>
-                        <a:latin typeface="Courier New" panose="02070309020205020404" pitchFamily="49" charset="0"/>
-                        <a:cs typeface="Courier New" panose="02070309020205020404" pitchFamily="49" charset="0"/>
-                      </a:endParaRPr>
-                    </a:p>
-                    <a:p>
-                      <a:pPr marL="266700" indent="-266700">
-                        <a:buClr>
-                          <a:srgbClr val="C00000"/>
-                        </a:buClr>
-                        <a:buSzPct val="100000"/>
-                        <a:buFont typeface="Courier New" panose="02070309020205020404" pitchFamily="49" charset="0"/>
-                        <a:buChar char="&gt;"/>
-                      </a:pPr>
-                      <a:r>
-                        <a:rPr lang="pt-BR" sz="1800" b="1" baseline="0" dirty="0">
-                          <a:solidFill>
-                            <a:srgbClr val="C00000"/>
-                          </a:solidFill>
-                          <a:latin typeface="Courier New" panose="02070309020205020404" pitchFamily="49" charset="0"/>
-                          <a:cs typeface="Courier New" panose="02070309020205020404" pitchFamily="49" charset="0"/>
-                        </a:rPr>
-                        <a:t>Counter</a:t>
-                      </a:r>
-                      <a:r>
-                        <a:rPr lang="pt-BR" sz="1800" b="1" baseline="0" dirty="0">
-                          <a:solidFill>
-                            <a:schemeClr val="tx1"/>
-                          </a:solidFill>
-                          <a:latin typeface="Courier New" panose="02070309020205020404" pitchFamily="49" charset="0"/>
-                          <a:cs typeface="Courier New" panose="02070309020205020404" pitchFamily="49" charset="0"/>
-                        </a:rPr>
-                        <a:t>('aaabbbcc') </a:t>
-                      </a:r>
-                      <a:r>
-                        <a:rPr lang="pt-BR" sz="1800" b="1" baseline="0" dirty="0">
-                          <a:solidFill>
-                            <a:srgbClr val="C00000"/>
-                          </a:solidFill>
-                          <a:latin typeface="Courier New" panose="02070309020205020404" pitchFamily="49" charset="0"/>
-                          <a:cs typeface="Courier New" panose="02070309020205020404" pitchFamily="49" charset="0"/>
-                        </a:rPr>
-                        <a:t>-</a:t>
-                      </a:r>
-                      <a:r>
-                        <a:rPr lang="pt-BR" sz="1800" b="1" baseline="0" dirty="0">
-                          <a:solidFill>
-                            <a:schemeClr val="tx1"/>
-                          </a:solidFill>
-                          <a:latin typeface="Courier New" panose="02070309020205020404" pitchFamily="49" charset="0"/>
-                          <a:cs typeface="Courier New" panose="02070309020205020404" pitchFamily="49" charset="0"/>
-                        </a:rPr>
-                        <a:t> </a:t>
-                      </a:r>
-                      <a:r>
-                        <a:rPr lang="pt-BR" sz="1800" b="1" baseline="0" dirty="0">
-                          <a:solidFill>
-                            <a:srgbClr val="C00000"/>
-                          </a:solidFill>
-                          <a:latin typeface="Courier New" panose="02070309020205020404" pitchFamily="49" charset="0"/>
-                          <a:cs typeface="Courier New" panose="02070309020205020404" pitchFamily="49" charset="0"/>
-                        </a:rPr>
-                        <a:t>Counter</a:t>
-                      </a:r>
-                      <a:r>
-                        <a:rPr lang="pt-BR" sz="1800" b="1" baseline="0" dirty="0">
-                          <a:solidFill>
-                            <a:schemeClr val="tx1"/>
-                          </a:solidFill>
-                          <a:latin typeface="Courier New" panose="02070309020205020404" pitchFamily="49" charset="0"/>
-                          <a:cs typeface="Courier New" panose="02070309020205020404" pitchFamily="49" charset="0"/>
-                        </a:rPr>
-                        <a:t>('aabdd')  </a:t>
-                      </a:r>
-                      <a:r>
-                        <a:rPr lang="pt-BR" sz="1800" b="1" baseline="0" dirty="0">
-                          <a:solidFill>
-                            <a:schemeClr val="bg1">
-                              <a:lumMod val="50000"/>
-                            </a:schemeClr>
-                          </a:solidFill>
-                          <a:latin typeface="Courier New" panose="02070309020205020404" pitchFamily="49" charset="0"/>
-                          <a:cs typeface="Courier New" panose="02070309020205020404" pitchFamily="49" charset="0"/>
-                        </a:rPr>
-                        <a:t># counters can be subtracted</a:t>
-                      </a:r>
-                      <a:endParaRPr lang="en-US" sz="1800" b="1" baseline="0" dirty="0">
-                        <a:solidFill>
-                          <a:schemeClr val="bg1">
-                            <a:lumMod val="50000"/>
-                          </a:schemeClr>
-                        </a:solidFill>
-                        <a:latin typeface="Courier New" panose="02070309020205020404" pitchFamily="49" charset="0"/>
-                        <a:cs typeface="Courier New" panose="02070309020205020404" pitchFamily="49" charset="0"/>
-                      </a:endParaRPr>
-                    </a:p>
-                    <a:p>
-                      <a:pPr marL="266700" marR="0" lvl="0" indent="-266700" algn="l" defTabSz="914400" rtl="0" eaLnBrk="1" fontAlgn="auto" latinLnBrk="0" hangingPunct="1">
-                        <a:lnSpc>
-                          <a:spcPct val="100000"/>
-                        </a:lnSpc>
-                        <a:spcBef>
-                          <a:spcPts val="0"/>
-                        </a:spcBef>
-                        <a:spcAft>
-                          <a:spcPts val="0"/>
-                        </a:spcAft>
-                        <a:buClr>
-                          <a:schemeClr val="accent1">
-                            <a:lumMod val="50000"/>
-                          </a:schemeClr>
-                        </a:buClr>
-                        <a:buSzPct val="120000"/>
-                        <a:buFont typeface="Courier New" panose="02070309020205020404" pitchFamily="49" charset="0"/>
-                        <a:buChar char="|"/>
-                        <a:tabLst/>
-                        <a:defRPr/>
-                      </a:pPr>
-                      <a:r>
-                        <a:rPr lang="pt-BR" sz="1800" b="1" baseline="0" dirty="0">
-                          <a:solidFill>
-                            <a:srgbClr val="C00000"/>
-                          </a:solidFill>
-                          <a:latin typeface="Courier New" panose="02070309020205020404" pitchFamily="49" charset="0"/>
-                          <a:cs typeface="Courier New" panose="02070309020205020404" pitchFamily="49" charset="0"/>
-                        </a:rPr>
-                        <a:t>Counter</a:t>
-                      </a:r>
-                      <a:r>
-                        <a:rPr lang="pt-BR" sz="1800" b="1" baseline="0" dirty="0">
-                          <a:solidFill>
-                            <a:schemeClr val="tx1"/>
-                          </a:solidFill>
-                          <a:latin typeface="Courier New" panose="02070309020205020404" pitchFamily="49" charset="0"/>
-                          <a:cs typeface="Courier New" panose="02070309020205020404" pitchFamily="49" charset="0"/>
-                        </a:rPr>
-                        <a:t>({'b': 2, 'c': 2, 'a': 1})</a:t>
-                      </a:r>
-                    </a:p>
-                    <a:p>
-                      <a:pPr marL="266700" indent="-266700">
-                        <a:buClr>
-                          <a:srgbClr val="C00000"/>
-                        </a:buClr>
-                        <a:buSzPct val="100000"/>
-                        <a:buFont typeface="Courier New" panose="02070309020205020404" pitchFamily="49" charset="0"/>
-                        <a:buChar char="&gt;"/>
-                      </a:pPr>
-                      <a:r>
-                        <a:rPr lang="en-US" sz="1800" b="1" baseline="0" dirty="0">
-                          <a:solidFill>
-                            <a:srgbClr val="C00000"/>
-                          </a:solidFill>
-                          <a:latin typeface="Courier New" panose="02070309020205020404" pitchFamily="49" charset="0"/>
-                          <a:cs typeface="Courier New" panose="02070309020205020404" pitchFamily="49" charset="0"/>
-                        </a:rPr>
-                        <a:t>Counter</a:t>
-                      </a:r>
-                      <a:r>
-                        <a:rPr lang="en-US" sz="1800" b="1" baseline="0" dirty="0">
-                          <a:solidFill>
-                            <a:schemeClr val="tx1"/>
-                          </a:solidFill>
-                          <a:latin typeface="Courier New" panose="02070309020205020404" pitchFamily="49" charset="0"/>
-                          <a:cs typeface="Courier New" panose="02070309020205020404" pitchFamily="49" charset="0"/>
-                        </a:rPr>
-                        <a:t>([1, 2, 1, 3, 4, 5]) </a:t>
-                      </a:r>
-                      <a:r>
-                        <a:rPr lang="en-US" sz="1800" b="1" baseline="0" dirty="0">
-                          <a:solidFill>
-                            <a:srgbClr val="C00000"/>
-                          </a:solidFill>
-                          <a:latin typeface="Courier New" panose="02070309020205020404" pitchFamily="49" charset="0"/>
-                          <a:cs typeface="Courier New" panose="02070309020205020404" pitchFamily="49" charset="0"/>
-                        </a:rPr>
-                        <a:t>+</a:t>
-                      </a:r>
-                      <a:r>
-                        <a:rPr lang="en-US" sz="1800" b="1" baseline="0" dirty="0">
-                          <a:solidFill>
-                            <a:schemeClr val="tx1"/>
-                          </a:solidFill>
-                          <a:latin typeface="Courier New" panose="02070309020205020404" pitchFamily="49" charset="0"/>
-                          <a:cs typeface="Courier New" panose="02070309020205020404" pitchFamily="49" charset="0"/>
-                        </a:rPr>
-                        <a:t> </a:t>
-                      </a:r>
-                      <a:r>
-                        <a:rPr lang="en-US" sz="1800" b="1" baseline="0" dirty="0">
-                          <a:solidFill>
-                            <a:srgbClr val="C00000"/>
-                          </a:solidFill>
-                          <a:latin typeface="Courier New" panose="02070309020205020404" pitchFamily="49" charset="0"/>
-                          <a:cs typeface="Courier New" panose="02070309020205020404" pitchFamily="49" charset="0"/>
-                        </a:rPr>
-                        <a:t>Counter</a:t>
-                      </a:r>
-                      <a:r>
-                        <a:rPr lang="en-US" sz="1800" b="1" baseline="0" dirty="0">
-                          <a:solidFill>
-                            <a:schemeClr val="tx1"/>
-                          </a:solidFill>
-                          <a:latin typeface="Courier New" panose="02070309020205020404" pitchFamily="49" charset="0"/>
-                          <a:cs typeface="Courier New" panose="02070309020205020404" pitchFamily="49" charset="0"/>
-                        </a:rPr>
-                        <a:t>([3, 3, 3])  </a:t>
-                      </a:r>
-                      <a:r>
-                        <a:rPr lang="pt-BR" sz="1800" b="1" baseline="0" dirty="0">
-                          <a:solidFill>
-                            <a:schemeClr val="bg1">
-                              <a:lumMod val="50000"/>
-                            </a:schemeClr>
-                          </a:solidFill>
-                          <a:latin typeface="Courier New" panose="02070309020205020404" pitchFamily="49" charset="0"/>
-                          <a:cs typeface="Courier New" panose="02070309020205020404" pitchFamily="49" charset="0"/>
-                        </a:rPr>
-                        <a:t># counters can be added</a:t>
-                      </a:r>
-                      <a:endParaRPr lang="en-US" sz="1800" b="1" baseline="0" dirty="0">
-                        <a:solidFill>
-                          <a:schemeClr val="bg1">
-                            <a:lumMod val="50000"/>
-                          </a:schemeClr>
-                        </a:solidFill>
-                        <a:latin typeface="Courier New" panose="02070309020205020404" pitchFamily="49" charset="0"/>
-                        <a:cs typeface="Courier New" panose="02070309020205020404" pitchFamily="49" charset="0"/>
-                      </a:endParaRPr>
-                    </a:p>
-                    <a:p>
-                      <a:pPr marL="266700" marR="0" lvl="0" indent="-266700" algn="l" defTabSz="914400" rtl="0" eaLnBrk="1" fontAlgn="auto" latinLnBrk="0" hangingPunct="1">
-                        <a:lnSpc>
-                          <a:spcPct val="100000"/>
-                        </a:lnSpc>
-                        <a:spcBef>
-                          <a:spcPts val="0"/>
-                        </a:spcBef>
-                        <a:spcAft>
-                          <a:spcPts val="600"/>
-                        </a:spcAft>
-                        <a:buClr>
-                          <a:schemeClr val="accent1">
-                            <a:lumMod val="50000"/>
-                          </a:schemeClr>
-                        </a:buClr>
-                        <a:buSzPct val="120000"/>
-                        <a:buFont typeface="Courier New" panose="02070309020205020404" pitchFamily="49" charset="0"/>
-                        <a:buChar char="|"/>
-                        <a:tabLst/>
-                        <a:defRPr/>
-                      </a:pPr>
-                      <a:r>
-                        <a:rPr lang="pt-BR" sz="1800" b="1" baseline="0" dirty="0">
-                          <a:solidFill>
-                            <a:srgbClr val="C00000"/>
-                          </a:solidFill>
-                          <a:latin typeface="Courier New" panose="02070309020205020404" pitchFamily="49" charset="0"/>
-                          <a:cs typeface="Courier New" panose="02070309020205020404" pitchFamily="49" charset="0"/>
-                        </a:rPr>
-                        <a:t>Counter</a:t>
-                      </a:r>
-                      <a:r>
-                        <a:rPr lang="pt-BR" sz="1800" b="1" baseline="0" dirty="0">
-                          <a:solidFill>
-                            <a:srgbClr val="000000"/>
-                          </a:solidFill>
-                          <a:latin typeface="Courier New" panose="02070309020205020404" pitchFamily="49" charset="0"/>
-                          <a:cs typeface="Courier New" panose="02070309020205020404" pitchFamily="49" charset="0"/>
-                        </a:rPr>
-                        <a:t>(</a:t>
-                      </a:r>
-                      <a:r>
-                        <a:rPr lang="pt-BR" sz="1800" b="1" baseline="0" dirty="0">
-                          <a:solidFill>
-                            <a:schemeClr val="tx1"/>
-                          </a:solidFill>
-                          <a:latin typeface="Courier New" panose="02070309020205020404" pitchFamily="49" charset="0"/>
-                          <a:cs typeface="Courier New" panose="02070309020205020404" pitchFamily="49" charset="0"/>
-                        </a:rPr>
-                        <a:t>{3: 4, 1: 2, 2: 1, 4: 1, 5: 1})</a:t>
-                      </a:r>
-                    </a:p>
-                    <a:p>
-                      <a:pPr marL="266700" indent="-266700">
-                        <a:buClr>
-                          <a:srgbClr val="C00000"/>
-                        </a:buClr>
-                        <a:buSzPct val="100000"/>
-                        <a:buFont typeface="Courier New" panose="02070309020205020404" pitchFamily="49" charset="0"/>
-                        <a:buChar char="&gt;"/>
-                      </a:pPr>
-                      <a:r>
-                        <a:rPr lang="en-US" sz="1800" b="1" baseline="0" dirty="0">
-                          <a:solidFill>
-                            <a:schemeClr val="tx1"/>
-                          </a:solidFill>
-                          <a:latin typeface="Courier New" panose="02070309020205020404" pitchFamily="49" charset="0"/>
-                          <a:cs typeface="Courier New" panose="02070309020205020404" pitchFamily="49" charset="0"/>
-                        </a:rPr>
-                        <a:t>T = '</a:t>
-                      </a:r>
-                      <a:r>
-                        <a:rPr lang="en-US" sz="1800" b="1" baseline="0" dirty="0" err="1">
-                          <a:solidFill>
-                            <a:schemeClr val="tx1"/>
-                          </a:solidFill>
-                          <a:latin typeface="Courier New" panose="02070309020205020404" pitchFamily="49" charset="0"/>
-                          <a:cs typeface="Courier New" panose="02070309020205020404" pitchFamily="49" charset="0"/>
-                        </a:rPr>
-                        <a:t>AfD</a:t>
-                      </a:r>
-                      <a:r>
-                        <a:rPr lang="en-US" sz="1800" b="1" baseline="0" dirty="0">
-                          <a:solidFill>
-                            <a:schemeClr val="tx1"/>
-                          </a:solidFill>
-                          <a:latin typeface="Courier New" panose="02070309020205020404" pitchFamily="49" charset="0"/>
-                          <a:cs typeface="Courier New" panose="02070309020205020404" pitchFamily="49" charset="0"/>
-                        </a:rPr>
-                        <a:t> </a:t>
-                      </a:r>
-                      <a:r>
-                        <a:rPr lang="en-US" sz="1800" b="1" baseline="0" dirty="0" err="1">
-                          <a:solidFill>
-                            <a:schemeClr val="tx1"/>
-                          </a:solidFill>
-                          <a:latin typeface="Courier New" panose="02070309020205020404" pitchFamily="49" charset="0"/>
-                          <a:cs typeface="Courier New" panose="02070309020205020404" pitchFamily="49" charset="0"/>
-                        </a:rPr>
-                        <a:t>adsf</a:t>
-                      </a:r>
-                      <a:r>
-                        <a:rPr lang="en-US" sz="1800" b="1" baseline="0" dirty="0">
-                          <a:solidFill>
-                            <a:schemeClr val="tx1"/>
-                          </a:solidFill>
-                          <a:latin typeface="Courier New" panose="02070309020205020404" pitchFamily="49" charset="0"/>
-                          <a:cs typeface="Courier New" panose="02070309020205020404" pitchFamily="49" charset="0"/>
-                        </a:rPr>
-                        <a:t> </a:t>
-                      </a:r>
-                      <a:r>
-                        <a:rPr lang="en-US" sz="1800" b="1" baseline="0" dirty="0" err="1">
-                          <a:solidFill>
-                            <a:schemeClr val="tx1"/>
-                          </a:solidFill>
-                          <a:latin typeface="Courier New" panose="02070309020205020404" pitchFamily="49" charset="0"/>
-                          <a:cs typeface="Courier New" panose="02070309020205020404" pitchFamily="49" charset="0"/>
-                        </a:rPr>
-                        <a:t>dsa</a:t>
-                      </a:r>
-                      <a:r>
-                        <a:rPr lang="en-US" sz="1800" b="1" baseline="0" dirty="0">
-                          <a:solidFill>
-                            <a:schemeClr val="tx1"/>
-                          </a:solidFill>
-                          <a:latin typeface="Courier New" panose="02070309020205020404" pitchFamily="49" charset="0"/>
-                          <a:cs typeface="Courier New" panose="02070309020205020404" pitchFamily="49" charset="0"/>
-                        </a:rPr>
-                        <a:t> f </a:t>
-                      </a:r>
-                      <a:r>
-                        <a:rPr lang="en-US" sz="1800" b="1" baseline="0" dirty="0" err="1">
-                          <a:solidFill>
-                            <a:schemeClr val="tx1"/>
-                          </a:solidFill>
-                          <a:latin typeface="Courier New" panose="02070309020205020404" pitchFamily="49" charset="0"/>
-                          <a:cs typeface="Courier New" panose="02070309020205020404" pitchFamily="49" charset="0"/>
-                        </a:rPr>
-                        <a:t>dsaf</a:t>
-                      </a:r>
-                      <a:r>
-                        <a:rPr lang="en-US" sz="1800" b="1" baseline="0" dirty="0">
-                          <a:solidFill>
-                            <a:schemeClr val="tx1"/>
-                          </a:solidFill>
-                          <a:latin typeface="Courier New" panose="02070309020205020404" pitchFamily="49" charset="0"/>
-                          <a:cs typeface="Courier New" panose="02070309020205020404" pitchFamily="49" charset="0"/>
-                        </a:rPr>
-                        <a:t> </a:t>
-                      </a:r>
-                      <a:r>
-                        <a:rPr lang="en-US" sz="1800" b="1" baseline="0" dirty="0" err="1">
-                          <a:solidFill>
-                            <a:schemeClr val="tx1"/>
-                          </a:solidFill>
-                          <a:latin typeface="Courier New" panose="02070309020205020404" pitchFamily="49" charset="0"/>
-                          <a:cs typeface="Courier New" panose="02070309020205020404" pitchFamily="49" charset="0"/>
-                        </a:rPr>
-                        <a:t>daf</a:t>
-                      </a:r>
-                      <a:r>
-                        <a:rPr lang="en-US" sz="1800" b="1" baseline="0" dirty="0">
-                          <a:solidFill>
-                            <a:schemeClr val="tx1"/>
-                          </a:solidFill>
-                          <a:latin typeface="Courier New" panose="02070309020205020404" pitchFamily="49" charset="0"/>
-                          <a:cs typeface="Courier New" panose="02070309020205020404" pitchFamily="49" charset="0"/>
-                        </a:rPr>
-                        <a:t> </a:t>
-                      </a:r>
-                      <a:r>
-                        <a:rPr lang="en-US" sz="1800" b="1" baseline="0" dirty="0" err="1">
-                          <a:solidFill>
-                            <a:schemeClr val="tx1"/>
-                          </a:solidFill>
-                          <a:latin typeface="Courier New" panose="02070309020205020404" pitchFamily="49" charset="0"/>
-                          <a:cs typeface="Courier New" panose="02070309020205020404" pitchFamily="49" charset="0"/>
-                        </a:rPr>
-                        <a:t>dsaf</a:t>
-                      </a:r>
-                      <a:r>
-                        <a:rPr lang="en-US" sz="1800" b="1" baseline="0" dirty="0">
-                          <a:solidFill>
-                            <a:schemeClr val="tx1"/>
-                          </a:solidFill>
-                          <a:latin typeface="Courier New" panose="02070309020205020404" pitchFamily="49" charset="0"/>
-                          <a:cs typeface="Courier New" panose="02070309020205020404" pitchFamily="49" charset="0"/>
-                        </a:rPr>
-                        <a:t> DSA </a:t>
-                      </a:r>
-                      <a:r>
-                        <a:rPr lang="en-US" sz="1800" b="1" baseline="0" dirty="0" err="1">
-                          <a:solidFill>
-                            <a:schemeClr val="tx1"/>
-                          </a:solidFill>
-                          <a:latin typeface="Courier New" panose="02070309020205020404" pitchFamily="49" charset="0"/>
-                          <a:cs typeface="Courier New" panose="02070309020205020404" pitchFamily="49" charset="0"/>
-                        </a:rPr>
-                        <a:t>fda</a:t>
-                      </a:r>
-                      <a:r>
-                        <a:rPr lang="en-US" sz="1800" b="1" baseline="0" dirty="0">
-                          <a:solidFill>
-                            <a:schemeClr val="tx1"/>
-                          </a:solidFill>
-                          <a:latin typeface="Courier New" panose="02070309020205020404" pitchFamily="49" charset="0"/>
-                          <a:cs typeface="Courier New" panose="02070309020205020404" pitchFamily="49" charset="0"/>
-                        </a:rPr>
-                        <a:t> f SA </a:t>
-                      </a:r>
-                      <a:r>
-                        <a:rPr lang="en-US" sz="1800" b="1" baseline="0" dirty="0" err="1">
-                          <a:solidFill>
-                            <a:schemeClr val="tx1"/>
-                          </a:solidFill>
-                          <a:latin typeface="Courier New" panose="02070309020205020404" pitchFamily="49" charset="0"/>
-                          <a:cs typeface="Courier New" panose="02070309020205020404" pitchFamily="49" charset="0"/>
-                        </a:rPr>
-                        <a:t>dsa</a:t>
-                      </a:r>
-                      <a:r>
-                        <a:rPr lang="en-US" sz="1800" b="1" baseline="0" dirty="0">
-                          <a:solidFill>
-                            <a:schemeClr val="tx1"/>
-                          </a:solidFill>
-                          <a:latin typeface="Courier New" panose="02070309020205020404" pitchFamily="49" charset="0"/>
-                          <a:cs typeface="Courier New" panose="02070309020205020404" pitchFamily="49" charset="0"/>
-                        </a:rPr>
-                        <a:t> f </a:t>
-                      </a:r>
-                      <a:r>
-                        <a:rPr lang="en-US" sz="1800" b="1" baseline="0" dirty="0" err="1">
-                          <a:solidFill>
-                            <a:schemeClr val="tx1"/>
-                          </a:solidFill>
-                          <a:latin typeface="Courier New" panose="02070309020205020404" pitchFamily="49" charset="0"/>
-                          <a:cs typeface="Courier New" panose="02070309020205020404" pitchFamily="49" charset="0"/>
-                        </a:rPr>
-                        <a:t>dsa</a:t>
-                      </a:r>
-                      <a:r>
-                        <a:rPr lang="en-US" sz="1800" b="1" baseline="0" dirty="0">
-                          <a:solidFill>
-                            <a:schemeClr val="tx1"/>
-                          </a:solidFill>
-                          <a:latin typeface="Courier New" panose="02070309020205020404" pitchFamily="49" charset="0"/>
-                          <a:cs typeface="Courier New" panose="02070309020205020404" pitchFamily="49" charset="0"/>
-                        </a:rPr>
-                        <a:t> </a:t>
-                      </a:r>
-                      <a:r>
-                        <a:rPr lang="en-US" sz="1800" b="1" baseline="0" dirty="0" err="1">
-                          <a:solidFill>
-                            <a:schemeClr val="tx1"/>
-                          </a:solidFill>
-                          <a:latin typeface="Courier New" panose="02070309020205020404" pitchFamily="49" charset="0"/>
-                          <a:cs typeface="Courier New" panose="02070309020205020404" pitchFamily="49" charset="0"/>
-                        </a:rPr>
-                        <a:t>fdsa</a:t>
-                      </a:r>
-                      <a:r>
-                        <a:rPr lang="en-US" sz="1800" b="1" baseline="0" dirty="0">
-                          <a:solidFill>
-                            <a:schemeClr val="tx1"/>
-                          </a:solidFill>
-                          <a:latin typeface="Courier New" panose="02070309020205020404" pitchFamily="49" charset="0"/>
-                          <a:cs typeface="Courier New" panose="02070309020205020404" pitchFamily="49" charset="0"/>
-                        </a:rPr>
-                        <a:t> f </a:t>
-                      </a:r>
-                      <a:r>
-                        <a:rPr lang="en-US" sz="1800" b="1" baseline="0" dirty="0" err="1">
-                          <a:solidFill>
-                            <a:schemeClr val="tx1"/>
-                          </a:solidFill>
-                          <a:latin typeface="Courier New" panose="02070309020205020404" pitchFamily="49" charset="0"/>
-                          <a:cs typeface="Courier New" panose="02070309020205020404" pitchFamily="49" charset="0"/>
-                        </a:rPr>
-                        <a:t>dsAf</a:t>
-                      </a:r>
-                      <a:r>
-                        <a:rPr lang="en-US" sz="1800" b="1" baseline="0" dirty="0">
-                          <a:solidFill>
-                            <a:schemeClr val="tx1"/>
-                          </a:solidFill>
-                          <a:latin typeface="Courier New" panose="02070309020205020404" pitchFamily="49" charset="0"/>
-                          <a:cs typeface="Courier New" panose="02070309020205020404" pitchFamily="49" charset="0"/>
-                        </a:rPr>
-                        <a:t> </a:t>
-                      </a:r>
-                      <a:r>
-                        <a:rPr lang="en-US" sz="1800" b="1" baseline="0" dirty="0" err="1">
-                          <a:solidFill>
-                            <a:schemeClr val="tx1"/>
-                          </a:solidFill>
-                          <a:latin typeface="Courier New" panose="02070309020205020404" pitchFamily="49" charset="0"/>
-                          <a:cs typeface="Courier New" panose="02070309020205020404" pitchFamily="49" charset="0"/>
-                        </a:rPr>
-                        <a:t>sAf</a:t>
-                      </a:r>
-                      <a:r>
-                        <a:rPr lang="en-US" sz="1800" b="1" baseline="0" dirty="0">
-                          <a:solidFill>
-                            <a:schemeClr val="tx1"/>
-                          </a:solidFill>
-                          <a:latin typeface="Courier New" panose="02070309020205020404" pitchFamily="49" charset="0"/>
-                          <a:cs typeface="Courier New" panose="02070309020205020404" pitchFamily="49" charset="0"/>
-                        </a:rPr>
-                        <a:t> f </a:t>
-                      </a:r>
-                      <a:r>
-                        <a:rPr lang="en-US" sz="1800" b="1" baseline="0" dirty="0" err="1">
-                          <a:solidFill>
-                            <a:schemeClr val="tx1"/>
-                          </a:solidFill>
-                          <a:latin typeface="Courier New" panose="02070309020205020404" pitchFamily="49" charset="0"/>
-                          <a:cs typeface="Courier New" panose="02070309020205020404" pitchFamily="49" charset="0"/>
-                        </a:rPr>
-                        <a:t>dsaf</a:t>
-                      </a:r>
-                      <a:r>
-                        <a:rPr lang="en-US" sz="1800" b="1" baseline="0" dirty="0">
-                          <a:solidFill>
-                            <a:schemeClr val="tx1"/>
-                          </a:solidFill>
-                          <a:latin typeface="Courier New" panose="02070309020205020404" pitchFamily="49" charset="0"/>
-                          <a:cs typeface="Courier New" panose="02070309020205020404" pitchFamily="49" charset="0"/>
-                        </a:rPr>
-                        <a:t>'</a:t>
-                      </a:r>
-                    </a:p>
-                    <a:p>
-                      <a:pPr marL="266700" indent="-266700">
-                        <a:buClr>
-                          <a:srgbClr val="C00000"/>
-                        </a:buClr>
-                        <a:buSzPct val="100000"/>
-                        <a:buFont typeface="Courier New" panose="02070309020205020404" pitchFamily="49" charset="0"/>
-                        <a:buChar char="&gt;"/>
-                      </a:pPr>
-                      <a:r>
-                        <a:rPr lang="en-US" sz="1800" b="1" baseline="0" dirty="0">
-                          <a:solidFill>
-                            <a:srgbClr val="C00000"/>
-                          </a:solidFill>
-                          <a:latin typeface="Courier New" panose="02070309020205020404" pitchFamily="49" charset="0"/>
-                          <a:cs typeface="Courier New" panose="02070309020205020404" pitchFamily="49" charset="0"/>
-                        </a:rPr>
-                        <a:t>Counter</a:t>
-                      </a:r>
-                      <a:r>
-                        <a:rPr lang="en-US" sz="1800" b="1" baseline="0" dirty="0">
-                          <a:solidFill>
-                            <a:schemeClr val="tx1"/>
-                          </a:solidFill>
-                          <a:latin typeface="Courier New" panose="02070309020205020404" pitchFamily="49" charset="0"/>
-                          <a:cs typeface="Courier New" panose="02070309020205020404" pitchFamily="49" charset="0"/>
-                        </a:rPr>
-                        <a:t>(</a:t>
-                      </a:r>
-                      <a:r>
-                        <a:rPr lang="en-US" sz="1800" b="1" baseline="0" dirty="0" err="1">
-                          <a:solidFill>
-                            <a:schemeClr val="tx1"/>
-                          </a:solidFill>
-                          <a:latin typeface="Courier New" panose="02070309020205020404" pitchFamily="49" charset="0"/>
-                          <a:cs typeface="Courier New" panose="02070309020205020404" pitchFamily="49" charset="0"/>
-                        </a:rPr>
-                        <a:t>T.lower</a:t>
-                      </a:r>
-                      <a:r>
-                        <a:rPr lang="en-US" sz="1800" b="1" baseline="0" dirty="0">
-                          <a:solidFill>
-                            <a:schemeClr val="tx1"/>
-                          </a:solidFill>
-                          <a:latin typeface="Courier New" panose="02070309020205020404" pitchFamily="49" charset="0"/>
-                          <a:cs typeface="Courier New" panose="02070309020205020404" pitchFamily="49" charset="0"/>
-                        </a:rPr>
-                        <a:t>().split()).</a:t>
-                      </a:r>
-                      <a:r>
-                        <a:rPr lang="en-US" sz="1800" b="1" baseline="0" dirty="0" err="1">
-                          <a:solidFill>
-                            <a:schemeClr val="tx1"/>
-                          </a:solidFill>
-                          <a:latin typeface="Courier New" panose="02070309020205020404" pitchFamily="49" charset="0"/>
-                          <a:cs typeface="Courier New" panose="02070309020205020404" pitchFamily="49" charset="0"/>
-                        </a:rPr>
-                        <a:t>most_common</a:t>
-                      </a:r>
-                      <a:r>
-                        <a:rPr lang="en-US" sz="1800" b="1" baseline="0" dirty="0">
-                          <a:solidFill>
-                            <a:schemeClr val="tx1"/>
-                          </a:solidFill>
-                          <a:latin typeface="Courier New" panose="02070309020205020404" pitchFamily="49" charset="0"/>
-                          <a:cs typeface="Courier New" panose="02070309020205020404" pitchFamily="49" charset="0"/>
-                        </a:rPr>
-                        <a:t>(3)</a:t>
-                      </a:r>
-                    </a:p>
-                    <a:p>
-                      <a:pPr marL="266700" marR="0" lvl="0" indent="-266700" algn="l" defTabSz="914400" rtl="0" eaLnBrk="1" fontAlgn="auto" latinLnBrk="0" hangingPunct="1">
-                        <a:lnSpc>
-                          <a:spcPct val="100000"/>
-                        </a:lnSpc>
-                        <a:spcBef>
-                          <a:spcPts val="0"/>
-                        </a:spcBef>
-                        <a:spcAft>
-                          <a:spcPts val="0"/>
-                        </a:spcAft>
-                        <a:buClr>
-                          <a:schemeClr val="accent1">
-                            <a:lumMod val="50000"/>
-                          </a:schemeClr>
-                        </a:buClr>
-                        <a:buSzPct val="120000"/>
-                        <a:buFont typeface="Courier New" panose="02070309020205020404" pitchFamily="49" charset="0"/>
-                        <a:buChar char="|"/>
-                        <a:tabLst/>
-                        <a:defRPr/>
-                      </a:pPr>
-                      <a:r>
-                        <a:rPr lang="pt-BR" sz="1800" b="1" baseline="0" dirty="0">
-                          <a:solidFill>
-                            <a:schemeClr val="tx1"/>
-                          </a:solidFill>
-                          <a:latin typeface="Courier New" panose="02070309020205020404" pitchFamily="49" charset="0"/>
-                          <a:cs typeface="Courier New" panose="02070309020205020404" pitchFamily="49" charset="0"/>
-                        </a:rPr>
-                        <a:t>[('f', 5), ('dsa', 4), ('dsaf', 4)]</a:t>
-                      </a:r>
-                    </a:p>
-                  </a:txBody>
-                  <a:tcPr>
-                    <a:lnL w="6350" cap="flat" cmpd="sng" algn="ctr">
-                      <a:solidFill>
-                        <a:schemeClr val="tx1"/>
-                      </a:solidFill>
-                      <a:prstDash val="solid"/>
-                      <a:round/>
-                      <a:headEnd type="none" w="med" len="med"/>
-                      <a:tailEnd type="none" w="med" len="med"/>
-                    </a:lnL>
-                    <a:lnR w="6350" cap="flat" cmpd="sng" algn="ctr">
-                      <a:solidFill>
-                        <a:schemeClr val="tx1"/>
-                      </a:solidFill>
-                      <a:prstDash val="solid"/>
-                      <a:round/>
-                      <a:headEnd type="none" w="med" len="med"/>
-                      <a:tailEnd type="none" w="med" len="med"/>
-                    </a:lnR>
-                    <a:lnT w="6350" cap="flat" cmpd="sng" algn="ctr">
-                      <a:solidFill>
-                        <a:schemeClr val="tx1"/>
-                      </a:solidFill>
-                      <a:prstDash val="solid"/>
-                      <a:round/>
-                      <a:headEnd type="none" w="med" len="med"/>
-                      <a:tailEnd type="none" w="med" len="med"/>
-                    </a:lnT>
-                    <a:lnB w="6350" cap="flat" cmpd="sng" algn="ctr">
-                      <a:solidFill>
-                        <a:schemeClr val="tx1"/>
-                      </a:solidFill>
-                      <a:prstDash val="solid"/>
-                      <a:round/>
-                      <a:headEnd type="none" w="med" len="med"/>
-                      <a:tailEnd type="none" w="med" len="med"/>
-                    </a:lnB>
-                    <a:lnTlToBr w="12700" cmpd="sng">
-                      <a:noFill/>
-                      <a:prstDash val="solid"/>
-                    </a:lnTlToBr>
-                    <a:lnBlToTr w="12700" cmpd="sng">
-                      <a:noFill/>
-                      <a:prstDash val="solid"/>
-                    </a:lnBlToTr>
-                    <a:solidFill>
-                      <a:schemeClr val="accent5">
-                        <a:lumMod val="20000"/>
-                        <a:lumOff val="80000"/>
-                      </a:schemeClr>
-                    </a:solidFill>
-                  </a:tcPr>
-                </a:tc>
-                <a:extLst>
-                  <a:ext uri="{0D108BD9-81ED-4DB2-BD59-A6C34878D82A}">
-                    <a16:rowId xmlns:a16="http://schemas.microsoft.com/office/drawing/2014/main" val="4112970457"/>
-                  </a:ext>
-                </a:extLst>
-              </a:tr>
-            </a:tbl>
-          </a:graphicData>
-        </a:graphic>
-      </p:graphicFrame>
-    </p:spTree>
-    <p:extLst>
-      <p:ext uri="{BB962C8B-B14F-4D97-AF65-F5344CB8AC3E}">
-        <p14:creationId xmlns:p14="http://schemas.microsoft.com/office/powerpoint/2010/main" val="976103109"/>
-      </p:ext>
-    </p:extLst>
-  </p:cSld>
-  <p:clrMapOvr>
-    <a:masterClrMapping/>
-  </p:clrMapOvr>
-</p:sld>
-</file>
-
 <file path=ppt/slides/slide2.xml><?xml version="1.0" encoding="utf-8"?>
 <p:sld xmlns:a="http://schemas.openxmlformats.org/drawingml/2006/main" xmlns:r="http://schemas.openxmlformats.org/officeDocument/2006/relationships" xmlns:p="http://schemas.openxmlformats.org/presentationml/2006/main">
   <p:cSld>
@@ -18865,6 +19081,1387 @@
       </p:grpSpPr>
       <p:sp>
         <p:nvSpPr>
+          <p:cNvPr id="2" name="Title 1"/>
+          <p:cNvSpPr>
+            <a:spLocks noGrp="1"/>
+          </p:cNvSpPr>
+          <p:nvPr>
+            <p:ph type="title"/>
+          </p:nvPr>
+        </p:nvSpPr>
+        <p:spPr>
+          <a:xfrm>
+            <a:off x="838200" y="221432"/>
+            <a:ext cx="10644051" cy="1325563"/>
+          </a:xfrm>
+        </p:spPr>
+        <p:txBody>
+          <a:bodyPr/>
+          <a:lstStyle/>
+          <a:p>
+            <a:r>
+              <a:rPr lang="da-DK" dirty="0" err="1">
+                <a:latin typeface="Courier New" panose="02070309020205020404" pitchFamily="49" charset="0"/>
+                <a:cs typeface="Courier New" panose="02070309020205020404" pitchFamily="49" charset="0"/>
+              </a:rPr>
+              <a:t>Counter</a:t>
+            </a:r>
+            <a:r>
+              <a:rPr lang="da-DK" dirty="0">
+                <a:latin typeface="+mn-lt"/>
+                <a:cs typeface="Courier New" panose="02070309020205020404" pitchFamily="49" charset="0"/>
+              </a:rPr>
+              <a:t> – </a:t>
+            </a:r>
+            <a:r>
+              <a:rPr lang="da-DK" dirty="0" err="1">
+                <a:latin typeface="+mn-lt"/>
+                <a:cs typeface="Courier New" panose="02070309020205020404" pitchFamily="49" charset="0"/>
+              </a:rPr>
+              <a:t>dictionaries</a:t>
+            </a:r>
+            <a:r>
+              <a:rPr lang="da-DK" dirty="0">
+                <a:latin typeface="+mn-lt"/>
+                <a:cs typeface="Courier New" panose="02070309020205020404" pitchFamily="49" charset="0"/>
+              </a:rPr>
+              <a:t> for </a:t>
+            </a:r>
+            <a:r>
+              <a:rPr lang="da-DK" dirty="0" err="1">
+                <a:latin typeface="+mn-lt"/>
+                <a:cs typeface="Courier New" panose="02070309020205020404" pitchFamily="49" charset="0"/>
+              </a:rPr>
+              <a:t>counting</a:t>
+            </a:r>
+            <a:endParaRPr lang="en-US" dirty="0">
+              <a:latin typeface="+mn-lt"/>
+              <a:cs typeface="Courier New" panose="02070309020205020404" pitchFamily="49" charset="0"/>
+            </a:endParaRPr>
+          </a:p>
+        </p:txBody>
+      </p:sp>
+      <p:graphicFrame>
+        <p:nvGraphicFramePr>
+          <p:cNvPr id="5" name="Table 4"/>
+          <p:cNvGraphicFramePr>
+            <a:graphicFrameLocks noGrp="1"/>
+          </p:cNvGraphicFramePr>
+          <p:nvPr>
+            <p:extLst>
+              <p:ext uri="{D42A27DB-BD31-4B8C-83A1-F6EECF244321}">
+                <p14:modId xmlns:p14="http://schemas.microsoft.com/office/powerpoint/2010/main" val="4073213014"/>
+              </p:ext>
+            </p:extLst>
+          </p:nvPr>
+        </p:nvGraphicFramePr>
+        <p:xfrm>
+          <a:off x="237308" y="1546995"/>
+          <a:ext cx="11717383" cy="4922520"/>
+        </p:xfrm>
+        <a:graphic>
+          <a:graphicData uri="http://schemas.openxmlformats.org/drawingml/2006/table">
+            <a:tbl>
+              <a:tblPr firstRow="1" bandRow="1">
+                <a:tableStyleId>{5C22544A-7EE6-4342-B048-85BDC9FD1C3A}</a:tableStyleId>
+              </a:tblPr>
+              <a:tblGrid>
+                <a:gridCol w="11717383">
+                  <a:extLst>
+                    <a:ext uri="{9D8B030D-6E8A-4147-A177-3AD203B41FA5}">
+                      <a16:colId xmlns:a16="http://schemas.microsoft.com/office/drawing/2014/main" val="1873682825"/>
+                    </a:ext>
+                  </a:extLst>
+                </a:gridCol>
+              </a:tblGrid>
+              <a:tr h="213807">
+                <a:tc>
+                  <a:txBody>
+                    <a:bodyPr/>
+                    <a:lstStyle/>
+                    <a:p>
+                      <a:r>
+                        <a:rPr lang="da-DK" sz="1800" b="1" dirty="0" err="1">
+                          <a:latin typeface="Courier New" panose="02070309020205020404" pitchFamily="49" charset="0"/>
+                          <a:cs typeface="Courier New" panose="02070309020205020404" pitchFamily="49" charset="0"/>
+                        </a:rPr>
+                        <a:t>Python</a:t>
+                      </a:r>
+                      <a:r>
+                        <a:rPr lang="da-DK" sz="1800" b="1" dirty="0">
+                          <a:latin typeface="Courier New" panose="02070309020205020404" pitchFamily="49" charset="0"/>
+                          <a:cs typeface="Courier New" panose="02070309020205020404" pitchFamily="49" charset="0"/>
+                        </a:rPr>
+                        <a:t> </a:t>
+                      </a:r>
+                      <a:r>
+                        <a:rPr lang="da-DK" sz="1800" b="1" dirty="0" err="1">
+                          <a:latin typeface="Courier New" panose="02070309020205020404" pitchFamily="49" charset="0"/>
+                          <a:cs typeface="Courier New" panose="02070309020205020404" pitchFamily="49" charset="0"/>
+                        </a:rPr>
+                        <a:t>shell</a:t>
+                      </a:r>
+                      <a:endParaRPr lang="da-DK" sz="1800" b="1" dirty="0">
+                        <a:latin typeface="Courier New" panose="02070309020205020404" pitchFamily="49" charset="0"/>
+                        <a:cs typeface="Courier New" panose="02070309020205020404" pitchFamily="49" charset="0"/>
+                      </a:endParaRPr>
+                    </a:p>
+                  </a:txBody>
+                  <a:tcPr anchor="ctr">
+                    <a:lnL w="6350" cap="flat" cmpd="sng" algn="ctr">
+                      <a:solidFill>
+                        <a:schemeClr val="tx1"/>
+                      </a:solidFill>
+                      <a:prstDash val="solid"/>
+                      <a:round/>
+                      <a:headEnd type="none" w="med" len="med"/>
+                      <a:tailEnd type="none" w="med" len="med"/>
+                    </a:lnL>
+                    <a:lnR w="6350" cap="flat" cmpd="sng" algn="ctr">
+                      <a:solidFill>
+                        <a:schemeClr val="tx1"/>
+                      </a:solidFill>
+                      <a:prstDash val="solid"/>
+                      <a:round/>
+                      <a:headEnd type="none" w="med" len="med"/>
+                      <a:tailEnd type="none" w="med" len="med"/>
+                    </a:lnR>
+                    <a:lnT w="6350" cap="flat" cmpd="sng" algn="ctr">
+                      <a:solidFill>
+                        <a:schemeClr val="tx1"/>
+                      </a:solidFill>
+                      <a:prstDash val="solid"/>
+                      <a:round/>
+                      <a:headEnd type="none" w="med" len="med"/>
+                      <a:tailEnd type="none" w="med" len="med"/>
+                    </a:lnT>
+                    <a:lnB w="6350" cap="flat" cmpd="sng" algn="ctr">
+                      <a:solidFill>
+                        <a:schemeClr val="tx1"/>
+                      </a:solidFill>
+                      <a:prstDash val="solid"/>
+                      <a:round/>
+                      <a:headEnd type="none" w="med" len="med"/>
+                      <a:tailEnd type="none" w="med" len="med"/>
+                    </a:lnB>
+                    <a:lnTlToBr w="12700" cmpd="sng">
+                      <a:noFill/>
+                      <a:prstDash val="solid"/>
+                    </a:lnTlToBr>
+                    <a:lnBlToTr w="12700" cmpd="sng">
+                      <a:noFill/>
+                      <a:prstDash val="solid"/>
+                    </a:lnBlToTr>
+                    <a:solidFill>
+                      <a:srgbClr val="C00000"/>
+                    </a:solidFill>
+                  </a:tcPr>
+                </a:tc>
+                <a:extLst>
+                  <a:ext uri="{0D108BD9-81ED-4DB2-BD59-A6C34878D82A}">
+                    <a16:rowId xmlns:a16="http://schemas.microsoft.com/office/drawing/2014/main" val="3330819881"/>
+                  </a:ext>
+                </a:extLst>
+              </a:tr>
+              <a:tr h="2364992">
+                <a:tc>
+                  <a:txBody>
+                    <a:bodyPr/>
+                    <a:lstStyle/>
+                    <a:p>
+                      <a:pPr marL="266700" indent="-266700">
+                        <a:buClr>
+                          <a:srgbClr val="C00000"/>
+                        </a:buClr>
+                        <a:buSzPct val="100000"/>
+                        <a:buFont typeface="Courier New" panose="02070309020205020404" pitchFamily="49" charset="0"/>
+                        <a:buChar char="&gt;"/>
+                      </a:pPr>
+                      <a:r>
+                        <a:rPr lang="pt-BR" sz="1800" b="1" baseline="0" dirty="0">
+                          <a:latin typeface="Courier New" panose="02070309020205020404" pitchFamily="49" charset="0"/>
+                          <a:cs typeface="Courier New" panose="02070309020205020404" pitchFamily="49" charset="0"/>
+                        </a:rPr>
+                        <a:t>from </a:t>
+                      </a:r>
+                      <a:r>
+                        <a:rPr lang="pt-BR" sz="1800" b="1" baseline="0" dirty="0">
+                          <a:solidFill>
+                            <a:srgbClr val="C00000"/>
+                          </a:solidFill>
+                          <a:latin typeface="Courier New" panose="02070309020205020404" pitchFamily="49" charset="0"/>
+                          <a:cs typeface="Courier New" panose="02070309020205020404" pitchFamily="49" charset="0"/>
+                        </a:rPr>
+                        <a:t>collections</a:t>
+                      </a:r>
+                      <a:r>
+                        <a:rPr lang="pt-BR" sz="1800" b="1" baseline="0" dirty="0">
+                          <a:latin typeface="Courier New" panose="02070309020205020404" pitchFamily="49" charset="0"/>
+                          <a:cs typeface="Courier New" panose="02070309020205020404" pitchFamily="49" charset="0"/>
+                        </a:rPr>
+                        <a:t> import </a:t>
+                      </a:r>
+                      <a:r>
+                        <a:rPr lang="pt-BR" sz="1800" b="1" baseline="0" dirty="0">
+                          <a:solidFill>
+                            <a:srgbClr val="C00000"/>
+                          </a:solidFill>
+                          <a:latin typeface="Courier New" panose="02070309020205020404" pitchFamily="49" charset="0"/>
+                          <a:cs typeface="Courier New" panose="02070309020205020404" pitchFamily="49" charset="0"/>
+                        </a:rPr>
+                        <a:t>Counter</a:t>
+                      </a:r>
+                    </a:p>
+                    <a:p>
+                      <a:pPr marL="266700" indent="-266700">
+                        <a:buClr>
+                          <a:srgbClr val="C00000"/>
+                        </a:buClr>
+                        <a:buSzPct val="100000"/>
+                        <a:buFont typeface="Courier New" panose="02070309020205020404" pitchFamily="49" charset="0"/>
+                        <a:buChar char="&gt;"/>
+                      </a:pPr>
+                      <a:r>
+                        <a:rPr lang="pt-BR" sz="1800" b="1" baseline="0" dirty="0">
+                          <a:solidFill>
+                            <a:schemeClr val="tx1"/>
+                          </a:solidFill>
+                          <a:latin typeface="Courier New" panose="02070309020205020404" pitchFamily="49" charset="0"/>
+                          <a:cs typeface="Courier New" panose="02070309020205020404" pitchFamily="49" charset="0"/>
+                        </a:rPr>
+                        <a:t>fq = </a:t>
+                      </a:r>
+                      <a:r>
+                        <a:rPr lang="pt-BR" sz="1800" b="1" baseline="0" dirty="0">
+                          <a:solidFill>
+                            <a:srgbClr val="C00000"/>
+                          </a:solidFill>
+                          <a:latin typeface="Courier New" panose="02070309020205020404" pitchFamily="49" charset="0"/>
+                          <a:cs typeface="Courier New" panose="02070309020205020404" pitchFamily="49" charset="0"/>
+                        </a:rPr>
+                        <a:t>Counter</a:t>
+                      </a:r>
+                      <a:r>
+                        <a:rPr lang="pt-BR" sz="1800" b="1" baseline="0" dirty="0">
+                          <a:latin typeface="Courier New" panose="02070309020205020404" pitchFamily="49" charset="0"/>
+                          <a:cs typeface="Courier New" panose="02070309020205020404" pitchFamily="49" charset="0"/>
+                        </a:rPr>
+                        <a:t>('abracadabra')  </a:t>
+                      </a:r>
+                      <a:r>
+                        <a:rPr lang="pt-BR" sz="1800" b="1" baseline="0" dirty="0">
+                          <a:solidFill>
+                            <a:schemeClr val="bg1">
+                              <a:lumMod val="50000"/>
+                            </a:schemeClr>
+                          </a:solidFill>
+                          <a:latin typeface="Courier New" panose="02070309020205020404" pitchFamily="49" charset="0"/>
+                          <a:cs typeface="Courier New" panose="02070309020205020404" pitchFamily="49" charset="0"/>
+                        </a:rPr>
+                        <a:t># create new counter from a sequence</a:t>
+                      </a:r>
+                    </a:p>
+                    <a:p>
+                      <a:pPr marL="266700" indent="-266700">
+                        <a:buClr>
+                          <a:srgbClr val="C00000"/>
+                        </a:buClr>
+                        <a:buSzPct val="100000"/>
+                        <a:buFont typeface="Courier New" panose="02070309020205020404" pitchFamily="49" charset="0"/>
+                        <a:buChar char="&gt;"/>
+                      </a:pPr>
+                      <a:r>
+                        <a:rPr lang="pt-BR" sz="1800" b="1" baseline="0" dirty="0">
+                          <a:solidFill>
+                            <a:schemeClr val="tx1"/>
+                          </a:solidFill>
+                          <a:latin typeface="Courier New" panose="02070309020205020404" pitchFamily="49" charset="0"/>
+                          <a:cs typeface="Courier New" panose="02070309020205020404" pitchFamily="49" charset="0"/>
+                        </a:rPr>
+                        <a:t>fq</a:t>
+                      </a:r>
+                    </a:p>
+                    <a:p>
+                      <a:pPr marL="266700" marR="0" lvl="0" indent="-266700" algn="l" defTabSz="914400" rtl="0" eaLnBrk="1" fontAlgn="auto" latinLnBrk="0" hangingPunct="1">
+                        <a:lnSpc>
+                          <a:spcPct val="100000"/>
+                        </a:lnSpc>
+                        <a:spcBef>
+                          <a:spcPts val="0"/>
+                        </a:spcBef>
+                        <a:spcAft>
+                          <a:spcPts val="0"/>
+                        </a:spcAft>
+                        <a:buClr>
+                          <a:schemeClr val="accent1">
+                            <a:lumMod val="50000"/>
+                          </a:schemeClr>
+                        </a:buClr>
+                        <a:buSzPct val="120000"/>
+                        <a:buFont typeface="Courier New" panose="02070309020205020404" pitchFamily="49" charset="0"/>
+                        <a:buChar char="|"/>
+                        <a:tabLst/>
+                        <a:defRPr/>
+                      </a:pPr>
+                      <a:r>
+                        <a:rPr lang="pt-BR" sz="1800" b="1" baseline="0" dirty="0">
+                          <a:solidFill>
+                            <a:srgbClr val="C00000"/>
+                          </a:solidFill>
+                          <a:latin typeface="Courier New" panose="02070309020205020404" pitchFamily="49" charset="0"/>
+                          <a:cs typeface="Courier New" panose="02070309020205020404" pitchFamily="49" charset="0"/>
+                        </a:rPr>
+                        <a:t>Counter</a:t>
+                      </a:r>
+                      <a:r>
+                        <a:rPr lang="pt-BR" sz="1800" b="1" baseline="0" dirty="0">
+                          <a:latin typeface="Courier New" panose="02070309020205020404" pitchFamily="49" charset="0"/>
+                          <a:cs typeface="Courier New" panose="02070309020205020404" pitchFamily="49" charset="0"/>
+                        </a:rPr>
+                        <a:t>({'a': 5, 'b': 2, 'r': 2, 'c': 1, 'd': 1})</a:t>
+                      </a:r>
+                      <a:r>
+                        <a:rPr lang="pt-BR" sz="1800" b="1" baseline="0" dirty="0">
+                          <a:solidFill>
+                            <a:schemeClr val="bg1">
+                              <a:lumMod val="50000"/>
+                            </a:schemeClr>
+                          </a:solidFill>
+                          <a:latin typeface="Courier New" panose="02070309020205020404" pitchFamily="49" charset="0"/>
+                          <a:cs typeface="Courier New" panose="02070309020205020404" pitchFamily="49" charset="0"/>
+                        </a:rPr>
+                        <a:t>  # frequencies of the letters</a:t>
+                      </a:r>
+                    </a:p>
+                    <a:p>
+                      <a:pPr marL="266700" indent="-266700">
+                        <a:buClr>
+                          <a:srgbClr val="C00000"/>
+                        </a:buClr>
+                        <a:buSzPct val="100000"/>
+                        <a:buFont typeface="Courier New" panose="02070309020205020404" pitchFamily="49" charset="0"/>
+                        <a:buChar char="&gt;"/>
+                      </a:pPr>
+                      <a:r>
+                        <a:rPr lang="en-US" sz="1800" b="1" baseline="0" dirty="0" err="1">
+                          <a:latin typeface="Courier New" panose="02070309020205020404" pitchFamily="49" charset="0"/>
+                          <a:cs typeface="Courier New" panose="02070309020205020404" pitchFamily="49" charset="0"/>
+                        </a:rPr>
+                        <a:t>fq</a:t>
+                      </a:r>
+                      <a:r>
+                        <a:rPr lang="en-US" sz="1800" b="1" baseline="0" dirty="0">
+                          <a:latin typeface="Courier New" panose="02070309020205020404" pitchFamily="49" charset="0"/>
+                          <a:cs typeface="Courier New" panose="02070309020205020404" pitchFamily="49" charset="0"/>
+                        </a:rPr>
+                        <a:t>['a']</a:t>
+                      </a:r>
+                      <a:endParaRPr lang="pt-BR" sz="1800" b="1" baseline="0" dirty="0">
+                        <a:solidFill>
+                          <a:schemeClr val="bg1">
+                            <a:lumMod val="50000"/>
+                          </a:schemeClr>
+                        </a:solidFill>
+                        <a:latin typeface="Courier New" panose="02070309020205020404" pitchFamily="49" charset="0"/>
+                        <a:cs typeface="Courier New" panose="02070309020205020404" pitchFamily="49" charset="0"/>
+                      </a:endParaRPr>
+                    </a:p>
+                    <a:p>
+                      <a:pPr marL="266700" marR="0" lvl="0" indent="-266700" algn="l" defTabSz="914400" rtl="0" eaLnBrk="1" fontAlgn="auto" latinLnBrk="0" hangingPunct="1">
+                        <a:lnSpc>
+                          <a:spcPct val="100000"/>
+                        </a:lnSpc>
+                        <a:spcBef>
+                          <a:spcPts val="0"/>
+                        </a:spcBef>
+                        <a:spcAft>
+                          <a:spcPts val="0"/>
+                        </a:spcAft>
+                        <a:buClr>
+                          <a:schemeClr val="accent1">
+                            <a:lumMod val="50000"/>
+                          </a:schemeClr>
+                        </a:buClr>
+                        <a:buSzPct val="120000"/>
+                        <a:buFont typeface="Courier New" panose="02070309020205020404" pitchFamily="49" charset="0"/>
+                        <a:buChar char="|"/>
+                        <a:tabLst/>
+                        <a:defRPr/>
+                      </a:pPr>
+                      <a:r>
+                        <a:rPr lang="pt-BR" sz="1800" b="1" baseline="0" dirty="0">
+                          <a:latin typeface="Courier New" panose="02070309020205020404" pitchFamily="49" charset="0"/>
+                          <a:cs typeface="Courier New" panose="02070309020205020404" pitchFamily="49" charset="0"/>
+                        </a:rPr>
+                        <a:t>5</a:t>
+                      </a:r>
+                    </a:p>
+                    <a:p>
+                      <a:pPr marL="266700" indent="-266700">
+                        <a:buClr>
+                          <a:srgbClr val="C00000"/>
+                        </a:buClr>
+                        <a:buSzPct val="100000"/>
+                        <a:buFont typeface="Courier New" panose="02070309020205020404" pitchFamily="49" charset="0"/>
+                        <a:buChar char="&gt;"/>
+                      </a:pPr>
+                      <a:r>
+                        <a:rPr lang="en-US" sz="1800" b="1" baseline="0" dirty="0" err="1">
+                          <a:latin typeface="Courier New" panose="02070309020205020404" pitchFamily="49" charset="0"/>
+                          <a:cs typeface="Courier New" panose="02070309020205020404" pitchFamily="49" charset="0"/>
+                        </a:rPr>
+                        <a:t>fq.most_common</a:t>
+                      </a:r>
+                      <a:r>
+                        <a:rPr lang="en-US" sz="1800" b="1" baseline="0" dirty="0">
+                          <a:latin typeface="Courier New" panose="02070309020205020404" pitchFamily="49" charset="0"/>
+                          <a:cs typeface="Courier New" panose="02070309020205020404" pitchFamily="49" charset="0"/>
+                        </a:rPr>
+                        <a:t>(3)</a:t>
+                      </a:r>
+                    </a:p>
+                    <a:p>
+                      <a:pPr marL="266700" marR="0" lvl="0" indent="-266700" algn="l" defTabSz="914400" rtl="0" eaLnBrk="1" fontAlgn="auto" latinLnBrk="0" hangingPunct="1">
+                        <a:lnSpc>
+                          <a:spcPct val="100000"/>
+                        </a:lnSpc>
+                        <a:spcBef>
+                          <a:spcPts val="0"/>
+                        </a:spcBef>
+                        <a:spcAft>
+                          <a:spcPts val="0"/>
+                        </a:spcAft>
+                        <a:buClr>
+                          <a:schemeClr val="accent1">
+                            <a:lumMod val="50000"/>
+                          </a:schemeClr>
+                        </a:buClr>
+                        <a:buSzPct val="120000"/>
+                        <a:buFont typeface="Courier New" panose="02070309020205020404" pitchFamily="49" charset="0"/>
+                        <a:buChar char="|"/>
+                        <a:tabLst/>
+                        <a:defRPr/>
+                      </a:pPr>
+                      <a:r>
+                        <a:rPr lang="en-US" sz="1800" b="1" baseline="0" dirty="0">
+                          <a:latin typeface="Courier New" panose="02070309020205020404" pitchFamily="49" charset="0"/>
+                          <a:cs typeface="Courier New" panose="02070309020205020404" pitchFamily="49" charset="0"/>
+                        </a:rPr>
+                        <a:t>[('a', 5), ('b', 2), ('r', 2)]</a:t>
+                      </a:r>
+                      <a:endParaRPr lang="pt-BR" sz="1800" b="1" baseline="0" dirty="0">
+                        <a:latin typeface="Courier New" panose="02070309020205020404" pitchFamily="49" charset="0"/>
+                        <a:cs typeface="Courier New" panose="02070309020205020404" pitchFamily="49" charset="0"/>
+                      </a:endParaRPr>
+                    </a:p>
+                    <a:p>
+                      <a:pPr marL="266700" indent="-266700">
+                        <a:buClr>
+                          <a:srgbClr val="C00000"/>
+                        </a:buClr>
+                        <a:buSzPct val="100000"/>
+                        <a:buFont typeface="Courier New" panose="02070309020205020404" pitchFamily="49" charset="0"/>
+                        <a:buChar char="&gt;"/>
+                      </a:pPr>
+                      <a:r>
+                        <a:rPr lang="en-US" sz="1800" b="1" baseline="0" dirty="0">
+                          <a:latin typeface="Courier New" panose="02070309020205020404" pitchFamily="49" charset="0"/>
+                          <a:cs typeface="Courier New" panose="02070309020205020404" pitchFamily="49" charset="0"/>
+                        </a:rPr>
+                        <a:t>f</a:t>
+                      </a:r>
+                      <a:r>
+                        <a:rPr lang="da-DK" sz="1800" b="1" baseline="0" dirty="0">
+                          <a:latin typeface="Courier New" panose="02070309020205020404" pitchFamily="49" charset="0"/>
+                          <a:cs typeface="Courier New" panose="02070309020205020404" pitchFamily="49" charset="0"/>
+                        </a:rPr>
+                        <a:t>q['x'] += 5  </a:t>
+                      </a:r>
+                      <a:r>
+                        <a:rPr lang="da-DK" sz="1800" b="1" baseline="0" dirty="0">
+                          <a:solidFill>
+                            <a:schemeClr val="bg1">
+                              <a:lumMod val="50000"/>
+                            </a:schemeClr>
+                          </a:solidFill>
+                          <a:latin typeface="Courier New" panose="02070309020205020404" pitchFamily="49" charset="0"/>
+                          <a:cs typeface="Courier New" panose="02070309020205020404" pitchFamily="49" charset="0"/>
+                        </a:rPr>
+                        <a:t># </a:t>
+                      </a:r>
+                      <a:r>
+                        <a:rPr lang="da-DK" sz="1800" b="1" baseline="0" dirty="0" err="1">
+                          <a:solidFill>
+                            <a:schemeClr val="bg1">
+                              <a:lumMod val="50000"/>
+                            </a:schemeClr>
+                          </a:solidFill>
+                          <a:latin typeface="Courier New" panose="02070309020205020404" pitchFamily="49" charset="0"/>
+                          <a:cs typeface="Courier New" panose="02070309020205020404" pitchFamily="49" charset="0"/>
+                        </a:rPr>
+                        <a:t>increase</a:t>
+                      </a:r>
+                      <a:r>
+                        <a:rPr lang="da-DK" sz="1800" b="1" baseline="0" dirty="0">
+                          <a:solidFill>
+                            <a:schemeClr val="bg1">
+                              <a:lumMod val="50000"/>
+                            </a:schemeClr>
+                          </a:solidFill>
+                          <a:latin typeface="Courier New" panose="02070309020205020404" pitchFamily="49" charset="0"/>
+                          <a:cs typeface="Courier New" panose="02070309020205020404" pitchFamily="49" charset="0"/>
+                        </a:rPr>
+                        <a:t> </a:t>
+                      </a:r>
+                      <a:r>
+                        <a:rPr lang="da-DK" sz="1800" b="1" baseline="0" dirty="0" err="1">
+                          <a:solidFill>
+                            <a:schemeClr val="bg1">
+                              <a:lumMod val="50000"/>
+                            </a:schemeClr>
+                          </a:solidFill>
+                          <a:latin typeface="Courier New" panose="02070309020205020404" pitchFamily="49" charset="0"/>
+                          <a:cs typeface="Courier New" panose="02070309020205020404" pitchFamily="49" charset="0"/>
+                        </a:rPr>
+                        <a:t>count</a:t>
+                      </a:r>
+                      <a:r>
+                        <a:rPr lang="da-DK" sz="1800" b="1" baseline="0" dirty="0">
+                          <a:solidFill>
+                            <a:schemeClr val="bg1">
+                              <a:lumMod val="50000"/>
+                            </a:schemeClr>
+                          </a:solidFill>
+                          <a:latin typeface="Courier New" panose="02070309020205020404" pitchFamily="49" charset="0"/>
+                          <a:cs typeface="Courier New" panose="02070309020205020404" pitchFamily="49" charset="0"/>
+                        </a:rPr>
+                        <a:t> of 'x', </a:t>
+                      </a:r>
+                      <a:r>
+                        <a:rPr lang="da-DK" sz="1800" b="1" baseline="0" dirty="0" err="1">
+                          <a:solidFill>
+                            <a:schemeClr val="bg1">
+                              <a:lumMod val="50000"/>
+                            </a:schemeClr>
+                          </a:solidFill>
+                          <a:latin typeface="Courier New" panose="02070309020205020404" pitchFamily="49" charset="0"/>
+                          <a:cs typeface="Courier New" panose="02070309020205020404" pitchFamily="49" charset="0"/>
+                        </a:rPr>
+                        <a:t>also</a:t>
+                      </a:r>
+                      <a:r>
+                        <a:rPr lang="da-DK" sz="1800" b="1" baseline="0" dirty="0">
+                          <a:solidFill>
+                            <a:schemeClr val="bg1">
+                              <a:lumMod val="50000"/>
+                            </a:schemeClr>
+                          </a:solidFill>
+                          <a:latin typeface="Courier New" panose="02070309020205020404" pitchFamily="49" charset="0"/>
+                          <a:cs typeface="Courier New" panose="02070309020205020404" pitchFamily="49" charset="0"/>
+                        </a:rPr>
+                        <a:t> valid if 'x' not in </a:t>
+                      </a:r>
+                      <a:r>
+                        <a:rPr lang="da-DK" sz="1800" b="1" baseline="0" dirty="0" err="1">
+                          <a:solidFill>
+                            <a:schemeClr val="bg1">
+                              <a:lumMod val="50000"/>
+                            </a:schemeClr>
+                          </a:solidFill>
+                          <a:latin typeface="Courier New" panose="02070309020205020404" pitchFamily="49" charset="0"/>
+                          <a:cs typeface="Courier New" panose="02070309020205020404" pitchFamily="49" charset="0"/>
+                        </a:rPr>
+                        <a:t>Counter</a:t>
+                      </a:r>
+                      <a:r>
+                        <a:rPr lang="da-DK" sz="1800" b="1" baseline="0" dirty="0">
+                          <a:solidFill>
+                            <a:schemeClr val="bg1">
+                              <a:lumMod val="50000"/>
+                            </a:schemeClr>
+                          </a:solidFill>
+                          <a:latin typeface="Courier New" panose="02070309020205020404" pitchFamily="49" charset="0"/>
+                          <a:cs typeface="Courier New" panose="02070309020205020404" pitchFamily="49" charset="0"/>
+                        </a:rPr>
+                        <a:t> </a:t>
+                      </a:r>
+                      <a:r>
+                        <a:rPr lang="da-DK" sz="1800" b="1" baseline="0" dirty="0" err="1">
+                          <a:solidFill>
+                            <a:schemeClr val="bg1">
+                              <a:lumMod val="50000"/>
+                            </a:schemeClr>
+                          </a:solidFill>
+                          <a:latin typeface="Courier New" panose="02070309020205020404" pitchFamily="49" charset="0"/>
+                          <a:cs typeface="Courier New" panose="02070309020205020404" pitchFamily="49" charset="0"/>
+                        </a:rPr>
+                        <a:t>yet</a:t>
+                      </a:r>
+                      <a:endParaRPr lang="da-DK" sz="1800" b="1" baseline="0" dirty="0">
+                        <a:solidFill>
+                          <a:schemeClr val="tx1"/>
+                        </a:solidFill>
+                        <a:latin typeface="Courier New" panose="02070309020205020404" pitchFamily="49" charset="0"/>
+                        <a:cs typeface="Courier New" panose="02070309020205020404" pitchFamily="49" charset="0"/>
+                      </a:endParaRPr>
+                    </a:p>
+                    <a:p>
+                      <a:pPr marL="266700" indent="-266700">
+                        <a:buClr>
+                          <a:srgbClr val="C00000"/>
+                        </a:buClr>
+                        <a:buSzPct val="100000"/>
+                        <a:buFont typeface="Courier New" panose="02070309020205020404" pitchFamily="49" charset="0"/>
+                        <a:buChar char="&gt;"/>
+                      </a:pPr>
+                      <a:r>
+                        <a:rPr lang="pt-BR" sz="1800" b="1" baseline="0" dirty="0">
+                          <a:solidFill>
+                            <a:srgbClr val="C00000"/>
+                          </a:solidFill>
+                          <a:latin typeface="Courier New" panose="02070309020205020404" pitchFamily="49" charset="0"/>
+                          <a:cs typeface="Courier New" panose="02070309020205020404" pitchFamily="49" charset="0"/>
+                        </a:rPr>
+                        <a:t>Counter</a:t>
+                      </a:r>
+                      <a:r>
+                        <a:rPr lang="pt-BR" sz="1800" b="1" baseline="0" dirty="0">
+                          <a:solidFill>
+                            <a:schemeClr val="tx1"/>
+                          </a:solidFill>
+                          <a:latin typeface="Courier New" panose="02070309020205020404" pitchFamily="49" charset="0"/>
+                          <a:cs typeface="Courier New" panose="02070309020205020404" pitchFamily="49" charset="0"/>
+                        </a:rPr>
+                        <a:t>('aaabbbcc') </a:t>
+                      </a:r>
+                      <a:r>
+                        <a:rPr lang="pt-BR" sz="1800" b="1" baseline="0" dirty="0">
+                          <a:solidFill>
+                            <a:srgbClr val="C00000"/>
+                          </a:solidFill>
+                          <a:latin typeface="Courier New" panose="02070309020205020404" pitchFamily="49" charset="0"/>
+                          <a:cs typeface="Courier New" panose="02070309020205020404" pitchFamily="49" charset="0"/>
+                        </a:rPr>
+                        <a:t>-</a:t>
+                      </a:r>
+                      <a:r>
+                        <a:rPr lang="pt-BR" sz="1800" b="1" baseline="0" dirty="0">
+                          <a:solidFill>
+                            <a:schemeClr val="tx1"/>
+                          </a:solidFill>
+                          <a:latin typeface="Courier New" panose="02070309020205020404" pitchFamily="49" charset="0"/>
+                          <a:cs typeface="Courier New" panose="02070309020205020404" pitchFamily="49" charset="0"/>
+                        </a:rPr>
+                        <a:t> </a:t>
+                      </a:r>
+                      <a:r>
+                        <a:rPr lang="pt-BR" sz="1800" b="1" baseline="0" dirty="0">
+                          <a:solidFill>
+                            <a:srgbClr val="C00000"/>
+                          </a:solidFill>
+                          <a:latin typeface="Courier New" panose="02070309020205020404" pitchFamily="49" charset="0"/>
+                          <a:cs typeface="Courier New" panose="02070309020205020404" pitchFamily="49" charset="0"/>
+                        </a:rPr>
+                        <a:t>Counter</a:t>
+                      </a:r>
+                      <a:r>
+                        <a:rPr lang="pt-BR" sz="1800" b="1" baseline="0" dirty="0">
+                          <a:solidFill>
+                            <a:schemeClr val="tx1"/>
+                          </a:solidFill>
+                          <a:latin typeface="Courier New" panose="02070309020205020404" pitchFamily="49" charset="0"/>
+                          <a:cs typeface="Courier New" panose="02070309020205020404" pitchFamily="49" charset="0"/>
+                        </a:rPr>
+                        <a:t>('aabdd')  </a:t>
+                      </a:r>
+                      <a:r>
+                        <a:rPr lang="pt-BR" sz="1800" b="1" baseline="0" dirty="0">
+                          <a:solidFill>
+                            <a:schemeClr val="bg1">
+                              <a:lumMod val="50000"/>
+                            </a:schemeClr>
+                          </a:solidFill>
+                          <a:latin typeface="Courier New" panose="02070309020205020404" pitchFamily="49" charset="0"/>
+                          <a:cs typeface="Courier New" panose="02070309020205020404" pitchFamily="49" charset="0"/>
+                        </a:rPr>
+                        <a:t># counters can be subtracted</a:t>
+                      </a:r>
+                      <a:endParaRPr lang="en-US" sz="1800" b="1" baseline="0" dirty="0">
+                        <a:solidFill>
+                          <a:schemeClr val="bg1">
+                            <a:lumMod val="50000"/>
+                          </a:schemeClr>
+                        </a:solidFill>
+                        <a:latin typeface="Courier New" panose="02070309020205020404" pitchFamily="49" charset="0"/>
+                        <a:cs typeface="Courier New" panose="02070309020205020404" pitchFamily="49" charset="0"/>
+                      </a:endParaRPr>
+                    </a:p>
+                    <a:p>
+                      <a:pPr marL="266700" marR="0" lvl="0" indent="-266700" algn="l" defTabSz="914400" rtl="0" eaLnBrk="1" fontAlgn="auto" latinLnBrk="0" hangingPunct="1">
+                        <a:lnSpc>
+                          <a:spcPct val="100000"/>
+                        </a:lnSpc>
+                        <a:spcBef>
+                          <a:spcPts val="0"/>
+                        </a:spcBef>
+                        <a:spcAft>
+                          <a:spcPts val="0"/>
+                        </a:spcAft>
+                        <a:buClr>
+                          <a:schemeClr val="accent1">
+                            <a:lumMod val="50000"/>
+                          </a:schemeClr>
+                        </a:buClr>
+                        <a:buSzPct val="120000"/>
+                        <a:buFont typeface="Courier New" panose="02070309020205020404" pitchFamily="49" charset="0"/>
+                        <a:buChar char="|"/>
+                        <a:tabLst/>
+                        <a:defRPr/>
+                      </a:pPr>
+                      <a:r>
+                        <a:rPr lang="pt-BR" sz="1800" b="1" baseline="0" dirty="0">
+                          <a:solidFill>
+                            <a:srgbClr val="C00000"/>
+                          </a:solidFill>
+                          <a:latin typeface="Courier New" panose="02070309020205020404" pitchFamily="49" charset="0"/>
+                          <a:cs typeface="Courier New" panose="02070309020205020404" pitchFamily="49" charset="0"/>
+                        </a:rPr>
+                        <a:t>Counter</a:t>
+                      </a:r>
+                      <a:r>
+                        <a:rPr lang="pt-BR" sz="1800" b="1" baseline="0" dirty="0">
+                          <a:solidFill>
+                            <a:schemeClr val="tx1"/>
+                          </a:solidFill>
+                          <a:latin typeface="Courier New" panose="02070309020205020404" pitchFamily="49" charset="0"/>
+                          <a:cs typeface="Courier New" panose="02070309020205020404" pitchFamily="49" charset="0"/>
+                        </a:rPr>
+                        <a:t>({'b': 2, 'c': 2, 'a': 1})</a:t>
+                      </a:r>
+                    </a:p>
+                    <a:p>
+                      <a:pPr marL="266700" indent="-266700">
+                        <a:buClr>
+                          <a:srgbClr val="C00000"/>
+                        </a:buClr>
+                        <a:buSzPct val="100000"/>
+                        <a:buFont typeface="Courier New" panose="02070309020205020404" pitchFamily="49" charset="0"/>
+                        <a:buChar char="&gt;"/>
+                      </a:pPr>
+                      <a:r>
+                        <a:rPr lang="en-US" sz="1800" b="1" baseline="0" dirty="0">
+                          <a:solidFill>
+                            <a:srgbClr val="C00000"/>
+                          </a:solidFill>
+                          <a:latin typeface="Courier New" panose="02070309020205020404" pitchFamily="49" charset="0"/>
+                          <a:cs typeface="Courier New" panose="02070309020205020404" pitchFamily="49" charset="0"/>
+                        </a:rPr>
+                        <a:t>Counter</a:t>
+                      </a:r>
+                      <a:r>
+                        <a:rPr lang="en-US" sz="1800" b="1" baseline="0" dirty="0">
+                          <a:solidFill>
+                            <a:schemeClr val="tx1"/>
+                          </a:solidFill>
+                          <a:latin typeface="Courier New" panose="02070309020205020404" pitchFamily="49" charset="0"/>
+                          <a:cs typeface="Courier New" panose="02070309020205020404" pitchFamily="49" charset="0"/>
+                        </a:rPr>
+                        <a:t>([1, 2, 1, 3, 4, 5]) </a:t>
+                      </a:r>
+                      <a:r>
+                        <a:rPr lang="en-US" sz="1800" b="1" baseline="0" dirty="0">
+                          <a:solidFill>
+                            <a:srgbClr val="C00000"/>
+                          </a:solidFill>
+                          <a:latin typeface="Courier New" panose="02070309020205020404" pitchFamily="49" charset="0"/>
+                          <a:cs typeface="Courier New" panose="02070309020205020404" pitchFamily="49" charset="0"/>
+                        </a:rPr>
+                        <a:t>+</a:t>
+                      </a:r>
+                      <a:r>
+                        <a:rPr lang="en-US" sz="1800" b="1" baseline="0" dirty="0">
+                          <a:solidFill>
+                            <a:schemeClr val="tx1"/>
+                          </a:solidFill>
+                          <a:latin typeface="Courier New" panose="02070309020205020404" pitchFamily="49" charset="0"/>
+                          <a:cs typeface="Courier New" panose="02070309020205020404" pitchFamily="49" charset="0"/>
+                        </a:rPr>
+                        <a:t> </a:t>
+                      </a:r>
+                      <a:r>
+                        <a:rPr lang="en-US" sz="1800" b="1" baseline="0" dirty="0">
+                          <a:solidFill>
+                            <a:srgbClr val="C00000"/>
+                          </a:solidFill>
+                          <a:latin typeface="Courier New" panose="02070309020205020404" pitchFamily="49" charset="0"/>
+                          <a:cs typeface="Courier New" panose="02070309020205020404" pitchFamily="49" charset="0"/>
+                        </a:rPr>
+                        <a:t>Counter</a:t>
+                      </a:r>
+                      <a:r>
+                        <a:rPr lang="en-US" sz="1800" b="1" baseline="0" dirty="0">
+                          <a:solidFill>
+                            <a:schemeClr val="tx1"/>
+                          </a:solidFill>
+                          <a:latin typeface="Courier New" panose="02070309020205020404" pitchFamily="49" charset="0"/>
+                          <a:cs typeface="Courier New" panose="02070309020205020404" pitchFamily="49" charset="0"/>
+                        </a:rPr>
+                        <a:t>([3, 3, 3])  </a:t>
+                      </a:r>
+                      <a:r>
+                        <a:rPr lang="pt-BR" sz="1800" b="1" baseline="0" dirty="0">
+                          <a:solidFill>
+                            <a:schemeClr val="bg1">
+                              <a:lumMod val="50000"/>
+                            </a:schemeClr>
+                          </a:solidFill>
+                          <a:latin typeface="Courier New" panose="02070309020205020404" pitchFamily="49" charset="0"/>
+                          <a:cs typeface="Courier New" panose="02070309020205020404" pitchFamily="49" charset="0"/>
+                        </a:rPr>
+                        <a:t># counters can be added</a:t>
+                      </a:r>
+                      <a:endParaRPr lang="en-US" sz="1800" b="1" baseline="0" dirty="0">
+                        <a:solidFill>
+                          <a:schemeClr val="bg1">
+                            <a:lumMod val="50000"/>
+                          </a:schemeClr>
+                        </a:solidFill>
+                        <a:latin typeface="Courier New" panose="02070309020205020404" pitchFamily="49" charset="0"/>
+                        <a:cs typeface="Courier New" panose="02070309020205020404" pitchFamily="49" charset="0"/>
+                      </a:endParaRPr>
+                    </a:p>
+                    <a:p>
+                      <a:pPr marL="266700" marR="0" lvl="0" indent="-266700" algn="l" defTabSz="914400" rtl="0" eaLnBrk="1" fontAlgn="auto" latinLnBrk="0" hangingPunct="1">
+                        <a:lnSpc>
+                          <a:spcPct val="100000"/>
+                        </a:lnSpc>
+                        <a:spcBef>
+                          <a:spcPts val="0"/>
+                        </a:spcBef>
+                        <a:spcAft>
+                          <a:spcPts val="600"/>
+                        </a:spcAft>
+                        <a:buClr>
+                          <a:schemeClr val="accent1">
+                            <a:lumMod val="50000"/>
+                          </a:schemeClr>
+                        </a:buClr>
+                        <a:buSzPct val="120000"/>
+                        <a:buFont typeface="Courier New" panose="02070309020205020404" pitchFamily="49" charset="0"/>
+                        <a:buChar char="|"/>
+                        <a:tabLst/>
+                        <a:defRPr/>
+                      </a:pPr>
+                      <a:r>
+                        <a:rPr lang="pt-BR" sz="1800" b="1" baseline="0" dirty="0">
+                          <a:solidFill>
+                            <a:srgbClr val="C00000"/>
+                          </a:solidFill>
+                          <a:latin typeface="Courier New" panose="02070309020205020404" pitchFamily="49" charset="0"/>
+                          <a:cs typeface="Courier New" panose="02070309020205020404" pitchFamily="49" charset="0"/>
+                        </a:rPr>
+                        <a:t>Counter</a:t>
+                      </a:r>
+                      <a:r>
+                        <a:rPr lang="pt-BR" sz="1800" b="1" baseline="0" dirty="0">
+                          <a:solidFill>
+                            <a:srgbClr val="000000"/>
+                          </a:solidFill>
+                          <a:latin typeface="Courier New" panose="02070309020205020404" pitchFamily="49" charset="0"/>
+                          <a:cs typeface="Courier New" panose="02070309020205020404" pitchFamily="49" charset="0"/>
+                        </a:rPr>
+                        <a:t>(</a:t>
+                      </a:r>
+                      <a:r>
+                        <a:rPr lang="pt-BR" sz="1800" b="1" baseline="0" dirty="0">
+                          <a:solidFill>
+                            <a:schemeClr val="tx1"/>
+                          </a:solidFill>
+                          <a:latin typeface="Courier New" panose="02070309020205020404" pitchFamily="49" charset="0"/>
+                          <a:cs typeface="Courier New" panose="02070309020205020404" pitchFamily="49" charset="0"/>
+                        </a:rPr>
+                        <a:t>{3: 4, 1: 2, 2: 1, 4: 1, 5: 1})</a:t>
+                      </a:r>
+                    </a:p>
+                    <a:p>
+                      <a:pPr marL="266700" indent="-266700">
+                        <a:buClr>
+                          <a:srgbClr val="C00000"/>
+                        </a:buClr>
+                        <a:buSzPct val="100000"/>
+                        <a:buFont typeface="Courier New" panose="02070309020205020404" pitchFamily="49" charset="0"/>
+                        <a:buChar char="&gt;"/>
+                      </a:pPr>
+                      <a:r>
+                        <a:rPr lang="en-US" sz="1800" b="1" baseline="0" dirty="0">
+                          <a:solidFill>
+                            <a:schemeClr val="tx1"/>
+                          </a:solidFill>
+                          <a:latin typeface="Courier New" panose="02070309020205020404" pitchFamily="49" charset="0"/>
+                          <a:cs typeface="Courier New" panose="02070309020205020404" pitchFamily="49" charset="0"/>
+                        </a:rPr>
+                        <a:t>T = '</a:t>
+                      </a:r>
+                      <a:r>
+                        <a:rPr lang="en-US" sz="1800" b="1" baseline="0" dirty="0" err="1">
+                          <a:solidFill>
+                            <a:schemeClr val="tx1"/>
+                          </a:solidFill>
+                          <a:latin typeface="Courier New" panose="02070309020205020404" pitchFamily="49" charset="0"/>
+                          <a:cs typeface="Courier New" panose="02070309020205020404" pitchFamily="49" charset="0"/>
+                        </a:rPr>
+                        <a:t>AfD</a:t>
+                      </a:r>
+                      <a:r>
+                        <a:rPr lang="en-US" sz="1800" b="1" baseline="0" dirty="0">
+                          <a:solidFill>
+                            <a:schemeClr val="tx1"/>
+                          </a:solidFill>
+                          <a:latin typeface="Courier New" panose="02070309020205020404" pitchFamily="49" charset="0"/>
+                          <a:cs typeface="Courier New" panose="02070309020205020404" pitchFamily="49" charset="0"/>
+                        </a:rPr>
+                        <a:t> </a:t>
+                      </a:r>
+                      <a:r>
+                        <a:rPr lang="en-US" sz="1800" b="1" baseline="0" dirty="0" err="1">
+                          <a:solidFill>
+                            <a:schemeClr val="tx1"/>
+                          </a:solidFill>
+                          <a:latin typeface="Courier New" panose="02070309020205020404" pitchFamily="49" charset="0"/>
+                          <a:cs typeface="Courier New" panose="02070309020205020404" pitchFamily="49" charset="0"/>
+                        </a:rPr>
+                        <a:t>adsf</a:t>
+                      </a:r>
+                      <a:r>
+                        <a:rPr lang="en-US" sz="1800" b="1" baseline="0" dirty="0">
+                          <a:solidFill>
+                            <a:schemeClr val="tx1"/>
+                          </a:solidFill>
+                          <a:latin typeface="Courier New" panose="02070309020205020404" pitchFamily="49" charset="0"/>
+                          <a:cs typeface="Courier New" panose="02070309020205020404" pitchFamily="49" charset="0"/>
+                        </a:rPr>
+                        <a:t> </a:t>
+                      </a:r>
+                      <a:r>
+                        <a:rPr lang="en-US" sz="1800" b="1" baseline="0" dirty="0" err="1">
+                          <a:solidFill>
+                            <a:schemeClr val="tx1"/>
+                          </a:solidFill>
+                          <a:latin typeface="Courier New" panose="02070309020205020404" pitchFamily="49" charset="0"/>
+                          <a:cs typeface="Courier New" panose="02070309020205020404" pitchFamily="49" charset="0"/>
+                        </a:rPr>
+                        <a:t>dsa</a:t>
+                      </a:r>
+                      <a:r>
+                        <a:rPr lang="en-US" sz="1800" b="1" baseline="0" dirty="0">
+                          <a:solidFill>
+                            <a:schemeClr val="tx1"/>
+                          </a:solidFill>
+                          <a:latin typeface="Courier New" panose="02070309020205020404" pitchFamily="49" charset="0"/>
+                          <a:cs typeface="Courier New" panose="02070309020205020404" pitchFamily="49" charset="0"/>
+                        </a:rPr>
+                        <a:t> f </a:t>
+                      </a:r>
+                      <a:r>
+                        <a:rPr lang="en-US" sz="1800" b="1" baseline="0" dirty="0" err="1">
+                          <a:solidFill>
+                            <a:schemeClr val="tx1"/>
+                          </a:solidFill>
+                          <a:latin typeface="Courier New" panose="02070309020205020404" pitchFamily="49" charset="0"/>
+                          <a:cs typeface="Courier New" panose="02070309020205020404" pitchFamily="49" charset="0"/>
+                        </a:rPr>
+                        <a:t>dsaf</a:t>
+                      </a:r>
+                      <a:r>
+                        <a:rPr lang="en-US" sz="1800" b="1" baseline="0" dirty="0">
+                          <a:solidFill>
+                            <a:schemeClr val="tx1"/>
+                          </a:solidFill>
+                          <a:latin typeface="Courier New" panose="02070309020205020404" pitchFamily="49" charset="0"/>
+                          <a:cs typeface="Courier New" panose="02070309020205020404" pitchFamily="49" charset="0"/>
+                        </a:rPr>
+                        <a:t> </a:t>
+                      </a:r>
+                      <a:r>
+                        <a:rPr lang="en-US" sz="1800" b="1" baseline="0" dirty="0" err="1">
+                          <a:solidFill>
+                            <a:schemeClr val="tx1"/>
+                          </a:solidFill>
+                          <a:latin typeface="Courier New" panose="02070309020205020404" pitchFamily="49" charset="0"/>
+                          <a:cs typeface="Courier New" panose="02070309020205020404" pitchFamily="49" charset="0"/>
+                        </a:rPr>
+                        <a:t>daf</a:t>
+                      </a:r>
+                      <a:r>
+                        <a:rPr lang="en-US" sz="1800" b="1" baseline="0" dirty="0">
+                          <a:solidFill>
+                            <a:schemeClr val="tx1"/>
+                          </a:solidFill>
+                          <a:latin typeface="Courier New" panose="02070309020205020404" pitchFamily="49" charset="0"/>
+                          <a:cs typeface="Courier New" panose="02070309020205020404" pitchFamily="49" charset="0"/>
+                        </a:rPr>
+                        <a:t> </a:t>
+                      </a:r>
+                      <a:r>
+                        <a:rPr lang="en-US" sz="1800" b="1" baseline="0" dirty="0" err="1">
+                          <a:solidFill>
+                            <a:schemeClr val="tx1"/>
+                          </a:solidFill>
+                          <a:latin typeface="Courier New" panose="02070309020205020404" pitchFamily="49" charset="0"/>
+                          <a:cs typeface="Courier New" panose="02070309020205020404" pitchFamily="49" charset="0"/>
+                        </a:rPr>
+                        <a:t>dsaf</a:t>
+                      </a:r>
+                      <a:r>
+                        <a:rPr lang="en-US" sz="1800" b="1" baseline="0" dirty="0">
+                          <a:solidFill>
+                            <a:schemeClr val="tx1"/>
+                          </a:solidFill>
+                          <a:latin typeface="Courier New" panose="02070309020205020404" pitchFamily="49" charset="0"/>
+                          <a:cs typeface="Courier New" panose="02070309020205020404" pitchFamily="49" charset="0"/>
+                        </a:rPr>
+                        <a:t> DSA </a:t>
+                      </a:r>
+                      <a:r>
+                        <a:rPr lang="en-US" sz="1800" b="1" baseline="0" dirty="0" err="1">
+                          <a:solidFill>
+                            <a:schemeClr val="tx1"/>
+                          </a:solidFill>
+                          <a:latin typeface="Courier New" panose="02070309020205020404" pitchFamily="49" charset="0"/>
+                          <a:cs typeface="Courier New" panose="02070309020205020404" pitchFamily="49" charset="0"/>
+                        </a:rPr>
+                        <a:t>fda</a:t>
+                      </a:r>
+                      <a:r>
+                        <a:rPr lang="en-US" sz="1800" b="1" baseline="0" dirty="0">
+                          <a:solidFill>
+                            <a:schemeClr val="tx1"/>
+                          </a:solidFill>
+                          <a:latin typeface="Courier New" panose="02070309020205020404" pitchFamily="49" charset="0"/>
+                          <a:cs typeface="Courier New" panose="02070309020205020404" pitchFamily="49" charset="0"/>
+                        </a:rPr>
+                        <a:t> f SA </a:t>
+                      </a:r>
+                      <a:r>
+                        <a:rPr lang="en-US" sz="1800" b="1" baseline="0" dirty="0" err="1">
+                          <a:solidFill>
+                            <a:schemeClr val="tx1"/>
+                          </a:solidFill>
+                          <a:latin typeface="Courier New" panose="02070309020205020404" pitchFamily="49" charset="0"/>
+                          <a:cs typeface="Courier New" panose="02070309020205020404" pitchFamily="49" charset="0"/>
+                        </a:rPr>
+                        <a:t>dsa</a:t>
+                      </a:r>
+                      <a:r>
+                        <a:rPr lang="en-US" sz="1800" b="1" baseline="0" dirty="0">
+                          <a:solidFill>
+                            <a:schemeClr val="tx1"/>
+                          </a:solidFill>
+                          <a:latin typeface="Courier New" panose="02070309020205020404" pitchFamily="49" charset="0"/>
+                          <a:cs typeface="Courier New" panose="02070309020205020404" pitchFamily="49" charset="0"/>
+                        </a:rPr>
+                        <a:t> f </a:t>
+                      </a:r>
+                      <a:r>
+                        <a:rPr lang="en-US" sz="1800" b="1" baseline="0" dirty="0" err="1">
+                          <a:solidFill>
+                            <a:schemeClr val="tx1"/>
+                          </a:solidFill>
+                          <a:latin typeface="Courier New" panose="02070309020205020404" pitchFamily="49" charset="0"/>
+                          <a:cs typeface="Courier New" panose="02070309020205020404" pitchFamily="49" charset="0"/>
+                        </a:rPr>
+                        <a:t>dsa</a:t>
+                      </a:r>
+                      <a:r>
+                        <a:rPr lang="en-US" sz="1800" b="1" baseline="0" dirty="0">
+                          <a:solidFill>
+                            <a:schemeClr val="tx1"/>
+                          </a:solidFill>
+                          <a:latin typeface="Courier New" panose="02070309020205020404" pitchFamily="49" charset="0"/>
+                          <a:cs typeface="Courier New" panose="02070309020205020404" pitchFamily="49" charset="0"/>
+                        </a:rPr>
+                        <a:t> </a:t>
+                      </a:r>
+                      <a:r>
+                        <a:rPr lang="en-US" sz="1800" b="1" baseline="0" dirty="0" err="1">
+                          <a:solidFill>
+                            <a:schemeClr val="tx1"/>
+                          </a:solidFill>
+                          <a:latin typeface="Courier New" panose="02070309020205020404" pitchFamily="49" charset="0"/>
+                          <a:cs typeface="Courier New" panose="02070309020205020404" pitchFamily="49" charset="0"/>
+                        </a:rPr>
+                        <a:t>fdsa</a:t>
+                      </a:r>
+                      <a:r>
+                        <a:rPr lang="en-US" sz="1800" b="1" baseline="0" dirty="0">
+                          <a:solidFill>
+                            <a:schemeClr val="tx1"/>
+                          </a:solidFill>
+                          <a:latin typeface="Courier New" panose="02070309020205020404" pitchFamily="49" charset="0"/>
+                          <a:cs typeface="Courier New" panose="02070309020205020404" pitchFamily="49" charset="0"/>
+                        </a:rPr>
+                        <a:t> f </a:t>
+                      </a:r>
+                      <a:r>
+                        <a:rPr lang="en-US" sz="1800" b="1" baseline="0" dirty="0" err="1">
+                          <a:solidFill>
+                            <a:schemeClr val="tx1"/>
+                          </a:solidFill>
+                          <a:latin typeface="Courier New" panose="02070309020205020404" pitchFamily="49" charset="0"/>
+                          <a:cs typeface="Courier New" panose="02070309020205020404" pitchFamily="49" charset="0"/>
+                        </a:rPr>
+                        <a:t>dsAf</a:t>
+                      </a:r>
+                      <a:r>
+                        <a:rPr lang="en-US" sz="1800" b="1" baseline="0" dirty="0">
+                          <a:solidFill>
+                            <a:schemeClr val="tx1"/>
+                          </a:solidFill>
+                          <a:latin typeface="Courier New" panose="02070309020205020404" pitchFamily="49" charset="0"/>
+                          <a:cs typeface="Courier New" panose="02070309020205020404" pitchFamily="49" charset="0"/>
+                        </a:rPr>
+                        <a:t> </a:t>
+                      </a:r>
+                      <a:r>
+                        <a:rPr lang="en-US" sz="1800" b="1" baseline="0" dirty="0" err="1">
+                          <a:solidFill>
+                            <a:schemeClr val="tx1"/>
+                          </a:solidFill>
+                          <a:latin typeface="Courier New" panose="02070309020205020404" pitchFamily="49" charset="0"/>
+                          <a:cs typeface="Courier New" panose="02070309020205020404" pitchFamily="49" charset="0"/>
+                        </a:rPr>
+                        <a:t>sAf</a:t>
+                      </a:r>
+                      <a:r>
+                        <a:rPr lang="en-US" sz="1800" b="1" baseline="0" dirty="0">
+                          <a:solidFill>
+                            <a:schemeClr val="tx1"/>
+                          </a:solidFill>
+                          <a:latin typeface="Courier New" panose="02070309020205020404" pitchFamily="49" charset="0"/>
+                          <a:cs typeface="Courier New" panose="02070309020205020404" pitchFamily="49" charset="0"/>
+                        </a:rPr>
+                        <a:t> f </a:t>
+                      </a:r>
+                      <a:r>
+                        <a:rPr lang="en-US" sz="1800" b="1" baseline="0" dirty="0" err="1">
+                          <a:solidFill>
+                            <a:schemeClr val="tx1"/>
+                          </a:solidFill>
+                          <a:latin typeface="Courier New" panose="02070309020205020404" pitchFamily="49" charset="0"/>
+                          <a:cs typeface="Courier New" panose="02070309020205020404" pitchFamily="49" charset="0"/>
+                        </a:rPr>
+                        <a:t>dsaf</a:t>
+                      </a:r>
+                      <a:r>
+                        <a:rPr lang="en-US" sz="1800" b="1" baseline="0" dirty="0">
+                          <a:solidFill>
+                            <a:schemeClr val="tx1"/>
+                          </a:solidFill>
+                          <a:latin typeface="Courier New" panose="02070309020205020404" pitchFamily="49" charset="0"/>
+                          <a:cs typeface="Courier New" panose="02070309020205020404" pitchFamily="49" charset="0"/>
+                        </a:rPr>
+                        <a:t>'</a:t>
+                      </a:r>
+                    </a:p>
+                    <a:p>
+                      <a:pPr marL="266700" indent="-266700">
+                        <a:buClr>
+                          <a:srgbClr val="C00000"/>
+                        </a:buClr>
+                        <a:buSzPct val="100000"/>
+                        <a:buFont typeface="Courier New" panose="02070309020205020404" pitchFamily="49" charset="0"/>
+                        <a:buChar char="&gt;"/>
+                      </a:pPr>
+                      <a:r>
+                        <a:rPr lang="en-US" sz="1800" b="1" baseline="0" dirty="0">
+                          <a:solidFill>
+                            <a:srgbClr val="C00000"/>
+                          </a:solidFill>
+                          <a:latin typeface="Courier New" panose="02070309020205020404" pitchFamily="49" charset="0"/>
+                          <a:cs typeface="Courier New" panose="02070309020205020404" pitchFamily="49" charset="0"/>
+                        </a:rPr>
+                        <a:t>Counter</a:t>
+                      </a:r>
+                      <a:r>
+                        <a:rPr lang="en-US" sz="1800" b="1" baseline="0" dirty="0">
+                          <a:solidFill>
+                            <a:schemeClr val="tx1"/>
+                          </a:solidFill>
+                          <a:latin typeface="Courier New" panose="02070309020205020404" pitchFamily="49" charset="0"/>
+                          <a:cs typeface="Courier New" panose="02070309020205020404" pitchFamily="49" charset="0"/>
+                        </a:rPr>
+                        <a:t>(</a:t>
+                      </a:r>
+                      <a:r>
+                        <a:rPr lang="en-US" sz="1800" b="1" baseline="0" dirty="0" err="1">
+                          <a:solidFill>
+                            <a:schemeClr val="tx1"/>
+                          </a:solidFill>
+                          <a:latin typeface="Courier New" panose="02070309020205020404" pitchFamily="49" charset="0"/>
+                          <a:cs typeface="Courier New" panose="02070309020205020404" pitchFamily="49" charset="0"/>
+                        </a:rPr>
+                        <a:t>T.lower</a:t>
+                      </a:r>
+                      <a:r>
+                        <a:rPr lang="en-US" sz="1800" b="1" baseline="0" dirty="0">
+                          <a:solidFill>
+                            <a:schemeClr val="tx1"/>
+                          </a:solidFill>
+                          <a:latin typeface="Courier New" panose="02070309020205020404" pitchFamily="49" charset="0"/>
+                          <a:cs typeface="Courier New" panose="02070309020205020404" pitchFamily="49" charset="0"/>
+                        </a:rPr>
+                        <a:t>().split()).</a:t>
+                      </a:r>
+                      <a:r>
+                        <a:rPr lang="en-US" sz="1800" b="1" baseline="0" dirty="0" err="1">
+                          <a:solidFill>
+                            <a:schemeClr val="tx1"/>
+                          </a:solidFill>
+                          <a:latin typeface="Courier New" panose="02070309020205020404" pitchFamily="49" charset="0"/>
+                          <a:cs typeface="Courier New" panose="02070309020205020404" pitchFamily="49" charset="0"/>
+                        </a:rPr>
+                        <a:t>most_common</a:t>
+                      </a:r>
+                      <a:r>
+                        <a:rPr lang="en-US" sz="1800" b="1" baseline="0" dirty="0">
+                          <a:solidFill>
+                            <a:schemeClr val="tx1"/>
+                          </a:solidFill>
+                          <a:latin typeface="Courier New" panose="02070309020205020404" pitchFamily="49" charset="0"/>
+                          <a:cs typeface="Courier New" panose="02070309020205020404" pitchFamily="49" charset="0"/>
+                        </a:rPr>
+                        <a:t>(3)</a:t>
+                      </a:r>
+                    </a:p>
+                    <a:p>
+                      <a:pPr marL="266700" marR="0" lvl="0" indent="-266700" algn="l" defTabSz="914400" rtl="0" eaLnBrk="1" fontAlgn="auto" latinLnBrk="0" hangingPunct="1">
+                        <a:lnSpc>
+                          <a:spcPct val="100000"/>
+                        </a:lnSpc>
+                        <a:spcBef>
+                          <a:spcPts val="0"/>
+                        </a:spcBef>
+                        <a:spcAft>
+                          <a:spcPts val="0"/>
+                        </a:spcAft>
+                        <a:buClr>
+                          <a:schemeClr val="accent1">
+                            <a:lumMod val="50000"/>
+                          </a:schemeClr>
+                        </a:buClr>
+                        <a:buSzPct val="120000"/>
+                        <a:buFont typeface="Courier New" panose="02070309020205020404" pitchFamily="49" charset="0"/>
+                        <a:buChar char="|"/>
+                        <a:tabLst/>
+                        <a:defRPr/>
+                      </a:pPr>
+                      <a:r>
+                        <a:rPr lang="pt-BR" sz="1800" b="1" baseline="0" dirty="0">
+                          <a:solidFill>
+                            <a:schemeClr val="tx1"/>
+                          </a:solidFill>
+                          <a:latin typeface="Courier New" panose="02070309020205020404" pitchFamily="49" charset="0"/>
+                          <a:cs typeface="Courier New" panose="02070309020205020404" pitchFamily="49" charset="0"/>
+                        </a:rPr>
+                        <a:t>[('f', 5), ('dsa', 4), ('dsaf', 4)]</a:t>
+                      </a:r>
+                    </a:p>
+                  </a:txBody>
+                  <a:tcPr>
+                    <a:lnL w="6350" cap="flat" cmpd="sng" algn="ctr">
+                      <a:solidFill>
+                        <a:schemeClr val="tx1"/>
+                      </a:solidFill>
+                      <a:prstDash val="solid"/>
+                      <a:round/>
+                      <a:headEnd type="none" w="med" len="med"/>
+                      <a:tailEnd type="none" w="med" len="med"/>
+                    </a:lnL>
+                    <a:lnR w="6350" cap="flat" cmpd="sng" algn="ctr">
+                      <a:solidFill>
+                        <a:schemeClr val="tx1"/>
+                      </a:solidFill>
+                      <a:prstDash val="solid"/>
+                      <a:round/>
+                      <a:headEnd type="none" w="med" len="med"/>
+                      <a:tailEnd type="none" w="med" len="med"/>
+                    </a:lnR>
+                    <a:lnT w="6350" cap="flat" cmpd="sng" algn="ctr">
+                      <a:solidFill>
+                        <a:schemeClr val="tx1"/>
+                      </a:solidFill>
+                      <a:prstDash val="solid"/>
+                      <a:round/>
+                      <a:headEnd type="none" w="med" len="med"/>
+                      <a:tailEnd type="none" w="med" len="med"/>
+                    </a:lnT>
+                    <a:lnB w="6350" cap="flat" cmpd="sng" algn="ctr">
+                      <a:solidFill>
+                        <a:schemeClr val="tx1"/>
+                      </a:solidFill>
+                      <a:prstDash val="solid"/>
+                      <a:round/>
+                      <a:headEnd type="none" w="med" len="med"/>
+                      <a:tailEnd type="none" w="med" len="med"/>
+                    </a:lnB>
+                    <a:lnTlToBr w="12700" cmpd="sng">
+                      <a:noFill/>
+                      <a:prstDash val="solid"/>
+                    </a:lnTlToBr>
+                    <a:lnBlToTr w="12700" cmpd="sng">
+                      <a:noFill/>
+                      <a:prstDash val="solid"/>
+                    </a:lnBlToTr>
+                    <a:solidFill>
+                      <a:schemeClr val="accent5">
+                        <a:lumMod val="20000"/>
+                        <a:lumOff val="80000"/>
+                      </a:schemeClr>
+                    </a:solidFill>
+                  </a:tcPr>
+                </a:tc>
+                <a:extLst>
+                  <a:ext uri="{0D108BD9-81ED-4DB2-BD59-A6C34878D82A}">
+                    <a16:rowId xmlns:a16="http://schemas.microsoft.com/office/drawing/2014/main" val="4112970457"/>
+                  </a:ext>
+                </a:extLst>
+              </a:tr>
+            </a:tbl>
+          </a:graphicData>
+        </a:graphic>
+      </p:graphicFrame>
+    </p:spTree>
+    <p:extLst>
+      <p:ext uri="{BB962C8B-B14F-4D97-AF65-F5344CB8AC3E}">
+        <p14:creationId xmlns:p14="http://schemas.microsoft.com/office/powerpoint/2010/main" val="976103109"/>
+      </p:ext>
+    </p:extLst>
+  </p:cSld>
+  <p:clrMapOvr>
+    <a:masterClrMapping/>
+  </p:clrMapOvr>
+</p:sld>
+</file>
+
+<file path=ppt/slides/slide21.xml><?xml version="1.0" encoding="utf-8"?>
+<p:sld xmlns:a="http://schemas.openxmlformats.org/drawingml/2006/main" xmlns:r="http://schemas.openxmlformats.org/officeDocument/2006/relationships" xmlns:p="http://schemas.openxmlformats.org/presentationml/2006/main">
+  <p:cSld>
+    <p:spTree>
+      <p:nvGrpSpPr>
+        <p:cNvPr id="1" name=""/>
+        <p:cNvGrpSpPr/>
+        <p:nvPr/>
+      </p:nvGrpSpPr>
+      <p:grpSpPr>
+        <a:xfrm>
+          <a:off x="0" y="0"/>
+          <a:ext cx="0" cy="0"/>
+          <a:chOff x="0" y="0"/>
+          <a:chExt cx="0" cy="0"/>
+        </a:xfrm>
+      </p:grpSpPr>
+      <p:sp>
+        <p:nvSpPr>
           <p:cNvPr id="4" name="Rectangle 3"/>
           <p:cNvSpPr/>
           <p:nvPr/>
@@ -19391,7 +20988,7 @@
 </p:sld>
 </file>
 
-<file path=ppt/slides/slide21.xml><?xml version="1.0" encoding="utf-8"?>
+<file path=ppt/slides/slide22.xml><?xml version="1.0" encoding="utf-8"?>
 <p:sld xmlns:a="http://schemas.openxmlformats.org/drawingml/2006/main" xmlns:r="http://schemas.openxmlformats.org/officeDocument/2006/relationships" xmlns:p="http://schemas.openxmlformats.org/presentationml/2006/main">
   <p:cSld>
     <p:spTree>

--- a/ipsa/slides/dictionaries.pptx
+++ b/ipsa/slides/dictionaries.pptx
@@ -134,14 +134,6 @@
     </p:ext>
   </p:extLst>
 </p:presentation>
-</file>
-
-<file path=ppt/revisionInfo.xml><?xml version="1.0" encoding="utf-8"?>
-<p1510:revInfo xmlns:a="http://schemas.openxmlformats.org/drawingml/2006/main" xmlns:r="http://schemas.openxmlformats.org/officeDocument/2006/relationships" xmlns:p1510="http://schemas.microsoft.com/office/powerpoint/2015/10/main">
-  <p1510:revLst>
-    <p1510:client id="{32A0BADB-2EDA-40A0-B15A-8D58BACC3113}" v="7" dt="2023-07-15T12:37:48.766"/>
-  </p1510:revLst>
-</p1510:revInfo>
 </file>
 
 <file path=ppt/changesInfos/changesInfo1.xml><?xml version="1.0" encoding="utf-8"?>
@@ -826,6 +818,22 @@
       </pc:sldChg>
     </pc:docChg>
   </pc:docChgLst>
+  <pc:docChgLst>
+    <pc:chgData name="Gerth Stølting Brodal" userId="04ef4784-6591-4f86-a140-f5c3b108582a" providerId="ADAL" clId="{D2ACEB61-307D-4705-9616-7BF401642D94}"/>
+    <pc:docChg chg="undo custSel modSld">
+      <pc:chgData name="Gerth Stølting Brodal" userId="04ef4784-6591-4f86-a140-f5c3b108582a" providerId="ADAL" clId="{D2ACEB61-307D-4705-9616-7BF401642D94}" dt="2023-10-14T11:57:13.483" v="129" actId="20577"/>
+      <pc:docMkLst>
+        <pc:docMk/>
+      </pc:docMkLst>
+      <pc:sldChg chg="modNotesTx">
+        <pc:chgData name="Gerth Stølting Brodal" userId="04ef4784-6591-4f86-a140-f5c3b108582a" providerId="ADAL" clId="{D2ACEB61-307D-4705-9616-7BF401642D94}" dt="2023-10-14T11:57:13.483" v="129" actId="20577"/>
+        <pc:sldMkLst>
+          <pc:docMk/>
+          <pc:sldMk cId="630244301" sldId="566"/>
+        </pc:sldMkLst>
+      </pc:sldChg>
+    </pc:docChg>
+  </pc:docChgLst>
 </pc:chgInfo>
 </file>
 
@@ -911,7 +919,7 @@
           <a:p>
             <a:fld id="{FB1A172F-81D4-4DC4-9113-1DBD56EC3646}" type="datetimeFigureOut">
               <a:rPr lang="en-US" smtClean="0"/>
-              <a:t>7/15/2023</a:t>
+              <a:t>10/14/2023</a:t>
             </a:fld>
             <a:endParaRPr lang="en-US"/>
           </a:p>
@@ -1709,6 +1717,92 @@
               <a:rPr lang="da-DK" baseline="0" dirty="0"/>
               <a:t>)</a:t>
             </a:r>
+          </a:p>
+          <a:p>
+            <a:r>
+              <a:rPr lang="da-DK" baseline="0" dirty="0" err="1"/>
+              <a:t>namedtuple</a:t>
+            </a:r>
+            <a:r>
+              <a:rPr lang="da-DK" baseline="0" dirty="0"/>
+              <a:t> a </a:t>
+            </a:r>
+            <a:r>
+              <a:rPr lang="da-DK" baseline="0" dirty="0" err="1"/>
+              <a:t>little</a:t>
+            </a:r>
+            <a:r>
+              <a:rPr lang="da-DK" baseline="0" dirty="0"/>
+              <a:t> </a:t>
+            </a:r>
+            <a:r>
+              <a:rPr lang="da-DK" baseline="0"/>
+              <a:t>bit like a </a:t>
+            </a:r>
+            <a:r>
+              <a:rPr lang="da-DK" baseline="0" dirty="0"/>
+              <a:t>”</a:t>
+            </a:r>
+            <a:r>
+              <a:rPr lang="da-DK" baseline="0" dirty="0" err="1"/>
+              <a:t>struct</a:t>
+            </a:r>
+            <a:r>
+              <a:rPr lang="da-DK" baseline="0" dirty="0"/>
+              <a:t>” in </a:t>
+            </a:r>
+            <a:r>
+              <a:rPr lang="da-DK" baseline="0" dirty="0" err="1"/>
+              <a:t>other</a:t>
+            </a:r>
+            <a:r>
+              <a:rPr lang="da-DK" baseline="0" dirty="0"/>
+              <a:t> </a:t>
+            </a:r>
+            <a:r>
+              <a:rPr lang="da-DK" baseline="0" dirty="0" err="1"/>
+              <a:t>languages</a:t>
+            </a:r>
+            <a:r>
+              <a:rPr lang="da-DK" baseline="0" dirty="0"/>
+              <a:t> (</a:t>
+            </a:r>
+            <a:r>
+              <a:rPr lang="da-DK" baseline="0" dirty="0" err="1"/>
+              <a:t>e.g</a:t>
+            </a:r>
+            <a:r>
+              <a:rPr lang="da-DK" baseline="0" dirty="0"/>
+              <a:t>. C), </a:t>
+            </a:r>
+            <a:r>
+              <a:rPr lang="da-DK" baseline="0" dirty="0" err="1"/>
+              <a:t>except</a:t>
+            </a:r>
+            <a:r>
+              <a:rPr lang="da-DK" baseline="0" dirty="0"/>
+              <a:t> </a:t>
+            </a:r>
+            <a:r>
+              <a:rPr lang="da-DK" baseline="0" dirty="0" err="1"/>
+              <a:t>that</a:t>
+            </a:r>
+            <a:r>
+              <a:rPr lang="da-DK" baseline="0" dirty="0"/>
+              <a:t> a </a:t>
+            </a:r>
+            <a:r>
+              <a:rPr lang="da-DK" baseline="0" dirty="0" err="1"/>
+              <a:t>namedtuple</a:t>
+            </a:r>
+            <a:r>
+              <a:rPr lang="da-DK" baseline="0" dirty="0"/>
+              <a:t> is </a:t>
+            </a:r>
+            <a:r>
+              <a:rPr lang="da-DK" baseline="0" dirty="0" err="1"/>
+              <a:t>immutable</a:t>
+            </a:r>
             <a:endParaRPr lang="en-US" dirty="0"/>
           </a:p>
         </p:txBody>
@@ -3134,7 +3228,7 @@
           <a:p>
             <a:fld id="{0560A9CD-0304-4E0B-9E82-E7E0115DE05B}" type="datetimeFigureOut">
               <a:rPr lang="en-US" smtClean="0"/>
-              <a:t>7/15/2023</a:t>
+              <a:t>10/14/2023</a:t>
             </a:fld>
             <a:endParaRPr lang="en-US"/>
           </a:p>
@@ -3302,7 +3396,7 @@
           <a:p>
             <a:fld id="{0560A9CD-0304-4E0B-9E82-E7E0115DE05B}" type="datetimeFigureOut">
               <a:rPr lang="en-US" smtClean="0"/>
-              <a:t>7/15/2023</a:t>
+              <a:t>10/14/2023</a:t>
             </a:fld>
             <a:endParaRPr lang="en-US"/>
           </a:p>
@@ -3480,7 +3574,7 @@
           <a:p>
             <a:fld id="{0560A9CD-0304-4E0B-9E82-E7E0115DE05B}" type="datetimeFigureOut">
               <a:rPr lang="en-US" smtClean="0"/>
-              <a:t>7/15/2023</a:t>
+              <a:t>10/14/2023</a:t>
             </a:fld>
             <a:endParaRPr lang="en-US"/>
           </a:p>
@@ -3657,7 +3751,7 @@
           <a:p>
             <a:fld id="{0560A9CD-0304-4E0B-9E82-E7E0115DE05B}" type="datetimeFigureOut">
               <a:rPr lang="en-US" smtClean="0"/>
-              <a:t>7/15/2023</a:t>
+              <a:t>10/14/2023</a:t>
             </a:fld>
             <a:endParaRPr lang="en-US"/>
           </a:p>
@@ -3902,7 +3996,7 @@
           <a:p>
             <a:fld id="{0560A9CD-0304-4E0B-9E82-E7E0115DE05B}" type="datetimeFigureOut">
               <a:rPr lang="en-US" smtClean="0"/>
-              <a:t>7/15/2023</a:t>
+              <a:t>10/14/2023</a:t>
             </a:fld>
             <a:endParaRPr lang="en-US"/>
           </a:p>
@@ -4131,7 +4225,7 @@
           <a:p>
             <a:fld id="{0560A9CD-0304-4E0B-9E82-E7E0115DE05B}" type="datetimeFigureOut">
               <a:rPr lang="en-US" smtClean="0"/>
-              <a:t>7/15/2023</a:t>
+              <a:t>10/14/2023</a:t>
             </a:fld>
             <a:endParaRPr lang="en-US"/>
           </a:p>
@@ -4495,7 +4589,7 @@
           <a:p>
             <a:fld id="{0560A9CD-0304-4E0B-9E82-E7E0115DE05B}" type="datetimeFigureOut">
               <a:rPr lang="en-US" smtClean="0"/>
-              <a:t>7/15/2023</a:t>
+              <a:t>10/14/2023</a:t>
             </a:fld>
             <a:endParaRPr lang="en-US"/>
           </a:p>
@@ -4612,7 +4706,7 @@
           <a:p>
             <a:fld id="{0560A9CD-0304-4E0B-9E82-E7E0115DE05B}" type="datetimeFigureOut">
               <a:rPr lang="en-US" smtClean="0"/>
-              <a:t>7/15/2023</a:t>
+              <a:t>10/14/2023</a:t>
             </a:fld>
             <a:endParaRPr lang="en-US"/>
           </a:p>
@@ -4707,7 +4801,7 @@
           <a:p>
             <a:fld id="{0560A9CD-0304-4E0B-9E82-E7E0115DE05B}" type="datetimeFigureOut">
               <a:rPr lang="en-US" smtClean="0"/>
-              <a:t>7/15/2023</a:t>
+              <a:t>10/14/2023</a:t>
             </a:fld>
             <a:endParaRPr lang="en-US"/>
           </a:p>
@@ -4982,7 +5076,7 @@
           <a:p>
             <a:fld id="{0560A9CD-0304-4E0B-9E82-E7E0115DE05B}" type="datetimeFigureOut">
               <a:rPr lang="en-US" smtClean="0"/>
-              <a:t>7/15/2023</a:t>
+              <a:t>10/14/2023</a:t>
             </a:fld>
             <a:endParaRPr lang="en-US"/>
           </a:p>
@@ -5234,7 +5328,7 @@
           <a:p>
             <a:fld id="{0560A9CD-0304-4E0B-9E82-E7E0115DE05B}" type="datetimeFigureOut">
               <a:rPr lang="en-US" smtClean="0"/>
-              <a:t>7/15/2023</a:t>
+              <a:t>10/14/2023</a:t>
             </a:fld>
             <a:endParaRPr lang="en-US"/>
           </a:p>
@@ -5445,7 +5539,7 @@
           <a:p>
             <a:fld id="{0560A9CD-0304-4E0B-9E82-E7E0115DE05B}" type="datetimeFigureOut">
               <a:rPr lang="en-US" smtClean="0"/>
-              <a:t>7/15/2023</a:t>
+              <a:t>10/14/2023</a:t>
             </a:fld>
             <a:endParaRPr lang="en-US"/>
           </a:p>

--- a/ipsa/slides/dictionaries.pptx
+++ b/ipsa/slides/dictionaries.pptx
@@ -138,6 +138,303 @@
 
 <file path=ppt/changesInfos/changesInfo1.xml><?xml version="1.0" encoding="utf-8"?>
 <pc:chgInfo xmlns:a="http://schemas.openxmlformats.org/drawingml/2006/main" xmlns:r="http://schemas.openxmlformats.org/officeDocument/2006/relationships" xmlns:ac="http://schemas.microsoft.com/office/drawing/2013/main/command" xmlns:pc="http://schemas.microsoft.com/office/powerpoint/2013/main/command">
+  <pc:docChgLst>
+    <pc:chgData name="Gerth Stølting Brodal" userId="04ef4784-6591-4f86-a140-f5c3b108582a" providerId="ADAL" clId="{B701DC40-6812-41B8-B173-57A8218FDEAC}"/>
+    <pc:docChg chg="undo custSel modSld">
+      <pc:chgData name="Gerth Stølting Brodal" userId="04ef4784-6591-4f86-a140-f5c3b108582a" providerId="ADAL" clId="{B701DC40-6812-41B8-B173-57A8218FDEAC}" dt="2021-02-17T11:31:35.212" v="503"/>
+      <pc:docMkLst>
+        <pc:docMk/>
+      </pc:docMkLst>
+      <pc:sldChg chg="modSp mod">
+        <pc:chgData name="Gerth Stølting Brodal" userId="04ef4784-6591-4f86-a140-f5c3b108582a" providerId="ADAL" clId="{B701DC40-6812-41B8-B173-57A8218FDEAC}" dt="2021-02-17T11:29:57.657" v="501" actId="20577"/>
+        <pc:sldMkLst>
+          <pc:docMk/>
+          <pc:sldMk cId="336411019" sldId="544"/>
+        </pc:sldMkLst>
+        <pc:spChg chg="mod">
+          <ac:chgData name="Gerth Stølting Brodal" userId="04ef4784-6591-4f86-a140-f5c3b108582a" providerId="ADAL" clId="{B701DC40-6812-41B8-B173-57A8218FDEAC}" dt="2021-02-17T11:29:57.657" v="501" actId="20577"/>
+          <ac:spMkLst>
+            <pc:docMk/>
+            <pc:sldMk cId="336411019" sldId="544"/>
+            <ac:spMk id="8" creationId="{00000000-0000-0000-0000-000000000000}"/>
+          </ac:spMkLst>
+        </pc:spChg>
+      </pc:sldChg>
+      <pc:sldChg chg="modSp mod modNotesTx">
+        <pc:chgData name="Gerth Stølting Brodal" userId="04ef4784-6591-4f86-a140-f5c3b108582a" providerId="ADAL" clId="{B701DC40-6812-41B8-B173-57A8218FDEAC}" dt="2021-02-17T11:12:54.130" v="428" actId="207"/>
+        <pc:sldMkLst>
+          <pc:docMk/>
+          <pc:sldMk cId="2822266895" sldId="546"/>
+        </pc:sldMkLst>
+        <pc:spChg chg="mod">
+          <ac:chgData name="Gerth Stølting Brodal" userId="04ef4784-6591-4f86-a140-f5c3b108582a" providerId="ADAL" clId="{B701DC40-6812-41B8-B173-57A8218FDEAC}" dt="2021-02-17T11:10:28.303" v="358" actId="20577"/>
+          <ac:spMkLst>
+            <pc:docMk/>
+            <pc:sldMk cId="2822266895" sldId="546"/>
+            <ac:spMk id="3" creationId="{00000000-0000-0000-0000-000000000000}"/>
+          </ac:spMkLst>
+        </pc:spChg>
+        <pc:graphicFrameChg chg="mod modGraphic">
+          <ac:chgData name="Gerth Stølting Brodal" userId="04ef4784-6591-4f86-a140-f5c3b108582a" providerId="ADAL" clId="{B701DC40-6812-41B8-B173-57A8218FDEAC}" dt="2021-02-17T11:12:54.130" v="428" actId="207"/>
+          <ac:graphicFrameMkLst>
+            <pc:docMk/>
+            <pc:sldMk cId="2822266895" sldId="546"/>
+            <ac:graphicFrameMk id="4" creationId="{00000000-0000-0000-0000-000000000000}"/>
+          </ac:graphicFrameMkLst>
+        </pc:graphicFrameChg>
+        <pc:graphicFrameChg chg="mod modGraphic">
+          <ac:chgData name="Gerth Stølting Brodal" userId="04ef4784-6591-4f86-a140-f5c3b108582a" providerId="ADAL" clId="{B701DC40-6812-41B8-B173-57A8218FDEAC}" dt="2021-02-17T11:12:24.427" v="425" actId="207"/>
+          <ac:graphicFrameMkLst>
+            <pc:docMk/>
+            <pc:sldMk cId="2822266895" sldId="546"/>
+            <ac:graphicFrameMk id="5" creationId="{00000000-0000-0000-0000-000000000000}"/>
+          </ac:graphicFrameMkLst>
+        </pc:graphicFrameChg>
+      </pc:sldChg>
+      <pc:sldChg chg="modNotesTx">
+        <pc:chgData name="Gerth Stølting Brodal" userId="04ef4784-6591-4f86-a140-f5c3b108582a" providerId="ADAL" clId="{B701DC40-6812-41B8-B173-57A8218FDEAC}" dt="2021-02-17T10:59:20.115" v="272" actId="20577"/>
+        <pc:sldMkLst>
+          <pc:docMk/>
+          <pc:sldMk cId="3852152376" sldId="550"/>
+        </pc:sldMkLst>
+      </pc:sldChg>
+      <pc:sldChg chg="modSp mod">
+        <pc:chgData name="Gerth Stølting Brodal" userId="04ef4784-6591-4f86-a140-f5c3b108582a" providerId="ADAL" clId="{B701DC40-6812-41B8-B173-57A8218FDEAC}" dt="2021-02-17T11:16:16.929" v="458" actId="20577"/>
+        <pc:sldMkLst>
+          <pc:docMk/>
+          <pc:sldMk cId="3877967072" sldId="551"/>
+        </pc:sldMkLst>
+        <pc:spChg chg="mod">
+          <ac:chgData name="Gerth Stølting Brodal" userId="04ef4784-6591-4f86-a140-f5c3b108582a" providerId="ADAL" clId="{B701DC40-6812-41B8-B173-57A8218FDEAC}" dt="2021-02-17T11:16:16.929" v="458" actId="20577"/>
+          <ac:spMkLst>
+            <pc:docMk/>
+            <pc:sldMk cId="3877967072" sldId="551"/>
+            <ac:spMk id="2" creationId="{00000000-0000-0000-0000-000000000000}"/>
+          </ac:spMkLst>
+        </pc:spChg>
+      </pc:sldChg>
+      <pc:sldChg chg="modNotesTx">
+        <pc:chgData name="Gerth Stølting Brodal" userId="04ef4784-6591-4f86-a140-f5c3b108582a" providerId="ADAL" clId="{B701DC40-6812-41B8-B173-57A8218FDEAC}" dt="2021-02-17T10:43:39.437" v="106" actId="20577"/>
+        <pc:sldMkLst>
+          <pc:docMk/>
+          <pc:sldMk cId="2739811714" sldId="554"/>
+        </pc:sldMkLst>
+      </pc:sldChg>
+      <pc:sldChg chg="modNotesTx">
+        <pc:chgData name="Gerth Stølting Brodal" userId="04ef4784-6591-4f86-a140-f5c3b108582a" providerId="ADAL" clId="{B701DC40-6812-41B8-B173-57A8218FDEAC}" dt="2021-02-17T11:14:37.182" v="456" actId="20577"/>
+        <pc:sldMkLst>
+          <pc:docMk/>
+          <pc:sldMk cId="1145811308" sldId="555"/>
+        </pc:sldMkLst>
+      </pc:sldChg>
+      <pc:sldChg chg="modAnim">
+        <pc:chgData name="Gerth Stølting Brodal" userId="04ef4784-6591-4f86-a140-f5c3b108582a" providerId="ADAL" clId="{B701DC40-6812-41B8-B173-57A8218FDEAC}" dt="2021-02-17T11:31:35.212" v="503"/>
+        <pc:sldMkLst>
+          <pc:docMk/>
+          <pc:sldMk cId="1771596614" sldId="557"/>
+        </pc:sldMkLst>
+      </pc:sldChg>
+      <pc:sldChg chg="modSp mod">
+        <pc:chgData name="Gerth Stølting Brodal" userId="04ef4784-6591-4f86-a140-f5c3b108582a" providerId="ADAL" clId="{B701DC40-6812-41B8-B173-57A8218FDEAC}" dt="2021-02-17T11:27:53.668" v="499" actId="20577"/>
+        <pc:sldMkLst>
+          <pc:docMk/>
+          <pc:sldMk cId="976103109" sldId="567"/>
+        </pc:sldMkLst>
+        <pc:graphicFrameChg chg="mod modGraphic">
+          <ac:chgData name="Gerth Stølting Brodal" userId="04ef4784-6591-4f86-a140-f5c3b108582a" providerId="ADAL" clId="{B701DC40-6812-41B8-B173-57A8218FDEAC}" dt="2021-02-17T11:27:53.668" v="499" actId="20577"/>
+          <ac:graphicFrameMkLst>
+            <pc:docMk/>
+            <pc:sldMk cId="976103109" sldId="567"/>
+            <ac:graphicFrameMk id="5" creationId="{00000000-0000-0000-0000-000000000000}"/>
+          </ac:graphicFrameMkLst>
+        </pc:graphicFrameChg>
+      </pc:sldChg>
+    </pc:docChg>
+  </pc:docChgLst>
+  <pc:docChgLst>
+    <pc:chgData name="Gerth Stølting Brodal" userId="04ef4784-6591-4f86-a140-f5c3b108582a" providerId="ADAL" clId="{A627AC5E-6684-49E2-A419-FF543899C57A}"/>
+    <pc:docChg chg="custSel modSld">
+      <pc:chgData name="Gerth Stølting Brodal" userId="04ef4784-6591-4f86-a140-f5c3b108582a" providerId="ADAL" clId="{A627AC5E-6684-49E2-A419-FF543899C57A}" dt="2024-02-14T08:08:55.212" v="166" actId="20577"/>
+      <pc:docMkLst>
+        <pc:docMk/>
+      </pc:docMkLst>
+      <pc:sldChg chg="modNotesTx">
+        <pc:chgData name="Gerth Stølting Brodal" userId="04ef4784-6591-4f86-a140-f5c3b108582a" providerId="ADAL" clId="{A627AC5E-6684-49E2-A419-FF543899C57A}" dt="2024-02-14T07:58:39.941" v="55" actId="20577"/>
+        <pc:sldMkLst>
+          <pc:docMk/>
+          <pc:sldMk cId="2705371955" sldId="559"/>
+        </pc:sldMkLst>
+      </pc:sldChg>
+      <pc:sldChg chg="modNotesTx">
+        <pc:chgData name="Gerth Stølting Brodal" userId="04ef4784-6591-4f86-a140-f5c3b108582a" providerId="ADAL" clId="{A627AC5E-6684-49E2-A419-FF543899C57A}" dt="2024-02-14T08:08:55.212" v="166" actId="20577"/>
+        <pc:sldMkLst>
+          <pc:docMk/>
+          <pc:sldMk cId="630244301" sldId="566"/>
+        </pc:sldMkLst>
+      </pc:sldChg>
+    </pc:docChg>
+  </pc:docChgLst>
+  <pc:docChgLst>
+    <pc:chgData name="Gerth Stølting Brodal" userId="04ef4784-6591-4f86-a140-f5c3b108582a" providerId="ADAL" clId="{3A49286A-3992-4B37-8BB5-DA83FEA0A6BC}"/>
+    <pc:docChg chg="undo custSel modSld">
+      <pc:chgData name="Gerth Stølting Brodal" userId="04ef4784-6591-4f86-a140-f5c3b108582a" providerId="ADAL" clId="{3A49286A-3992-4B37-8BB5-DA83FEA0A6BC}" dt="2023-02-20T07:48:51.581" v="249"/>
+      <pc:docMkLst>
+        <pc:docMk/>
+      </pc:docMkLst>
+      <pc:sldChg chg="modSp mod">
+        <pc:chgData name="Gerth Stølting Brodal" userId="04ef4784-6591-4f86-a140-f5c3b108582a" providerId="ADAL" clId="{3A49286A-3992-4B37-8BB5-DA83FEA0A6BC}" dt="2023-02-15T07:26:17.322" v="42" actId="207"/>
+        <pc:sldMkLst>
+          <pc:docMk/>
+          <pc:sldMk cId="2460918877" sldId="545"/>
+        </pc:sldMkLst>
+        <pc:graphicFrameChg chg="modGraphic">
+          <ac:chgData name="Gerth Stølting Brodal" userId="04ef4784-6591-4f86-a140-f5c3b108582a" providerId="ADAL" clId="{3A49286A-3992-4B37-8BB5-DA83FEA0A6BC}" dt="2023-02-15T07:26:17.322" v="42" actId="207"/>
+          <ac:graphicFrameMkLst>
+            <pc:docMk/>
+            <pc:sldMk cId="2460918877" sldId="545"/>
+            <ac:graphicFrameMk id="14" creationId="{00000000-0000-0000-0000-000000000000}"/>
+          </ac:graphicFrameMkLst>
+        </pc:graphicFrameChg>
+      </pc:sldChg>
+      <pc:sldChg chg="modSp mod">
+        <pc:chgData name="Gerth Stølting Brodal" userId="04ef4784-6591-4f86-a140-f5c3b108582a" providerId="ADAL" clId="{3A49286A-3992-4B37-8BB5-DA83FEA0A6BC}" dt="2023-02-15T07:35:23.247" v="50" actId="313"/>
+        <pc:sldMkLst>
+          <pc:docMk/>
+          <pc:sldMk cId="2822266895" sldId="546"/>
+        </pc:sldMkLst>
+        <pc:graphicFrameChg chg="modGraphic">
+          <ac:chgData name="Gerth Stølting Brodal" userId="04ef4784-6591-4f86-a140-f5c3b108582a" providerId="ADAL" clId="{3A49286A-3992-4B37-8BB5-DA83FEA0A6BC}" dt="2023-02-15T07:35:23.247" v="50" actId="313"/>
+          <ac:graphicFrameMkLst>
+            <pc:docMk/>
+            <pc:sldMk cId="2822266895" sldId="546"/>
+            <ac:graphicFrameMk id="5" creationId="{00000000-0000-0000-0000-000000000000}"/>
+          </ac:graphicFrameMkLst>
+        </pc:graphicFrameChg>
+      </pc:sldChg>
+      <pc:sldChg chg="modSp mod">
+        <pc:chgData name="Gerth Stølting Brodal" userId="04ef4784-6591-4f86-a140-f5c3b108582a" providerId="ADAL" clId="{3A49286A-3992-4B37-8BB5-DA83FEA0A6BC}" dt="2023-02-15T07:07:54.666" v="2" actId="20577"/>
+        <pc:sldMkLst>
+          <pc:docMk/>
+          <pc:sldMk cId="58256463" sldId="548"/>
+        </pc:sldMkLst>
+        <pc:spChg chg="mod">
+          <ac:chgData name="Gerth Stølting Brodal" userId="04ef4784-6591-4f86-a140-f5c3b108582a" providerId="ADAL" clId="{3A49286A-3992-4B37-8BB5-DA83FEA0A6BC}" dt="2023-02-15T07:07:54.666" v="2" actId="20577"/>
+          <ac:spMkLst>
+            <pc:docMk/>
+            <pc:sldMk cId="58256463" sldId="548"/>
+            <ac:spMk id="3" creationId="{00000000-0000-0000-0000-000000000000}"/>
+          </ac:spMkLst>
+        </pc:spChg>
+      </pc:sldChg>
+      <pc:sldChg chg="modSp mod modNotesTx">
+        <pc:chgData name="Gerth Stølting Brodal" userId="04ef4784-6591-4f86-a140-f5c3b108582a" providerId="ADAL" clId="{3A49286A-3992-4B37-8BB5-DA83FEA0A6BC}" dt="2023-02-20T07:48:51.581" v="249"/>
+        <pc:sldMkLst>
+          <pc:docMk/>
+          <pc:sldMk cId="3852152376" sldId="550"/>
+        </pc:sldMkLst>
+        <pc:graphicFrameChg chg="modGraphic">
+          <ac:chgData name="Gerth Stølting Brodal" userId="04ef4784-6591-4f86-a140-f5c3b108582a" providerId="ADAL" clId="{3A49286A-3992-4B37-8BB5-DA83FEA0A6BC}" dt="2023-02-20T07:44:26.230" v="247" actId="20577"/>
+          <ac:graphicFrameMkLst>
+            <pc:docMk/>
+            <pc:sldMk cId="3852152376" sldId="550"/>
+            <ac:graphicFrameMk id="6" creationId="{00000000-0000-0000-0000-000000000000}"/>
+          </ac:graphicFrameMkLst>
+        </pc:graphicFrameChg>
+      </pc:sldChg>
+      <pc:sldChg chg="modSp mod modNotesTx">
+        <pc:chgData name="Gerth Stølting Brodal" userId="04ef4784-6591-4f86-a140-f5c3b108582a" providerId="ADAL" clId="{3A49286A-3992-4B37-8BB5-DA83FEA0A6BC}" dt="2023-02-15T07:13:19.465" v="34" actId="313"/>
+        <pc:sldMkLst>
+          <pc:docMk/>
+          <pc:sldMk cId="2739811714" sldId="554"/>
+        </pc:sldMkLst>
+        <pc:graphicFrameChg chg="modGraphic">
+          <ac:chgData name="Gerth Stølting Brodal" userId="04ef4784-6591-4f86-a140-f5c3b108582a" providerId="ADAL" clId="{3A49286A-3992-4B37-8BB5-DA83FEA0A6BC}" dt="2023-02-15T07:13:19.465" v="34" actId="313"/>
+          <ac:graphicFrameMkLst>
+            <pc:docMk/>
+            <pc:sldMk cId="2739811714" sldId="554"/>
+            <ac:graphicFrameMk id="9" creationId="{00000000-0000-0000-0000-000000000000}"/>
+          </ac:graphicFrameMkLst>
+        </pc:graphicFrameChg>
+      </pc:sldChg>
+      <pc:sldChg chg="modSp mod modNotesTx">
+        <pc:chgData name="Gerth Stølting Brodal" userId="04ef4784-6591-4f86-a140-f5c3b108582a" providerId="ADAL" clId="{3A49286A-3992-4B37-8BB5-DA83FEA0A6BC}" dt="2023-02-15T07:40:12.317" v="108" actId="20577"/>
+        <pc:sldMkLst>
+          <pc:docMk/>
+          <pc:sldMk cId="1145811308" sldId="555"/>
+        </pc:sldMkLst>
+        <pc:spChg chg="mod">
+          <ac:chgData name="Gerth Stølting Brodal" userId="04ef4784-6591-4f86-a140-f5c3b108582a" providerId="ADAL" clId="{3A49286A-3992-4B37-8BB5-DA83FEA0A6BC}" dt="2023-02-15T07:36:07.663" v="52" actId="20577"/>
+          <ac:spMkLst>
+            <pc:docMk/>
+            <pc:sldMk cId="1145811308" sldId="555"/>
+            <ac:spMk id="3" creationId="{00000000-0000-0000-0000-000000000000}"/>
+          </ac:spMkLst>
+        </pc:spChg>
+      </pc:sldChg>
+      <pc:sldChg chg="modSp mod">
+        <pc:chgData name="Gerth Stølting Brodal" userId="04ef4784-6591-4f86-a140-f5c3b108582a" providerId="ADAL" clId="{3A49286A-3992-4B37-8BB5-DA83FEA0A6BC}" dt="2023-02-15T07:23:46.419" v="37" actId="313"/>
+        <pc:sldMkLst>
+          <pc:docMk/>
+          <pc:sldMk cId="2970082559" sldId="561"/>
+        </pc:sldMkLst>
+        <pc:graphicFrameChg chg="modGraphic">
+          <ac:chgData name="Gerth Stølting Brodal" userId="04ef4784-6591-4f86-a140-f5c3b108582a" providerId="ADAL" clId="{3A49286A-3992-4B37-8BB5-DA83FEA0A6BC}" dt="2023-02-15T07:23:46.419" v="37" actId="313"/>
+          <ac:graphicFrameMkLst>
+            <pc:docMk/>
+            <pc:sldMk cId="2970082559" sldId="561"/>
+            <ac:graphicFrameMk id="16" creationId="{00000000-0000-0000-0000-000000000000}"/>
+          </ac:graphicFrameMkLst>
+        </pc:graphicFrameChg>
+      </pc:sldChg>
+      <pc:sldChg chg="addSp modSp mod modAnim">
+        <pc:chgData name="Gerth Stølting Brodal" userId="04ef4784-6591-4f86-a140-f5c3b108582a" providerId="ADAL" clId="{3A49286A-3992-4B37-8BB5-DA83FEA0A6BC}" dt="2023-02-19T17:48:21.019" v="243" actId="20577"/>
+        <pc:sldMkLst>
+          <pc:docMk/>
+          <pc:sldMk cId="630244301" sldId="566"/>
+        </pc:sldMkLst>
+        <pc:spChg chg="mod">
+          <ac:chgData name="Gerth Stølting Brodal" userId="04ef4784-6591-4f86-a140-f5c3b108582a" providerId="ADAL" clId="{3A49286A-3992-4B37-8BB5-DA83FEA0A6BC}" dt="2023-02-15T07:54:19.957" v="209" actId="1037"/>
+          <ac:spMkLst>
+            <pc:docMk/>
+            <pc:sldMk cId="630244301" sldId="566"/>
+            <ac:spMk id="2" creationId="{00000000-0000-0000-0000-000000000000}"/>
+          </ac:spMkLst>
+        </pc:spChg>
+        <pc:spChg chg="add mod">
+          <ac:chgData name="Gerth Stølting Brodal" userId="04ef4784-6591-4f86-a140-f5c3b108582a" providerId="ADAL" clId="{3A49286A-3992-4B37-8BB5-DA83FEA0A6BC}" dt="2023-02-15T07:54:39.447" v="210" actId="164"/>
+          <ac:spMkLst>
+            <pc:docMk/>
+            <pc:sldMk cId="630244301" sldId="566"/>
+            <ac:spMk id="4" creationId="{D7E080DF-C0C5-20D2-33A0-8827EF54D731}"/>
+          </ac:spMkLst>
+        </pc:spChg>
+        <pc:grpChg chg="add mod">
+          <ac:chgData name="Gerth Stølting Brodal" userId="04ef4784-6591-4f86-a140-f5c3b108582a" providerId="ADAL" clId="{3A49286A-3992-4B37-8BB5-DA83FEA0A6BC}" dt="2023-02-15T07:54:39.447" v="210" actId="164"/>
+          <ac:grpSpMkLst>
+            <pc:docMk/>
+            <pc:sldMk cId="630244301" sldId="566"/>
+            <ac:grpSpMk id="10" creationId="{1B0019EB-33BE-97BA-7C06-038561597A77}"/>
+          </ac:grpSpMkLst>
+        </pc:grpChg>
+        <pc:graphicFrameChg chg="modGraphic">
+          <ac:chgData name="Gerth Stølting Brodal" userId="04ef4784-6591-4f86-a140-f5c3b108582a" providerId="ADAL" clId="{3A49286A-3992-4B37-8BB5-DA83FEA0A6BC}" dt="2023-02-19T17:48:21.019" v="243" actId="20577"/>
+          <ac:graphicFrameMkLst>
+            <pc:docMk/>
+            <pc:sldMk cId="630244301" sldId="566"/>
+            <ac:graphicFrameMk id="5" creationId="{00000000-0000-0000-0000-000000000000}"/>
+          </ac:graphicFrameMkLst>
+        </pc:graphicFrameChg>
+        <pc:picChg chg="add mod">
+          <ac:chgData name="Gerth Stølting Brodal" userId="04ef4784-6591-4f86-a140-f5c3b108582a" providerId="ADAL" clId="{3A49286A-3992-4B37-8BB5-DA83FEA0A6BC}" dt="2023-02-15T07:54:39.447" v="210" actId="164"/>
+          <ac:picMkLst>
+            <pc:docMk/>
+            <pc:sldMk cId="630244301" sldId="566"/>
+            <ac:picMk id="7" creationId="{CA096CE3-516F-E1E8-40C5-CB86C3E9C347}"/>
+          </ac:picMkLst>
+        </pc:picChg>
+      </pc:sldChg>
+    </pc:docChg>
+  </pc:docChgLst>
   <pc:docChgLst>
     <pc:chgData name="Gerth Stølting Brodal" userId="04ef4784-6591-4f86-a140-f5c3b108582a" providerId="ADAL" clId="{32A0BADB-2EDA-40A0-B15A-8D58BACC3113}"/>
     <pc:docChg chg="undo custSel addSld modSld">
@@ -545,280 +842,6 @@
     </pc:docChg>
   </pc:docChgLst>
   <pc:docChgLst>
-    <pc:chgData name="Gerth Stølting Brodal" userId="04ef4784-6591-4f86-a140-f5c3b108582a" providerId="ADAL" clId="{3A49286A-3992-4B37-8BB5-DA83FEA0A6BC}"/>
-    <pc:docChg chg="undo custSel modSld">
-      <pc:chgData name="Gerth Stølting Brodal" userId="04ef4784-6591-4f86-a140-f5c3b108582a" providerId="ADAL" clId="{3A49286A-3992-4B37-8BB5-DA83FEA0A6BC}" dt="2023-02-20T07:48:51.581" v="249"/>
-      <pc:docMkLst>
-        <pc:docMk/>
-      </pc:docMkLst>
-      <pc:sldChg chg="modSp mod">
-        <pc:chgData name="Gerth Stølting Brodal" userId="04ef4784-6591-4f86-a140-f5c3b108582a" providerId="ADAL" clId="{3A49286A-3992-4B37-8BB5-DA83FEA0A6BC}" dt="2023-02-15T07:26:17.322" v="42" actId="207"/>
-        <pc:sldMkLst>
-          <pc:docMk/>
-          <pc:sldMk cId="2460918877" sldId="545"/>
-        </pc:sldMkLst>
-        <pc:graphicFrameChg chg="modGraphic">
-          <ac:chgData name="Gerth Stølting Brodal" userId="04ef4784-6591-4f86-a140-f5c3b108582a" providerId="ADAL" clId="{3A49286A-3992-4B37-8BB5-DA83FEA0A6BC}" dt="2023-02-15T07:26:17.322" v="42" actId="207"/>
-          <ac:graphicFrameMkLst>
-            <pc:docMk/>
-            <pc:sldMk cId="2460918877" sldId="545"/>
-            <ac:graphicFrameMk id="14" creationId="{00000000-0000-0000-0000-000000000000}"/>
-          </ac:graphicFrameMkLst>
-        </pc:graphicFrameChg>
-      </pc:sldChg>
-      <pc:sldChg chg="modSp mod">
-        <pc:chgData name="Gerth Stølting Brodal" userId="04ef4784-6591-4f86-a140-f5c3b108582a" providerId="ADAL" clId="{3A49286A-3992-4B37-8BB5-DA83FEA0A6BC}" dt="2023-02-15T07:35:23.247" v="50" actId="313"/>
-        <pc:sldMkLst>
-          <pc:docMk/>
-          <pc:sldMk cId="2822266895" sldId="546"/>
-        </pc:sldMkLst>
-        <pc:graphicFrameChg chg="modGraphic">
-          <ac:chgData name="Gerth Stølting Brodal" userId="04ef4784-6591-4f86-a140-f5c3b108582a" providerId="ADAL" clId="{3A49286A-3992-4B37-8BB5-DA83FEA0A6BC}" dt="2023-02-15T07:35:23.247" v="50" actId="313"/>
-          <ac:graphicFrameMkLst>
-            <pc:docMk/>
-            <pc:sldMk cId="2822266895" sldId="546"/>
-            <ac:graphicFrameMk id="5" creationId="{00000000-0000-0000-0000-000000000000}"/>
-          </ac:graphicFrameMkLst>
-        </pc:graphicFrameChg>
-      </pc:sldChg>
-      <pc:sldChg chg="modSp mod">
-        <pc:chgData name="Gerth Stølting Brodal" userId="04ef4784-6591-4f86-a140-f5c3b108582a" providerId="ADAL" clId="{3A49286A-3992-4B37-8BB5-DA83FEA0A6BC}" dt="2023-02-15T07:07:54.666" v="2" actId="20577"/>
-        <pc:sldMkLst>
-          <pc:docMk/>
-          <pc:sldMk cId="58256463" sldId="548"/>
-        </pc:sldMkLst>
-        <pc:spChg chg="mod">
-          <ac:chgData name="Gerth Stølting Brodal" userId="04ef4784-6591-4f86-a140-f5c3b108582a" providerId="ADAL" clId="{3A49286A-3992-4B37-8BB5-DA83FEA0A6BC}" dt="2023-02-15T07:07:54.666" v="2" actId="20577"/>
-          <ac:spMkLst>
-            <pc:docMk/>
-            <pc:sldMk cId="58256463" sldId="548"/>
-            <ac:spMk id="3" creationId="{00000000-0000-0000-0000-000000000000}"/>
-          </ac:spMkLst>
-        </pc:spChg>
-      </pc:sldChg>
-      <pc:sldChg chg="modSp mod modNotesTx">
-        <pc:chgData name="Gerth Stølting Brodal" userId="04ef4784-6591-4f86-a140-f5c3b108582a" providerId="ADAL" clId="{3A49286A-3992-4B37-8BB5-DA83FEA0A6BC}" dt="2023-02-20T07:48:51.581" v="249"/>
-        <pc:sldMkLst>
-          <pc:docMk/>
-          <pc:sldMk cId="3852152376" sldId="550"/>
-        </pc:sldMkLst>
-        <pc:graphicFrameChg chg="modGraphic">
-          <ac:chgData name="Gerth Stølting Brodal" userId="04ef4784-6591-4f86-a140-f5c3b108582a" providerId="ADAL" clId="{3A49286A-3992-4B37-8BB5-DA83FEA0A6BC}" dt="2023-02-20T07:44:26.230" v="247" actId="20577"/>
-          <ac:graphicFrameMkLst>
-            <pc:docMk/>
-            <pc:sldMk cId="3852152376" sldId="550"/>
-            <ac:graphicFrameMk id="6" creationId="{00000000-0000-0000-0000-000000000000}"/>
-          </ac:graphicFrameMkLst>
-        </pc:graphicFrameChg>
-      </pc:sldChg>
-      <pc:sldChg chg="modSp mod modNotesTx">
-        <pc:chgData name="Gerth Stølting Brodal" userId="04ef4784-6591-4f86-a140-f5c3b108582a" providerId="ADAL" clId="{3A49286A-3992-4B37-8BB5-DA83FEA0A6BC}" dt="2023-02-15T07:13:19.465" v="34" actId="313"/>
-        <pc:sldMkLst>
-          <pc:docMk/>
-          <pc:sldMk cId="2739811714" sldId="554"/>
-        </pc:sldMkLst>
-        <pc:graphicFrameChg chg="modGraphic">
-          <ac:chgData name="Gerth Stølting Brodal" userId="04ef4784-6591-4f86-a140-f5c3b108582a" providerId="ADAL" clId="{3A49286A-3992-4B37-8BB5-DA83FEA0A6BC}" dt="2023-02-15T07:13:19.465" v="34" actId="313"/>
-          <ac:graphicFrameMkLst>
-            <pc:docMk/>
-            <pc:sldMk cId="2739811714" sldId="554"/>
-            <ac:graphicFrameMk id="9" creationId="{00000000-0000-0000-0000-000000000000}"/>
-          </ac:graphicFrameMkLst>
-        </pc:graphicFrameChg>
-      </pc:sldChg>
-      <pc:sldChg chg="modSp mod modNotesTx">
-        <pc:chgData name="Gerth Stølting Brodal" userId="04ef4784-6591-4f86-a140-f5c3b108582a" providerId="ADAL" clId="{3A49286A-3992-4B37-8BB5-DA83FEA0A6BC}" dt="2023-02-15T07:40:12.317" v="108" actId="20577"/>
-        <pc:sldMkLst>
-          <pc:docMk/>
-          <pc:sldMk cId="1145811308" sldId="555"/>
-        </pc:sldMkLst>
-        <pc:spChg chg="mod">
-          <ac:chgData name="Gerth Stølting Brodal" userId="04ef4784-6591-4f86-a140-f5c3b108582a" providerId="ADAL" clId="{3A49286A-3992-4B37-8BB5-DA83FEA0A6BC}" dt="2023-02-15T07:36:07.663" v="52" actId="20577"/>
-          <ac:spMkLst>
-            <pc:docMk/>
-            <pc:sldMk cId="1145811308" sldId="555"/>
-            <ac:spMk id="3" creationId="{00000000-0000-0000-0000-000000000000}"/>
-          </ac:spMkLst>
-        </pc:spChg>
-      </pc:sldChg>
-      <pc:sldChg chg="modSp mod">
-        <pc:chgData name="Gerth Stølting Brodal" userId="04ef4784-6591-4f86-a140-f5c3b108582a" providerId="ADAL" clId="{3A49286A-3992-4B37-8BB5-DA83FEA0A6BC}" dt="2023-02-15T07:23:46.419" v="37" actId="313"/>
-        <pc:sldMkLst>
-          <pc:docMk/>
-          <pc:sldMk cId="2970082559" sldId="561"/>
-        </pc:sldMkLst>
-        <pc:graphicFrameChg chg="modGraphic">
-          <ac:chgData name="Gerth Stølting Brodal" userId="04ef4784-6591-4f86-a140-f5c3b108582a" providerId="ADAL" clId="{3A49286A-3992-4B37-8BB5-DA83FEA0A6BC}" dt="2023-02-15T07:23:46.419" v="37" actId="313"/>
-          <ac:graphicFrameMkLst>
-            <pc:docMk/>
-            <pc:sldMk cId="2970082559" sldId="561"/>
-            <ac:graphicFrameMk id="16" creationId="{00000000-0000-0000-0000-000000000000}"/>
-          </ac:graphicFrameMkLst>
-        </pc:graphicFrameChg>
-      </pc:sldChg>
-      <pc:sldChg chg="addSp modSp mod modAnim">
-        <pc:chgData name="Gerth Stølting Brodal" userId="04ef4784-6591-4f86-a140-f5c3b108582a" providerId="ADAL" clId="{3A49286A-3992-4B37-8BB5-DA83FEA0A6BC}" dt="2023-02-19T17:48:21.019" v="243" actId="20577"/>
-        <pc:sldMkLst>
-          <pc:docMk/>
-          <pc:sldMk cId="630244301" sldId="566"/>
-        </pc:sldMkLst>
-        <pc:spChg chg="mod">
-          <ac:chgData name="Gerth Stølting Brodal" userId="04ef4784-6591-4f86-a140-f5c3b108582a" providerId="ADAL" clId="{3A49286A-3992-4B37-8BB5-DA83FEA0A6BC}" dt="2023-02-15T07:54:19.957" v="209" actId="1037"/>
-          <ac:spMkLst>
-            <pc:docMk/>
-            <pc:sldMk cId="630244301" sldId="566"/>
-            <ac:spMk id="2" creationId="{00000000-0000-0000-0000-000000000000}"/>
-          </ac:spMkLst>
-        </pc:spChg>
-        <pc:spChg chg="add mod">
-          <ac:chgData name="Gerth Stølting Brodal" userId="04ef4784-6591-4f86-a140-f5c3b108582a" providerId="ADAL" clId="{3A49286A-3992-4B37-8BB5-DA83FEA0A6BC}" dt="2023-02-15T07:54:39.447" v="210" actId="164"/>
-          <ac:spMkLst>
-            <pc:docMk/>
-            <pc:sldMk cId="630244301" sldId="566"/>
-            <ac:spMk id="4" creationId="{D7E080DF-C0C5-20D2-33A0-8827EF54D731}"/>
-          </ac:spMkLst>
-        </pc:spChg>
-        <pc:grpChg chg="add mod">
-          <ac:chgData name="Gerth Stølting Brodal" userId="04ef4784-6591-4f86-a140-f5c3b108582a" providerId="ADAL" clId="{3A49286A-3992-4B37-8BB5-DA83FEA0A6BC}" dt="2023-02-15T07:54:39.447" v="210" actId="164"/>
-          <ac:grpSpMkLst>
-            <pc:docMk/>
-            <pc:sldMk cId="630244301" sldId="566"/>
-            <ac:grpSpMk id="10" creationId="{1B0019EB-33BE-97BA-7C06-038561597A77}"/>
-          </ac:grpSpMkLst>
-        </pc:grpChg>
-        <pc:graphicFrameChg chg="modGraphic">
-          <ac:chgData name="Gerth Stølting Brodal" userId="04ef4784-6591-4f86-a140-f5c3b108582a" providerId="ADAL" clId="{3A49286A-3992-4B37-8BB5-DA83FEA0A6BC}" dt="2023-02-19T17:48:21.019" v="243" actId="20577"/>
-          <ac:graphicFrameMkLst>
-            <pc:docMk/>
-            <pc:sldMk cId="630244301" sldId="566"/>
-            <ac:graphicFrameMk id="5" creationId="{00000000-0000-0000-0000-000000000000}"/>
-          </ac:graphicFrameMkLst>
-        </pc:graphicFrameChg>
-        <pc:picChg chg="add mod">
-          <ac:chgData name="Gerth Stølting Brodal" userId="04ef4784-6591-4f86-a140-f5c3b108582a" providerId="ADAL" clId="{3A49286A-3992-4B37-8BB5-DA83FEA0A6BC}" dt="2023-02-15T07:54:39.447" v="210" actId="164"/>
-          <ac:picMkLst>
-            <pc:docMk/>
-            <pc:sldMk cId="630244301" sldId="566"/>
-            <ac:picMk id="7" creationId="{CA096CE3-516F-E1E8-40C5-CB86C3E9C347}"/>
-          </ac:picMkLst>
-        </pc:picChg>
-      </pc:sldChg>
-    </pc:docChg>
-  </pc:docChgLst>
-  <pc:docChgLst>
-    <pc:chgData name="Gerth Stølting Brodal" userId="04ef4784-6591-4f86-a140-f5c3b108582a" providerId="ADAL" clId="{B701DC40-6812-41B8-B173-57A8218FDEAC}"/>
-    <pc:docChg chg="undo custSel modSld">
-      <pc:chgData name="Gerth Stølting Brodal" userId="04ef4784-6591-4f86-a140-f5c3b108582a" providerId="ADAL" clId="{B701DC40-6812-41B8-B173-57A8218FDEAC}" dt="2021-02-17T11:31:35.212" v="503"/>
-      <pc:docMkLst>
-        <pc:docMk/>
-      </pc:docMkLst>
-      <pc:sldChg chg="modSp mod">
-        <pc:chgData name="Gerth Stølting Brodal" userId="04ef4784-6591-4f86-a140-f5c3b108582a" providerId="ADAL" clId="{B701DC40-6812-41B8-B173-57A8218FDEAC}" dt="2021-02-17T11:29:57.657" v="501" actId="20577"/>
-        <pc:sldMkLst>
-          <pc:docMk/>
-          <pc:sldMk cId="336411019" sldId="544"/>
-        </pc:sldMkLst>
-        <pc:spChg chg="mod">
-          <ac:chgData name="Gerth Stølting Brodal" userId="04ef4784-6591-4f86-a140-f5c3b108582a" providerId="ADAL" clId="{B701DC40-6812-41B8-B173-57A8218FDEAC}" dt="2021-02-17T11:29:57.657" v="501" actId="20577"/>
-          <ac:spMkLst>
-            <pc:docMk/>
-            <pc:sldMk cId="336411019" sldId="544"/>
-            <ac:spMk id="8" creationId="{00000000-0000-0000-0000-000000000000}"/>
-          </ac:spMkLst>
-        </pc:spChg>
-      </pc:sldChg>
-      <pc:sldChg chg="modSp mod modNotesTx">
-        <pc:chgData name="Gerth Stølting Brodal" userId="04ef4784-6591-4f86-a140-f5c3b108582a" providerId="ADAL" clId="{B701DC40-6812-41B8-B173-57A8218FDEAC}" dt="2021-02-17T11:12:54.130" v="428" actId="207"/>
-        <pc:sldMkLst>
-          <pc:docMk/>
-          <pc:sldMk cId="2822266895" sldId="546"/>
-        </pc:sldMkLst>
-        <pc:spChg chg="mod">
-          <ac:chgData name="Gerth Stølting Brodal" userId="04ef4784-6591-4f86-a140-f5c3b108582a" providerId="ADAL" clId="{B701DC40-6812-41B8-B173-57A8218FDEAC}" dt="2021-02-17T11:10:28.303" v="358" actId="20577"/>
-          <ac:spMkLst>
-            <pc:docMk/>
-            <pc:sldMk cId="2822266895" sldId="546"/>
-            <ac:spMk id="3" creationId="{00000000-0000-0000-0000-000000000000}"/>
-          </ac:spMkLst>
-        </pc:spChg>
-        <pc:graphicFrameChg chg="mod modGraphic">
-          <ac:chgData name="Gerth Stølting Brodal" userId="04ef4784-6591-4f86-a140-f5c3b108582a" providerId="ADAL" clId="{B701DC40-6812-41B8-B173-57A8218FDEAC}" dt="2021-02-17T11:12:54.130" v="428" actId="207"/>
-          <ac:graphicFrameMkLst>
-            <pc:docMk/>
-            <pc:sldMk cId="2822266895" sldId="546"/>
-            <ac:graphicFrameMk id="4" creationId="{00000000-0000-0000-0000-000000000000}"/>
-          </ac:graphicFrameMkLst>
-        </pc:graphicFrameChg>
-        <pc:graphicFrameChg chg="mod modGraphic">
-          <ac:chgData name="Gerth Stølting Brodal" userId="04ef4784-6591-4f86-a140-f5c3b108582a" providerId="ADAL" clId="{B701DC40-6812-41B8-B173-57A8218FDEAC}" dt="2021-02-17T11:12:24.427" v="425" actId="207"/>
-          <ac:graphicFrameMkLst>
-            <pc:docMk/>
-            <pc:sldMk cId="2822266895" sldId="546"/>
-            <ac:graphicFrameMk id="5" creationId="{00000000-0000-0000-0000-000000000000}"/>
-          </ac:graphicFrameMkLst>
-        </pc:graphicFrameChg>
-      </pc:sldChg>
-      <pc:sldChg chg="modNotesTx">
-        <pc:chgData name="Gerth Stølting Brodal" userId="04ef4784-6591-4f86-a140-f5c3b108582a" providerId="ADAL" clId="{B701DC40-6812-41B8-B173-57A8218FDEAC}" dt="2021-02-17T10:59:20.115" v="272" actId="20577"/>
-        <pc:sldMkLst>
-          <pc:docMk/>
-          <pc:sldMk cId="3852152376" sldId="550"/>
-        </pc:sldMkLst>
-      </pc:sldChg>
-      <pc:sldChg chg="modSp mod">
-        <pc:chgData name="Gerth Stølting Brodal" userId="04ef4784-6591-4f86-a140-f5c3b108582a" providerId="ADAL" clId="{B701DC40-6812-41B8-B173-57A8218FDEAC}" dt="2021-02-17T11:16:16.929" v="458" actId="20577"/>
-        <pc:sldMkLst>
-          <pc:docMk/>
-          <pc:sldMk cId="3877967072" sldId="551"/>
-        </pc:sldMkLst>
-        <pc:spChg chg="mod">
-          <ac:chgData name="Gerth Stølting Brodal" userId="04ef4784-6591-4f86-a140-f5c3b108582a" providerId="ADAL" clId="{B701DC40-6812-41B8-B173-57A8218FDEAC}" dt="2021-02-17T11:16:16.929" v="458" actId="20577"/>
-          <ac:spMkLst>
-            <pc:docMk/>
-            <pc:sldMk cId="3877967072" sldId="551"/>
-            <ac:spMk id="2" creationId="{00000000-0000-0000-0000-000000000000}"/>
-          </ac:spMkLst>
-        </pc:spChg>
-      </pc:sldChg>
-      <pc:sldChg chg="modNotesTx">
-        <pc:chgData name="Gerth Stølting Brodal" userId="04ef4784-6591-4f86-a140-f5c3b108582a" providerId="ADAL" clId="{B701DC40-6812-41B8-B173-57A8218FDEAC}" dt="2021-02-17T10:43:39.437" v="106" actId="20577"/>
-        <pc:sldMkLst>
-          <pc:docMk/>
-          <pc:sldMk cId="2739811714" sldId="554"/>
-        </pc:sldMkLst>
-      </pc:sldChg>
-      <pc:sldChg chg="modNotesTx">
-        <pc:chgData name="Gerth Stølting Brodal" userId="04ef4784-6591-4f86-a140-f5c3b108582a" providerId="ADAL" clId="{B701DC40-6812-41B8-B173-57A8218FDEAC}" dt="2021-02-17T11:14:37.182" v="456" actId="20577"/>
-        <pc:sldMkLst>
-          <pc:docMk/>
-          <pc:sldMk cId="1145811308" sldId="555"/>
-        </pc:sldMkLst>
-      </pc:sldChg>
-      <pc:sldChg chg="modAnim">
-        <pc:chgData name="Gerth Stølting Brodal" userId="04ef4784-6591-4f86-a140-f5c3b108582a" providerId="ADAL" clId="{B701DC40-6812-41B8-B173-57A8218FDEAC}" dt="2021-02-17T11:31:35.212" v="503"/>
-        <pc:sldMkLst>
-          <pc:docMk/>
-          <pc:sldMk cId="1771596614" sldId="557"/>
-        </pc:sldMkLst>
-      </pc:sldChg>
-      <pc:sldChg chg="modSp mod">
-        <pc:chgData name="Gerth Stølting Brodal" userId="04ef4784-6591-4f86-a140-f5c3b108582a" providerId="ADAL" clId="{B701DC40-6812-41B8-B173-57A8218FDEAC}" dt="2021-02-17T11:27:53.668" v="499" actId="20577"/>
-        <pc:sldMkLst>
-          <pc:docMk/>
-          <pc:sldMk cId="976103109" sldId="567"/>
-        </pc:sldMkLst>
-        <pc:graphicFrameChg chg="mod modGraphic">
-          <ac:chgData name="Gerth Stølting Brodal" userId="04ef4784-6591-4f86-a140-f5c3b108582a" providerId="ADAL" clId="{B701DC40-6812-41B8-B173-57A8218FDEAC}" dt="2021-02-17T11:27:53.668" v="499" actId="20577"/>
-          <ac:graphicFrameMkLst>
-            <pc:docMk/>
-            <pc:sldMk cId="976103109" sldId="567"/>
-            <ac:graphicFrameMk id="5" creationId="{00000000-0000-0000-0000-000000000000}"/>
-          </ac:graphicFrameMkLst>
-        </pc:graphicFrameChg>
-      </pc:sldChg>
-    </pc:docChg>
-  </pc:docChgLst>
-  <pc:docChgLst>
     <pc:chgData name="Gerth Stølting Brodal" userId="04ef4784-6591-4f86-a140-f5c3b108582a" providerId="ADAL" clId="{D2ACEB61-307D-4705-9616-7BF401642D94}"/>
     <pc:docChg chg="undo custSel modSld">
       <pc:chgData name="Gerth Stølting Brodal" userId="04ef4784-6591-4f86-a140-f5c3b108582a" providerId="ADAL" clId="{D2ACEB61-307D-4705-9616-7BF401642D94}" dt="2023-10-14T11:57:13.483" v="129" actId="20577"/>
@@ -919,7 +942,7 @@
           <a:p>
             <a:fld id="{FB1A172F-81D4-4DC4-9113-1DBD56EC3646}" type="datetimeFigureOut">
               <a:rPr lang="en-US" smtClean="0"/>
-              <a:t>10/14/2023</a:t>
+              <a:t>2/13/2024</a:t>
             </a:fld>
             <a:endParaRPr lang="en-US"/>
           </a:p>
@@ -1733,15 +1756,7 @@
             </a:r>
             <a:r>
               <a:rPr lang="da-DK" baseline="0" dirty="0"/>
-              <a:t> </a:t>
-            </a:r>
-            <a:r>
-              <a:rPr lang="da-DK" baseline="0"/>
-              <a:t>bit like a </a:t>
-            </a:r>
-            <a:r>
-              <a:rPr lang="da-DK" baseline="0" dirty="0"/>
-              <a:t>”</a:t>
+              <a:t> bit like a ”</a:t>
             </a:r>
             <a:r>
               <a:rPr lang="da-DK" baseline="0" dirty="0" err="1"/>
@@ -1802,6 +1817,64 @@
             <a:r>
               <a:rPr lang="da-DK" baseline="0" dirty="0" err="1"/>
               <a:t>immutable</a:t>
+            </a:r>
+            <a:endParaRPr lang="da-DK" baseline="0" dirty="0"/>
+          </a:p>
+          <a:p>
+            <a:endParaRPr lang="da-DK" baseline="0" dirty="0"/>
+          </a:p>
+          <a:p>
+            <a:r>
+              <a:rPr lang="da-DK" baseline="0" dirty="0" err="1"/>
+              <a:t>Javascript</a:t>
+            </a:r>
+            <a:r>
+              <a:rPr lang="da-DK" baseline="0" dirty="0"/>
+              <a:t> </a:t>
+            </a:r>
+            <a:r>
+              <a:rPr lang="da-DK" baseline="0" dirty="0" err="1"/>
+              <a:t>allows</a:t>
+            </a:r>
+            <a:r>
+              <a:rPr lang="da-DK" baseline="0" dirty="0"/>
+              <a:t> person.name on a </a:t>
+            </a:r>
+            <a:r>
+              <a:rPr lang="da-DK" baseline="0" dirty="0" err="1"/>
+              <a:t>dictionary</a:t>
+            </a:r>
+            <a:r>
+              <a:rPr lang="da-DK" baseline="0" dirty="0"/>
+              <a:t>, </a:t>
+            </a:r>
+            <a:r>
+              <a:rPr lang="da-DK" baseline="0" dirty="0" err="1"/>
+              <a:t>if</a:t>
+            </a:r>
+            <a:r>
+              <a:rPr lang="da-DK" baseline="0" dirty="0"/>
+              <a:t> the </a:t>
+            </a:r>
+            <a:r>
+              <a:rPr lang="da-DK" baseline="0" dirty="0" err="1"/>
+              <a:t>key</a:t>
+            </a:r>
+            <a:r>
+              <a:rPr lang="da-DK" baseline="0" dirty="0"/>
+              <a:t> is a valid </a:t>
+            </a:r>
+            <a:r>
+              <a:rPr lang="da-DK" baseline="0" dirty="0" err="1"/>
+              <a:t>attribute</a:t>
+            </a:r>
+            <a:r>
+              <a:rPr lang="da-DK" baseline="0" dirty="0"/>
+              <a:t> </a:t>
+            </a:r>
+            <a:r>
+              <a:rPr lang="da-DK" baseline="0" dirty="0" err="1"/>
+              <a:t>name</a:t>
             </a:r>
             <a:endParaRPr lang="en-US" dirty="0"/>
           </a:p>
@@ -2753,7 +2826,16 @@
               <a:rPr lang="da-DK" baseline="0" dirty="0" err="1"/>
               <a:t>floats</a:t>
             </a:r>
-            <a:endParaRPr lang="en-US" dirty="0"/>
+            <a:endParaRPr lang="da-DK" baseline="0" dirty="0"/>
+          </a:p>
+          <a:p>
+            <a:endParaRPr lang="da-DK" baseline="0" dirty="0"/>
+          </a:p>
+          <a:p>
+            <a:r>
+              <a:rPr lang="en-US" dirty="0"/>
+              <a:t>{ 5, 5.5, 5.0, '5’ } = {'5', 5, 5.5}   # since 5 == 5.0 and 5 is inserted before 5.0</a:t>
+            </a:r>
           </a:p>
         </p:txBody>
       </p:sp>
@@ -3228,7 +3310,7 @@
           <a:p>
             <a:fld id="{0560A9CD-0304-4E0B-9E82-E7E0115DE05B}" type="datetimeFigureOut">
               <a:rPr lang="en-US" smtClean="0"/>
-              <a:t>10/14/2023</a:t>
+              <a:t>2/13/2024</a:t>
             </a:fld>
             <a:endParaRPr lang="en-US"/>
           </a:p>
@@ -3396,7 +3478,7 @@
           <a:p>
             <a:fld id="{0560A9CD-0304-4E0B-9E82-E7E0115DE05B}" type="datetimeFigureOut">
               <a:rPr lang="en-US" smtClean="0"/>
-              <a:t>10/14/2023</a:t>
+              <a:t>2/13/2024</a:t>
             </a:fld>
             <a:endParaRPr lang="en-US"/>
           </a:p>
@@ -3574,7 +3656,7 @@
           <a:p>
             <a:fld id="{0560A9CD-0304-4E0B-9E82-E7E0115DE05B}" type="datetimeFigureOut">
               <a:rPr lang="en-US" smtClean="0"/>
-              <a:t>10/14/2023</a:t>
+              <a:t>2/13/2024</a:t>
             </a:fld>
             <a:endParaRPr lang="en-US"/>
           </a:p>
@@ -3751,7 +3833,7 @@
           <a:p>
             <a:fld id="{0560A9CD-0304-4E0B-9E82-E7E0115DE05B}" type="datetimeFigureOut">
               <a:rPr lang="en-US" smtClean="0"/>
-              <a:t>10/14/2023</a:t>
+              <a:t>2/13/2024</a:t>
             </a:fld>
             <a:endParaRPr lang="en-US"/>
           </a:p>
@@ -3996,7 +4078,7 @@
           <a:p>
             <a:fld id="{0560A9CD-0304-4E0B-9E82-E7E0115DE05B}" type="datetimeFigureOut">
               <a:rPr lang="en-US" smtClean="0"/>
-              <a:t>10/14/2023</a:t>
+              <a:t>2/13/2024</a:t>
             </a:fld>
             <a:endParaRPr lang="en-US"/>
           </a:p>
@@ -4225,7 +4307,7 @@
           <a:p>
             <a:fld id="{0560A9CD-0304-4E0B-9E82-E7E0115DE05B}" type="datetimeFigureOut">
               <a:rPr lang="en-US" smtClean="0"/>
-              <a:t>10/14/2023</a:t>
+              <a:t>2/13/2024</a:t>
             </a:fld>
             <a:endParaRPr lang="en-US"/>
           </a:p>
@@ -4589,7 +4671,7 @@
           <a:p>
             <a:fld id="{0560A9CD-0304-4E0B-9E82-E7E0115DE05B}" type="datetimeFigureOut">
               <a:rPr lang="en-US" smtClean="0"/>
-              <a:t>10/14/2023</a:t>
+              <a:t>2/13/2024</a:t>
             </a:fld>
             <a:endParaRPr lang="en-US"/>
           </a:p>
@@ -4706,7 +4788,7 @@
           <a:p>
             <a:fld id="{0560A9CD-0304-4E0B-9E82-E7E0115DE05B}" type="datetimeFigureOut">
               <a:rPr lang="en-US" smtClean="0"/>
-              <a:t>10/14/2023</a:t>
+              <a:t>2/13/2024</a:t>
             </a:fld>
             <a:endParaRPr lang="en-US"/>
           </a:p>
@@ -4801,7 +4883,7 @@
           <a:p>
             <a:fld id="{0560A9CD-0304-4E0B-9E82-E7E0115DE05B}" type="datetimeFigureOut">
               <a:rPr lang="en-US" smtClean="0"/>
-              <a:t>10/14/2023</a:t>
+              <a:t>2/13/2024</a:t>
             </a:fld>
             <a:endParaRPr lang="en-US"/>
           </a:p>
@@ -5076,7 +5158,7 @@
           <a:p>
             <a:fld id="{0560A9CD-0304-4E0B-9E82-E7E0115DE05B}" type="datetimeFigureOut">
               <a:rPr lang="en-US" smtClean="0"/>
-              <a:t>10/14/2023</a:t>
+              <a:t>2/13/2024</a:t>
             </a:fld>
             <a:endParaRPr lang="en-US"/>
           </a:p>
@@ -5328,7 +5410,7 @@
           <a:p>
             <a:fld id="{0560A9CD-0304-4E0B-9E82-E7E0115DE05B}" type="datetimeFigureOut">
               <a:rPr lang="en-US" smtClean="0"/>
-              <a:t>10/14/2023</a:t>
+              <a:t>2/13/2024</a:t>
             </a:fld>
             <a:endParaRPr lang="en-US"/>
           </a:p>
@@ -5539,7 +5621,7 @@
           <a:p>
             <a:fld id="{0560A9CD-0304-4E0B-9E82-E7E0115DE05B}" type="datetimeFigureOut">
               <a:rPr lang="en-US" smtClean="0"/>
-              <a:t>10/14/2023</a:t>
+              <a:t>2/13/2024</a:t>
             </a:fld>
             <a:endParaRPr lang="en-US"/>
           </a:p>
@@ -17251,26 +17333,7 @@
                           <a:latin typeface="Courier New" panose="02070309020205020404" pitchFamily="49" charset="0"/>
                           <a:cs typeface="Courier New" panose="02070309020205020404" pitchFamily="49" charset="0"/>
                         </a:rPr>
-                        <a:t>person[1</a:t>
-                      </a:r>
-                      <a:r>
-                        <a:rPr lang="pt-BR" sz="1800" b="1" baseline="0">
-                          <a:latin typeface="Courier New" panose="02070309020205020404" pitchFamily="49" charset="0"/>
-                          <a:cs typeface="Courier New" panose="02070309020205020404" pitchFamily="49" charset="0"/>
-                        </a:rPr>
-                        <a:t>]  </a:t>
-                      </a:r>
-                      <a:r>
-                        <a:rPr lang="pt-BR" sz="1800" b="1" baseline="0">
-                          <a:solidFill>
-                            <a:schemeClr val="bg1">
-                              <a:lumMod val="50000"/>
-                            </a:schemeClr>
-                          </a:solidFill>
-                          <a:latin typeface="Courier New" panose="02070309020205020404" pitchFamily="49" charset="0"/>
-                          <a:cs typeface="Courier New" panose="02070309020205020404" pitchFamily="49" charset="0"/>
-                        </a:rPr>
-                        <a:t># </a:t>
+                        <a:t>person[1]  </a:t>
                       </a:r>
                       <a:r>
                         <a:rPr lang="pt-BR" sz="1800" b="1" baseline="0" dirty="0">
@@ -17282,7 +17345,7 @@
                           <a:latin typeface="Courier New" panose="02070309020205020404" pitchFamily="49" charset="0"/>
                           <a:cs typeface="Courier New" panose="02070309020205020404" pitchFamily="49" charset="0"/>
                         </a:rPr>
-                        <a:t>still possible</a:t>
+                        <a:t># still possible</a:t>
                       </a:r>
                       <a:endParaRPr lang="pt-BR" sz="1800" b="1" baseline="0" dirty="0">
                         <a:latin typeface="Courier New" panose="02070309020205020404" pitchFamily="49" charset="0"/>

--- a/ipsa/slides/dictionaries.pptx
+++ b/ipsa/slides/dictionaries.pptx
@@ -253,17 +253,69 @@
   </pc:docChgLst>
   <pc:docChgLst>
     <pc:chgData name="Gerth Stølting Brodal" userId="04ef4784-6591-4f86-a140-f5c3b108582a" providerId="ADAL" clId="{A627AC5E-6684-49E2-A419-FF543899C57A}"/>
-    <pc:docChg chg="custSel modSld">
-      <pc:chgData name="Gerth Stølting Brodal" userId="04ef4784-6591-4f86-a140-f5c3b108582a" providerId="ADAL" clId="{A627AC5E-6684-49E2-A419-FF543899C57A}" dt="2024-02-14T08:08:55.212" v="166" actId="20577"/>
+    <pc:docChg chg="undo custSel modSld">
+      <pc:chgData name="Gerth Stølting Brodal" userId="04ef4784-6591-4f86-a140-f5c3b108582a" providerId="ADAL" clId="{A627AC5E-6684-49E2-A419-FF543899C57A}" dt="2024-02-19T10:02:38.066" v="323" actId="20577"/>
       <pc:docMkLst>
         <pc:docMk/>
       </pc:docMkLst>
+      <pc:sldChg chg="modSp mod modNotesTx">
+        <pc:chgData name="Gerth Stølting Brodal" userId="04ef4784-6591-4f86-a140-f5c3b108582a" providerId="ADAL" clId="{A627AC5E-6684-49E2-A419-FF543899C57A}" dt="2024-02-19T07:53:56.914" v="222" actId="20577"/>
+        <pc:sldMkLst>
+          <pc:docMk/>
+          <pc:sldMk cId="2460918877" sldId="545"/>
+        </pc:sldMkLst>
+        <pc:graphicFrameChg chg="modGraphic">
+          <ac:chgData name="Gerth Stølting Brodal" userId="04ef4784-6591-4f86-a140-f5c3b108582a" providerId="ADAL" clId="{A627AC5E-6684-49E2-A419-FF543899C57A}" dt="2024-02-19T07:51:08.792" v="198" actId="207"/>
+          <ac:graphicFrameMkLst>
+            <pc:docMk/>
+            <pc:sldMk cId="2460918877" sldId="545"/>
+            <ac:graphicFrameMk id="14" creationId="{00000000-0000-0000-0000-000000000000}"/>
+          </ac:graphicFrameMkLst>
+        </pc:graphicFrameChg>
+      </pc:sldChg>
+      <pc:sldChg chg="modSp mod">
+        <pc:chgData name="Gerth Stølting Brodal" userId="04ef4784-6591-4f86-a140-f5c3b108582a" providerId="ADAL" clId="{A627AC5E-6684-49E2-A419-FF543899C57A}" dt="2024-02-19T08:00:12.642" v="290" actId="207"/>
+        <pc:sldMkLst>
+          <pc:docMk/>
+          <pc:sldMk cId="1145811308" sldId="555"/>
+        </pc:sldMkLst>
+        <pc:spChg chg="mod">
+          <ac:chgData name="Gerth Stølting Brodal" userId="04ef4784-6591-4f86-a140-f5c3b108582a" providerId="ADAL" clId="{A627AC5E-6684-49E2-A419-FF543899C57A}" dt="2024-02-19T08:00:12.642" v="290" actId="207"/>
+          <ac:spMkLst>
+            <pc:docMk/>
+            <pc:sldMk cId="1145811308" sldId="555"/>
+            <ac:spMk id="3" creationId="{00000000-0000-0000-0000-000000000000}"/>
+          </ac:spMkLst>
+        </pc:spChg>
+      </pc:sldChg>
+      <pc:sldChg chg="modNotesTx">
+        <pc:chgData name="Gerth Stølting Brodal" userId="04ef4784-6591-4f86-a140-f5c3b108582a" providerId="ADAL" clId="{A627AC5E-6684-49E2-A419-FF543899C57A}" dt="2024-02-19T08:10:07.304" v="315" actId="368"/>
+        <pc:sldMkLst>
+          <pc:docMk/>
+          <pc:sldMk cId="1771596614" sldId="557"/>
+        </pc:sldMkLst>
+      </pc:sldChg>
       <pc:sldChg chg="modNotesTx">
         <pc:chgData name="Gerth Stølting Brodal" userId="04ef4784-6591-4f86-a140-f5c3b108582a" providerId="ADAL" clId="{A627AC5E-6684-49E2-A419-FF543899C57A}" dt="2024-02-14T07:58:39.941" v="55" actId="20577"/>
         <pc:sldMkLst>
           <pc:docMk/>
           <pc:sldMk cId="2705371955" sldId="559"/>
         </pc:sldMkLst>
+      </pc:sldChg>
+      <pc:sldChg chg="modSp mod">
+        <pc:chgData name="Gerth Stølting Brodal" userId="04ef4784-6591-4f86-a140-f5c3b108582a" providerId="ADAL" clId="{A627AC5E-6684-49E2-A419-FF543899C57A}" dt="2024-02-19T10:02:38.066" v="323" actId="20577"/>
+        <pc:sldMkLst>
+          <pc:docMk/>
+          <pc:sldMk cId="235520075" sldId="565"/>
+        </pc:sldMkLst>
+        <pc:graphicFrameChg chg="modGraphic">
+          <ac:chgData name="Gerth Stølting Brodal" userId="04ef4784-6591-4f86-a140-f5c3b108582a" providerId="ADAL" clId="{A627AC5E-6684-49E2-A419-FF543899C57A}" dt="2024-02-19T10:02:38.066" v="323" actId="20577"/>
+          <ac:graphicFrameMkLst>
+            <pc:docMk/>
+            <pc:sldMk cId="235520075" sldId="565"/>
+            <ac:graphicFrameMk id="5" creationId="{00000000-0000-0000-0000-000000000000}"/>
+          </ac:graphicFrameMkLst>
+        </pc:graphicFrameChg>
       </pc:sldChg>
       <pc:sldChg chg="modNotesTx">
         <pc:chgData name="Gerth Stølting Brodal" userId="04ef4784-6591-4f86-a140-f5c3b108582a" providerId="ADAL" clId="{A627AC5E-6684-49E2-A419-FF543899C57A}" dt="2024-02-14T08:08:55.212" v="166" actId="20577"/>
@@ -942,7 +994,7 @@
           <a:p>
             <a:fld id="{FB1A172F-81D4-4DC4-9113-1DBD56EC3646}" type="datetimeFigureOut">
               <a:rPr lang="en-US" smtClean="0"/>
-              <a:t>2/13/2024</a:t>
+              <a:t>2/19/2024</a:t>
             </a:fld>
             <a:endParaRPr lang="en-US"/>
           </a:p>
@@ -1338,25 +1390,45 @@
           <a:lstStyle/>
           <a:p>
             <a:r>
-              <a:rPr lang="en-US" dirty="0" err="1"/>
-              <a:t>Frozenset</a:t>
-            </a:r>
-            <a:r>
-              <a:rPr lang="en-US" dirty="0"/>
-              <a:t> is also </a:t>
-            </a:r>
-            <a:r>
-              <a:rPr lang="en-US" dirty="0" err="1"/>
-              <a:t>hashable</a:t>
+              <a:rPr lang="en-US" sz="1200" b="1" baseline="0" dirty="0">
+                <a:latin typeface="Courier New" panose="02070309020205020404" pitchFamily="49" charset="0"/>
+                <a:cs typeface="Courier New" panose="02070309020205020404" pitchFamily="49" charset="0"/>
+              </a:rPr>
+              <a:t>x != y and y != z and z != x   can be shortened to   x != y != z != x</a:t>
+            </a:r>
+          </a:p>
+          <a:p>
+            <a:r>
+              <a:rPr lang="en-US" sz="1200" b="1" baseline="0" dirty="0">
+                <a:latin typeface="Courier New" panose="02070309020205020404" pitchFamily="49" charset="0"/>
+                <a:cs typeface="Courier New" panose="02070309020205020404" pitchFamily="49" charset="0"/>
+              </a:rPr>
+              <a:t>{…} removes </a:t>
+            </a:r>
+            <a:r>
+              <a:rPr lang="en-US" sz="1200" b="1" baseline="0" dirty="0" err="1">
+                <a:latin typeface="Courier New" panose="02070309020205020404" pitchFamily="49" charset="0"/>
+                <a:cs typeface="Courier New" panose="02070309020205020404" pitchFamily="49" charset="0"/>
+              </a:rPr>
+              <a:t>dublicates</a:t>
+            </a:r>
+            <a:r>
+              <a:rPr lang="en-US" sz="1200" b="1" baseline="0" dirty="0">
+                <a:latin typeface="Courier New" panose="02070309020205020404" pitchFamily="49" charset="0"/>
+                <a:cs typeface="Courier New" panose="02070309020205020404" pitchFamily="49" charset="0"/>
+              </a:rPr>
+              <a:t> for m</a:t>
+            </a:r>
+          </a:p>
+          <a:p>
+            <a:r>
+              <a:rPr lang="en-US" sz="1200" b="1" baseline="0" dirty="0">
+                <a:latin typeface="Courier New" panose="02070309020205020404" pitchFamily="49" charset="0"/>
+                <a:cs typeface="Courier New" panose="02070309020205020404" pitchFamily="49" charset="0"/>
+              </a:rPr>
+              <a:t>Note: cannot compute L – {x} if L is a list</a:t>
             </a:r>
             <a:endParaRPr lang="en-US" dirty="0"/>
-          </a:p>
-          <a:p>
-            <a:r>
-              <a:rPr lang="en-US" dirty="0"/>
-              <a:t>Each new Python execution selects a new hash function</a:t>
-            </a:r>
-            <a:endParaRPr lang="da-DK" dirty="0"/>
           </a:p>
         </p:txBody>
       </p:sp>
@@ -1367,7 +1439,7 @@
             <a:spLocks noGrp="1"/>
           </p:cNvSpPr>
           <p:nvPr>
-            <p:ph type="sldNum" sz="quarter" idx="5"/>
+            <p:ph type="sldNum" sz="quarter" idx="10"/>
           </p:nvPr>
         </p:nvSpPr>
         <p:spPr/>
@@ -1377,7 +1449,7 @@
           <a:p>
             <a:fld id="{CD563DD8-32AB-41BE-B1C6-8EAC45222ACE}" type="slidenum">
               <a:rPr lang="en-US" smtClean="0"/>
-              <a:t>14</a:t>
+              <a:t>13</a:t>
             </a:fld>
             <a:endParaRPr lang="en-US"/>
           </a:p>
@@ -1386,7 +1458,7 @@
     </p:spTree>
     <p:extLst>
       <p:ext uri="{BB962C8B-B14F-4D97-AF65-F5344CB8AC3E}">
-        <p14:creationId xmlns:p14="http://schemas.microsoft.com/office/powerpoint/2010/main" val="2933679192"/>
+        <p14:creationId xmlns:p14="http://schemas.microsoft.com/office/powerpoint/2010/main" val="1981930296"/>
       </p:ext>
     </p:extLst>
   </p:cSld>
@@ -1441,30 +1513,25 @@
           <a:lstStyle/>
           <a:p>
             <a:r>
+              <a:rPr lang="en-US" dirty="0" err="1"/>
+              <a:t>Frozenset</a:t>
+            </a:r>
+            <a:r>
               <a:rPr lang="en-US" dirty="0"/>
-              <a:t>Since Python 3.3: The seed for hashing Strings is changed for each new run of the Python interpreter</a:t>
-            </a:r>
-          </a:p>
-          <a:p>
-            <a:r>
-              <a:rPr lang="en-US"/>
-              <a:t>hash</a:t>
-            </a:r>
+              <a:t> is also </a:t>
+            </a:r>
+            <a:r>
+              <a:rPr lang="en-US" dirty="0" err="1"/>
+              <a:t>hashable</a:t>
+            </a:r>
+            <a:endParaRPr lang="en-US" dirty="0"/>
+          </a:p>
+          <a:p>
             <a:r>
               <a:rPr lang="en-US" dirty="0"/>
-              <a:t>(-1) == hash(-2</a:t>
-            </a:r>
-            <a:r>
-              <a:rPr lang="en-US"/>
-              <a:t>)  == -2 </a:t>
-            </a:r>
-            <a:r>
-              <a:rPr lang="en-US">
-                <a:sym typeface="Wingdings" panose="05000000000000000000" pitchFamily="2" charset="2"/>
-              </a:rPr>
-              <a:t></a:t>
-            </a:r>
-            <a:endParaRPr lang="en-US" dirty="0"/>
+              <a:t>Each new Python execution selects a new hash function</a:t>
+            </a:r>
+            <a:endParaRPr lang="da-DK" dirty="0"/>
           </a:p>
         </p:txBody>
       </p:sp>
@@ -1475,7 +1542,7 @@
             <a:spLocks noGrp="1"/>
           </p:cNvSpPr>
           <p:nvPr>
-            <p:ph type="sldNum" sz="quarter" idx="10"/>
+            <p:ph type="sldNum" sz="quarter" idx="5"/>
           </p:nvPr>
         </p:nvSpPr>
         <p:spPr/>
@@ -1485,7 +1552,7 @@
           <a:p>
             <a:fld id="{CD563DD8-32AB-41BE-B1C6-8EAC45222ACE}" type="slidenum">
               <a:rPr lang="en-US" smtClean="0"/>
-              <a:t>15</a:t>
+              <a:t>14</a:t>
             </a:fld>
             <a:endParaRPr lang="en-US"/>
           </a:p>
@@ -1494,7 +1561,7 @@
     </p:spTree>
     <p:extLst>
       <p:ext uri="{BB962C8B-B14F-4D97-AF65-F5344CB8AC3E}">
-        <p14:creationId xmlns:p14="http://schemas.microsoft.com/office/powerpoint/2010/main" val="3556037844"/>
+        <p14:creationId xmlns:p14="http://schemas.microsoft.com/office/powerpoint/2010/main" val="2933679192"/>
       </p:ext>
     </p:extLst>
   </p:cSld>
@@ -1549,332 +1616,28 @@
           <a:lstStyle/>
           <a:p>
             <a:r>
-              <a:rPr lang="da-DK" dirty="0" err="1"/>
-              <a:t>Perfomance</a:t>
-            </a:r>
-            <a:r>
-              <a:rPr lang="da-DK" dirty="0"/>
-              <a:t> is at the same </a:t>
-            </a:r>
-            <a:r>
-              <a:rPr lang="da-DK" dirty="0" err="1"/>
-              <a:t>level</a:t>
-            </a:r>
-            <a:r>
-              <a:rPr lang="da-DK" dirty="0"/>
-              <a:t> at </a:t>
-            </a:r>
-            <a:r>
-              <a:rPr lang="da-DK" dirty="0" err="1"/>
-              <a:t>tuples</a:t>
-            </a:r>
-            <a:r>
-              <a:rPr lang="da-DK" dirty="0"/>
-              <a:t>; </a:t>
-            </a:r>
-            <a:r>
-              <a:rPr lang="da-DK" dirty="0" err="1"/>
-              <a:t>no</a:t>
-            </a:r>
-            <a:r>
-              <a:rPr lang="da-DK" dirty="0"/>
-              <a:t> </a:t>
-            </a:r>
-            <a:r>
-              <a:rPr lang="da-DK" dirty="0" err="1"/>
-              <a:t>space</a:t>
-            </a:r>
-            <a:r>
-              <a:rPr lang="da-DK" dirty="0"/>
-              <a:t> overhead</a:t>
-            </a:r>
-          </a:p>
-          <a:p>
-            <a:r>
-              <a:rPr lang="da-DK" dirty="0" err="1"/>
-              <a:t>Guarantees</a:t>
-            </a:r>
-            <a:r>
-              <a:rPr lang="da-DK" dirty="0"/>
-              <a:t> </a:t>
-            </a:r>
-            <a:r>
-              <a:rPr lang="da-DK" dirty="0" err="1"/>
-              <a:t>that</a:t>
-            </a:r>
-            <a:r>
-              <a:rPr lang="da-DK" dirty="0"/>
-              <a:t> </a:t>
-            </a:r>
-            <a:r>
-              <a:rPr lang="da-DK" dirty="0" err="1"/>
-              <a:t>you</a:t>
-            </a:r>
-            <a:r>
-              <a:rPr lang="da-DK" baseline="0" dirty="0"/>
-              <a:t> never </a:t>
-            </a:r>
-            <a:r>
-              <a:rPr lang="da-DK" baseline="0" dirty="0" err="1"/>
-              <a:t>create</a:t>
-            </a:r>
-            <a:r>
-              <a:rPr lang="da-DK" baseline="0" dirty="0"/>
-              <a:t> </a:t>
-            </a:r>
-            <a:r>
-              <a:rPr lang="da-DK" baseline="0" dirty="0" err="1"/>
-              <a:t>too</a:t>
-            </a:r>
-            <a:r>
-              <a:rPr lang="da-DK" baseline="0" dirty="0"/>
-              <a:t> </a:t>
-            </a:r>
-            <a:r>
-              <a:rPr lang="da-DK" baseline="0" dirty="0" err="1"/>
-              <a:t>many</a:t>
-            </a:r>
-            <a:r>
-              <a:rPr lang="da-DK" baseline="0" dirty="0"/>
-              <a:t> </a:t>
-            </a:r>
-            <a:r>
-              <a:rPr lang="da-DK" baseline="0" dirty="0" err="1"/>
-              <a:t>fields</a:t>
-            </a:r>
-            <a:endParaRPr lang="da-DK" baseline="0" dirty="0"/>
-          </a:p>
-          <a:p>
-            <a:r>
-              <a:rPr lang="da-DK" baseline="0" dirty="0" err="1"/>
-              <a:t>immutable</a:t>
-            </a:r>
-            <a:r>
-              <a:rPr lang="da-DK" baseline="0" dirty="0"/>
-              <a:t> and </a:t>
-            </a:r>
-            <a:r>
-              <a:rPr lang="da-DK" baseline="0" dirty="0" err="1"/>
-              <a:t>hashable</a:t>
-            </a:r>
-            <a:endParaRPr lang="da-DK" baseline="0" dirty="0"/>
-          </a:p>
-          <a:p>
-            <a:r>
-              <a:rPr lang="da-DK" baseline="0" dirty="0" err="1"/>
-              <a:t>Since</a:t>
-            </a:r>
-            <a:r>
-              <a:rPr lang="da-DK" baseline="0" dirty="0"/>
-              <a:t>: Python 3.7 </a:t>
-            </a:r>
-            <a:r>
-              <a:rPr lang="da-DK" baseline="0" dirty="0" err="1"/>
-              <a:t>also</a:t>
-            </a:r>
-            <a:r>
-              <a:rPr lang="da-DK" baseline="0" dirty="0"/>
-              <a:t> data </a:t>
-            </a:r>
-            <a:r>
-              <a:rPr lang="da-DK" baseline="0" dirty="0" err="1"/>
-              <a:t>classes</a:t>
-            </a:r>
-            <a:r>
-              <a:rPr lang="da-DK" baseline="0" dirty="0"/>
-              <a:t> (</a:t>
-            </a:r>
-            <a:r>
-              <a:rPr lang="da-DK" baseline="0" dirty="0" err="1"/>
-              <a:t>will</a:t>
-            </a:r>
-            <a:r>
-              <a:rPr lang="da-DK" baseline="0" dirty="0"/>
-              <a:t> </a:t>
-            </a:r>
-            <a:r>
-              <a:rPr lang="da-DK" baseline="0" dirty="0" err="1"/>
-              <a:t>be</a:t>
-            </a:r>
-            <a:r>
-              <a:rPr lang="da-DK" baseline="0" dirty="0"/>
-              <a:t> </a:t>
-            </a:r>
-            <a:r>
-              <a:rPr lang="da-DK" baseline="0" dirty="0" err="1"/>
-              <a:t>covered</a:t>
-            </a:r>
-            <a:r>
-              <a:rPr lang="da-DK" baseline="0" dirty="0"/>
-              <a:t> in </a:t>
-            </a:r>
-            <a:r>
-              <a:rPr lang="da-DK" baseline="0" dirty="0" err="1"/>
-              <a:t>lecture</a:t>
-            </a:r>
-            <a:r>
-              <a:rPr lang="da-DK" baseline="0" dirty="0"/>
-              <a:t> on </a:t>
-            </a:r>
-            <a:r>
-              <a:rPr lang="da-DK" baseline="0" dirty="0" err="1"/>
-              <a:t>decorators</a:t>
-            </a:r>
-            <a:r>
-              <a:rPr lang="da-DK" baseline="0" dirty="0"/>
-              <a:t>, </a:t>
-            </a:r>
-            <a:r>
-              <a:rPr lang="da-DK" baseline="0" dirty="0" err="1"/>
-              <a:t>since</a:t>
-            </a:r>
-            <a:r>
-              <a:rPr lang="da-DK" baseline="0" dirty="0"/>
-              <a:t> it is a class </a:t>
-            </a:r>
-            <a:r>
-              <a:rPr lang="da-DK" baseline="0" dirty="0" err="1"/>
-              <a:t>decorator</a:t>
-            </a:r>
-            <a:r>
-              <a:rPr lang="da-DK" baseline="0" dirty="0"/>
-              <a:t>)</a:t>
-            </a:r>
-          </a:p>
-          <a:p>
-            <a:r>
-              <a:rPr lang="da-DK" baseline="0" dirty="0" err="1"/>
-              <a:t>namedtuple</a:t>
-            </a:r>
-            <a:r>
-              <a:rPr lang="da-DK" baseline="0" dirty="0"/>
-              <a:t> a </a:t>
-            </a:r>
-            <a:r>
-              <a:rPr lang="da-DK" baseline="0" dirty="0" err="1"/>
-              <a:t>little</a:t>
-            </a:r>
-            <a:r>
-              <a:rPr lang="da-DK" baseline="0" dirty="0"/>
-              <a:t> bit like a ”</a:t>
-            </a:r>
-            <a:r>
-              <a:rPr lang="da-DK" baseline="0" dirty="0" err="1"/>
-              <a:t>struct</a:t>
-            </a:r>
-            <a:r>
-              <a:rPr lang="da-DK" baseline="0" dirty="0"/>
-              <a:t>” in </a:t>
-            </a:r>
-            <a:r>
-              <a:rPr lang="da-DK" baseline="0" dirty="0" err="1"/>
-              <a:t>other</a:t>
-            </a:r>
-            <a:r>
-              <a:rPr lang="da-DK" baseline="0" dirty="0"/>
-              <a:t> </a:t>
-            </a:r>
-            <a:r>
-              <a:rPr lang="da-DK" baseline="0" dirty="0" err="1"/>
-              <a:t>languages</a:t>
-            </a:r>
-            <a:r>
-              <a:rPr lang="da-DK" baseline="0" dirty="0"/>
-              <a:t> (</a:t>
-            </a:r>
-            <a:r>
-              <a:rPr lang="da-DK" baseline="0" dirty="0" err="1"/>
-              <a:t>e.g</a:t>
-            </a:r>
-            <a:r>
-              <a:rPr lang="da-DK" baseline="0" dirty="0"/>
-              <a:t>. C), </a:t>
-            </a:r>
-            <a:r>
-              <a:rPr lang="da-DK" baseline="0" dirty="0" err="1"/>
-              <a:t>except</a:t>
-            </a:r>
-            <a:r>
-              <a:rPr lang="da-DK" baseline="0" dirty="0"/>
-              <a:t> </a:t>
-            </a:r>
-            <a:r>
-              <a:rPr lang="da-DK" baseline="0" dirty="0" err="1"/>
-              <a:t>that</a:t>
-            </a:r>
-            <a:r>
-              <a:rPr lang="da-DK" baseline="0" dirty="0"/>
-              <a:t> a </a:t>
-            </a:r>
-            <a:r>
-              <a:rPr lang="da-DK" baseline="0" dirty="0" err="1"/>
-              <a:t>namedtuple</a:t>
-            </a:r>
-            <a:r>
-              <a:rPr lang="da-DK" baseline="0" dirty="0"/>
-              <a:t> is </a:t>
-            </a:r>
-            <a:r>
-              <a:rPr lang="da-DK" baseline="0" dirty="0" err="1"/>
-              <a:t>immutable</a:t>
-            </a:r>
-            <a:endParaRPr lang="da-DK" baseline="0" dirty="0"/>
-          </a:p>
-          <a:p>
-            <a:endParaRPr lang="da-DK" baseline="0" dirty="0"/>
-          </a:p>
-          <a:p>
-            <a:r>
-              <a:rPr lang="da-DK" baseline="0" dirty="0" err="1"/>
-              <a:t>Javascript</a:t>
-            </a:r>
-            <a:r>
-              <a:rPr lang="da-DK" baseline="0" dirty="0"/>
-              <a:t> </a:t>
-            </a:r>
-            <a:r>
-              <a:rPr lang="da-DK" baseline="0" dirty="0" err="1"/>
-              <a:t>allows</a:t>
-            </a:r>
-            <a:r>
-              <a:rPr lang="da-DK" baseline="0" dirty="0"/>
-              <a:t> person.name on a </a:t>
-            </a:r>
-            <a:r>
-              <a:rPr lang="da-DK" baseline="0" dirty="0" err="1"/>
-              <a:t>dictionary</a:t>
-            </a:r>
-            <a:r>
-              <a:rPr lang="da-DK" baseline="0" dirty="0"/>
-              <a:t>, </a:t>
-            </a:r>
-            <a:r>
-              <a:rPr lang="da-DK" baseline="0" dirty="0" err="1"/>
-              <a:t>if</a:t>
-            </a:r>
-            <a:r>
-              <a:rPr lang="da-DK" baseline="0" dirty="0"/>
-              <a:t> the </a:t>
-            </a:r>
-            <a:r>
-              <a:rPr lang="da-DK" baseline="0" dirty="0" err="1"/>
-              <a:t>key</a:t>
-            </a:r>
-            <a:r>
-              <a:rPr lang="da-DK" baseline="0" dirty="0"/>
-              <a:t> is a valid </a:t>
-            </a:r>
-            <a:r>
-              <a:rPr lang="da-DK" baseline="0" dirty="0" err="1"/>
-              <a:t>attribute</a:t>
-            </a:r>
-            <a:r>
-              <a:rPr lang="da-DK" baseline="0" dirty="0"/>
-              <a:t> </a:t>
-            </a:r>
-            <a:r>
-              <a:rPr lang="da-DK" baseline="0" dirty="0" err="1"/>
-              <a:t>name</a:t>
+              <a:rPr lang="en-US" dirty="0"/>
+              <a:t>Since Python 3.3: The seed for hashing Strings is changed for each new run of the Python interpreter</a:t>
+            </a:r>
+          </a:p>
+          <a:p>
+            <a:r>
+              <a:rPr lang="en-US"/>
+              <a:t>hash</a:t>
+            </a:r>
+            <a:r>
+              <a:rPr lang="en-US" dirty="0"/>
+              <a:t>(-1) == hash(-2</a:t>
+            </a:r>
+            <a:r>
+              <a:rPr lang="en-US"/>
+              <a:t>)  == -2 </a:t>
+            </a:r>
+            <a:r>
+              <a:rPr lang="en-US">
+                <a:sym typeface="Wingdings" panose="05000000000000000000" pitchFamily="2" charset="2"/>
+              </a:rPr>
+              <a:t></a:t>
             </a:r>
             <a:endParaRPr lang="en-US" dirty="0"/>
           </a:p>
@@ -1897,7 +1660,7 @@
           <a:p>
             <a:fld id="{CD563DD8-32AB-41BE-B1C6-8EAC45222ACE}" type="slidenum">
               <a:rPr lang="en-US" smtClean="0"/>
-              <a:t>19</a:t>
+              <a:t>15</a:t>
             </a:fld>
             <a:endParaRPr lang="en-US"/>
           </a:p>
@@ -1906,7 +1669,7 @@
     </p:spTree>
     <p:extLst>
       <p:ext uri="{BB962C8B-B14F-4D97-AF65-F5344CB8AC3E}">
-        <p14:creationId xmlns:p14="http://schemas.microsoft.com/office/powerpoint/2010/main" val="3610477575"/>
+        <p14:creationId xmlns:p14="http://schemas.microsoft.com/office/powerpoint/2010/main" val="3556037844"/>
       </p:ext>
     </p:extLst>
   </p:cSld>
@@ -1960,6 +1723,334 @@
           <a:bodyPr/>
           <a:lstStyle/>
           <a:p>
+            <a:r>
+              <a:rPr lang="da-DK" dirty="0" err="1"/>
+              <a:t>Perfomance</a:t>
+            </a:r>
+            <a:r>
+              <a:rPr lang="da-DK" dirty="0"/>
+              <a:t> is at the same </a:t>
+            </a:r>
+            <a:r>
+              <a:rPr lang="da-DK" dirty="0" err="1"/>
+              <a:t>level</a:t>
+            </a:r>
+            <a:r>
+              <a:rPr lang="da-DK" dirty="0"/>
+              <a:t> at </a:t>
+            </a:r>
+            <a:r>
+              <a:rPr lang="da-DK" dirty="0" err="1"/>
+              <a:t>tuples</a:t>
+            </a:r>
+            <a:r>
+              <a:rPr lang="da-DK" dirty="0"/>
+              <a:t>; </a:t>
+            </a:r>
+            <a:r>
+              <a:rPr lang="da-DK" dirty="0" err="1"/>
+              <a:t>no</a:t>
+            </a:r>
+            <a:r>
+              <a:rPr lang="da-DK" dirty="0"/>
+              <a:t> </a:t>
+            </a:r>
+            <a:r>
+              <a:rPr lang="da-DK" dirty="0" err="1"/>
+              <a:t>space</a:t>
+            </a:r>
+            <a:r>
+              <a:rPr lang="da-DK" dirty="0"/>
+              <a:t> overhead</a:t>
+            </a:r>
+          </a:p>
+          <a:p>
+            <a:r>
+              <a:rPr lang="da-DK" dirty="0" err="1"/>
+              <a:t>Guarantees</a:t>
+            </a:r>
+            <a:r>
+              <a:rPr lang="da-DK" dirty="0"/>
+              <a:t> </a:t>
+            </a:r>
+            <a:r>
+              <a:rPr lang="da-DK" dirty="0" err="1"/>
+              <a:t>that</a:t>
+            </a:r>
+            <a:r>
+              <a:rPr lang="da-DK" dirty="0"/>
+              <a:t> </a:t>
+            </a:r>
+            <a:r>
+              <a:rPr lang="da-DK" dirty="0" err="1"/>
+              <a:t>you</a:t>
+            </a:r>
+            <a:r>
+              <a:rPr lang="da-DK" baseline="0" dirty="0"/>
+              <a:t> never </a:t>
+            </a:r>
+            <a:r>
+              <a:rPr lang="da-DK" baseline="0" dirty="0" err="1"/>
+              <a:t>create</a:t>
+            </a:r>
+            <a:r>
+              <a:rPr lang="da-DK" baseline="0" dirty="0"/>
+              <a:t> </a:t>
+            </a:r>
+            <a:r>
+              <a:rPr lang="da-DK" baseline="0" dirty="0" err="1"/>
+              <a:t>too</a:t>
+            </a:r>
+            <a:r>
+              <a:rPr lang="da-DK" baseline="0" dirty="0"/>
+              <a:t> </a:t>
+            </a:r>
+            <a:r>
+              <a:rPr lang="da-DK" baseline="0" dirty="0" err="1"/>
+              <a:t>many</a:t>
+            </a:r>
+            <a:r>
+              <a:rPr lang="da-DK" baseline="0" dirty="0"/>
+              <a:t> </a:t>
+            </a:r>
+            <a:r>
+              <a:rPr lang="da-DK" baseline="0" dirty="0" err="1"/>
+              <a:t>fields</a:t>
+            </a:r>
+            <a:endParaRPr lang="da-DK" baseline="0" dirty="0"/>
+          </a:p>
+          <a:p>
+            <a:r>
+              <a:rPr lang="da-DK" baseline="0" dirty="0" err="1"/>
+              <a:t>immutable</a:t>
+            </a:r>
+            <a:r>
+              <a:rPr lang="da-DK" baseline="0" dirty="0"/>
+              <a:t> and </a:t>
+            </a:r>
+            <a:r>
+              <a:rPr lang="da-DK" baseline="0" dirty="0" err="1"/>
+              <a:t>hashable</a:t>
+            </a:r>
+            <a:endParaRPr lang="da-DK" baseline="0" dirty="0"/>
+          </a:p>
+          <a:p>
+            <a:r>
+              <a:rPr lang="da-DK" baseline="0" dirty="0" err="1"/>
+              <a:t>Since</a:t>
+            </a:r>
+            <a:r>
+              <a:rPr lang="da-DK" baseline="0" dirty="0"/>
+              <a:t>: Python 3.7 </a:t>
+            </a:r>
+            <a:r>
+              <a:rPr lang="da-DK" baseline="0" dirty="0" err="1"/>
+              <a:t>also</a:t>
+            </a:r>
+            <a:r>
+              <a:rPr lang="da-DK" baseline="0" dirty="0"/>
+              <a:t> data </a:t>
+            </a:r>
+            <a:r>
+              <a:rPr lang="da-DK" baseline="0" dirty="0" err="1"/>
+              <a:t>classes</a:t>
+            </a:r>
+            <a:r>
+              <a:rPr lang="da-DK" baseline="0" dirty="0"/>
+              <a:t> (</a:t>
+            </a:r>
+            <a:r>
+              <a:rPr lang="da-DK" baseline="0" dirty="0" err="1"/>
+              <a:t>will</a:t>
+            </a:r>
+            <a:r>
+              <a:rPr lang="da-DK" baseline="0" dirty="0"/>
+              <a:t> </a:t>
+            </a:r>
+            <a:r>
+              <a:rPr lang="da-DK" baseline="0" dirty="0" err="1"/>
+              <a:t>be</a:t>
+            </a:r>
+            <a:r>
+              <a:rPr lang="da-DK" baseline="0" dirty="0"/>
+              <a:t> </a:t>
+            </a:r>
+            <a:r>
+              <a:rPr lang="da-DK" baseline="0" dirty="0" err="1"/>
+              <a:t>covered</a:t>
+            </a:r>
+            <a:r>
+              <a:rPr lang="da-DK" baseline="0" dirty="0"/>
+              <a:t> in </a:t>
+            </a:r>
+            <a:r>
+              <a:rPr lang="da-DK" baseline="0" dirty="0" err="1"/>
+              <a:t>lecture</a:t>
+            </a:r>
+            <a:r>
+              <a:rPr lang="da-DK" baseline="0" dirty="0"/>
+              <a:t> on </a:t>
+            </a:r>
+            <a:r>
+              <a:rPr lang="da-DK" baseline="0" dirty="0" err="1"/>
+              <a:t>decorators</a:t>
+            </a:r>
+            <a:r>
+              <a:rPr lang="da-DK" baseline="0" dirty="0"/>
+              <a:t>, </a:t>
+            </a:r>
+            <a:r>
+              <a:rPr lang="da-DK" baseline="0" dirty="0" err="1"/>
+              <a:t>since</a:t>
+            </a:r>
+            <a:r>
+              <a:rPr lang="da-DK" baseline="0" dirty="0"/>
+              <a:t> it is a class </a:t>
+            </a:r>
+            <a:r>
+              <a:rPr lang="da-DK" baseline="0" dirty="0" err="1"/>
+              <a:t>decorator</a:t>
+            </a:r>
+            <a:r>
+              <a:rPr lang="da-DK" baseline="0" dirty="0"/>
+              <a:t>)</a:t>
+            </a:r>
+          </a:p>
+          <a:p>
+            <a:r>
+              <a:rPr lang="da-DK" baseline="0" dirty="0" err="1"/>
+              <a:t>namedtuple</a:t>
+            </a:r>
+            <a:r>
+              <a:rPr lang="da-DK" baseline="0" dirty="0"/>
+              <a:t> a </a:t>
+            </a:r>
+            <a:r>
+              <a:rPr lang="da-DK" baseline="0" dirty="0" err="1"/>
+              <a:t>little</a:t>
+            </a:r>
+            <a:r>
+              <a:rPr lang="da-DK" baseline="0" dirty="0"/>
+              <a:t> bit like a ”</a:t>
+            </a:r>
+            <a:r>
+              <a:rPr lang="da-DK" baseline="0" dirty="0" err="1"/>
+              <a:t>struct</a:t>
+            </a:r>
+            <a:r>
+              <a:rPr lang="da-DK" baseline="0" dirty="0"/>
+              <a:t>” in </a:t>
+            </a:r>
+            <a:r>
+              <a:rPr lang="da-DK" baseline="0" dirty="0" err="1"/>
+              <a:t>other</a:t>
+            </a:r>
+            <a:r>
+              <a:rPr lang="da-DK" baseline="0" dirty="0"/>
+              <a:t> </a:t>
+            </a:r>
+            <a:r>
+              <a:rPr lang="da-DK" baseline="0" dirty="0" err="1"/>
+              <a:t>languages</a:t>
+            </a:r>
+            <a:r>
+              <a:rPr lang="da-DK" baseline="0" dirty="0"/>
+              <a:t> (</a:t>
+            </a:r>
+            <a:r>
+              <a:rPr lang="da-DK" baseline="0" dirty="0" err="1"/>
+              <a:t>e.g</a:t>
+            </a:r>
+            <a:r>
+              <a:rPr lang="da-DK" baseline="0" dirty="0"/>
+              <a:t>. C), </a:t>
+            </a:r>
+            <a:r>
+              <a:rPr lang="da-DK" baseline="0" dirty="0" err="1"/>
+              <a:t>except</a:t>
+            </a:r>
+            <a:r>
+              <a:rPr lang="da-DK" baseline="0" dirty="0"/>
+              <a:t> </a:t>
+            </a:r>
+            <a:r>
+              <a:rPr lang="da-DK" baseline="0" dirty="0" err="1"/>
+              <a:t>that</a:t>
+            </a:r>
+            <a:r>
+              <a:rPr lang="da-DK" baseline="0" dirty="0"/>
+              <a:t> a </a:t>
+            </a:r>
+            <a:r>
+              <a:rPr lang="da-DK" baseline="0" dirty="0" err="1"/>
+              <a:t>namedtuple</a:t>
+            </a:r>
+            <a:r>
+              <a:rPr lang="da-DK" baseline="0" dirty="0"/>
+              <a:t> is </a:t>
+            </a:r>
+            <a:r>
+              <a:rPr lang="da-DK" baseline="0" dirty="0" err="1"/>
+              <a:t>immutable</a:t>
+            </a:r>
+            <a:endParaRPr lang="da-DK" baseline="0" dirty="0"/>
+          </a:p>
+          <a:p>
+            <a:endParaRPr lang="da-DK" baseline="0" dirty="0"/>
+          </a:p>
+          <a:p>
+            <a:r>
+              <a:rPr lang="da-DK" baseline="0" dirty="0" err="1"/>
+              <a:t>Javascript</a:t>
+            </a:r>
+            <a:r>
+              <a:rPr lang="da-DK" baseline="0" dirty="0"/>
+              <a:t> </a:t>
+            </a:r>
+            <a:r>
+              <a:rPr lang="da-DK" baseline="0" dirty="0" err="1"/>
+              <a:t>allows</a:t>
+            </a:r>
+            <a:r>
+              <a:rPr lang="da-DK" baseline="0" dirty="0"/>
+              <a:t> person.name on a </a:t>
+            </a:r>
+            <a:r>
+              <a:rPr lang="da-DK" baseline="0" dirty="0" err="1"/>
+              <a:t>dictionary</a:t>
+            </a:r>
+            <a:r>
+              <a:rPr lang="da-DK" baseline="0" dirty="0"/>
+              <a:t>, </a:t>
+            </a:r>
+            <a:r>
+              <a:rPr lang="da-DK" baseline="0" dirty="0" err="1"/>
+              <a:t>if</a:t>
+            </a:r>
+            <a:r>
+              <a:rPr lang="da-DK" baseline="0" dirty="0"/>
+              <a:t> the </a:t>
+            </a:r>
+            <a:r>
+              <a:rPr lang="da-DK" baseline="0" dirty="0" err="1"/>
+              <a:t>key</a:t>
+            </a:r>
+            <a:r>
+              <a:rPr lang="da-DK" baseline="0" dirty="0"/>
+              <a:t> is a valid </a:t>
+            </a:r>
+            <a:r>
+              <a:rPr lang="da-DK" baseline="0" dirty="0" err="1"/>
+              <a:t>attribute</a:t>
+            </a:r>
+            <a:r>
+              <a:rPr lang="da-DK" baseline="0" dirty="0"/>
+              <a:t> </a:t>
+            </a:r>
+            <a:r>
+              <a:rPr lang="da-DK" baseline="0" dirty="0" err="1"/>
+              <a:t>name</a:t>
+            </a:r>
             <a:endParaRPr lang="en-US" dirty="0"/>
           </a:p>
         </p:txBody>
@@ -1981,6 +2072,90 @@
           <a:p>
             <a:fld id="{CD563DD8-32AB-41BE-B1C6-8EAC45222ACE}" type="slidenum">
               <a:rPr lang="en-US" smtClean="0"/>
+              <a:t>19</a:t>
+            </a:fld>
+            <a:endParaRPr lang="en-US"/>
+          </a:p>
+        </p:txBody>
+      </p:sp>
+    </p:spTree>
+    <p:extLst>
+      <p:ext uri="{BB962C8B-B14F-4D97-AF65-F5344CB8AC3E}">
+        <p14:creationId xmlns:p14="http://schemas.microsoft.com/office/powerpoint/2010/main" val="3610477575"/>
+      </p:ext>
+    </p:extLst>
+  </p:cSld>
+  <p:clrMapOvr>
+    <a:masterClrMapping/>
+  </p:clrMapOvr>
+</p:notes>
+</file>
+
+<file path=ppt/notesSlides/notesSlide14.xml><?xml version="1.0" encoding="utf-8"?>
+<p:notes xmlns:a="http://schemas.openxmlformats.org/drawingml/2006/main" xmlns:r="http://schemas.openxmlformats.org/officeDocument/2006/relationships" xmlns:p="http://schemas.openxmlformats.org/presentationml/2006/main">
+  <p:cSld>
+    <p:spTree>
+      <p:nvGrpSpPr>
+        <p:cNvPr id="1" name=""/>
+        <p:cNvGrpSpPr/>
+        <p:nvPr/>
+      </p:nvGrpSpPr>
+      <p:grpSpPr>
+        <a:xfrm>
+          <a:off x="0" y="0"/>
+          <a:ext cx="0" cy="0"/>
+          <a:chOff x="0" y="0"/>
+          <a:chExt cx="0" cy="0"/>
+        </a:xfrm>
+      </p:grpSpPr>
+      <p:sp>
+        <p:nvSpPr>
+          <p:cNvPr id="2" name="Slide Image Placeholder 1"/>
+          <p:cNvSpPr>
+            <a:spLocks noGrp="1" noRot="1" noChangeAspect="1"/>
+          </p:cNvSpPr>
+          <p:nvPr>
+            <p:ph type="sldImg"/>
+          </p:nvPr>
+        </p:nvSpPr>
+        <p:spPr/>
+      </p:sp>
+      <p:sp>
+        <p:nvSpPr>
+          <p:cNvPr id="3" name="Notes Placeholder 2"/>
+          <p:cNvSpPr>
+            <a:spLocks noGrp="1"/>
+          </p:cNvSpPr>
+          <p:nvPr>
+            <p:ph type="body" idx="1"/>
+          </p:nvPr>
+        </p:nvSpPr>
+        <p:spPr/>
+        <p:txBody>
+          <a:bodyPr/>
+          <a:lstStyle/>
+          <a:p>
+            <a:endParaRPr lang="en-US" dirty="0"/>
+          </a:p>
+        </p:txBody>
+      </p:sp>
+      <p:sp>
+        <p:nvSpPr>
+          <p:cNvPr id="4" name="Slide Number Placeholder 3"/>
+          <p:cNvSpPr>
+            <a:spLocks noGrp="1"/>
+          </p:cNvSpPr>
+          <p:nvPr>
+            <p:ph type="sldNum" sz="quarter" idx="10"/>
+          </p:nvPr>
+        </p:nvSpPr>
+        <p:spPr/>
+        <p:txBody>
+          <a:bodyPr/>
+          <a:lstStyle/>
+          <a:p>
+            <a:fld id="{CD563DD8-32AB-41BE-B1C6-8EAC45222ACE}" type="slidenum">
+              <a:rPr lang="en-US" smtClean="0"/>
               <a:t>20</a:t>
             </a:fld>
             <a:endParaRPr lang="en-US"/>
@@ -1991,6 +2166,189 @@
     <p:extLst>
       <p:ext uri="{BB962C8B-B14F-4D97-AF65-F5344CB8AC3E}">
         <p14:creationId xmlns:p14="http://schemas.microsoft.com/office/powerpoint/2010/main" val="2922908761"/>
+      </p:ext>
+    </p:extLst>
+  </p:cSld>
+  <p:clrMapOvr>
+    <a:masterClrMapping/>
+  </p:clrMapOvr>
+</p:notes>
+</file>
+
+<file path=ppt/notesSlides/notesSlide15.xml><?xml version="1.0" encoding="utf-8"?>
+<p:notes xmlns:a="http://schemas.openxmlformats.org/drawingml/2006/main" xmlns:r="http://schemas.openxmlformats.org/officeDocument/2006/relationships" xmlns:p="http://schemas.openxmlformats.org/presentationml/2006/main">
+  <p:cSld>
+    <p:spTree>
+      <p:nvGrpSpPr>
+        <p:cNvPr id="1" name=""/>
+        <p:cNvGrpSpPr/>
+        <p:nvPr/>
+      </p:nvGrpSpPr>
+      <p:grpSpPr>
+        <a:xfrm>
+          <a:off x="0" y="0"/>
+          <a:ext cx="0" cy="0"/>
+          <a:chOff x="0" y="0"/>
+          <a:chExt cx="0" cy="0"/>
+        </a:xfrm>
+      </p:grpSpPr>
+      <p:sp>
+        <p:nvSpPr>
+          <p:cNvPr id="2" name="Slide Image Placeholder 1"/>
+          <p:cNvSpPr>
+            <a:spLocks noGrp="1" noRot="1" noChangeAspect="1"/>
+          </p:cNvSpPr>
+          <p:nvPr>
+            <p:ph type="sldImg"/>
+          </p:nvPr>
+        </p:nvSpPr>
+        <p:spPr/>
+      </p:sp>
+      <p:sp>
+        <p:nvSpPr>
+          <p:cNvPr id="3" name="Notes Placeholder 2"/>
+          <p:cNvSpPr>
+            <a:spLocks noGrp="1"/>
+          </p:cNvSpPr>
+          <p:nvPr>
+            <p:ph type="body" idx="1"/>
+          </p:nvPr>
+        </p:nvSpPr>
+        <p:spPr/>
+        <p:txBody>
+          <a:bodyPr/>
+          <a:lstStyle/>
+          <a:p>
+            <a:pPr marL="0" marR="0" lvl="0" indent="0" algn="l" defTabSz="914400" rtl="0" eaLnBrk="1" fontAlgn="auto" latinLnBrk="0" hangingPunct="1">
+              <a:lnSpc>
+                <a:spcPct val="100000"/>
+              </a:lnSpc>
+              <a:spcBef>
+                <a:spcPts val="0"/>
+              </a:spcBef>
+              <a:spcAft>
+                <a:spcPts val="0"/>
+              </a:spcAft>
+              <a:buClrTx/>
+              <a:buSzTx/>
+              <a:buFontTx/>
+              <a:buNone/>
+              <a:tabLst/>
+              <a:defRPr/>
+            </a:pPr>
+            <a:r>
+              <a:rPr lang="en-US" dirty="0"/>
+              <a:t>arxiv.org/abs/1706.10284</a:t>
+            </a:r>
+          </a:p>
+          <a:p>
+            <a:r>
+              <a:rPr lang="da-DK" dirty="0"/>
+              <a:t>Cache </a:t>
+            </a:r>
+            <a:r>
+              <a:rPr lang="da-DK" dirty="0" err="1"/>
+              <a:t>Oblivious</a:t>
+            </a:r>
+            <a:r>
+              <a:rPr lang="da-DK" dirty="0"/>
+              <a:t> </a:t>
+            </a:r>
+            <a:r>
+              <a:rPr lang="da-DK" dirty="0" err="1"/>
+              <a:t>Algorithms</a:t>
+            </a:r>
+            <a:r>
+              <a:rPr lang="da-DK" dirty="0"/>
+              <a:t> for Computing the </a:t>
+            </a:r>
+            <a:r>
+              <a:rPr lang="da-DK" dirty="0" err="1"/>
+              <a:t>Triplet</a:t>
+            </a:r>
+            <a:r>
+              <a:rPr lang="da-DK" dirty="0"/>
+              <a:t> Distance </a:t>
+            </a:r>
+            <a:r>
+              <a:rPr lang="da-DK" dirty="0" err="1"/>
+              <a:t>Between</a:t>
+            </a:r>
+            <a:r>
+              <a:rPr lang="da-DK" dirty="0"/>
+              <a:t> Trees</a:t>
+            </a:r>
+          </a:p>
+          <a:p>
+            <a:r>
+              <a:rPr lang="da-DK" dirty="0">
+                <a:hlinkClick r:id="rId3"/>
+              </a:rPr>
+              <a:t>Gerth Stølting Brodal</a:t>
+            </a:r>
+            <a:r>
+              <a:rPr lang="da-DK" dirty="0"/>
+              <a:t>, </a:t>
+            </a:r>
+            <a:r>
+              <a:rPr lang="da-DK" dirty="0">
+                <a:hlinkClick r:id="rId4"/>
+              </a:rPr>
+              <a:t>Konstantinos Mampentzidis</a:t>
+            </a:r>
+            <a:endParaRPr lang="da-DK" dirty="0"/>
+          </a:p>
+          <a:p>
+            <a:r>
+              <a:rPr lang="da-DK" dirty="0"/>
+              <a:t>(large </a:t>
+            </a:r>
+            <a:r>
+              <a:rPr lang="da-DK" dirty="0" err="1"/>
+              <a:t>scale</a:t>
+            </a:r>
+            <a:r>
+              <a:rPr lang="da-DK" dirty="0"/>
+              <a:t> </a:t>
+            </a:r>
+            <a:r>
+              <a:rPr lang="da-DK" dirty="0" err="1"/>
+              <a:t>trees</a:t>
+            </a:r>
+            <a:r>
+              <a:rPr lang="da-DK" dirty="0"/>
+              <a:t>)</a:t>
+            </a:r>
+          </a:p>
+        </p:txBody>
+      </p:sp>
+      <p:sp>
+        <p:nvSpPr>
+          <p:cNvPr id="4" name="Slide Number Placeholder 3"/>
+          <p:cNvSpPr>
+            <a:spLocks noGrp="1"/>
+          </p:cNvSpPr>
+          <p:nvPr>
+            <p:ph type="sldNum" sz="quarter" idx="5"/>
+          </p:nvPr>
+        </p:nvSpPr>
+        <p:spPr/>
+        <p:txBody>
+          <a:bodyPr/>
+          <a:lstStyle/>
+          <a:p>
+            <a:fld id="{CD563DD8-32AB-41BE-B1C6-8EAC45222ACE}" type="slidenum">
+              <a:rPr lang="en-US" smtClean="0"/>
+              <a:t>22</a:t>
+            </a:fld>
+            <a:endParaRPr lang="en-US"/>
+          </a:p>
+        </p:txBody>
+      </p:sp>
+    </p:spTree>
+    <p:extLst>
+      <p:ext uri="{BB962C8B-B14F-4D97-AF65-F5344CB8AC3E}">
+        <p14:creationId xmlns:p14="http://schemas.microsoft.com/office/powerpoint/2010/main" val="2685299097"/>
       </p:ext>
     </p:extLst>
   </p:cSld>
@@ -2607,110 +2965,46 @@
           <a:lstStyle/>
           <a:p>
             <a:r>
+              <a:rPr lang="da-DK" dirty="0" err="1"/>
+              <a:t>Could</a:t>
+            </a:r>
+            <a:r>
+              <a:rPr lang="da-DK" dirty="0"/>
+              <a:t> </a:t>
+            </a:r>
+            <a:r>
+              <a:rPr lang="da-DK" dirty="0" err="1"/>
+              <a:t>also</a:t>
+            </a:r>
+            <a:r>
+              <a:rPr lang="da-DK" dirty="0"/>
+              <a:t> have </a:t>
+            </a:r>
+            <a:r>
+              <a:rPr lang="da-DK" dirty="0" err="1"/>
+              <a:t>used</a:t>
+            </a:r>
+            <a:r>
+              <a:rPr lang="da-DK" dirty="0"/>
+              <a:t> </a:t>
+            </a:r>
+            <a:r>
+              <a:rPr lang="en-US" dirty="0" err="1"/>
+              <a:t>dict</a:t>
+            </a:r>
+            <a:r>
               <a:rPr lang="en-US" dirty="0"/>
-              <a:t>If one of the arguments to |, &amp; , -  or ^ is a </a:t>
+              <a:t>(map(reversed, </a:t>
             </a:r>
             <a:r>
               <a:rPr lang="en-US" dirty="0" err="1"/>
-              <a:t>frozentset</a:t>
+              <a:t>D.items</a:t>
             </a:r>
             <a:r>
               <a:rPr lang="en-US" dirty="0"/>
-              <a:t> and the other set, the result is type the first</a:t>
-            </a:r>
-          </a:p>
-          <a:p>
-            <a:r>
-              <a:rPr lang="en-US" dirty="0"/>
-              <a:t>To have a set of sets, the sets inserted must be </a:t>
-            </a:r>
-            <a:r>
-              <a:rPr lang="en-US" dirty="0" err="1"/>
-              <a:t>frozenset</a:t>
-            </a:r>
-            <a:r>
-              <a:rPr lang="en-US" dirty="0"/>
-              <a:t> since they need to be immutable</a:t>
-            </a:r>
-          </a:p>
-          <a:p>
-            <a:endParaRPr lang="en-US" dirty="0"/>
-          </a:p>
-          <a:p>
-            <a:r>
-              <a:rPr lang="en-US" dirty="0" err="1"/>
-              <a:t>frozenset</a:t>
-            </a:r>
-            <a:r>
-              <a:rPr lang="en-US" dirty="0"/>
-              <a:t>([1,2]) | set([3,4])</a:t>
-            </a:r>
-          </a:p>
-          <a:p>
-            <a:r>
-              <a:rPr lang="en-US" dirty="0" err="1"/>
-              <a:t>frozenset</a:t>
-            </a:r>
-            <a:r>
-              <a:rPr lang="en-US" dirty="0"/>
-              <a:t>({1, 2, 3, 4})</a:t>
-            </a:r>
-          </a:p>
-          <a:p>
-            <a:r>
-              <a:rPr lang="en-US" dirty="0"/>
-              <a:t>set([3,4]) | </a:t>
-            </a:r>
-            <a:r>
-              <a:rPr lang="en-US" dirty="0" err="1"/>
-              <a:t>frozenset</a:t>
-            </a:r>
-            <a:r>
-              <a:rPr lang="en-US" dirty="0"/>
-              <a:t>([1,2])</a:t>
-            </a:r>
-          </a:p>
-          <a:p>
-            <a:r>
-              <a:rPr lang="en-US"/>
-              <a:t>{1, 2, 3, 4}</a:t>
-            </a:r>
-            <a:endParaRPr lang="en-US" dirty="0"/>
-          </a:p>
-          <a:p>
-            <a:endParaRPr lang="en-US" dirty="0"/>
-          </a:p>
-          <a:p>
-            <a:r>
-              <a:rPr lang="en-US" dirty="0" err="1"/>
-              <a:t>timeit.timeit</a:t>
-            </a:r>
-            <a:r>
-              <a:rPr lang="en-US" dirty="0"/>
-              <a:t>('-1 in L', setup='L = list(range(10_000_000))', number = 100)</a:t>
-            </a:r>
-          </a:p>
-          <a:p>
-            <a:r>
-              <a:rPr lang="en-US" dirty="0"/>
-              <a:t>4.7</a:t>
-            </a:r>
-          </a:p>
-          <a:p>
-            <a:r>
-              <a:rPr lang="en-US" dirty="0" err="1"/>
-              <a:t>timeit.timeit</a:t>
-            </a:r>
-            <a:r>
-              <a:rPr lang="en-US" dirty="0"/>
-              <a:t>('-1 in L', setup='L = set(range(10_000_000))', number = 100)</a:t>
-            </a:r>
-          </a:p>
-          <a:p>
-            <a:r>
-              <a:rPr lang="en-US" dirty="0"/>
-              <a:t>5.2e-06</a:t>
-            </a:r>
+              <a:t>()))</a:t>
+            </a:r>
+            <a:endParaRPr lang="da-DK" dirty="0"/>
           </a:p>
         </p:txBody>
       </p:sp>
@@ -2721,7 +3015,7 @@
             <a:spLocks noGrp="1"/>
           </p:cNvSpPr>
           <p:nvPr>
-            <p:ph type="sldNum" sz="quarter" idx="10"/>
+            <p:ph type="sldNum" sz="quarter" idx="5"/>
           </p:nvPr>
         </p:nvSpPr>
         <p:spPr/>
@@ -2731,7 +3025,7 @@
           <a:p>
             <a:fld id="{CD563DD8-32AB-41BE-B1C6-8EAC45222ACE}" type="slidenum">
               <a:rPr lang="en-US" smtClean="0"/>
-              <a:t>10</a:t>
+              <a:t>9</a:t>
             </a:fld>
             <a:endParaRPr lang="en-US"/>
           </a:p>
@@ -2740,7 +3034,7 @@
     </p:spTree>
     <p:extLst>
       <p:ext uri="{BB962C8B-B14F-4D97-AF65-F5344CB8AC3E}">
-        <p14:creationId xmlns:p14="http://schemas.microsoft.com/office/powerpoint/2010/main" val="1651279349"/>
+        <p14:creationId xmlns:p14="http://schemas.microsoft.com/office/powerpoint/2010/main" val="3521761718"/>
       </p:ext>
     </p:extLst>
   </p:cSld>
@@ -2795,46 +3089,109 @@
           <a:lstStyle/>
           <a:p>
             <a:r>
-              <a:rPr lang="da-DK" dirty="0" err="1"/>
-              <a:t>Cannot</a:t>
-            </a:r>
-            <a:r>
-              <a:rPr lang="da-DK" dirty="0"/>
-              <a:t> </a:t>
-            </a:r>
-            <a:r>
-              <a:rPr lang="da-DK" dirty="0" err="1"/>
-              <a:t>compare</a:t>
-            </a:r>
-            <a:r>
-              <a:rPr lang="da-DK" dirty="0"/>
-              <a:t> </a:t>
-            </a:r>
-            <a:r>
-              <a:rPr lang="da-DK" dirty="0" err="1"/>
-              <a:t>string</a:t>
-            </a:r>
-            <a:r>
-              <a:rPr lang="da-DK" dirty="0"/>
-              <a:t> and</a:t>
-            </a:r>
-            <a:r>
-              <a:rPr lang="da-DK" baseline="0" dirty="0"/>
-              <a:t> </a:t>
-            </a:r>
-            <a:r>
-              <a:rPr lang="da-DK" baseline="0" dirty="0" err="1"/>
-              <a:t>floats</a:t>
-            </a:r>
-            <a:endParaRPr lang="da-DK" baseline="0" dirty="0"/>
-          </a:p>
-          <a:p>
-            <a:endParaRPr lang="da-DK" baseline="0" dirty="0"/>
-          </a:p>
-          <a:p>
-            <a:r>
               <a:rPr lang="en-US" dirty="0"/>
-              <a:t>{ 5, 5.5, 5.0, '5’ } = {'5', 5, 5.5}   # since 5 == 5.0 and 5 is inserted before 5.0</a:t>
+              <a:t>If one of the arguments to |, &amp; , -  or ^ is a </a:t>
+            </a:r>
+            <a:r>
+              <a:rPr lang="en-US" dirty="0" err="1"/>
+              <a:t>frozentset</a:t>
+            </a:r>
+            <a:r>
+              <a:rPr lang="en-US" dirty="0"/>
+              <a:t> and the other set, the result is type the first</a:t>
+            </a:r>
+          </a:p>
+          <a:p>
+            <a:r>
+              <a:rPr lang="en-US" dirty="0"/>
+              <a:t>To have a set of sets, the sets inserted must be </a:t>
+            </a:r>
+            <a:r>
+              <a:rPr lang="en-US" dirty="0" err="1"/>
+              <a:t>frozenset</a:t>
+            </a:r>
+            <a:r>
+              <a:rPr lang="en-US" dirty="0"/>
+              <a:t> since they need to be immutable</a:t>
+            </a:r>
+          </a:p>
+          <a:p>
+            <a:endParaRPr lang="en-US" dirty="0"/>
+          </a:p>
+          <a:p>
+            <a:r>
+              <a:rPr lang="en-US" dirty="0" err="1"/>
+              <a:t>frozenset</a:t>
+            </a:r>
+            <a:r>
+              <a:rPr lang="en-US" dirty="0"/>
+              <a:t>([1,2]) | set([3,4])</a:t>
+            </a:r>
+          </a:p>
+          <a:p>
+            <a:r>
+              <a:rPr lang="en-US" dirty="0" err="1"/>
+              <a:t>frozenset</a:t>
+            </a:r>
+            <a:r>
+              <a:rPr lang="en-US" dirty="0"/>
+              <a:t>({1, 2, 3, 4})</a:t>
+            </a:r>
+          </a:p>
+          <a:p>
+            <a:r>
+              <a:rPr lang="en-US" dirty="0"/>
+              <a:t>set([3,4]) | </a:t>
+            </a:r>
+            <a:r>
+              <a:rPr lang="en-US" dirty="0" err="1"/>
+              <a:t>frozenset</a:t>
+            </a:r>
+            <a:r>
+              <a:rPr lang="en-US" dirty="0"/>
+              <a:t>([1,2])</a:t>
+            </a:r>
+          </a:p>
+          <a:p>
+            <a:r>
+              <a:rPr lang="en-US"/>
+              <a:t>{1, 2, 3, 4}</a:t>
+            </a:r>
+            <a:endParaRPr lang="en-US" dirty="0"/>
+          </a:p>
+          <a:p>
+            <a:endParaRPr lang="en-US" dirty="0"/>
+          </a:p>
+          <a:p>
+            <a:r>
+              <a:rPr lang="en-US" dirty="0" err="1"/>
+              <a:t>timeit.timeit</a:t>
+            </a:r>
+            <a:r>
+              <a:rPr lang="en-US" dirty="0"/>
+              <a:t>('-1 in L', setup='L = list(range(10_000_000))', number = 100)</a:t>
+            </a:r>
+          </a:p>
+          <a:p>
+            <a:r>
+              <a:rPr lang="en-US" dirty="0"/>
+              <a:t>4.7</a:t>
+            </a:r>
+          </a:p>
+          <a:p>
+            <a:r>
+              <a:rPr lang="en-US" dirty="0" err="1"/>
+              <a:t>timeit.timeit</a:t>
+            </a:r>
+            <a:r>
+              <a:rPr lang="en-US" dirty="0"/>
+              <a:t>('-1 in L', setup='L = set(range(10_000_000))', number = 100)</a:t>
+            </a:r>
+          </a:p>
+          <a:p>
+            <a:r>
+              <a:rPr lang="en-US" dirty="0"/>
+              <a:t>5.2e-06</a:t>
             </a:r>
           </a:p>
         </p:txBody>
@@ -2856,7 +3213,7 @@
           <a:p>
             <a:fld id="{CD563DD8-32AB-41BE-B1C6-8EAC45222ACE}" type="slidenum">
               <a:rPr lang="en-US" smtClean="0"/>
-              <a:t>11</a:t>
+              <a:t>10</a:t>
             </a:fld>
             <a:endParaRPr lang="en-US"/>
           </a:p>
@@ -2865,7 +3222,7 @@
     </p:spTree>
     <p:extLst>
       <p:ext uri="{BB962C8B-B14F-4D97-AF65-F5344CB8AC3E}">
-        <p14:creationId xmlns:p14="http://schemas.microsoft.com/office/powerpoint/2010/main" val="3347758346"/>
+        <p14:creationId xmlns:p14="http://schemas.microsoft.com/office/powerpoint/2010/main" val="1651279349"/>
       </p:ext>
     </p:extLst>
   </p:cSld>
@@ -2920,96 +3277,46 @@
           <a:lstStyle/>
           <a:p>
             <a:r>
-              <a:rPr lang="en-US"/>
-              <a:t>To </a:t>
-            </a:r>
+              <a:rPr lang="da-DK" dirty="0" err="1"/>
+              <a:t>Cannot</a:t>
+            </a:r>
+            <a:r>
+              <a:rPr lang="da-DK" dirty="0"/>
+              <a:t> </a:t>
+            </a:r>
+            <a:r>
+              <a:rPr lang="da-DK" dirty="0" err="1"/>
+              <a:t>compare</a:t>
+            </a:r>
+            <a:r>
+              <a:rPr lang="da-DK" dirty="0"/>
+              <a:t> </a:t>
+            </a:r>
+            <a:r>
+              <a:rPr lang="da-DK" dirty="0" err="1"/>
+              <a:t>string</a:t>
+            </a:r>
+            <a:r>
+              <a:rPr lang="da-DK" dirty="0"/>
+              <a:t> and</a:t>
+            </a:r>
+            <a:r>
+              <a:rPr lang="da-DK" baseline="0" dirty="0"/>
+              <a:t> </a:t>
+            </a:r>
+            <a:r>
+              <a:rPr lang="da-DK" baseline="0" dirty="0" err="1"/>
+              <a:t>floats</a:t>
+            </a:r>
+            <a:endParaRPr lang="da-DK" baseline="0" dirty="0"/>
+          </a:p>
+          <a:p>
+            <a:endParaRPr lang="da-DK" baseline="0" dirty="0"/>
+          </a:p>
+          <a:p>
             <a:r>
               <a:rPr lang="en-US" dirty="0"/>
-              <a:t>have a set of sets, the sets inserted must be </a:t>
-            </a:r>
-            <a:r>
-              <a:rPr lang="en-US" dirty="0" err="1"/>
-              <a:t>frozenset</a:t>
-            </a:r>
-            <a:r>
-              <a:rPr lang="en-US" dirty="0"/>
-              <a:t> since they need to be immutable</a:t>
-            </a:r>
-          </a:p>
-          <a:p>
-            <a:endParaRPr lang="en-US" dirty="0"/>
-          </a:p>
-          <a:p>
-            <a:r>
-              <a:rPr lang="en-US" dirty="0"/>
-              <a:t>https://docs.python.org/3/library/stdtypes.html</a:t>
-            </a:r>
-          </a:p>
-          <a:p>
-            <a:pPr marL="0" marR="0" lvl="0" indent="0" algn="l" defTabSz="914400" rtl="0" eaLnBrk="1" fontAlgn="auto" latinLnBrk="0" hangingPunct="1">
-              <a:lnSpc>
-                <a:spcPct val="100000"/>
-              </a:lnSpc>
-              <a:spcBef>
-                <a:spcPts val="0"/>
-              </a:spcBef>
-              <a:spcAft>
-                <a:spcPts val="0"/>
-              </a:spcAft>
-              <a:buClrTx/>
-              <a:buSzTx/>
-              <a:buFontTx/>
-              <a:buNone/>
-              <a:tabLst/>
-              <a:defRPr/>
-            </a:pPr>
-            <a:r>
-              <a:rPr lang="en-US" dirty="0"/>
-              <a:t>“Note, the </a:t>
-            </a:r>
-            <a:r>
-              <a:rPr lang="en-US" i="1" dirty="0" err="1"/>
-              <a:t>elem</a:t>
-            </a:r>
-            <a:r>
-              <a:rPr lang="en-US" dirty="0"/>
-              <a:t> argument to the __contains__(), </a:t>
-            </a:r>
-            <a:r>
-              <a:rPr lang="en-US" dirty="0">
-                <a:hlinkClick r:id="rId3" tooltip="frozenset.remove"/>
-              </a:rPr>
-              <a:t>remove()</a:t>
-            </a:r>
-            <a:r>
-              <a:rPr lang="en-US" dirty="0"/>
-              <a:t>, and </a:t>
-            </a:r>
-            <a:r>
-              <a:rPr lang="en-US" dirty="0">
-                <a:hlinkClick r:id="rId4" tooltip="frozenset.discard"/>
-              </a:rPr>
-              <a:t>discard()</a:t>
-            </a:r>
-            <a:r>
-              <a:rPr lang="en-US" dirty="0"/>
-              <a:t> methods may be a set. To support searching for an equivalent </a:t>
-            </a:r>
-            <a:r>
-              <a:rPr lang="en-US" dirty="0" err="1"/>
-              <a:t>frozenset</a:t>
-            </a:r>
-            <a:r>
-              <a:rPr lang="en-US" dirty="0"/>
-              <a:t>, a temporary one is created from </a:t>
-            </a:r>
-            <a:r>
-              <a:rPr lang="en-US" i="1" dirty="0"/>
-              <a:t>elem</a:t>
-            </a:r>
-            <a:r>
-              <a:rPr lang="en-US" dirty="0"/>
-              <a:t>.”</a:t>
+              <a:t>{ 5, 5.5, 5.0, '5’ } = {'5', 5, 5.5}   # since 5 == 5.0 and 5 is inserted before 5.0</a:t>
             </a:r>
           </a:p>
         </p:txBody>
@@ -3031,7 +3338,7 @@
           <a:p>
             <a:fld id="{CD563DD8-32AB-41BE-B1C6-8EAC45222ACE}" type="slidenum">
               <a:rPr lang="en-US" smtClean="0"/>
-              <a:t>12</a:t>
+              <a:t>11</a:t>
             </a:fld>
             <a:endParaRPr lang="en-US"/>
           </a:p>
@@ -3040,7 +3347,7 @@
     </p:spTree>
     <p:extLst>
       <p:ext uri="{BB962C8B-B14F-4D97-AF65-F5344CB8AC3E}">
-        <p14:creationId xmlns:p14="http://schemas.microsoft.com/office/powerpoint/2010/main" val="3969771664"/>
+        <p14:creationId xmlns:p14="http://schemas.microsoft.com/office/powerpoint/2010/main" val="3347758346"/>
       </p:ext>
     </p:extLst>
   </p:cSld>
@@ -3095,45 +3402,97 @@
           <a:lstStyle/>
           <a:p>
             <a:r>
-              <a:rPr lang="en-US" sz="1200" b="1" baseline="0" dirty="0">
-                <a:latin typeface="Courier New" panose="02070309020205020404" pitchFamily="49" charset="0"/>
-                <a:cs typeface="Courier New" panose="02070309020205020404" pitchFamily="49" charset="0"/>
+              <a:rPr lang="en-US"/>
+              <a:t>To </a:t>
+            </a:r>
+            <a:r>
+              <a:rPr lang="en-US" dirty="0"/>
+              <a:t>have a set of sets, the sets inserted must be </a:t>
+            </a:r>
+            <a:r>
+              <a:rPr lang="en-US" dirty="0" err="1"/>
+              <a:t>frozenset</a:t>
+            </a:r>
+            <a:r>
+              <a:rPr lang="en-US" dirty="0"/>
+              <a:t> since they need to be immutable</a:t>
+            </a:r>
+          </a:p>
+          <a:p>
+            <a:endParaRPr lang="en-US" dirty="0"/>
+          </a:p>
+          <a:p>
+            <a:r>
+              <a:rPr lang="en-US" dirty="0"/>
+              <a:t>https://docs.python.org/3/library/stdtypes.html</a:t>
+            </a:r>
+          </a:p>
+          <a:p>
+            <a:pPr marL="0" marR="0" lvl="0" indent="0" algn="l" defTabSz="914400" rtl="0" eaLnBrk="1" fontAlgn="auto" latinLnBrk="0" hangingPunct="1">
+              <a:lnSpc>
+                <a:spcPct val="100000"/>
+              </a:lnSpc>
+              <a:spcBef>
+                <a:spcPts val="0"/>
+              </a:spcBef>
+              <a:spcAft>
+                <a:spcPts val="0"/>
+              </a:spcAft>
+              <a:buClrTx/>
+              <a:buSzTx/>
+              <a:buFontTx/>
+              <a:buNone/>
+              <a:tabLst/>
+              <a:defRPr/>
+            </a:pPr>
+            <a:r>
+              <a:rPr lang="en-US" dirty="0"/>
+              <a:t>“Note, the </a:t>
+            </a:r>
+            <a:r>
+              <a:rPr lang="en-US" i="1" dirty="0" err="1"/>
+              <a:t>elem</a:t>
+            </a:r>
+            <a:r>
+              <a:rPr lang="en-US" dirty="0"/>
+              <a:t> argument to the __contains__(), </a:t>
+            </a:r>
+            <a:r>
+              <a:rPr lang="en-US" dirty="0">
+                <a:hlinkClick r:id="rId3" tooltip="frozenset.remove"/>
               </a:rPr>
-              <a:t>x != y and y != z and z != x   can be shortened to   x != y != z != x</a:t>
-            </a:r>
-          </a:p>
-          <a:p>
-            <a:r>
-              <a:rPr lang="en-US" sz="1200" b="1" baseline="0" dirty="0">
-                <a:latin typeface="Courier New" panose="02070309020205020404" pitchFamily="49" charset="0"/>
-                <a:cs typeface="Courier New" panose="02070309020205020404" pitchFamily="49" charset="0"/>
+              <a:t>remove()</a:t>
+            </a:r>
+            <a:r>
+              <a:rPr lang="en-US" dirty="0"/>
+              <a:t>, and </a:t>
+            </a:r>
+            <a:r>
+              <a:rPr lang="en-US" dirty="0">
+                <a:hlinkClick r:id="rId4" tooltip="frozenset.discard"/>
               </a:rPr>
-              <a:t>{…} removes </a:t>
-            </a:r>
-            <a:r>
-              <a:rPr lang="en-US" sz="1200" b="1" baseline="0" dirty="0" err="1">
-                <a:latin typeface="Courier New" panose="02070309020205020404" pitchFamily="49" charset="0"/>
-                <a:cs typeface="Courier New" panose="02070309020205020404" pitchFamily="49" charset="0"/>
-              </a:rPr>
-              <a:t>dublicates</a:t>
-            </a:r>
-            <a:r>
-              <a:rPr lang="en-US" sz="1200" b="1" baseline="0" dirty="0">
-                <a:latin typeface="Courier New" panose="02070309020205020404" pitchFamily="49" charset="0"/>
-                <a:cs typeface="Courier New" panose="02070309020205020404" pitchFamily="49" charset="0"/>
-              </a:rPr>
-              <a:t> for m</a:t>
-            </a:r>
-          </a:p>
-          <a:p>
-            <a:r>
-              <a:rPr lang="en-US" sz="1200" b="1" baseline="0" dirty="0">
-                <a:latin typeface="Courier New" panose="02070309020205020404" pitchFamily="49" charset="0"/>
-                <a:cs typeface="Courier New" panose="02070309020205020404" pitchFamily="49" charset="0"/>
-              </a:rPr>
-              <a:t>Note: cannot compute L – {x} if L is a list</a:t>
-            </a:r>
-            <a:endParaRPr lang="en-US" dirty="0"/>
+              <a:t>discard()</a:t>
+            </a:r>
+            <a:r>
+              <a:rPr lang="en-US" dirty="0"/>
+              <a:t> methods may be a set. To support searching for an equivalent </a:t>
+            </a:r>
+            <a:r>
+              <a:rPr lang="en-US" dirty="0" err="1"/>
+              <a:t>frozenset</a:t>
+            </a:r>
+            <a:r>
+              <a:rPr lang="en-US" dirty="0"/>
+              <a:t>, a temporary one is created from </a:t>
+            </a:r>
+            <a:r>
+              <a:rPr lang="en-US" i="1" dirty="0"/>
+              <a:t>elem</a:t>
+            </a:r>
+            <a:r>
+              <a:rPr lang="en-US" dirty="0"/>
+              <a:t>.”</a:t>
+            </a:r>
           </a:p>
         </p:txBody>
       </p:sp>
@@ -3154,7 +3513,7 @@
           <a:p>
             <a:fld id="{CD563DD8-32AB-41BE-B1C6-8EAC45222ACE}" type="slidenum">
               <a:rPr lang="en-US" smtClean="0"/>
-              <a:t>13</a:t>
+              <a:t>12</a:t>
             </a:fld>
             <a:endParaRPr lang="en-US"/>
           </a:p>
@@ -3163,7 +3522,7 @@
     </p:spTree>
     <p:extLst>
       <p:ext uri="{BB962C8B-B14F-4D97-AF65-F5344CB8AC3E}">
-        <p14:creationId xmlns:p14="http://schemas.microsoft.com/office/powerpoint/2010/main" val="1981930296"/>
+        <p14:creationId xmlns:p14="http://schemas.microsoft.com/office/powerpoint/2010/main" val="3969771664"/>
       </p:ext>
     </p:extLst>
   </p:cSld>
@@ -3310,7 +3669,7 @@
           <a:p>
             <a:fld id="{0560A9CD-0304-4E0B-9E82-E7E0115DE05B}" type="datetimeFigureOut">
               <a:rPr lang="en-US" smtClean="0"/>
-              <a:t>2/13/2024</a:t>
+              <a:t>2/19/2024</a:t>
             </a:fld>
             <a:endParaRPr lang="en-US"/>
           </a:p>
@@ -3478,7 +3837,7 @@
           <a:p>
             <a:fld id="{0560A9CD-0304-4E0B-9E82-E7E0115DE05B}" type="datetimeFigureOut">
               <a:rPr lang="en-US" smtClean="0"/>
-              <a:t>2/13/2024</a:t>
+              <a:t>2/19/2024</a:t>
             </a:fld>
             <a:endParaRPr lang="en-US"/>
           </a:p>
@@ -3656,7 +4015,7 @@
           <a:p>
             <a:fld id="{0560A9CD-0304-4E0B-9E82-E7E0115DE05B}" type="datetimeFigureOut">
               <a:rPr lang="en-US" smtClean="0"/>
-              <a:t>2/13/2024</a:t>
+              <a:t>2/19/2024</a:t>
             </a:fld>
             <a:endParaRPr lang="en-US"/>
           </a:p>
@@ -3833,7 +4192,7 @@
           <a:p>
             <a:fld id="{0560A9CD-0304-4E0B-9E82-E7E0115DE05B}" type="datetimeFigureOut">
               <a:rPr lang="en-US" smtClean="0"/>
-              <a:t>2/13/2024</a:t>
+              <a:t>2/19/2024</a:t>
             </a:fld>
             <a:endParaRPr lang="en-US"/>
           </a:p>
@@ -4078,7 +4437,7 @@
           <a:p>
             <a:fld id="{0560A9CD-0304-4E0B-9E82-E7E0115DE05B}" type="datetimeFigureOut">
               <a:rPr lang="en-US" smtClean="0"/>
-              <a:t>2/13/2024</a:t>
+              <a:t>2/19/2024</a:t>
             </a:fld>
             <a:endParaRPr lang="en-US"/>
           </a:p>
@@ -4307,7 +4666,7 @@
           <a:p>
             <a:fld id="{0560A9CD-0304-4E0B-9E82-E7E0115DE05B}" type="datetimeFigureOut">
               <a:rPr lang="en-US" smtClean="0"/>
-              <a:t>2/13/2024</a:t>
+              <a:t>2/19/2024</a:t>
             </a:fld>
             <a:endParaRPr lang="en-US"/>
           </a:p>
@@ -4671,7 +5030,7 @@
           <a:p>
             <a:fld id="{0560A9CD-0304-4E0B-9E82-E7E0115DE05B}" type="datetimeFigureOut">
               <a:rPr lang="en-US" smtClean="0"/>
-              <a:t>2/13/2024</a:t>
+              <a:t>2/19/2024</a:t>
             </a:fld>
             <a:endParaRPr lang="en-US"/>
           </a:p>
@@ -4788,7 +5147,7 @@
           <a:p>
             <a:fld id="{0560A9CD-0304-4E0B-9E82-E7E0115DE05B}" type="datetimeFigureOut">
               <a:rPr lang="en-US" smtClean="0"/>
-              <a:t>2/13/2024</a:t>
+              <a:t>2/19/2024</a:t>
             </a:fld>
             <a:endParaRPr lang="en-US"/>
           </a:p>
@@ -4883,7 +5242,7 @@
           <a:p>
             <a:fld id="{0560A9CD-0304-4E0B-9E82-E7E0115DE05B}" type="datetimeFigureOut">
               <a:rPr lang="en-US" smtClean="0"/>
-              <a:t>2/13/2024</a:t>
+              <a:t>2/19/2024</a:t>
             </a:fld>
             <a:endParaRPr lang="en-US"/>
           </a:p>
@@ -5158,7 +5517,7 @@
           <a:p>
             <a:fld id="{0560A9CD-0304-4E0B-9E82-E7E0115DE05B}" type="datetimeFigureOut">
               <a:rPr lang="en-US" smtClean="0"/>
-              <a:t>2/13/2024</a:t>
+              <a:t>2/19/2024</a:t>
             </a:fld>
             <a:endParaRPr lang="en-US"/>
           </a:p>
@@ -5410,7 +5769,7 @@
           <a:p>
             <a:fld id="{0560A9CD-0304-4E0B-9E82-E7E0115DE05B}" type="datetimeFigureOut">
               <a:rPr lang="en-US" smtClean="0"/>
-              <a:t>2/13/2024</a:t>
+              <a:t>2/19/2024</a:t>
             </a:fld>
             <a:endParaRPr lang="en-US"/>
           </a:p>
@@ -5621,7 +5980,7 @@
           <a:p>
             <a:fld id="{0560A9CD-0304-4E0B-9E82-E7E0115DE05B}" type="datetimeFigureOut">
               <a:rPr lang="en-US" smtClean="0"/>
-              <a:t>2/13/2024</a:t>
+              <a:t>2/19/2024</a:t>
             </a:fld>
             <a:endParaRPr lang="en-US"/>
           </a:p>
@@ -11402,9 +11761,7 @@
             <a:r>
               <a:rPr lang="da-DK" dirty="0">
                 <a:solidFill>
-                  <a:schemeClr val="accent1">
-                    <a:lumMod val="50000"/>
-                  </a:schemeClr>
+                  <a:srgbClr val="C00000"/>
                 </a:solidFill>
               </a:rPr>
               <a:t>__hash__()</a:t>
@@ -11472,6 +11829,14 @@
             <a:r>
               <a:rPr lang="en-US" dirty="0"/>
               <a:t>lifetime and an </a:t>
+            </a:r>
+            <a:r>
+              <a:rPr lang="en-US" dirty="0">
+                <a:solidFill>
+                  <a:srgbClr val="C00000"/>
+                </a:solidFill>
+              </a:rPr>
+              <a:t>__eq__()</a:t>
             </a:r>
             <a:r>
               <a:rPr lang="en-US" dirty="0">
@@ -11481,7 +11846,7 @@
                   </a:schemeClr>
                 </a:solidFill>
               </a:rPr>
-              <a:t>__eq__() </a:t>
+              <a:t> </a:t>
             </a:r>
             <a:r>
               <a:rPr lang="en-US" dirty="0"/>
@@ -11662,7 +12027,14 @@
             </a:r>
             <a:r>
               <a:rPr lang="da-DK" dirty="0"/>
-              <a:t>. In </a:t>
+              <a:t>. </a:t>
+            </a:r>
+            <a:br>
+              <a:rPr lang="da-DK" dirty="0"/>
+            </a:br>
+            <a:r>
+              <a:rPr lang="da-DK" dirty="0"/>
+              <a:t>In </a:t>
             </a:r>
             <a:r>
               <a:rPr lang="da-DK" dirty="0" err="1"/>
@@ -11710,23 +12082,14 @@
             </a:r>
             <a:r>
               <a:rPr lang="da-DK" dirty="0"/>
-              <a:t>. I.e. </a:t>
-            </a:r>
-            <a:r>
-              <a:rPr lang="da-DK" dirty="0" err="1"/>
-              <a:t>trees</a:t>
-            </a:r>
-            <a:r>
+              <a:t>. </a:t>
+            </a:r>
+            <a:br>
               <a:rPr lang="da-DK" dirty="0"/>
-              <a:t> </a:t>
-            </a:r>
-            <a:r>
-              <a:rPr lang="da-DK" dirty="0" err="1"/>
-              <a:t>represented</a:t>
-            </a:r>
+            </a:br>
             <a:r>
               <a:rPr lang="da-DK" dirty="0"/>
-              <a:t> by </a:t>
+              <a:t>I.e. </a:t>
             </a:r>
             <a:r>
               <a:rPr lang="da-DK" dirty="0" err="1"/>
@@ -11764,6 +12127,26 @@
                 <a:cs typeface="Courier New" panose="02070309020205020404" pitchFamily="49" charset="0"/>
               </a:rPr>
               <a:t>')))</a:t>
+            </a:r>
+            <a:r>
+              <a:rPr lang="da-DK" dirty="0"/>
+              <a:t> </a:t>
+            </a:r>
+            <a:r>
+              <a:rPr lang="da-DK" dirty="0" err="1"/>
+              <a:t>representing</a:t>
+            </a:r>
+            <a:r>
+              <a:rPr lang="da-DK" dirty="0"/>
+              <a:t> </a:t>
+            </a:r>
+            <a:r>
+              <a:rPr lang="da-DK" dirty="0" err="1"/>
+              <a:t>trees</a:t>
+            </a:r>
+            <a:r>
+              <a:rPr lang="da-DK" dirty="0"/>
+              <a:t> </a:t>
             </a:r>
             <a:r>
               <a:rPr lang="da-DK" dirty="0" err="1"/>
@@ -15733,7 +16116,7 @@
           <p:nvPr>
             <p:extLst>
               <p:ext uri="{D42A27DB-BD31-4B8C-83A1-F6EECF244321}">
-                <p14:modId xmlns:p14="http://schemas.microsoft.com/office/powerpoint/2010/main" val="4013621974"/>
+                <p14:modId xmlns:p14="http://schemas.microsoft.com/office/powerpoint/2010/main" val="451870693"/>
               </p:ext>
             </p:extLst>
           </p:nvPr>
@@ -16366,11 +16749,32 @@
                         <a:buChar char="|"/>
                       </a:pPr>
                       <a:r>
+                        <a:rPr lang="pt-BR" sz="1800" b="1" baseline="0">
+                          <a:latin typeface="Courier New" panose="02070309020205020404" pitchFamily="49" charset="0"/>
+                          <a:cs typeface="Courier New" panose="02070309020205020404" pitchFamily="49" charset="0"/>
+                        </a:rPr>
+                        <a:t>deque([-2, -1</a:t>
+                      </a:r>
+                      <a:r>
                         <a:rPr lang="pt-BR" sz="1800" b="1" baseline="0" dirty="0">
                           <a:latin typeface="Courier New" panose="02070309020205020404" pitchFamily="49" charset="0"/>
                           <a:cs typeface="Courier New" panose="02070309020205020404" pitchFamily="49" charset="0"/>
                         </a:rPr>
-                        <a:t>deque([2, 1, 0, -1, -2])</a:t>
+                        <a:t>, 0</a:t>
+                      </a:r>
+                      <a:r>
+                        <a:rPr lang="pt-BR" sz="1800" b="1" baseline="0">
+                          <a:latin typeface="Courier New" panose="02070309020205020404" pitchFamily="49" charset="0"/>
+                          <a:cs typeface="Courier New" panose="02070309020205020404" pitchFamily="49" charset="0"/>
+                        </a:rPr>
+                        <a:t>, 1, 2</a:t>
+                      </a:r>
+                      <a:r>
+                        <a:rPr lang="pt-BR" sz="1800" b="1" baseline="0" dirty="0">
+                          <a:latin typeface="Courier New" panose="02070309020205020404" pitchFamily="49" charset="0"/>
+                          <a:cs typeface="Courier New" panose="02070309020205020404" pitchFamily="49" charset="0"/>
+                        </a:rPr>
+                        <a:t>])</a:t>
                       </a:r>
                     </a:p>
                     <a:p>
@@ -22398,7 +22802,7 @@
                 <a:avLst/>
               </a:prstGeom>
               <a:blipFill>
-                <a:blip r:embed="rId2"/>
+                <a:blip r:embed="rId3"/>
                 <a:stretch>
                   <a:fillRect b="-13253"/>
                 </a:stretch>
@@ -30477,14 +30881,14 @@
           <p:nvPr>
             <p:extLst>
               <p:ext uri="{D42A27DB-BD31-4B8C-83A1-F6EECF244321}">
-                <p14:modId xmlns:p14="http://schemas.microsoft.com/office/powerpoint/2010/main" val="1047587422"/>
+                <p14:modId xmlns:p14="http://schemas.microsoft.com/office/powerpoint/2010/main" val="2159477304"/>
               </p:ext>
             </p:extLst>
           </p:nvPr>
         </p:nvGraphicFramePr>
         <p:xfrm>
           <a:off x="1923645" y="4018312"/>
-          <a:ext cx="8344709" cy="2377440"/>
+          <a:ext cx="8836024" cy="2377440"/>
         </p:xfrm>
         <a:graphic>
           <a:graphicData uri="http://schemas.openxmlformats.org/drawingml/2006/table">
@@ -30493,7 +30897,7 @@
                 <a:tableStyleId>{5C22544A-7EE6-4342-B048-85BDC9FD1C3A}</a:tableStyleId>
               </a:tblPr>
               <a:tblGrid>
-                <a:gridCol w="8344709">
+                <a:gridCol w="8836024">
                   <a:extLst>
                     <a:ext uri="{9D8B030D-6E8A-4147-A177-3AD203B41FA5}">
                       <a16:colId xmlns:a16="http://schemas.microsoft.com/office/drawing/2014/main" val="1873682825"/>
@@ -30662,7 +31066,19 @@
                           <a:latin typeface="Courier New" panose="02070309020205020404" pitchFamily="49" charset="0"/>
                           <a:cs typeface="Courier New" panose="02070309020205020404" pitchFamily="49" charset="0"/>
                         </a:rPr>
-                        <a:t>dict(enumerate(names, start=1))</a:t>
+                        <a:t>dict(enumerate(names, start=1))  </a:t>
+                      </a:r>
+                      <a:r>
+                        <a:rPr lang="pt-BR" sz="1800" b="1" baseline="0" dirty="0">
+                          <a:solidFill>
+                            <a:schemeClr val="bg1">
+                              <a:lumMod val="50000"/>
+                            </a:schemeClr>
+                          </a:solidFill>
+                          <a:latin typeface="Courier New" panose="02070309020205020404" pitchFamily="49" charset="0"/>
+                          <a:cs typeface="Courier New" panose="02070309020205020404" pitchFamily="49" charset="0"/>
+                        </a:rPr>
+                        <a:t># construct dict from pairs</a:t>
                       </a:r>
                     </a:p>
                     <a:p>

--- a/ipsa/slides/dictionaries.pptx
+++ b/ipsa/slides/dictionaries.pptx
@@ -151,14 +151,6 @@
           <pc:docMk/>
           <pc:sldMk cId="336411019" sldId="544"/>
         </pc:sldMkLst>
-        <pc:spChg chg="mod">
-          <ac:chgData name="Gerth Stølting Brodal" userId="04ef4784-6591-4f86-a140-f5c3b108582a" providerId="ADAL" clId="{B701DC40-6812-41B8-B173-57A8218FDEAC}" dt="2021-02-17T11:29:57.657" v="501" actId="20577"/>
-          <ac:spMkLst>
-            <pc:docMk/>
-            <pc:sldMk cId="336411019" sldId="544"/>
-            <ac:spMk id="8" creationId="{00000000-0000-0000-0000-000000000000}"/>
-          </ac:spMkLst>
-        </pc:spChg>
       </pc:sldChg>
       <pc:sldChg chg="modSp mod modNotesTx">
         <pc:chgData name="Gerth Stølting Brodal" userId="04ef4784-6591-4f86-a140-f5c3b108582a" providerId="ADAL" clId="{B701DC40-6812-41B8-B173-57A8218FDEAC}" dt="2021-02-17T11:12:54.130" v="428" actId="207"/>
@@ -166,30 +158,6 @@
           <pc:docMk/>
           <pc:sldMk cId="2822266895" sldId="546"/>
         </pc:sldMkLst>
-        <pc:spChg chg="mod">
-          <ac:chgData name="Gerth Stølting Brodal" userId="04ef4784-6591-4f86-a140-f5c3b108582a" providerId="ADAL" clId="{B701DC40-6812-41B8-B173-57A8218FDEAC}" dt="2021-02-17T11:10:28.303" v="358" actId="20577"/>
-          <ac:spMkLst>
-            <pc:docMk/>
-            <pc:sldMk cId="2822266895" sldId="546"/>
-            <ac:spMk id="3" creationId="{00000000-0000-0000-0000-000000000000}"/>
-          </ac:spMkLst>
-        </pc:spChg>
-        <pc:graphicFrameChg chg="mod modGraphic">
-          <ac:chgData name="Gerth Stølting Brodal" userId="04ef4784-6591-4f86-a140-f5c3b108582a" providerId="ADAL" clId="{B701DC40-6812-41B8-B173-57A8218FDEAC}" dt="2021-02-17T11:12:54.130" v="428" actId="207"/>
-          <ac:graphicFrameMkLst>
-            <pc:docMk/>
-            <pc:sldMk cId="2822266895" sldId="546"/>
-            <ac:graphicFrameMk id="4" creationId="{00000000-0000-0000-0000-000000000000}"/>
-          </ac:graphicFrameMkLst>
-        </pc:graphicFrameChg>
-        <pc:graphicFrameChg chg="mod modGraphic">
-          <ac:chgData name="Gerth Stølting Brodal" userId="04ef4784-6591-4f86-a140-f5c3b108582a" providerId="ADAL" clId="{B701DC40-6812-41B8-B173-57A8218FDEAC}" dt="2021-02-17T11:12:24.427" v="425" actId="207"/>
-          <ac:graphicFrameMkLst>
-            <pc:docMk/>
-            <pc:sldMk cId="2822266895" sldId="546"/>
-            <ac:graphicFrameMk id="5" creationId="{00000000-0000-0000-0000-000000000000}"/>
-          </ac:graphicFrameMkLst>
-        </pc:graphicFrameChg>
       </pc:sldChg>
       <pc:sldChg chg="modNotesTx">
         <pc:chgData name="Gerth Stølting Brodal" userId="04ef4784-6591-4f86-a140-f5c3b108582a" providerId="ADAL" clId="{B701DC40-6812-41B8-B173-57A8218FDEAC}" dt="2021-02-17T10:59:20.115" v="272" actId="20577"/>
@@ -204,14 +172,6 @@
           <pc:docMk/>
           <pc:sldMk cId="3877967072" sldId="551"/>
         </pc:sldMkLst>
-        <pc:spChg chg="mod">
-          <ac:chgData name="Gerth Stølting Brodal" userId="04ef4784-6591-4f86-a140-f5c3b108582a" providerId="ADAL" clId="{B701DC40-6812-41B8-B173-57A8218FDEAC}" dt="2021-02-17T11:16:16.929" v="458" actId="20577"/>
-          <ac:spMkLst>
-            <pc:docMk/>
-            <pc:sldMk cId="3877967072" sldId="551"/>
-            <ac:spMk id="2" creationId="{00000000-0000-0000-0000-000000000000}"/>
-          </ac:spMkLst>
-        </pc:spChg>
       </pc:sldChg>
       <pc:sldChg chg="modNotesTx">
         <pc:chgData name="Gerth Stølting Brodal" userId="04ef4784-6591-4f86-a140-f5c3b108582a" providerId="ADAL" clId="{B701DC40-6812-41B8-B173-57A8218FDEAC}" dt="2021-02-17T10:43:39.437" v="106" actId="20577"/>
@@ -240,14 +200,6 @@
           <pc:docMk/>
           <pc:sldMk cId="976103109" sldId="567"/>
         </pc:sldMkLst>
-        <pc:graphicFrameChg chg="mod modGraphic">
-          <ac:chgData name="Gerth Stølting Brodal" userId="04ef4784-6591-4f86-a140-f5c3b108582a" providerId="ADAL" clId="{B701DC40-6812-41B8-B173-57A8218FDEAC}" dt="2021-02-17T11:27:53.668" v="499" actId="20577"/>
-          <ac:graphicFrameMkLst>
-            <pc:docMk/>
-            <pc:sldMk cId="976103109" sldId="567"/>
-            <ac:graphicFrameMk id="5" creationId="{00000000-0000-0000-0000-000000000000}"/>
-          </ac:graphicFrameMkLst>
-        </pc:graphicFrameChg>
       </pc:sldChg>
     </pc:docChg>
   </pc:docChgLst>
@@ -264,14 +216,6 @@
           <pc:docMk/>
           <pc:sldMk cId="2460918877" sldId="545"/>
         </pc:sldMkLst>
-        <pc:graphicFrameChg chg="modGraphic">
-          <ac:chgData name="Gerth Stølting Brodal" userId="04ef4784-6591-4f86-a140-f5c3b108582a" providerId="ADAL" clId="{A627AC5E-6684-49E2-A419-FF543899C57A}" dt="2024-02-19T07:51:08.792" v="198" actId="207"/>
-          <ac:graphicFrameMkLst>
-            <pc:docMk/>
-            <pc:sldMk cId="2460918877" sldId="545"/>
-            <ac:graphicFrameMk id="14" creationId="{00000000-0000-0000-0000-000000000000}"/>
-          </ac:graphicFrameMkLst>
-        </pc:graphicFrameChg>
       </pc:sldChg>
       <pc:sldChg chg="modSp mod">
         <pc:chgData name="Gerth Stølting Brodal" userId="04ef4784-6591-4f86-a140-f5c3b108582a" providerId="ADAL" clId="{A627AC5E-6684-49E2-A419-FF543899C57A}" dt="2024-02-19T08:00:12.642" v="290" actId="207"/>
@@ -279,14 +223,6 @@
           <pc:docMk/>
           <pc:sldMk cId="1145811308" sldId="555"/>
         </pc:sldMkLst>
-        <pc:spChg chg="mod">
-          <ac:chgData name="Gerth Stølting Brodal" userId="04ef4784-6591-4f86-a140-f5c3b108582a" providerId="ADAL" clId="{A627AC5E-6684-49E2-A419-FF543899C57A}" dt="2024-02-19T08:00:12.642" v="290" actId="207"/>
-          <ac:spMkLst>
-            <pc:docMk/>
-            <pc:sldMk cId="1145811308" sldId="555"/>
-            <ac:spMk id="3" creationId="{00000000-0000-0000-0000-000000000000}"/>
-          </ac:spMkLst>
-        </pc:spChg>
       </pc:sldChg>
       <pc:sldChg chg="modNotesTx">
         <pc:chgData name="Gerth Stølting Brodal" userId="04ef4784-6591-4f86-a140-f5c3b108582a" providerId="ADAL" clId="{A627AC5E-6684-49E2-A419-FF543899C57A}" dt="2024-02-19T08:10:07.304" v="315" actId="368"/>
@@ -308,14 +244,6 @@
           <pc:docMk/>
           <pc:sldMk cId="235520075" sldId="565"/>
         </pc:sldMkLst>
-        <pc:graphicFrameChg chg="modGraphic">
-          <ac:chgData name="Gerth Stølting Brodal" userId="04ef4784-6591-4f86-a140-f5c3b108582a" providerId="ADAL" clId="{A627AC5E-6684-49E2-A419-FF543899C57A}" dt="2024-02-19T10:02:38.066" v="323" actId="20577"/>
-          <ac:graphicFrameMkLst>
-            <pc:docMk/>
-            <pc:sldMk cId="235520075" sldId="565"/>
-            <ac:graphicFrameMk id="5" creationId="{00000000-0000-0000-0000-000000000000}"/>
-          </ac:graphicFrameMkLst>
-        </pc:graphicFrameChg>
       </pc:sldChg>
       <pc:sldChg chg="modNotesTx">
         <pc:chgData name="Gerth Stølting Brodal" userId="04ef4784-6591-4f86-a140-f5c3b108582a" providerId="ADAL" clId="{A627AC5E-6684-49E2-A419-FF543899C57A}" dt="2024-02-14T08:08:55.212" v="166" actId="20577"/>
@@ -339,14 +267,6 @@
           <pc:docMk/>
           <pc:sldMk cId="2460918877" sldId="545"/>
         </pc:sldMkLst>
-        <pc:graphicFrameChg chg="modGraphic">
-          <ac:chgData name="Gerth Stølting Brodal" userId="04ef4784-6591-4f86-a140-f5c3b108582a" providerId="ADAL" clId="{3A49286A-3992-4B37-8BB5-DA83FEA0A6BC}" dt="2023-02-15T07:26:17.322" v="42" actId="207"/>
-          <ac:graphicFrameMkLst>
-            <pc:docMk/>
-            <pc:sldMk cId="2460918877" sldId="545"/>
-            <ac:graphicFrameMk id="14" creationId="{00000000-0000-0000-0000-000000000000}"/>
-          </ac:graphicFrameMkLst>
-        </pc:graphicFrameChg>
       </pc:sldChg>
       <pc:sldChg chg="modSp mod">
         <pc:chgData name="Gerth Stølting Brodal" userId="04ef4784-6591-4f86-a140-f5c3b108582a" providerId="ADAL" clId="{3A49286A-3992-4B37-8BB5-DA83FEA0A6BC}" dt="2023-02-15T07:35:23.247" v="50" actId="313"/>
@@ -354,14 +274,6 @@
           <pc:docMk/>
           <pc:sldMk cId="2822266895" sldId="546"/>
         </pc:sldMkLst>
-        <pc:graphicFrameChg chg="modGraphic">
-          <ac:chgData name="Gerth Stølting Brodal" userId="04ef4784-6591-4f86-a140-f5c3b108582a" providerId="ADAL" clId="{3A49286A-3992-4B37-8BB5-DA83FEA0A6BC}" dt="2023-02-15T07:35:23.247" v="50" actId="313"/>
-          <ac:graphicFrameMkLst>
-            <pc:docMk/>
-            <pc:sldMk cId="2822266895" sldId="546"/>
-            <ac:graphicFrameMk id="5" creationId="{00000000-0000-0000-0000-000000000000}"/>
-          </ac:graphicFrameMkLst>
-        </pc:graphicFrameChg>
       </pc:sldChg>
       <pc:sldChg chg="modSp mod">
         <pc:chgData name="Gerth Stølting Brodal" userId="04ef4784-6591-4f86-a140-f5c3b108582a" providerId="ADAL" clId="{3A49286A-3992-4B37-8BB5-DA83FEA0A6BC}" dt="2023-02-15T07:07:54.666" v="2" actId="20577"/>
@@ -369,14 +281,6 @@
           <pc:docMk/>
           <pc:sldMk cId="58256463" sldId="548"/>
         </pc:sldMkLst>
-        <pc:spChg chg="mod">
-          <ac:chgData name="Gerth Stølting Brodal" userId="04ef4784-6591-4f86-a140-f5c3b108582a" providerId="ADAL" clId="{3A49286A-3992-4B37-8BB5-DA83FEA0A6BC}" dt="2023-02-15T07:07:54.666" v="2" actId="20577"/>
-          <ac:spMkLst>
-            <pc:docMk/>
-            <pc:sldMk cId="58256463" sldId="548"/>
-            <ac:spMk id="3" creationId="{00000000-0000-0000-0000-000000000000}"/>
-          </ac:spMkLst>
-        </pc:spChg>
       </pc:sldChg>
       <pc:sldChg chg="modSp mod modNotesTx">
         <pc:chgData name="Gerth Stølting Brodal" userId="04ef4784-6591-4f86-a140-f5c3b108582a" providerId="ADAL" clId="{3A49286A-3992-4B37-8BB5-DA83FEA0A6BC}" dt="2023-02-20T07:48:51.581" v="249"/>
@@ -384,14 +288,6 @@
           <pc:docMk/>
           <pc:sldMk cId="3852152376" sldId="550"/>
         </pc:sldMkLst>
-        <pc:graphicFrameChg chg="modGraphic">
-          <ac:chgData name="Gerth Stølting Brodal" userId="04ef4784-6591-4f86-a140-f5c3b108582a" providerId="ADAL" clId="{3A49286A-3992-4B37-8BB5-DA83FEA0A6BC}" dt="2023-02-20T07:44:26.230" v="247" actId="20577"/>
-          <ac:graphicFrameMkLst>
-            <pc:docMk/>
-            <pc:sldMk cId="3852152376" sldId="550"/>
-            <ac:graphicFrameMk id="6" creationId="{00000000-0000-0000-0000-000000000000}"/>
-          </ac:graphicFrameMkLst>
-        </pc:graphicFrameChg>
       </pc:sldChg>
       <pc:sldChg chg="modSp mod modNotesTx">
         <pc:chgData name="Gerth Stølting Brodal" userId="04ef4784-6591-4f86-a140-f5c3b108582a" providerId="ADAL" clId="{3A49286A-3992-4B37-8BB5-DA83FEA0A6BC}" dt="2023-02-15T07:13:19.465" v="34" actId="313"/>
@@ -399,14 +295,6 @@
           <pc:docMk/>
           <pc:sldMk cId="2739811714" sldId="554"/>
         </pc:sldMkLst>
-        <pc:graphicFrameChg chg="modGraphic">
-          <ac:chgData name="Gerth Stølting Brodal" userId="04ef4784-6591-4f86-a140-f5c3b108582a" providerId="ADAL" clId="{3A49286A-3992-4B37-8BB5-DA83FEA0A6BC}" dt="2023-02-15T07:13:19.465" v="34" actId="313"/>
-          <ac:graphicFrameMkLst>
-            <pc:docMk/>
-            <pc:sldMk cId="2739811714" sldId="554"/>
-            <ac:graphicFrameMk id="9" creationId="{00000000-0000-0000-0000-000000000000}"/>
-          </ac:graphicFrameMkLst>
-        </pc:graphicFrameChg>
       </pc:sldChg>
       <pc:sldChg chg="modSp mod modNotesTx">
         <pc:chgData name="Gerth Stølting Brodal" userId="04ef4784-6591-4f86-a140-f5c3b108582a" providerId="ADAL" clId="{3A49286A-3992-4B37-8BB5-DA83FEA0A6BC}" dt="2023-02-15T07:40:12.317" v="108" actId="20577"/>
@@ -414,14 +302,6 @@
           <pc:docMk/>
           <pc:sldMk cId="1145811308" sldId="555"/>
         </pc:sldMkLst>
-        <pc:spChg chg="mod">
-          <ac:chgData name="Gerth Stølting Brodal" userId="04ef4784-6591-4f86-a140-f5c3b108582a" providerId="ADAL" clId="{3A49286A-3992-4B37-8BB5-DA83FEA0A6BC}" dt="2023-02-15T07:36:07.663" v="52" actId="20577"/>
-          <ac:spMkLst>
-            <pc:docMk/>
-            <pc:sldMk cId="1145811308" sldId="555"/>
-            <ac:spMk id="3" creationId="{00000000-0000-0000-0000-000000000000}"/>
-          </ac:spMkLst>
-        </pc:spChg>
       </pc:sldChg>
       <pc:sldChg chg="modSp mod">
         <pc:chgData name="Gerth Stølting Brodal" userId="04ef4784-6591-4f86-a140-f5c3b108582a" providerId="ADAL" clId="{3A49286A-3992-4B37-8BB5-DA83FEA0A6BC}" dt="2023-02-15T07:23:46.419" v="37" actId="313"/>
@@ -429,14 +309,6 @@
           <pc:docMk/>
           <pc:sldMk cId="2970082559" sldId="561"/>
         </pc:sldMkLst>
-        <pc:graphicFrameChg chg="modGraphic">
-          <ac:chgData name="Gerth Stølting Brodal" userId="04ef4784-6591-4f86-a140-f5c3b108582a" providerId="ADAL" clId="{3A49286A-3992-4B37-8BB5-DA83FEA0A6BC}" dt="2023-02-15T07:23:46.419" v="37" actId="313"/>
-          <ac:graphicFrameMkLst>
-            <pc:docMk/>
-            <pc:sldMk cId="2970082559" sldId="561"/>
-            <ac:graphicFrameMk id="16" creationId="{00000000-0000-0000-0000-000000000000}"/>
-          </ac:graphicFrameMkLst>
-        </pc:graphicFrameChg>
       </pc:sldChg>
       <pc:sldChg chg="addSp modSp mod modAnim">
         <pc:chgData name="Gerth Stølting Brodal" userId="04ef4784-6591-4f86-a140-f5c3b108582a" providerId="ADAL" clId="{3A49286A-3992-4B37-8BB5-DA83FEA0A6BC}" dt="2023-02-19T17:48:21.019" v="243" actId="20577"/>
@@ -444,46 +316,6 @@
           <pc:docMk/>
           <pc:sldMk cId="630244301" sldId="566"/>
         </pc:sldMkLst>
-        <pc:spChg chg="mod">
-          <ac:chgData name="Gerth Stølting Brodal" userId="04ef4784-6591-4f86-a140-f5c3b108582a" providerId="ADAL" clId="{3A49286A-3992-4B37-8BB5-DA83FEA0A6BC}" dt="2023-02-15T07:54:19.957" v="209" actId="1037"/>
-          <ac:spMkLst>
-            <pc:docMk/>
-            <pc:sldMk cId="630244301" sldId="566"/>
-            <ac:spMk id="2" creationId="{00000000-0000-0000-0000-000000000000}"/>
-          </ac:spMkLst>
-        </pc:spChg>
-        <pc:spChg chg="add mod">
-          <ac:chgData name="Gerth Stølting Brodal" userId="04ef4784-6591-4f86-a140-f5c3b108582a" providerId="ADAL" clId="{3A49286A-3992-4B37-8BB5-DA83FEA0A6BC}" dt="2023-02-15T07:54:39.447" v="210" actId="164"/>
-          <ac:spMkLst>
-            <pc:docMk/>
-            <pc:sldMk cId="630244301" sldId="566"/>
-            <ac:spMk id="4" creationId="{D7E080DF-C0C5-20D2-33A0-8827EF54D731}"/>
-          </ac:spMkLst>
-        </pc:spChg>
-        <pc:grpChg chg="add mod">
-          <ac:chgData name="Gerth Stølting Brodal" userId="04ef4784-6591-4f86-a140-f5c3b108582a" providerId="ADAL" clId="{3A49286A-3992-4B37-8BB5-DA83FEA0A6BC}" dt="2023-02-15T07:54:39.447" v="210" actId="164"/>
-          <ac:grpSpMkLst>
-            <pc:docMk/>
-            <pc:sldMk cId="630244301" sldId="566"/>
-            <ac:grpSpMk id="10" creationId="{1B0019EB-33BE-97BA-7C06-038561597A77}"/>
-          </ac:grpSpMkLst>
-        </pc:grpChg>
-        <pc:graphicFrameChg chg="modGraphic">
-          <ac:chgData name="Gerth Stølting Brodal" userId="04ef4784-6591-4f86-a140-f5c3b108582a" providerId="ADAL" clId="{3A49286A-3992-4B37-8BB5-DA83FEA0A6BC}" dt="2023-02-19T17:48:21.019" v="243" actId="20577"/>
-          <ac:graphicFrameMkLst>
-            <pc:docMk/>
-            <pc:sldMk cId="630244301" sldId="566"/>
-            <ac:graphicFrameMk id="5" creationId="{00000000-0000-0000-0000-000000000000}"/>
-          </ac:graphicFrameMkLst>
-        </pc:graphicFrameChg>
-        <pc:picChg chg="add mod">
-          <ac:chgData name="Gerth Stølting Brodal" userId="04ef4784-6591-4f86-a140-f5c3b108582a" providerId="ADAL" clId="{3A49286A-3992-4B37-8BB5-DA83FEA0A6BC}" dt="2023-02-15T07:54:39.447" v="210" actId="164"/>
-          <ac:picMkLst>
-            <pc:docMk/>
-            <pc:sldMk cId="630244301" sldId="566"/>
-            <ac:picMk id="7" creationId="{CA096CE3-516F-E1E8-40C5-CB86C3E9C347}"/>
-          </ac:picMkLst>
-        </pc:picChg>
       </pc:sldChg>
     </pc:docChg>
   </pc:docChgLst>
@@ -500,182 +332,6 @@
           <pc:docMk/>
           <pc:sldMk cId="637895129" sldId="513"/>
         </pc:sldMkLst>
-        <pc:spChg chg="mod">
-          <ac:chgData name="Gerth Stølting Brodal" userId="04ef4784-6591-4f86-a140-f5c3b108582a" providerId="ADAL" clId="{32A0BADB-2EDA-40A0-B15A-8D58BACC3113}" dt="2023-07-15T12:08:42.602" v="65" actId="1076"/>
-          <ac:spMkLst>
-            <pc:docMk/>
-            <pc:sldMk cId="637895129" sldId="513"/>
-            <ac:spMk id="6" creationId="{00000000-0000-0000-0000-000000000000}"/>
-          </ac:spMkLst>
-        </pc:spChg>
-        <pc:spChg chg="del">
-          <ac:chgData name="Gerth Stølting Brodal" userId="04ef4784-6591-4f86-a140-f5c3b108582a" providerId="ADAL" clId="{32A0BADB-2EDA-40A0-B15A-8D58BACC3113}" dt="2023-07-15T11:51:08.087" v="45" actId="478"/>
-          <ac:spMkLst>
-            <pc:docMk/>
-            <pc:sldMk cId="637895129" sldId="513"/>
-            <ac:spMk id="7" creationId="{00000000-0000-0000-0000-000000000000}"/>
-          </ac:spMkLst>
-        </pc:spChg>
-        <pc:spChg chg="mod">
-          <ac:chgData name="Gerth Stølting Brodal" userId="04ef4784-6591-4f86-a140-f5c3b108582a" providerId="ADAL" clId="{32A0BADB-2EDA-40A0-B15A-8D58BACC3113}" dt="2023-07-15T12:23:48.689" v="185" actId="1076"/>
-          <ac:spMkLst>
-            <pc:docMk/>
-            <pc:sldMk cId="637895129" sldId="513"/>
-            <ac:spMk id="9" creationId="{00000000-0000-0000-0000-000000000000}"/>
-          </ac:spMkLst>
-        </pc:spChg>
-        <pc:spChg chg="mod">
-          <ac:chgData name="Gerth Stølting Brodal" userId="04ef4784-6591-4f86-a140-f5c3b108582a" providerId="ADAL" clId="{32A0BADB-2EDA-40A0-B15A-8D58BACC3113}" dt="2023-07-15T12:37:11.308" v="281" actId="1035"/>
-          <ac:spMkLst>
-            <pc:docMk/>
-            <pc:sldMk cId="637895129" sldId="513"/>
-            <ac:spMk id="11" creationId="{00000000-0000-0000-0000-000000000000}"/>
-          </ac:spMkLst>
-        </pc:spChg>
-        <pc:spChg chg="add mod">
-          <ac:chgData name="Gerth Stølting Brodal" userId="04ef4784-6591-4f86-a140-f5c3b108582a" providerId="ADAL" clId="{32A0BADB-2EDA-40A0-B15A-8D58BACC3113}" dt="2023-07-15T12:39:41.762" v="339" actId="14100"/>
-          <ac:spMkLst>
-            <pc:docMk/>
-            <pc:sldMk cId="637895129" sldId="513"/>
-            <ac:spMk id="39" creationId="{ACD34319-F395-A2F2-21A5-0C7A1D6F137B}"/>
-          </ac:spMkLst>
-        </pc:spChg>
-        <pc:grpChg chg="del">
-          <ac:chgData name="Gerth Stølting Brodal" userId="04ef4784-6591-4f86-a140-f5c3b108582a" providerId="ADAL" clId="{32A0BADB-2EDA-40A0-B15A-8D58BACC3113}" dt="2023-07-15T12:08:19.020" v="61" actId="478"/>
-          <ac:grpSpMkLst>
-            <pc:docMk/>
-            <pc:sldMk cId="637895129" sldId="513"/>
-            <ac:grpSpMk id="14" creationId="{00000000-0000-0000-0000-000000000000}"/>
-          </ac:grpSpMkLst>
-        </pc:grpChg>
-        <pc:grpChg chg="del">
-          <ac:chgData name="Gerth Stølting Brodal" userId="04ef4784-6591-4f86-a140-f5c3b108582a" providerId="ADAL" clId="{32A0BADB-2EDA-40A0-B15A-8D58BACC3113}" dt="2023-07-15T12:08:19.020" v="61" actId="478"/>
-          <ac:grpSpMkLst>
-            <pc:docMk/>
-            <pc:sldMk cId="637895129" sldId="513"/>
-            <ac:grpSpMk id="18" creationId="{00000000-0000-0000-0000-000000000000}"/>
-          </ac:grpSpMkLst>
-        </pc:grpChg>
-        <pc:grpChg chg="del">
-          <ac:chgData name="Gerth Stølting Brodal" userId="04ef4784-6591-4f86-a140-f5c3b108582a" providerId="ADAL" clId="{32A0BADB-2EDA-40A0-B15A-8D58BACC3113}" dt="2023-07-15T12:08:19.020" v="61" actId="478"/>
-          <ac:grpSpMkLst>
-            <pc:docMk/>
-            <pc:sldMk cId="637895129" sldId="513"/>
-            <ac:grpSpMk id="22" creationId="{00000000-0000-0000-0000-000000000000}"/>
-          </ac:grpSpMkLst>
-        </pc:grpChg>
-        <pc:grpChg chg="add mod">
-          <ac:chgData name="Gerth Stølting Brodal" userId="04ef4784-6591-4f86-a140-f5c3b108582a" providerId="ADAL" clId="{32A0BADB-2EDA-40A0-B15A-8D58BACC3113}" dt="2023-07-15T12:23:54.878" v="186" actId="1076"/>
-          <ac:grpSpMkLst>
-            <pc:docMk/>
-            <pc:sldMk cId="637895129" sldId="513"/>
-            <ac:grpSpMk id="26" creationId="{E3C1A19D-FB28-1700-35F0-784951085ABA}"/>
-          </ac:grpSpMkLst>
-        </pc:grpChg>
-        <pc:grpChg chg="add mod">
-          <ac:chgData name="Gerth Stølting Brodal" userId="04ef4784-6591-4f86-a140-f5c3b108582a" providerId="ADAL" clId="{32A0BADB-2EDA-40A0-B15A-8D58BACC3113}" dt="2023-07-15T12:35:06.081" v="263" actId="1076"/>
-          <ac:grpSpMkLst>
-            <pc:docMk/>
-            <pc:sldMk cId="637895129" sldId="513"/>
-            <ac:grpSpMk id="29" creationId="{8FDA7B88-B8CF-2A93-2D59-BA63F35D6ED6}"/>
-          </ac:grpSpMkLst>
-        </pc:grpChg>
-        <pc:graphicFrameChg chg="mod modGraphic">
-          <ac:chgData name="Gerth Stølting Brodal" userId="04ef4784-6591-4f86-a140-f5c3b108582a" providerId="ADAL" clId="{32A0BADB-2EDA-40A0-B15A-8D58BACC3113}" dt="2023-07-15T12:37:36.901" v="282" actId="1076"/>
-          <ac:graphicFrameMkLst>
-            <pc:docMk/>
-            <pc:sldMk cId="637895129" sldId="513"/>
-            <ac:graphicFrameMk id="4" creationId="{00000000-0000-0000-0000-000000000000}"/>
-          </ac:graphicFrameMkLst>
-        </pc:graphicFrameChg>
-        <pc:picChg chg="add del mod ord">
-          <ac:chgData name="Gerth Stølting Brodal" userId="04ef4784-6591-4f86-a140-f5c3b108582a" providerId="ADAL" clId="{32A0BADB-2EDA-40A0-B15A-8D58BACC3113}" dt="2023-07-15T12:16:25.576" v="108" actId="478"/>
-          <ac:picMkLst>
-            <pc:docMk/>
-            <pc:sldMk cId="637895129" sldId="513"/>
-            <ac:picMk id="3" creationId="{70D15267-92F9-E093-1DC1-49EE8FFBC329}"/>
-          </ac:picMkLst>
-        </pc:picChg>
-        <pc:picChg chg="add del">
-          <ac:chgData name="Gerth Stølting Brodal" userId="04ef4784-6591-4f86-a140-f5c3b108582a" providerId="ADAL" clId="{32A0BADB-2EDA-40A0-B15A-8D58BACC3113}" dt="2023-07-15T11:50:07.879" v="34" actId="478"/>
-          <ac:picMkLst>
-            <pc:docMk/>
-            <pc:sldMk cId="637895129" sldId="513"/>
-            <ac:picMk id="5" creationId="{00000000-0000-0000-0000-000000000000}"/>
-          </ac:picMkLst>
-        </pc:picChg>
-        <pc:picChg chg="del mod">
-          <ac:chgData name="Gerth Stølting Brodal" userId="04ef4784-6591-4f86-a140-f5c3b108582a" providerId="ADAL" clId="{32A0BADB-2EDA-40A0-B15A-8D58BACC3113}" dt="2023-07-15T12:08:29.049" v="63" actId="478"/>
-          <ac:picMkLst>
-            <pc:docMk/>
-            <pc:sldMk cId="637895129" sldId="513"/>
-            <ac:picMk id="13" creationId="{00000000-0000-0000-0000-000000000000}"/>
-          </ac:picMkLst>
-        </pc:picChg>
-        <pc:picChg chg="add del mod ord">
-          <ac:chgData name="Gerth Stølting Brodal" userId="04ef4784-6591-4f86-a140-f5c3b108582a" providerId="ADAL" clId="{32A0BADB-2EDA-40A0-B15A-8D58BACC3113}" dt="2023-07-15T12:23:16.361" v="176" actId="478"/>
-          <ac:picMkLst>
-            <pc:docMk/>
-            <pc:sldMk cId="637895129" sldId="513"/>
-            <ac:picMk id="28" creationId="{10BCC1E6-0D85-851F-035F-996FC83899B0}"/>
-          </ac:picMkLst>
-        </pc:picChg>
-        <pc:picChg chg="add del mod">
-          <ac:chgData name="Gerth Stølting Brodal" userId="04ef4784-6591-4f86-a140-f5c3b108582a" providerId="ADAL" clId="{32A0BADB-2EDA-40A0-B15A-8D58BACC3113}" dt="2023-07-15T12:23:14.530" v="175" actId="478"/>
-          <ac:picMkLst>
-            <pc:docMk/>
-            <pc:sldMk cId="637895129" sldId="513"/>
-            <ac:picMk id="32" creationId="{0E5F171E-5ED5-B7A9-9094-A5A86D1BC5BD}"/>
-          </ac:picMkLst>
-        </pc:picChg>
-        <pc:picChg chg="add del mod ord">
-          <ac:chgData name="Gerth Stølting Brodal" userId="04ef4784-6591-4f86-a140-f5c3b108582a" providerId="ADAL" clId="{32A0BADB-2EDA-40A0-B15A-8D58BACC3113}" dt="2023-07-15T12:34:37.489" v="257" actId="478"/>
-          <ac:picMkLst>
-            <pc:docMk/>
-            <pc:sldMk cId="637895129" sldId="513"/>
-            <ac:picMk id="34" creationId="{0B1E8B60-8FC4-B7E7-A4F4-73DB1F3620E8}"/>
-          </ac:picMkLst>
-        </pc:picChg>
-        <pc:picChg chg="add mod ord">
-          <ac:chgData name="Gerth Stølting Brodal" userId="04ef4784-6591-4f86-a140-f5c3b108582a" providerId="ADAL" clId="{32A0BADB-2EDA-40A0-B15A-8D58BACC3113}" dt="2023-07-15T12:34:52.228" v="262" actId="167"/>
-          <ac:picMkLst>
-            <pc:docMk/>
-            <pc:sldMk cId="637895129" sldId="513"/>
-            <ac:picMk id="36" creationId="{16C84B83-BFE6-47C5-BD02-806A3BA394E1}"/>
-          </ac:picMkLst>
-        </pc:picChg>
-        <pc:picChg chg="add mod">
-          <ac:chgData name="Gerth Stølting Brodal" userId="04ef4784-6591-4f86-a140-f5c3b108582a" providerId="ADAL" clId="{32A0BADB-2EDA-40A0-B15A-8D58BACC3113}" dt="2023-07-15T12:39:46.204" v="340" actId="1076"/>
-          <ac:picMkLst>
-            <pc:docMk/>
-            <pc:sldMk cId="637895129" sldId="513"/>
-            <ac:picMk id="37" creationId="{18308946-9027-9C8F-1D78-27AF5CA9EF40}"/>
-          </ac:picMkLst>
-        </pc:picChg>
-        <pc:cxnChg chg="del">
-          <ac:chgData name="Gerth Stølting Brodal" userId="04ef4784-6591-4f86-a140-f5c3b108582a" providerId="ADAL" clId="{32A0BADB-2EDA-40A0-B15A-8D58BACC3113}" dt="2023-07-15T11:51:08.087" v="45" actId="478"/>
-          <ac:cxnSpMkLst>
-            <pc:docMk/>
-            <pc:sldMk cId="637895129" sldId="513"/>
-            <ac:cxnSpMk id="8" creationId="{00000000-0000-0000-0000-000000000000}"/>
-          </ac:cxnSpMkLst>
-        </pc:cxnChg>
-        <pc:cxnChg chg="mod">
-          <ac:chgData name="Gerth Stølting Brodal" userId="04ef4784-6591-4f86-a140-f5c3b108582a" providerId="ADAL" clId="{32A0BADB-2EDA-40A0-B15A-8D58BACC3113}" dt="2023-07-15T12:17:21.740" v="159" actId="14100"/>
-          <ac:cxnSpMkLst>
-            <pc:docMk/>
-            <pc:sldMk cId="637895129" sldId="513"/>
-            <ac:cxnSpMk id="10" creationId="{00000000-0000-0000-0000-000000000000}"/>
-          </ac:cxnSpMkLst>
-        </pc:cxnChg>
-        <pc:cxnChg chg="mod">
-          <ac:chgData name="Gerth Stølting Brodal" userId="04ef4784-6591-4f86-a140-f5c3b108582a" providerId="ADAL" clId="{32A0BADB-2EDA-40A0-B15A-8D58BACC3113}" dt="2023-07-15T12:30:57.573" v="251" actId="1076"/>
-          <ac:cxnSpMkLst>
-            <pc:docMk/>
-            <pc:sldMk cId="637895129" sldId="513"/>
-            <ac:cxnSpMk id="12" creationId="{00000000-0000-0000-0000-000000000000}"/>
-          </ac:cxnSpMkLst>
-        </pc:cxnChg>
       </pc:sldChg>
     </pc:docChg>
   </pc:docChgLst>
@@ -692,22 +348,6 @@
           <pc:docMk/>
           <pc:sldMk cId="2822266895" sldId="546"/>
         </pc:sldMkLst>
-        <pc:graphicFrameChg chg="modGraphic">
-          <ac:chgData name="Gerth Stølting Brodal" userId="04ef4784-6591-4f86-a140-f5c3b108582a" providerId="ADAL" clId="{AEFD98B7-9159-4FE3-84D8-FAE8F6B9861E}" dt="2022-02-16T12:11:19.026" v="61" actId="207"/>
-          <ac:graphicFrameMkLst>
-            <pc:docMk/>
-            <pc:sldMk cId="2822266895" sldId="546"/>
-            <ac:graphicFrameMk id="4" creationId="{00000000-0000-0000-0000-000000000000}"/>
-          </ac:graphicFrameMkLst>
-        </pc:graphicFrameChg>
-        <pc:graphicFrameChg chg="modGraphic">
-          <ac:chgData name="Gerth Stølting Brodal" userId="04ef4784-6591-4f86-a140-f5c3b108582a" providerId="ADAL" clId="{AEFD98B7-9159-4FE3-84D8-FAE8F6B9861E}" dt="2022-02-16T12:12:19.659" v="62" actId="207"/>
-          <ac:graphicFrameMkLst>
-            <pc:docMk/>
-            <pc:sldMk cId="2822266895" sldId="546"/>
-            <ac:graphicFrameMk id="5" creationId="{00000000-0000-0000-0000-000000000000}"/>
-          </ac:graphicFrameMkLst>
-        </pc:graphicFrameChg>
       </pc:sldChg>
       <pc:sldChg chg="modNotesTx">
         <pc:chgData name="Gerth Stølting Brodal" userId="04ef4784-6591-4f86-a140-f5c3b108582a" providerId="ADAL" clId="{AEFD98B7-9159-4FE3-84D8-FAE8F6B9861E}" dt="2022-02-19T10:43:19.613" v="680" actId="20577"/>
@@ -722,14 +362,6 @@
           <pc:docMk/>
           <pc:sldMk cId="3877967072" sldId="551"/>
         </pc:sldMkLst>
-        <pc:graphicFrameChg chg="modGraphic">
-          <ac:chgData name="Gerth Stølting Brodal" userId="04ef4784-6591-4f86-a140-f5c3b108582a" providerId="ADAL" clId="{AEFD98B7-9159-4FE3-84D8-FAE8F6B9861E}" dt="2022-02-21T07:42:41.318" v="925" actId="20577"/>
-          <ac:graphicFrameMkLst>
-            <pc:docMk/>
-            <pc:sldMk cId="3877967072" sldId="551"/>
-            <ac:graphicFrameMk id="6" creationId="{00000000-0000-0000-0000-000000000000}"/>
-          </ac:graphicFrameMkLst>
-        </pc:graphicFrameChg>
       </pc:sldChg>
       <pc:sldChg chg="modSp mod ord">
         <pc:chgData name="Gerth Stølting Brodal" userId="04ef4784-6591-4f86-a140-f5c3b108582a" providerId="ADAL" clId="{AEFD98B7-9159-4FE3-84D8-FAE8F6B9861E}" dt="2022-02-20T16:30:44.206" v="772" actId="20577"/>
@@ -737,14 +369,6 @@
           <pc:docMk/>
           <pc:sldMk cId="1145811308" sldId="555"/>
         </pc:sldMkLst>
-        <pc:spChg chg="mod">
-          <ac:chgData name="Gerth Stølting Brodal" userId="04ef4784-6591-4f86-a140-f5c3b108582a" providerId="ADAL" clId="{AEFD98B7-9159-4FE3-84D8-FAE8F6B9861E}" dt="2022-02-20T16:30:44.206" v="772" actId="20577"/>
-          <ac:spMkLst>
-            <pc:docMk/>
-            <pc:sldMk cId="1145811308" sldId="555"/>
-            <ac:spMk id="3" creationId="{00000000-0000-0000-0000-000000000000}"/>
-          </ac:spMkLst>
-        </pc:spChg>
       </pc:sldChg>
       <pc:sldChg chg="modSp mod">
         <pc:chgData name="Gerth Stølting Brodal" userId="04ef4784-6591-4f86-a140-f5c3b108582a" providerId="ADAL" clId="{AEFD98B7-9159-4FE3-84D8-FAE8F6B9861E}" dt="2022-02-16T08:57:19.135" v="60" actId="20577"/>
@@ -752,14 +376,6 @@
           <pc:docMk/>
           <pc:sldMk cId="2705371955" sldId="559"/>
         </pc:sldMkLst>
-        <pc:spChg chg="mod">
-          <ac:chgData name="Gerth Stølting Brodal" userId="04ef4784-6591-4f86-a140-f5c3b108582a" providerId="ADAL" clId="{AEFD98B7-9159-4FE3-84D8-FAE8F6B9861E}" dt="2022-02-16T08:57:19.135" v="60" actId="20577"/>
-          <ac:spMkLst>
-            <pc:docMk/>
-            <pc:sldMk cId="2705371955" sldId="559"/>
-            <ac:spMk id="3" creationId="{00000000-0000-0000-0000-000000000000}"/>
-          </ac:spMkLst>
-        </pc:spChg>
       </pc:sldChg>
       <pc:sldChg chg="modSp mod">
         <pc:chgData name="Gerth Stølting Brodal" userId="04ef4784-6591-4f86-a140-f5c3b108582a" providerId="ADAL" clId="{AEFD98B7-9159-4FE3-84D8-FAE8F6B9861E}" dt="2022-02-16T08:40:28.844" v="57" actId="207"/>
@@ -767,14 +383,6 @@
           <pc:docMk/>
           <pc:sldMk cId="4055154653" sldId="562"/>
         </pc:sldMkLst>
-        <pc:graphicFrameChg chg="modGraphic">
-          <ac:chgData name="Gerth Stølting Brodal" userId="04ef4784-6591-4f86-a140-f5c3b108582a" providerId="ADAL" clId="{AEFD98B7-9159-4FE3-84D8-FAE8F6B9861E}" dt="2022-02-16T08:40:28.844" v="57" actId="207"/>
-          <ac:graphicFrameMkLst>
-            <pc:docMk/>
-            <pc:sldMk cId="4055154653" sldId="562"/>
-            <ac:graphicFrameMk id="9" creationId="{00000000-0000-0000-0000-000000000000}"/>
-          </ac:graphicFrameMkLst>
-        </pc:graphicFrameChg>
       </pc:sldChg>
       <pc:sldChg chg="modSp mod">
         <pc:chgData name="Gerth Stølting Brodal" userId="04ef4784-6591-4f86-a140-f5c3b108582a" providerId="ADAL" clId="{AEFD98B7-9159-4FE3-84D8-FAE8F6B9861E}" dt="2022-02-19T08:32:07.491" v="67" actId="20577"/>
@@ -782,14 +390,6 @@
           <pc:docMk/>
           <pc:sldMk cId="2581648680" sldId="563"/>
         </pc:sldMkLst>
-        <pc:spChg chg="mod">
-          <ac:chgData name="Gerth Stølting Brodal" userId="04ef4784-6591-4f86-a140-f5c3b108582a" providerId="ADAL" clId="{AEFD98B7-9159-4FE3-84D8-FAE8F6B9861E}" dt="2022-02-19T08:32:07.491" v="67" actId="20577"/>
-          <ac:spMkLst>
-            <pc:docMk/>
-            <pc:sldMk cId="2581648680" sldId="563"/>
-            <ac:spMk id="3" creationId="{00000000-0000-0000-0000-000000000000}"/>
-          </ac:spMkLst>
-        </pc:spChg>
       </pc:sldChg>
       <pc:sldChg chg="modSp mod">
         <pc:chgData name="Gerth Stølting Brodal" userId="04ef4784-6591-4f86-a140-f5c3b108582a" providerId="ADAL" clId="{AEFD98B7-9159-4FE3-84D8-FAE8F6B9861E}" dt="2022-02-16T12:15:33.406" v="65" actId="115"/>
@@ -797,14 +397,6 @@
           <pc:docMk/>
           <pc:sldMk cId="235520075" sldId="565"/>
         </pc:sldMkLst>
-        <pc:spChg chg="mod">
-          <ac:chgData name="Gerth Stølting Brodal" userId="04ef4784-6591-4f86-a140-f5c3b108582a" providerId="ADAL" clId="{AEFD98B7-9159-4FE3-84D8-FAE8F6B9861E}" dt="2022-02-16T12:15:33.406" v="65" actId="115"/>
-          <ac:spMkLst>
-            <pc:docMk/>
-            <pc:sldMk cId="235520075" sldId="565"/>
-            <ac:spMk id="2" creationId="{00000000-0000-0000-0000-000000000000}"/>
-          </ac:spMkLst>
-        </pc:spChg>
       </pc:sldChg>
       <pc:sldChg chg="addSp modSp mod modNotesTx">
         <pc:chgData name="Gerth Stølting Brodal" userId="04ef4784-6591-4f86-a140-f5c3b108582a" providerId="ADAL" clId="{AEFD98B7-9159-4FE3-84D8-FAE8F6B9861E}" dt="2022-02-19T09:19:16.930" v="144" actId="14100"/>
@@ -812,14 +404,6 @@
           <pc:docMk/>
           <pc:sldMk cId="630244301" sldId="566"/>
         </pc:sldMkLst>
-        <pc:cxnChg chg="add mod">
-          <ac:chgData name="Gerth Stølting Brodal" userId="04ef4784-6591-4f86-a140-f5c3b108582a" providerId="ADAL" clId="{AEFD98B7-9159-4FE3-84D8-FAE8F6B9861E}" dt="2022-02-19T09:19:16.930" v="144" actId="14100"/>
-          <ac:cxnSpMkLst>
-            <pc:docMk/>
-            <pc:sldMk cId="630244301" sldId="566"/>
-            <ac:cxnSpMk id="9" creationId="{FAFD779A-4D09-46FD-BC14-F31893BBB592}"/>
-          </ac:cxnSpMkLst>
-        </pc:cxnChg>
       </pc:sldChg>
       <pc:sldChg chg="modNotesTx">
         <pc:chgData name="Gerth Stølting Brodal" userId="04ef4784-6591-4f86-a140-f5c3b108582a" providerId="ADAL" clId="{AEFD98B7-9159-4FE3-84D8-FAE8F6B9861E}" dt="2022-02-16T07:01:53.235" v="32" actId="20577"/>
@@ -834,62 +418,30 @@
           <pc:docMk/>
           <pc:sldMk cId="465549274" sldId="569"/>
         </pc:sldMkLst>
+      </pc:sldChg>
+    </pc:docChg>
+  </pc:docChgLst>
+  <pc:docChgLst>
+    <pc:chgData name="Gerth Stølting Brodal" userId="04ef4784-6591-4f86-a140-f5c3b108582a" providerId="ADAL" clId="{27124F44-A0F7-408A-AA2B-2C5136C1DC06}"/>
+    <pc:docChg chg="modSld">
+      <pc:chgData name="Gerth Stølting Brodal" userId="04ef4784-6591-4f86-a140-f5c3b108582a" providerId="ADAL" clId="{27124F44-A0F7-408A-AA2B-2C5136C1DC06}" dt="2025-10-27T18:20:11.767" v="1" actId="962"/>
+      <pc:docMkLst>
+        <pc:docMk/>
+      </pc:docMkLst>
+      <pc:sldChg chg="modSp mod">
+        <pc:chgData name="Gerth Stølting Brodal" userId="04ef4784-6591-4f86-a140-f5c3b108582a" providerId="ADAL" clId="{27124F44-A0F7-408A-AA2B-2C5136C1DC06}" dt="2025-10-27T18:20:11.767" v="1" actId="962"/>
+        <pc:sldMkLst>
+          <pc:docMk/>
+          <pc:sldMk cId="2705371955" sldId="559"/>
+        </pc:sldMkLst>
         <pc:spChg chg="mod">
-          <ac:chgData name="Gerth Stølting Brodal" userId="04ef4784-6591-4f86-a140-f5c3b108582a" providerId="ADAL" clId="{AEFD98B7-9159-4FE3-84D8-FAE8F6B9861E}" dt="2022-02-19T09:26:22.942" v="164" actId="20577"/>
+          <ac:chgData name="Gerth Stølting Brodal" userId="04ef4784-6591-4f86-a140-f5c3b108582a" providerId="ADAL" clId="{27124F44-A0F7-408A-AA2B-2C5136C1DC06}" dt="2025-10-27T18:20:11.767" v="1" actId="962"/>
           <ac:spMkLst>
             <pc:docMk/>
-            <pc:sldMk cId="465549274" sldId="569"/>
-            <ac:spMk id="2" creationId="{00000000-0000-0000-0000-000000000000}"/>
-          </ac:spMkLst>
-        </pc:spChg>
-        <pc:spChg chg="mod">
-          <ac:chgData name="Gerth Stølting Brodal" userId="04ef4784-6591-4f86-a140-f5c3b108582a" providerId="ADAL" clId="{AEFD98B7-9159-4FE3-84D8-FAE8F6B9861E}" dt="2022-02-19T10:33:40.919" v="615" actId="1076"/>
-          <ac:spMkLst>
-            <pc:docMk/>
-            <pc:sldMk cId="465549274" sldId="569"/>
-            <ac:spMk id="3" creationId="{00000000-0000-0000-0000-000000000000}"/>
-          </ac:spMkLst>
-        </pc:spChg>
-        <pc:spChg chg="del">
-          <ac:chgData name="Gerth Stølting Brodal" userId="04ef4784-6591-4f86-a140-f5c3b108582a" providerId="ADAL" clId="{AEFD98B7-9159-4FE3-84D8-FAE8F6B9861E}" dt="2022-02-19T09:26:37.836" v="166" actId="478"/>
-          <ac:spMkLst>
-            <pc:docMk/>
-            <pc:sldMk cId="465549274" sldId="569"/>
+            <pc:sldMk cId="2705371955" sldId="559"/>
             <ac:spMk id="4" creationId="{00000000-0000-0000-0000-000000000000}"/>
           </ac:spMkLst>
         </pc:spChg>
-        <pc:graphicFrameChg chg="del">
-          <ac:chgData name="Gerth Stølting Brodal" userId="04ef4784-6591-4f86-a140-f5c3b108582a" providerId="ADAL" clId="{AEFD98B7-9159-4FE3-84D8-FAE8F6B9861E}" dt="2022-02-19T09:26:34.227" v="165" actId="478"/>
-          <ac:graphicFrameMkLst>
-            <pc:docMk/>
-            <pc:sldMk cId="465549274" sldId="569"/>
-            <ac:graphicFrameMk id="6" creationId="{00000000-0000-0000-0000-000000000000}"/>
-          </ac:graphicFrameMkLst>
-        </pc:graphicFrameChg>
-        <pc:graphicFrameChg chg="mod modGraphic">
-          <ac:chgData name="Gerth Stølting Brodal" userId="04ef4784-6591-4f86-a140-f5c3b108582a" providerId="ADAL" clId="{AEFD98B7-9159-4FE3-84D8-FAE8F6B9861E}" dt="2022-02-19T10:50:37.782" v="701" actId="20577"/>
-          <ac:graphicFrameMkLst>
-            <pc:docMk/>
-            <pc:sldMk cId="465549274" sldId="569"/>
-            <ac:graphicFrameMk id="7" creationId="{00000000-0000-0000-0000-000000000000}"/>
-          </ac:graphicFrameMkLst>
-        </pc:graphicFrameChg>
-        <pc:picChg chg="mod">
-          <ac:chgData name="Gerth Stølting Brodal" userId="04ef4784-6591-4f86-a140-f5c3b108582a" providerId="ADAL" clId="{AEFD98B7-9159-4FE3-84D8-FAE8F6B9861E}" dt="2022-02-19T10:45:06.025" v="681" actId="1076"/>
-          <ac:picMkLst>
-            <pc:docMk/>
-            <pc:sldMk cId="465549274" sldId="569"/>
-            <ac:picMk id="8" creationId="{00000000-0000-0000-0000-000000000000}"/>
-          </ac:picMkLst>
-        </pc:picChg>
-        <pc:picChg chg="del">
-          <ac:chgData name="Gerth Stølting Brodal" userId="04ef4784-6591-4f86-a140-f5c3b108582a" providerId="ADAL" clId="{AEFD98B7-9159-4FE3-84D8-FAE8F6B9861E}" dt="2022-02-19T09:26:37.836" v="166" actId="478"/>
-          <ac:picMkLst>
-            <pc:docMk/>
-            <pc:sldMk cId="465549274" sldId="569"/>
-            <ac:picMk id="9" creationId="{00000000-0000-0000-0000-000000000000}"/>
-          </ac:picMkLst>
-        </pc:picChg>
       </pc:sldChg>
     </pc:docChg>
   </pc:docChgLst>
@@ -994,7 +546,7 @@
           <a:p>
             <a:fld id="{FB1A172F-81D4-4DC4-9113-1DBD56EC3646}" type="datetimeFigureOut">
               <a:rPr lang="en-US" smtClean="0"/>
-              <a:t>2/19/2024</a:t>
+              <a:t>10/27/2025</a:t>
             </a:fld>
             <a:endParaRPr lang="en-US"/>
           </a:p>
@@ -3669,7 +3221,7 @@
           <a:p>
             <a:fld id="{0560A9CD-0304-4E0B-9E82-E7E0115DE05B}" type="datetimeFigureOut">
               <a:rPr lang="en-US" smtClean="0"/>
-              <a:t>2/19/2024</a:t>
+              <a:t>10/27/2025</a:t>
             </a:fld>
             <a:endParaRPr lang="en-US"/>
           </a:p>
@@ -3837,7 +3389,7 @@
           <a:p>
             <a:fld id="{0560A9CD-0304-4E0B-9E82-E7E0115DE05B}" type="datetimeFigureOut">
               <a:rPr lang="en-US" smtClean="0"/>
-              <a:t>2/19/2024</a:t>
+              <a:t>10/27/2025</a:t>
             </a:fld>
             <a:endParaRPr lang="en-US"/>
           </a:p>
@@ -4015,7 +3567,7 @@
           <a:p>
             <a:fld id="{0560A9CD-0304-4E0B-9E82-E7E0115DE05B}" type="datetimeFigureOut">
               <a:rPr lang="en-US" smtClean="0"/>
-              <a:t>2/19/2024</a:t>
+              <a:t>10/27/2025</a:t>
             </a:fld>
             <a:endParaRPr lang="en-US"/>
           </a:p>
@@ -4192,7 +3744,7 @@
           <a:p>
             <a:fld id="{0560A9CD-0304-4E0B-9E82-E7E0115DE05B}" type="datetimeFigureOut">
               <a:rPr lang="en-US" smtClean="0"/>
-              <a:t>2/19/2024</a:t>
+              <a:t>10/27/2025</a:t>
             </a:fld>
             <a:endParaRPr lang="en-US"/>
           </a:p>
@@ -4437,7 +3989,7 @@
           <a:p>
             <a:fld id="{0560A9CD-0304-4E0B-9E82-E7E0115DE05B}" type="datetimeFigureOut">
               <a:rPr lang="en-US" smtClean="0"/>
-              <a:t>2/19/2024</a:t>
+              <a:t>10/27/2025</a:t>
             </a:fld>
             <a:endParaRPr lang="en-US"/>
           </a:p>
@@ -4666,7 +4218,7 @@
           <a:p>
             <a:fld id="{0560A9CD-0304-4E0B-9E82-E7E0115DE05B}" type="datetimeFigureOut">
               <a:rPr lang="en-US" smtClean="0"/>
-              <a:t>2/19/2024</a:t>
+              <a:t>10/27/2025</a:t>
             </a:fld>
             <a:endParaRPr lang="en-US"/>
           </a:p>
@@ -5030,7 +4582,7 @@
           <a:p>
             <a:fld id="{0560A9CD-0304-4E0B-9E82-E7E0115DE05B}" type="datetimeFigureOut">
               <a:rPr lang="en-US" smtClean="0"/>
-              <a:t>2/19/2024</a:t>
+              <a:t>10/27/2025</a:t>
             </a:fld>
             <a:endParaRPr lang="en-US"/>
           </a:p>
@@ -5147,7 +4699,7 @@
           <a:p>
             <a:fld id="{0560A9CD-0304-4E0B-9E82-E7E0115DE05B}" type="datetimeFigureOut">
               <a:rPr lang="en-US" smtClean="0"/>
-              <a:t>2/19/2024</a:t>
+              <a:t>10/27/2025</a:t>
             </a:fld>
             <a:endParaRPr lang="en-US"/>
           </a:p>
@@ -5242,7 +4794,7 @@
           <a:p>
             <a:fld id="{0560A9CD-0304-4E0B-9E82-E7E0115DE05B}" type="datetimeFigureOut">
               <a:rPr lang="en-US" smtClean="0"/>
-              <a:t>2/19/2024</a:t>
+              <a:t>10/27/2025</a:t>
             </a:fld>
             <a:endParaRPr lang="en-US"/>
           </a:p>
@@ -5517,7 +5069,7 @@
           <a:p>
             <a:fld id="{0560A9CD-0304-4E0B-9E82-E7E0115DE05B}" type="datetimeFigureOut">
               <a:rPr lang="en-US" smtClean="0"/>
-              <a:t>2/19/2024</a:t>
+              <a:t>10/27/2025</a:t>
             </a:fld>
             <a:endParaRPr lang="en-US"/>
           </a:p>
@@ -5769,7 +5321,7 @@
           <a:p>
             <a:fld id="{0560A9CD-0304-4E0B-9E82-E7E0115DE05B}" type="datetimeFigureOut">
               <a:rPr lang="en-US" smtClean="0"/>
-              <a:t>2/19/2024</a:t>
+              <a:t>10/27/2025</a:t>
             </a:fld>
             <a:endParaRPr lang="en-US"/>
           </a:p>
@@ -5980,7 +5532,7 @@
           <a:p>
             <a:fld id="{0560A9CD-0304-4E0B-9E82-E7E0115DE05B}" type="datetimeFigureOut">
               <a:rPr lang="en-US" smtClean="0"/>
-              <a:t>2/19/2024</a:t>
+              <a:t>10/27/2025</a:t>
             </a:fld>
             <a:endParaRPr lang="en-US"/>
           </a:p>
@@ -9256,7 +8808,7 @@
       </p:sp>
       <p:sp>
         <p:nvSpPr>
-          <p:cNvPr id="4" name="Smiley Face 3"/>
+          <p:cNvPr id="4" name="Smiley Face 3" descr="QuizAnswer"/>
           <p:cNvSpPr/>
           <p:nvPr/>
         </p:nvSpPr>

--- a/ipsa/slides/dictionaries.pptx
+++ b/ipsa/slides/dictionaries.pptx
@@ -149,7 +149,7 @@
   <pc:docChgLst>
     <pc:chgData name="Gerth Stølting Brodal" userId="04ef4784-6591-4f86-a140-f5c3b108582a" providerId="ADAL" clId="{73BAC7D6-516A-44B5-B4B0-C7B08CA8B392}"/>
     <pc:docChg chg="undo custSel modSld">
-      <pc:chgData name="Gerth Stølting Brodal" userId="04ef4784-6591-4f86-a140-f5c3b108582a" providerId="ADAL" clId="{73BAC7D6-516A-44B5-B4B0-C7B08CA8B392}" dt="2026-02-11T07:32:49.124" v="401" actId="20577"/>
+      <pc:chgData name="Gerth Stølting Brodal" userId="04ef4784-6591-4f86-a140-f5c3b108582a" providerId="ADAL" clId="{73BAC7D6-516A-44B5-B4B0-C7B08CA8B392}" dt="2026-02-19T15:16:27.918" v="453" actId="20577"/>
       <pc:docMkLst>
         <pc:docMk/>
       </pc:docMkLst>
@@ -396,7 +396,7 @@
         </pc:graphicFrameChg>
       </pc:sldChg>
       <pc:sldChg chg="modSp mod">
-        <pc:chgData name="Gerth Stølting Brodal" userId="04ef4784-6591-4f86-a140-f5c3b108582a" providerId="ADAL" clId="{73BAC7D6-516A-44B5-B4B0-C7B08CA8B392}" dt="2026-02-11T06:49:00.665" v="326" actId="790"/>
+        <pc:chgData name="Gerth Stølting Brodal" userId="04ef4784-6591-4f86-a140-f5c3b108582a" providerId="ADAL" clId="{73BAC7D6-516A-44B5-B4B0-C7B08CA8B392}" dt="2026-02-19T15:16:27.918" v="453" actId="20577"/>
         <pc:sldMkLst>
           <pc:docMk/>
           <pc:sldMk cId="3852152376" sldId="550"/>
@@ -410,7 +410,7 @@
           </ac:spMkLst>
         </pc:spChg>
         <pc:spChg chg="mod">
-          <ac:chgData name="Gerth Stølting Brodal" userId="04ef4784-6591-4f86-a140-f5c3b108582a" providerId="ADAL" clId="{73BAC7D6-516A-44B5-B4B0-C7B08CA8B392}" dt="2026-02-11T06:49:00.665" v="326" actId="790"/>
+          <ac:chgData name="Gerth Stølting Brodal" userId="04ef4784-6591-4f86-a140-f5c3b108582a" providerId="ADAL" clId="{73BAC7D6-516A-44B5-B4B0-C7B08CA8B392}" dt="2026-02-19T15:16:27.918" v="453" actId="20577"/>
           <ac:spMkLst>
             <pc:docMk/>
             <pc:sldMk cId="3852152376" sldId="550"/>
@@ -1130,7 +1130,7 @@
           <a:p>
             <a:fld id="{FB1A172F-81D4-4DC4-9113-1DBD56EC3646}" type="datetimeFigureOut">
               <a:rPr lang="en-US" smtClean="0"/>
-              <a:t>2/11/2026</a:t>
+              <a:t>2/19/2026</a:t>
             </a:fld>
             <a:endParaRPr lang="en-US"/>
           </a:p>
@@ -4050,7 +4050,7 @@
           <a:p>
             <a:fld id="{0560A9CD-0304-4E0B-9E82-E7E0115DE05B}" type="datetimeFigureOut">
               <a:rPr lang="en-US" smtClean="0"/>
-              <a:t>2/11/2026</a:t>
+              <a:t>2/19/2026</a:t>
             </a:fld>
             <a:endParaRPr lang="en-US"/>
           </a:p>
@@ -4218,7 +4218,7 @@
           <a:p>
             <a:fld id="{0560A9CD-0304-4E0B-9E82-E7E0115DE05B}" type="datetimeFigureOut">
               <a:rPr lang="en-US" smtClean="0"/>
-              <a:t>2/11/2026</a:t>
+              <a:t>2/19/2026</a:t>
             </a:fld>
             <a:endParaRPr lang="en-US"/>
           </a:p>
@@ -4396,7 +4396,7 @@
           <a:p>
             <a:fld id="{0560A9CD-0304-4E0B-9E82-E7E0115DE05B}" type="datetimeFigureOut">
               <a:rPr lang="en-US" smtClean="0"/>
-              <a:t>2/11/2026</a:t>
+              <a:t>2/19/2026</a:t>
             </a:fld>
             <a:endParaRPr lang="en-US"/>
           </a:p>
@@ -4573,7 +4573,7 @@
           <a:p>
             <a:fld id="{0560A9CD-0304-4E0B-9E82-E7E0115DE05B}" type="datetimeFigureOut">
               <a:rPr lang="en-US" smtClean="0"/>
-              <a:t>2/11/2026</a:t>
+              <a:t>2/19/2026</a:t>
             </a:fld>
             <a:endParaRPr lang="en-US"/>
           </a:p>
@@ -4818,7 +4818,7 @@
           <a:p>
             <a:fld id="{0560A9CD-0304-4E0B-9E82-E7E0115DE05B}" type="datetimeFigureOut">
               <a:rPr lang="en-US" smtClean="0"/>
-              <a:t>2/11/2026</a:t>
+              <a:t>2/19/2026</a:t>
             </a:fld>
             <a:endParaRPr lang="en-US"/>
           </a:p>
@@ -5047,7 +5047,7 @@
           <a:p>
             <a:fld id="{0560A9CD-0304-4E0B-9E82-E7E0115DE05B}" type="datetimeFigureOut">
               <a:rPr lang="en-US" smtClean="0"/>
-              <a:t>2/11/2026</a:t>
+              <a:t>2/19/2026</a:t>
             </a:fld>
             <a:endParaRPr lang="en-US"/>
           </a:p>
@@ -5411,7 +5411,7 @@
           <a:p>
             <a:fld id="{0560A9CD-0304-4E0B-9E82-E7E0115DE05B}" type="datetimeFigureOut">
               <a:rPr lang="en-US" smtClean="0"/>
-              <a:t>2/11/2026</a:t>
+              <a:t>2/19/2026</a:t>
             </a:fld>
             <a:endParaRPr lang="en-US"/>
           </a:p>
@@ -5528,7 +5528,7 @@
           <a:p>
             <a:fld id="{0560A9CD-0304-4E0B-9E82-E7E0115DE05B}" type="datetimeFigureOut">
               <a:rPr lang="en-US" smtClean="0"/>
-              <a:t>2/11/2026</a:t>
+              <a:t>2/19/2026</a:t>
             </a:fld>
             <a:endParaRPr lang="en-US"/>
           </a:p>
@@ -5623,7 +5623,7 @@
           <a:p>
             <a:fld id="{0560A9CD-0304-4E0B-9E82-E7E0115DE05B}" type="datetimeFigureOut">
               <a:rPr lang="en-US" smtClean="0"/>
-              <a:t>2/11/2026</a:t>
+              <a:t>2/19/2026</a:t>
             </a:fld>
             <a:endParaRPr lang="en-US"/>
           </a:p>
@@ -5898,7 +5898,7 @@
           <a:p>
             <a:fld id="{0560A9CD-0304-4E0B-9E82-E7E0115DE05B}" type="datetimeFigureOut">
               <a:rPr lang="en-US" smtClean="0"/>
-              <a:t>2/11/2026</a:t>
+              <a:t>2/19/2026</a:t>
             </a:fld>
             <a:endParaRPr lang="en-US"/>
           </a:p>
@@ -6150,7 +6150,7 @@
           <a:p>
             <a:fld id="{0560A9CD-0304-4E0B-9E82-E7E0115DE05B}" type="datetimeFigureOut">
               <a:rPr lang="en-US" smtClean="0"/>
-              <a:t>2/11/2026</a:t>
+              <a:t>2/19/2026</a:t>
             </a:fld>
             <a:endParaRPr lang="en-US"/>
           </a:p>
@@ -6361,7 +6361,7 @@
           <a:p>
             <a:fld id="{0560A9CD-0304-4E0B-9E82-E7E0115DE05B}" type="datetimeFigureOut">
               <a:rPr lang="en-US" smtClean="0"/>
-              <a:t>2/11/2026</a:t>
+              <a:t>2/19/2026</a:t>
             </a:fld>
             <a:endParaRPr lang="en-US"/>
           </a:p>
@@ -6942,7 +6942,7 @@
         </p:spPr>
         <p:txBody>
           <a:bodyPr>
-            <a:normAutofit/>
+            <a:normAutofit lnSpcReduction="10000"/>
           </a:bodyPr>
           <a:lstStyle/>
           <a:p>
@@ -7050,6 +7050,13 @@
             <a:r>
               <a:rPr lang="en-US" noProof="0" dirty="0"/>
               <a:t> represent mutable sets, where ”==” elements only appear once</a:t>
+            </a:r>
+            <a:br>
+              <a:rPr lang="en-US" noProof="0" dirty="0"/>
+            </a:br>
+            <a:r>
+              <a:rPr lang="en-US" noProof="0" dirty="0"/>
+              <a:t>(opposed to lists where elements can repeat)</a:t>
             </a:r>
           </a:p>
           <a:p>
@@ -21671,8 +21678,8 @@
           </a:p>
         </p:txBody>
       </p:sp>
-      <mc:AlternateContent xmlns:mc="http://schemas.openxmlformats.org/markup-compatibility/2006">
-        <mc:Choice xmlns:a14="http://schemas.microsoft.com/office/drawing/2010/main" Requires="a14">
+      <mc:AlternateContent xmlns:mc="http://schemas.openxmlformats.org/markup-compatibility/2006" xmlns:a14="http://schemas.microsoft.com/office/drawing/2010/main">
+        <mc:Choice Requires="a14">
           <p:sp>
             <p:nvSpPr>
               <p:cNvPr id="7" name="TextBox 6"/>
@@ -21713,6 +21720,7 @@
                             <a:solidFill>
                               <a:schemeClr val="tx1"/>
                             </a:solidFill>
+                            <a:latin typeface="Cambria Math" panose="02040503050406030204" pitchFamily="18" charset="0"/>
                           </a:rPr>
                         </m:ctrlPr>
                       </m:dPr>
@@ -21732,6 +21740,7 @@
                                 <a:solidFill>
                                   <a:schemeClr val="tx1"/>
                                 </a:solidFill>
+                                <a:latin typeface="Cambria Math" panose="02040503050406030204" pitchFamily="18" charset="0"/>
                               </a:rPr>
                             </m:ctrlPr>
                           </m:mPr>
@@ -21796,7 +21805,7 @@
             </p:txBody>
           </p:sp>
         </mc:Choice>
-        <mc:Fallback>
+        <mc:Fallback xmlns="">
           <p:sp>
             <p:nvSpPr>
               <p:cNvPr id="7" name="TextBox 6"/>
